--- a/Presentation/Presentation.pptx
+++ b/Presentation/Presentation.pptx
@@ -8,6 +8,13 @@
     <p:sldId id="256" r:id="rId2"/>
     <p:sldId id="257" r:id="rId3"/>
     <p:sldId id="258" r:id="rId4"/>
+    <p:sldId id="259" r:id="rId5"/>
+    <p:sldId id="270" r:id="rId6"/>
+    <p:sldId id="260" r:id="rId7"/>
+    <p:sldId id="263" r:id="rId8"/>
+    <p:sldId id="266" r:id="rId9"/>
+    <p:sldId id="267" r:id="rId10"/>
+    <p:sldId id="269" r:id="rId11"/>
   </p:sldIdLst>
   <p:sldSz cx="12192000" cy="6858000"/>
   <p:notesSz cx="6858000" cy="9144000"/>
@@ -3068,6 +3075,180 @@
 </p:sld>
 </file>
 
+<file path=ppt/slides/slide10.xml><?xml version="1.0" encoding="utf-8"?>
+<p:sld xmlns:a="http://schemas.openxmlformats.org/drawingml/2006/main" xmlns:r="http://schemas.openxmlformats.org/officeDocument/2006/relationships" xmlns:p="http://schemas.openxmlformats.org/presentationml/2006/main">
+  <p:cSld>
+    <p:spTree>
+      <p:nvGrpSpPr>
+        <p:cNvPr id="1" name=""/>
+        <p:cNvGrpSpPr/>
+        <p:nvPr/>
+      </p:nvGrpSpPr>
+      <p:grpSpPr>
+        <a:xfrm>
+          <a:off x="0" y="0"/>
+          <a:ext cx="0" cy="0"/>
+          <a:chOff x="0" y="0"/>
+          <a:chExt cx="0" cy="0"/>
+        </a:xfrm>
+      </p:grpSpPr>
+      <p:sp>
+        <p:nvSpPr>
+          <p:cNvPr id="2" name="Title 1"/>
+          <p:cNvSpPr>
+            <a:spLocks noGrp="1"/>
+          </p:cNvSpPr>
+          <p:nvPr>
+            <p:ph type="title"/>
+          </p:nvPr>
+        </p:nvSpPr>
+        <p:spPr/>
+        <p:txBody>
+          <a:bodyPr/>
+          <a:lstStyle/>
+          <a:p>
+            <a:r>
+              <a:rPr lang="en-US" dirty="0" smtClean="0"/>
+              <a:t>Thank You!</a:t>
+            </a:r>
+            <a:endParaRPr lang="en-US" dirty="0"/>
+          </a:p>
+        </p:txBody>
+      </p:sp>
+      <p:sp>
+        <p:nvSpPr>
+          <p:cNvPr id="3" name="Content Placeholder 2"/>
+          <p:cNvSpPr>
+            <a:spLocks noGrp="1"/>
+          </p:cNvSpPr>
+          <p:nvPr>
+            <p:ph idx="1"/>
+          </p:nvPr>
+        </p:nvSpPr>
+        <p:spPr/>
+        <p:txBody>
+          <a:bodyPr>
+            <a:normAutofit/>
+          </a:bodyPr>
+          <a:lstStyle/>
+          <a:p>
+            <a:r>
+              <a:rPr lang="en-US" dirty="0" smtClean="0"/>
+              <a:t>References</a:t>
+            </a:r>
+          </a:p>
+          <a:p>
+            <a:pPr lvl="1"/>
+            <a:r>
+              <a:rPr lang="en-US" dirty="0"/>
+              <a:t>Anger Fog, Optimization </a:t>
+            </a:r>
+            <a:r>
+              <a:rPr lang="en-US" dirty="0" smtClean="0"/>
+              <a:t>Manuals </a:t>
+            </a:r>
+            <a:r>
+              <a:rPr lang="en-US" dirty="0" smtClean="0">
+                <a:hlinkClick r:id="rId2"/>
+              </a:rPr>
+              <a:t>https://agner.org/optimize</a:t>
+            </a:r>
+            <a:endParaRPr lang="en-US" dirty="0" smtClean="0"/>
+          </a:p>
+          <a:p>
+            <a:pPr lvl="1"/>
+            <a:r>
+              <a:rPr lang="en-US" dirty="0" smtClean="0"/>
+              <a:t>Richard </a:t>
+            </a:r>
+            <a:r>
+              <a:rPr lang="en-US" dirty="0"/>
+              <a:t>Fabian, “Data-Oriented </a:t>
+            </a:r>
+            <a:r>
+              <a:rPr lang="en-US" dirty="0" smtClean="0"/>
+              <a:t>Design” </a:t>
+            </a:r>
+            <a:r>
+              <a:rPr lang="en-US" dirty="0" smtClean="0">
+                <a:hlinkClick r:id="rId3"/>
+              </a:rPr>
+              <a:t>http://dataorienteddesign.com/dodbook</a:t>
+            </a:r>
+            <a:endParaRPr lang="en-US" dirty="0" smtClean="0"/>
+          </a:p>
+          <a:p>
+            <a:pPr lvl="1"/>
+            <a:r>
+              <a:rPr lang="en-US" dirty="0" smtClean="0"/>
+              <a:t>Yaser Zhian, Data Oriented </a:t>
+            </a:r>
+            <a:r>
+              <a:rPr lang="en-US" dirty="0">
+                <a:hlinkClick r:id="rId4"/>
+              </a:rPr>
+              <a:t>http://yzt.github.io/</a:t>
+            </a:r>
+            <a:endParaRPr lang="en-US" dirty="0"/>
+          </a:p>
+          <a:p>
+            <a:r>
+              <a:rPr lang="en-US" dirty="0" smtClean="0"/>
+              <a:t>Any Questions?</a:t>
+            </a:r>
+          </a:p>
+          <a:p>
+            <a:endParaRPr lang="en-US" dirty="0"/>
+          </a:p>
+          <a:p>
+            <a:endParaRPr lang="en-US" dirty="0" smtClean="0"/>
+          </a:p>
+          <a:p>
+            <a:pPr marL="0" indent="0" algn="ctr">
+              <a:buNone/>
+            </a:pPr>
+            <a:r>
+              <a:rPr lang="en-US" sz="1800" dirty="0" smtClean="0">
+                <a:hlinkClick r:id="rId5"/>
+              </a:rPr>
+              <a:t>https</a:t>
+            </a:r>
+            <a:r>
+              <a:rPr lang="en-US" sz="1800" dirty="0">
+                <a:hlinkClick r:id="rId5"/>
+              </a:rPr>
+              <a:t>://</a:t>
+            </a:r>
+            <a:r>
+              <a:rPr lang="en-US" sz="1800" dirty="0" smtClean="0">
+                <a:hlinkClick r:id="rId5"/>
+              </a:rPr>
+              <a:t>omidshahbazi.github.io</a:t>
+            </a:r>
+            <a:endParaRPr lang="en-US" sz="1800" dirty="0"/>
+          </a:p>
+        </p:txBody>
+      </p:sp>
+    </p:spTree>
+    <p:extLst>
+      <p:ext uri="{BB962C8B-B14F-4D97-AF65-F5344CB8AC3E}">
+        <p14:creationId xmlns:p14="http://schemas.microsoft.com/office/powerpoint/2010/main" val="3751765453"/>
+      </p:ext>
+    </p:extLst>
+  </p:cSld>
+  <p:clrMapOvr>
+    <a:masterClrMapping/>
+  </p:clrMapOvr>
+  <p:timing>
+    <p:tnLst>
+      <p:par>
+        <p:cTn id="1" dur="indefinite" restart="never" nodeType="tmRoot"/>
+      </p:par>
+    </p:tnLst>
+  </p:timing>
+</p:sld>
+</file>
+
 <file path=ppt/slides/slide2.xml><?xml version="1.0" encoding="utf-8"?>
 <p:sld xmlns:a="http://schemas.openxmlformats.org/drawingml/2006/main" xmlns:r="http://schemas.openxmlformats.org/officeDocument/2006/relationships" xmlns:p="http://schemas.openxmlformats.org/presentationml/2006/main">
   <p:cSld>
@@ -3142,12 +3323,13 @@
           <a:p>
             <a:r>
               <a:rPr lang="en-US" dirty="0"/>
-              <a:t>What's the actual problem </a:t>
+              <a:t>What's the actual </a:t>
             </a:r>
             <a:r>
               <a:rPr lang="en-US" dirty="0" smtClean="0"/>
-              <a:t>?</a:t>
-            </a:r>
+              <a:t>problem?</a:t>
+            </a:r>
+            <a:endParaRPr lang="en-US" dirty="0" smtClean="0"/>
           </a:p>
           <a:p>
             <a:r>
@@ -3224,7 +3406,10 @@
           <a:bodyPr/>
           <a:lstStyle/>
           <a:p>
-            <a:endParaRPr lang="en-US"/>
+            <a:r>
+              <a:rPr lang="en-US" dirty="0"/>
+              <a:t>Problem Statement</a:t>
+            </a:r>
           </a:p>
         </p:txBody>
       </p:sp>
@@ -3241,128 +3426,35 @@
         <p:spPr/>
         <p:txBody>
           <a:bodyPr>
-            <a:normAutofit fontScale="25000" lnSpcReduction="20000"/>
+            <a:normAutofit/>
           </a:bodyPr>
           <a:lstStyle/>
           <a:p>
             <a:r>
-              <a:rPr lang="en-US" dirty="0"/>
-              <a:t>Approach to Data-Oriented Design</a:t>
-            </a:r>
-          </a:p>
-          <a:p>
+              <a:rPr lang="en-US" dirty="0" smtClean="0"/>
+              <a:t>Simulate behavior of, and Render massive ants crawling on a map</a:t>
+            </a:r>
+          </a:p>
+          <a:p>
+            <a:pPr lvl="1"/>
+            <a:r>
+              <a:rPr lang="en-US" dirty="0" smtClean="0"/>
+              <a:t>Each ant is a pixel</a:t>
+            </a:r>
+          </a:p>
+          <a:p>
+            <a:pPr lvl="1"/>
+            <a:r>
+              <a:rPr lang="en-US" dirty="0" smtClean="0"/>
+              <a:t>We’re going to benchmark and impl. some solutions</a:t>
+            </a:r>
+          </a:p>
+          <a:p>
+            <a:r>
+              <a:rPr lang="en-US" dirty="0" smtClean="0"/>
+              <a:t>Do you need more to know?</a:t>
+            </a:r>
             <a:endParaRPr lang="en-US" dirty="0"/>
-          </a:p>
-          <a:p>
-            <a:r>
-              <a:rPr lang="en-US" dirty="0"/>
-              <a:t>-Target Audience</a:t>
-            </a:r>
-          </a:p>
-          <a:p>
-            <a:r>
-              <a:rPr lang="en-US" dirty="0"/>
-              <a:t>-Definition of Sample Problem</a:t>
-            </a:r>
-          </a:p>
-          <a:p>
-            <a:r>
-              <a:rPr lang="en-US" dirty="0"/>
-              <a:t>-Let's Discuss</a:t>
-            </a:r>
-          </a:p>
-          <a:p>
-            <a:r>
-              <a:rPr lang="en-US" dirty="0"/>
-              <a:t>-Give me some solutions</a:t>
-            </a:r>
-          </a:p>
-          <a:p>
-            <a:r>
-              <a:rPr lang="en-US" dirty="0"/>
-              <a:t>-Do we happy ?</a:t>
-            </a:r>
-          </a:p>
-          <a:p>
-            <a:r>
-              <a:rPr lang="en-US" dirty="0"/>
-              <a:t>-I don't think so</a:t>
-            </a:r>
-          </a:p>
-          <a:p>
-            <a:r>
-              <a:rPr lang="en-US" dirty="0"/>
-              <a:t>-Any other solution ?</a:t>
-            </a:r>
-          </a:p>
-          <a:p>
-            <a:r>
-              <a:rPr lang="en-US" dirty="0"/>
-              <a:t>-What's the actual problem ?</a:t>
-            </a:r>
-          </a:p>
-          <a:p>
-            <a:r>
-              <a:rPr lang="en-US" dirty="0"/>
-              <a:t>-Do we have to know more about hardware ?</a:t>
-            </a:r>
-          </a:p>
-          <a:p>
-            <a:r>
-              <a:rPr lang="en-US" dirty="0"/>
-              <a:t>-So what's the next step ?</a:t>
-            </a:r>
-          </a:p>
-          <a:p>
-            <a:r>
-              <a:rPr lang="en-US" dirty="0"/>
-              <a:t>-Studing better impl.</a:t>
-            </a:r>
-          </a:p>
-          <a:p>
-            <a:r>
-              <a:rPr lang="en-US" dirty="0"/>
-              <a:t>-Data-Oriented Design Principles</a:t>
-            </a:r>
-          </a:p>
-          <a:p>
-            <a:r>
-              <a:rPr lang="en-US" dirty="0"/>
-              <a:t>-Q/A</a:t>
-            </a:r>
-          </a:p>
-          <a:p>
-            <a:endParaRPr lang="en-US" dirty="0"/>
-          </a:p>
-          <a:p>
-            <a:r>
-              <a:rPr lang="en-US" dirty="0"/>
-              <a:t>Attendants [10-30]</a:t>
-            </a:r>
-          </a:p>
-          <a:p>
-            <a:endParaRPr lang="en-US" dirty="0"/>
-          </a:p>
-          <a:p>
-            <a:endParaRPr lang="en-US" dirty="0"/>
-          </a:p>
-          <a:p>
-            <a:r>
-              <a:rPr lang="en-US" dirty="0"/>
-              <a:t>https://www.agner.org/ &lt;---- DuMp it</a:t>
-            </a:r>
-          </a:p>
-          <a:p>
-            <a:r>
-              <a:rPr lang="en-US" dirty="0"/>
-              <a:t>https://www.intel.com/content/www/us/en/design/resource-design-center.html</a:t>
-            </a:r>
-          </a:p>
-          <a:p>
-            <a:r>
-              <a:rPr lang="en-US"/>
-              <a:t>https://developer.amd.com/resources/developer-guides-manuals/</a:t>
-            </a:r>
           </a:p>
         </p:txBody>
       </p:sp>
@@ -3376,6 +3468,565 @@
   <p:clrMapOvr>
     <a:masterClrMapping/>
   </p:clrMapOvr>
+</p:sld>
+</file>
+
+<file path=ppt/slides/slide4.xml><?xml version="1.0" encoding="utf-8"?>
+<p:sld xmlns:a="http://schemas.openxmlformats.org/drawingml/2006/main" xmlns:r="http://schemas.openxmlformats.org/officeDocument/2006/relationships" xmlns:p="http://schemas.openxmlformats.org/presentationml/2006/main">
+  <p:cSld>
+    <p:spTree>
+      <p:nvGrpSpPr>
+        <p:cNvPr id="1" name=""/>
+        <p:cNvGrpSpPr/>
+        <p:nvPr/>
+      </p:nvGrpSpPr>
+      <p:grpSpPr>
+        <a:xfrm>
+          <a:off x="0" y="0"/>
+          <a:ext cx="0" cy="0"/>
+          <a:chOff x="0" y="0"/>
+          <a:chExt cx="0" cy="0"/>
+        </a:xfrm>
+      </p:grpSpPr>
+      <p:sp>
+        <p:nvSpPr>
+          <p:cNvPr id="2" name="Title 1"/>
+          <p:cNvSpPr>
+            <a:spLocks noGrp="1"/>
+          </p:cNvSpPr>
+          <p:nvPr>
+            <p:ph type="title"/>
+          </p:nvPr>
+        </p:nvSpPr>
+        <p:spPr/>
+        <p:txBody>
+          <a:bodyPr/>
+          <a:lstStyle/>
+          <a:p>
+            <a:r>
+              <a:rPr lang="en-US" dirty="0"/>
+              <a:t>Let's Discuss</a:t>
+            </a:r>
+            <a:endParaRPr lang="en-US" dirty="0"/>
+          </a:p>
+        </p:txBody>
+      </p:sp>
+      <p:sp>
+        <p:nvSpPr>
+          <p:cNvPr id="3" name="Content Placeholder 2"/>
+          <p:cNvSpPr>
+            <a:spLocks noGrp="1"/>
+          </p:cNvSpPr>
+          <p:nvPr>
+            <p:ph idx="1"/>
+          </p:nvPr>
+        </p:nvSpPr>
+        <p:spPr/>
+        <p:txBody>
+          <a:bodyPr>
+            <a:normAutofit/>
+          </a:bodyPr>
+          <a:lstStyle/>
+          <a:p>
+            <a:r>
+              <a:rPr lang="en-US" dirty="0" smtClean="0"/>
+              <a:t>What is our data?</a:t>
+            </a:r>
+          </a:p>
+          <a:p>
+            <a:r>
+              <a:rPr lang="en-US" dirty="0" smtClean="0"/>
+              <a:t>What is our behavior(s)?</a:t>
+            </a:r>
+          </a:p>
+          <a:p>
+            <a:r>
+              <a:rPr lang="en-US" dirty="0" smtClean="0"/>
+              <a:t>How do we render?</a:t>
+            </a:r>
+          </a:p>
+          <a:p>
+            <a:endParaRPr lang="en-US" dirty="0" smtClean="0"/>
+          </a:p>
+        </p:txBody>
+      </p:sp>
+    </p:spTree>
+    <p:extLst>
+      <p:ext uri="{BB962C8B-B14F-4D97-AF65-F5344CB8AC3E}">
+        <p14:creationId xmlns:p14="http://schemas.microsoft.com/office/powerpoint/2010/main" val="630166896"/>
+      </p:ext>
+    </p:extLst>
+  </p:cSld>
+  <p:clrMapOvr>
+    <a:masterClrMapping/>
+  </p:clrMapOvr>
+</p:sld>
+</file>
+
+<file path=ppt/slides/slide5.xml><?xml version="1.0" encoding="utf-8"?>
+<p:sld xmlns:a="http://schemas.openxmlformats.org/drawingml/2006/main" xmlns:r="http://schemas.openxmlformats.org/officeDocument/2006/relationships" xmlns:p="http://schemas.openxmlformats.org/presentationml/2006/main">
+  <p:cSld>
+    <p:spTree>
+      <p:nvGrpSpPr>
+        <p:cNvPr id="1" name=""/>
+        <p:cNvGrpSpPr/>
+        <p:nvPr/>
+      </p:nvGrpSpPr>
+      <p:grpSpPr>
+        <a:xfrm>
+          <a:off x="0" y="0"/>
+          <a:ext cx="0" cy="0"/>
+          <a:chOff x="0" y="0"/>
+          <a:chExt cx="0" cy="0"/>
+        </a:xfrm>
+      </p:grpSpPr>
+      <p:sp>
+        <p:nvSpPr>
+          <p:cNvPr id="2" name="Title 1"/>
+          <p:cNvSpPr>
+            <a:spLocks noGrp="1"/>
+          </p:cNvSpPr>
+          <p:nvPr>
+            <p:ph type="title"/>
+          </p:nvPr>
+        </p:nvSpPr>
+        <p:spPr/>
+        <p:txBody>
+          <a:bodyPr/>
+          <a:lstStyle/>
+          <a:p>
+            <a:r>
+              <a:rPr lang="en-US" dirty="0" smtClean="0"/>
+              <a:t>Let’s see the impl.</a:t>
+            </a:r>
+            <a:endParaRPr lang="en-US" dirty="0"/>
+          </a:p>
+        </p:txBody>
+      </p:sp>
+      <p:sp>
+        <p:nvSpPr>
+          <p:cNvPr id="3" name="Content Placeholder 2"/>
+          <p:cNvSpPr>
+            <a:spLocks noGrp="1"/>
+          </p:cNvSpPr>
+          <p:nvPr>
+            <p:ph idx="1"/>
+          </p:nvPr>
+        </p:nvSpPr>
+        <p:spPr/>
+        <p:txBody>
+          <a:bodyPr/>
+          <a:lstStyle/>
+          <a:p>
+            <a:r>
+              <a:rPr lang="en-US" dirty="0" smtClean="0"/>
+              <a:t>How long should it take?</a:t>
+            </a:r>
+          </a:p>
+          <a:p>
+            <a:r>
+              <a:rPr lang="en-US" dirty="0"/>
+              <a:t>Give me some solutions</a:t>
+            </a:r>
+          </a:p>
+        </p:txBody>
+      </p:sp>
+    </p:spTree>
+    <p:extLst>
+      <p:ext uri="{BB962C8B-B14F-4D97-AF65-F5344CB8AC3E}">
+        <p14:creationId xmlns:p14="http://schemas.microsoft.com/office/powerpoint/2010/main" val="2206412922"/>
+      </p:ext>
+    </p:extLst>
+  </p:cSld>
+  <p:clrMapOvr>
+    <a:masterClrMapping/>
+  </p:clrMapOvr>
+</p:sld>
+</file>
+
+<file path=ppt/slides/slide6.xml><?xml version="1.0" encoding="utf-8"?>
+<p:sld xmlns:a="http://schemas.openxmlformats.org/drawingml/2006/main" xmlns:r="http://schemas.openxmlformats.org/officeDocument/2006/relationships" xmlns:p="http://schemas.openxmlformats.org/presentationml/2006/main">
+  <p:cSld>
+    <p:spTree>
+      <p:nvGrpSpPr>
+        <p:cNvPr id="1" name=""/>
+        <p:cNvGrpSpPr/>
+        <p:nvPr/>
+      </p:nvGrpSpPr>
+      <p:grpSpPr>
+        <a:xfrm>
+          <a:off x="0" y="0"/>
+          <a:ext cx="0" cy="0"/>
+          <a:chOff x="0" y="0"/>
+          <a:chExt cx="0" cy="0"/>
+        </a:xfrm>
+      </p:grpSpPr>
+      <p:sp>
+        <p:nvSpPr>
+          <p:cNvPr id="2" name="Title 1"/>
+          <p:cNvSpPr>
+            <a:spLocks noGrp="1"/>
+          </p:cNvSpPr>
+          <p:nvPr>
+            <p:ph type="title"/>
+          </p:nvPr>
+        </p:nvSpPr>
+        <p:spPr/>
+        <p:txBody>
+          <a:bodyPr/>
+          <a:lstStyle/>
+          <a:p>
+            <a:r>
+              <a:rPr lang="en-US" dirty="0" smtClean="0"/>
+              <a:t>Optimize</a:t>
+            </a:r>
+            <a:endParaRPr lang="en-US" dirty="0"/>
+          </a:p>
+        </p:txBody>
+      </p:sp>
+      <p:sp>
+        <p:nvSpPr>
+          <p:cNvPr id="3" name="Content Placeholder 2"/>
+          <p:cNvSpPr>
+            <a:spLocks noGrp="1"/>
+          </p:cNvSpPr>
+          <p:nvPr>
+            <p:ph idx="1"/>
+          </p:nvPr>
+        </p:nvSpPr>
+        <p:spPr/>
+        <p:txBody>
+          <a:bodyPr>
+            <a:normAutofit/>
+          </a:bodyPr>
+          <a:lstStyle/>
+          <a:p>
+            <a:r>
+              <a:rPr lang="en-US" dirty="0"/>
+              <a:t>Are we happy</a:t>
+            </a:r>
+            <a:r>
+              <a:rPr lang="en-US" dirty="0" smtClean="0"/>
+              <a:t>?</a:t>
+            </a:r>
+          </a:p>
+          <a:p>
+            <a:r>
+              <a:rPr lang="en-US" dirty="0"/>
+              <a:t>Any other solution?</a:t>
+            </a:r>
+            <a:endParaRPr lang="en-US" dirty="0"/>
+          </a:p>
+        </p:txBody>
+      </p:sp>
+    </p:spTree>
+    <p:extLst>
+      <p:ext uri="{BB962C8B-B14F-4D97-AF65-F5344CB8AC3E}">
+        <p14:creationId xmlns:p14="http://schemas.microsoft.com/office/powerpoint/2010/main" val="3537116429"/>
+      </p:ext>
+    </p:extLst>
+  </p:cSld>
+  <p:clrMapOvr>
+    <a:masterClrMapping/>
+  </p:clrMapOvr>
+</p:sld>
+</file>
+
+<file path=ppt/slides/slide7.xml><?xml version="1.0" encoding="utf-8"?>
+<p:sld xmlns:a="http://schemas.openxmlformats.org/drawingml/2006/main" xmlns:r="http://schemas.openxmlformats.org/officeDocument/2006/relationships" xmlns:p="http://schemas.openxmlformats.org/presentationml/2006/main">
+  <p:cSld>
+    <p:spTree>
+      <p:nvGrpSpPr>
+        <p:cNvPr id="1" name=""/>
+        <p:cNvGrpSpPr/>
+        <p:nvPr/>
+      </p:nvGrpSpPr>
+      <p:grpSpPr>
+        <a:xfrm>
+          <a:off x="0" y="0"/>
+          <a:ext cx="0" cy="0"/>
+          <a:chOff x="0" y="0"/>
+          <a:chExt cx="0" cy="0"/>
+        </a:xfrm>
+      </p:grpSpPr>
+      <p:sp>
+        <p:nvSpPr>
+          <p:cNvPr id="2" name="Title 1"/>
+          <p:cNvSpPr>
+            <a:spLocks noGrp="1"/>
+          </p:cNvSpPr>
+          <p:nvPr>
+            <p:ph type="title"/>
+          </p:nvPr>
+        </p:nvSpPr>
+        <p:spPr/>
+        <p:txBody>
+          <a:bodyPr/>
+          <a:lstStyle/>
+          <a:p>
+            <a:r>
+              <a:rPr lang="en-US" dirty="0"/>
+              <a:t>What's the actual problem?</a:t>
+            </a:r>
+            <a:endParaRPr lang="en-US" dirty="0"/>
+          </a:p>
+        </p:txBody>
+      </p:sp>
+      <p:sp>
+        <p:nvSpPr>
+          <p:cNvPr id="3" name="Content Placeholder 2"/>
+          <p:cNvSpPr>
+            <a:spLocks noGrp="1"/>
+          </p:cNvSpPr>
+          <p:nvPr>
+            <p:ph idx="1"/>
+          </p:nvPr>
+        </p:nvSpPr>
+        <p:spPr/>
+        <p:txBody>
+          <a:bodyPr>
+            <a:normAutofit/>
+          </a:bodyPr>
+          <a:lstStyle/>
+          <a:p>
+            <a:r>
+              <a:rPr lang="en-US" dirty="0"/>
+              <a:t>Cost of Abstractions</a:t>
+            </a:r>
+          </a:p>
+          <a:p>
+            <a:r>
+              <a:rPr lang="en-US" dirty="0"/>
+              <a:t>Branch (</a:t>
+            </a:r>
+            <a:r>
+              <a:rPr lang="en-US" dirty="0" smtClean="0"/>
+              <a:t>mis)predictions</a:t>
+            </a:r>
+          </a:p>
+          <a:p>
+            <a:r>
+              <a:rPr lang="en-US" dirty="0" smtClean="0"/>
+              <a:t>Cost of hitting RAM</a:t>
+            </a:r>
+          </a:p>
+          <a:p>
+            <a:r>
+              <a:rPr lang="en-US" dirty="0" smtClean="0"/>
+              <a:t>Cache Misses</a:t>
+            </a:r>
+          </a:p>
+          <a:p>
+            <a:r>
+              <a:rPr lang="en-US" dirty="0"/>
+              <a:t>So what's the next step?</a:t>
+            </a:r>
+            <a:endParaRPr lang="en-US" dirty="0"/>
+          </a:p>
+        </p:txBody>
+      </p:sp>
+    </p:spTree>
+    <p:extLst>
+      <p:ext uri="{BB962C8B-B14F-4D97-AF65-F5344CB8AC3E}">
+        <p14:creationId xmlns:p14="http://schemas.microsoft.com/office/powerpoint/2010/main" val="1367680695"/>
+      </p:ext>
+    </p:extLst>
+  </p:cSld>
+  <p:clrMapOvr>
+    <a:masterClrMapping/>
+  </p:clrMapOvr>
+</p:sld>
+</file>
+
+<file path=ppt/slides/slide8.xml><?xml version="1.0" encoding="utf-8"?>
+<p:sld xmlns:a="http://schemas.openxmlformats.org/drawingml/2006/main" xmlns:r="http://schemas.openxmlformats.org/officeDocument/2006/relationships" xmlns:p="http://schemas.openxmlformats.org/presentationml/2006/main">
+  <p:cSld>
+    <p:spTree>
+      <p:nvGrpSpPr>
+        <p:cNvPr id="1" name=""/>
+        <p:cNvGrpSpPr/>
+        <p:nvPr/>
+      </p:nvGrpSpPr>
+      <p:grpSpPr>
+        <a:xfrm>
+          <a:off x="0" y="0"/>
+          <a:ext cx="0" cy="0"/>
+          <a:chOff x="0" y="0"/>
+          <a:chExt cx="0" cy="0"/>
+        </a:xfrm>
+      </p:grpSpPr>
+      <p:sp>
+        <p:nvSpPr>
+          <p:cNvPr id="2" name="Title 1"/>
+          <p:cNvSpPr>
+            <a:spLocks noGrp="1"/>
+          </p:cNvSpPr>
+          <p:nvPr>
+            <p:ph type="title"/>
+          </p:nvPr>
+        </p:nvSpPr>
+        <p:spPr/>
+        <p:txBody>
+          <a:bodyPr/>
+          <a:lstStyle/>
+          <a:p>
+            <a:r>
+              <a:rPr lang="en-US" dirty="0" smtClean="0"/>
+              <a:t>Studing better impl.</a:t>
+            </a:r>
+            <a:endParaRPr lang="en-US" dirty="0"/>
+          </a:p>
+        </p:txBody>
+      </p:sp>
+      <p:sp>
+        <p:nvSpPr>
+          <p:cNvPr id="3" name="Content Placeholder 2"/>
+          <p:cNvSpPr>
+            <a:spLocks noGrp="1"/>
+          </p:cNvSpPr>
+          <p:nvPr>
+            <p:ph idx="1"/>
+          </p:nvPr>
+        </p:nvSpPr>
+        <p:spPr/>
+        <p:txBody>
+          <a:bodyPr>
+            <a:normAutofit/>
+          </a:bodyPr>
+          <a:lstStyle/>
+          <a:p>
+            <a:endParaRPr lang="en-US" dirty="0"/>
+          </a:p>
+        </p:txBody>
+      </p:sp>
+    </p:spTree>
+    <p:extLst>
+      <p:ext uri="{BB962C8B-B14F-4D97-AF65-F5344CB8AC3E}">
+        <p14:creationId xmlns:p14="http://schemas.microsoft.com/office/powerpoint/2010/main" val="96590304"/>
+      </p:ext>
+    </p:extLst>
+  </p:cSld>
+  <p:clrMapOvr>
+    <a:masterClrMapping/>
+  </p:clrMapOvr>
+  <p:timing>
+    <p:tnLst>
+      <p:par>
+        <p:cTn id="1" dur="indefinite" restart="never" nodeType="tmRoot"/>
+      </p:par>
+    </p:tnLst>
+  </p:timing>
+</p:sld>
+</file>
+
+<file path=ppt/slides/slide9.xml><?xml version="1.0" encoding="utf-8"?>
+<p:sld xmlns:a="http://schemas.openxmlformats.org/drawingml/2006/main" xmlns:r="http://schemas.openxmlformats.org/officeDocument/2006/relationships" xmlns:p="http://schemas.openxmlformats.org/presentationml/2006/main">
+  <p:cSld>
+    <p:spTree>
+      <p:nvGrpSpPr>
+        <p:cNvPr id="1" name=""/>
+        <p:cNvGrpSpPr/>
+        <p:nvPr/>
+      </p:nvGrpSpPr>
+      <p:grpSpPr>
+        <a:xfrm>
+          <a:off x="0" y="0"/>
+          <a:ext cx="0" cy="0"/>
+          <a:chOff x="0" y="0"/>
+          <a:chExt cx="0" cy="0"/>
+        </a:xfrm>
+      </p:grpSpPr>
+      <p:sp>
+        <p:nvSpPr>
+          <p:cNvPr id="2" name="Title 1"/>
+          <p:cNvSpPr>
+            <a:spLocks noGrp="1"/>
+          </p:cNvSpPr>
+          <p:nvPr>
+            <p:ph type="title"/>
+          </p:nvPr>
+        </p:nvSpPr>
+        <p:spPr/>
+        <p:txBody>
+          <a:bodyPr/>
+          <a:lstStyle/>
+          <a:p>
+            <a:r>
+              <a:rPr lang="en-US" dirty="0"/>
+              <a:t>Data-Oriented Design Principles</a:t>
+            </a:r>
+            <a:endParaRPr lang="en-US" dirty="0"/>
+          </a:p>
+        </p:txBody>
+      </p:sp>
+      <p:sp>
+        <p:nvSpPr>
+          <p:cNvPr id="3" name="Content Placeholder 2"/>
+          <p:cNvSpPr>
+            <a:spLocks noGrp="1"/>
+          </p:cNvSpPr>
+          <p:nvPr>
+            <p:ph idx="1"/>
+          </p:nvPr>
+        </p:nvSpPr>
+        <p:spPr/>
+        <p:txBody>
+          <a:bodyPr>
+            <a:normAutofit/>
+          </a:bodyPr>
+          <a:lstStyle/>
+          <a:p>
+            <a:r>
+              <a:rPr lang="en-US" dirty="0"/>
+              <a:t>If you don’t understand the data you don’t understand the problem.”</a:t>
+            </a:r>
+          </a:p>
+          <a:p>
+            <a:r>
+              <a:rPr lang="en-US" dirty="0"/>
+              <a:t>Different problems require different solutions.</a:t>
+            </a:r>
+          </a:p>
+          <a:p>
+            <a:r>
+              <a:rPr lang="en-US" dirty="0"/>
+              <a:t>If you have different data, you have a different problem.</a:t>
+            </a:r>
+          </a:p>
+          <a:p>
+            <a:r>
+              <a:rPr lang="en-US" dirty="0"/>
+              <a:t>If you don’t understand the cost of solving the problem, you don’t understand the problem.</a:t>
+            </a:r>
+          </a:p>
+          <a:p>
+            <a:r>
+              <a:rPr lang="en-US" dirty="0"/>
+              <a:t>If you don’t understand the hardware, language, compiler, OS you can’t reason about the cost of solving the problem.</a:t>
+            </a:r>
+          </a:p>
+          <a:p>
+            <a:endParaRPr lang="en-US" dirty="0"/>
+          </a:p>
+        </p:txBody>
+      </p:sp>
+    </p:spTree>
+    <p:extLst>
+      <p:ext uri="{BB962C8B-B14F-4D97-AF65-F5344CB8AC3E}">
+        <p14:creationId xmlns:p14="http://schemas.microsoft.com/office/powerpoint/2010/main" val="3472269627"/>
+      </p:ext>
+    </p:extLst>
+  </p:cSld>
+  <p:clrMapOvr>
+    <a:masterClrMapping/>
+  </p:clrMapOvr>
+  <p:timing>
+    <p:tnLst>
+      <p:par>
+        <p:cTn id="1" dur="indefinite" restart="never" nodeType="tmRoot"/>
+      </p:par>
+    </p:tnLst>
+  </p:timing>
 </p:sld>
 </file>
 

--- a/Presentation/Presentation.pptx
+++ b/Presentation/Presentation.pptx
@@ -263,7 +263,7 @@
           <a:p>
             <a:fld id="{2919E1E2-61BE-4B8C-866A-656E5D301163}" type="datetimeFigureOut">
               <a:rPr lang="en-US" smtClean="0"/>
-              <a:t>8/3/2019</a:t>
+              <a:t>8/24/2019</a:t>
             </a:fld>
             <a:endParaRPr lang="en-US"/>
           </a:p>
@@ -440,7 +440,7 @@
           <a:p>
             <a:fld id="{2919E1E2-61BE-4B8C-866A-656E5D301163}" type="datetimeFigureOut">
               <a:rPr lang="en-US" smtClean="0"/>
-              <a:t>8/3/2019</a:t>
+              <a:t>8/24/2019</a:t>
             </a:fld>
             <a:endParaRPr lang="en-US"/>
           </a:p>
@@ -620,7 +620,7 @@
           <a:p>
             <a:fld id="{2919E1E2-61BE-4B8C-866A-656E5D301163}" type="datetimeFigureOut">
               <a:rPr lang="en-US" smtClean="0"/>
-              <a:t>8/3/2019</a:t>
+              <a:t>8/24/2019</a:t>
             </a:fld>
             <a:endParaRPr lang="en-US"/>
           </a:p>
@@ -1008,7 +1008,7 @@
           <a:p>
             <a:fld id="{2919E1E2-61BE-4B8C-866A-656E5D301163}" type="datetimeFigureOut">
               <a:rPr lang="en-US" smtClean="0"/>
-              <a:t>8/3/2019</a:t>
+              <a:t>8/24/2019</a:t>
             </a:fld>
             <a:endParaRPr lang="en-US"/>
           </a:p>
@@ -1240,7 +1240,7 @@
           <a:p>
             <a:fld id="{2919E1E2-61BE-4B8C-866A-656E5D301163}" type="datetimeFigureOut">
               <a:rPr lang="en-US" smtClean="0"/>
-              <a:t>8/3/2019</a:t>
+              <a:t>8/24/2019</a:t>
             </a:fld>
             <a:endParaRPr lang="en-US"/>
           </a:p>
@@ -1607,7 +1607,7 @@
           <a:p>
             <a:fld id="{2919E1E2-61BE-4B8C-866A-656E5D301163}" type="datetimeFigureOut">
               <a:rPr lang="en-US" smtClean="0"/>
-              <a:t>8/3/2019</a:t>
+              <a:t>8/24/2019</a:t>
             </a:fld>
             <a:endParaRPr lang="en-US"/>
           </a:p>
@@ -1725,7 +1725,7 @@
           <a:p>
             <a:fld id="{2919E1E2-61BE-4B8C-866A-656E5D301163}" type="datetimeFigureOut">
               <a:rPr lang="en-US" smtClean="0"/>
-              <a:t>8/3/2019</a:t>
+              <a:t>8/24/2019</a:t>
             </a:fld>
             <a:endParaRPr lang="en-US"/>
           </a:p>
@@ -1820,7 +1820,7 @@
           <a:p>
             <a:fld id="{2919E1E2-61BE-4B8C-866A-656E5D301163}" type="datetimeFigureOut">
               <a:rPr lang="en-US" smtClean="0"/>
-              <a:t>8/3/2019</a:t>
+              <a:t>8/24/2019</a:t>
             </a:fld>
             <a:endParaRPr lang="en-US"/>
           </a:p>
@@ -2097,7 +2097,7 @@
           <a:p>
             <a:fld id="{2919E1E2-61BE-4B8C-866A-656E5D301163}" type="datetimeFigureOut">
               <a:rPr lang="en-US" smtClean="0"/>
-              <a:t>8/3/2019</a:t>
+              <a:t>8/24/2019</a:t>
             </a:fld>
             <a:endParaRPr lang="en-US"/>
           </a:p>
@@ -2354,7 +2354,7 @@
           <a:p>
             <a:fld id="{2919E1E2-61BE-4B8C-866A-656E5D301163}" type="datetimeFigureOut">
               <a:rPr lang="en-US" smtClean="0"/>
-              <a:t>8/3/2019</a:t>
+              <a:t>8/24/2019</a:t>
             </a:fld>
             <a:endParaRPr lang="en-US"/>
           </a:p>
@@ -2567,7 +2567,7 @@
           <a:p>
             <a:fld id="{2919E1E2-61BE-4B8C-866A-656E5D301163}" type="datetimeFigureOut">
               <a:rPr lang="en-US" smtClean="0"/>
-              <a:t>8/3/2019</a:t>
+              <a:t>8/24/2019</a:t>
             </a:fld>
             <a:endParaRPr lang="en-US"/>
           </a:p>
@@ -3329,7 +3329,6 @@
               <a:rPr lang="en-US" dirty="0" smtClean="0"/>
               <a:t>problem?</a:t>
             </a:r>
-            <a:endParaRPr lang="en-US" dirty="0" smtClean="0"/>
           </a:p>
           <a:p>
             <a:r>
@@ -3507,7 +3506,6 @@
               <a:rPr lang="en-US" dirty="0"/>
               <a:t>Let's Discuss</a:t>
             </a:r>
-            <a:endParaRPr lang="en-US" dirty="0"/>
           </a:p>
         </p:txBody>
       </p:sp>
@@ -3550,6 +3548,1856 @@
           </a:p>
         </p:txBody>
       </p:sp>
+      <p:graphicFrame>
+        <p:nvGraphicFramePr>
+          <p:cNvPr id="4" name="Table 3"/>
+          <p:cNvGraphicFramePr>
+            <a:graphicFrameLocks noGrp="1"/>
+          </p:cNvGraphicFramePr>
+          <p:nvPr>
+            <p:extLst>
+              <p:ext uri="{D42A27DB-BD31-4B8C-83A1-F6EECF244321}">
+                <p14:modId xmlns:p14="http://schemas.microsoft.com/office/powerpoint/2010/main" val="1040444007"/>
+              </p:ext>
+            </p:extLst>
+          </p:nvPr>
+        </p:nvGraphicFramePr>
+        <p:xfrm>
+          <a:off x="838200" y="4165600"/>
+          <a:ext cx="10464804" cy="1112520"/>
+        </p:xfrm>
+        <a:graphic>
+          <a:graphicData uri="http://schemas.openxmlformats.org/drawingml/2006/table">
+            <a:tbl>
+              <a:tblPr firstRow="1" bandRow="1">
+                <a:tableStyleId>{5C22544A-7EE6-4342-B048-85BDC9FD1C3A}</a:tableStyleId>
+              </a:tblPr>
+              <a:tblGrid>
+                <a:gridCol w="1162756"/>
+                <a:gridCol w="1162756"/>
+                <a:gridCol w="1162756"/>
+                <a:gridCol w="1162756"/>
+                <a:gridCol w="1162756"/>
+                <a:gridCol w="1162756"/>
+                <a:gridCol w="1162756"/>
+                <a:gridCol w="1162756"/>
+                <a:gridCol w="1162756"/>
+              </a:tblGrid>
+              <a:tr h="370840">
+                <a:tc gridSpan="3">
+                  <a:txBody>
+                    <a:bodyPr/>
+                    <a:lstStyle/>
+                    <a:p>
+                      <a:pPr algn="ctr"/>
+                      <a:r>
+                        <a:rPr lang="en-US" dirty="0" smtClean="0"/>
+                        <a:t>Ant 1</a:t>
+                      </a:r>
+                      <a:endParaRPr lang="en-US" dirty="0"/>
+                    </a:p>
+                  </a:txBody>
+                  <a:tcPr>
+                    <a:lnL w="12700" cap="flat" cmpd="sng" algn="ctr">
+                      <a:solidFill>
+                        <a:schemeClr val="tx1"/>
+                      </a:solidFill>
+                      <a:prstDash val="solid"/>
+                      <a:round/>
+                      <a:headEnd type="none" w="med" len="med"/>
+                      <a:tailEnd type="none" w="med" len="med"/>
+                    </a:lnL>
+                    <a:lnR w="12700" cap="flat" cmpd="sng" algn="ctr">
+                      <a:solidFill>
+                        <a:schemeClr val="tx1"/>
+                      </a:solidFill>
+                      <a:prstDash val="solid"/>
+                      <a:round/>
+                      <a:headEnd type="none" w="med" len="med"/>
+                      <a:tailEnd type="none" w="med" len="med"/>
+                    </a:lnR>
+                    <a:lnT w="12700" cap="flat" cmpd="sng" algn="ctr">
+                      <a:solidFill>
+                        <a:schemeClr val="tx1"/>
+                      </a:solidFill>
+                      <a:prstDash val="solid"/>
+                      <a:round/>
+                      <a:headEnd type="none" w="med" len="med"/>
+                      <a:tailEnd type="none" w="med" len="med"/>
+                    </a:lnT>
+                    <a:lnB w="12700" cap="flat" cmpd="sng" algn="ctr">
+                      <a:solidFill>
+                        <a:schemeClr val="tx1"/>
+                      </a:solidFill>
+                      <a:prstDash val="solid"/>
+                      <a:round/>
+                      <a:headEnd type="none" w="med" len="med"/>
+                      <a:tailEnd type="none" w="med" len="med"/>
+                    </a:lnB>
+                    <a:lnTlToBr w="12700" cmpd="sng">
+                      <a:noFill/>
+                      <a:prstDash val="solid"/>
+                    </a:lnTlToBr>
+                    <a:lnBlToTr w="12700" cmpd="sng">
+                      <a:noFill/>
+                      <a:prstDash val="solid"/>
+                    </a:lnBlToTr>
+                    <a:solidFill>
+                      <a:schemeClr val="tx1">
+                        <a:lumMod val="50000"/>
+                      </a:schemeClr>
+                    </a:solidFill>
+                  </a:tcPr>
+                </a:tc>
+                <a:tc hMerge="1">
+                  <a:txBody>
+                    <a:bodyPr/>
+                    <a:lstStyle/>
+                    <a:p>
+                      <a:endParaRPr lang="en-US" dirty="0"/>
+                    </a:p>
+                  </a:txBody>
+                  <a:tcPr>
+                    <a:lnL w="12700" cap="flat" cmpd="sng" algn="ctr">
+                      <a:solidFill>
+                        <a:schemeClr val="tx1"/>
+                      </a:solidFill>
+                      <a:prstDash val="solid"/>
+                      <a:round/>
+                      <a:headEnd type="none" w="med" len="med"/>
+                      <a:tailEnd type="none" w="med" len="med"/>
+                    </a:lnL>
+                    <a:lnR w="12700" cap="flat" cmpd="sng" algn="ctr">
+                      <a:solidFill>
+                        <a:schemeClr val="tx1"/>
+                      </a:solidFill>
+                      <a:prstDash val="solid"/>
+                      <a:round/>
+                      <a:headEnd type="none" w="med" len="med"/>
+                      <a:tailEnd type="none" w="med" len="med"/>
+                    </a:lnR>
+                    <a:lnT w="12700" cap="flat" cmpd="sng" algn="ctr">
+                      <a:solidFill>
+                        <a:schemeClr val="tx1"/>
+                      </a:solidFill>
+                      <a:prstDash val="solid"/>
+                      <a:round/>
+                      <a:headEnd type="none" w="med" len="med"/>
+                      <a:tailEnd type="none" w="med" len="med"/>
+                    </a:lnT>
+                    <a:lnB w="12700" cap="flat" cmpd="sng" algn="ctr">
+                      <a:solidFill>
+                        <a:schemeClr val="tx1"/>
+                      </a:solidFill>
+                      <a:prstDash val="solid"/>
+                      <a:round/>
+                      <a:headEnd type="none" w="med" len="med"/>
+                      <a:tailEnd type="none" w="med" len="med"/>
+                    </a:lnB>
+                    <a:lnTlToBr w="12700" cmpd="sng">
+                      <a:noFill/>
+                      <a:prstDash val="solid"/>
+                    </a:lnTlToBr>
+                    <a:lnBlToTr w="12700" cmpd="sng">
+                      <a:noFill/>
+                      <a:prstDash val="solid"/>
+                    </a:lnBlToTr>
+                    <a:solidFill>
+                      <a:schemeClr val="tx1">
+                        <a:lumMod val="50000"/>
+                      </a:schemeClr>
+                    </a:solidFill>
+                  </a:tcPr>
+                </a:tc>
+                <a:tc hMerge="1">
+                  <a:txBody>
+                    <a:bodyPr/>
+                    <a:lstStyle/>
+                    <a:p>
+                      <a:endParaRPr lang="en-US" dirty="0"/>
+                    </a:p>
+                  </a:txBody>
+                  <a:tcPr>
+                    <a:lnL w="12700" cap="flat" cmpd="sng" algn="ctr">
+                      <a:solidFill>
+                        <a:schemeClr val="tx1"/>
+                      </a:solidFill>
+                      <a:prstDash val="solid"/>
+                      <a:round/>
+                      <a:headEnd type="none" w="med" len="med"/>
+                      <a:tailEnd type="none" w="med" len="med"/>
+                    </a:lnL>
+                    <a:lnR w="12700" cap="flat" cmpd="sng" algn="ctr">
+                      <a:solidFill>
+                        <a:schemeClr val="tx1"/>
+                      </a:solidFill>
+                      <a:prstDash val="solid"/>
+                      <a:round/>
+                      <a:headEnd type="none" w="med" len="med"/>
+                      <a:tailEnd type="none" w="med" len="med"/>
+                    </a:lnR>
+                    <a:lnT w="12700" cap="flat" cmpd="sng" algn="ctr">
+                      <a:solidFill>
+                        <a:schemeClr val="tx1"/>
+                      </a:solidFill>
+                      <a:prstDash val="solid"/>
+                      <a:round/>
+                      <a:headEnd type="none" w="med" len="med"/>
+                      <a:tailEnd type="none" w="med" len="med"/>
+                    </a:lnT>
+                    <a:lnB w="12700" cap="flat" cmpd="sng" algn="ctr">
+                      <a:solidFill>
+                        <a:schemeClr val="tx1"/>
+                      </a:solidFill>
+                      <a:prstDash val="solid"/>
+                      <a:round/>
+                      <a:headEnd type="none" w="med" len="med"/>
+                      <a:tailEnd type="none" w="med" len="med"/>
+                    </a:lnB>
+                    <a:lnTlToBr w="12700" cmpd="sng">
+                      <a:noFill/>
+                      <a:prstDash val="solid"/>
+                    </a:lnTlToBr>
+                    <a:lnBlToTr w="12700" cmpd="sng">
+                      <a:noFill/>
+                      <a:prstDash val="solid"/>
+                    </a:lnBlToTr>
+                    <a:solidFill>
+                      <a:schemeClr val="tx1">
+                        <a:lumMod val="50000"/>
+                      </a:schemeClr>
+                    </a:solidFill>
+                  </a:tcPr>
+                </a:tc>
+                <a:tc gridSpan="3">
+                  <a:txBody>
+                    <a:bodyPr/>
+                    <a:lstStyle/>
+                    <a:p>
+                      <a:pPr algn="ctr"/>
+                      <a:r>
+                        <a:rPr lang="en-US" dirty="0" smtClean="0"/>
+                        <a:t>Ant 2</a:t>
+                      </a:r>
+                    </a:p>
+                  </a:txBody>
+                  <a:tcPr>
+                    <a:lnL w="12700" cap="flat" cmpd="sng" algn="ctr">
+                      <a:solidFill>
+                        <a:schemeClr val="tx1"/>
+                      </a:solidFill>
+                      <a:prstDash val="solid"/>
+                      <a:round/>
+                      <a:headEnd type="none" w="med" len="med"/>
+                      <a:tailEnd type="none" w="med" len="med"/>
+                    </a:lnL>
+                    <a:lnR w="12700" cap="flat" cmpd="sng" algn="ctr">
+                      <a:solidFill>
+                        <a:schemeClr val="tx1"/>
+                      </a:solidFill>
+                      <a:prstDash val="solid"/>
+                      <a:round/>
+                      <a:headEnd type="none" w="med" len="med"/>
+                      <a:tailEnd type="none" w="med" len="med"/>
+                    </a:lnR>
+                    <a:lnT w="12700" cap="flat" cmpd="sng" algn="ctr">
+                      <a:solidFill>
+                        <a:schemeClr val="tx1"/>
+                      </a:solidFill>
+                      <a:prstDash val="solid"/>
+                      <a:round/>
+                      <a:headEnd type="none" w="med" len="med"/>
+                      <a:tailEnd type="none" w="med" len="med"/>
+                    </a:lnT>
+                    <a:lnB w="12700" cap="flat" cmpd="sng" algn="ctr">
+                      <a:solidFill>
+                        <a:schemeClr val="tx1"/>
+                      </a:solidFill>
+                      <a:prstDash val="solid"/>
+                      <a:round/>
+                      <a:headEnd type="none" w="med" len="med"/>
+                      <a:tailEnd type="none" w="med" len="med"/>
+                    </a:lnB>
+                    <a:lnTlToBr w="12700" cmpd="sng">
+                      <a:noFill/>
+                      <a:prstDash val="solid"/>
+                    </a:lnTlToBr>
+                    <a:lnBlToTr w="12700" cmpd="sng">
+                      <a:noFill/>
+                      <a:prstDash val="solid"/>
+                    </a:lnBlToTr>
+                    <a:solidFill>
+                      <a:schemeClr val="tx1">
+                        <a:lumMod val="50000"/>
+                      </a:schemeClr>
+                    </a:solidFill>
+                  </a:tcPr>
+                </a:tc>
+                <a:tc hMerge="1">
+                  <a:txBody>
+                    <a:bodyPr/>
+                    <a:lstStyle/>
+                    <a:p>
+                      <a:endParaRPr lang="en-US" dirty="0"/>
+                    </a:p>
+                  </a:txBody>
+                  <a:tcPr>
+                    <a:lnL w="12700" cap="flat" cmpd="sng" algn="ctr">
+                      <a:solidFill>
+                        <a:schemeClr val="tx1"/>
+                      </a:solidFill>
+                      <a:prstDash val="solid"/>
+                      <a:round/>
+                      <a:headEnd type="none" w="med" len="med"/>
+                      <a:tailEnd type="none" w="med" len="med"/>
+                    </a:lnL>
+                    <a:lnR w="12700" cap="flat" cmpd="sng" algn="ctr">
+                      <a:solidFill>
+                        <a:schemeClr val="tx1"/>
+                      </a:solidFill>
+                      <a:prstDash val="solid"/>
+                      <a:round/>
+                      <a:headEnd type="none" w="med" len="med"/>
+                      <a:tailEnd type="none" w="med" len="med"/>
+                    </a:lnR>
+                    <a:lnT w="12700" cap="flat" cmpd="sng" algn="ctr">
+                      <a:solidFill>
+                        <a:schemeClr val="tx1"/>
+                      </a:solidFill>
+                      <a:prstDash val="solid"/>
+                      <a:round/>
+                      <a:headEnd type="none" w="med" len="med"/>
+                      <a:tailEnd type="none" w="med" len="med"/>
+                    </a:lnT>
+                    <a:lnB w="12700" cap="flat" cmpd="sng" algn="ctr">
+                      <a:solidFill>
+                        <a:schemeClr val="tx1"/>
+                      </a:solidFill>
+                      <a:prstDash val="solid"/>
+                      <a:round/>
+                      <a:headEnd type="none" w="med" len="med"/>
+                      <a:tailEnd type="none" w="med" len="med"/>
+                    </a:lnB>
+                    <a:lnTlToBr w="12700" cmpd="sng">
+                      <a:noFill/>
+                      <a:prstDash val="solid"/>
+                    </a:lnTlToBr>
+                    <a:lnBlToTr w="12700" cmpd="sng">
+                      <a:noFill/>
+                      <a:prstDash val="solid"/>
+                    </a:lnBlToTr>
+                    <a:solidFill>
+                      <a:schemeClr val="tx1">
+                        <a:lumMod val="50000"/>
+                      </a:schemeClr>
+                    </a:solidFill>
+                  </a:tcPr>
+                </a:tc>
+                <a:tc hMerge="1">
+                  <a:txBody>
+                    <a:bodyPr/>
+                    <a:lstStyle/>
+                    <a:p>
+                      <a:endParaRPr lang="en-US" dirty="0"/>
+                    </a:p>
+                  </a:txBody>
+                  <a:tcPr>
+                    <a:lnL w="12700" cap="flat" cmpd="sng" algn="ctr">
+                      <a:solidFill>
+                        <a:schemeClr val="tx1"/>
+                      </a:solidFill>
+                      <a:prstDash val="solid"/>
+                      <a:round/>
+                      <a:headEnd type="none" w="med" len="med"/>
+                      <a:tailEnd type="none" w="med" len="med"/>
+                    </a:lnL>
+                    <a:lnR w="12700" cap="flat" cmpd="sng" algn="ctr">
+                      <a:solidFill>
+                        <a:schemeClr val="tx1"/>
+                      </a:solidFill>
+                      <a:prstDash val="solid"/>
+                      <a:round/>
+                      <a:headEnd type="none" w="med" len="med"/>
+                      <a:tailEnd type="none" w="med" len="med"/>
+                    </a:lnR>
+                    <a:lnT w="12700" cap="flat" cmpd="sng" algn="ctr">
+                      <a:solidFill>
+                        <a:schemeClr val="tx1"/>
+                      </a:solidFill>
+                      <a:prstDash val="solid"/>
+                      <a:round/>
+                      <a:headEnd type="none" w="med" len="med"/>
+                      <a:tailEnd type="none" w="med" len="med"/>
+                    </a:lnT>
+                    <a:lnB w="12700" cap="flat" cmpd="sng" algn="ctr">
+                      <a:solidFill>
+                        <a:schemeClr val="tx1"/>
+                      </a:solidFill>
+                      <a:prstDash val="solid"/>
+                      <a:round/>
+                      <a:headEnd type="none" w="med" len="med"/>
+                      <a:tailEnd type="none" w="med" len="med"/>
+                    </a:lnB>
+                    <a:lnTlToBr w="12700" cmpd="sng">
+                      <a:noFill/>
+                      <a:prstDash val="solid"/>
+                    </a:lnTlToBr>
+                    <a:lnBlToTr w="12700" cmpd="sng">
+                      <a:noFill/>
+                      <a:prstDash val="solid"/>
+                    </a:lnBlToTr>
+                    <a:solidFill>
+                      <a:schemeClr val="tx1">
+                        <a:lumMod val="50000"/>
+                      </a:schemeClr>
+                    </a:solidFill>
+                  </a:tcPr>
+                </a:tc>
+                <a:tc gridSpan="3">
+                  <a:txBody>
+                    <a:bodyPr/>
+                    <a:lstStyle/>
+                    <a:p>
+                      <a:pPr algn="ctr"/>
+                      <a:r>
+                        <a:rPr lang="en-US" dirty="0" smtClean="0"/>
+                        <a:t>Ant ...n</a:t>
+                      </a:r>
+                      <a:endParaRPr lang="en-US" dirty="0" smtClean="0"/>
+                    </a:p>
+                  </a:txBody>
+                  <a:tcPr>
+                    <a:lnL w="12700" cap="flat" cmpd="sng" algn="ctr">
+                      <a:solidFill>
+                        <a:schemeClr val="tx1"/>
+                      </a:solidFill>
+                      <a:prstDash val="solid"/>
+                      <a:round/>
+                      <a:headEnd type="none" w="med" len="med"/>
+                      <a:tailEnd type="none" w="med" len="med"/>
+                    </a:lnL>
+                    <a:lnR w="12700" cap="flat" cmpd="sng" algn="ctr">
+                      <a:solidFill>
+                        <a:schemeClr val="tx1"/>
+                      </a:solidFill>
+                      <a:prstDash val="solid"/>
+                      <a:round/>
+                      <a:headEnd type="none" w="med" len="med"/>
+                      <a:tailEnd type="none" w="med" len="med"/>
+                    </a:lnR>
+                    <a:lnT w="12700" cap="flat" cmpd="sng" algn="ctr">
+                      <a:solidFill>
+                        <a:schemeClr val="tx1"/>
+                      </a:solidFill>
+                      <a:prstDash val="solid"/>
+                      <a:round/>
+                      <a:headEnd type="none" w="med" len="med"/>
+                      <a:tailEnd type="none" w="med" len="med"/>
+                    </a:lnT>
+                    <a:lnB w="12700" cap="flat" cmpd="sng" algn="ctr">
+                      <a:solidFill>
+                        <a:schemeClr val="tx1"/>
+                      </a:solidFill>
+                      <a:prstDash val="solid"/>
+                      <a:round/>
+                      <a:headEnd type="none" w="med" len="med"/>
+                      <a:tailEnd type="none" w="med" len="med"/>
+                    </a:lnB>
+                    <a:lnTlToBr w="12700" cmpd="sng">
+                      <a:noFill/>
+                      <a:prstDash val="solid"/>
+                    </a:lnTlToBr>
+                    <a:lnBlToTr w="12700" cmpd="sng">
+                      <a:noFill/>
+                      <a:prstDash val="solid"/>
+                    </a:lnBlToTr>
+                    <a:solidFill>
+                      <a:schemeClr val="tx1">
+                        <a:lumMod val="50000"/>
+                      </a:schemeClr>
+                    </a:solidFill>
+                  </a:tcPr>
+                </a:tc>
+                <a:tc hMerge="1">
+                  <a:txBody>
+                    <a:bodyPr/>
+                    <a:lstStyle/>
+                    <a:p>
+                      <a:endParaRPr lang="en-US" dirty="0"/>
+                    </a:p>
+                  </a:txBody>
+                  <a:tcPr>
+                    <a:lnL w="12700" cap="flat" cmpd="sng" algn="ctr">
+                      <a:solidFill>
+                        <a:schemeClr val="tx1"/>
+                      </a:solidFill>
+                      <a:prstDash val="solid"/>
+                      <a:round/>
+                      <a:headEnd type="none" w="med" len="med"/>
+                      <a:tailEnd type="none" w="med" len="med"/>
+                    </a:lnL>
+                    <a:lnR w="12700" cap="flat" cmpd="sng" algn="ctr">
+                      <a:solidFill>
+                        <a:schemeClr val="tx1"/>
+                      </a:solidFill>
+                      <a:prstDash val="solid"/>
+                      <a:round/>
+                      <a:headEnd type="none" w="med" len="med"/>
+                      <a:tailEnd type="none" w="med" len="med"/>
+                    </a:lnR>
+                    <a:lnT w="12700" cap="flat" cmpd="sng" algn="ctr">
+                      <a:solidFill>
+                        <a:schemeClr val="tx1"/>
+                      </a:solidFill>
+                      <a:prstDash val="solid"/>
+                      <a:round/>
+                      <a:headEnd type="none" w="med" len="med"/>
+                      <a:tailEnd type="none" w="med" len="med"/>
+                    </a:lnT>
+                    <a:lnB w="12700" cap="flat" cmpd="sng" algn="ctr">
+                      <a:solidFill>
+                        <a:schemeClr val="tx1"/>
+                      </a:solidFill>
+                      <a:prstDash val="solid"/>
+                      <a:round/>
+                      <a:headEnd type="none" w="med" len="med"/>
+                      <a:tailEnd type="none" w="med" len="med"/>
+                    </a:lnB>
+                    <a:lnTlToBr w="12700" cmpd="sng">
+                      <a:noFill/>
+                      <a:prstDash val="solid"/>
+                    </a:lnTlToBr>
+                    <a:lnBlToTr w="12700" cmpd="sng">
+                      <a:noFill/>
+                      <a:prstDash val="solid"/>
+                    </a:lnBlToTr>
+                    <a:solidFill>
+                      <a:schemeClr val="tx1">
+                        <a:lumMod val="50000"/>
+                      </a:schemeClr>
+                    </a:solidFill>
+                  </a:tcPr>
+                </a:tc>
+                <a:tc hMerge="1">
+                  <a:txBody>
+                    <a:bodyPr/>
+                    <a:lstStyle/>
+                    <a:p>
+                      <a:endParaRPr lang="en-US" dirty="0"/>
+                    </a:p>
+                  </a:txBody>
+                  <a:tcPr>
+                    <a:lnL w="12700" cap="flat" cmpd="sng" algn="ctr">
+                      <a:solidFill>
+                        <a:schemeClr val="tx1"/>
+                      </a:solidFill>
+                      <a:prstDash val="solid"/>
+                      <a:round/>
+                      <a:headEnd type="none" w="med" len="med"/>
+                      <a:tailEnd type="none" w="med" len="med"/>
+                    </a:lnL>
+                    <a:lnR w="12700" cap="flat" cmpd="sng" algn="ctr">
+                      <a:solidFill>
+                        <a:schemeClr val="tx1"/>
+                      </a:solidFill>
+                      <a:prstDash val="solid"/>
+                      <a:round/>
+                      <a:headEnd type="none" w="med" len="med"/>
+                      <a:tailEnd type="none" w="med" len="med"/>
+                    </a:lnR>
+                    <a:lnT w="12700" cap="flat" cmpd="sng" algn="ctr">
+                      <a:solidFill>
+                        <a:schemeClr val="tx1"/>
+                      </a:solidFill>
+                      <a:prstDash val="solid"/>
+                      <a:round/>
+                      <a:headEnd type="none" w="med" len="med"/>
+                      <a:tailEnd type="none" w="med" len="med"/>
+                    </a:lnT>
+                    <a:lnB w="12700" cap="flat" cmpd="sng" algn="ctr">
+                      <a:solidFill>
+                        <a:schemeClr val="tx1"/>
+                      </a:solidFill>
+                      <a:prstDash val="solid"/>
+                      <a:round/>
+                      <a:headEnd type="none" w="med" len="med"/>
+                      <a:tailEnd type="none" w="med" len="med"/>
+                    </a:lnB>
+                    <a:lnTlToBr w="12700" cmpd="sng">
+                      <a:noFill/>
+                      <a:prstDash val="solid"/>
+                    </a:lnTlToBr>
+                    <a:lnBlToTr w="12700" cmpd="sng">
+                      <a:noFill/>
+                      <a:prstDash val="solid"/>
+                    </a:lnBlToTr>
+                    <a:solidFill>
+                      <a:schemeClr val="tx1">
+                        <a:lumMod val="50000"/>
+                      </a:schemeClr>
+                    </a:solidFill>
+                  </a:tcPr>
+                </a:tc>
+              </a:tr>
+              <a:tr h="370840">
+                <a:tc>
+                  <a:txBody>
+                    <a:bodyPr/>
+                    <a:lstStyle/>
+                    <a:p>
+                      <a:pPr marL="0" algn="l" defTabSz="914400" rtl="0" eaLnBrk="1" latinLnBrk="0" hangingPunct="1"/>
+                      <a:r>
+                        <a:rPr lang="en-US" sz="1800" kern="1200" dirty="0" smtClean="0">
+                          <a:solidFill>
+                            <a:schemeClr val="dk1"/>
+                          </a:solidFill>
+                          <a:latin typeface="+mn-lt"/>
+                          <a:ea typeface="+mn-ea"/>
+                          <a:cs typeface="+mn-cs"/>
+                        </a:rPr>
+                        <a:t>Position</a:t>
+                      </a:r>
+                      <a:endParaRPr lang="en-US" sz="1800" kern="1200" dirty="0">
+                        <a:solidFill>
+                          <a:schemeClr val="dk1"/>
+                        </a:solidFill>
+                        <a:latin typeface="+mn-lt"/>
+                        <a:ea typeface="+mn-ea"/>
+                        <a:cs typeface="+mn-cs"/>
+                      </a:endParaRPr>
+                    </a:p>
+                  </a:txBody>
+                  <a:tcPr>
+                    <a:lnL w="12700" cap="flat" cmpd="sng" algn="ctr">
+                      <a:solidFill>
+                        <a:schemeClr val="tx1"/>
+                      </a:solidFill>
+                      <a:prstDash val="solid"/>
+                      <a:round/>
+                      <a:headEnd type="none" w="med" len="med"/>
+                      <a:tailEnd type="none" w="med" len="med"/>
+                    </a:lnL>
+                    <a:lnR w="12700" cap="flat" cmpd="sng" algn="ctr">
+                      <a:solidFill>
+                        <a:schemeClr val="tx1"/>
+                      </a:solidFill>
+                      <a:prstDash val="solid"/>
+                      <a:round/>
+                      <a:headEnd type="none" w="med" len="med"/>
+                      <a:tailEnd type="none" w="med" len="med"/>
+                    </a:lnR>
+                    <a:lnT w="12700" cap="flat" cmpd="sng" algn="ctr">
+                      <a:solidFill>
+                        <a:schemeClr val="tx1"/>
+                      </a:solidFill>
+                      <a:prstDash val="solid"/>
+                      <a:round/>
+                      <a:headEnd type="none" w="med" len="med"/>
+                      <a:tailEnd type="none" w="med" len="med"/>
+                    </a:lnT>
+                    <a:lnB w="12700" cap="flat" cmpd="sng" algn="ctr">
+                      <a:solidFill>
+                        <a:schemeClr val="tx1"/>
+                      </a:solidFill>
+                      <a:prstDash val="solid"/>
+                      <a:round/>
+                      <a:headEnd type="none" w="med" len="med"/>
+                      <a:tailEnd type="none" w="med" len="med"/>
+                    </a:lnB>
+                    <a:lnTlToBr w="12700" cmpd="sng">
+                      <a:noFill/>
+                      <a:prstDash val="solid"/>
+                    </a:lnTlToBr>
+                    <a:lnBlToTr w="12700" cmpd="sng">
+                      <a:noFill/>
+                      <a:prstDash val="solid"/>
+                    </a:lnBlToTr>
+                    <a:solidFill>
+                      <a:schemeClr val="bg2">
+                        <a:lumMod val="60000"/>
+                        <a:lumOff val="40000"/>
+                      </a:schemeClr>
+                    </a:solidFill>
+                  </a:tcPr>
+                </a:tc>
+                <a:tc>
+                  <a:txBody>
+                    <a:bodyPr/>
+                    <a:lstStyle/>
+                    <a:p>
+                      <a:pPr marL="0" algn="l" defTabSz="914400" rtl="0" eaLnBrk="1" latinLnBrk="0" hangingPunct="1"/>
+                      <a:r>
+                        <a:rPr lang="en-US" sz="1800" kern="1200" dirty="0" smtClean="0">
+                          <a:solidFill>
+                            <a:schemeClr val="dk1"/>
+                          </a:solidFill>
+                          <a:latin typeface="+mn-lt"/>
+                          <a:ea typeface="+mn-ea"/>
+                          <a:cs typeface="+mn-cs"/>
+                        </a:rPr>
+                        <a:t>Target</a:t>
+                      </a:r>
+                      <a:endParaRPr lang="en-US" sz="1800" kern="1200" dirty="0">
+                        <a:solidFill>
+                          <a:schemeClr val="dk1"/>
+                        </a:solidFill>
+                        <a:latin typeface="+mn-lt"/>
+                        <a:ea typeface="+mn-ea"/>
+                        <a:cs typeface="+mn-cs"/>
+                      </a:endParaRPr>
+                    </a:p>
+                  </a:txBody>
+                  <a:tcPr>
+                    <a:lnL w="12700" cap="flat" cmpd="sng" algn="ctr">
+                      <a:solidFill>
+                        <a:schemeClr val="tx1"/>
+                      </a:solidFill>
+                      <a:prstDash val="solid"/>
+                      <a:round/>
+                      <a:headEnd type="none" w="med" len="med"/>
+                      <a:tailEnd type="none" w="med" len="med"/>
+                    </a:lnL>
+                    <a:lnR w="12700" cap="flat" cmpd="sng" algn="ctr">
+                      <a:solidFill>
+                        <a:schemeClr val="tx1"/>
+                      </a:solidFill>
+                      <a:prstDash val="solid"/>
+                      <a:round/>
+                      <a:headEnd type="none" w="med" len="med"/>
+                      <a:tailEnd type="none" w="med" len="med"/>
+                    </a:lnR>
+                    <a:lnT w="12700" cap="flat" cmpd="sng" algn="ctr">
+                      <a:solidFill>
+                        <a:schemeClr val="tx1"/>
+                      </a:solidFill>
+                      <a:prstDash val="solid"/>
+                      <a:round/>
+                      <a:headEnd type="none" w="med" len="med"/>
+                      <a:tailEnd type="none" w="med" len="med"/>
+                    </a:lnT>
+                    <a:lnB w="12700" cap="flat" cmpd="sng" algn="ctr">
+                      <a:solidFill>
+                        <a:schemeClr val="tx1"/>
+                      </a:solidFill>
+                      <a:prstDash val="solid"/>
+                      <a:round/>
+                      <a:headEnd type="none" w="med" len="med"/>
+                      <a:tailEnd type="none" w="med" len="med"/>
+                    </a:lnB>
+                    <a:lnTlToBr w="12700" cmpd="sng">
+                      <a:noFill/>
+                      <a:prstDash val="solid"/>
+                    </a:lnTlToBr>
+                    <a:lnBlToTr w="12700" cmpd="sng">
+                      <a:noFill/>
+                      <a:prstDash val="solid"/>
+                    </a:lnBlToTr>
+                    <a:solidFill>
+                      <a:schemeClr val="accent2">
+                        <a:lumMod val="60000"/>
+                        <a:lumOff val="40000"/>
+                      </a:schemeClr>
+                    </a:solidFill>
+                  </a:tcPr>
+                </a:tc>
+                <a:tc>
+                  <a:txBody>
+                    <a:bodyPr/>
+                    <a:lstStyle/>
+                    <a:p>
+                      <a:pPr marL="0" algn="l" defTabSz="914400" rtl="0" eaLnBrk="1" latinLnBrk="0" hangingPunct="1"/>
+                      <a:r>
+                        <a:rPr lang="en-US" sz="1800" kern="1200" dirty="0" smtClean="0">
+                          <a:solidFill>
+                            <a:schemeClr val="dk1"/>
+                          </a:solidFill>
+                          <a:latin typeface="+mn-lt"/>
+                          <a:ea typeface="+mn-ea"/>
+                          <a:cs typeface="+mn-cs"/>
+                        </a:rPr>
+                        <a:t>StepCount</a:t>
+                      </a:r>
+                      <a:endParaRPr lang="en-US" sz="1800" kern="1200" dirty="0">
+                        <a:solidFill>
+                          <a:schemeClr val="dk1"/>
+                        </a:solidFill>
+                        <a:latin typeface="+mn-lt"/>
+                        <a:ea typeface="+mn-ea"/>
+                        <a:cs typeface="+mn-cs"/>
+                      </a:endParaRPr>
+                    </a:p>
+                  </a:txBody>
+                  <a:tcPr>
+                    <a:lnL w="12700" cap="flat" cmpd="sng" algn="ctr">
+                      <a:solidFill>
+                        <a:schemeClr val="tx1"/>
+                      </a:solidFill>
+                      <a:prstDash val="solid"/>
+                      <a:round/>
+                      <a:headEnd type="none" w="med" len="med"/>
+                      <a:tailEnd type="none" w="med" len="med"/>
+                    </a:lnL>
+                    <a:lnR w="12700" cap="flat" cmpd="sng" algn="ctr">
+                      <a:solidFill>
+                        <a:schemeClr val="tx1"/>
+                      </a:solidFill>
+                      <a:prstDash val="solid"/>
+                      <a:round/>
+                      <a:headEnd type="none" w="med" len="med"/>
+                      <a:tailEnd type="none" w="med" len="med"/>
+                    </a:lnR>
+                    <a:lnT w="12700" cap="flat" cmpd="sng" algn="ctr">
+                      <a:solidFill>
+                        <a:schemeClr val="tx1"/>
+                      </a:solidFill>
+                      <a:prstDash val="solid"/>
+                      <a:round/>
+                      <a:headEnd type="none" w="med" len="med"/>
+                      <a:tailEnd type="none" w="med" len="med"/>
+                    </a:lnT>
+                    <a:lnB w="12700" cap="flat" cmpd="sng" algn="ctr">
+                      <a:solidFill>
+                        <a:schemeClr val="tx1"/>
+                      </a:solidFill>
+                      <a:prstDash val="solid"/>
+                      <a:round/>
+                      <a:headEnd type="none" w="med" len="med"/>
+                      <a:tailEnd type="none" w="med" len="med"/>
+                    </a:lnB>
+                    <a:lnTlToBr w="12700" cmpd="sng">
+                      <a:noFill/>
+                      <a:prstDash val="solid"/>
+                    </a:lnTlToBr>
+                    <a:lnBlToTr w="12700" cmpd="sng">
+                      <a:noFill/>
+                      <a:prstDash val="solid"/>
+                    </a:lnBlToTr>
+                    <a:solidFill>
+                      <a:schemeClr val="accent4">
+                        <a:lumMod val="60000"/>
+                        <a:lumOff val="40000"/>
+                      </a:schemeClr>
+                    </a:solidFill>
+                  </a:tcPr>
+                </a:tc>
+                <a:tc>
+                  <a:txBody>
+                    <a:bodyPr/>
+                    <a:lstStyle/>
+                    <a:p>
+                      <a:pPr marL="0" algn="l" defTabSz="914400" rtl="0" eaLnBrk="1" latinLnBrk="0" hangingPunct="1"/>
+                      <a:r>
+                        <a:rPr lang="en-US" sz="1800" kern="1200" dirty="0" smtClean="0">
+                          <a:solidFill>
+                            <a:schemeClr val="dk1"/>
+                          </a:solidFill>
+                          <a:latin typeface="+mn-lt"/>
+                          <a:ea typeface="+mn-ea"/>
+                          <a:cs typeface="+mn-cs"/>
+                        </a:rPr>
+                        <a:t>Position</a:t>
+                      </a:r>
+                      <a:endParaRPr lang="en-US" sz="1800" kern="1200" dirty="0">
+                        <a:solidFill>
+                          <a:schemeClr val="dk1"/>
+                        </a:solidFill>
+                        <a:latin typeface="+mn-lt"/>
+                        <a:ea typeface="+mn-ea"/>
+                        <a:cs typeface="+mn-cs"/>
+                      </a:endParaRPr>
+                    </a:p>
+                  </a:txBody>
+                  <a:tcPr>
+                    <a:lnL w="12700" cap="flat" cmpd="sng" algn="ctr">
+                      <a:solidFill>
+                        <a:schemeClr val="tx1"/>
+                      </a:solidFill>
+                      <a:prstDash val="solid"/>
+                      <a:round/>
+                      <a:headEnd type="none" w="med" len="med"/>
+                      <a:tailEnd type="none" w="med" len="med"/>
+                    </a:lnL>
+                    <a:lnR w="12700" cap="flat" cmpd="sng" algn="ctr">
+                      <a:solidFill>
+                        <a:schemeClr val="tx1"/>
+                      </a:solidFill>
+                      <a:prstDash val="solid"/>
+                      <a:round/>
+                      <a:headEnd type="none" w="med" len="med"/>
+                      <a:tailEnd type="none" w="med" len="med"/>
+                    </a:lnR>
+                    <a:lnT w="12700" cap="flat" cmpd="sng" algn="ctr">
+                      <a:solidFill>
+                        <a:schemeClr val="tx1"/>
+                      </a:solidFill>
+                      <a:prstDash val="solid"/>
+                      <a:round/>
+                      <a:headEnd type="none" w="med" len="med"/>
+                      <a:tailEnd type="none" w="med" len="med"/>
+                    </a:lnT>
+                    <a:lnB w="12700" cap="flat" cmpd="sng" algn="ctr">
+                      <a:solidFill>
+                        <a:schemeClr val="tx1"/>
+                      </a:solidFill>
+                      <a:prstDash val="solid"/>
+                      <a:round/>
+                      <a:headEnd type="none" w="med" len="med"/>
+                      <a:tailEnd type="none" w="med" len="med"/>
+                    </a:lnB>
+                    <a:lnTlToBr w="12700" cmpd="sng">
+                      <a:noFill/>
+                      <a:prstDash val="solid"/>
+                    </a:lnTlToBr>
+                    <a:lnBlToTr w="12700" cmpd="sng">
+                      <a:noFill/>
+                      <a:prstDash val="solid"/>
+                    </a:lnBlToTr>
+                    <a:solidFill>
+                      <a:schemeClr val="bg2">
+                        <a:lumMod val="60000"/>
+                        <a:lumOff val="40000"/>
+                      </a:schemeClr>
+                    </a:solidFill>
+                  </a:tcPr>
+                </a:tc>
+                <a:tc>
+                  <a:txBody>
+                    <a:bodyPr/>
+                    <a:lstStyle/>
+                    <a:p>
+                      <a:pPr marL="0" algn="l" defTabSz="914400" rtl="0" eaLnBrk="1" latinLnBrk="0" hangingPunct="1"/>
+                      <a:r>
+                        <a:rPr lang="en-US" sz="1800" kern="1200" dirty="0" smtClean="0">
+                          <a:solidFill>
+                            <a:schemeClr val="dk1"/>
+                          </a:solidFill>
+                          <a:latin typeface="+mn-lt"/>
+                          <a:ea typeface="+mn-ea"/>
+                          <a:cs typeface="+mn-cs"/>
+                        </a:rPr>
+                        <a:t>Target</a:t>
+                      </a:r>
+                      <a:endParaRPr lang="en-US" sz="1800" kern="1200" dirty="0">
+                        <a:solidFill>
+                          <a:schemeClr val="dk1"/>
+                        </a:solidFill>
+                        <a:latin typeface="+mn-lt"/>
+                        <a:ea typeface="+mn-ea"/>
+                        <a:cs typeface="+mn-cs"/>
+                      </a:endParaRPr>
+                    </a:p>
+                  </a:txBody>
+                  <a:tcPr>
+                    <a:lnL w="12700" cap="flat" cmpd="sng" algn="ctr">
+                      <a:solidFill>
+                        <a:schemeClr val="tx1"/>
+                      </a:solidFill>
+                      <a:prstDash val="solid"/>
+                      <a:round/>
+                      <a:headEnd type="none" w="med" len="med"/>
+                      <a:tailEnd type="none" w="med" len="med"/>
+                    </a:lnL>
+                    <a:lnR w="12700" cap="flat" cmpd="sng" algn="ctr">
+                      <a:solidFill>
+                        <a:schemeClr val="tx1"/>
+                      </a:solidFill>
+                      <a:prstDash val="solid"/>
+                      <a:round/>
+                      <a:headEnd type="none" w="med" len="med"/>
+                      <a:tailEnd type="none" w="med" len="med"/>
+                    </a:lnR>
+                    <a:lnT w="12700" cap="flat" cmpd="sng" algn="ctr">
+                      <a:solidFill>
+                        <a:schemeClr val="tx1"/>
+                      </a:solidFill>
+                      <a:prstDash val="solid"/>
+                      <a:round/>
+                      <a:headEnd type="none" w="med" len="med"/>
+                      <a:tailEnd type="none" w="med" len="med"/>
+                    </a:lnT>
+                    <a:lnB w="12700" cap="flat" cmpd="sng" algn="ctr">
+                      <a:solidFill>
+                        <a:schemeClr val="tx1"/>
+                      </a:solidFill>
+                      <a:prstDash val="solid"/>
+                      <a:round/>
+                      <a:headEnd type="none" w="med" len="med"/>
+                      <a:tailEnd type="none" w="med" len="med"/>
+                    </a:lnB>
+                    <a:lnTlToBr w="12700" cmpd="sng">
+                      <a:noFill/>
+                      <a:prstDash val="solid"/>
+                    </a:lnTlToBr>
+                    <a:lnBlToTr w="12700" cmpd="sng">
+                      <a:noFill/>
+                      <a:prstDash val="solid"/>
+                    </a:lnBlToTr>
+                    <a:solidFill>
+                      <a:schemeClr val="accent2">
+                        <a:lumMod val="60000"/>
+                        <a:lumOff val="40000"/>
+                      </a:schemeClr>
+                    </a:solidFill>
+                  </a:tcPr>
+                </a:tc>
+                <a:tc>
+                  <a:txBody>
+                    <a:bodyPr/>
+                    <a:lstStyle/>
+                    <a:p>
+                      <a:pPr marL="0" algn="l" defTabSz="914400" rtl="0" eaLnBrk="1" latinLnBrk="0" hangingPunct="1"/>
+                      <a:r>
+                        <a:rPr lang="en-US" sz="1800" kern="1200" dirty="0" smtClean="0">
+                          <a:solidFill>
+                            <a:schemeClr val="dk1"/>
+                          </a:solidFill>
+                          <a:latin typeface="+mn-lt"/>
+                          <a:ea typeface="+mn-ea"/>
+                          <a:cs typeface="+mn-cs"/>
+                        </a:rPr>
+                        <a:t>StepCount</a:t>
+                      </a:r>
+                      <a:endParaRPr lang="en-US" sz="1800" kern="1200" dirty="0">
+                        <a:solidFill>
+                          <a:schemeClr val="dk1"/>
+                        </a:solidFill>
+                        <a:latin typeface="+mn-lt"/>
+                        <a:ea typeface="+mn-ea"/>
+                        <a:cs typeface="+mn-cs"/>
+                      </a:endParaRPr>
+                    </a:p>
+                  </a:txBody>
+                  <a:tcPr>
+                    <a:lnL w="12700" cap="flat" cmpd="sng" algn="ctr">
+                      <a:solidFill>
+                        <a:schemeClr val="tx1"/>
+                      </a:solidFill>
+                      <a:prstDash val="solid"/>
+                      <a:round/>
+                      <a:headEnd type="none" w="med" len="med"/>
+                      <a:tailEnd type="none" w="med" len="med"/>
+                    </a:lnL>
+                    <a:lnR w="12700" cap="flat" cmpd="sng" algn="ctr">
+                      <a:solidFill>
+                        <a:schemeClr val="tx1"/>
+                      </a:solidFill>
+                      <a:prstDash val="solid"/>
+                      <a:round/>
+                      <a:headEnd type="none" w="med" len="med"/>
+                      <a:tailEnd type="none" w="med" len="med"/>
+                    </a:lnR>
+                    <a:lnT w="12700" cap="flat" cmpd="sng" algn="ctr">
+                      <a:solidFill>
+                        <a:schemeClr val="tx1"/>
+                      </a:solidFill>
+                      <a:prstDash val="solid"/>
+                      <a:round/>
+                      <a:headEnd type="none" w="med" len="med"/>
+                      <a:tailEnd type="none" w="med" len="med"/>
+                    </a:lnT>
+                    <a:lnB w="12700" cap="flat" cmpd="sng" algn="ctr">
+                      <a:solidFill>
+                        <a:schemeClr val="tx1"/>
+                      </a:solidFill>
+                      <a:prstDash val="solid"/>
+                      <a:round/>
+                      <a:headEnd type="none" w="med" len="med"/>
+                      <a:tailEnd type="none" w="med" len="med"/>
+                    </a:lnB>
+                    <a:lnTlToBr w="12700" cmpd="sng">
+                      <a:noFill/>
+                      <a:prstDash val="solid"/>
+                    </a:lnTlToBr>
+                    <a:lnBlToTr w="12700" cmpd="sng">
+                      <a:noFill/>
+                      <a:prstDash val="solid"/>
+                    </a:lnBlToTr>
+                    <a:solidFill>
+                      <a:schemeClr val="accent4">
+                        <a:lumMod val="60000"/>
+                        <a:lumOff val="40000"/>
+                      </a:schemeClr>
+                    </a:solidFill>
+                  </a:tcPr>
+                </a:tc>
+                <a:tc>
+                  <a:txBody>
+                    <a:bodyPr/>
+                    <a:lstStyle/>
+                    <a:p>
+                      <a:r>
+                        <a:rPr lang="en-US" dirty="0" smtClean="0"/>
+                        <a:t>Position</a:t>
+                      </a:r>
+                      <a:endParaRPr lang="en-US" dirty="0"/>
+                    </a:p>
+                  </a:txBody>
+                  <a:tcPr>
+                    <a:lnL w="12700" cap="flat" cmpd="sng" algn="ctr">
+                      <a:solidFill>
+                        <a:schemeClr val="tx1"/>
+                      </a:solidFill>
+                      <a:prstDash val="solid"/>
+                      <a:round/>
+                      <a:headEnd type="none" w="med" len="med"/>
+                      <a:tailEnd type="none" w="med" len="med"/>
+                    </a:lnL>
+                    <a:lnR w="12700" cap="flat" cmpd="sng" algn="ctr">
+                      <a:solidFill>
+                        <a:schemeClr val="tx1"/>
+                      </a:solidFill>
+                      <a:prstDash val="solid"/>
+                      <a:round/>
+                      <a:headEnd type="none" w="med" len="med"/>
+                      <a:tailEnd type="none" w="med" len="med"/>
+                    </a:lnR>
+                    <a:lnT w="12700" cap="flat" cmpd="sng" algn="ctr">
+                      <a:solidFill>
+                        <a:schemeClr val="tx1"/>
+                      </a:solidFill>
+                      <a:prstDash val="solid"/>
+                      <a:round/>
+                      <a:headEnd type="none" w="med" len="med"/>
+                      <a:tailEnd type="none" w="med" len="med"/>
+                    </a:lnT>
+                    <a:lnB w="12700" cap="flat" cmpd="sng" algn="ctr">
+                      <a:solidFill>
+                        <a:schemeClr val="tx1"/>
+                      </a:solidFill>
+                      <a:prstDash val="solid"/>
+                      <a:round/>
+                      <a:headEnd type="none" w="med" len="med"/>
+                      <a:tailEnd type="none" w="med" len="med"/>
+                    </a:lnB>
+                    <a:lnTlToBr w="12700" cmpd="sng">
+                      <a:noFill/>
+                      <a:prstDash val="solid"/>
+                    </a:lnTlToBr>
+                    <a:lnBlToTr w="12700" cmpd="sng">
+                      <a:noFill/>
+                      <a:prstDash val="solid"/>
+                    </a:lnBlToTr>
+                    <a:solidFill>
+                      <a:schemeClr val="bg2">
+                        <a:lumMod val="60000"/>
+                        <a:lumOff val="40000"/>
+                      </a:schemeClr>
+                    </a:solidFill>
+                  </a:tcPr>
+                </a:tc>
+                <a:tc>
+                  <a:txBody>
+                    <a:bodyPr/>
+                    <a:lstStyle/>
+                    <a:p>
+                      <a:r>
+                        <a:rPr lang="en-US" dirty="0" smtClean="0"/>
+                        <a:t>Target</a:t>
+                      </a:r>
+                      <a:endParaRPr lang="en-US" dirty="0"/>
+                    </a:p>
+                  </a:txBody>
+                  <a:tcPr>
+                    <a:lnL w="12700" cap="flat" cmpd="sng" algn="ctr">
+                      <a:solidFill>
+                        <a:schemeClr val="tx1"/>
+                      </a:solidFill>
+                      <a:prstDash val="solid"/>
+                      <a:round/>
+                      <a:headEnd type="none" w="med" len="med"/>
+                      <a:tailEnd type="none" w="med" len="med"/>
+                    </a:lnL>
+                    <a:lnR w="12700" cap="flat" cmpd="sng" algn="ctr">
+                      <a:solidFill>
+                        <a:schemeClr val="tx1"/>
+                      </a:solidFill>
+                      <a:prstDash val="solid"/>
+                      <a:round/>
+                      <a:headEnd type="none" w="med" len="med"/>
+                      <a:tailEnd type="none" w="med" len="med"/>
+                    </a:lnR>
+                    <a:lnT w="12700" cap="flat" cmpd="sng" algn="ctr">
+                      <a:solidFill>
+                        <a:schemeClr val="tx1"/>
+                      </a:solidFill>
+                      <a:prstDash val="solid"/>
+                      <a:round/>
+                      <a:headEnd type="none" w="med" len="med"/>
+                      <a:tailEnd type="none" w="med" len="med"/>
+                    </a:lnT>
+                    <a:lnB w="12700" cap="flat" cmpd="sng" algn="ctr">
+                      <a:solidFill>
+                        <a:schemeClr val="tx1"/>
+                      </a:solidFill>
+                      <a:prstDash val="solid"/>
+                      <a:round/>
+                      <a:headEnd type="none" w="med" len="med"/>
+                      <a:tailEnd type="none" w="med" len="med"/>
+                    </a:lnB>
+                    <a:lnTlToBr w="12700" cmpd="sng">
+                      <a:noFill/>
+                      <a:prstDash val="solid"/>
+                    </a:lnTlToBr>
+                    <a:lnBlToTr w="12700" cmpd="sng">
+                      <a:noFill/>
+                      <a:prstDash val="solid"/>
+                    </a:lnBlToTr>
+                    <a:solidFill>
+                      <a:schemeClr val="accent2">
+                        <a:lumMod val="60000"/>
+                        <a:lumOff val="40000"/>
+                      </a:schemeClr>
+                    </a:solidFill>
+                  </a:tcPr>
+                </a:tc>
+                <a:tc>
+                  <a:txBody>
+                    <a:bodyPr/>
+                    <a:lstStyle/>
+                    <a:p>
+                      <a:r>
+                        <a:rPr lang="en-US" dirty="0" smtClean="0"/>
+                        <a:t>StepCount</a:t>
+                      </a:r>
+                      <a:endParaRPr lang="en-US" dirty="0"/>
+                    </a:p>
+                  </a:txBody>
+                  <a:tcPr>
+                    <a:lnL w="12700" cap="flat" cmpd="sng" algn="ctr">
+                      <a:solidFill>
+                        <a:schemeClr val="tx1"/>
+                      </a:solidFill>
+                      <a:prstDash val="solid"/>
+                      <a:round/>
+                      <a:headEnd type="none" w="med" len="med"/>
+                      <a:tailEnd type="none" w="med" len="med"/>
+                    </a:lnL>
+                    <a:lnR w="12700" cap="flat" cmpd="sng" algn="ctr">
+                      <a:solidFill>
+                        <a:schemeClr val="tx1"/>
+                      </a:solidFill>
+                      <a:prstDash val="solid"/>
+                      <a:round/>
+                      <a:headEnd type="none" w="med" len="med"/>
+                      <a:tailEnd type="none" w="med" len="med"/>
+                    </a:lnR>
+                    <a:lnT w="12700" cap="flat" cmpd="sng" algn="ctr">
+                      <a:solidFill>
+                        <a:schemeClr val="tx1"/>
+                      </a:solidFill>
+                      <a:prstDash val="solid"/>
+                      <a:round/>
+                      <a:headEnd type="none" w="med" len="med"/>
+                      <a:tailEnd type="none" w="med" len="med"/>
+                    </a:lnT>
+                    <a:lnB w="12700" cap="flat" cmpd="sng" algn="ctr">
+                      <a:solidFill>
+                        <a:schemeClr val="tx1"/>
+                      </a:solidFill>
+                      <a:prstDash val="solid"/>
+                      <a:round/>
+                      <a:headEnd type="none" w="med" len="med"/>
+                      <a:tailEnd type="none" w="med" len="med"/>
+                    </a:lnB>
+                    <a:lnTlToBr w="12700" cmpd="sng">
+                      <a:noFill/>
+                      <a:prstDash val="solid"/>
+                    </a:lnTlToBr>
+                    <a:lnBlToTr w="12700" cmpd="sng">
+                      <a:noFill/>
+                      <a:prstDash val="solid"/>
+                    </a:lnBlToTr>
+                    <a:solidFill>
+                      <a:schemeClr val="accent4">
+                        <a:lumMod val="60000"/>
+                        <a:lumOff val="40000"/>
+                      </a:schemeClr>
+                    </a:solidFill>
+                  </a:tcPr>
+                </a:tc>
+              </a:tr>
+              <a:tr h="370840">
+                <a:tc>
+                  <a:txBody>
+                    <a:bodyPr/>
+                    <a:lstStyle/>
+                    <a:p>
+                      <a:r>
+                        <a:rPr lang="en-US" smtClean="0"/>
+                        <a:t>8bytes</a:t>
+                      </a:r>
+                      <a:endParaRPr lang="en-US" dirty="0"/>
+                    </a:p>
+                  </a:txBody>
+                  <a:tcPr>
+                    <a:lnL w="12700" cap="flat" cmpd="sng" algn="ctr">
+                      <a:solidFill>
+                        <a:schemeClr val="tx1"/>
+                      </a:solidFill>
+                      <a:prstDash val="solid"/>
+                      <a:round/>
+                      <a:headEnd type="none" w="med" len="med"/>
+                      <a:tailEnd type="none" w="med" len="med"/>
+                    </a:lnL>
+                    <a:lnR w="12700" cap="flat" cmpd="sng" algn="ctr">
+                      <a:solidFill>
+                        <a:schemeClr val="tx1"/>
+                      </a:solidFill>
+                      <a:prstDash val="solid"/>
+                      <a:round/>
+                      <a:headEnd type="none" w="med" len="med"/>
+                      <a:tailEnd type="none" w="med" len="med"/>
+                    </a:lnR>
+                    <a:lnT w="12700" cap="flat" cmpd="sng" algn="ctr">
+                      <a:solidFill>
+                        <a:schemeClr val="tx1"/>
+                      </a:solidFill>
+                      <a:prstDash val="solid"/>
+                      <a:round/>
+                      <a:headEnd type="none" w="med" len="med"/>
+                      <a:tailEnd type="none" w="med" len="med"/>
+                    </a:lnT>
+                    <a:lnB w="12700" cap="flat" cmpd="sng" algn="ctr">
+                      <a:solidFill>
+                        <a:schemeClr val="tx1"/>
+                      </a:solidFill>
+                      <a:prstDash val="solid"/>
+                      <a:round/>
+                      <a:headEnd type="none" w="med" len="med"/>
+                      <a:tailEnd type="none" w="med" len="med"/>
+                    </a:lnB>
+                    <a:lnTlToBr w="12700" cmpd="sng">
+                      <a:noFill/>
+                      <a:prstDash val="solid"/>
+                    </a:lnTlToBr>
+                    <a:lnBlToTr w="12700" cmpd="sng">
+                      <a:noFill/>
+                      <a:prstDash val="solid"/>
+                    </a:lnBlToTr>
+                    <a:solidFill>
+                      <a:schemeClr val="tx1">
+                        <a:lumMod val="50000"/>
+                      </a:schemeClr>
+                    </a:solidFill>
+                  </a:tcPr>
+                </a:tc>
+                <a:tc>
+                  <a:txBody>
+                    <a:bodyPr/>
+                    <a:lstStyle/>
+                    <a:p>
+                      <a:r>
+                        <a:rPr lang="en-US" dirty="0" smtClean="0"/>
+                        <a:t>8bytes</a:t>
+                      </a:r>
+                      <a:endParaRPr lang="en-US" dirty="0"/>
+                    </a:p>
+                  </a:txBody>
+                  <a:tcPr>
+                    <a:lnL w="12700" cap="flat" cmpd="sng" algn="ctr">
+                      <a:solidFill>
+                        <a:schemeClr val="tx1"/>
+                      </a:solidFill>
+                      <a:prstDash val="solid"/>
+                      <a:round/>
+                      <a:headEnd type="none" w="med" len="med"/>
+                      <a:tailEnd type="none" w="med" len="med"/>
+                    </a:lnL>
+                    <a:lnR w="12700" cap="flat" cmpd="sng" algn="ctr">
+                      <a:solidFill>
+                        <a:schemeClr val="tx1"/>
+                      </a:solidFill>
+                      <a:prstDash val="solid"/>
+                      <a:round/>
+                      <a:headEnd type="none" w="med" len="med"/>
+                      <a:tailEnd type="none" w="med" len="med"/>
+                    </a:lnR>
+                    <a:lnT w="12700" cap="flat" cmpd="sng" algn="ctr">
+                      <a:solidFill>
+                        <a:schemeClr val="tx1"/>
+                      </a:solidFill>
+                      <a:prstDash val="solid"/>
+                      <a:round/>
+                      <a:headEnd type="none" w="med" len="med"/>
+                      <a:tailEnd type="none" w="med" len="med"/>
+                    </a:lnT>
+                    <a:lnB w="12700" cap="flat" cmpd="sng" algn="ctr">
+                      <a:solidFill>
+                        <a:schemeClr val="tx1"/>
+                      </a:solidFill>
+                      <a:prstDash val="solid"/>
+                      <a:round/>
+                      <a:headEnd type="none" w="med" len="med"/>
+                      <a:tailEnd type="none" w="med" len="med"/>
+                    </a:lnB>
+                    <a:lnTlToBr w="12700" cmpd="sng">
+                      <a:noFill/>
+                      <a:prstDash val="solid"/>
+                    </a:lnTlToBr>
+                    <a:lnBlToTr w="12700" cmpd="sng">
+                      <a:noFill/>
+                      <a:prstDash val="solid"/>
+                    </a:lnBlToTr>
+                    <a:solidFill>
+                      <a:schemeClr val="tx1">
+                        <a:lumMod val="50000"/>
+                      </a:schemeClr>
+                    </a:solidFill>
+                  </a:tcPr>
+                </a:tc>
+                <a:tc>
+                  <a:txBody>
+                    <a:bodyPr/>
+                    <a:lstStyle/>
+                    <a:p>
+                      <a:r>
+                        <a:rPr lang="en-US" smtClean="0"/>
+                        <a:t>4bytes</a:t>
+                      </a:r>
+                      <a:endParaRPr lang="en-US" dirty="0"/>
+                    </a:p>
+                  </a:txBody>
+                  <a:tcPr>
+                    <a:lnL w="12700" cap="flat" cmpd="sng" algn="ctr">
+                      <a:solidFill>
+                        <a:schemeClr val="tx1"/>
+                      </a:solidFill>
+                      <a:prstDash val="solid"/>
+                      <a:round/>
+                      <a:headEnd type="none" w="med" len="med"/>
+                      <a:tailEnd type="none" w="med" len="med"/>
+                    </a:lnL>
+                    <a:lnR w="12700" cap="flat" cmpd="sng" algn="ctr">
+                      <a:solidFill>
+                        <a:schemeClr val="tx1"/>
+                      </a:solidFill>
+                      <a:prstDash val="solid"/>
+                      <a:round/>
+                      <a:headEnd type="none" w="med" len="med"/>
+                      <a:tailEnd type="none" w="med" len="med"/>
+                    </a:lnR>
+                    <a:lnT w="12700" cap="flat" cmpd="sng" algn="ctr">
+                      <a:solidFill>
+                        <a:schemeClr val="tx1"/>
+                      </a:solidFill>
+                      <a:prstDash val="solid"/>
+                      <a:round/>
+                      <a:headEnd type="none" w="med" len="med"/>
+                      <a:tailEnd type="none" w="med" len="med"/>
+                    </a:lnT>
+                    <a:lnB w="12700" cap="flat" cmpd="sng" algn="ctr">
+                      <a:solidFill>
+                        <a:schemeClr val="tx1"/>
+                      </a:solidFill>
+                      <a:prstDash val="solid"/>
+                      <a:round/>
+                      <a:headEnd type="none" w="med" len="med"/>
+                      <a:tailEnd type="none" w="med" len="med"/>
+                    </a:lnB>
+                    <a:lnTlToBr w="12700" cmpd="sng">
+                      <a:noFill/>
+                      <a:prstDash val="solid"/>
+                    </a:lnTlToBr>
+                    <a:lnBlToTr w="12700" cmpd="sng">
+                      <a:noFill/>
+                      <a:prstDash val="solid"/>
+                    </a:lnBlToTr>
+                    <a:solidFill>
+                      <a:schemeClr val="tx1">
+                        <a:lumMod val="50000"/>
+                      </a:schemeClr>
+                    </a:solidFill>
+                  </a:tcPr>
+                </a:tc>
+                <a:tc>
+                  <a:txBody>
+                    <a:bodyPr/>
+                    <a:lstStyle/>
+                    <a:p>
+                      <a:r>
+                        <a:rPr lang="en-US" smtClean="0"/>
+                        <a:t>8bytes</a:t>
+                      </a:r>
+                      <a:endParaRPr lang="en-US" dirty="0"/>
+                    </a:p>
+                  </a:txBody>
+                  <a:tcPr>
+                    <a:lnL w="12700" cap="flat" cmpd="sng" algn="ctr">
+                      <a:solidFill>
+                        <a:schemeClr val="tx1"/>
+                      </a:solidFill>
+                      <a:prstDash val="solid"/>
+                      <a:round/>
+                      <a:headEnd type="none" w="med" len="med"/>
+                      <a:tailEnd type="none" w="med" len="med"/>
+                    </a:lnL>
+                    <a:lnR w="12700" cap="flat" cmpd="sng" algn="ctr">
+                      <a:solidFill>
+                        <a:schemeClr val="tx1"/>
+                      </a:solidFill>
+                      <a:prstDash val="solid"/>
+                      <a:round/>
+                      <a:headEnd type="none" w="med" len="med"/>
+                      <a:tailEnd type="none" w="med" len="med"/>
+                    </a:lnR>
+                    <a:lnT w="12700" cap="flat" cmpd="sng" algn="ctr">
+                      <a:solidFill>
+                        <a:schemeClr val="tx1"/>
+                      </a:solidFill>
+                      <a:prstDash val="solid"/>
+                      <a:round/>
+                      <a:headEnd type="none" w="med" len="med"/>
+                      <a:tailEnd type="none" w="med" len="med"/>
+                    </a:lnT>
+                    <a:lnB w="12700" cap="flat" cmpd="sng" algn="ctr">
+                      <a:solidFill>
+                        <a:schemeClr val="tx1"/>
+                      </a:solidFill>
+                      <a:prstDash val="solid"/>
+                      <a:round/>
+                      <a:headEnd type="none" w="med" len="med"/>
+                      <a:tailEnd type="none" w="med" len="med"/>
+                    </a:lnB>
+                    <a:lnTlToBr w="12700" cmpd="sng">
+                      <a:noFill/>
+                      <a:prstDash val="solid"/>
+                    </a:lnTlToBr>
+                    <a:lnBlToTr w="12700" cmpd="sng">
+                      <a:noFill/>
+                      <a:prstDash val="solid"/>
+                    </a:lnBlToTr>
+                    <a:solidFill>
+                      <a:schemeClr val="tx1">
+                        <a:lumMod val="50000"/>
+                      </a:schemeClr>
+                    </a:solidFill>
+                  </a:tcPr>
+                </a:tc>
+                <a:tc>
+                  <a:txBody>
+                    <a:bodyPr/>
+                    <a:lstStyle/>
+                    <a:p>
+                      <a:r>
+                        <a:rPr lang="en-US" dirty="0" smtClean="0"/>
+                        <a:t>8bytes</a:t>
+                      </a:r>
+                      <a:endParaRPr lang="en-US" dirty="0"/>
+                    </a:p>
+                  </a:txBody>
+                  <a:tcPr>
+                    <a:lnL w="12700" cap="flat" cmpd="sng" algn="ctr">
+                      <a:solidFill>
+                        <a:schemeClr val="tx1"/>
+                      </a:solidFill>
+                      <a:prstDash val="solid"/>
+                      <a:round/>
+                      <a:headEnd type="none" w="med" len="med"/>
+                      <a:tailEnd type="none" w="med" len="med"/>
+                    </a:lnL>
+                    <a:lnR w="12700" cap="flat" cmpd="sng" algn="ctr">
+                      <a:solidFill>
+                        <a:schemeClr val="tx1"/>
+                      </a:solidFill>
+                      <a:prstDash val="solid"/>
+                      <a:round/>
+                      <a:headEnd type="none" w="med" len="med"/>
+                      <a:tailEnd type="none" w="med" len="med"/>
+                    </a:lnR>
+                    <a:lnT w="12700" cap="flat" cmpd="sng" algn="ctr">
+                      <a:solidFill>
+                        <a:schemeClr val="tx1"/>
+                      </a:solidFill>
+                      <a:prstDash val="solid"/>
+                      <a:round/>
+                      <a:headEnd type="none" w="med" len="med"/>
+                      <a:tailEnd type="none" w="med" len="med"/>
+                    </a:lnT>
+                    <a:lnB w="12700" cap="flat" cmpd="sng" algn="ctr">
+                      <a:solidFill>
+                        <a:schemeClr val="tx1"/>
+                      </a:solidFill>
+                      <a:prstDash val="solid"/>
+                      <a:round/>
+                      <a:headEnd type="none" w="med" len="med"/>
+                      <a:tailEnd type="none" w="med" len="med"/>
+                    </a:lnB>
+                    <a:lnTlToBr w="12700" cmpd="sng">
+                      <a:noFill/>
+                      <a:prstDash val="solid"/>
+                    </a:lnTlToBr>
+                    <a:lnBlToTr w="12700" cmpd="sng">
+                      <a:noFill/>
+                      <a:prstDash val="solid"/>
+                    </a:lnBlToTr>
+                    <a:solidFill>
+                      <a:schemeClr val="tx1">
+                        <a:lumMod val="50000"/>
+                      </a:schemeClr>
+                    </a:solidFill>
+                  </a:tcPr>
+                </a:tc>
+                <a:tc>
+                  <a:txBody>
+                    <a:bodyPr/>
+                    <a:lstStyle/>
+                    <a:p>
+                      <a:r>
+                        <a:rPr lang="en-US" dirty="0" smtClean="0"/>
+                        <a:t>4bytes</a:t>
+                      </a:r>
+                      <a:endParaRPr lang="en-US" dirty="0"/>
+                    </a:p>
+                  </a:txBody>
+                  <a:tcPr>
+                    <a:lnL w="12700" cap="flat" cmpd="sng" algn="ctr">
+                      <a:solidFill>
+                        <a:schemeClr val="tx1"/>
+                      </a:solidFill>
+                      <a:prstDash val="solid"/>
+                      <a:round/>
+                      <a:headEnd type="none" w="med" len="med"/>
+                      <a:tailEnd type="none" w="med" len="med"/>
+                    </a:lnL>
+                    <a:lnR w="12700" cap="flat" cmpd="sng" algn="ctr">
+                      <a:solidFill>
+                        <a:schemeClr val="tx1"/>
+                      </a:solidFill>
+                      <a:prstDash val="solid"/>
+                      <a:round/>
+                      <a:headEnd type="none" w="med" len="med"/>
+                      <a:tailEnd type="none" w="med" len="med"/>
+                    </a:lnR>
+                    <a:lnT w="12700" cap="flat" cmpd="sng" algn="ctr">
+                      <a:solidFill>
+                        <a:schemeClr val="tx1"/>
+                      </a:solidFill>
+                      <a:prstDash val="solid"/>
+                      <a:round/>
+                      <a:headEnd type="none" w="med" len="med"/>
+                      <a:tailEnd type="none" w="med" len="med"/>
+                    </a:lnT>
+                    <a:lnB w="12700" cap="flat" cmpd="sng" algn="ctr">
+                      <a:solidFill>
+                        <a:schemeClr val="tx1"/>
+                      </a:solidFill>
+                      <a:prstDash val="solid"/>
+                      <a:round/>
+                      <a:headEnd type="none" w="med" len="med"/>
+                      <a:tailEnd type="none" w="med" len="med"/>
+                    </a:lnB>
+                    <a:lnTlToBr w="12700" cmpd="sng">
+                      <a:noFill/>
+                      <a:prstDash val="solid"/>
+                    </a:lnTlToBr>
+                    <a:lnBlToTr w="12700" cmpd="sng">
+                      <a:noFill/>
+                      <a:prstDash val="solid"/>
+                    </a:lnBlToTr>
+                    <a:solidFill>
+                      <a:schemeClr val="tx1">
+                        <a:lumMod val="50000"/>
+                      </a:schemeClr>
+                    </a:solidFill>
+                  </a:tcPr>
+                </a:tc>
+                <a:tc>
+                  <a:txBody>
+                    <a:bodyPr/>
+                    <a:lstStyle/>
+                    <a:p>
+                      <a:r>
+                        <a:rPr lang="en-US" smtClean="0"/>
+                        <a:t>8bytes</a:t>
+                      </a:r>
+                      <a:endParaRPr lang="en-US" dirty="0"/>
+                    </a:p>
+                  </a:txBody>
+                  <a:tcPr>
+                    <a:lnL w="12700" cap="flat" cmpd="sng" algn="ctr">
+                      <a:solidFill>
+                        <a:schemeClr val="tx1"/>
+                      </a:solidFill>
+                      <a:prstDash val="solid"/>
+                      <a:round/>
+                      <a:headEnd type="none" w="med" len="med"/>
+                      <a:tailEnd type="none" w="med" len="med"/>
+                    </a:lnL>
+                    <a:lnR w="12700" cap="flat" cmpd="sng" algn="ctr">
+                      <a:solidFill>
+                        <a:schemeClr val="tx1"/>
+                      </a:solidFill>
+                      <a:prstDash val="solid"/>
+                      <a:round/>
+                      <a:headEnd type="none" w="med" len="med"/>
+                      <a:tailEnd type="none" w="med" len="med"/>
+                    </a:lnR>
+                    <a:lnT w="12700" cap="flat" cmpd="sng" algn="ctr">
+                      <a:solidFill>
+                        <a:schemeClr val="tx1"/>
+                      </a:solidFill>
+                      <a:prstDash val="solid"/>
+                      <a:round/>
+                      <a:headEnd type="none" w="med" len="med"/>
+                      <a:tailEnd type="none" w="med" len="med"/>
+                    </a:lnT>
+                    <a:lnB w="12700" cap="flat" cmpd="sng" algn="ctr">
+                      <a:solidFill>
+                        <a:schemeClr val="tx1"/>
+                      </a:solidFill>
+                      <a:prstDash val="solid"/>
+                      <a:round/>
+                      <a:headEnd type="none" w="med" len="med"/>
+                      <a:tailEnd type="none" w="med" len="med"/>
+                    </a:lnB>
+                    <a:lnTlToBr w="12700" cmpd="sng">
+                      <a:noFill/>
+                      <a:prstDash val="solid"/>
+                    </a:lnTlToBr>
+                    <a:lnBlToTr w="12700" cmpd="sng">
+                      <a:noFill/>
+                      <a:prstDash val="solid"/>
+                    </a:lnBlToTr>
+                    <a:solidFill>
+                      <a:schemeClr val="tx1">
+                        <a:lumMod val="50000"/>
+                      </a:schemeClr>
+                    </a:solidFill>
+                  </a:tcPr>
+                </a:tc>
+                <a:tc>
+                  <a:txBody>
+                    <a:bodyPr/>
+                    <a:lstStyle/>
+                    <a:p>
+                      <a:r>
+                        <a:rPr lang="en-US" dirty="0" smtClean="0"/>
+                        <a:t>8bytes</a:t>
+                      </a:r>
+                      <a:endParaRPr lang="en-US" dirty="0"/>
+                    </a:p>
+                  </a:txBody>
+                  <a:tcPr>
+                    <a:lnL w="12700" cap="flat" cmpd="sng" algn="ctr">
+                      <a:solidFill>
+                        <a:schemeClr val="tx1"/>
+                      </a:solidFill>
+                      <a:prstDash val="solid"/>
+                      <a:round/>
+                      <a:headEnd type="none" w="med" len="med"/>
+                      <a:tailEnd type="none" w="med" len="med"/>
+                    </a:lnL>
+                    <a:lnR w="12700" cap="flat" cmpd="sng" algn="ctr">
+                      <a:solidFill>
+                        <a:schemeClr val="tx1"/>
+                      </a:solidFill>
+                      <a:prstDash val="solid"/>
+                      <a:round/>
+                      <a:headEnd type="none" w="med" len="med"/>
+                      <a:tailEnd type="none" w="med" len="med"/>
+                    </a:lnR>
+                    <a:lnT w="12700" cap="flat" cmpd="sng" algn="ctr">
+                      <a:solidFill>
+                        <a:schemeClr val="tx1"/>
+                      </a:solidFill>
+                      <a:prstDash val="solid"/>
+                      <a:round/>
+                      <a:headEnd type="none" w="med" len="med"/>
+                      <a:tailEnd type="none" w="med" len="med"/>
+                    </a:lnT>
+                    <a:lnB w="12700" cap="flat" cmpd="sng" algn="ctr">
+                      <a:solidFill>
+                        <a:schemeClr val="tx1"/>
+                      </a:solidFill>
+                      <a:prstDash val="solid"/>
+                      <a:round/>
+                      <a:headEnd type="none" w="med" len="med"/>
+                      <a:tailEnd type="none" w="med" len="med"/>
+                    </a:lnB>
+                    <a:lnTlToBr w="12700" cmpd="sng">
+                      <a:noFill/>
+                      <a:prstDash val="solid"/>
+                    </a:lnTlToBr>
+                    <a:lnBlToTr w="12700" cmpd="sng">
+                      <a:noFill/>
+                      <a:prstDash val="solid"/>
+                    </a:lnBlToTr>
+                    <a:solidFill>
+                      <a:schemeClr val="tx1">
+                        <a:lumMod val="50000"/>
+                      </a:schemeClr>
+                    </a:solidFill>
+                  </a:tcPr>
+                </a:tc>
+                <a:tc>
+                  <a:txBody>
+                    <a:bodyPr/>
+                    <a:lstStyle/>
+                    <a:p>
+                      <a:r>
+                        <a:rPr lang="en-US" dirty="0" smtClean="0"/>
+                        <a:t>4bytes</a:t>
+                      </a:r>
+                      <a:endParaRPr lang="en-US" dirty="0"/>
+                    </a:p>
+                  </a:txBody>
+                  <a:tcPr>
+                    <a:lnL w="12700" cap="flat" cmpd="sng" algn="ctr">
+                      <a:solidFill>
+                        <a:schemeClr val="tx1"/>
+                      </a:solidFill>
+                      <a:prstDash val="solid"/>
+                      <a:round/>
+                      <a:headEnd type="none" w="med" len="med"/>
+                      <a:tailEnd type="none" w="med" len="med"/>
+                    </a:lnL>
+                    <a:lnR w="12700" cap="flat" cmpd="sng" algn="ctr">
+                      <a:solidFill>
+                        <a:schemeClr val="tx1"/>
+                      </a:solidFill>
+                      <a:prstDash val="solid"/>
+                      <a:round/>
+                      <a:headEnd type="none" w="med" len="med"/>
+                      <a:tailEnd type="none" w="med" len="med"/>
+                    </a:lnR>
+                    <a:lnT w="12700" cap="flat" cmpd="sng" algn="ctr">
+                      <a:solidFill>
+                        <a:schemeClr val="tx1"/>
+                      </a:solidFill>
+                      <a:prstDash val="solid"/>
+                      <a:round/>
+                      <a:headEnd type="none" w="med" len="med"/>
+                      <a:tailEnd type="none" w="med" len="med"/>
+                    </a:lnT>
+                    <a:lnB w="12700" cap="flat" cmpd="sng" algn="ctr">
+                      <a:solidFill>
+                        <a:schemeClr val="tx1"/>
+                      </a:solidFill>
+                      <a:prstDash val="solid"/>
+                      <a:round/>
+                      <a:headEnd type="none" w="med" len="med"/>
+                      <a:tailEnd type="none" w="med" len="med"/>
+                    </a:lnB>
+                    <a:lnTlToBr w="12700" cmpd="sng">
+                      <a:noFill/>
+                      <a:prstDash val="solid"/>
+                    </a:lnTlToBr>
+                    <a:lnBlToTr w="12700" cmpd="sng">
+                      <a:noFill/>
+                      <a:prstDash val="solid"/>
+                    </a:lnBlToTr>
+                    <a:solidFill>
+                      <a:schemeClr val="tx1">
+                        <a:lumMod val="50000"/>
+                      </a:schemeClr>
+                    </a:solidFill>
+                  </a:tcPr>
+                </a:tc>
+              </a:tr>
+            </a:tbl>
+          </a:graphicData>
+        </a:graphic>
+      </p:graphicFrame>
     </p:spTree>
     <p:extLst>
       <p:ext uri="{BB962C8B-B14F-4D97-AF65-F5344CB8AC3E}">
@@ -3715,7 +5563,6 @@
               <a:rPr lang="en-US" dirty="0"/>
               <a:t>Any other solution?</a:t>
             </a:r>
-            <a:endParaRPr lang="en-US" dirty="0"/>
           </a:p>
         </p:txBody>
       </p:sp>
@@ -3768,7 +5615,6 @@
               <a:rPr lang="en-US" dirty="0"/>
               <a:t>What's the actual problem?</a:t>
             </a:r>
-            <a:endParaRPr lang="en-US" dirty="0"/>
           </a:p>
         </p:txBody>
       </p:sp>
@@ -3821,7 +5667,6 @@
               <a:rPr lang="en-US" dirty="0"/>
               <a:t>So what's the next step?</a:t>
             </a:r>
-            <a:endParaRPr lang="en-US" dirty="0"/>
           </a:p>
         </p:txBody>
       </p:sp>
@@ -3955,7 +5800,6 @@
               <a:rPr lang="en-US" dirty="0"/>
               <a:t>Data-Oriented Design Principles</a:t>
             </a:r>
-            <a:endParaRPr lang="en-US" dirty="0"/>
           </a:p>
         </p:txBody>
       </p:sp>

--- a/Presentation/Presentation.pptx
+++ b/Presentation/Presentation.pptx
@@ -12,9 +12,10 @@
     <p:sldId id="270" r:id="rId6"/>
     <p:sldId id="260" r:id="rId7"/>
     <p:sldId id="263" r:id="rId8"/>
-    <p:sldId id="266" r:id="rId9"/>
-    <p:sldId id="267" r:id="rId10"/>
-    <p:sldId id="269" r:id="rId11"/>
+    <p:sldId id="271" r:id="rId9"/>
+    <p:sldId id="266" r:id="rId10"/>
+    <p:sldId id="267" r:id="rId11"/>
+    <p:sldId id="269" r:id="rId12"/>
   </p:sldIdLst>
   <p:sldSz cx="12192000" cy="6858000"/>
   <p:notesSz cx="6858000" cy="9144000"/>
@@ -132,6 +133,2024 @@
 </p:presentation>
 </file>
 
+<file path=ppt/diagrams/colors1.xml><?xml version="1.0" encoding="utf-8"?>
+<dgm:colorsDef xmlns:dgm="http://schemas.openxmlformats.org/drawingml/2006/diagram" xmlns:a="http://schemas.openxmlformats.org/drawingml/2006/main" uniqueId="urn:microsoft.com/office/officeart/2005/8/colors/accent1_2">
+  <dgm:title val=""/>
+  <dgm:desc val=""/>
+  <dgm:catLst>
+    <dgm:cat type="accent1" pri="11200"/>
+  </dgm:catLst>
+  <dgm:styleLbl name="node0">
+    <dgm:fillClrLst meth="repeat">
+      <a:schemeClr val="accent1"/>
+    </dgm:fillClrLst>
+    <dgm:linClrLst meth="repeat">
+      <a:schemeClr val="lt1"/>
+    </dgm:linClrLst>
+    <dgm:effectClrLst/>
+    <dgm:txLinClrLst/>
+    <dgm:txFillClrLst/>
+    <dgm:txEffectClrLst/>
+  </dgm:styleLbl>
+  <dgm:styleLbl name="alignNode1">
+    <dgm:fillClrLst meth="repeat">
+      <a:schemeClr val="accent1"/>
+    </dgm:fillClrLst>
+    <dgm:linClrLst meth="repeat">
+      <a:schemeClr val="accent1"/>
+    </dgm:linClrLst>
+    <dgm:effectClrLst/>
+    <dgm:txLinClrLst/>
+    <dgm:txFillClrLst/>
+    <dgm:txEffectClrLst/>
+  </dgm:styleLbl>
+  <dgm:styleLbl name="node1">
+    <dgm:fillClrLst meth="repeat">
+      <a:schemeClr val="accent1"/>
+    </dgm:fillClrLst>
+    <dgm:linClrLst meth="repeat">
+      <a:schemeClr val="lt1"/>
+    </dgm:linClrLst>
+    <dgm:effectClrLst/>
+    <dgm:txLinClrLst/>
+    <dgm:txFillClrLst/>
+    <dgm:txEffectClrLst/>
+  </dgm:styleLbl>
+  <dgm:styleLbl name="lnNode1">
+    <dgm:fillClrLst meth="repeat">
+      <a:schemeClr val="accent1"/>
+    </dgm:fillClrLst>
+    <dgm:linClrLst meth="repeat">
+      <a:schemeClr val="lt1"/>
+    </dgm:linClrLst>
+    <dgm:effectClrLst/>
+    <dgm:txLinClrLst/>
+    <dgm:txFillClrLst/>
+    <dgm:txEffectClrLst/>
+  </dgm:styleLbl>
+  <dgm:styleLbl name="vennNode1">
+    <dgm:fillClrLst meth="repeat">
+      <a:schemeClr val="accent1">
+        <a:alpha val="50000"/>
+      </a:schemeClr>
+    </dgm:fillClrLst>
+    <dgm:linClrLst meth="repeat">
+      <a:schemeClr val="lt1"/>
+    </dgm:linClrLst>
+    <dgm:effectClrLst/>
+    <dgm:txLinClrLst/>
+    <dgm:txFillClrLst/>
+    <dgm:txEffectClrLst/>
+  </dgm:styleLbl>
+  <dgm:styleLbl name="node2">
+    <dgm:fillClrLst meth="repeat">
+      <a:schemeClr val="accent1"/>
+    </dgm:fillClrLst>
+    <dgm:linClrLst meth="repeat">
+      <a:schemeClr val="lt1"/>
+    </dgm:linClrLst>
+    <dgm:effectClrLst/>
+    <dgm:txLinClrLst/>
+    <dgm:txFillClrLst/>
+    <dgm:txEffectClrLst/>
+  </dgm:styleLbl>
+  <dgm:styleLbl name="node3">
+    <dgm:fillClrLst meth="repeat">
+      <a:schemeClr val="accent1"/>
+    </dgm:fillClrLst>
+    <dgm:linClrLst meth="repeat">
+      <a:schemeClr val="lt1"/>
+    </dgm:linClrLst>
+    <dgm:effectClrLst/>
+    <dgm:txLinClrLst/>
+    <dgm:txFillClrLst/>
+    <dgm:txEffectClrLst/>
+  </dgm:styleLbl>
+  <dgm:styleLbl name="node4">
+    <dgm:fillClrLst meth="repeat">
+      <a:schemeClr val="accent1"/>
+    </dgm:fillClrLst>
+    <dgm:linClrLst meth="repeat">
+      <a:schemeClr val="lt1"/>
+    </dgm:linClrLst>
+    <dgm:effectClrLst/>
+    <dgm:txLinClrLst/>
+    <dgm:txFillClrLst/>
+    <dgm:txEffectClrLst/>
+  </dgm:styleLbl>
+  <dgm:styleLbl name="fgImgPlace1">
+    <dgm:fillClrLst meth="repeat">
+      <a:schemeClr val="accent1">
+        <a:tint val="50000"/>
+      </a:schemeClr>
+    </dgm:fillClrLst>
+    <dgm:linClrLst meth="repeat">
+      <a:schemeClr val="lt1"/>
+    </dgm:linClrLst>
+    <dgm:effectClrLst/>
+    <dgm:txLinClrLst/>
+    <dgm:txFillClrLst meth="repeat">
+      <a:schemeClr val="lt1"/>
+    </dgm:txFillClrLst>
+    <dgm:txEffectClrLst/>
+  </dgm:styleLbl>
+  <dgm:styleLbl name="alignImgPlace1">
+    <dgm:fillClrLst meth="repeat">
+      <a:schemeClr val="accent1">
+        <a:tint val="50000"/>
+      </a:schemeClr>
+    </dgm:fillClrLst>
+    <dgm:linClrLst meth="repeat">
+      <a:schemeClr val="lt1"/>
+    </dgm:linClrLst>
+    <dgm:effectClrLst/>
+    <dgm:txLinClrLst/>
+    <dgm:txFillClrLst meth="repeat">
+      <a:schemeClr val="lt1"/>
+    </dgm:txFillClrLst>
+    <dgm:txEffectClrLst/>
+  </dgm:styleLbl>
+  <dgm:styleLbl name="bgImgPlace1">
+    <dgm:fillClrLst meth="repeat">
+      <a:schemeClr val="accent1">
+        <a:tint val="50000"/>
+      </a:schemeClr>
+    </dgm:fillClrLst>
+    <dgm:linClrLst meth="repeat">
+      <a:schemeClr val="lt1"/>
+    </dgm:linClrLst>
+    <dgm:effectClrLst/>
+    <dgm:txLinClrLst/>
+    <dgm:txFillClrLst meth="repeat">
+      <a:schemeClr val="lt1"/>
+    </dgm:txFillClrLst>
+    <dgm:txEffectClrLst/>
+  </dgm:styleLbl>
+  <dgm:styleLbl name="sibTrans2D1">
+    <dgm:fillClrLst meth="repeat">
+      <a:schemeClr val="accent1">
+        <a:tint val="60000"/>
+      </a:schemeClr>
+    </dgm:fillClrLst>
+    <dgm:linClrLst meth="repeat">
+      <a:schemeClr val="accent1">
+        <a:tint val="60000"/>
+      </a:schemeClr>
+    </dgm:linClrLst>
+    <dgm:effectClrLst/>
+    <dgm:txLinClrLst/>
+    <dgm:txFillClrLst/>
+    <dgm:txEffectClrLst/>
+  </dgm:styleLbl>
+  <dgm:styleLbl name="fgSibTrans2D1">
+    <dgm:fillClrLst meth="repeat">
+      <a:schemeClr val="accent1">
+        <a:tint val="60000"/>
+      </a:schemeClr>
+    </dgm:fillClrLst>
+    <dgm:linClrLst meth="repeat">
+      <a:schemeClr val="accent1">
+        <a:tint val="60000"/>
+      </a:schemeClr>
+    </dgm:linClrLst>
+    <dgm:effectClrLst/>
+    <dgm:txLinClrLst/>
+    <dgm:txFillClrLst/>
+    <dgm:txEffectClrLst/>
+  </dgm:styleLbl>
+  <dgm:styleLbl name="bgSibTrans2D1">
+    <dgm:fillClrLst meth="repeat">
+      <a:schemeClr val="accent1">
+        <a:tint val="60000"/>
+      </a:schemeClr>
+    </dgm:fillClrLst>
+    <dgm:linClrLst meth="repeat">
+      <a:schemeClr val="accent1">
+        <a:tint val="60000"/>
+      </a:schemeClr>
+    </dgm:linClrLst>
+    <dgm:effectClrLst/>
+    <dgm:txLinClrLst/>
+    <dgm:txFillClrLst/>
+    <dgm:txEffectClrLst/>
+  </dgm:styleLbl>
+  <dgm:styleLbl name="sibTrans1D1">
+    <dgm:fillClrLst meth="repeat">
+      <a:schemeClr val="accent1"/>
+    </dgm:fillClrLst>
+    <dgm:linClrLst meth="repeat">
+      <a:schemeClr val="accent1"/>
+    </dgm:linClrLst>
+    <dgm:effectClrLst/>
+    <dgm:txLinClrLst/>
+    <dgm:txFillClrLst meth="repeat">
+      <a:schemeClr val="tx1"/>
+    </dgm:txFillClrLst>
+    <dgm:txEffectClrLst/>
+  </dgm:styleLbl>
+  <dgm:styleLbl name="callout">
+    <dgm:fillClrLst meth="repeat">
+      <a:schemeClr val="accent1"/>
+    </dgm:fillClrLst>
+    <dgm:linClrLst meth="repeat">
+      <a:schemeClr val="accent1">
+        <a:tint val="50000"/>
+      </a:schemeClr>
+    </dgm:linClrLst>
+    <dgm:effectClrLst/>
+    <dgm:txLinClrLst/>
+    <dgm:txFillClrLst meth="repeat">
+      <a:schemeClr val="tx1"/>
+    </dgm:txFillClrLst>
+    <dgm:txEffectClrLst/>
+  </dgm:styleLbl>
+  <dgm:styleLbl name="asst0">
+    <dgm:fillClrLst meth="repeat">
+      <a:schemeClr val="accent1"/>
+    </dgm:fillClrLst>
+    <dgm:linClrLst meth="repeat">
+      <a:schemeClr val="lt1"/>
+    </dgm:linClrLst>
+    <dgm:effectClrLst/>
+    <dgm:txLinClrLst/>
+    <dgm:txFillClrLst/>
+    <dgm:txEffectClrLst/>
+  </dgm:styleLbl>
+  <dgm:styleLbl name="asst1">
+    <dgm:fillClrLst meth="repeat">
+      <a:schemeClr val="accent1"/>
+    </dgm:fillClrLst>
+    <dgm:linClrLst meth="repeat">
+      <a:schemeClr val="lt1"/>
+    </dgm:linClrLst>
+    <dgm:effectClrLst/>
+    <dgm:txLinClrLst/>
+    <dgm:txFillClrLst/>
+    <dgm:txEffectClrLst/>
+  </dgm:styleLbl>
+  <dgm:styleLbl name="asst2">
+    <dgm:fillClrLst meth="repeat">
+      <a:schemeClr val="accent1"/>
+    </dgm:fillClrLst>
+    <dgm:linClrLst meth="repeat">
+      <a:schemeClr val="lt1"/>
+    </dgm:linClrLst>
+    <dgm:effectClrLst/>
+    <dgm:txLinClrLst/>
+    <dgm:txFillClrLst/>
+    <dgm:txEffectClrLst/>
+  </dgm:styleLbl>
+  <dgm:styleLbl name="asst3">
+    <dgm:fillClrLst meth="repeat">
+      <a:schemeClr val="accent1"/>
+    </dgm:fillClrLst>
+    <dgm:linClrLst meth="repeat">
+      <a:schemeClr val="lt1"/>
+    </dgm:linClrLst>
+    <dgm:effectClrLst/>
+    <dgm:txLinClrLst/>
+    <dgm:txFillClrLst/>
+    <dgm:txEffectClrLst/>
+  </dgm:styleLbl>
+  <dgm:styleLbl name="asst4">
+    <dgm:fillClrLst meth="repeat">
+      <a:schemeClr val="accent1"/>
+    </dgm:fillClrLst>
+    <dgm:linClrLst meth="repeat">
+      <a:schemeClr val="lt1"/>
+    </dgm:linClrLst>
+    <dgm:effectClrLst/>
+    <dgm:txLinClrLst/>
+    <dgm:txFillClrLst/>
+    <dgm:txEffectClrLst/>
+  </dgm:styleLbl>
+  <dgm:styleLbl name="parChTrans2D1">
+    <dgm:fillClrLst meth="repeat">
+      <a:schemeClr val="accent1">
+        <a:tint val="60000"/>
+      </a:schemeClr>
+    </dgm:fillClrLst>
+    <dgm:linClrLst meth="repeat">
+      <a:schemeClr val="accent1">
+        <a:tint val="60000"/>
+      </a:schemeClr>
+    </dgm:linClrLst>
+    <dgm:effectClrLst/>
+    <dgm:txLinClrLst/>
+    <dgm:txFillClrLst meth="repeat">
+      <a:schemeClr val="lt1"/>
+    </dgm:txFillClrLst>
+    <dgm:txEffectClrLst/>
+  </dgm:styleLbl>
+  <dgm:styleLbl name="parChTrans2D2">
+    <dgm:fillClrLst meth="repeat">
+      <a:schemeClr val="accent1"/>
+    </dgm:fillClrLst>
+    <dgm:linClrLst meth="repeat">
+      <a:schemeClr val="accent1"/>
+    </dgm:linClrLst>
+    <dgm:effectClrLst/>
+    <dgm:txLinClrLst/>
+    <dgm:txFillClrLst meth="repeat">
+      <a:schemeClr val="lt1"/>
+    </dgm:txFillClrLst>
+    <dgm:txEffectClrLst/>
+  </dgm:styleLbl>
+  <dgm:styleLbl name="parChTrans2D3">
+    <dgm:fillClrLst meth="repeat">
+      <a:schemeClr val="accent1"/>
+    </dgm:fillClrLst>
+    <dgm:linClrLst meth="repeat">
+      <a:schemeClr val="accent1"/>
+    </dgm:linClrLst>
+    <dgm:effectClrLst/>
+    <dgm:txLinClrLst/>
+    <dgm:txFillClrLst meth="repeat">
+      <a:schemeClr val="lt1"/>
+    </dgm:txFillClrLst>
+    <dgm:txEffectClrLst/>
+  </dgm:styleLbl>
+  <dgm:styleLbl name="parChTrans2D4">
+    <dgm:fillClrLst meth="repeat">
+      <a:schemeClr val="accent1"/>
+    </dgm:fillClrLst>
+    <dgm:linClrLst meth="repeat">
+      <a:schemeClr val="accent1"/>
+    </dgm:linClrLst>
+    <dgm:effectClrLst/>
+    <dgm:txLinClrLst/>
+    <dgm:txFillClrLst meth="repeat">
+      <a:schemeClr val="lt1"/>
+    </dgm:txFillClrLst>
+    <dgm:txEffectClrLst/>
+  </dgm:styleLbl>
+  <dgm:styleLbl name="parChTrans1D1">
+    <dgm:fillClrLst meth="repeat">
+      <a:schemeClr val="accent1"/>
+    </dgm:fillClrLst>
+    <dgm:linClrLst meth="repeat">
+      <a:schemeClr val="accent1">
+        <a:shade val="60000"/>
+      </a:schemeClr>
+    </dgm:linClrLst>
+    <dgm:effectClrLst/>
+    <dgm:txLinClrLst/>
+    <dgm:txFillClrLst meth="repeat">
+      <a:schemeClr val="tx1"/>
+    </dgm:txFillClrLst>
+    <dgm:txEffectClrLst/>
+  </dgm:styleLbl>
+  <dgm:styleLbl name="parChTrans1D2">
+    <dgm:fillClrLst meth="repeat">
+      <a:schemeClr val="accent1"/>
+    </dgm:fillClrLst>
+    <dgm:linClrLst meth="repeat">
+      <a:schemeClr val="accent1">
+        <a:shade val="60000"/>
+      </a:schemeClr>
+    </dgm:linClrLst>
+    <dgm:effectClrLst/>
+    <dgm:txLinClrLst/>
+    <dgm:txFillClrLst meth="repeat">
+      <a:schemeClr val="tx1"/>
+    </dgm:txFillClrLst>
+    <dgm:txEffectClrLst/>
+  </dgm:styleLbl>
+  <dgm:styleLbl name="parChTrans1D3">
+    <dgm:fillClrLst meth="repeat">
+      <a:schemeClr val="accent1"/>
+    </dgm:fillClrLst>
+    <dgm:linClrLst meth="repeat">
+      <a:schemeClr val="accent1">
+        <a:shade val="80000"/>
+      </a:schemeClr>
+    </dgm:linClrLst>
+    <dgm:effectClrLst/>
+    <dgm:txLinClrLst/>
+    <dgm:txFillClrLst meth="repeat">
+      <a:schemeClr val="tx1"/>
+    </dgm:txFillClrLst>
+    <dgm:txEffectClrLst/>
+  </dgm:styleLbl>
+  <dgm:styleLbl name="parChTrans1D4">
+    <dgm:fillClrLst meth="repeat">
+      <a:schemeClr val="accent1"/>
+    </dgm:fillClrLst>
+    <dgm:linClrLst meth="repeat">
+      <a:schemeClr val="accent1">
+        <a:shade val="80000"/>
+      </a:schemeClr>
+    </dgm:linClrLst>
+    <dgm:effectClrLst/>
+    <dgm:txLinClrLst/>
+    <dgm:txFillClrLst meth="repeat">
+      <a:schemeClr val="tx1"/>
+    </dgm:txFillClrLst>
+    <dgm:txEffectClrLst/>
+  </dgm:styleLbl>
+  <dgm:styleLbl name="fgAcc1">
+    <dgm:fillClrLst meth="repeat">
+      <a:schemeClr val="lt1">
+        <a:alpha val="90000"/>
+      </a:schemeClr>
+    </dgm:fillClrLst>
+    <dgm:linClrLst meth="repeat">
+      <a:schemeClr val="accent1"/>
+    </dgm:linClrLst>
+    <dgm:effectClrLst/>
+    <dgm:txLinClrLst/>
+    <dgm:txFillClrLst meth="repeat">
+      <a:schemeClr val="dk1"/>
+    </dgm:txFillClrLst>
+    <dgm:txEffectClrLst/>
+  </dgm:styleLbl>
+  <dgm:styleLbl name="conFgAcc1">
+    <dgm:fillClrLst meth="repeat">
+      <a:schemeClr val="lt1">
+        <a:alpha val="90000"/>
+      </a:schemeClr>
+    </dgm:fillClrLst>
+    <dgm:linClrLst meth="repeat">
+      <a:schemeClr val="accent1"/>
+    </dgm:linClrLst>
+    <dgm:effectClrLst/>
+    <dgm:txLinClrLst/>
+    <dgm:txFillClrLst meth="repeat">
+      <a:schemeClr val="dk1"/>
+    </dgm:txFillClrLst>
+    <dgm:txEffectClrLst/>
+  </dgm:styleLbl>
+  <dgm:styleLbl name="alignAcc1">
+    <dgm:fillClrLst meth="repeat">
+      <a:schemeClr val="lt1">
+        <a:alpha val="90000"/>
+      </a:schemeClr>
+    </dgm:fillClrLst>
+    <dgm:linClrLst meth="repeat">
+      <a:schemeClr val="accent1"/>
+    </dgm:linClrLst>
+    <dgm:effectClrLst/>
+    <dgm:txLinClrLst/>
+    <dgm:txFillClrLst meth="repeat">
+      <a:schemeClr val="dk1"/>
+    </dgm:txFillClrLst>
+    <dgm:txEffectClrLst/>
+  </dgm:styleLbl>
+  <dgm:styleLbl name="trAlignAcc1">
+    <dgm:fillClrLst meth="repeat">
+      <a:schemeClr val="lt1">
+        <a:alpha val="40000"/>
+      </a:schemeClr>
+    </dgm:fillClrLst>
+    <dgm:linClrLst meth="repeat">
+      <a:schemeClr val="accent1"/>
+    </dgm:linClrLst>
+    <dgm:effectClrLst/>
+    <dgm:txLinClrLst/>
+    <dgm:txFillClrLst meth="repeat">
+      <a:schemeClr val="dk1"/>
+    </dgm:txFillClrLst>
+    <dgm:txEffectClrLst/>
+  </dgm:styleLbl>
+  <dgm:styleLbl name="bgAcc1">
+    <dgm:fillClrLst meth="repeat">
+      <a:schemeClr val="lt1">
+        <a:alpha val="90000"/>
+      </a:schemeClr>
+    </dgm:fillClrLst>
+    <dgm:linClrLst meth="repeat">
+      <a:schemeClr val="accent1"/>
+    </dgm:linClrLst>
+    <dgm:effectClrLst/>
+    <dgm:txLinClrLst/>
+    <dgm:txFillClrLst meth="repeat">
+      <a:schemeClr val="dk1"/>
+    </dgm:txFillClrLst>
+    <dgm:txEffectClrLst/>
+  </dgm:styleLbl>
+  <dgm:styleLbl name="solidFgAcc1">
+    <dgm:fillClrLst meth="repeat">
+      <a:schemeClr val="lt1"/>
+    </dgm:fillClrLst>
+    <dgm:linClrLst meth="repeat">
+      <a:schemeClr val="accent1"/>
+    </dgm:linClrLst>
+    <dgm:effectClrLst/>
+    <dgm:txLinClrLst/>
+    <dgm:txFillClrLst meth="repeat">
+      <a:schemeClr val="dk1"/>
+    </dgm:txFillClrLst>
+    <dgm:txEffectClrLst/>
+  </dgm:styleLbl>
+  <dgm:styleLbl name="solidAlignAcc1">
+    <dgm:fillClrLst meth="repeat">
+      <a:schemeClr val="lt1"/>
+    </dgm:fillClrLst>
+    <dgm:linClrLst meth="repeat">
+      <a:schemeClr val="accent1"/>
+    </dgm:linClrLst>
+    <dgm:effectClrLst/>
+    <dgm:txLinClrLst/>
+    <dgm:txFillClrLst meth="repeat">
+      <a:schemeClr val="dk1"/>
+    </dgm:txFillClrLst>
+    <dgm:txEffectClrLst/>
+  </dgm:styleLbl>
+  <dgm:styleLbl name="solidBgAcc1">
+    <dgm:fillClrLst meth="repeat">
+      <a:schemeClr val="lt1"/>
+    </dgm:fillClrLst>
+    <dgm:linClrLst meth="repeat">
+      <a:schemeClr val="accent1"/>
+    </dgm:linClrLst>
+    <dgm:effectClrLst/>
+    <dgm:txLinClrLst/>
+    <dgm:txFillClrLst meth="repeat">
+      <a:schemeClr val="dk1"/>
+    </dgm:txFillClrLst>
+    <dgm:txEffectClrLst/>
+  </dgm:styleLbl>
+  <dgm:styleLbl name="fgAccFollowNode1">
+    <dgm:fillClrLst meth="repeat">
+      <a:schemeClr val="accent1">
+        <a:alpha val="90000"/>
+        <a:tint val="40000"/>
+      </a:schemeClr>
+    </dgm:fillClrLst>
+    <dgm:linClrLst meth="repeat">
+      <a:schemeClr val="accent1">
+        <a:alpha val="90000"/>
+        <a:tint val="40000"/>
+      </a:schemeClr>
+    </dgm:linClrLst>
+    <dgm:effectClrLst/>
+    <dgm:txLinClrLst/>
+    <dgm:txFillClrLst meth="repeat">
+      <a:schemeClr val="dk1"/>
+    </dgm:txFillClrLst>
+    <dgm:txEffectClrLst/>
+  </dgm:styleLbl>
+  <dgm:styleLbl name="alignAccFollowNode1">
+    <dgm:fillClrLst meth="repeat">
+      <a:schemeClr val="accent1">
+        <a:alpha val="90000"/>
+        <a:tint val="40000"/>
+      </a:schemeClr>
+    </dgm:fillClrLst>
+    <dgm:linClrLst meth="repeat">
+      <a:schemeClr val="accent1">
+        <a:alpha val="90000"/>
+        <a:tint val="40000"/>
+      </a:schemeClr>
+    </dgm:linClrLst>
+    <dgm:effectClrLst/>
+    <dgm:txLinClrLst/>
+    <dgm:txFillClrLst meth="repeat">
+      <a:schemeClr val="dk1"/>
+    </dgm:txFillClrLst>
+    <dgm:txEffectClrLst/>
+  </dgm:styleLbl>
+  <dgm:styleLbl name="bgAccFollowNode1">
+    <dgm:fillClrLst meth="repeat">
+      <a:schemeClr val="accent1">
+        <a:alpha val="90000"/>
+        <a:tint val="40000"/>
+      </a:schemeClr>
+    </dgm:fillClrLst>
+    <dgm:linClrLst meth="repeat">
+      <a:schemeClr val="accent1">
+        <a:alpha val="90000"/>
+        <a:tint val="40000"/>
+      </a:schemeClr>
+    </dgm:linClrLst>
+    <dgm:effectClrLst/>
+    <dgm:txLinClrLst/>
+    <dgm:txFillClrLst meth="repeat">
+      <a:schemeClr val="dk1"/>
+    </dgm:txFillClrLst>
+    <dgm:txEffectClrLst/>
+  </dgm:styleLbl>
+  <dgm:styleLbl name="fgAcc0">
+    <dgm:fillClrLst meth="repeat">
+      <a:schemeClr val="lt1">
+        <a:alpha val="90000"/>
+      </a:schemeClr>
+    </dgm:fillClrLst>
+    <dgm:linClrLst meth="repeat">
+      <a:schemeClr val="accent1"/>
+    </dgm:linClrLst>
+    <dgm:effectClrLst/>
+    <dgm:txLinClrLst/>
+    <dgm:txFillClrLst meth="repeat">
+      <a:schemeClr val="dk1"/>
+    </dgm:txFillClrLst>
+    <dgm:txEffectClrLst/>
+  </dgm:styleLbl>
+  <dgm:styleLbl name="fgAcc2">
+    <dgm:fillClrLst meth="repeat">
+      <a:schemeClr val="lt1">
+        <a:alpha val="90000"/>
+      </a:schemeClr>
+    </dgm:fillClrLst>
+    <dgm:linClrLst meth="repeat">
+      <a:schemeClr val="accent1"/>
+    </dgm:linClrLst>
+    <dgm:effectClrLst/>
+    <dgm:txLinClrLst/>
+    <dgm:txFillClrLst meth="repeat">
+      <a:schemeClr val="dk1"/>
+    </dgm:txFillClrLst>
+    <dgm:txEffectClrLst/>
+  </dgm:styleLbl>
+  <dgm:styleLbl name="fgAcc3">
+    <dgm:fillClrLst meth="repeat">
+      <a:schemeClr val="lt1">
+        <a:alpha val="90000"/>
+      </a:schemeClr>
+    </dgm:fillClrLst>
+    <dgm:linClrLst meth="repeat">
+      <a:schemeClr val="accent1"/>
+    </dgm:linClrLst>
+    <dgm:effectClrLst/>
+    <dgm:txLinClrLst/>
+    <dgm:txFillClrLst meth="repeat">
+      <a:schemeClr val="dk1"/>
+    </dgm:txFillClrLst>
+    <dgm:txEffectClrLst/>
+  </dgm:styleLbl>
+  <dgm:styleLbl name="fgAcc4">
+    <dgm:fillClrLst meth="repeat">
+      <a:schemeClr val="lt1">
+        <a:alpha val="90000"/>
+      </a:schemeClr>
+    </dgm:fillClrLst>
+    <dgm:linClrLst meth="repeat">
+      <a:schemeClr val="accent1"/>
+    </dgm:linClrLst>
+    <dgm:effectClrLst/>
+    <dgm:txLinClrLst/>
+    <dgm:txFillClrLst meth="repeat">
+      <a:schemeClr val="dk1"/>
+    </dgm:txFillClrLst>
+    <dgm:txEffectClrLst/>
+  </dgm:styleLbl>
+  <dgm:styleLbl name="bgShp">
+    <dgm:fillClrLst meth="repeat">
+      <a:schemeClr val="accent1">
+        <a:tint val="40000"/>
+      </a:schemeClr>
+    </dgm:fillClrLst>
+    <dgm:linClrLst meth="repeat">
+      <a:schemeClr val="accent1"/>
+    </dgm:linClrLst>
+    <dgm:effectClrLst/>
+    <dgm:txLinClrLst/>
+    <dgm:txFillClrLst meth="repeat">
+      <a:schemeClr val="dk1"/>
+    </dgm:txFillClrLst>
+    <dgm:txEffectClrLst/>
+  </dgm:styleLbl>
+  <dgm:styleLbl name="dkBgShp">
+    <dgm:fillClrLst meth="repeat">
+      <a:schemeClr val="accent1">
+        <a:shade val="80000"/>
+      </a:schemeClr>
+    </dgm:fillClrLst>
+    <dgm:linClrLst meth="repeat">
+      <a:schemeClr val="accent1"/>
+    </dgm:linClrLst>
+    <dgm:effectClrLst/>
+    <dgm:txLinClrLst/>
+    <dgm:txFillClrLst meth="repeat">
+      <a:schemeClr val="lt1"/>
+    </dgm:txFillClrLst>
+    <dgm:txEffectClrLst/>
+  </dgm:styleLbl>
+  <dgm:styleLbl name="trBgShp">
+    <dgm:fillClrLst meth="repeat">
+      <a:schemeClr val="accent1">
+        <a:tint val="50000"/>
+        <a:alpha val="40000"/>
+      </a:schemeClr>
+    </dgm:fillClrLst>
+    <dgm:linClrLst meth="repeat">
+      <a:schemeClr val="accent1"/>
+    </dgm:linClrLst>
+    <dgm:effectClrLst/>
+    <dgm:txLinClrLst/>
+    <dgm:txFillClrLst meth="repeat">
+      <a:schemeClr val="lt1"/>
+    </dgm:txFillClrLst>
+    <dgm:txEffectClrLst/>
+  </dgm:styleLbl>
+  <dgm:styleLbl name="fgShp">
+    <dgm:fillClrLst meth="repeat">
+      <a:schemeClr val="accent1">
+        <a:tint val="60000"/>
+      </a:schemeClr>
+    </dgm:fillClrLst>
+    <dgm:linClrLst meth="repeat">
+      <a:schemeClr val="lt1"/>
+    </dgm:linClrLst>
+    <dgm:effectClrLst/>
+    <dgm:txLinClrLst/>
+    <dgm:txFillClrLst meth="repeat">
+      <a:schemeClr val="dk1"/>
+    </dgm:txFillClrLst>
+    <dgm:txEffectClrLst/>
+  </dgm:styleLbl>
+  <dgm:styleLbl name="revTx">
+    <dgm:fillClrLst meth="repeat">
+      <a:schemeClr val="lt1">
+        <a:alpha val="0"/>
+      </a:schemeClr>
+    </dgm:fillClrLst>
+    <dgm:linClrLst meth="repeat">
+      <a:schemeClr val="dk1">
+        <a:alpha val="0"/>
+      </a:schemeClr>
+    </dgm:linClrLst>
+    <dgm:effectClrLst/>
+    <dgm:txLinClrLst/>
+    <dgm:txFillClrLst meth="repeat">
+      <a:schemeClr val="tx1"/>
+    </dgm:txFillClrLst>
+    <dgm:txEffectClrLst/>
+  </dgm:styleLbl>
+</dgm:colorsDef>
+</file>
+
+<file path=ppt/diagrams/data1.xml><?xml version="1.0" encoding="utf-8"?>
+<dgm:dataModel xmlns:dgm="http://schemas.openxmlformats.org/drawingml/2006/diagram" xmlns:a="http://schemas.openxmlformats.org/drawingml/2006/main">
+  <dgm:ptLst>
+    <dgm:pt modelId="{B388CB1C-A77C-4DF9-B149-F6AD7C62D5B0}" type="doc">
+      <dgm:prSet loTypeId="urn:microsoft.com/office/officeart/2005/8/layout/cycle7" loCatId="cycle" qsTypeId="urn:microsoft.com/office/officeart/2005/8/quickstyle/simple1" qsCatId="simple" csTypeId="urn:microsoft.com/office/officeart/2005/8/colors/accent1_2" csCatId="accent1" phldr="0"/>
+      <dgm:spPr/>
+      <dgm:t>
+        <a:bodyPr/>
+        <a:lstStyle/>
+        <a:p>
+          <a:endParaRPr lang="en-US"/>
+        </a:p>
+      </dgm:t>
+    </dgm:pt>
+    <dgm:pt modelId="{7C6FEDA8-1095-40D7-AD97-09642B774DD2}" type="pres">
+      <dgm:prSet presAssocID="{B388CB1C-A77C-4DF9-B149-F6AD7C62D5B0}" presName="Name0" presStyleCnt="0">
+        <dgm:presLayoutVars>
+          <dgm:dir/>
+          <dgm:resizeHandles val="exact"/>
+        </dgm:presLayoutVars>
+      </dgm:prSet>
+      <dgm:spPr/>
+    </dgm:pt>
+  </dgm:ptLst>
+  <dgm:cxnLst>
+    <dgm:cxn modelId="{69701B4B-2E78-4142-B3D0-7308A66947E4}" type="presOf" srcId="{B388CB1C-A77C-4DF9-B149-F6AD7C62D5B0}" destId="{7C6FEDA8-1095-40D7-AD97-09642B774DD2}" srcOrd="0" destOrd="0" presId="urn:microsoft.com/office/officeart/2005/8/layout/cycle7"/>
+  </dgm:cxnLst>
+  <dgm:bg/>
+  <dgm:whole/>
+  <dgm:extLst>
+    <a:ext uri="http://schemas.microsoft.com/office/drawing/2008/diagram">
+      <dsp:dataModelExt xmlns:dsp="http://schemas.microsoft.com/office/drawing/2008/diagram" relId="rId6" minVer="http://schemas.openxmlformats.org/drawingml/2006/diagram"/>
+    </a:ext>
+  </dgm:extLst>
+</dgm:dataModel>
+</file>
+
+<file path=ppt/diagrams/drawing1.xml><?xml version="1.0" encoding="utf-8"?>
+<dsp:drawing xmlns:dgm="http://schemas.openxmlformats.org/drawingml/2006/diagram" xmlns:dsp="http://schemas.microsoft.com/office/drawing/2008/diagram" xmlns:a="http://schemas.openxmlformats.org/drawingml/2006/main">
+  <dsp:spTree>
+    <dsp:nvGrpSpPr>
+      <dsp:cNvPr id="0" name=""/>
+      <dsp:cNvGrpSpPr/>
+    </dsp:nvGrpSpPr>
+    <dsp:grpSpPr/>
+  </dsp:spTree>
+</dsp:drawing>
+</file>
+
+<file path=ppt/diagrams/layout1.xml><?xml version="1.0" encoding="utf-8"?>
+<dgm:layoutDef xmlns:dgm="http://schemas.openxmlformats.org/drawingml/2006/diagram" xmlns:a="http://schemas.openxmlformats.org/drawingml/2006/main" uniqueId="urn:microsoft.com/office/officeart/2005/8/layout/cycle7">
+  <dgm:title val=""/>
+  <dgm:desc val=""/>
+  <dgm:catLst>
+    <dgm:cat type="cycle" pri="6000"/>
+  </dgm:catLst>
+  <dgm:sampData>
+    <dgm:dataModel>
+      <dgm:ptLst>
+        <dgm:pt modelId="0" type="doc"/>
+        <dgm:pt modelId="1">
+          <dgm:prSet phldr="1"/>
+        </dgm:pt>
+        <dgm:pt modelId="2">
+          <dgm:prSet phldr="1"/>
+        </dgm:pt>
+        <dgm:pt modelId="3">
+          <dgm:prSet phldr="1"/>
+        </dgm:pt>
+      </dgm:ptLst>
+      <dgm:cxnLst>
+        <dgm:cxn modelId="6" srcId="0" destId="1" srcOrd="0" destOrd="0"/>
+        <dgm:cxn modelId="7" srcId="0" destId="2" srcOrd="1" destOrd="0"/>
+        <dgm:cxn modelId="8" srcId="0" destId="3" srcOrd="2" destOrd="0"/>
+      </dgm:cxnLst>
+      <dgm:bg/>
+      <dgm:whole/>
+    </dgm:dataModel>
+  </dgm:sampData>
+  <dgm:styleData>
+    <dgm:dataModel>
+      <dgm:ptLst>
+        <dgm:pt modelId="0" type="doc"/>
+        <dgm:pt modelId="1"/>
+        <dgm:pt modelId="2"/>
+        <dgm:pt modelId="3"/>
+      </dgm:ptLst>
+      <dgm:cxnLst>
+        <dgm:cxn modelId="4" srcId="0" destId="1" srcOrd="0" destOrd="0"/>
+        <dgm:cxn modelId="5" srcId="0" destId="2" srcOrd="1" destOrd="0"/>
+        <dgm:cxn modelId="6" srcId="0" destId="3" srcOrd="2" destOrd="0"/>
+      </dgm:cxnLst>
+      <dgm:bg/>
+      <dgm:whole/>
+    </dgm:dataModel>
+  </dgm:styleData>
+  <dgm:clrData>
+    <dgm:dataModel>
+      <dgm:ptLst>
+        <dgm:pt modelId="0" type="doc"/>
+        <dgm:pt modelId="1"/>
+        <dgm:pt modelId="2"/>
+        <dgm:pt modelId="3"/>
+        <dgm:pt modelId="4"/>
+        <dgm:pt modelId="5"/>
+        <dgm:pt modelId="6"/>
+      </dgm:ptLst>
+      <dgm:cxnLst>
+        <dgm:cxn modelId="7" srcId="0" destId="1" srcOrd="0" destOrd="0"/>
+        <dgm:cxn modelId="8" srcId="0" destId="2" srcOrd="1" destOrd="0"/>
+        <dgm:cxn modelId="9" srcId="0" destId="3" srcOrd="2" destOrd="0"/>
+        <dgm:cxn modelId="10" srcId="0" destId="4" srcOrd="3" destOrd="0"/>
+        <dgm:cxn modelId="11" srcId="0" destId="5" srcOrd="4" destOrd="0"/>
+        <dgm:cxn modelId="12" srcId="0" destId="6" srcOrd="5" destOrd="0"/>
+      </dgm:cxnLst>
+      <dgm:bg/>
+      <dgm:whole/>
+    </dgm:dataModel>
+  </dgm:clrData>
+  <dgm:layoutNode name="Name0">
+    <dgm:varLst>
+      <dgm:dir/>
+      <dgm:resizeHandles val="exact"/>
+    </dgm:varLst>
+    <dgm:choose name="Name1">
+      <dgm:if name="Name2" func="var" arg="dir" op="equ" val="norm">
+        <dgm:alg type="cycle">
+          <dgm:param type="stAng" val="0"/>
+          <dgm:param type="spanAng" val="360"/>
+        </dgm:alg>
+      </dgm:if>
+      <dgm:else name="Name3">
+        <dgm:alg type="cycle">
+          <dgm:param type="stAng" val="0"/>
+          <dgm:param type="spanAng" val="-360"/>
+        </dgm:alg>
+      </dgm:else>
+    </dgm:choose>
+    <dgm:shape xmlns:r="http://schemas.openxmlformats.org/officeDocument/2006/relationships" r:blip="">
+      <dgm:adjLst/>
+    </dgm:shape>
+    <dgm:presOf/>
+    <dgm:constrLst>
+      <dgm:constr type="diam" refType="w"/>
+      <dgm:constr type="w" for="ch" ptType="node" refType="w"/>
+      <dgm:constr type="primFontSz" for="ch" ptType="node" op="equ" val="65"/>
+      <dgm:constr type="w" for="ch" forName="sibTrans" refType="w" refFor="ch" refPtType="node" op="equ" fact="0.35"/>
+      <dgm:constr type="connDist" for="ch" forName="sibTrans" op="equ"/>
+      <dgm:constr type="primFontSz" for="des" forName="connectorText" op="equ" val="55"/>
+      <dgm:constr type="primFontSz" for="des" forName="connectorText" refType="primFontSz" refFor="ch" refPtType="node" op="lte" fact="0.8"/>
+      <dgm:constr type="sibSp" refType="w" refFor="ch" refPtType="node" op="equ" fact="0.65"/>
+    </dgm:constrLst>
+    <dgm:ruleLst/>
+    <dgm:forEach name="nodesForEach" axis="ch" ptType="node">
+      <dgm:layoutNode name="node">
+        <dgm:varLst>
+          <dgm:bulletEnabled val="1"/>
+        </dgm:varLst>
+        <dgm:alg type="tx"/>
+        <dgm:shape xmlns:r="http://schemas.openxmlformats.org/officeDocument/2006/relationships" type="roundRect" r:blip="">
+          <dgm:adjLst>
+            <dgm:adj idx="1" val="0.1"/>
+          </dgm:adjLst>
+        </dgm:shape>
+        <dgm:presOf axis="desOrSelf" ptType="node"/>
+        <dgm:constrLst>
+          <dgm:constr type="h" refType="w" fact="0.5"/>
+          <dgm:constr type="tMarg" refType="primFontSz" fact="0.3"/>
+          <dgm:constr type="bMarg" refType="primFontSz" fact="0.3"/>
+          <dgm:constr type="lMarg" refType="primFontSz" fact="0.3"/>
+          <dgm:constr type="rMarg" refType="primFontSz" fact="0.3"/>
+        </dgm:constrLst>
+        <dgm:ruleLst>
+          <dgm:rule type="primFontSz" val="5" fact="NaN" max="NaN"/>
+        </dgm:ruleLst>
+      </dgm:layoutNode>
+      <dgm:choose name="Name4">
+        <dgm:if name="Name5" axis="par ch" ptType="doc node" func="cnt" op="gt" val="1">
+          <dgm:forEach name="sibTransForEach" axis="followSib" ptType="sibTrans" hideLastTrans="0" cnt="1">
+            <dgm:layoutNode name="sibTrans">
+              <dgm:choose name="Name6">
+                <dgm:if name="Name7" axis="par ch" ptType="doc node" func="posEven" op="equ" val="1">
+                  <dgm:alg type="conn">
+                    <dgm:param type="begPts" val="radial"/>
+                    <dgm:param type="endPts" val="radial"/>
+                    <dgm:param type="begSty" val="arr"/>
+                    <dgm:param type="endSty" val="arr"/>
+                  </dgm:alg>
+                </dgm:if>
+                <dgm:else name="Name8">
+                  <dgm:alg type="conn">
+                    <dgm:param type="begPts" val="auto"/>
+                    <dgm:param type="endPts" val="auto"/>
+                    <dgm:param type="begSty" val="arr"/>
+                    <dgm:param type="endSty" val="arr"/>
+                  </dgm:alg>
+                </dgm:else>
+              </dgm:choose>
+              <dgm:shape xmlns:r="http://schemas.openxmlformats.org/officeDocument/2006/relationships" type="conn" r:blip="">
+                <dgm:adjLst/>
+              </dgm:shape>
+              <dgm:presOf axis="self"/>
+              <dgm:constrLst>
+                <dgm:constr type="h" refType="w" fact="0.5"/>
+                <dgm:constr type="connDist"/>
+                <dgm:constr type="begPad" refType="connDist" fact="0.1"/>
+                <dgm:constr type="endPad" refType="connDist" fact="0.1"/>
+              </dgm:constrLst>
+              <dgm:ruleLst/>
+              <dgm:layoutNode name="connectorText">
+                <dgm:alg type="tx">
+                  <dgm:param type="autoTxRot" val="grav"/>
+                </dgm:alg>
+                <dgm:shape xmlns:r="http://schemas.openxmlformats.org/officeDocument/2006/relationships" type="conn" r:blip="" hideGeom="1">
+                  <dgm:adjLst/>
+                </dgm:shape>
+                <dgm:presOf axis="self"/>
+                <dgm:constrLst>
+                  <dgm:constr type="lMarg"/>
+                  <dgm:constr type="rMarg"/>
+                  <dgm:constr type="tMarg"/>
+                  <dgm:constr type="bMarg"/>
+                </dgm:constrLst>
+                <dgm:ruleLst>
+                  <dgm:rule type="primFontSz" val="5" fact="NaN" max="NaN"/>
+                </dgm:ruleLst>
+              </dgm:layoutNode>
+            </dgm:layoutNode>
+          </dgm:forEach>
+        </dgm:if>
+        <dgm:else name="Name9"/>
+      </dgm:choose>
+    </dgm:forEach>
+  </dgm:layoutNode>
+</dgm:layoutDef>
+</file>
+
+<file path=ppt/diagrams/quickStyle1.xml><?xml version="1.0" encoding="utf-8"?>
+<dgm:styleDef xmlns:dgm="http://schemas.openxmlformats.org/drawingml/2006/diagram" xmlns:a="http://schemas.openxmlformats.org/drawingml/2006/main" uniqueId="urn:microsoft.com/office/officeart/2005/8/quickstyle/simple1">
+  <dgm:title val=""/>
+  <dgm:desc val=""/>
+  <dgm:catLst>
+    <dgm:cat type="simple" pri="10100"/>
+  </dgm:catLst>
+  <dgm:scene3d>
+    <a:camera prst="orthographicFront"/>
+    <a:lightRig rig="threePt" dir="t"/>
+  </dgm:scene3d>
+  <dgm:styleLbl name="node0">
+    <dgm:scene3d>
+      <a:camera prst="orthographicFront"/>
+      <a:lightRig rig="threePt" dir="t"/>
+    </dgm:scene3d>
+    <dgm:sp3d/>
+    <dgm:txPr/>
+    <dgm:style>
+      <a:lnRef idx="2">
+        <a:scrgbClr r="0" g="0" b="0"/>
+      </a:lnRef>
+      <a:fillRef idx="1">
+        <a:scrgbClr r="0" g="0" b="0"/>
+      </a:fillRef>
+      <a:effectRef idx="0">
+        <a:scrgbClr r="0" g="0" b="0"/>
+      </a:effectRef>
+      <a:fontRef idx="minor">
+        <a:schemeClr val="lt1"/>
+      </a:fontRef>
+    </dgm:style>
+  </dgm:styleLbl>
+  <dgm:styleLbl name="lnNode1">
+    <dgm:scene3d>
+      <a:camera prst="orthographicFront"/>
+      <a:lightRig rig="threePt" dir="t"/>
+    </dgm:scene3d>
+    <dgm:sp3d/>
+    <dgm:txPr/>
+    <dgm:style>
+      <a:lnRef idx="2">
+        <a:scrgbClr r="0" g="0" b="0"/>
+      </a:lnRef>
+      <a:fillRef idx="1">
+        <a:scrgbClr r="0" g="0" b="0"/>
+      </a:fillRef>
+      <a:effectRef idx="0">
+        <a:scrgbClr r="0" g="0" b="0"/>
+      </a:effectRef>
+      <a:fontRef idx="minor">
+        <a:schemeClr val="lt1"/>
+      </a:fontRef>
+    </dgm:style>
+  </dgm:styleLbl>
+  <dgm:styleLbl name="vennNode1">
+    <dgm:scene3d>
+      <a:camera prst="orthographicFront"/>
+      <a:lightRig rig="threePt" dir="t"/>
+    </dgm:scene3d>
+    <dgm:sp3d/>
+    <dgm:txPr/>
+    <dgm:style>
+      <a:lnRef idx="2">
+        <a:scrgbClr r="0" g="0" b="0"/>
+      </a:lnRef>
+      <a:fillRef idx="1">
+        <a:scrgbClr r="0" g="0" b="0"/>
+      </a:fillRef>
+      <a:effectRef idx="0">
+        <a:scrgbClr r="0" g="0" b="0"/>
+      </a:effectRef>
+      <a:fontRef idx="minor">
+        <a:schemeClr val="tx1"/>
+      </a:fontRef>
+    </dgm:style>
+  </dgm:styleLbl>
+  <dgm:styleLbl name="alignNode1">
+    <dgm:scene3d>
+      <a:camera prst="orthographicFront"/>
+      <a:lightRig rig="threePt" dir="t"/>
+    </dgm:scene3d>
+    <dgm:sp3d/>
+    <dgm:txPr/>
+    <dgm:style>
+      <a:lnRef idx="2">
+        <a:scrgbClr r="0" g="0" b="0"/>
+      </a:lnRef>
+      <a:fillRef idx="1">
+        <a:scrgbClr r="0" g="0" b="0"/>
+      </a:fillRef>
+      <a:effectRef idx="0">
+        <a:scrgbClr r="0" g="0" b="0"/>
+      </a:effectRef>
+      <a:fontRef idx="minor">
+        <a:schemeClr val="lt1"/>
+      </a:fontRef>
+    </dgm:style>
+  </dgm:styleLbl>
+  <dgm:styleLbl name="node1">
+    <dgm:scene3d>
+      <a:camera prst="orthographicFront"/>
+      <a:lightRig rig="threePt" dir="t"/>
+    </dgm:scene3d>
+    <dgm:sp3d/>
+    <dgm:txPr/>
+    <dgm:style>
+      <a:lnRef idx="2">
+        <a:scrgbClr r="0" g="0" b="0"/>
+      </a:lnRef>
+      <a:fillRef idx="1">
+        <a:scrgbClr r="0" g="0" b="0"/>
+      </a:fillRef>
+      <a:effectRef idx="0">
+        <a:scrgbClr r="0" g="0" b="0"/>
+      </a:effectRef>
+      <a:fontRef idx="minor">
+        <a:schemeClr val="lt1"/>
+      </a:fontRef>
+    </dgm:style>
+  </dgm:styleLbl>
+  <dgm:styleLbl name="node2">
+    <dgm:scene3d>
+      <a:camera prst="orthographicFront"/>
+      <a:lightRig rig="threePt" dir="t"/>
+    </dgm:scene3d>
+    <dgm:sp3d/>
+    <dgm:txPr/>
+    <dgm:style>
+      <a:lnRef idx="2">
+        <a:scrgbClr r="0" g="0" b="0"/>
+      </a:lnRef>
+      <a:fillRef idx="1">
+        <a:scrgbClr r="0" g="0" b="0"/>
+      </a:fillRef>
+      <a:effectRef idx="0">
+        <a:scrgbClr r="0" g="0" b="0"/>
+      </a:effectRef>
+      <a:fontRef idx="minor">
+        <a:schemeClr val="lt1"/>
+      </a:fontRef>
+    </dgm:style>
+  </dgm:styleLbl>
+  <dgm:styleLbl name="node3">
+    <dgm:scene3d>
+      <a:camera prst="orthographicFront"/>
+      <a:lightRig rig="threePt" dir="t"/>
+    </dgm:scene3d>
+    <dgm:sp3d/>
+    <dgm:txPr/>
+    <dgm:style>
+      <a:lnRef idx="2">
+        <a:scrgbClr r="0" g="0" b="0"/>
+      </a:lnRef>
+      <a:fillRef idx="1">
+        <a:scrgbClr r="0" g="0" b="0"/>
+      </a:fillRef>
+      <a:effectRef idx="0">
+        <a:scrgbClr r="0" g="0" b="0"/>
+      </a:effectRef>
+      <a:fontRef idx="minor">
+        <a:schemeClr val="lt1"/>
+      </a:fontRef>
+    </dgm:style>
+  </dgm:styleLbl>
+  <dgm:styleLbl name="node4">
+    <dgm:scene3d>
+      <a:camera prst="orthographicFront"/>
+      <a:lightRig rig="threePt" dir="t"/>
+    </dgm:scene3d>
+    <dgm:sp3d/>
+    <dgm:txPr/>
+    <dgm:style>
+      <a:lnRef idx="2">
+        <a:scrgbClr r="0" g="0" b="0"/>
+      </a:lnRef>
+      <a:fillRef idx="1">
+        <a:scrgbClr r="0" g="0" b="0"/>
+      </a:fillRef>
+      <a:effectRef idx="0">
+        <a:scrgbClr r="0" g="0" b="0"/>
+      </a:effectRef>
+      <a:fontRef idx="minor">
+        <a:schemeClr val="lt1"/>
+      </a:fontRef>
+    </dgm:style>
+  </dgm:styleLbl>
+  <dgm:styleLbl name="fgImgPlace1">
+    <dgm:scene3d>
+      <a:camera prst="orthographicFront"/>
+      <a:lightRig rig="threePt" dir="t"/>
+    </dgm:scene3d>
+    <dgm:sp3d/>
+    <dgm:txPr/>
+    <dgm:style>
+      <a:lnRef idx="2">
+        <a:scrgbClr r="0" g="0" b="0"/>
+      </a:lnRef>
+      <a:fillRef idx="1">
+        <a:scrgbClr r="0" g="0" b="0"/>
+      </a:fillRef>
+      <a:effectRef idx="0">
+        <a:scrgbClr r="0" g="0" b="0"/>
+      </a:effectRef>
+      <a:fontRef idx="minor"/>
+    </dgm:style>
+  </dgm:styleLbl>
+  <dgm:styleLbl name="alignImgPlace1">
+    <dgm:scene3d>
+      <a:camera prst="orthographicFront"/>
+      <a:lightRig rig="threePt" dir="t"/>
+    </dgm:scene3d>
+    <dgm:sp3d/>
+    <dgm:txPr/>
+    <dgm:style>
+      <a:lnRef idx="2">
+        <a:scrgbClr r="0" g="0" b="0"/>
+      </a:lnRef>
+      <a:fillRef idx="1">
+        <a:scrgbClr r="0" g="0" b="0"/>
+      </a:fillRef>
+      <a:effectRef idx="0">
+        <a:scrgbClr r="0" g="0" b="0"/>
+      </a:effectRef>
+      <a:fontRef idx="minor"/>
+    </dgm:style>
+  </dgm:styleLbl>
+  <dgm:styleLbl name="bgImgPlace1">
+    <dgm:scene3d>
+      <a:camera prst="orthographicFront"/>
+      <a:lightRig rig="threePt" dir="t"/>
+    </dgm:scene3d>
+    <dgm:sp3d/>
+    <dgm:txPr/>
+    <dgm:style>
+      <a:lnRef idx="2">
+        <a:scrgbClr r="0" g="0" b="0"/>
+      </a:lnRef>
+      <a:fillRef idx="1">
+        <a:scrgbClr r="0" g="0" b="0"/>
+      </a:fillRef>
+      <a:effectRef idx="0">
+        <a:scrgbClr r="0" g="0" b="0"/>
+      </a:effectRef>
+      <a:fontRef idx="minor"/>
+    </dgm:style>
+  </dgm:styleLbl>
+  <dgm:styleLbl name="sibTrans2D1">
+    <dgm:scene3d>
+      <a:camera prst="orthographicFront"/>
+      <a:lightRig rig="threePt" dir="t"/>
+    </dgm:scene3d>
+    <dgm:sp3d/>
+    <dgm:txPr/>
+    <dgm:style>
+      <a:lnRef idx="0">
+        <a:scrgbClr r="0" g="0" b="0"/>
+      </a:lnRef>
+      <a:fillRef idx="1">
+        <a:scrgbClr r="0" g="0" b="0"/>
+      </a:fillRef>
+      <a:effectRef idx="0">
+        <a:scrgbClr r="0" g="0" b="0"/>
+      </a:effectRef>
+      <a:fontRef idx="minor">
+        <a:schemeClr val="lt1"/>
+      </a:fontRef>
+    </dgm:style>
+  </dgm:styleLbl>
+  <dgm:styleLbl name="fgSibTrans2D1">
+    <dgm:scene3d>
+      <a:camera prst="orthographicFront"/>
+      <a:lightRig rig="threePt" dir="t"/>
+    </dgm:scene3d>
+    <dgm:sp3d/>
+    <dgm:txPr/>
+    <dgm:style>
+      <a:lnRef idx="0">
+        <a:scrgbClr r="0" g="0" b="0"/>
+      </a:lnRef>
+      <a:fillRef idx="1">
+        <a:scrgbClr r="0" g="0" b="0"/>
+      </a:fillRef>
+      <a:effectRef idx="0">
+        <a:scrgbClr r="0" g="0" b="0"/>
+      </a:effectRef>
+      <a:fontRef idx="minor">
+        <a:schemeClr val="lt1"/>
+      </a:fontRef>
+    </dgm:style>
+  </dgm:styleLbl>
+  <dgm:styleLbl name="bgSibTrans2D1">
+    <dgm:scene3d>
+      <a:camera prst="orthographicFront"/>
+      <a:lightRig rig="threePt" dir="t"/>
+    </dgm:scene3d>
+    <dgm:sp3d/>
+    <dgm:txPr/>
+    <dgm:style>
+      <a:lnRef idx="0">
+        <a:scrgbClr r="0" g="0" b="0"/>
+      </a:lnRef>
+      <a:fillRef idx="1">
+        <a:scrgbClr r="0" g="0" b="0"/>
+      </a:fillRef>
+      <a:effectRef idx="0">
+        <a:scrgbClr r="0" g="0" b="0"/>
+      </a:effectRef>
+      <a:fontRef idx="minor">
+        <a:schemeClr val="lt1"/>
+      </a:fontRef>
+    </dgm:style>
+  </dgm:styleLbl>
+  <dgm:styleLbl name="sibTrans1D1">
+    <dgm:scene3d>
+      <a:camera prst="orthographicFront"/>
+      <a:lightRig rig="threePt" dir="t"/>
+    </dgm:scene3d>
+    <dgm:sp3d/>
+    <dgm:txPr/>
+    <dgm:style>
+      <a:lnRef idx="1">
+        <a:scrgbClr r="0" g="0" b="0"/>
+      </a:lnRef>
+      <a:fillRef idx="0">
+        <a:scrgbClr r="0" g="0" b="0"/>
+      </a:fillRef>
+      <a:effectRef idx="0">
+        <a:scrgbClr r="0" g="0" b="0"/>
+      </a:effectRef>
+      <a:fontRef idx="minor"/>
+    </dgm:style>
+  </dgm:styleLbl>
+  <dgm:styleLbl name="callout">
+    <dgm:scene3d>
+      <a:camera prst="orthographicFront"/>
+      <a:lightRig rig="threePt" dir="t"/>
+    </dgm:scene3d>
+    <dgm:sp3d/>
+    <dgm:txPr/>
+    <dgm:style>
+      <a:lnRef idx="2">
+        <a:scrgbClr r="0" g="0" b="0"/>
+      </a:lnRef>
+      <a:fillRef idx="1">
+        <a:scrgbClr r="0" g="0" b="0"/>
+      </a:fillRef>
+      <a:effectRef idx="0">
+        <a:scrgbClr r="0" g="0" b="0"/>
+      </a:effectRef>
+      <a:fontRef idx="minor"/>
+    </dgm:style>
+  </dgm:styleLbl>
+  <dgm:styleLbl name="asst0">
+    <dgm:scene3d>
+      <a:camera prst="orthographicFront"/>
+      <a:lightRig rig="threePt" dir="t"/>
+    </dgm:scene3d>
+    <dgm:sp3d/>
+    <dgm:txPr/>
+    <dgm:style>
+      <a:lnRef idx="2">
+        <a:scrgbClr r="0" g="0" b="0"/>
+      </a:lnRef>
+      <a:fillRef idx="1">
+        <a:scrgbClr r="0" g="0" b="0"/>
+      </a:fillRef>
+      <a:effectRef idx="0">
+        <a:scrgbClr r="0" g="0" b="0"/>
+      </a:effectRef>
+      <a:fontRef idx="minor">
+        <a:schemeClr val="lt1"/>
+      </a:fontRef>
+    </dgm:style>
+  </dgm:styleLbl>
+  <dgm:styleLbl name="asst1">
+    <dgm:scene3d>
+      <a:camera prst="orthographicFront"/>
+      <a:lightRig rig="threePt" dir="t"/>
+    </dgm:scene3d>
+    <dgm:sp3d/>
+    <dgm:txPr/>
+    <dgm:style>
+      <a:lnRef idx="2">
+        <a:scrgbClr r="0" g="0" b="0"/>
+      </a:lnRef>
+      <a:fillRef idx="1">
+        <a:scrgbClr r="0" g="0" b="0"/>
+      </a:fillRef>
+      <a:effectRef idx="0">
+        <a:scrgbClr r="0" g="0" b="0"/>
+      </a:effectRef>
+      <a:fontRef idx="minor">
+        <a:schemeClr val="lt1"/>
+      </a:fontRef>
+    </dgm:style>
+  </dgm:styleLbl>
+  <dgm:styleLbl name="asst2">
+    <dgm:scene3d>
+      <a:camera prst="orthographicFront"/>
+      <a:lightRig rig="threePt" dir="t"/>
+    </dgm:scene3d>
+    <dgm:sp3d/>
+    <dgm:txPr/>
+    <dgm:style>
+      <a:lnRef idx="2">
+        <a:scrgbClr r="0" g="0" b="0"/>
+      </a:lnRef>
+      <a:fillRef idx="1">
+        <a:scrgbClr r="0" g="0" b="0"/>
+      </a:fillRef>
+      <a:effectRef idx="0">
+        <a:scrgbClr r="0" g="0" b="0"/>
+      </a:effectRef>
+      <a:fontRef idx="minor">
+        <a:schemeClr val="lt1"/>
+      </a:fontRef>
+    </dgm:style>
+  </dgm:styleLbl>
+  <dgm:styleLbl name="asst3">
+    <dgm:scene3d>
+      <a:camera prst="orthographicFront"/>
+      <a:lightRig rig="threePt" dir="t"/>
+    </dgm:scene3d>
+    <dgm:sp3d/>
+    <dgm:txPr/>
+    <dgm:style>
+      <a:lnRef idx="2">
+        <a:scrgbClr r="0" g="0" b="0"/>
+      </a:lnRef>
+      <a:fillRef idx="1">
+        <a:scrgbClr r="0" g="0" b="0"/>
+      </a:fillRef>
+      <a:effectRef idx="0">
+        <a:scrgbClr r="0" g="0" b="0"/>
+      </a:effectRef>
+      <a:fontRef idx="minor">
+        <a:schemeClr val="lt1"/>
+      </a:fontRef>
+    </dgm:style>
+  </dgm:styleLbl>
+  <dgm:styleLbl name="asst4">
+    <dgm:scene3d>
+      <a:camera prst="orthographicFront"/>
+      <a:lightRig rig="threePt" dir="t"/>
+    </dgm:scene3d>
+    <dgm:sp3d/>
+    <dgm:txPr/>
+    <dgm:style>
+      <a:lnRef idx="2">
+        <a:scrgbClr r="0" g="0" b="0"/>
+      </a:lnRef>
+      <a:fillRef idx="1">
+        <a:scrgbClr r="0" g="0" b="0"/>
+      </a:fillRef>
+      <a:effectRef idx="0">
+        <a:scrgbClr r="0" g="0" b="0"/>
+      </a:effectRef>
+      <a:fontRef idx="minor">
+        <a:schemeClr val="lt1"/>
+      </a:fontRef>
+    </dgm:style>
+  </dgm:styleLbl>
+  <dgm:styleLbl name="parChTrans2D1">
+    <dgm:scene3d>
+      <a:camera prst="orthographicFront"/>
+      <a:lightRig rig="threePt" dir="t"/>
+    </dgm:scene3d>
+    <dgm:sp3d/>
+    <dgm:txPr/>
+    <dgm:style>
+      <a:lnRef idx="2">
+        <a:scrgbClr r="0" g="0" b="0"/>
+      </a:lnRef>
+      <a:fillRef idx="1">
+        <a:scrgbClr r="0" g="0" b="0"/>
+      </a:fillRef>
+      <a:effectRef idx="0">
+        <a:scrgbClr r="0" g="0" b="0"/>
+      </a:effectRef>
+      <a:fontRef idx="minor">
+        <a:schemeClr val="lt1"/>
+      </a:fontRef>
+    </dgm:style>
+  </dgm:styleLbl>
+  <dgm:styleLbl name="parChTrans2D2">
+    <dgm:scene3d>
+      <a:camera prst="orthographicFront"/>
+      <a:lightRig rig="threePt" dir="t"/>
+    </dgm:scene3d>
+    <dgm:sp3d/>
+    <dgm:txPr/>
+    <dgm:style>
+      <a:lnRef idx="2">
+        <a:scrgbClr r="0" g="0" b="0"/>
+      </a:lnRef>
+      <a:fillRef idx="1">
+        <a:scrgbClr r="0" g="0" b="0"/>
+      </a:fillRef>
+      <a:effectRef idx="0">
+        <a:scrgbClr r="0" g="0" b="0"/>
+      </a:effectRef>
+      <a:fontRef idx="minor">
+        <a:schemeClr val="lt1"/>
+      </a:fontRef>
+    </dgm:style>
+  </dgm:styleLbl>
+  <dgm:styleLbl name="parChTrans2D3">
+    <dgm:scene3d>
+      <a:camera prst="orthographicFront"/>
+      <a:lightRig rig="threePt" dir="t"/>
+    </dgm:scene3d>
+    <dgm:sp3d/>
+    <dgm:txPr/>
+    <dgm:style>
+      <a:lnRef idx="2">
+        <a:scrgbClr r="0" g="0" b="0"/>
+      </a:lnRef>
+      <a:fillRef idx="1">
+        <a:scrgbClr r="0" g="0" b="0"/>
+      </a:fillRef>
+      <a:effectRef idx="0">
+        <a:scrgbClr r="0" g="0" b="0"/>
+      </a:effectRef>
+      <a:fontRef idx="minor">
+        <a:schemeClr val="lt1"/>
+      </a:fontRef>
+    </dgm:style>
+  </dgm:styleLbl>
+  <dgm:styleLbl name="parChTrans2D4">
+    <dgm:scene3d>
+      <a:camera prst="orthographicFront"/>
+      <a:lightRig rig="threePt" dir="t"/>
+    </dgm:scene3d>
+    <dgm:sp3d/>
+    <dgm:txPr/>
+    <dgm:style>
+      <a:lnRef idx="2">
+        <a:scrgbClr r="0" g="0" b="0"/>
+      </a:lnRef>
+      <a:fillRef idx="1">
+        <a:scrgbClr r="0" g="0" b="0"/>
+      </a:fillRef>
+      <a:effectRef idx="0">
+        <a:scrgbClr r="0" g="0" b="0"/>
+      </a:effectRef>
+      <a:fontRef idx="minor">
+        <a:schemeClr val="lt1"/>
+      </a:fontRef>
+    </dgm:style>
+  </dgm:styleLbl>
+  <dgm:styleLbl name="parChTrans1D1">
+    <dgm:scene3d>
+      <a:camera prst="orthographicFront"/>
+      <a:lightRig rig="threePt" dir="t"/>
+    </dgm:scene3d>
+    <dgm:sp3d/>
+    <dgm:txPr/>
+    <dgm:style>
+      <a:lnRef idx="2">
+        <a:scrgbClr r="0" g="0" b="0"/>
+      </a:lnRef>
+      <a:fillRef idx="0">
+        <a:scrgbClr r="0" g="0" b="0"/>
+      </a:fillRef>
+      <a:effectRef idx="0">
+        <a:scrgbClr r="0" g="0" b="0"/>
+      </a:effectRef>
+      <a:fontRef idx="minor"/>
+    </dgm:style>
+  </dgm:styleLbl>
+  <dgm:styleLbl name="parChTrans1D2">
+    <dgm:scene3d>
+      <a:camera prst="orthographicFront"/>
+      <a:lightRig rig="threePt" dir="t"/>
+    </dgm:scene3d>
+    <dgm:sp3d/>
+    <dgm:txPr/>
+    <dgm:style>
+      <a:lnRef idx="2">
+        <a:scrgbClr r="0" g="0" b="0"/>
+      </a:lnRef>
+      <a:fillRef idx="0">
+        <a:scrgbClr r="0" g="0" b="0"/>
+      </a:fillRef>
+      <a:effectRef idx="0">
+        <a:scrgbClr r="0" g="0" b="0"/>
+      </a:effectRef>
+      <a:fontRef idx="minor"/>
+    </dgm:style>
+  </dgm:styleLbl>
+  <dgm:styleLbl name="parChTrans1D3">
+    <dgm:scene3d>
+      <a:camera prst="orthographicFront"/>
+      <a:lightRig rig="threePt" dir="t"/>
+    </dgm:scene3d>
+    <dgm:sp3d/>
+    <dgm:txPr/>
+    <dgm:style>
+      <a:lnRef idx="2">
+        <a:scrgbClr r="0" g="0" b="0"/>
+      </a:lnRef>
+      <a:fillRef idx="0">
+        <a:scrgbClr r="0" g="0" b="0"/>
+      </a:fillRef>
+      <a:effectRef idx="0">
+        <a:scrgbClr r="0" g="0" b="0"/>
+      </a:effectRef>
+      <a:fontRef idx="minor"/>
+    </dgm:style>
+  </dgm:styleLbl>
+  <dgm:styleLbl name="parChTrans1D4">
+    <dgm:scene3d>
+      <a:camera prst="orthographicFront"/>
+      <a:lightRig rig="threePt" dir="t"/>
+    </dgm:scene3d>
+    <dgm:sp3d/>
+    <dgm:txPr/>
+    <dgm:style>
+      <a:lnRef idx="2">
+        <a:scrgbClr r="0" g="0" b="0"/>
+      </a:lnRef>
+      <a:fillRef idx="0">
+        <a:scrgbClr r="0" g="0" b="0"/>
+      </a:fillRef>
+      <a:effectRef idx="0">
+        <a:scrgbClr r="0" g="0" b="0"/>
+      </a:effectRef>
+      <a:fontRef idx="minor"/>
+    </dgm:style>
+  </dgm:styleLbl>
+  <dgm:styleLbl name="fgAcc1">
+    <dgm:scene3d>
+      <a:camera prst="orthographicFront"/>
+      <a:lightRig rig="threePt" dir="t"/>
+    </dgm:scene3d>
+    <dgm:sp3d/>
+    <dgm:txPr/>
+    <dgm:style>
+      <a:lnRef idx="2">
+        <a:scrgbClr r="0" g="0" b="0"/>
+      </a:lnRef>
+      <a:fillRef idx="1">
+        <a:scrgbClr r="0" g="0" b="0"/>
+      </a:fillRef>
+      <a:effectRef idx="0">
+        <a:scrgbClr r="0" g="0" b="0"/>
+      </a:effectRef>
+      <a:fontRef idx="minor"/>
+    </dgm:style>
+  </dgm:styleLbl>
+  <dgm:styleLbl name="conFgAcc1">
+    <dgm:scene3d>
+      <a:camera prst="orthographicFront"/>
+      <a:lightRig rig="threePt" dir="t"/>
+    </dgm:scene3d>
+    <dgm:sp3d/>
+    <dgm:txPr/>
+    <dgm:style>
+      <a:lnRef idx="2">
+        <a:scrgbClr r="0" g="0" b="0"/>
+      </a:lnRef>
+      <a:fillRef idx="1">
+        <a:scrgbClr r="0" g="0" b="0"/>
+      </a:fillRef>
+      <a:effectRef idx="0">
+        <a:scrgbClr r="0" g="0" b="0"/>
+      </a:effectRef>
+      <a:fontRef idx="minor"/>
+    </dgm:style>
+  </dgm:styleLbl>
+  <dgm:styleLbl name="alignAcc1">
+    <dgm:scene3d>
+      <a:camera prst="orthographicFront"/>
+      <a:lightRig rig="threePt" dir="t"/>
+    </dgm:scene3d>
+    <dgm:sp3d/>
+    <dgm:txPr/>
+    <dgm:style>
+      <a:lnRef idx="2">
+        <a:scrgbClr r="0" g="0" b="0"/>
+      </a:lnRef>
+      <a:fillRef idx="1">
+        <a:scrgbClr r="0" g="0" b="0"/>
+      </a:fillRef>
+      <a:effectRef idx="0">
+        <a:scrgbClr r="0" g="0" b="0"/>
+      </a:effectRef>
+      <a:fontRef idx="minor"/>
+    </dgm:style>
+  </dgm:styleLbl>
+  <dgm:styleLbl name="trAlignAcc1">
+    <dgm:scene3d>
+      <a:camera prst="orthographicFront"/>
+      <a:lightRig rig="threePt" dir="t"/>
+    </dgm:scene3d>
+    <dgm:sp3d/>
+    <dgm:txPr/>
+    <dgm:style>
+      <a:lnRef idx="1">
+        <a:scrgbClr r="0" g="0" b="0"/>
+      </a:lnRef>
+      <a:fillRef idx="1">
+        <a:scrgbClr r="0" g="0" b="0"/>
+      </a:fillRef>
+      <a:effectRef idx="0">
+        <a:scrgbClr r="0" g="0" b="0"/>
+      </a:effectRef>
+      <a:fontRef idx="minor"/>
+    </dgm:style>
+  </dgm:styleLbl>
+  <dgm:styleLbl name="bgAcc1">
+    <dgm:scene3d>
+      <a:camera prst="orthographicFront"/>
+      <a:lightRig rig="threePt" dir="t"/>
+    </dgm:scene3d>
+    <dgm:sp3d/>
+    <dgm:txPr/>
+    <dgm:style>
+      <a:lnRef idx="2">
+        <a:scrgbClr r="0" g="0" b="0"/>
+      </a:lnRef>
+      <a:fillRef idx="1">
+        <a:scrgbClr r="0" g="0" b="0"/>
+      </a:fillRef>
+      <a:effectRef idx="0">
+        <a:scrgbClr r="0" g="0" b="0"/>
+      </a:effectRef>
+      <a:fontRef idx="minor"/>
+    </dgm:style>
+  </dgm:styleLbl>
+  <dgm:styleLbl name="solidFgAcc1">
+    <dgm:scene3d>
+      <a:camera prst="orthographicFront"/>
+      <a:lightRig rig="threePt" dir="t"/>
+    </dgm:scene3d>
+    <dgm:sp3d/>
+    <dgm:txPr/>
+    <dgm:style>
+      <a:lnRef idx="2">
+        <a:scrgbClr r="0" g="0" b="0"/>
+      </a:lnRef>
+      <a:fillRef idx="1">
+        <a:scrgbClr r="0" g="0" b="0"/>
+      </a:fillRef>
+      <a:effectRef idx="0">
+        <a:scrgbClr r="0" g="0" b="0"/>
+      </a:effectRef>
+      <a:fontRef idx="minor"/>
+    </dgm:style>
+  </dgm:styleLbl>
+  <dgm:styleLbl name="solidAlignAcc1">
+    <dgm:scene3d>
+      <a:camera prst="orthographicFront"/>
+      <a:lightRig rig="threePt" dir="t"/>
+    </dgm:scene3d>
+    <dgm:sp3d/>
+    <dgm:txPr/>
+    <dgm:style>
+      <a:lnRef idx="2">
+        <a:scrgbClr r="0" g="0" b="0"/>
+      </a:lnRef>
+      <a:fillRef idx="1">
+        <a:scrgbClr r="0" g="0" b="0"/>
+      </a:fillRef>
+      <a:effectRef idx="0">
+        <a:scrgbClr r="0" g="0" b="0"/>
+      </a:effectRef>
+      <a:fontRef idx="minor"/>
+    </dgm:style>
+  </dgm:styleLbl>
+  <dgm:styleLbl name="solidBgAcc1">
+    <dgm:scene3d>
+      <a:camera prst="orthographicFront"/>
+      <a:lightRig rig="threePt" dir="t"/>
+    </dgm:scene3d>
+    <dgm:sp3d/>
+    <dgm:txPr/>
+    <dgm:style>
+      <a:lnRef idx="2">
+        <a:scrgbClr r="0" g="0" b="0"/>
+      </a:lnRef>
+      <a:fillRef idx="1">
+        <a:scrgbClr r="0" g="0" b="0"/>
+      </a:fillRef>
+      <a:effectRef idx="0">
+        <a:scrgbClr r="0" g="0" b="0"/>
+      </a:effectRef>
+      <a:fontRef idx="minor"/>
+    </dgm:style>
+  </dgm:styleLbl>
+  <dgm:styleLbl name="fgAccFollowNode1">
+    <dgm:scene3d>
+      <a:camera prst="orthographicFront"/>
+      <a:lightRig rig="threePt" dir="t"/>
+    </dgm:scene3d>
+    <dgm:sp3d/>
+    <dgm:txPr/>
+    <dgm:style>
+      <a:lnRef idx="2">
+        <a:scrgbClr r="0" g="0" b="0"/>
+      </a:lnRef>
+      <a:fillRef idx="1">
+        <a:scrgbClr r="0" g="0" b="0"/>
+      </a:fillRef>
+      <a:effectRef idx="0">
+        <a:scrgbClr r="0" g="0" b="0"/>
+      </a:effectRef>
+      <a:fontRef idx="minor"/>
+    </dgm:style>
+  </dgm:styleLbl>
+  <dgm:styleLbl name="alignAccFollowNode1">
+    <dgm:scene3d>
+      <a:camera prst="orthographicFront"/>
+      <a:lightRig rig="threePt" dir="t"/>
+    </dgm:scene3d>
+    <dgm:sp3d/>
+    <dgm:txPr/>
+    <dgm:style>
+      <a:lnRef idx="2">
+        <a:scrgbClr r="0" g="0" b="0"/>
+      </a:lnRef>
+      <a:fillRef idx="1">
+        <a:scrgbClr r="0" g="0" b="0"/>
+      </a:fillRef>
+      <a:effectRef idx="0">
+        <a:scrgbClr r="0" g="0" b="0"/>
+      </a:effectRef>
+      <a:fontRef idx="minor"/>
+    </dgm:style>
+  </dgm:styleLbl>
+  <dgm:styleLbl name="bgAccFollowNode1">
+    <dgm:scene3d>
+      <a:camera prst="orthographicFront"/>
+      <a:lightRig rig="threePt" dir="t"/>
+    </dgm:scene3d>
+    <dgm:sp3d/>
+    <dgm:txPr/>
+    <dgm:style>
+      <a:lnRef idx="2">
+        <a:scrgbClr r="0" g="0" b="0"/>
+      </a:lnRef>
+      <a:fillRef idx="1">
+        <a:scrgbClr r="0" g="0" b="0"/>
+      </a:fillRef>
+      <a:effectRef idx="0">
+        <a:scrgbClr r="0" g="0" b="0"/>
+      </a:effectRef>
+      <a:fontRef idx="minor"/>
+    </dgm:style>
+  </dgm:styleLbl>
+  <dgm:styleLbl name="fgAcc0">
+    <dgm:scene3d>
+      <a:camera prst="orthographicFront"/>
+      <a:lightRig rig="threePt" dir="t"/>
+    </dgm:scene3d>
+    <dgm:sp3d/>
+    <dgm:txPr/>
+    <dgm:style>
+      <a:lnRef idx="2">
+        <a:scrgbClr r="0" g="0" b="0"/>
+      </a:lnRef>
+      <a:fillRef idx="1">
+        <a:scrgbClr r="0" g="0" b="0"/>
+      </a:fillRef>
+      <a:effectRef idx="0">
+        <a:scrgbClr r="0" g="0" b="0"/>
+      </a:effectRef>
+      <a:fontRef idx="minor"/>
+    </dgm:style>
+  </dgm:styleLbl>
+  <dgm:styleLbl name="fgAcc2">
+    <dgm:scene3d>
+      <a:camera prst="orthographicFront"/>
+      <a:lightRig rig="threePt" dir="t"/>
+    </dgm:scene3d>
+    <dgm:sp3d/>
+    <dgm:txPr/>
+    <dgm:style>
+      <a:lnRef idx="2">
+        <a:scrgbClr r="0" g="0" b="0"/>
+      </a:lnRef>
+      <a:fillRef idx="1">
+        <a:scrgbClr r="0" g="0" b="0"/>
+      </a:fillRef>
+      <a:effectRef idx="0">
+        <a:scrgbClr r="0" g="0" b="0"/>
+      </a:effectRef>
+      <a:fontRef idx="minor"/>
+    </dgm:style>
+  </dgm:styleLbl>
+  <dgm:styleLbl name="fgAcc3">
+    <dgm:scene3d>
+      <a:camera prst="orthographicFront"/>
+      <a:lightRig rig="threePt" dir="t"/>
+    </dgm:scene3d>
+    <dgm:sp3d/>
+    <dgm:txPr/>
+    <dgm:style>
+      <a:lnRef idx="2">
+        <a:scrgbClr r="0" g="0" b="0"/>
+      </a:lnRef>
+      <a:fillRef idx="1">
+        <a:scrgbClr r="0" g="0" b="0"/>
+      </a:fillRef>
+      <a:effectRef idx="0">
+        <a:scrgbClr r="0" g="0" b="0"/>
+      </a:effectRef>
+      <a:fontRef idx="minor"/>
+    </dgm:style>
+  </dgm:styleLbl>
+  <dgm:styleLbl name="fgAcc4">
+    <dgm:scene3d>
+      <a:camera prst="orthographicFront"/>
+      <a:lightRig rig="threePt" dir="t"/>
+    </dgm:scene3d>
+    <dgm:sp3d/>
+    <dgm:txPr/>
+    <dgm:style>
+      <a:lnRef idx="2">
+        <a:scrgbClr r="0" g="0" b="0"/>
+      </a:lnRef>
+      <a:fillRef idx="1">
+        <a:scrgbClr r="0" g="0" b="0"/>
+      </a:fillRef>
+      <a:effectRef idx="0">
+        <a:scrgbClr r="0" g="0" b="0"/>
+      </a:effectRef>
+      <a:fontRef idx="minor"/>
+    </dgm:style>
+  </dgm:styleLbl>
+  <dgm:styleLbl name="bgShp">
+    <dgm:scene3d>
+      <a:camera prst="orthographicFront"/>
+      <a:lightRig rig="threePt" dir="t"/>
+    </dgm:scene3d>
+    <dgm:sp3d/>
+    <dgm:txPr/>
+    <dgm:style>
+      <a:lnRef idx="0">
+        <a:scrgbClr r="0" g="0" b="0"/>
+      </a:lnRef>
+      <a:fillRef idx="1">
+        <a:scrgbClr r="0" g="0" b="0"/>
+      </a:fillRef>
+      <a:effectRef idx="0">
+        <a:scrgbClr r="0" g="0" b="0"/>
+      </a:effectRef>
+      <a:fontRef idx="minor"/>
+    </dgm:style>
+  </dgm:styleLbl>
+  <dgm:styleLbl name="dkBgShp">
+    <dgm:scene3d>
+      <a:camera prst="orthographicFront"/>
+      <a:lightRig rig="threePt" dir="t"/>
+    </dgm:scene3d>
+    <dgm:sp3d/>
+    <dgm:txPr/>
+    <dgm:style>
+      <a:lnRef idx="0">
+        <a:scrgbClr r="0" g="0" b="0"/>
+      </a:lnRef>
+      <a:fillRef idx="1">
+        <a:scrgbClr r="0" g="0" b="0"/>
+      </a:fillRef>
+      <a:effectRef idx="0">
+        <a:scrgbClr r="0" g="0" b="0"/>
+      </a:effectRef>
+      <a:fontRef idx="minor"/>
+    </dgm:style>
+  </dgm:styleLbl>
+  <dgm:styleLbl name="trBgShp">
+    <dgm:scene3d>
+      <a:camera prst="orthographicFront"/>
+      <a:lightRig rig="threePt" dir="t"/>
+    </dgm:scene3d>
+    <dgm:sp3d/>
+    <dgm:txPr/>
+    <dgm:style>
+      <a:lnRef idx="0">
+        <a:scrgbClr r="0" g="0" b="0"/>
+      </a:lnRef>
+      <a:fillRef idx="1">
+        <a:scrgbClr r="0" g="0" b="0"/>
+      </a:fillRef>
+      <a:effectRef idx="0">
+        <a:scrgbClr r="0" g="0" b="0"/>
+      </a:effectRef>
+      <a:fontRef idx="minor"/>
+    </dgm:style>
+  </dgm:styleLbl>
+  <dgm:styleLbl name="fgShp">
+    <dgm:scene3d>
+      <a:camera prst="orthographicFront"/>
+      <a:lightRig rig="threePt" dir="t"/>
+    </dgm:scene3d>
+    <dgm:sp3d/>
+    <dgm:txPr/>
+    <dgm:style>
+      <a:lnRef idx="2">
+        <a:scrgbClr r="0" g="0" b="0"/>
+      </a:lnRef>
+      <a:fillRef idx="1">
+        <a:scrgbClr r="0" g="0" b="0"/>
+      </a:fillRef>
+      <a:effectRef idx="0">
+        <a:scrgbClr r="0" g="0" b="0"/>
+      </a:effectRef>
+      <a:fontRef idx="minor"/>
+    </dgm:style>
+  </dgm:styleLbl>
+  <dgm:styleLbl name="revTx">
+    <dgm:scene3d>
+      <a:camera prst="orthographicFront"/>
+      <a:lightRig rig="threePt" dir="t"/>
+    </dgm:scene3d>
+    <dgm:sp3d/>
+    <dgm:txPr/>
+    <dgm:style>
+      <a:lnRef idx="0">
+        <a:scrgbClr r="0" g="0" b="0"/>
+      </a:lnRef>
+      <a:fillRef idx="0">
+        <a:scrgbClr r="0" g="0" b="0"/>
+      </a:fillRef>
+      <a:effectRef idx="0">
+        <a:scrgbClr r="0" g="0" b="0"/>
+      </a:effectRef>
+      <a:fontRef idx="minor"/>
+    </dgm:style>
+  </dgm:styleLbl>
+</dgm:styleDef>
+</file>
+
 <file path=ppt/slideLayouts/slideLayout1.xml><?xml version="1.0" encoding="utf-8"?>
 <p:sldLayout xmlns:a="http://schemas.openxmlformats.org/drawingml/2006/main" xmlns:r="http://schemas.openxmlformats.org/officeDocument/2006/relationships" xmlns:p="http://schemas.openxmlformats.org/presentationml/2006/main" type="title" preserve="1">
   <p:cSld name="Title Slide">
@@ -263,7 +2282,7 @@
           <a:p>
             <a:fld id="{2919E1E2-61BE-4B8C-866A-656E5D301163}" type="datetimeFigureOut">
               <a:rPr lang="en-US" smtClean="0"/>
-              <a:t>8/24/2019</a:t>
+              <a:t>8/25/2019</a:t>
             </a:fld>
             <a:endParaRPr lang="en-US"/>
           </a:p>
@@ -440,7 +2459,7 @@
           <a:p>
             <a:fld id="{2919E1E2-61BE-4B8C-866A-656E5D301163}" type="datetimeFigureOut">
               <a:rPr lang="en-US" smtClean="0"/>
-              <a:t>8/24/2019</a:t>
+              <a:t>8/25/2019</a:t>
             </a:fld>
             <a:endParaRPr lang="en-US"/>
           </a:p>
@@ -620,7 +2639,7 @@
           <a:p>
             <a:fld id="{2919E1E2-61BE-4B8C-866A-656E5D301163}" type="datetimeFigureOut">
               <a:rPr lang="en-US" smtClean="0"/>
-              <a:t>8/24/2019</a:t>
+              <a:t>8/25/2019</a:t>
             </a:fld>
             <a:endParaRPr lang="en-US"/>
           </a:p>
@@ -1008,7 +3027,7 @@
           <a:p>
             <a:fld id="{2919E1E2-61BE-4B8C-866A-656E5D301163}" type="datetimeFigureOut">
               <a:rPr lang="en-US" smtClean="0"/>
-              <a:t>8/24/2019</a:t>
+              <a:t>8/25/2019</a:t>
             </a:fld>
             <a:endParaRPr lang="en-US"/>
           </a:p>
@@ -1240,7 +3259,7 @@
           <a:p>
             <a:fld id="{2919E1E2-61BE-4B8C-866A-656E5D301163}" type="datetimeFigureOut">
               <a:rPr lang="en-US" smtClean="0"/>
-              <a:t>8/24/2019</a:t>
+              <a:t>8/25/2019</a:t>
             </a:fld>
             <a:endParaRPr lang="en-US"/>
           </a:p>
@@ -1607,7 +3626,7 @@
           <a:p>
             <a:fld id="{2919E1E2-61BE-4B8C-866A-656E5D301163}" type="datetimeFigureOut">
               <a:rPr lang="en-US" smtClean="0"/>
-              <a:t>8/24/2019</a:t>
+              <a:t>8/25/2019</a:t>
             </a:fld>
             <a:endParaRPr lang="en-US"/>
           </a:p>
@@ -1725,7 +3744,7 @@
           <a:p>
             <a:fld id="{2919E1E2-61BE-4B8C-866A-656E5D301163}" type="datetimeFigureOut">
               <a:rPr lang="en-US" smtClean="0"/>
-              <a:t>8/24/2019</a:t>
+              <a:t>8/25/2019</a:t>
             </a:fld>
             <a:endParaRPr lang="en-US"/>
           </a:p>
@@ -1820,7 +3839,7 @@
           <a:p>
             <a:fld id="{2919E1E2-61BE-4B8C-866A-656E5D301163}" type="datetimeFigureOut">
               <a:rPr lang="en-US" smtClean="0"/>
-              <a:t>8/24/2019</a:t>
+              <a:t>8/25/2019</a:t>
             </a:fld>
             <a:endParaRPr lang="en-US"/>
           </a:p>
@@ -2097,7 +4116,7 @@
           <a:p>
             <a:fld id="{2919E1E2-61BE-4B8C-866A-656E5D301163}" type="datetimeFigureOut">
               <a:rPr lang="en-US" smtClean="0"/>
-              <a:t>8/24/2019</a:t>
+              <a:t>8/25/2019</a:t>
             </a:fld>
             <a:endParaRPr lang="en-US"/>
           </a:p>
@@ -2354,7 +4373,7 @@
           <a:p>
             <a:fld id="{2919E1E2-61BE-4B8C-866A-656E5D301163}" type="datetimeFigureOut">
               <a:rPr lang="en-US" smtClean="0"/>
-              <a:t>8/24/2019</a:t>
+              <a:t>8/25/2019</a:t>
             </a:fld>
             <a:endParaRPr lang="en-US"/>
           </a:p>
@@ -2567,7 +4586,7 @@
           <a:p>
             <a:fld id="{2919E1E2-61BE-4B8C-866A-656E5D301163}" type="datetimeFigureOut">
               <a:rPr lang="en-US" smtClean="0"/>
-              <a:t>8/24/2019</a:t>
+              <a:t>8/25/2019</a:t>
             </a:fld>
             <a:endParaRPr lang="en-US"/>
           </a:p>
@@ -3108,6 +5127,116 @@
           <a:lstStyle/>
           <a:p>
             <a:r>
+              <a:rPr lang="en-US" dirty="0"/>
+              <a:t>Data-Oriented Design Principles</a:t>
+            </a:r>
+          </a:p>
+        </p:txBody>
+      </p:sp>
+      <p:sp>
+        <p:nvSpPr>
+          <p:cNvPr id="3" name="Content Placeholder 2"/>
+          <p:cNvSpPr>
+            <a:spLocks noGrp="1"/>
+          </p:cNvSpPr>
+          <p:nvPr>
+            <p:ph idx="1"/>
+          </p:nvPr>
+        </p:nvSpPr>
+        <p:spPr/>
+        <p:txBody>
+          <a:bodyPr>
+            <a:normAutofit/>
+          </a:bodyPr>
+          <a:lstStyle/>
+          <a:p>
+            <a:r>
+              <a:rPr lang="en-US" dirty="0"/>
+              <a:t>If you don’t understand the data you don’t understand the problem.”</a:t>
+            </a:r>
+          </a:p>
+          <a:p>
+            <a:r>
+              <a:rPr lang="en-US" dirty="0"/>
+              <a:t>Different problems require different solutions.</a:t>
+            </a:r>
+          </a:p>
+          <a:p>
+            <a:r>
+              <a:rPr lang="en-US" dirty="0"/>
+              <a:t>If you have different data, you have a different problem.</a:t>
+            </a:r>
+          </a:p>
+          <a:p>
+            <a:r>
+              <a:rPr lang="en-US" dirty="0"/>
+              <a:t>If you don’t understand the cost of solving the problem, you don’t understand the problem.</a:t>
+            </a:r>
+          </a:p>
+          <a:p>
+            <a:r>
+              <a:rPr lang="en-US" dirty="0"/>
+              <a:t>If you don’t understand the hardware, language, compiler, OS you can’t reason about the cost of solving the problem.</a:t>
+            </a:r>
+          </a:p>
+          <a:p>
+            <a:endParaRPr lang="en-US" dirty="0"/>
+          </a:p>
+        </p:txBody>
+      </p:sp>
+    </p:spTree>
+    <p:extLst>
+      <p:ext uri="{BB962C8B-B14F-4D97-AF65-F5344CB8AC3E}">
+        <p14:creationId xmlns:p14="http://schemas.microsoft.com/office/powerpoint/2010/main" val="3472269627"/>
+      </p:ext>
+    </p:extLst>
+  </p:cSld>
+  <p:clrMapOvr>
+    <a:masterClrMapping/>
+  </p:clrMapOvr>
+  <p:timing>
+    <p:tnLst>
+      <p:par>
+        <p:cTn id="1" dur="indefinite" restart="never" nodeType="tmRoot"/>
+      </p:par>
+    </p:tnLst>
+  </p:timing>
+</p:sld>
+</file>
+
+<file path=ppt/slides/slide11.xml><?xml version="1.0" encoding="utf-8"?>
+<p:sld xmlns:a="http://schemas.openxmlformats.org/drawingml/2006/main" xmlns:r="http://schemas.openxmlformats.org/officeDocument/2006/relationships" xmlns:p="http://schemas.openxmlformats.org/presentationml/2006/main">
+  <p:cSld>
+    <p:spTree>
+      <p:nvGrpSpPr>
+        <p:cNvPr id="1" name=""/>
+        <p:cNvGrpSpPr/>
+        <p:nvPr/>
+      </p:nvGrpSpPr>
+      <p:grpSpPr>
+        <a:xfrm>
+          <a:off x="0" y="0"/>
+          <a:ext cx="0" cy="0"/>
+          <a:chOff x="0" y="0"/>
+          <a:chExt cx="0" cy="0"/>
+        </a:xfrm>
+      </p:grpSpPr>
+      <p:sp>
+        <p:nvSpPr>
+          <p:cNvPr id="2" name="Title 1"/>
+          <p:cNvSpPr>
+            <a:spLocks noGrp="1"/>
+          </p:cNvSpPr>
+          <p:nvPr>
+            <p:ph type="title"/>
+          </p:nvPr>
+        </p:nvSpPr>
+        <p:spPr/>
+        <p:txBody>
+          <a:bodyPr/>
+          <a:lstStyle/>
+          <a:p>
+            <a:r>
               <a:rPr lang="en-US" dirty="0" smtClean="0"/>
               <a:t>Thank You!</a:t>
             </a:r>
@@ -3557,7 +5686,7 @@
           <p:nvPr>
             <p:extLst>
               <p:ext uri="{D42A27DB-BD31-4B8C-83A1-F6EECF244321}">
-                <p14:modId xmlns:p14="http://schemas.microsoft.com/office/powerpoint/2010/main" val="1040444007"/>
+                <p14:modId xmlns:p14="http://schemas.microsoft.com/office/powerpoint/2010/main" val="2050264080"/>
               </p:ext>
             </p:extLst>
           </p:nvPr>
@@ -3591,10 +5720,18 @@
                     <a:p>
                       <a:pPr algn="ctr"/>
                       <a:r>
-                        <a:rPr lang="en-US" dirty="0" smtClean="0"/>
+                        <a:rPr lang="en-US" b="0" dirty="0" smtClean="0">
+                          <a:solidFill>
+                            <a:schemeClr val="bg1"/>
+                          </a:solidFill>
+                        </a:rPr>
                         <a:t>Ant 1</a:t>
                       </a:r>
-                      <a:endParaRPr lang="en-US" dirty="0"/>
+                      <a:endParaRPr lang="en-US" b="0" dirty="0">
+                        <a:solidFill>
+                          <a:schemeClr val="bg1"/>
+                        </a:solidFill>
+                      </a:endParaRPr>
                     </a:p>
                   </a:txBody>
                   <a:tcPr>
@@ -3776,7 +5913,11 @@
                     <a:p>
                       <a:pPr algn="ctr"/>
                       <a:r>
-                        <a:rPr lang="en-US" dirty="0" smtClean="0"/>
+                        <a:rPr lang="en-US" b="0" dirty="0" smtClean="0">
+                          <a:solidFill>
+                            <a:schemeClr val="bg1"/>
+                          </a:solidFill>
+                        </a:rPr>
                         <a:t>Ant 2</a:t>
                       </a:r>
                     </a:p>
@@ -3960,10 +6101,13 @@
                     <a:p>
                       <a:pPr algn="ctr"/>
                       <a:r>
-                        <a:rPr lang="en-US" dirty="0" smtClean="0"/>
+                        <a:rPr lang="en-US" b="0" dirty="0" smtClean="0">
+                          <a:solidFill>
+                            <a:schemeClr val="bg1"/>
+                          </a:solidFill>
+                        </a:rPr>
                         <a:t>Ant ...n</a:t>
                       </a:r>
-                      <a:endParaRPr lang="en-US" dirty="0" smtClean="0"/>
                     </a:p>
                   </a:txBody>
                   <a:tcPr>
@@ -4823,7 +6967,7 @@
                     <a:lstStyle/>
                     <a:p>
                       <a:r>
-                        <a:rPr lang="en-US" smtClean="0"/>
+                        <a:rPr lang="en-US" dirty="0" smtClean="0"/>
                         <a:t>8bytes</a:t>
                       </a:r>
                       <a:endParaRPr lang="en-US" dirty="0"/>
@@ -5566,6 +7710,1878 @@
           </a:p>
         </p:txBody>
       </p:sp>
+      <p:graphicFrame>
+        <p:nvGraphicFramePr>
+          <p:cNvPr id="4" name="Table 3"/>
+          <p:cNvGraphicFramePr>
+            <a:graphicFrameLocks noGrp="1"/>
+          </p:cNvGraphicFramePr>
+          <p:nvPr>
+            <p:extLst>
+              <p:ext uri="{D42A27DB-BD31-4B8C-83A1-F6EECF244321}">
+                <p14:modId xmlns:p14="http://schemas.microsoft.com/office/powerpoint/2010/main" val="1268735083"/>
+              </p:ext>
+            </p:extLst>
+          </p:nvPr>
+        </p:nvGraphicFramePr>
+        <p:xfrm>
+          <a:off x="838200" y="4165600"/>
+          <a:ext cx="10464804" cy="1112520"/>
+        </p:xfrm>
+        <a:graphic>
+          <a:graphicData uri="http://schemas.openxmlformats.org/drawingml/2006/table">
+            <a:tbl>
+              <a:tblPr firstRow="1" bandRow="1">
+                <a:tableStyleId>{5C22544A-7EE6-4342-B048-85BDC9FD1C3A}</a:tableStyleId>
+              </a:tblPr>
+              <a:tblGrid>
+                <a:gridCol w="1162756"/>
+                <a:gridCol w="1162756"/>
+                <a:gridCol w="1162756"/>
+                <a:gridCol w="1162756"/>
+                <a:gridCol w="1162756"/>
+                <a:gridCol w="1162756"/>
+                <a:gridCol w="1162756"/>
+                <a:gridCol w="1162756"/>
+                <a:gridCol w="1162756"/>
+              </a:tblGrid>
+              <a:tr h="370840">
+                <a:tc gridSpan="3">
+                  <a:txBody>
+                    <a:bodyPr/>
+                    <a:lstStyle/>
+                    <a:p>
+                      <a:pPr algn="ctr"/>
+                      <a:r>
+                        <a:rPr lang="en-US" b="0" dirty="0" smtClean="0">
+                          <a:solidFill>
+                            <a:schemeClr val="bg1"/>
+                          </a:solidFill>
+                        </a:rPr>
+                        <a:t>Ant 1</a:t>
+                      </a:r>
+                      <a:endParaRPr lang="en-US" b="0" dirty="0">
+                        <a:solidFill>
+                          <a:schemeClr val="bg1"/>
+                        </a:solidFill>
+                      </a:endParaRPr>
+                    </a:p>
+                  </a:txBody>
+                  <a:tcPr>
+                    <a:lnL w="12700" cap="flat" cmpd="sng" algn="ctr">
+                      <a:solidFill>
+                        <a:schemeClr val="tx1"/>
+                      </a:solidFill>
+                      <a:prstDash val="solid"/>
+                      <a:round/>
+                      <a:headEnd type="none" w="med" len="med"/>
+                      <a:tailEnd type="none" w="med" len="med"/>
+                    </a:lnL>
+                    <a:lnR w="12700" cap="flat" cmpd="sng" algn="ctr">
+                      <a:solidFill>
+                        <a:schemeClr val="tx1"/>
+                      </a:solidFill>
+                      <a:prstDash val="solid"/>
+                      <a:round/>
+                      <a:headEnd type="none" w="med" len="med"/>
+                      <a:tailEnd type="none" w="med" len="med"/>
+                    </a:lnR>
+                    <a:lnT w="12700" cap="flat" cmpd="sng" algn="ctr">
+                      <a:solidFill>
+                        <a:schemeClr val="tx1"/>
+                      </a:solidFill>
+                      <a:prstDash val="solid"/>
+                      <a:round/>
+                      <a:headEnd type="none" w="med" len="med"/>
+                      <a:tailEnd type="none" w="med" len="med"/>
+                    </a:lnT>
+                    <a:lnB w="12700" cap="flat" cmpd="sng" algn="ctr">
+                      <a:solidFill>
+                        <a:schemeClr val="tx1"/>
+                      </a:solidFill>
+                      <a:prstDash val="solid"/>
+                      <a:round/>
+                      <a:headEnd type="none" w="med" len="med"/>
+                      <a:tailEnd type="none" w="med" len="med"/>
+                    </a:lnB>
+                    <a:lnTlToBr w="12700" cmpd="sng">
+                      <a:noFill/>
+                      <a:prstDash val="solid"/>
+                    </a:lnTlToBr>
+                    <a:lnBlToTr w="12700" cmpd="sng">
+                      <a:noFill/>
+                      <a:prstDash val="solid"/>
+                    </a:lnBlToTr>
+                    <a:solidFill>
+                      <a:schemeClr val="tx1">
+                        <a:lumMod val="50000"/>
+                      </a:schemeClr>
+                    </a:solidFill>
+                  </a:tcPr>
+                </a:tc>
+                <a:tc hMerge="1">
+                  <a:txBody>
+                    <a:bodyPr/>
+                    <a:lstStyle/>
+                    <a:p>
+                      <a:endParaRPr lang="en-US" dirty="0"/>
+                    </a:p>
+                  </a:txBody>
+                  <a:tcPr>
+                    <a:lnL w="12700" cap="flat" cmpd="sng" algn="ctr">
+                      <a:solidFill>
+                        <a:schemeClr val="tx1"/>
+                      </a:solidFill>
+                      <a:prstDash val="solid"/>
+                      <a:round/>
+                      <a:headEnd type="none" w="med" len="med"/>
+                      <a:tailEnd type="none" w="med" len="med"/>
+                    </a:lnL>
+                    <a:lnR w="12700" cap="flat" cmpd="sng" algn="ctr">
+                      <a:solidFill>
+                        <a:schemeClr val="tx1"/>
+                      </a:solidFill>
+                      <a:prstDash val="solid"/>
+                      <a:round/>
+                      <a:headEnd type="none" w="med" len="med"/>
+                      <a:tailEnd type="none" w="med" len="med"/>
+                    </a:lnR>
+                    <a:lnT w="12700" cap="flat" cmpd="sng" algn="ctr">
+                      <a:solidFill>
+                        <a:schemeClr val="tx1"/>
+                      </a:solidFill>
+                      <a:prstDash val="solid"/>
+                      <a:round/>
+                      <a:headEnd type="none" w="med" len="med"/>
+                      <a:tailEnd type="none" w="med" len="med"/>
+                    </a:lnT>
+                    <a:lnB w="12700" cap="flat" cmpd="sng" algn="ctr">
+                      <a:solidFill>
+                        <a:schemeClr val="tx1"/>
+                      </a:solidFill>
+                      <a:prstDash val="solid"/>
+                      <a:round/>
+                      <a:headEnd type="none" w="med" len="med"/>
+                      <a:tailEnd type="none" w="med" len="med"/>
+                    </a:lnB>
+                    <a:lnTlToBr w="12700" cmpd="sng">
+                      <a:noFill/>
+                      <a:prstDash val="solid"/>
+                    </a:lnTlToBr>
+                    <a:lnBlToTr w="12700" cmpd="sng">
+                      <a:noFill/>
+                      <a:prstDash val="solid"/>
+                    </a:lnBlToTr>
+                    <a:solidFill>
+                      <a:schemeClr val="tx1">
+                        <a:lumMod val="50000"/>
+                      </a:schemeClr>
+                    </a:solidFill>
+                  </a:tcPr>
+                </a:tc>
+                <a:tc hMerge="1">
+                  <a:txBody>
+                    <a:bodyPr/>
+                    <a:lstStyle/>
+                    <a:p>
+                      <a:endParaRPr lang="en-US" dirty="0"/>
+                    </a:p>
+                  </a:txBody>
+                  <a:tcPr>
+                    <a:lnL w="12700" cap="flat" cmpd="sng" algn="ctr">
+                      <a:solidFill>
+                        <a:schemeClr val="tx1"/>
+                      </a:solidFill>
+                      <a:prstDash val="solid"/>
+                      <a:round/>
+                      <a:headEnd type="none" w="med" len="med"/>
+                      <a:tailEnd type="none" w="med" len="med"/>
+                    </a:lnL>
+                    <a:lnR w="12700" cap="flat" cmpd="sng" algn="ctr">
+                      <a:solidFill>
+                        <a:schemeClr val="tx1"/>
+                      </a:solidFill>
+                      <a:prstDash val="solid"/>
+                      <a:round/>
+                      <a:headEnd type="none" w="med" len="med"/>
+                      <a:tailEnd type="none" w="med" len="med"/>
+                    </a:lnR>
+                    <a:lnT w="12700" cap="flat" cmpd="sng" algn="ctr">
+                      <a:solidFill>
+                        <a:schemeClr val="tx1"/>
+                      </a:solidFill>
+                      <a:prstDash val="solid"/>
+                      <a:round/>
+                      <a:headEnd type="none" w="med" len="med"/>
+                      <a:tailEnd type="none" w="med" len="med"/>
+                    </a:lnT>
+                    <a:lnB w="12700" cap="flat" cmpd="sng" algn="ctr">
+                      <a:solidFill>
+                        <a:schemeClr val="tx1"/>
+                      </a:solidFill>
+                      <a:prstDash val="solid"/>
+                      <a:round/>
+                      <a:headEnd type="none" w="med" len="med"/>
+                      <a:tailEnd type="none" w="med" len="med"/>
+                    </a:lnB>
+                    <a:lnTlToBr w="12700" cmpd="sng">
+                      <a:noFill/>
+                      <a:prstDash val="solid"/>
+                    </a:lnTlToBr>
+                    <a:lnBlToTr w="12700" cmpd="sng">
+                      <a:noFill/>
+                      <a:prstDash val="solid"/>
+                    </a:lnBlToTr>
+                    <a:solidFill>
+                      <a:schemeClr val="tx1">
+                        <a:lumMod val="50000"/>
+                      </a:schemeClr>
+                    </a:solidFill>
+                  </a:tcPr>
+                </a:tc>
+                <a:tc gridSpan="3">
+                  <a:txBody>
+                    <a:bodyPr/>
+                    <a:lstStyle/>
+                    <a:p>
+                      <a:pPr algn="ctr"/>
+                      <a:r>
+                        <a:rPr lang="en-US" b="0" dirty="0" smtClean="0">
+                          <a:solidFill>
+                            <a:schemeClr val="bg1"/>
+                          </a:solidFill>
+                        </a:rPr>
+                        <a:t>Ant 2</a:t>
+                      </a:r>
+                    </a:p>
+                  </a:txBody>
+                  <a:tcPr>
+                    <a:lnL w="12700" cap="flat" cmpd="sng" algn="ctr">
+                      <a:solidFill>
+                        <a:schemeClr val="tx1"/>
+                      </a:solidFill>
+                      <a:prstDash val="solid"/>
+                      <a:round/>
+                      <a:headEnd type="none" w="med" len="med"/>
+                      <a:tailEnd type="none" w="med" len="med"/>
+                    </a:lnL>
+                    <a:lnR w="12700" cap="flat" cmpd="sng" algn="ctr">
+                      <a:solidFill>
+                        <a:schemeClr val="tx1"/>
+                      </a:solidFill>
+                      <a:prstDash val="solid"/>
+                      <a:round/>
+                      <a:headEnd type="none" w="med" len="med"/>
+                      <a:tailEnd type="none" w="med" len="med"/>
+                    </a:lnR>
+                    <a:lnT w="12700" cap="flat" cmpd="sng" algn="ctr">
+                      <a:solidFill>
+                        <a:schemeClr val="tx1"/>
+                      </a:solidFill>
+                      <a:prstDash val="solid"/>
+                      <a:round/>
+                      <a:headEnd type="none" w="med" len="med"/>
+                      <a:tailEnd type="none" w="med" len="med"/>
+                    </a:lnT>
+                    <a:lnB w="12700" cap="flat" cmpd="sng" algn="ctr">
+                      <a:solidFill>
+                        <a:schemeClr val="tx1"/>
+                      </a:solidFill>
+                      <a:prstDash val="solid"/>
+                      <a:round/>
+                      <a:headEnd type="none" w="med" len="med"/>
+                      <a:tailEnd type="none" w="med" len="med"/>
+                    </a:lnB>
+                    <a:lnTlToBr w="12700" cmpd="sng">
+                      <a:noFill/>
+                      <a:prstDash val="solid"/>
+                    </a:lnTlToBr>
+                    <a:lnBlToTr w="12700" cmpd="sng">
+                      <a:noFill/>
+                      <a:prstDash val="solid"/>
+                    </a:lnBlToTr>
+                    <a:solidFill>
+                      <a:schemeClr val="tx1">
+                        <a:lumMod val="50000"/>
+                      </a:schemeClr>
+                    </a:solidFill>
+                  </a:tcPr>
+                </a:tc>
+                <a:tc hMerge="1">
+                  <a:txBody>
+                    <a:bodyPr/>
+                    <a:lstStyle/>
+                    <a:p>
+                      <a:endParaRPr lang="en-US" dirty="0"/>
+                    </a:p>
+                  </a:txBody>
+                  <a:tcPr>
+                    <a:lnL w="12700" cap="flat" cmpd="sng" algn="ctr">
+                      <a:solidFill>
+                        <a:schemeClr val="tx1"/>
+                      </a:solidFill>
+                      <a:prstDash val="solid"/>
+                      <a:round/>
+                      <a:headEnd type="none" w="med" len="med"/>
+                      <a:tailEnd type="none" w="med" len="med"/>
+                    </a:lnL>
+                    <a:lnR w="12700" cap="flat" cmpd="sng" algn="ctr">
+                      <a:solidFill>
+                        <a:schemeClr val="tx1"/>
+                      </a:solidFill>
+                      <a:prstDash val="solid"/>
+                      <a:round/>
+                      <a:headEnd type="none" w="med" len="med"/>
+                      <a:tailEnd type="none" w="med" len="med"/>
+                    </a:lnR>
+                    <a:lnT w="12700" cap="flat" cmpd="sng" algn="ctr">
+                      <a:solidFill>
+                        <a:schemeClr val="tx1"/>
+                      </a:solidFill>
+                      <a:prstDash val="solid"/>
+                      <a:round/>
+                      <a:headEnd type="none" w="med" len="med"/>
+                      <a:tailEnd type="none" w="med" len="med"/>
+                    </a:lnT>
+                    <a:lnB w="12700" cap="flat" cmpd="sng" algn="ctr">
+                      <a:solidFill>
+                        <a:schemeClr val="tx1"/>
+                      </a:solidFill>
+                      <a:prstDash val="solid"/>
+                      <a:round/>
+                      <a:headEnd type="none" w="med" len="med"/>
+                      <a:tailEnd type="none" w="med" len="med"/>
+                    </a:lnB>
+                    <a:lnTlToBr w="12700" cmpd="sng">
+                      <a:noFill/>
+                      <a:prstDash val="solid"/>
+                    </a:lnTlToBr>
+                    <a:lnBlToTr w="12700" cmpd="sng">
+                      <a:noFill/>
+                      <a:prstDash val="solid"/>
+                    </a:lnBlToTr>
+                    <a:solidFill>
+                      <a:schemeClr val="tx1">
+                        <a:lumMod val="50000"/>
+                      </a:schemeClr>
+                    </a:solidFill>
+                  </a:tcPr>
+                </a:tc>
+                <a:tc hMerge="1">
+                  <a:txBody>
+                    <a:bodyPr/>
+                    <a:lstStyle/>
+                    <a:p>
+                      <a:endParaRPr lang="en-US" dirty="0"/>
+                    </a:p>
+                  </a:txBody>
+                  <a:tcPr>
+                    <a:lnL w="12700" cap="flat" cmpd="sng" algn="ctr">
+                      <a:solidFill>
+                        <a:schemeClr val="tx1"/>
+                      </a:solidFill>
+                      <a:prstDash val="solid"/>
+                      <a:round/>
+                      <a:headEnd type="none" w="med" len="med"/>
+                      <a:tailEnd type="none" w="med" len="med"/>
+                    </a:lnL>
+                    <a:lnR w="12700" cap="flat" cmpd="sng" algn="ctr">
+                      <a:solidFill>
+                        <a:schemeClr val="tx1"/>
+                      </a:solidFill>
+                      <a:prstDash val="solid"/>
+                      <a:round/>
+                      <a:headEnd type="none" w="med" len="med"/>
+                      <a:tailEnd type="none" w="med" len="med"/>
+                    </a:lnR>
+                    <a:lnT w="12700" cap="flat" cmpd="sng" algn="ctr">
+                      <a:solidFill>
+                        <a:schemeClr val="tx1"/>
+                      </a:solidFill>
+                      <a:prstDash val="solid"/>
+                      <a:round/>
+                      <a:headEnd type="none" w="med" len="med"/>
+                      <a:tailEnd type="none" w="med" len="med"/>
+                    </a:lnT>
+                    <a:lnB w="12700" cap="flat" cmpd="sng" algn="ctr">
+                      <a:solidFill>
+                        <a:schemeClr val="tx1"/>
+                      </a:solidFill>
+                      <a:prstDash val="solid"/>
+                      <a:round/>
+                      <a:headEnd type="none" w="med" len="med"/>
+                      <a:tailEnd type="none" w="med" len="med"/>
+                    </a:lnB>
+                    <a:lnTlToBr w="12700" cmpd="sng">
+                      <a:noFill/>
+                      <a:prstDash val="solid"/>
+                    </a:lnTlToBr>
+                    <a:lnBlToTr w="12700" cmpd="sng">
+                      <a:noFill/>
+                      <a:prstDash val="solid"/>
+                    </a:lnBlToTr>
+                    <a:solidFill>
+                      <a:schemeClr val="tx1">
+                        <a:lumMod val="50000"/>
+                      </a:schemeClr>
+                    </a:solidFill>
+                  </a:tcPr>
+                </a:tc>
+                <a:tc gridSpan="3">
+                  <a:txBody>
+                    <a:bodyPr/>
+                    <a:lstStyle/>
+                    <a:p>
+                      <a:pPr algn="ctr"/>
+                      <a:r>
+                        <a:rPr lang="en-US" b="0" dirty="0" smtClean="0">
+                          <a:solidFill>
+                            <a:schemeClr val="bg1"/>
+                          </a:solidFill>
+                        </a:rPr>
+                        <a:t>Ant ...n</a:t>
+                      </a:r>
+                    </a:p>
+                  </a:txBody>
+                  <a:tcPr>
+                    <a:lnL w="12700" cap="flat" cmpd="sng" algn="ctr">
+                      <a:solidFill>
+                        <a:schemeClr val="tx1"/>
+                      </a:solidFill>
+                      <a:prstDash val="solid"/>
+                      <a:round/>
+                      <a:headEnd type="none" w="med" len="med"/>
+                      <a:tailEnd type="none" w="med" len="med"/>
+                    </a:lnL>
+                    <a:lnR w="12700" cap="flat" cmpd="sng" algn="ctr">
+                      <a:solidFill>
+                        <a:schemeClr val="tx1"/>
+                      </a:solidFill>
+                      <a:prstDash val="solid"/>
+                      <a:round/>
+                      <a:headEnd type="none" w="med" len="med"/>
+                      <a:tailEnd type="none" w="med" len="med"/>
+                    </a:lnR>
+                    <a:lnT w="12700" cap="flat" cmpd="sng" algn="ctr">
+                      <a:solidFill>
+                        <a:schemeClr val="tx1"/>
+                      </a:solidFill>
+                      <a:prstDash val="solid"/>
+                      <a:round/>
+                      <a:headEnd type="none" w="med" len="med"/>
+                      <a:tailEnd type="none" w="med" len="med"/>
+                    </a:lnT>
+                    <a:lnB w="12700" cap="flat" cmpd="sng" algn="ctr">
+                      <a:solidFill>
+                        <a:schemeClr val="tx1"/>
+                      </a:solidFill>
+                      <a:prstDash val="solid"/>
+                      <a:round/>
+                      <a:headEnd type="none" w="med" len="med"/>
+                      <a:tailEnd type="none" w="med" len="med"/>
+                    </a:lnB>
+                    <a:lnTlToBr w="12700" cmpd="sng">
+                      <a:noFill/>
+                      <a:prstDash val="solid"/>
+                    </a:lnTlToBr>
+                    <a:lnBlToTr w="12700" cmpd="sng">
+                      <a:noFill/>
+                      <a:prstDash val="solid"/>
+                    </a:lnBlToTr>
+                    <a:solidFill>
+                      <a:schemeClr val="tx1">
+                        <a:lumMod val="50000"/>
+                      </a:schemeClr>
+                    </a:solidFill>
+                  </a:tcPr>
+                </a:tc>
+                <a:tc hMerge="1">
+                  <a:txBody>
+                    <a:bodyPr/>
+                    <a:lstStyle/>
+                    <a:p>
+                      <a:endParaRPr lang="en-US" dirty="0"/>
+                    </a:p>
+                  </a:txBody>
+                  <a:tcPr>
+                    <a:lnL w="12700" cap="flat" cmpd="sng" algn="ctr">
+                      <a:solidFill>
+                        <a:schemeClr val="tx1"/>
+                      </a:solidFill>
+                      <a:prstDash val="solid"/>
+                      <a:round/>
+                      <a:headEnd type="none" w="med" len="med"/>
+                      <a:tailEnd type="none" w="med" len="med"/>
+                    </a:lnL>
+                    <a:lnR w="12700" cap="flat" cmpd="sng" algn="ctr">
+                      <a:solidFill>
+                        <a:schemeClr val="tx1"/>
+                      </a:solidFill>
+                      <a:prstDash val="solid"/>
+                      <a:round/>
+                      <a:headEnd type="none" w="med" len="med"/>
+                      <a:tailEnd type="none" w="med" len="med"/>
+                    </a:lnR>
+                    <a:lnT w="12700" cap="flat" cmpd="sng" algn="ctr">
+                      <a:solidFill>
+                        <a:schemeClr val="tx1"/>
+                      </a:solidFill>
+                      <a:prstDash val="solid"/>
+                      <a:round/>
+                      <a:headEnd type="none" w="med" len="med"/>
+                      <a:tailEnd type="none" w="med" len="med"/>
+                    </a:lnT>
+                    <a:lnB w="12700" cap="flat" cmpd="sng" algn="ctr">
+                      <a:solidFill>
+                        <a:schemeClr val="tx1"/>
+                      </a:solidFill>
+                      <a:prstDash val="solid"/>
+                      <a:round/>
+                      <a:headEnd type="none" w="med" len="med"/>
+                      <a:tailEnd type="none" w="med" len="med"/>
+                    </a:lnB>
+                    <a:lnTlToBr w="12700" cmpd="sng">
+                      <a:noFill/>
+                      <a:prstDash val="solid"/>
+                    </a:lnTlToBr>
+                    <a:lnBlToTr w="12700" cmpd="sng">
+                      <a:noFill/>
+                      <a:prstDash val="solid"/>
+                    </a:lnBlToTr>
+                    <a:solidFill>
+                      <a:schemeClr val="tx1">
+                        <a:lumMod val="50000"/>
+                      </a:schemeClr>
+                    </a:solidFill>
+                  </a:tcPr>
+                </a:tc>
+                <a:tc hMerge="1">
+                  <a:txBody>
+                    <a:bodyPr/>
+                    <a:lstStyle/>
+                    <a:p>
+                      <a:endParaRPr lang="en-US" dirty="0"/>
+                    </a:p>
+                  </a:txBody>
+                  <a:tcPr>
+                    <a:lnL w="12700" cap="flat" cmpd="sng" algn="ctr">
+                      <a:solidFill>
+                        <a:schemeClr val="tx1"/>
+                      </a:solidFill>
+                      <a:prstDash val="solid"/>
+                      <a:round/>
+                      <a:headEnd type="none" w="med" len="med"/>
+                      <a:tailEnd type="none" w="med" len="med"/>
+                    </a:lnL>
+                    <a:lnR w="12700" cap="flat" cmpd="sng" algn="ctr">
+                      <a:solidFill>
+                        <a:schemeClr val="tx1"/>
+                      </a:solidFill>
+                      <a:prstDash val="solid"/>
+                      <a:round/>
+                      <a:headEnd type="none" w="med" len="med"/>
+                      <a:tailEnd type="none" w="med" len="med"/>
+                    </a:lnR>
+                    <a:lnT w="12700" cap="flat" cmpd="sng" algn="ctr">
+                      <a:solidFill>
+                        <a:schemeClr val="tx1"/>
+                      </a:solidFill>
+                      <a:prstDash val="solid"/>
+                      <a:round/>
+                      <a:headEnd type="none" w="med" len="med"/>
+                      <a:tailEnd type="none" w="med" len="med"/>
+                    </a:lnT>
+                    <a:lnB w="12700" cap="flat" cmpd="sng" algn="ctr">
+                      <a:solidFill>
+                        <a:schemeClr val="tx1"/>
+                      </a:solidFill>
+                      <a:prstDash val="solid"/>
+                      <a:round/>
+                      <a:headEnd type="none" w="med" len="med"/>
+                      <a:tailEnd type="none" w="med" len="med"/>
+                    </a:lnB>
+                    <a:lnTlToBr w="12700" cmpd="sng">
+                      <a:noFill/>
+                      <a:prstDash val="solid"/>
+                    </a:lnTlToBr>
+                    <a:lnBlToTr w="12700" cmpd="sng">
+                      <a:noFill/>
+                      <a:prstDash val="solid"/>
+                    </a:lnBlToTr>
+                    <a:solidFill>
+                      <a:schemeClr val="tx1">
+                        <a:lumMod val="50000"/>
+                      </a:schemeClr>
+                    </a:solidFill>
+                  </a:tcPr>
+                </a:tc>
+              </a:tr>
+              <a:tr h="370840">
+                <a:tc>
+                  <a:txBody>
+                    <a:bodyPr/>
+                    <a:lstStyle/>
+                    <a:p>
+                      <a:pPr marL="0" algn="l" defTabSz="914400" rtl="0" eaLnBrk="1" latinLnBrk="0" hangingPunct="1"/>
+                      <a:r>
+                        <a:rPr lang="en-US" sz="1800" kern="1200" dirty="0" smtClean="0">
+                          <a:solidFill>
+                            <a:schemeClr val="dk1"/>
+                          </a:solidFill>
+                          <a:latin typeface="+mn-lt"/>
+                          <a:ea typeface="+mn-ea"/>
+                          <a:cs typeface="+mn-cs"/>
+                        </a:rPr>
+                        <a:t>Position</a:t>
+                      </a:r>
+                      <a:endParaRPr lang="en-US" sz="1800" kern="1200" dirty="0">
+                        <a:solidFill>
+                          <a:schemeClr val="dk1"/>
+                        </a:solidFill>
+                        <a:latin typeface="+mn-lt"/>
+                        <a:ea typeface="+mn-ea"/>
+                        <a:cs typeface="+mn-cs"/>
+                      </a:endParaRPr>
+                    </a:p>
+                  </a:txBody>
+                  <a:tcPr>
+                    <a:lnL w="12700" cap="flat" cmpd="sng" algn="ctr">
+                      <a:solidFill>
+                        <a:schemeClr val="tx1"/>
+                      </a:solidFill>
+                      <a:prstDash val="solid"/>
+                      <a:round/>
+                      <a:headEnd type="none" w="med" len="med"/>
+                      <a:tailEnd type="none" w="med" len="med"/>
+                    </a:lnL>
+                    <a:lnR w="12700" cap="flat" cmpd="sng" algn="ctr">
+                      <a:solidFill>
+                        <a:schemeClr val="tx1"/>
+                      </a:solidFill>
+                      <a:prstDash val="solid"/>
+                      <a:round/>
+                      <a:headEnd type="none" w="med" len="med"/>
+                      <a:tailEnd type="none" w="med" len="med"/>
+                    </a:lnR>
+                    <a:lnT w="12700" cap="flat" cmpd="sng" algn="ctr">
+                      <a:solidFill>
+                        <a:schemeClr val="tx1"/>
+                      </a:solidFill>
+                      <a:prstDash val="solid"/>
+                      <a:round/>
+                      <a:headEnd type="none" w="med" len="med"/>
+                      <a:tailEnd type="none" w="med" len="med"/>
+                    </a:lnT>
+                    <a:lnB w="12700" cap="flat" cmpd="sng" algn="ctr">
+                      <a:solidFill>
+                        <a:schemeClr val="tx1"/>
+                      </a:solidFill>
+                      <a:prstDash val="solid"/>
+                      <a:round/>
+                      <a:headEnd type="none" w="med" len="med"/>
+                      <a:tailEnd type="none" w="med" len="med"/>
+                    </a:lnB>
+                    <a:lnTlToBr w="12700" cmpd="sng">
+                      <a:noFill/>
+                      <a:prstDash val="solid"/>
+                    </a:lnTlToBr>
+                    <a:lnBlToTr w="12700" cmpd="sng">
+                      <a:noFill/>
+                      <a:prstDash val="solid"/>
+                    </a:lnBlToTr>
+                    <a:solidFill>
+                      <a:schemeClr val="bg2">
+                        <a:lumMod val="60000"/>
+                        <a:lumOff val="40000"/>
+                      </a:schemeClr>
+                    </a:solidFill>
+                  </a:tcPr>
+                </a:tc>
+                <a:tc>
+                  <a:txBody>
+                    <a:bodyPr/>
+                    <a:lstStyle/>
+                    <a:p>
+                      <a:pPr marL="0" algn="l" defTabSz="914400" rtl="0" eaLnBrk="1" latinLnBrk="0" hangingPunct="1"/>
+                      <a:r>
+                        <a:rPr lang="en-US" sz="1800" kern="1200" dirty="0" smtClean="0">
+                          <a:solidFill>
+                            <a:schemeClr val="dk1"/>
+                          </a:solidFill>
+                          <a:latin typeface="+mn-lt"/>
+                          <a:ea typeface="+mn-ea"/>
+                          <a:cs typeface="+mn-cs"/>
+                        </a:rPr>
+                        <a:t>Step</a:t>
+                      </a:r>
+                      <a:endParaRPr lang="en-US" sz="1800" kern="1200" dirty="0">
+                        <a:solidFill>
+                          <a:schemeClr val="dk1"/>
+                        </a:solidFill>
+                        <a:latin typeface="+mn-lt"/>
+                        <a:ea typeface="+mn-ea"/>
+                        <a:cs typeface="+mn-cs"/>
+                      </a:endParaRPr>
+                    </a:p>
+                  </a:txBody>
+                  <a:tcPr>
+                    <a:lnL w="12700" cap="flat" cmpd="sng" algn="ctr">
+                      <a:solidFill>
+                        <a:schemeClr val="tx1"/>
+                      </a:solidFill>
+                      <a:prstDash val="solid"/>
+                      <a:round/>
+                      <a:headEnd type="none" w="med" len="med"/>
+                      <a:tailEnd type="none" w="med" len="med"/>
+                    </a:lnL>
+                    <a:lnR w="12700" cap="flat" cmpd="sng" algn="ctr">
+                      <a:solidFill>
+                        <a:schemeClr val="tx1"/>
+                      </a:solidFill>
+                      <a:prstDash val="solid"/>
+                      <a:round/>
+                      <a:headEnd type="none" w="med" len="med"/>
+                      <a:tailEnd type="none" w="med" len="med"/>
+                    </a:lnR>
+                    <a:lnT w="12700" cap="flat" cmpd="sng" algn="ctr">
+                      <a:solidFill>
+                        <a:schemeClr val="tx1"/>
+                      </a:solidFill>
+                      <a:prstDash val="solid"/>
+                      <a:round/>
+                      <a:headEnd type="none" w="med" len="med"/>
+                      <a:tailEnd type="none" w="med" len="med"/>
+                    </a:lnT>
+                    <a:lnB w="12700" cap="flat" cmpd="sng" algn="ctr">
+                      <a:solidFill>
+                        <a:schemeClr val="tx1"/>
+                      </a:solidFill>
+                      <a:prstDash val="solid"/>
+                      <a:round/>
+                      <a:headEnd type="none" w="med" len="med"/>
+                      <a:tailEnd type="none" w="med" len="med"/>
+                    </a:lnB>
+                    <a:lnTlToBr w="12700" cmpd="sng">
+                      <a:noFill/>
+                      <a:prstDash val="solid"/>
+                    </a:lnTlToBr>
+                    <a:lnBlToTr w="12700" cmpd="sng">
+                      <a:noFill/>
+                      <a:prstDash val="solid"/>
+                    </a:lnBlToTr>
+                    <a:solidFill>
+                      <a:schemeClr val="accent2">
+                        <a:lumMod val="60000"/>
+                        <a:lumOff val="40000"/>
+                      </a:schemeClr>
+                    </a:solidFill>
+                  </a:tcPr>
+                </a:tc>
+                <a:tc>
+                  <a:txBody>
+                    <a:bodyPr/>
+                    <a:lstStyle/>
+                    <a:p>
+                      <a:pPr marL="0" algn="l" defTabSz="914400" rtl="0" eaLnBrk="1" latinLnBrk="0" hangingPunct="1"/>
+                      <a:r>
+                        <a:rPr lang="en-US" sz="1800" kern="1200" dirty="0" smtClean="0">
+                          <a:solidFill>
+                            <a:schemeClr val="dk1"/>
+                          </a:solidFill>
+                          <a:latin typeface="+mn-lt"/>
+                          <a:ea typeface="+mn-ea"/>
+                          <a:cs typeface="+mn-cs"/>
+                        </a:rPr>
+                        <a:t>StepCount</a:t>
+                      </a:r>
+                      <a:endParaRPr lang="en-US" sz="1800" kern="1200" dirty="0">
+                        <a:solidFill>
+                          <a:schemeClr val="dk1"/>
+                        </a:solidFill>
+                        <a:latin typeface="+mn-lt"/>
+                        <a:ea typeface="+mn-ea"/>
+                        <a:cs typeface="+mn-cs"/>
+                      </a:endParaRPr>
+                    </a:p>
+                  </a:txBody>
+                  <a:tcPr>
+                    <a:lnL w="12700" cap="flat" cmpd="sng" algn="ctr">
+                      <a:solidFill>
+                        <a:schemeClr val="tx1"/>
+                      </a:solidFill>
+                      <a:prstDash val="solid"/>
+                      <a:round/>
+                      <a:headEnd type="none" w="med" len="med"/>
+                      <a:tailEnd type="none" w="med" len="med"/>
+                    </a:lnL>
+                    <a:lnR w="12700" cap="flat" cmpd="sng" algn="ctr">
+                      <a:solidFill>
+                        <a:schemeClr val="tx1"/>
+                      </a:solidFill>
+                      <a:prstDash val="solid"/>
+                      <a:round/>
+                      <a:headEnd type="none" w="med" len="med"/>
+                      <a:tailEnd type="none" w="med" len="med"/>
+                    </a:lnR>
+                    <a:lnT w="12700" cap="flat" cmpd="sng" algn="ctr">
+                      <a:solidFill>
+                        <a:schemeClr val="tx1"/>
+                      </a:solidFill>
+                      <a:prstDash val="solid"/>
+                      <a:round/>
+                      <a:headEnd type="none" w="med" len="med"/>
+                      <a:tailEnd type="none" w="med" len="med"/>
+                    </a:lnT>
+                    <a:lnB w="12700" cap="flat" cmpd="sng" algn="ctr">
+                      <a:solidFill>
+                        <a:schemeClr val="tx1"/>
+                      </a:solidFill>
+                      <a:prstDash val="solid"/>
+                      <a:round/>
+                      <a:headEnd type="none" w="med" len="med"/>
+                      <a:tailEnd type="none" w="med" len="med"/>
+                    </a:lnB>
+                    <a:lnTlToBr w="12700" cmpd="sng">
+                      <a:noFill/>
+                      <a:prstDash val="solid"/>
+                    </a:lnTlToBr>
+                    <a:lnBlToTr w="12700" cmpd="sng">
+                      <a:noFill/>
+                      <a:prstDash val="solid"/>
+                    </a:lnBlToTr>
+                    <a:solidFill>
+                      <a:schemeClr val="accent4">
+                        <a:lumMod val="60000"/>
+                        <a:lumOff val="40000"/>
+                      </a:schemeClr>
+                    </a:solidFill>
+                  </a:tcPr>
+                </a:tc>
+                <a:tc>
+                  <a:txBody>
+                    <a:bodyPr/>
+                    <a:lstStyle/>
+                    <a:p>
+                      <a:pPr marL="0" algn="l" defTabSz="914400" rtl="0" eaLnBrk="1" latinLnBrk="0" hangingPunct="1"/>
+                      <a:r>
+                        <a:rPr lang="en-US" sz="1800" kern="1200" dirty="0" smtClean="0">
+                          <a:solidFill>
+                            <a:schemeClr val="dk1"/>
+                          </a:solidFill>
+                          <a:latin typeface="+mn-lt"/>
+                          <a:ea typeface="+mn-ea"/>
+                          <a:cs typeface="+mn-cs"/>
+                        </a:rPr>
+                        <a:t>Position</a:t>
+                      </a:r>
+                      <a:endParaRPr lang="en-US" sz="1800" kern="1200" dirty="0">
+                        <a:solidFill>
+                          <a:schemeClr val="dk1"/>
+                        </a:solidFill>
+                        <a:latin typeface="+mn-lt"/>
+                        <a:ea typeface="+mn-ea"/>
+                        <a:cs typeface="+mn-cs"/>
+                      </a:endParaRPr>
+                    </a:p>
+                  </a:txBody>
+                  <a:tcPr>
+                    <a:lnL w="12700" cap="flat" cmpd="sng" algn="ctr">
+                      <a:solidFill>
+                        <a:schemeClr val="tx1"/>
+                      </a:solidFill>
+                      <a:prstDash val="solid"/>
+                      <a:round/>
+                      <a:headEnd type="none" w="med" len="med"/>
+                      <a:tailEnd type="none" w="med" len="med"/>
+                    </a:lnL>
+                    <a:lnR w="12700" cap="flat" cmpd="sng" algn="ctr">
+                      <a:solidFill>
+                        <a:schemeClr val="tx1"/>
+                      </a:solidFill>
+                      <a:prstDash val="solid"/>
+                      <a:round/>
+                      <a:headEnd type="none" w="med" len="med"/>
+                      <a:tailEnd type="none" w="med" len="med"/>
+                    </a:lnR>
+                    <a:lnT w="12700" cap="flat" cmpd="sng" algn="ctr">
+                      <a:solidFill>
+                        <a:schemeClr val="tx1"/>
+                      </a:solidFill>
+                      <a:prstDash val="solid"/>
+                      <a:round/>
+                      <a:headEnd type="none" w="med" len="med"/>
+                      <a:tailEnd type="none" w="med" len="med"/>
+                    </a:lnT>
+                    <a:lnB w="12700" cap="flat" cmpd="sng" algn="ctr">
+                      <a:solidFill>
+                        <a:schemeClr val="tx1"/>
+                      </a:solidFill>
+                      <a:prstDash val="solid"/>
+                      <a:round/>
+                      <a:headEnd type="none" w="med" len="med"/>
+                      <a:tailEnd type="none" w="med" len="med"/>
+                    </a:lnB>
+                    <a:lnTlToBr w="12700" cmpd="sng">
+                      <a:noFill/>
+                      <a:prstDash val="solid"/>
+                    </a:lnTlToBr>
+                    <a:lnBlToTr w="12700" cmpd="sng">
+                      <a:noFill/>
+                      <a:prstDash val="solid"/>
+                    </a:lnBlToTr>
+                    <a:solidFill>
+                      <a:schemeClr val="bg2">
+                        <a:lumMod val="60000"/>
+                        <a:lumOff val="40000"/>
+                      </a:schemeClr>
+                    </a:solidFill>
+                  </a:tcPr>
+                </a:tc>
+                <a:tc>
+                  <a:txBody>
+                    <a:bodyPr/>
+                    <a:lstStyle/>
+                    <a:p>
+                      <a:pPr marL="0" algn="l" defTabSz="914400" rtl="0" eaLnBrk="1" latinLnBrk="0" hangingPunct="1"/>
+                      <a:r>
+                        <a:rPr lang="en-US" sz="1800" kern="1200" dirty="0" smtClean="0">
+                          <a:solidFill>
+                            <a:schemeClr val="dk1"/>
+                          </a:solidFill>
+                          <a:latin typeface="+mn-lt"/>
+                          <a:ea typeface="+mn-ea"/>
+                          <a:cs typeface="+mn-cs"/>
+                        </a:rPr>
+                        <a:t>Step</a:t>
+                      </a:r>
+                      <a:endParaRPr lang="en-US" sz="1800" kern="1200" dirty="0">
+                        <a:solidFill>
+                          <a:schemeClr val="dk1"/>
+                        </a:solidFill>
+                        <a:latin typeface="+mn-lt"/>
+                        <a:ea typeface="+mn-ea"/>
+                        <a:cs typeface="+mn-cs"/>
+                      </a:endParaRPr>
+                    </a:p>
+                  </a:txBody>
+                  <a:tcPr>
+                    <a:lnL w="12700" cap="flat" cmpd="sng" algn="ctr">
+                      <a:solidFill>
+                        <a:schemeClr val="tx1"/>
+                      </a:solidFill>
+                      <a:prstDash val="solid"/>
+                      <a:round/>
+                      <a:headEnd type="none" w="med" len="med"/>
+                      <a:tailEnd type="none" w="med" len="med"/>
+                    </a:lnL>
+                    <a:lnR w="12700" cap="flat" cmpd="sng" algn="ctr">
+                      <a:solidFill>
+                        <a:schemeClr val="tx1"/>
+                      </a:solidFill>
+                      <a:prstDash val="solid"/>
+                      <a:round/>
+                      <a:headEnd type="none" w="med" len="med"/>
+                      <a:tailEnd type="none" w="med" len="med"/>
+                    </a:lnR>
+                    <a:lnT w="12700" cap="flat" cmpd="sng" algn="ctr">
+                      <a:solidFill>
+                        <a:schemeClr val="tx1"/>
+                      </a:solidFill>
+                      <a:prstDash val="solid"/>
+                      <a:round/>
+                      <a:headEnd type="none" w="med" len="med"/>
+                      <a:tailEnd type="none" w="med" len="med"/>
+                    </a:lnT>
+                    <a:lnB w="12700" cap="flat" cmpd="sng" algn="ctr">
+                      <a:solidFill>
+                        <a:schemeClr val="tx1"/>
+                      </a:solidFill>
+                      <a:prstDash val="solid"/>
+                      <a:round/>
+                      <a:headEnd type="none" w="med" len="med"/>
+                      <a:tailEnd type="none" w="med" len="med"/>
+                    </a:lnB>
+                    <a:lnTlToBr w="12700" cmpd="sng">
+                      <a:noFill/>
+                      <a:prstDash val="solid"/>
+                    </a:lnTlToBr>
+                    <a:lnBlToTr w="12700" cmpd="sng">
+                      <a:noFill/>
+                      <a:prstDash val="solid"/>
+                    </a:lnBlToTr>
+                    <a:solidFill>
+                      <a:schemeClr val="accent2">
+                        <a:lumMod val="60000"/>
+                        <a:lumOff val="40000"/>
+                      </a:schemeClr>
+                    </a:solidFill>
+                  </a:tcPr>
+                </a:tc>
+                <a:tc>
+                  <a:txBody>
+                    <a:bodyPr/>
+                    <a:lstStyle/>
+                    <a:p>
+                      <a:pPr marL="0" algn="l" defTabSz="914400" rtl="0" eaLnBrk="1" latinLnBrk="0" hangingPunct="1"/>
+                      <a:r>
+                        <a:rPr lang="en-US" sz="1800" kern="1200" dirty="0" smtClean="0">
+                          <a:solidFill>
+                            <a:schemeClr val="dk1"/>
+                          </a:solidFill>
+                          <a:latin typeface="+mn-lt"/>
+                          <a:ea typeface="+mn-ea"/>
+                          <a:cs typeface="+mn-cs"/>
+                        </a:rPr>
+                        <a:t>StepCount</a:t>
+                      </a:r>
+                      <a:endParaRPr lang="en-US" sz="1800" kern="1200" dirty="0">
+                        <a:solidFill>
+                          <a:schemeClr val="dk1"/>
+                        </a:solidFill>
+                        <a:latin typeface="+mn-lt"/>
+                        <a:ea typeface="+mn-ea"/>
+                        <a:cs typeface="+mn-cs"/>
+                      </a:endParaRPr>
+                    </a:p>
+                  </a:txBody>
+                  <a:tcPr>
+                    <a:lnL w="12700" cap="flat" cmpd="sng" algn="ctr">
+                      <a:solidFill>
+                        <a:schemeClr val="tx1"/>
+                      </a:solidFill>
+                      <a:prstDash val="solid"/>
+                      <a:round/>
+                      <a:headEnd type="none" w="med" len="med"/>
+                      <a:tailEnd type="none" w="med" len="med"/>
+                    </a:lnL>
+                    <a:lnR w="12700" cap="flat" cmpd="sng" algn="ctr">
+                      <a:solidFill>
+                        <a:schemeClr val="tx1"/>
+                      </a:solidFill>
+                      <a:prstDash val="solid"/>
+                      <a:round/>
+                      <a:headEnd type="none" w="med" len="med"/>
+                      <a:tailEnd type="none" w="med" len="med"/>
+                    </a:lnR>
+                    <a:lnT w="12700" cap="flat" cmpd="sng" algn="ctr">
+                      <a:solidFill>
+                        <a:schemeClr val="tx1"/>
+                      </a:solidFill>
+                      <a:prstDash val="solid"/>
+                      <a:round/>
+                      <a:headEnd type="none" w="med" len="med"/>
+                      <a:tailEnd type="none" w="med" len="med"/>
+                    </a:lnT>
+                    <a:lnB w="12700" cap="flat" cmpd="sng" algn="ctr">
+                      <a:solidFill>
+                        <a:schemeClr val="tx1"/>
+                      </a:solidFill>
+                      <a:prstDash val="solid"/>
+                      <a:round/>
+                      <a:headEnd type="none" w="med" len="med"/>
+                      <a:tailEnd type="none" w="med" len="med"/>
+                    </a:lnB>
+                    <a:lnTlToBr w="12700" cmpd="sng">
+                      <a:noFill/>
+                      <a:prstDash val="solid"/>
+                    </a:lnTlToBr>
+                    <a:lnBlToTr w="12700" cmpd="sng">
+                      <a:noFill/>
+                      <a:prstDash val="solid"/>
+                    </a:lnBlToTr>
+                    <a:solidFill>
+                      <a:schemeClr val="accent4">
+                        <a:lumMod val="60000"/>
+                        <a:lumOff val="40000"/>
+                      </a:schemeClr>
+                    </a:solidFill>
+                  </a:tcPr>
+                </a:tc>
+                <a:tc>
+                  <a:txBody>
+                    <a:bodyPr/>
+                    <a:lstStyle/>
+                    <a:p>
+                      <a:r>
+                        <a:rPr lang="en-US" dirty="0" smtClean="0"/>
+                        <a:t>Position</a:t>
+                      </a:r>
+                      <a:endParaRPr lang="en-US" dirty="0"/>
+                    </a:p>
+                  </a:txBody>
+                  <a:tcPr>
+                    <a:lnL w="12700" cap="flat" cmpd="sng" algn="ctr">
+                      <a:solidFill>
+                        <a:schemeClr val="tx1"/>
+                      </a:solidFill>
+                      <a:prstDash val="solid"/>
+                      <a:round/>
+                      <a:headEnd type="none" w="med" len="med"/>
+                      <a:tailEnd type="none" w="med" len="med"/>
+                    </a:lnL>
+                    <a:lnR w="12700" cap="flat" cmpd="sng" algn="ctr">
+                      <a:solidFill>
+                        <a:schemeClr val="tx1"/>
+                      </a:solidFill>
+                      <a:prstDash val="solid"/>
+                      <a:round/>
+                      <a:headEnd type="none" w="med" len="med"/>
+                      <a:tailEnd type="none" w="med" len="med"/>
+                    </a:lnR>
+                    <a:lnT w="12700" cap="flat" cmpd="sng" algn="ctr">
+                      <a:solidFill>
+                        <a:schemeClr val="tx1"/>
+                      </a:solidFill>
+                      <a:prstDash val="solid"/>
+                      <a:round/>
+                      <a:headEnd type="none" w="med" len="med"/>
+                      <a:tailEnd type="none" w="med" len="med"/>
+                    </a:lnT>
+                    <a:lnB w="12700" cap="flat" cmpd="sng" algn="ctr">
+                      <a:solidFill>
+                        <a:schemeClr val="tx1"/>
+                      </a:solidFill>
+                      <a:prstDash val="solid"/>
+                      <a:round/>
+                      <a:headEnd type="none" w="med" len="med"/>
+                      <a:tailEnd type="none" w="med" len="med"/>
+                    </a:lnB>
+                    <a:lnTlToBr w="12700" cmpd="sng">
+                      <a:noFill/>
+                      <a:prstDash val="solid"/>
+                    </a:lnTlToBr>
+                    <a:lnBlToTr w="12700" cmpd="sng">
+                      <a:noFill/>
+                      <a:prstDash val="solid"/>
+                    </a:lnBlToTr>
+                    <a:solidFill>
+                      <a:schemeClr val="bg2">
+                        <a:lumMod val="60000"/>
+                        <a:lumOff val="40000"/>
+                      </a:schemeClr>
+                    </a:solidFill>
+                  </a:tcPr>
+                </a:tc>
+                <a:tc>
+                  <a:txBody>
+                    <a:bodyPr/>
+                    <a:lstStyle/>
+                    <a:p>
+                      <a:r>
+                        <a:rPr lang="en-US" sz="1800" kern="1200" dirty="0" smtClean="0">
+                          <a:solidFill>
+                            <a:schemeClr val="dk1"/>
+                          </a:solidFill>
+                          <a:latin typeface="+mn-lt"/>
+                          <a:ea typeface="+mn-ea"/>
+                          <a:cs typeface="+mn-cs"/>
+                        </a:rPr>
+                        <a:t>Step</a:t>
+                      </a:r>
+                      <a:endParaRPr lang="en-US" dirty="0"/>
+                    </a:p>
+                  </a:txBody>
+                  <a:tcPr>
+                    <a:lnL w="12700" cap="flat" cmpd="sng" algn="ctr">
+                      <a:solidFill>
+                        <a:schemeClr val="tx1"/>
+                      </a:solidFill>
+                      <a:prstDash val="solid"/>
+                      <a:round/>
+                      <a:headEnd type="none" w="med" len="med"/>
+                      <a:tailEnd type="none" w="med" len="med"/>
+                    </a:lnL>
+                    <a:lnR w="12700" cap="flat" cmpd="sng" algn="ctr">
+                      <a:solidFill>
+                        <a:schemeClr val="tx1"/>
+                      </a:solidFill>
+                      <a:prstDash val="solid"/>
+                      <a:round/>
+                      <a:headEnd type="none" w="med" len="med"/>
+                      <a:tailEnd type="none" w="med" len="med"/>
+                    </a:lnR>
+                    <a:lnT w="12700" cap="flat" cmpd="sng" algn="ctr">
+                      <a:solidFill>
+                        <a:schemeClr val="tx1"/>
+                      </a:solidFill>
+                      <a:prstDash val="solid"/>
+                      <a:round/>
+                      <a:headEnd type="none" w="med" len="med"/>
+                      <a:tailEnd type="none" w="med" len="med"/>
+                    </a:lnT>
+                    <a:lnB w="12700" cap="flat" cmpd="sng" algn="ctr">
+                      <a:solidFill>
+                        <a:schemeClr val="tx1"/>
+                      </a:solidFill>
+                      <a:prstDash val="solid"/>
+                      <a:round/>
+                      <a:headEnd type="none" w="med" len="med"/>
+                      <a:tailEnd type="none" w="med" len="med"/>
+                    </a:lnB>
+                    <a:lnTlToBr w="12700" cmpd="sng">
+                      <a:noFill/>
+                      <a:prstDash val="solid"/>
+                    </a:lnTlToBr>
+                    <a:lnBlToTr w="12700" cmpd="sng">
+                      <a:noFill/>
+                      <a:prstDash val="solid"/>
+                    </a:lnBlToTr>
+                    <a:solidFill>
+                      <a:schemeClr val="accent2">
+                        <a:lumMod val="60000"/>
+                        <a:lumOff val="40000"/>
+                      </a:schemeClr>
+                    </a:solidFill>
+                  </a:tcPr>
+                </a:tc>
+                <a:tc>
+                  <a:txBody>
+                    <a:bodyPr/>
+                    <a:lstStyle/>
+                    <a:p>
+                      <a:r>
+                        <a:rPr lang="en-US" dirty="0" smtClean="0"/>
+                        <a:t>StepCount</a:t>
+                      </a:r>
+                      <a:endParaRPr lang="en-US" dirty="0"/>
+                    </a:p>
+                  </a:txBody>
+                  <a:tcPr>
+                    <a:lnL w="12700" cap="flat" cmpd="sng" algn="ctr">
+                      <a:solidFill>
+                        <a:schemeClr val="tx1"/>
+                      </a:solidFill>
+                      <a:prstDash val="solid"/>
+                      <a:round/>
+                      <a:headEnd type="none" w="med" len="med"/>
+                      <a:tailEnd type="none" w="med" len="med"/>
+                    </a:lnL>
+                    <a:lnR w="12700" cap="flat" cmpd="sng" algn="ctr">
+                      <a:solidFill>
+                        <a:schemeClr val="tx1"/>
+                      </a:solidFill>
+                      <a:prstDash val="solid"/>
+                      <a:round/>
+                      <a:headEnd type="none" w="med" len="med"/>
+                      <a:tailEnd type="none" w="med" len="med"/>
+                    </a:lnR>
+                    <a:lnT w="12700" cap="flat" cmpd="sng" algn="ctr">
+                      <a:solidFill>
+                        <a:schemeClr val="tx1"/>
+                      </a:solidFill>
+                      <a:prstDash val="solid"/>
+                      <a:round/>
+                      <a:headEnd type="none" w="med" len="med"/>
+                      <a:tailEnd type="none" w="med" len="med"/>
+                    </a:lnT>
+                    <a:lnB w="12700" cap="flat" cmpd="sng" algn="ctr">
+                      <a:solidFill>
+                        <a:schemeClr val="tx1"/>
+                      </a:solidFill>
+                      <a:prstDash val="solid"/>
+                      <a:round/>
+                      <a:headEnd type="none" w="med" len="med"/>
+                      <a:tailEnd type="none" w="med" len="med"/>
+                    </a:lnB>
+                    <a:lnTlToBr w="12700" cmpd="sng">
+                      <a:noFill/>
+                      <a:prstDash val="solid"/>
+                    </a:lnTlToBr>
+                    <a:lnBlToTr w="12700" cmpd="sng">
+                      <a:noFill/>
+                      <a:prstDash val="solid"/>
+                    </a:lnBlToTr>
+                    <a:solidFill>
+                      <a:schemeClr val="accent4">
+                        <a:lumMod val="60000"/>
+                        <a:lumOff val="40000"/>
+                      </a:schemeClr>
+                    </a:solidFill>
+                  </a:tcPr>
+                </a:tc>
+              </a:tr>
+              <a:tr h="370840">
+                <a:tc>
+                  <a:txBody>
+                    <a:bodyPr/>
+                    <a:lstStyle/>
+                    <a:p>
+                      <a:r>
+                        <a:rPr lang="en-US" dirty="0" smtClean="0"/>
+                        <a:t>8bytes</a:t>
+                      </a:r>
+                      <a:endParaRPr lang="en-US" dirty="0"/>
+                    </a:p>
+                  </a:txBody>
+                  <a:tcPr>
+                    <a:lnL w="12700" cap="flat" cmpd="sng" algn="ctr">
+                      <a:solidFill>
+                        <a:schemeClr val="tx1"/>
+                      </a:solidFill>
+                      <a:prstDash val="solid"/>
+                      <a:round/>
+                      <a:headEnd type="none" w="med" len="med"/>
+                      <a:tailEnd type="none" w="med" len="med"/>
+                    </a:lnL>
+                    <a:lnR w="12700" cap="flat" cmpd="sng" algn="ctr">
+                      <a:solidFill>
+                        <a:schemeClr val="tx1"/>
+                      </a:solidFill>
+                      <a:prstDash val="solid"/>
+                      <a:round/>
+                      <a:headEnd type="none" w="med" len="med"/>
+                      <a:tailEnd type="none" w="med" len="med"/>
+                    </a:lnR>
+                    <a:lnT w="12700" cap="flat" cmpd="sng" algn="ctr">
+                      <a:solidFill>
+                        <a:schemeClr val="tx1"/>
+                      </a:solidFill>
+                      <a:prstDash val="solid"/>
+                      <a:round/>
+                      <a:headEnd type="none" w="med" len="med"/>
+                      <a:tailEnd type="none" w="med" len="med"/>
+                    </a:lnT>
+                    <a:lnB w="12700" cap="flat" cmpd="sng" algn="ctr">
+                      <a:solidFill>
+                        <a:schemeClr val="tx1"/>
+                      </a:solidFill>
+                      <a:prstDash val="solid"/>
+                      <a:round/>
+                      <a:headEnd type="none" w="med" len="med"/>
+                      <a:tailEnd type="none" w="med" len="med"/>
+                    </a:lnB>
+                    <a:lnTlToBr w="12700" cmpd="sng">
+                      <a:noFill/>
+                      <a:prstDash val="solid"/>
+                    </a:lnTlToBr>
+                    <a:lnBlToTr w="12700" cmpd="sng">
+                      <a:noFill/>
+                      <a:prstDash val="solid"/>
+                    </a:lnBlToTr>
+                    <a:solidFill>
+                      <a:schemeClr val="tx1">
+                        <a:lumMod val="50000"/>
+                      </a:schemeClr>
+                    </a:solidFill>
+                  </a:tcPr>
+                </a:tc>
+                <a:tc>
+                  <a:txBody>
+                    <a:bodyPr/>
+                    <a:lstStyle/>
+                    <a:p>
+                      <a:r>
+                        <a:rPr lang="en-US" dirty="0" smtClean="0"/>
+                        <a:t>8bytes</a:t>
+                      </a:r>
+                      <a:endParaRPr lang="en-US" dirty="0"/>
+                    </a:p>
+                  </a:txBody>
+                  <a:tcPr>
+                    <a:lnL w="12700" cap="flat" cmpd="sng" algn="ctr">
+                      <a:solidFill>
+                        <a:schemeClr val="tx1"/>
+                      </a:solidFill>
+                      <a:prstDash val="solid"/>
+                      <a:round/>
+                      <a:headEnd type="none" w="med" len="med"/>
+                      <a:tailEnd type="none" w="med" len="med"/>
+                    </a:lnL>
+                    <a:lnR w="12700" cap="flat" cmpd="sng" algn="ctr">
+                      <a:solidFill>
+                        <a:schemeClr val="tx1"/>
+                      </a:solidFill>
+                      <a:prstDash val="solid"/>
+                      <a:round/>
+                      <a:headEnd type="none" w="med" len="med"/>
+                      <a:tailEnd type="none" w="med" len="med"/>
+                    </a:lnR>
+                    <a:lnT w="12700" cap="flat" cmpd="sng" algn="ctr">
+                      <a:solidFill>
+                        <a:schemeClr val="tx1"/>
+                      </a:solidFill>
+                      <a:prstDash val="solid"/>
+                      <a:round/>
+                      <a:headEnd type="none" w="med" len="med"/>
+                      <a:tailEnd type="none" w="med" len="med"/>
+                    </a:lnT>
+                    <a:lnB w="12700" cap="flat" cmpd="sng" algn="ctr">
+                      <a:solidFill>
+                        <a:schemeClr val="tx1"/>
+                      </a:solidFill>
+                      <a:prstDash val="solid"/>
+                      <a:round/>
+                      <a:headEnd type="none" w="med" len="med"/>
+                      <a:tailEnd type="none" w="med" len="med"/>
+                    </a:lnB>
+                    <a:lnTlToBr w="12700" cmpd="sng">
+                      <a:noFill/>
+                      <a:prstDash val="solid"/>
+                    </a:lnTlToBr>
+                    <a:lnBlToTr w="12700" cmpd="sng">
+                      <a:noFill/>
+                      <a:prstDash val="solid"/>
+                    </a:lnBlToTr>
+                    <a:solidFill>
+                      <a:schemeClr val="tx1">
+                        <a:lumMod val="50000"/>
+                      </a:schemeClr>
+                    </a:solidFill>
+                  </a:tcPr>
+                </a:tc>
+                <a:tc>
+                  <a:txBody>
+                    <a:bodyPr/>
+                    <a:lstStyle/>
+                    <a:p>
+                      <a:r>
+                        <a:rPr lang="en-US" smtClean="0"/>
+                        <a:t>4bytes</a:t>
+                      </a:r>
+                      <a:endParaRPr lang="en-US" dirty="0"/>
+                    </a:p>
+                  </a:txBody>
+                  <a:tcPr>
+                    <a:lnL w="12700" cap="flat" cmpd="sng" algn="ctr">
+                      <a:solidFill>
+                        <a:schemeClr val="tx1"/>
+                      </a:solidFill>
+                      <a:prstDash val="solid"/>
+                      <a:round/>
+                      <a:headEnd type="none" w="med" len="med"/>
+                      <a:tailEnd type="none" w="med" len="med"/>
+                    </a:lnL>
+                    <a:lnR w="12700" cap="flat" cmpd="sng" algn="ctr">
+                      <a:solidFill>
+                        <a:schemeClr val="tx1"/>
+                      </a:solidFill>
+                      <a:prstDash val="solid"/>
+                      <a:round/>
+                      <a:headEnd type="none" w="med" len="med"/>
+                      <a:tailEnd type="none" w="med" len="med"/>
+                    </a:lnR>
+                    <a:lnT w="12700" cap="flat" cmpd="sng" algn="ctr">
+                      <a:solidFill>
+                        <a:schemeClr val="tx1"/>
+                      </a:solidFill>
+                      <a:prstDash val="solid"/>
+                      <a:round/>
+                      <a:headEnd type="none" w="med" len="med"/>
+                      <a:tailEnd type="none" w="med" len="med"/>
+                    </a:lnT>
+                    <a:lnB w="12700" cap="flat" cmpd="sng" algn="ctr">
+                      <a:solidFill>
+                        <a:schemeClr val="tx1"/>
+                      </a:solidFill>
+                      <a:prstDash val="solid"/>
+                      <a:round/>
+                      <a:headEnd type="none" w="med" len="med"/>
+                      <a:tailEnd type="none" w="med" len="med"/>
+                    </a:lnB>
+                    <a:lnTlToBr w="12700" cmpd="sng">
+                      <a:noFill/>
+                      <a:prstDash val="solid"/>
+                    </a:lnTlToBr>
+                    <a:lnBlToTr w="12700" cmpd="sng">
+                      <a:noFill/>
+                      <a:prstDash val="solid"/>
+                    </a:lnBlToTr>
+                    <a:solidFill>
+                      <a:schemeClr val="tx1">
+                        <a:lumMod val="50000"/>
+                      </a:schemeClr>
+                    </a:solidFill>
+                  </a:tcPr>
+                </a:tc>
+                <a:tc>
+                  <a:txBody>
+                    <a:bodyPr/>
+                    <a:lstStyle/>
+                    <a:p>
+                      <a:r>
+                        <a:rPr lang="en-US" smtClean="0"/>
+                        <a:t>8bytes</a:t>
+                      </a:r>
+                      <a:endParaRPr lang="en-US" dirty="0"/>
+                    </a:p>
+                  </a:txBody>
+                  <a:tcPr>
+                    <a:lnL w="12700" cap="flat" cmpd="sng" algn="ctr">
+                      <a:solidFill>
+                        <a:schemeClr val="tx1"/>
+                      </a:solidFill>
+                      <a:prstDash val="solid"/>
+                      <a:round/>
+                      <a:headEnd type="none" w="med" len="med"/>
+                      <a:tailEnd type="none" w="med" len="med"/>
+                    </a:lnL>
+                    <a:lnR w="12700" cap="flat" cmpd="sng" algn="ctr">
+                      <a:solidFill>
+                        <a:schemeClr val="tx1"/>
+                      </a:solidFill>
+                      <a:prstDash val="solid"/>
+                      <a:round/>
+                      <a:headEnd type="none" w="med" len="med"/>
+                      <a:tailEnd type="none" w="med" len="med"/>
+                    </a:lnR>
+                    <a:lnT w="12700" cap="flat" cmpd="sng" algn="ctr">
+                      <a:solidFill>
+                        <a:schemeClr val="tx1"/>
+                      </a:solidFill>
+                      <a:prstDash val="solid"/>
+                      <a:round/>
+                      <a:headEnd type="none" w="med" len="med"/>
+                      <a:tailEnd type="none" w="med" len="med"/>
+                    </a:lnT>
+                    <a:lnB w="12700" cap="flat" cmpd="sng" algn="ctr">
+                      <a:solidFill>
+                        <a:schemeClr val="tx1"/>
+                      </a:solidFill>
+                      <a:prstDash val="solid"/>
+                      <a:round/>
+                      <a:headEnd type="none" w="med" len="med"/>
+                      <a:tailEnd type="none" w="med" len="med"/>
+                    </a:lnB>
+                    <a:lnTlToBr w="12700" cmpd="sng">
+                      <a:noFill/>
+                      <a:prstDash val="solid"/>
+                    </a:lnTlToBr>
+                    <a:lnBlToTr w="12700" cmpd="sng">
+                      <a:noFill/>
+                      <a:prstDash val="solid"/>
+                    </a:lnBlToTr>
+                    <a:solidFill>
+                      <a:schemeClr val="tx1">
+                        <a:lumMod val="50000"/>
+                      </a:schemeClr>
+                    </a:solidFill>
+                  </a:tcPr>
+                </a:tc>
+                <a:tc>
+                  <a:txBody>
+                    <a:bodyPr/>
+                    <a:lstStyle/>
+                    <a:p>
+                      <a:r>
+                        <a:rPr lang="en-US" dirty="0" smtClean="0"/>
+                        <a:t>8bytes</a:t>
+                      </a:r>
+                      <a:endParaRPr lang="en-US" dirty="0"/>
+                    </a:p>
+                  </a:txBody>
+                  <a:tcPr>
+                    <a:lnL w="12700" cap="flat" cmpd="sng" algn="ctr">
+                      <a:solidFill>
+                        <a:schemeClr val="tx1"/>
+                      </a:solidFill>
+                      <a:prstDash val="solid"/>
+                      <a:round/>
+                      <a:headEnd type="none" w="med" len="med"/>
+                      <a:tailEnd type="none" w="med" len="med"/>
+                    </a:lnL>
+                    <a:lnR w="12700" cap="flat" cmpd="sng" algn="ctr">
+                      <a:solidFill>
+                        <a:schemeClr val="tx1"/>
+                      </a:solidFill>
+                      <a:prstDash val="solid"/>
+                      <a:round/>
+                      <a:headEnd type="none" w="med" len="med"/>
+                      <a:tailEnd type="none" w="med" len="med"/>
+                    </a:lnR>
+                    <a:lnT w="12700" cap="flat" cmpd="sng" algn="ctr">
+                      <a:solidFill>
+                        <a:schemeClr val="tx1"/>
+                      </a:solidFill>
+                      <a:prstDash val="solid"/>
+                      <a:round/>
+                      <a:headEnd type="none" w="med" len="med"/>
+                      <a:tailEnd type="none" w="med" len="med"/>
+                    </a:lnT>
+                    <a:lnB w="12700" cap="flat" cmpd="sng" algn="ctr">
+                      <a:solidFill>
+                        <a:schemeClr val="tx1"/>
+                      </a:solidFill>
+                      <a:prstDash val="solid"/>
+                      <a:round/>
+                      <a:headEnd type="none" w="med" len="med"/>
+                      <a:tailEnd type="none" w="med" len="med"/>
+                    </a:lnB>
+                    <a:lnTlToBr w="12700" cmpd="sng">
+                      <a:noFill/>
+                      <a:prstDash val="solid"/>
+                    </a:lnTlToBr>
+                    <a:lnBlToTr w="12700" cmpd="sng">
+                      <a:noFill/>
+                      <a:prstDash val="solid"/>
+                    </a:lnBlToTr>
+                    <a:solidFill>
+                      <a:schemeClr val="tx1">
+                        <a:lumMod val="50000"/>
+                      </a:schemeClr>
+                    </a:solidFill>
+                  </a:tcPr>
+                </a:tc>
+                <a:tc>
+                  <a:txBody>
+                    <a:bodyPr/>
+                    <a:lstStyle/>
+                    <a:p>
+                      <a:r>
+                        <a:rPr lang="en-US" dirty="0" smtClean="0"/>
+                        <a:t>4bytes</a:t>
+                      </a:r>
+                      <a:endParaRPr lang="en-US" dirty="0"/>
+                    </a:p>
+                  </a:txBody>
+                  <a:tcPr>
+                    <a:lnL w="12700" cap="flat" cmpd="sng" algn="ctr">
+                      <a:solidFill>
+                        <a:schemeClr val="tx1"/>
+                      </a:solidFill>
+                      <a:prstDash val="solid"/>
+                      <a:round/>
+                      <a:headEnd type="none" w="med" len="med"/>
+                      <a:tailEnd type="none" w="med" len="med"/>
+                    </a:lnL>
+                    <a:lnR w="12700" cap="flat" cmpd="sng" algn="ctr">
+                      <a:solidFill>
+                        <a:schemeClr val="tx1"/>
+                      </a:solidFill>
+                      <a:prstDash val="solid"/>
+                      <a:round/>
+                      <a:headEnd type="none" w="med" len="med"/>
+                      <a:tailEnd type="none" w="med" len="med"/>
+                    </a:lnR>
+                    <a:lnT w="12700" cap="flat" cmpd="sng" algn="ctr">
+                      <a:solidFill>
+                        <a:schemeClr val="tx1"/>
+                      </a:solidFill>
+                      <a:prstDash val="solid"/>
+                      <a:round/>
+                      <a:headEnd type="none" w="med" len="med"/>
+                      <a:tailEnd type="none" w="med" len="med"/>
+                    </a:lnT>
+                    <a:lnB w="12700" cap="flat" cmpd="sng" algn="ctr">
+                      <a:solidFill>
+                        <a:schemeClr val="tx1"/>
+                      </a:solidFill>
+                      <a:prstDash val="solid"/>
+                      <a:round/>
+                      <a:headEnd type="none" w="med" len="med"/>
+                      <a:tailEnd type="none" w="med" len="med"/>
+                    </a:lnB>
+                    <a:lnTlToBr w="12700" cmpd="sng">
+                      <a:noFill/>
+                      <a:prstDash val="solid"/>
+                    </a:lnTlToBr>
+                    <a:lnBlToTr w="12700" cmpd="sng">
+                      <a:noFill/>
+                      <a:prstDash val="solid"/>
+                    </a:lnBlToTr>
+                    <a:solidFill>
+                      <a:schemeClr val="tx1">
+                        <a:lumMod val="50000"/>
+                      </a:schemeClr>
+                    </a:solidFill>
+                  </a:tcPr>
+                </a:tc>
+                <a:tc>
+                  <a:txBody>
+                    <a:bodyPr/>
+                    <a:lstStyle/>
+                    <a:p>
+                      <a:r>
+                        <a:rPr lang="en-US" smtClean="0"/>
+                        <a:t>8bytes</a:t>
+                      </a:r>
+                      <a:endParaRPr lang="en-US" dirty="0"/>
+                    </a:p>
+                  </a:txBody>
+                  <a:tcPr>
+                    <a:lnL w="12700" cap="flat" cmpd="sng" algn="ctr">
+                      <a:solidFill>
+                        <a:schemeClr val="tx1"/>
+                      </a:solidFill>
+                      <a:prstDash val="solid"/>
+                      <a:round/>
+                      <a:headEnd type="none" w="med" len="med"/>
+                      <a:tailEnd type="none" w="med" len="med"/>
+                    </a:lnL>
+                    <a:lnR w="12700" cap="flat" cmpd="sng" algn="ctr">
+                      <a:solidFill>
+                        <a:schemeClr val="tx1"/>
+                      </a:solidFill>
+                      <a:prstDash val="solid"/>
+                      <a:round/>
+                      <a:headEnd type="none" w="med" len="med"/>
+                      <a:tailEnd type="none" w="med" len="med"/>
+                    </a:lnR>
+                    <a:lnT w="12700" cap="flat" cmpd="sng" algn="ctr">
+                      <a:solidFill>
+                        <a:schemeClr val="tx1"/>
+                      </a:solidFill>
+                      <a:prstDash val="solid"/>
+                      <a:round/>
+                      <a:headEnd type="none" w="med" len="med"/>
+                      <a:tailEnd type="none" w="med" len="med"/>
+                    </a:lnT>
+                    <a:lnB w="12700" cap="flat" cmpd="sng" algn="ctr">
+                      <a:solidFill>
+                        <a:schemeClr val="tx1"/>
+                      </a:solidFill>
+                      <a:prstDash val="solid"/>
+                      <a:round/>
+                      <a:headEnd type="none" w="med" len="med"/>
+                      <a:tailEnd type="none" w="med" len="med"/>
+                    </a:lnB>
+                    <a:lnTlToBr w="12700" cmpd="sng">
+                      <a:noFill/>
+                      <a:prstDash val="solid"/>
+                    </a:lnTlToBr>
+                    <a:lnBlToTr w="12700" cmpd="sng">
+                      <a:noFill/>
+                      <a:prstDash val="solid"/>
+                    </a:lnBlToTr>
+                    <a:solidFill>
+                      <a:schemeClr val="tx1">
+                        <a:lumMod val="50000"/>
+                      </a:schemeClr>
+                    </a:solidFill>
+                  </a:tcPr>
+                </a:tc>
+                <a:tc>
+                  <a:txBody>
+                    <a:bodyPr/>
+                    <a:lstStyle/>
+                    <a:p>
+                      <a:r>
+                        <a:rPr lang="en-US" dirty="0" smtClean="0"/>
+                        <a:t>8bytes</a:t>
+                      </a:r>
+                      <a:endParaRPr lang="en-US" dirty="0"/>
+                    </a:p>
+                  </a:txBody>
+                  <a:tcPr>
+                    <a:lnL w="12700" cap="flat" cmpd="sng" algn="ctr">
+                      <a:solidFill>
+                        <a:schemeClr val="tx1"/>
+                      </a:solidFill>
+                      <a:prstDash val="solid"/>
+                      <a:round/>
+                      <a:headEnd type="none" w="med" len="med"/>
+                      <a:tailEnd type="none" w="med" len="med"/>
+                    </a:lnL>
+                    <a:lnR w="12700" cap="flat" cmpd="sng" algn="ctr">
+                      <a:solidFill>
+                        <a:schemeClr val="tx1"/>
+                      </a:solidFill>
+                      <a:prstDash val="solid"/>
+                      <a:round/>
+                      <a:headEnd type="none" w="med" len="med"/>
+                      <a:tailEnd type="none" w="med" len="med"/>
+                    </a:lnR>
+                    <a:lnT w="12700" cap="flat" cmpd="sng" algn="ctr">
+                      <a:solidFill>
+                        <a:schemeClr val="tx1"/>
+                      </a:solidFill>
+                      <a:prstDash val="solid"/>
+                      <a:round/>
+                      <a:headEnd type="none" w="med" len="med"/>
+                      <a:tailEnd type="none" w="med" len="med"/>
+                    </a:lnT>
+                    <a:lnB w="12700" cap="flat" cmpd="sng" algn="ctr">
+                      <a:solidFill>
+                        <a:schemeClr val="tx1"/>
+                      </a:solidFill>
+                      <a:prstDash val="solid"/>
+                      <a:round/>
+                      <a:headEnd type="none" w="med" len="med"/>
+                      <a:tailEnd type="none" w="med" len="med"/>
+                    </a:lnB>
+                    <a:lnTlToBr w="12700" cmpd="sng">
+                      <a:noFill/>
+                      <a:prstDash val="solid"/>
+                    </a:lnTlToBr>
+                    <a:lnBlToTr w="12700" cmpd="sng">
+                      <a:noFill/>
+                      <a:prstDash val="solid"/>
+                    </a:lnBlToTr>
+                    <a:solidFill>
+                      <a:schemeClr val="tx1">
+                        <a:lumMod val="50000"/>
+                      </a:schemeClr>
+                    </a:solidFill>
+                  </a:tcPr>
+                </a:tc>
+                <a:tc>
+                  <a:txBody>
+                    <a:bodyPr/>
+                    <a:lstStyle/>
+                    <a:p>
+                      <a:r>
+                        <a:rPr lang="en-US" dirty="0" smtClean="0"/>
+                        <a:t>4bytes</a:t>
+                      </a:r>
+                      <a:endParaRPr lang="en-US" dirty="0"/>
+                    </a:p>
+                  </a:txBody>
+                  <a:tcPr>
+                    <a:lnL w="12700" cap="flat" cmpd="sng" algn="ctr">
+                      <a:solidFill>
+                        <a:schemeClr val="tx1"/>
+                      </a:solidFill>
+                      <a:prstDash val="solid"/>
+                      <a:round/>
+                      <a:headEnd type="none" w="med" len="med"/>
+                      <a:tailEnd type="none" w="med" len="med"/>
+                    </a:lnL>
+                    <a:lnR w="12700" cap="flat" cmpd="sng" algn="ctr">
+                      <a:solidFill>
+                        <a:schemeClr val="tx1"/>
+                      </a:solidFill>
+                      <a:prstDash val="solid"/>
+                      <a:round/>
+                      <a:headEnd type="none" w="med" len="med"/>
+                      <a:tailEnd type="none" w="med" len="med"/>
+                    </a:lnR>
+                    <a:lnT w="12700" cap="flat" cmpd="sng" algn="ctr">
+                      <a:solidFill>
+                        <a:schemeClr val="tx1"/>
+                      </a:solidFill>
+                      <a:prstDash val="solid"/>
+                      <a:round/>
+                      <a:headEnd type="none" w="med" len="med"/>
+                      <a:tailEnd type="none" w="med" len="med"/>
+                    </a:lnT>
+                    <a:lnB w="12700" cap="flat" cmpd="sng" algn="ctr">
+                      <a:solidFill>
+                        <a:schemeClr val="tx1"/>
+                      </a:solidFill>
+                      <a:prstDash val="solid"/>
+                      <a:round/>
+                      <a:headEnd type="none" w="med" len="med"/>
+                      <a:tailEnd type="none" w="med" len="med"/>
+                    </a:lnB>
+                    <a:lnTlToBr w="12700" cmpd="sng">
+                      <a:noFill/>
+                      <a:prstDash val="solid"/>
+                    </a:lnTlToBr>
+                    <a:lnBlToTr w="12700" cmpd="sng">
+                      <a:noFill/>
+                      <a:prstDash val="solid"/>
+                    </a:lnBlToTr>
+                    <a:solidFill>
+                      <a:schemeClr val="tx1">
+                        <a:lumMod val="50000"/>
+                      </a:schemeClr>
+                    </a:solidFill>
+                  </a:tcPr>
+                </a:tc>
+              </a:tr>
+            </a:tbl>
+          </a:graphicData>
+        </a:graphic>
+      </p:graphicFrame>
     </p:spTree>
     <p:extLst>
       <p:ext uri="{BB962C8B-B14F-4D97-AF65-F5344CB8AC3E}">
@@ -5653,8 +9669,13 @@
           <a:p>
             <a:r>
               <a:rPr lang="en-US" dirty="0" smtClean="0"/>
-              <a:t>Cost of hitting RAM</a:t>
+              <a:t>Cost of hitting </a:t>
             </a:r>
+            <a:r>
+              <a:rPr lang="en-US" dirty="0" smtClean="0"/>
+              <a:t>RAM</a:t>
+            </a:r>
+            <a:endParaRPr lang="en-US" dirty="0" smtClean="0"/>
           </a:p>
           <a:p>
             <a:r>
@@ -5665,8 +9686,13 @@
           <a:p>
             <a:r>
               <a:rPr lang="en-US" dirty="0"/>
-              <a:t>So what's the next step?</a:t>
+              <a:t>So </a:t>
             </a:r>
+            <a:r>
+              <a:rPr lang="en-US" dirty="0" smtClean="0"/>
+              <a:t>what have to do?</a:t>
+            </a:r>
+            <a:endParaRPr lang="en-US" dirty="0"/>
           </a:p>
         </p:txBody>
       </p:sp>
@@ -5717,7 +9743,7 @@
           <a:p>
             <a:r>
               <a:rPr lang="en-US" dirty="0" smtClean="0"/>
-              <a:t>Studing better impl.</a:t>
+              <a:t>Benchmark Memory Access</a:t>
             </a:r>
             <a:endParaRPr lang="en-US" dirty="0"/>
           </a:p>
@@ -5747,20 +9773,13 @@
     </p:spTree>
     <p:extLst>
       <p:ext uri="{BB962C8B-B14F-4D97-AF65-F5344CB8AC3E}">
-        <p14:creationId xmlns:p14="http://schemas.microsoft.com/office/powerpoint/2010/main" val="96590304"/>
+        <p14:creationId xmlns:p14="http://schemas.microsoft.com/office/powerpoint/2010/main" val="3532723709"/>
       </p:ext>
     </p:extLst>
   </p:cSld>
   <p:clrMapOvr>
     <a:masterClrMapping/>
   </p:clrMapOvr>
-  <p:timing>
-    <p:tnLst>
-      <p:par>
-        <p:cTn id="1" dur="indefinite" restart="never" nodeType="tmRoot"/>
-      </p:par>
-    </p:tnLst>
-  </p:timing>
 </p:sld>
 </file>
 
@@ -5797,67 +9816,3014 @@
           <a:lstStyle/>
           <a:p>
             <a:r>
-              <a:rPr lang="en-US" dirty="0"/>
-              <a:t>Data-Oriented Design Principles</a:t>
+              <a:rPr lang="en-US" dirty="0" smtClean="0"/>
+              <a:t>Studing better impl.</a:t>
             </a:r>
+            <a:endParaRPr lang="en-US" dirty="0"/>
           </a:p>
         </p:txBody>
       </p:sp>
+      <p:graphicFrame>
+        <p:nvGraphicFramePr>
+          <p:cNvPr id="9" name="Content Placeholder 8"/>
+          <p:cNvGraphicFramePr>
+            <a:graphicFrameLocks noGrp="1"/>
+          </p:cNvGraphicFramePr>
+          <p:nvPr>
+            <p:ph idx="1"/>
+            <p:extLst>
+              <p:ext uri="{D42A27DB-BD31-4B8C-83A1-F6EECF244321}">
+                <p14:modId xmlns:p14="http://schemas.microsoft.com/office/powerpoint/2010/main" val="2008635522"/>
+              </p:ext>
+            </p:extLst>
+          </p:nvPr>
+        </p:nvGraphicFramePr>
+        <p:xfrm>
+          <a:off x="838200" y="1825625"/>
+          <a:ext cx="10515600" cy="4351338"/>
+        </p:xfrm>
+        <a:graphic>
+          <a:graphicData uri="http://schemas.openxmlformats.org/drawingml/2006/diagram">
+            <dgm:relIds xmlns:dgm="http://schemas.openxmlformats.org/drawingml/2006/diagram" xmlns:r="http://schemas.openxmlformats.org/officeDocument/2006/relationships" r:dm="rId2" r:lo="rId3" r:qs="rId4" r:cs="rId5"/>
+          </a:graphicData>
+        </a:graphic>
+      </p:graphicFrame>
+      <p:graphicFrame>
+        <p:nvGraphicFramePr>
+          <p:cNvPr id="4" name="Table 3"/>
+          <p:cNvGraphicFramePr>
+            <a:graphicFrameLocks noGrp="1"/>
+          </p:cNvGraphicFramePr>
+          <p:nvPr>
+            <p:extLst>
+              <p:ext uri="{D42A27DB-BD31-4B8C-83A1-F6EECF244321}">
+                <p14:modId xmlns:p14="http://schemas.microsoft.com/office/powerpoint/2010/main" val="2006262097"/>
+              </p:ext>
+            </p:extLst>
+          </p:nvPr>
+        </p:nvGraphicFramePr>
+        <p:xfrm>
+          <a:off x="2167466" y="4529665"/>
+          <a:ext cx="8139292" cy="741680"/>
+        </p:xfrm>
+        <a:graphic>
+          <a:graphicData uri="http://schemas.openxmlformats.org/drawingml/2006/table">
+            <a:tbl>
+              <a:tblPr firstRow="1" bandRow="1">
+                <a:tableStyleId>{5C22544A-7EE6-4342-B048-85BDC9FD1C3A}</a:tableStyleId>
+              </a:tblPr>
+              <a:tblGrid>
+                <a:gridCol w="1162756"/>
+                <a:gridCol w="1162756"/>
+                <a:gridCol w="1162756"/>
+                <a:gridCol w="1162756"/>
+                <a:gridCol w="1162756"/>
+                <a:gridCol w="1162756"/>
+                <a:gridCol w="1162756"/>
+              </a:tblGrid>
+              <a:tr h="370840">
+                <a:tc>
+                  <a:txBody>
+                    <a:bodyPr/>
+                    <a:lstStyle/>
+                    <a:p>
+                      <a:r>
+                        <a:rPr lang="en-US" b="0" dirty="0" smtClean="0">
+                          <a:solidFill>
+                            <a:schemeClr val="bg1"/>
+                          </a:solidFill>
+                        </a:rPr>
+                        <a:t>8bytes</a:t>
+                      </a:r>
+                      <a:endParaRPr lang="en-US" b="0" dirty="0">
+                        <a:solidFill>
+                          <a:schemeClr val="bg1"/>
+                        </a:solidFill>
+                      </a:endParaRPr>
+                    </a:p>
+                  </a:txBody>
+                  <a:tcPr>
+                    <a:lnL w="12700" cap="flat" cmpd="sng" algn="ctr">
+                      <a:solidFill>
+                        <a:schemeClr val="tx1"/>
+                      </a:solidFill>
+                      <a:prstDash val="solid"/>
+                      <a:round/>
+                      <a:headEnd type="none" w="med" len="med"/>
+                      <a:tailEnd type="none" w="med" len="med"/>
+                    </a:lnL>
+                    <a:lnR w="12700" cap="flat" cmpd="sng" algn="ctr">
+                      <a:solidFill>
+                        <a:schemeClr val="tx1"/>
+                      </a:solidFill>
+                      <a:prstDash val="solid"/>
+                      <a:round/>
+                      <a:headEnd type="none" w="med" len="med"/>
+                      <a:tailEnd type="none" w="med" len="med"/>
+                    </a:lnR>
+                    <a:lnT w="12700" cap="flat" cmpd="sng" algn="ctr">
+                      <a:solidFill>
+                        <a:schemeClr val="tx1"/>
+                      </a:solidFill>
+                      <a:prstDash val="solid"/>
+                      <a:round/>
+                      <a:headEnd type="none" w="med" len="med"/>
+                      <a:tailEnd type="none" w="med" len="med"/>
+                    </a:lnT>
+                    <a:lnB w="12700" cap="flat" cmpd="sng" algn="ctr">
+                      <a:solidFill>
+                        <a:schemeClr val="tx1"/>
+                      </a:solidFill>
+                      <a:prstDash val="solid"/>
+                      <a:round/>
+                      <a:headEnd type="none" w="med" len="med"/>
+                      <a:tailEnd type="none" w="med" len="med"/>
+                    </a:lnB>
+                    <a:lnTlToBr w="12700" cmpd="sng">
+                      <a:noFill/>
+                      <a:prstDash val="solid"/>
+                    </a:lnTlToBr>
+                    <a:lnBlToTr w="12700" cmpd="sng">
+                      <a:noFill/>
+                      <a:prstDash val="solid"/>
+                    </a:lnBlToTr>
+                    <a:solidFill>
+                      <a:schemeClr val="tx1">
+                        <a:lumMod val="50000"/>
+                      </a:schemeClr>
+                    </a:solidFill>
+                  </a:tcPr>
+                </a:tc>
+                <a:tc>
+                  <a:txBody>
+                    <a:bodyPr/>
+                    <a:lstStyle/>
+                    <a:p>
+                      <a:pPr marL="0" algn="l" defTabSz="914400" rtl="0" eaLnBrk="1" latinLnBrk="0" hangingPunct="1"/>
+                      <a:r>
+                        <a:rPr lang="en-US" sz="1800" b="0" kern="1200" dirty="0" smtClean="0">
+                          <a:solidFill>
+                            <a:schemeClr val="dk1"/>
+                          </a:solidFill>
+                          <a:latin typeface="+mn-lt"/>
+                          <a:ea typeface="+mn-ea"/>
+                          <a:cs typeface="+mn-cs"/>
+                        </a:rPr>
+                        <a:t>Position</a:t>
+                      </a:r>
+                      <a:endParaRPr lang="en-US" sz="1800" b="0" kern="1200" dirty="0">
+                        <a:solidFill>
+                          <a:schemeClr val="dk1"/>
+                        </a:solidFill>
+                        <a:latin typeface="+mn-lt"/>
+                        <a:ea typeface="+mn-ea"/>
+                        <a:cs typeface="+mn-cs"/>
+                      </a:endParaRPr>
+                    </a:p>
+                  </a:txBody>
+                  <a:tcPr>
+                    <a:lnL w="12700" cap="flat" cmpd="sng" algn="ctr">
+                      <a:solidFill>
+                        <a:schemeClr val="tx1"/>
+                      </a:solidFill>
+                      <a:prstDash val="solid"/>
+                      <a:round/>
+                      <a:headEnd type="none" w="med" len="med"/>
+                      <a:tailEnd type="none" w="med" len="med"/>
+                    </a:lnL>
+                    <a:lnR w="12700" cap="flat" cmpd="sng" algn="ctr">
+                      <a:solidFill>
+                        <a:schemeClr val="tx1"/>
+                      </a:solidFill>
+                      <a:prstDash val="solid"/>
+                      <a:round/>
+                      <a:headEnd type="none" w="med" len="med"/>
+                      <a:tailEnd type="none" w="med" len="med"/>
+                    </a:lnR>
+                    <a:lnT w="12700" cap="flat" cmpd="sng" algn="ctr">
+                      <a:solidFill>
+                        <a:schemeClr val="tx1"/>
+                      </a:solidFill>
+                      <a:prstDash val="solid"/>
+                      <a:round/>
+                      <a:headEnd type="none" w="med" len="med"/>
+                      <a:tailEnd type="none" w="med" len="med"/>
+                    </a:lnT>
+                    <a:lnB w="12700" cap="flat" cmpd="sng" algn="ctr">
+                      <a:solidFill>
+                        <a:schemeClr val="tx1"/>
+                      </a:solidFill>
+                      <a:prstDash val="solid"/>
+                      <a:round/>
+                      <a:headEnd type="none" w="med" len="med"/>
+                      <a:tailEnd type="none" w="med" len="med"/>
+                    </a:lnB>
+                    <a:lnTlToBr w="12700" cmpd="sng">
+                      <a:noFill/>
+                      <a:prstDash val="solid"/>
+                    </a:lnTlToBr>
+                    <a:lnBlToTr w="12700" cmpd="sng">
+                      <a:noFill/>
+                      <a:prstDash val="solid"/>
+                    </a:lnBlToTr>
+                    <a:solidFill>
+                      <a:schemeClr val="bg2">
+                        <a:lumMod val="60000"/>
+                        <a:lumOff val="40000"/>
+                      </a:schemeClr>
+                    </a:solidFill>
+                  </a:tcPr>
+                </a:tc>
+                <a:tc>
+                  <a:txBody>
+                    <a:bodyPr/>
+                    <a:lstStyle/>
+                    <a:p>
+                      <a:pPr marL="0" algn="l" defTabSz="914400" rtl="0" eaLnBrk="1" latinLnBrk="0" hangingPunct="1"/>
+                      <a:r>
+                        <a:rPr lang="en-US" sz="1800" b="0" kern="1200" dirty="0" smtClean="0">
+                          <a:solidFill>
+                            <a:schemeClr val="dk1"/>
+                          </a:solidFill>
+                          <a:latin typeface="+mn-lt"/>
+                          <a:ea typeface="+mn-ea"/>
+                          <a:cs typeface="+mn-cs"/>
+                        </a:rPr>
+                        <a:t>Position</a:t>
+                      </a:r>
+                      <a:endParaRPr lang="en-US" sz="1800" b="0" kern="1200" dirty="0">
+                        <a:solidFill>
+                          <a:schemeClr val="dk1"/>
+                        </a:solidFill>
+                        <a:latin typeface="+mn-lt"/>
+                        <a:ea typeface="+mn-ea"/>
+                        <a:cs typeface="+mn-cs"/>
+                      </a:endParaRPr>
+                    </a:p>
+                  </a:txBody>
+                  <a:tcPr>
+                    <a:lnL w="12700" cap="flat" cmpd="sng" algn="ctr">
+                      <a:solidFill>
+                        <a:schemeClr val="tx1"/>
+                      </a:solidFill>
+                      <a:prstDash val="solid"/>
+                      <a:round/>
+                      <a:headEnd type="none" w="med" len="med"/>
+                      <a:tailEnd type="none" w="med" len="med"/>
+                    </a:lnL>
+                    <a:lnR w="12700" cap="flat" cmpd="sng" algn="ctr">
+                      <a:solidFill>
+                        <a:schemeClr val="tx1"/>
+                      </a:solidFill>
+                      <a:prstDash val="solid"/>
+                      <a:round/>
+                      <a:headEnd type="none" w="med" len="med"/>
+                      <a:tailEnd type="none" w="med" len="med"/>
+                    </a:lnR>
+                    <a:lnT w="12700" cap="flat" cmpd="sng" algn="ctr">
+                      <a:solidFill>
+                        <a:schemeClr val="tx1"/>
+                      </a:solidFill>
+                      <a:prstDash val="solid"/>
+                      <a:round/>
+                      <a:headEnd type="none" w="med" len="med"/>
+                      <a:tailEnd type="none" w="med" len="med"/>
+                    </a:lnT>
+                    <a:lnB w="12700" cap="flat" cmpd="sng" algn="ctr">
+                      <a:solidFill>
+                        <a:schemeClr val="tx1"/>
+                      </a:solidFill>
+                      <a:prstDash val="solid"/>
+                      <a:round/>
+                      <a:headEnd type="none" w="med" len="med"/>
+                      <a:tailEnd type="none" w="med" len="med"/>
+                    </a:lnB>
+                    <a:lnTlToBr w="12700" cmpd="sng">
+                      <a:noFill/>
+                      <a:prstDash val="solid"/>
+                    </a:lnTlToBr>
+                    <a:lnBlToTr w="12700" cmpd="sng">
+                      <a:noFill/>
+                      <a:prstDash val="solid"/>
+                    </a:lnBlToTr>
+                    <a:solidFill>
+                      <a:schemeClr val="bg2">
+                        <a:lumMod val="60000"/>
+                        <a:lumOff val="40000"/>
+                      </a:schemeClr>
+                    </a:solidFill>
+                  </a:tcPr>
+                </a:tc>
+                <a:tc>
+                  <a:txBody>
+                    <a:bodyPr/>
+                    <a:lstStyle/>
+                    <a:p>
+                      <a:pPr marL="0" algn="l" defTabSz="914400" rtl="0" eaLnBrk="1" latinLnBrk="0" hangingPunct="1"/>
+                      <a:r>
+                        <a:rPr lang="en-US" sz="1800" b="0" kern="1200" dirty="0" smtClean="0">
+                          <a:solidFill>
+                            <a:schemeClr val="dk1"/>
+                          </a:solidFill>
+                          <a:latin typeface="+mn-lt"/>
+                          <a:ea typeface="+mn-ea"/>
+                          <a:cs typeface="+mn-cs"/>
+                        </a:rPr>
+                        <a:t>Position</a:t>
+                      </a:r>
+                      <a:endParaRPr lang="en-US" sz="1800" b="0" kern="1200" dirty="0">
+                        <a:solidFill>
+                          <a:schemeClr val="dk1"/>
+                        </a:solidFill>
+                        <a:latin typeface="+mn-lt"/>
+                        <a:ea typeface="+mn-ea"/>
+                        <a:cs typeface="+mn-cs"/>
+                      </a:endParaRPr>
+                    </a:p>
+                  </a:txBody>
+                  <a:tcPr>
+                    <a:lnL w="12700" cap="flat" cmpd="sng" algn="ctr">
+                      <a:solidFill>
+                        <a:schemeClr val="tx1"/>
+                      </a:solidFill>
+                      <a:prstDash val="solid"/>
+                      <a:round/>
+                      <a:headEnd type="none" w="med" len="med"/>
+                      <a:tailEnd type="none" w="med" len="med"/>
+                    </a:lnL>
+                    <a:lnR w="12700" cap="flat" cmpd="sng" algn="ctr">
+                      <a:solidFill>
+                        <a:schemeClr val="tx1"/>
+                      </a:solidFill>
+                      <a:prstDash val="solid"/>
+                      <a:round/>
+                      <a:headEnd type="none" w="med" len="med"/>
+                      <a:tailEnd type="none" w="med" len="med"/>
+                    </a:lnR>
+                    <a:lnT w="12700" cap="flat" cmpd="sng" algn="ctr">
+                      <a:solidFill>
+                        <a:schemeClr val="tx1"/>
+                      </a:solidFill>
+                      <a:prstDash val="solid"/>
+                      <a:round/>
+                      <a:headEnd type="none" w="med" len="med"/>
+                      <a:tailEnd type="none" w="med" len="med"/>
+                    </a:lnT>
+                    <a:lnB w="12700" cap="flat" cmpd="sng" algn="ctr">
+                      <a:solidFill>
+                        <a:schemeClr val="tx1"/>
+                      </a:solidFill>
+                      <a:prstDash val="solid"/>
+                      <a:round/>
+                      <a:headEnd type="none" w="med" len="med"/>
+                      <a:tailEnd type="none" w="med" len="med"/>
+                    </a:lnB>
+                    <a:lnTlToBr w="12700" cmpd="sng">
+                      <a:noFill/>
+                      <a:prstDash val="solid"/>
+                    </a:lnTlToBr>
+                    <a:lnBlToTr w="12700" cmpd="sng">
+                      <a:noFill/>
+                      <a:prstDash val="solid"/>
+                    </a:lnBlToTr>
+                    <a:solidFill>
+                      <a:schemeClr val="bg2">
+                        <a:lumMod val="60000"/>
+                        <a:lumOff val="40000"/>
+                      </a:schemeClr>
+                    </a:solidFill>
+                  </a:tcPr>
+                </a:tc>
+                <a:tc>
+                  <a:txBody>
+                    <a:bodyPr/>
+                    <a:lstStyle/>
+                    <a:p>
+                      <a:pPr marL="0" algn="l" defTabSz="914400" rtl="0" eaLnBrk="1" latinLnBrk="0" hangingPunct="1"/>
+                      <a:r>
+                        <a:rPr lang="en-US" sz="1800" b="0" kern="1200" dirty="0" smtClean="0">
+                          <a:solidFill>
+                            <a:schemeClr val="dk1"/>
+                          </a:solidFill>
+                          <a:latin typeface="+mn-lt"/>
+                          <a:ea typeface="+mn-ea"/>
+                          <a:cs typeface="+mn-cs"/>
+                        </a:rPr>
+                        <a:t>Position</a:t>
+                      </a:r>
+                      <a:endParaRPr lang="en-US" sz="1800" b="0" kern="1200" dirty="0">
+                        <a:solidFill>
+                          <a:schemeClr val="dk1"/>
+                        </a:solidFill>
+                        <a:latin typeface="+mn-lt"/>
+                        <a:ea typeface="+mn-ea"/>
+                        <a:cs typeface="+mn-cs"/>
+                      </a:endParaRPr>
+                    </a:p>
+                  </a:txBody>
+                  <a:tcPr>
+                    <a:lnL w="12700" cap="flat" cmpd="sng" algn="ctr">
+                      <a:solidFill>
+                        <a:schemeClr val="tx1"/>
+                      </a:solidFill>
+                      <a:prstDash val="solid"/>
+                      <a:round/>
+                      <a:headEnd type="none" w="med" len="med"/>
+                      <a:tailEnd type="none" w="med" len="med"/>
+                    </a:lnL>
+                    <a:lnR w="12700" cap="flat" cmpd="sng" algn="ctr">
+                      <a:solidFill>
+                        <a:schemeClr val="tx1"/>
+                      </a:solidFill>
+                      <a:prstDash val="solid"/>
+                      <a:round/>
+                      <a:headEnd type="none" w="med" len="med"/>
+                      <a:tailEnd type="none" w="med" len="med"/>
+                    </a:lnR>
+                    <a:lnT w="12700" cap="flat" cmpd="sng" algn="ctr">
+                      <a:solidFill>
+                        <a:schemeClr val="tx1"/>
+                      </a:solidFill>
+                      <a:prstDash val="solid"/>
+                      <a:round/>
+                      <a:headEnd type="none" w="med" len="med"/>
+                      <a:tailEnd type="none" w="med" len="med"/>
+                    </a:lnT>
+                    <a:lnB w="12700" cap="flat" cmpd="sng" algn="ctr">
+                      <a:solidFill>
+                        <a:schemeClr val="tx1"/>
+                      </a:solidFill>
+                      <a:prstDash val="solid"/>
+                      <a:round/>
+                      <a:headEnd type="none" w="med" len="med"/>
+                      <a:tailEnd type="none" w="med" len="med"/>
+                    </a:lnB>
+                    <a:lnTlToBr w="12700" cmpd="sng">
+                      <a:noFill/>
+                      <a:prstDash val="solid"/>
+                    </a:lnTlToBr>
+                    <a:lnBlToTr w="12700" cmpd="sng">
+                      <a:noFill/>
+                      <a:prstDash val="solid"/>
+                    </a:lnBlToTr>
+                    <a:solidFill>
+                      <a:schemeClr val="bg2">
+                        <a:lumMod val="60000"/>
+                        <a:lumOff val="40000"/>
+                      </a:schemeClr>
+                    </a:solidFill>
+                  </a:tcPr>
+                </a:tc>
+                <a:tc>
+                  <a:txBody>
+                    <a:bodyPr/>
+                    <a:lstStyle/>
+                    <a:p>
+                      <a:pPr marL="0" algn="l" defTabSz="914400" rtl="0" eaLnBrk="1" latinLnBrk="0" hangingPunct="1"/>
+                      <a:r>
+                        <a:rPr lang="en-US" sz="1800" b="0" kern="1200" dirty="0" smtClean="0">
+                          <a:solidFill>
+                            <a:schemeClr val="dk1"/>
+                          </a:solidFill>
+                          <a:latin typeface="+mn-lt"/>
+                          <a:ea typeface="+mn-ea"/>
+                          <a:cs typeface="+mn-cs"/>
+                        </a:rPr>
+                        <a:t>Position</a:t>
+                      </a:r>
+                      <a:endParaRPr lang="en-US" sz="1800" b="0" kern="1200" dirty="0">
+                        <a:solidFill>
+                          <a:schemeClr val="dk1"/>
+                        </a:solidFill>
+                        <a:latin typeface="+mn-lt"/>
+                        <a:ea typeface="+mn-ea"/>
+                        <a:cs typeface="+mn-cs"/>
+                      </a:endParaRPr>
+                    </a:p>
+                  </a:txBody>
+                  <a:tcPr>
+                    <a:lnL w="12700" cap="flat" cmpd="sng" algn="ctr">
+                      <a:solidFill>
+                        <a:schemeClr val="tx1"/>
+                      </a:solidFill>
+                      <a:prstDash val="solid"/>
+                      <a:round/>
+                      <a:headEnd type="none" w="med" len="med"/>
+                      <a:tailEnd type="none" w="med" len="med"/>
+                    </a:lnL>
+                    <a:lnR w="12700" cap="flat" cmpd="sng" algn="ctr">
+                      <a:solidFill>
+                        <a:schemeClr val="tx1"/>
+                      </a:solidFill>
+                      <a:prstDash val="solid"/>
+                      <a:round/>
+                      <a:headEnd type="none" w="med" len="med"/>
+                      <a:tailEnd type="none" w="med" len="med"/>
+                    </a:lnR>
+                    <a:lnT w="12700" cap="flat" cmpd="sng" algn="ctr">
+                      <a:solidFill>
+                        <a:schemeClr val="tx1"/>
+                      </a:solidFill>
+                      <a:prstDash val="solid"/>
+                      <a:round/>
+                      <a:headEnd type="none" w="med" len="med"/>
+                      <a:tailEnd type="none" w="med" len="med"/>
+                    </a:lnT>
+                    <a:lnB w="12700" cap="flat" cmpd="sng" algn="ctr">
+                      <a:solidFill>
+                        <a:schemeClr val="tx1"/>
+                      </a:solidFill>
+                      <a:prstDash val="solid"/>
+                      <a:round/>
+                      <a:headEnd type="none" w="med" len="med"/>
+                      <a:tailEnd type="none" w="med" len="med"/>
+                    </a:lnB>
+                    <a:lnTlToBr w="12700" cmpd="sng">
+                      <a:noFill/>
+                      <a:prstDash val="solid"/>
+                    </a:lnTlToBr>
+                    <a:lnBlToTr w="12700" cmpd="sng">
+                      <a:noFill/>
+                      <a:prstDash val="solid"/>
+                    </a:lnBlToTr>
+                    <a:solidFill>
+                      <a:schemeClr val="bg2">
+                        <a:lumMod val="60000"/>
+                        <a:lumOff val="40000"/>
+                      </a:schemeClr>
+                    </a:solidFill>
+                  </a:tcPr>
+                </a:tc>
+                <a:tc>
+                  <a:txBody>
+                    <a:bodyPr/>
+                    <a:lstStyle/>
+                    <a:p>
+                      <a:r>
+                        <a:rPr lang="en-US" sz="1800" b="0" kern="1200" dirty="0" smtClean="0">
+                          <a:solidFill>
+                            <a:schemeClr val="dk1"/>
+                          </a:solidFill>
+                          <a:latin typeface="+mn-lt"/>
+                          <a:ea typeface="+mn-ea"/>
+                          <a:cs typeface="+mn-cs"/>
+                        </a:rPr>
+                        <a:t>Position</a:t>
+                      </a:r>
+                      <a:endParaRPr lang="en-US" b="0" dirty="0"/>
+                    </a:p>
+                  </a:txBody>
+                  <a:tcPr>
+                    <a:lnL w="12700" cap="flat" cmpd="sng" algn="ctr">
+                      <a:solidFill>
+                        <a:schemeClr val="tx1"/>
+                      </a:solidFill>
+                      <a:prstDash val="solid"/>
+                      <a:round/>
+                      <a:headEnd type="none" w="med" len="med"/>
+                      <a:tailEnd type="none" w="med" len="med"/>
+                    </a:lnL>
+                    <a:lnR w="12700" cap="flat" cmpd="sng" algn="ctr">
+                      <a:solidFill>
+                        <a:schemeClr val="tx1"/>
+                      </a:solidFill>
+                      <a:prstDash val="solid"/>
+                      <a:round/>
+                      <a:headEnd type="none" w="med" len="med"/>
+                      <a:tailEnd type="none" w="med" len="med"/>
+                    </a:lnR>
+                    <a:lnT w="12700" cap="flat" cmpd="sng" algn="ctr">
+                      <a:solidFill>
+                        <a:schemeClr val="tx1"/>
+                      </a:solidFill>
+                      <a:prstDash val="solid"/>
+                      <a:round/>
+                      <a:headEnd type="none" w="med" len="med"/>
+                      <a:tailEnd type="none" w="med" len="med"/>
+                    </a:lnT>
+                    <a:lnB w="12700" cap="flat" cmpd="sng" algn="ctr">
+                      <a:solidFill>
+                        <a:schemeClr val="tx1"/>
+                      </a:solidFill>
+                      <a:prstDash val="solid"/>
+                      <a:round/>
+                      <a:headEnd type="none" w="med" len="med"/>
+                      <a:tailEnd type="none" w="med" len="med"/>
+                    </a:lnB>
+                    <a:lnTlToBr w="12700" cmpd="sng">
+                      <a:noFill/>
+                      <a:prstDash val="solid"/>
+                    </a:lnTlToBr>
+                    <a:lnBlToTr w="12700" cmpd="sng">
+                      <a:noFill/>
+                      <a:prstDash val="solid"/>
+                    </a:lnBlToTr>
+                    <a:solidFill>
+                      <a:schemeClr val="bg2">
+                        <a:lumMod val="60000"/>
+                        <a:lumOff val="40000"/>
+                      </a:schemeClr>
+                    </a:solidFill>
+                  </a:tcPr>
+                </a:tc>
+              </a:tr>
+              <a:tr h="370840">
+                <a:tc>
+                  <a:txBody>
+                    <a:bodyPr/>
+                    <a:lstStyle/>
+                    <a:p>
+                      <a:r>
+                        <a:rPr lang="en-US" dirty="0" smtClean="0"/>
+                        <a:t>12bytes</a:t>
+                      </a:r>
+                      <a:endParaRPr lang="en-US" dirty="0"/>
+                    </a:p>
+                  </a:txBody>
+                  <a:tcPr>
+                    <a:lnL w="12700" cap="flat" cmpd="sng" algn="ctr">
+                      <a:solidFill>
+                        <a:schemeClr val="tx1"/>
+                      </a:solidFill>
+                      <a:prstDash val="solid"/>
+                      <a:round/>
+                      <a:headEnd type="none" w="med" len="med"/>
+                      <a:tailEnd type="none" w="med" len="med"/>
+                    </a:lnL>
+                    <a:lnR w="12700" cap="flat" cmpd="sng" algn="ctr">
+                      <a:solidFill>
+                        <a:schemeClr val="tx1"/>
+                      </a:solidFill>
+                      <a:prstDash val="solid"/>
+                      <a:round/>
+                      <a:headEnd type="none" w="med" len="med"/>
+                      <a:tailEnd type="none" w="med" len="med"/>
+                    </a:lnR>
+                    <a:lnT w="12700" cap="flat" cmpd="sng" algn="ctr">
+                      <a:solidFill>
+                        <a:schemeClr val="tx1"/>
+                      </a:solidFill>
+                      <a:prstDash val="solid"/>
+                      <a:round/>
+                      <a:headEnd type="none" w="med" len="med"/>
+                      <a:tailEnd type="none" w="med" len="med"/>
+                    </a:lnT>
+                    <a:lnB w="12700" cap="flat" cmpd="sng" algn="ctr">
+                      <a:solidFill>
+                        <a:schemeClr val="tx1"/>
+                      </a:solidFill>
+                      <a:prstDash val="solid"/>
+                      <a:round/>
+                      <a:headEnd type="none" w="med" len="med"/>
+                      <a:tailEnd type="none" w="med" len="med"/>
+                    </a:lnB>
+                    <a:lnTlToBr w="12700" cmpd="sng">
+                      <a:noFill/>
+                      <a:prstDash val="solid"/>
+                    </a:lnTlToBr>
+                    <a:lnBlToTr w="12700" cmpd="sng">
+                      <a:noFill/>
+                      <a:prstDash val="solid"/>
+                    </a:lnBlToTr>
+                    <a:solidFill>
+                      <a:schemeClr val="tx1">
+                        <a:lumMod val="50000"/>
+                      </a:schemeClr>
+                    </a:solidFill>
+                  </a:tcPr>
+                </a:tc>
+                <a:tc>
+                  <a:txBody>
+                    <a:bodyPr/>
+                    <a:lstStyle/>
+                    <a:p>
+                      <a:r>
+                        <a:rPr lang="en-US" sz="1800" kern="1200" dirty="0" smtClean="0">
+                          <a:solidFill>
+                            <a:schemeClr val="dk1"/>
+                          </a:solidFill>
+                          <a:latin typeface="+mn-lt"/>
+                          <a:ea typeface="+mn-ea"/>
+                          <a:cs typeface="+mn-cs"/>
+                        </a:rPr>
+                        <a:t>Step</a:t>
+                      </a:r>
+                      <a:endParaRPr lang="en-US" dirty="0"/>
+                    </a:p>
+                  </a:txBody>
+                  <a:tcPr>
+                    <a:lnL w="12700" cap="flat" cmpd="sng" algn="ctr">
+                      <a:solidFill>
+                        <a:schemeClr val="tx1"/>
+                      </a:solidFill>
+                      <a:prstDash val="solid"/>
+                      <a:round/>
+                      <a:headEnd type="none" w="med" len="med"/>
+                      <a:tailEnd type="none" w="med" len="med"/>
+                    </a:lnL>
+                    <a:lnR w="12700" cap="flat" cmpd="sng" algn="ctr">
+                      <a:solidFill>
+                        <a:schemeClr val="tx1"/>
+                      </a:solidFill>
+                      <a:prstDash val="solid"/>
+                      <a:round/>
+                      <a:headEnd type="none" w="med" len="med"/>
+                      <a:tailEnd type="none" w="med" len="med"/>
+                    </a:lnR>
+                    <a:lnT w="12700" cap="flat" cmpd="sng" algn="ctr">
+                      <a:solidFill>
+                        <a:schemeClr val="tx1"/>
+                      </a:solidFill>
+                      <a:prstDash val="solid"/>
+                      <a:round/>
+                      <a:headEnd type="none" w="med" len="med"/>
+                      <a:tailEnd type="none" w="med" len="med"/>
+                    </a:lnT>
+                    <a:lnB w="12700" cap="flat" cmpd="sng" algn="ctr">
+                      <a:solidFill>
+                        <a:schemeClr val="tx1"/>
+                      </a:solidFill>
+                      <a:prstDash val="solid"/>
+                      <a:round/>
+                      <a:headEnd type="none" w="med" len="med"/>
+                      <a:tailEnd type="none" w="med" len="med"/>
+                    </a:lnB>
+                    <a:lnTlToBr w="12700" cmpd="sng">
+                      <a:noFill/>
+                      <a:prstDash val="solid"/>
+                    </a:lnTlToBr>
+                    <a:lnBlToTr w="12700" cmpd="sng">
+                      <a:noFill/>
+                      <a:prstDash val="solid"/>
+                    </a:lnBlToTr>
+                    <a:solidFill>
+                      <a:schemeClr val="accent2">
+                        <a:lumMod val="60000"/>
+                        <a:lumOff val="40000"/>
+                      </a:schemeClr>
+                    </a:solidFill>
+                  </a:tcPr>
+                </a:tc>
+                <a:tc>
+                  <a:txBody>
+                    <a:bodyPr/>
+                    <a:lstStyle/>
+                    <a:p>
+                      <a:r>
+                        <a:rPr lang="en-US" dirty="0" smtClean="0"/>
+                        <a:t>StepCount</a:t>
+                      </a:r>
+                      <a:endParaRPr lang="en-US" dirty="0"/>
+                    </a:p>
+                  </a:txBody>
+                  <a:tcPr>
+                    <a:lnL w="12700" cap="flat" cmpd="sng" algn="ctr">
+                      <a:solidFill>
+                        <a:schemeClr val="tx1"/>
+                      </a:solidFill>
+                      <a:prstDash val="solid"/>
+                      <a:round/>
+                      <a:headEnd type="none" w="med" len="med"/>
+                      <a:tailEnd type="none" w="med" len="med"/>
+                    </a:lnL>
+                    <a:lnR w="12700" cap="flat" cmpd="sng" algn="ctr">
+                      <a:solidFill>
+                        <a:schemeClr val="tx1"/>
+                      </a:solidFill>
+                      <a:prstDash val="solid"/>
+                      <a:round/>
+                      <a:headEnd type="none" w="med" len="med"/>
+                      <a:tailEnd type="none" w="med" len="med"/>
+                    </a:lnR>
+                    <a:lnT w="12700" cap="flat" cmpd="sng" algn="ctr">
+                      <a:solidFill>
+                        <a:schemeClr val="tx1"/>
+                      </a:solidFill>
+                      <a:prstDash val="solid"/>
+                      <a:round/>
+                      <a:headEnd type="none" w="med" len="med"/>
+                      <a:tailEnd type="none" w="med" len="med"/>
+                    </a:lnT>
+                    <a:lnB w="12700" cap="flat" cmpd="sng" algn="ctr">
+                      <a:solidFill>
+                        <a:schemeClr val="tx1"/>
+                      </a:solidFill>
+                      <a:prstDash val="solid"/>
+                      <a:round/>
+                      <a:headEnd type="none" w="med" len="med"/>
+                      <a:tailEnd type="none" w="med" len="med"/>
+                    </a:lnB>
+                    <a:lnTlToBr w="12700" cmpd="sng">
+                      <a:noFill/>
+                      <a:prstDash val="solid"/>
+                    </a:lnTlToBr>
+                    <a:lnBlToTr w="12700" cmpd="sng">
+                      <a:noFill/>
+                      <a:prstDash val="solid"/>
+                    </a:lnBlToTr>
+                    <a:solidFill>
+                      <a:schemeClr val="accent4">
+                        <a:lumMod val="60000"/>
+                        <a:lumOff val="40000"/>
+                      </a:schemeClr>
+                    </a:solidFill>
+                  </a:tcPr>
+                </a:tc>
+                <a:tc>
+                  <a:txBody>
+                    <a:bodyPr/>
+                    <a:lstStyle/>
+                    <a:p>
+                      <a:r>
+                        <a:rPr lang="en-US" sz="1800" kern="1200" dirty="0" smtClean="0">
+                          <a:solidFill>
+                            <a:schemeClr val="dk1"/>
+                          </a:solidFill>
+                          <a:latin typeface="+mn-lt"/>
+                          <a:ea typeface="+mn-ea"/>
+                          <a:cs typeface="+mn-cs"/>
+                        </a:rPr>
+                        <a:t>Step</a:t>
+                      </a:r>
+                      <a:endParaRPr lang="en-US" dirty="0"/>
+                    </a:p>
+                  </a:txBody>
+                  <a:tcPr>
+                    <a:lnL w="12700" cap="flat" cmpd="sng" algn="ctr">
+                      <a:solidFill>
+                        <a:schemeClr val="tx1"/>
+                      </a:solidFill>
+                      <a:prstDash val="solid"/>
+                      <a:round/>
+                      <a:headEnd type="none" w="med" len="med"/>
+                      <a:tailEnd type="none" w="med" len="med"/>
+                    </a:lnL>
+                    <a:lnR w="12700" cap="flat" cmpd="sng" algn="ctr">
+                      <a:solidFill>
+                        <a:schemeClr val="tx1"/>
+                      </a:solidFill>
+                      <a:prstDash val="solid"/>
+                      <a:round/>
+                      <a:headEnd type="none" w="med" len="med"/>
+                      <a:tailEnd type="none" w="med" len="med"/>
+                    </a:lnR>
+                    <a:lnT w="12700" cap="flat" cmpd="sng" algn="ctr">
+                      <a:solidFill>
+                        <a:schemeClr val="tx1"/>
+                      </a:solidFill>
+                      <a:prstDash val="solid"/>
+                      <a:round/>
+                      <a:headEnd type="none" w="med" len="med"/>
+                      <a:tailEnd type="none" w="med" len="med"/>
+                    </a:lnT>
+                    <a:lnB w="12700" cap="flat" cmpd="sng" algn="ctr">
+                      <a:solidFill>
+                        <a:schemeClr val="tx1"/>
+                      </a:solidFill>
+                      <a:prstDash val="solid"/>
+                      <a:round/>
+                      <a:headEnd type="none" w="med" len="med"/>
+                      <a:tailEnd type="none" w="med" len="med"/>
+                    </a:lnB>
+                    <a:lnTlToBr w="12700" cmpd="sng">
+                      <a:noFill/>
+                      <a:prstDash val="solid"/>
+                    </a:lnTlToBr>
+                    <a:lnBlToTr w="12700" cmpd="sng">
+                      <a:noFill/>
+                      <a:prstDash val="solid"/>
+                    </a:lnBlToTr>
+                    <a:solidFill>
+                      <a:schemeClr val="accent2">
+                        <a:lumMod val="60000"/>
+                        <a:lumOff val="40000"/>
+                      </a:schemeClr>
+                    </a:solidFill>
+                  </a:tcPr>
+                </a:tc>
+                <a:tc>
+                  <a:txBody>
+                    <a:bodyPr/>
+                    <a:lstStyle/>
+                    <a:p>
+                      <a:r>
+                        <a:rPr lang="en-US" dirty="0" smtClean="0"/>
+                        <a:t>StepCount</a:t>
+                      </a:r>
+                      <a:endParaRPr lang="en-US" dirty="0"/>
+                    </a:p>
+                  </a:txBody>
+                  <a:tcPr>
+                    <a:lnL w="12700" cap="flat" cmpd="sng" algn="ctr">
+                      <a:solidFill>
+                        <a:schemeClr val="tx1"/>
+                      </a:solidFill>
+                      <a:prstDash val="solid"/>
+                      <a:round/>
+                      <a:headEnd type="none" w="med" len="med"/>
+                      <a:tailEnd type="none" w="med" len="med"/>
+                    </a:lnL>
+                    <a:lnR w="12700" cap="flat" cmpd="sng" algn="ctr">
+                      <a:solidFill>
+                        <a:schemeClr val="tx1"/>
+                      </a:solidFill>
+                      <a:prstDash val="solid"/>
+                      <a:round/>
+                      <a:headEnd type="none" w="med" len="med"/>
+                      <a:tailEnd type="none" w="med" len="med"/>
+                    </a:lnR>
+                    <a:lnT w="12700" cap="flat" cmpd="sng" algn="ctr">
+                      <a:solidFill>
+                        <a:schemeClr val="tx1"/>
+                      </a:solidFill>
+                      <a:prstDash val="solid"/>
+                      <a:round/>
+                      <a:headEnd type="none" w="med" len="med"/>
+                      <a:tailEnd type="none" w="med" len="med"/>
+                    </a:lnT>
+                    <a:lnB w="12700" cap="flat" cmpd="sng" algn="ctr">
+                      <a:solidFill>
+                        <a:schemeClr val="tx1"/>
+                      </a:solidFill>
+                      <a:prstDash val="solid"/>
+                      <a:round/>
+                      <a:headEnd type="none" w="med" len="med"/>
+                      <a:tailEnd type="none" w="med" len="med"/>
+                    </a:lnB>
+                    <a:lnTlToBr w="12700" cmpd="sng">
+                      <a:noFill/>
+                      <a:prstDash val="solid"/>
+                    </a:lnTlToBr>
+                    <a:lnBlToTr w="12700" cmpd="sng">
+                      <a:noFill/>
+                      <a:prstDash val="solid"/>
+                    </a:lnBlToTr>
+                    <a:solidFill>
+                      <a:schemeClr val="accent4">
+                        <a:lumMod val="60000"/>
+                        <a:lumOff val="40000"/>
+                      </a:schemeClr>
+                    </a:solidFill>
+                  </a:tcPr>
+                </a:tc>
+                <a:tc>
+                  <a:txBody>
+                    <a:bodyPr/>
+                    <a:lstStyle/>
+                    <a:p>
+                      <a:r>
+                        <a:rPr lang="en-US" sz="1800" kern="1200" dirty="0" smtClean="0">
+                          <a:solidFill>
+                            <a:schemeClr val="dk1"/>
+                          </a:solidFill>
+                          <a:latin typeface="+mn-lt"/>
+                          <a:ea typeface="+mn-ea"/>
+                          <a:cs typeface="+mn-cs"/>
+                        </a:rPr>
+                        <a:t>Step</a:t>
+                      </a:r>
+                      <a:endParaRPr lang="en-US" dirty="0"/>
+                    </a:p>
+                  </a:txBody>
+                  <a:tcPr>
+                    <a:lnL w="12700" cap="flat" cmpd="sng" algn="ctr">
+                      <a:solidFill>
+                        <a:schemeClr val="tx1"/>
+                      </a:solidFill>
+                      <a:prstDash val="solid"/>
+                      <a:round/>
+                      <a:headEnd type="none" w="med" len="med"/>
+                      <a:tailEnd type="none" w="med" len="med"/>
+                    </a:lnL>
+                    <a:lnR w="12700" cap="flat" cmpd="sng" algn="ctr">
+                      <a:solidFill>
+                        <a:schemeClr val="tx1"/>
+                      </a:solidFill>
+                      <a:prstDash val="solid"/>
+                      <a:round/>
+                      <a:headEnd type="none" w="med" len="med"/>
+                      <a:tailEnd type="none" w="med" len="med"/>
+                    </a:lnR>
+                    <a:lnT w="12700" cap="flat" cmpd="sng" algn="ctr">
+                      <a:solidFill>
+                        <a:schemeClr val="tx1"/>
+                      </a:solidFill>
+                      <a:prstDash val="solid"/>
+                      <a:round/>
+                      <a:headEnd type="none" w="med" len="med"/>
+                      <a:tailEnd type="none" w="med" len="med"/>
+                    </a:lnT>
+                    <a:lnB w="12700" cap="flat" cmpd="sng" algn="ctr">
+                      <a:solidFill>
+                        <a:schemeClr val="tx1"/>
+                      </a:solidFill>
+                      <a:prstDash val="solid"/>
+                      <a:round/>
+                      <a:headEnd type="none" w="med" len="med"/>
+                      <a:tailEnd type="none" w="med" len="med"/>
+                    </a:lnB>
+                    <a:lnTlToBr w="12700" cmpd="sng">
+                      <a:noFill/>
+                      <a:prstDash val="solid"/>
+                    </a:lnTlToBr>
+                    <a:lnBlToTr w="12700" cmpd="sng">
+                      <a:noFill/>
+                      <a:prstDash val="solid"/>
+                    </a:lnBlToTr>
+                    <a:solidFill>
+                      <a:schemeClr val="accent2">
+                        <a:lumMod val="60000"/>
+                        <a:lumOff val="40000"/>
+                      </a:schemeClr>
+                    </a:solidFill>
+                  </a:tcPr>
+                </a:tc>
+                <a:tc>
+                  <a:txBody>
+                    <a:bodyPr/>
+                    <a:lstStyle/>
+                    <a:p>
+                      <a:r>
+                        <a:rPr lang="en-US" dirty="0" smtClean="0"/>
+                        <a:t>StepCount</a:t>
+                      </a:r>
+                      <a:endParaRPr lang="en-US" dirty="0"/>
+                    </a:p>
+                  </a:txBody>
+                  <a:tcPr>
+                    <a:lnL w="12700" cap="flat" cmpd="sng" algn="ctr">
+                      <a:solidFill>
+                        <a:schemeClr val="tx1"/>
+                      </a:solidFill>
+                      <a:prstDash val="solid"/>
+                      <a:round/>
+                      <a:headEnd type="none" w="med" len="med"/>
+                      <a:tailEnd type="none" w="med" len="med"/>
+                    </a:lnL>
+                    <a:lnR w="12700" cap="flat" cmpd="sng" algn="ctr">
+                      <a:solidFill>
+                        <a:schemeClr val="tx1"/>
+                      </a:solidFill>
+                      <a:prstDash val="solid"/>
+                      <a:round/>
+                      <a:headEnd type="none" w="med" len="med"/>
+                      <a:tailEnd type="none" w="med" len="med"/>
+                    </a:lnR>
+                    <a:lnT w="12700" cap="flat" cmpd="sng" algn="ctr">
+                      <a:solidFill>
+                        <a:schemeClr val="tx1"/>
+                      </a:solidFill>
+                      <a:prstDash val="solid"/>
+                      <a:round/>
+                      <a:headEnd type="none" w="med" len="med"/>
+                      <a:tailEnd type="none" w="med" len="med"/>
+                    </a:lnT>
+                    <a:lnB w="12700" cap="flat" cmpd="sng" algn="ctr">
+                      <a:solidFill>
+                        <a:schemeClr val="tx1"/>
+                      </a:solidFill>
+                      <a:prstDash val="solid"/>
+                      <a:round/>
+                      <a:headEnd type="none" w="med" len="med"/>
+                      <a:tailEnd type="none" w="med" len="med"/>
+                    </a:lnB>
+                    <a:lnTlToBr w="12700" cmpd="sng">
+                      <a:noFill/>
+                      <a:prstDash val="solid"/>
+                    </a:lnTlToBr>
+                    <a:lnBlToTr w="12700" cmpd="sng">
+                      <a:noFill/>
+                      <a:prstDash val="solid"/>
+                    </a:lnBlToTr>
+                    <a:solidFill>
+                      <a:schemeClr val="accent4">
+                        <a:lumMod val="60000"/>
+                        <a:lumOff val="40000"/>
+                      </a:schemeClr>
+                    </a:solidFill>
+                  </a:tcPr>
+                </a:tc>
+              </a:tr>
+            </a:tbl>
+          </a:graphicData>
+        </a:graphic>
+      </p:graphicFrame>
+      <p:graphicFrame>
+        <p:nvGraphicFramePr>
+          <p:cNvPr id="5" name="Table 4"/>
+          <p:cNvGraphicFramePr>
+            <a:graphicFrameLocks noGrp="1"/>
+          </p:cNvGraphicFramePr>
+          <p:nvPr>
+            <p:extLst>
+              <p:ext uri="{D42A27DB-BD31-4B8C-83A1-F6EECF244321}">
+                <p14:modId xmlns:p14="http://schemas.microsoft.com/office/powerpoint/2010/main" val="1369988387"/>
+              </p:ext>
+            </p:extLst>
+          </p:nvPr>
+        </p:nvGraphicFramePr>
+        <p:xfrm>
+          <a:off x="888996" y="2353734"/>
+          <a:ext cx="10464804" cy="1112520"/>
+        </p:xfrm>
+        <a:graphic>
+          <a:graphicData uri="http://schemas.openxmlformats.org/drawingml/2006/table">
+            <a:tbl>
+              <a:tblPr firstRow="1" bandRow="1">
+                <a:tableStyleId>{5C22544A-7EE6-4342-B048-85BDC9FD1C3A}</a:tableStyleId>
+              </a:tblPr>
+              <a:tblGrid>
+                <a:gridCol w="1162756"/>
+                <a:gridCol w="1162756"/>
+                <a:gridCol w="1162756"/>
+                <a:gridCol w="1162756"/>
+                <a:gridCol w="1162756"/>
+                <a:gridCol w="1162756"/>
+                <a:gridCol w="1162756"/>
+                <a:gridCol w="1162756"/>
+                <a:gridCol w="1162756"/>
+              </a:tblGrid>
+              <a:tr h="370840">
+                <a:tc gridSpan="3">
+                  <a:txBody>
+                    <a:bodyPr/>
+                    <a:lstStyle/>
+                    <a:p>
+                      <a:pPr algn="ctr"/>
+                      <a:r>
+                        <a:rPr lang="en-US" b="0" dirty="0" smtClean="0">
+                          <a:solidFill>
+                            <a:schemeClr val="bg1"/>
+                          </a:solidFill>
+                        </a:rPr>
+                        <a:t>Ant 1</a:t>
+                      </a:r>
+                      <a:endParaRPr lang="en-US" b="0" dirty="0">
+                        <a:solidFill>
+                          <a:schemeClr val="bg1"/>
+                        </a:solidFill>
+                      </a:endParaRPr>
+                    </a:p>
+                  </a:txBody>
+                  <a:tcPr>
+                    <a:lnL w="12700" cap="flat" cmpd="sng" algn="ctr">
+                      <a:solidFill>
+                        <a:schemeClr val="tx1"/>
+                      </a:solidFill>
+                      <a:prstDash val="solid"/>
+                      <a:round/>
+                      <a:headEnd type="none" w="med" len="med"/>
+                      <a:tailEnd type="none" w="med" len="med"/>
+                    </a:lnL>
+                    <a:lnR w="12700" cap="flat" cmpd="sng" algn="ctr">
+                      <a:solidFill>
+                        <a:schemeClr val="tx1"/>
+                      </a:solidFill>
+                      <a:prstDash val="solid"/>
+                      <a:round/>
+                      <a:headEnd type="none" w="med" len="med"/>
+                      <a:tailEnd type="none" w="med" len="med"/>
+                    </a:lnR>
+                    <a:lnT w="12700" cap="flat" cmpd="sng" algn="ctr">
+                      <a:solidFill>
+                        <a:schemeClr val="tx1"/>
+                      </a:solidFill>
+                      <a:prstDash val="solid"/>
+                      <a:round/>
+                      <a:headEnd type="none" w="med" len="med"/>
+                      <a:tailEnd type="none" w="med" len="med"/>
+                    </a:lnT>
+                    <a:lnB w="12700" cap="flat" cmpd="sng" algn="ctr">
+                      <a:solidFill>
+                        <a:schemeClr val="tx1"/>
+                      </a:solidFill>
+                      <a:prstDash val="solid"/>
+                      <a:round/>
+                      <a:headEnd type="none" w="med" len="med"/>
+                      <a:tailEnd type="none" w="med" len="med"/>
+                    </a:lnB>
+                    <a:lnTlToBr w="12700" cmpd="sng">
+                      <a:noFill/>
+                      <a:prstDash val="solid"/>
+                    </a:lnTlToBr>
+                    <a:lnBlToTr w="12700" cmpd="sng">
+                      <a:noFill/>
+                      <a:prstDash val="solid"/>
+                    </a:lnBlToTr>
+                    <a:solidFill>
+                      <a:schemeClr val="tx1">
+                        <a:lumMod val="50000"/>
+                      </a:schemeClr>
+                    </a:solidFill>
+                  </a:tcPr>
+                </a:tc>
+                <a:tc hMerge="1">
+                  <a:txBody>
+                    <a:bodyPr/>
+                    <a:lstStyle/>
+                    <a:p>
+                      <a:endParaRPr lang="en-US" dirty="0"/>
+                    </a:p>
+                  </a:txBody>
+                  <a:tcPr>
+                    <a:lnL w="12700" cap="flat" cmpd="sng" algn="ctr">
+                      <a:solidFill>
+                        <a:schemeClr val="tx1"/>
+                      </a:solidFill>
+                      <a:prstDash val="solid"/>
+                      <a:round/>
+                      <a:headEnd type="none" w="med" len="med"/>
+                      <a:tailEnd type="none" w="med" len="med"/>
+                    </a:lnL>
+                    <a:lnR w="12700" cap="flat" cmpd="sng" algn="ctr">
+                      <a:solidFill>
+                        <a:schemeClr val="tx1"/>
+                      </a:solidFill>
+                      <a:prstDash val="solid"/>
+                      <a:round/>
+                      <a:headEnd type="none" w="med" len="med"/>
+                      <a:tailEnd type="none" w="med" len="med"/>
+                    </a:lnR>
+                    <a:lnT w="12700" cap="flat" cmpd="sng" algn="ctr">
+                      <a:solidFill>
+                        <a:schemeClr val="tx1"/>
+                      </a:solidFill>
+                      <a:prstDash val="solid"/>
+                      <a:round/>
+                      <a:headEnd type="none" w="med" len="med"/>
+                      <a:tailEnd type="none" w="med" len="med"/>
+                    </a:lnT>
+                    <a:lnB w="12700" cap="flat" cmpd="sng" algn="ctr">
+                      <a:solidFill>
+                        <a:schemeClr val="tx1"/>
+                      </a:solidFill>
+                      <a:prstDash val="solid"/>
+                      <a:round/>
+                      <a:headEnd type="none" w="med" len="med"/>
+                      <a:tailEnd type="none" w="med" len="med"/>
+                    </a:lnB>
+                    <a:lnTlToBr w="12700" cmpd="sng">
+                      <a:noFill/>
+                      <a:prstDash val="solid"/>
+                    </a:lnTlToBr>
+                    <a:lnBlToTr w="12700" cmpd="sng">
+                      <a:noFill/>
+                      <a:prstDash val="solid"/>
+                    </a:lnBlToTr>
+                    <a:solidFill>
+                      <a:schemeClr val="tx1">
+                        <a:lumMod val="50000"/>
+                      </a:schemeClr>
+                    </a:solidFill>
+                  </a:tcPr>
+                </a:tc>
+                <a:tc hMerge="1">
+                  <a:txBody>
+                    <a:bodyPr/>
+                    <a:lstStyle/>
+                    <a:p>
+                      <a:endParaRPr lang="en-US" dirty="0"/>
+                    </a:p>
+                  </a:txBody>
+                  <a:tcPr>
+                    <a:lnL w="12700" cap="flat" cmpd="sng" algn="ctr">
+                      <a:solidFill>
+                        <a:schemeClr val="tx1"/>
+                      </a:solidFill>
+                      <a:prstDash val="solid"/>
+                      <a:round/>
+                      <a:headEnd type="none" w="med" len="med"/>
+                      <a:tailEnd type="none" w="med" len="med"/>
+                    </a:lnL>
+                    <a:lnR w="12700" cap="flat" cmpd="sng" algn="ctr">
+                      <a:solidFill>
+                        <a:schemeClr val="tx1"/>
+                      </a:solidFill>
+                      <a:prstDash val="solid"/>
+                      <a:round/>
+                      <a:headEnd type="none" w="med" len="med"/>
+                      <a:tailEnd type="none" w="med" len="med"/>
+                    </a:lnR>
+                    <a:lnT w="12700" cap="flat" cmpd="sng" algn="ctr">
+                      <a:solidFill>
+                        <a:schemeClr val="tx1"/>
+                      </a:solidFill>
+                      <a:prstDash val="solid"/>
+                      <a:round/>
+                      <a:headEnd type="none" w="med" len="med"/>
+                      <a:tailEnd type="none" w="med" len="med"/>
+                    </a:lnT>
+                    <a:lnB w="12700" cap="flat" cmpd="sng" algn="ctr">
+                      <a:solidFill>
+                        <a:schemeClr val="tx1"/>
+                      </a:solidFill>
+                      <a:prstDash val="solid"/>
+                      <a:round/>
+                      <a:headEnd type="none" w="med" len="med"/>
+                      <a:tailEnd type="none" w="med" len="med"/>
+                    </a:lnB>
+                    <a:lnTlToBr w="12700" cmpd="sng">
+                      <a:noFill/>
+                      <a:prstDash val="solid"/>
+                    </a:lnTlToBr>
+                    <a:lnBlToTr w="12700" cmpd="sng">
+                      <a:noFill/>
+                      <a:prstDash val="solid"/>
+                    </a:lnBlToTr>
+                    <a:solidFill>
+                      <a:schemeClr val="tx1">
+                        <a:lumMod val="50000"/>
+                      </a:schemeClr>
+                    </a:solidFill>
+                  </a:tcPr>
+                </a:tc>
+                <a:tc gridSpan="3">
+                  <a:txBody>
+                    <a:bodyPr/>
+                    <a:lstStyle/>
+                    <a:p>
+                      <a:pPr algn="ctr"/>
+                      <a:r>
+                        <a:rPr lang="en-US" b="0" dirty="0" smtClean="0">
+                          <a:solidFill>
+                            <a:schemeClr val="bg1"/>
+                          </a:solidFill>
+                        </a:rPr>
+                        <a:t>Ant 2</a:t>
+                      </a:r>
+                    </a:p>
+                  </a:txBody>
+                  <a:tcPr>
+                    <a:lnL w="12700" cap="flat" cmpd="sng" algn="ctr">
+                      <a:solidFill>
+                        <a:schemeClr val="tx1"/>
+                      </a:solidFill>
+                      <a:prstDash val="solid"/>
+                      <a:round/>
+                      <a:headEnd type="none" w="med" len="med"/>
+                      <a:tailEnd type="none" w="med" len="med"/>
+                    </a:lnL>
+                    <a:lnR w="12700" cap="flat" cmpd="sng" algn="ctr">
+                      <a:solidFill>
+                        <a:schemeClr val="tx1"/>
+                      </a:solidFill>
+                      <a:prstDash val="solid"/>
+                      <a:round/>
+                      <a:headEnd type="none" w="med" len="med"/>
+                      <a:tailEnd type="none" w="med" len="med"/>
+                    </a:lnR>
+                    <a:lnT w="12700" cap="flat" cmpd="sng" algn="ctr">
+                      <a:solidFill>
+                        <a:schemeClr val="tx1"/>
+                      </a:solidFill>
+                      <a:prstDash val="solid"/>
+                      <a:round/>
+                      <a:headEnd type="none" w="med" len="med"/>
+                      <a:tailEnd type="none" w="med" len="med"/>
+                    </a:lnT>
+                    <a:lnB w="12700" cap="flat" cmpd="sng" algn="ctr">
+                      <a:solidFill>
+                        <a:schemeClr val="tx1"/>
+                      </a:solidFill>
+                      <a:prstDash val="solid"/>
+                      <a:round/>
+                      <a:headEnd type="none" w="med" len="med"/>
+                      <a:tailEnd type="none" w="med" len="med"/>
+                    </a:lnB>
+                    <a:lnTlToBr w="12700" cmpd="sng">
+                      <a:noFill/>
+                      <a:prstDash val="solid"/>
+                    </a:lnTlToBr>
+                    <a:lnBlToTr w="12700" cmpd="sng">
+                      <a:noFill/>
+                      <a:prstDash val="solid"/>
+                    </a:lnBlToTr>
+                    <a:solidFill>
+                      <a:schemeClr val="tx1">
+                        <a:lumMod val="50000"/>
+                      </a:schemeClr>
+                    </a:solidFill>
+                  </a:tcPr>
+                </a:tc>
+                <a:tc hMerge="1">
+                  <a:txBody>
+                    <a:bodyPr/>
+                    <a:lstStyle/>
+                    <a:p>
+                      <a:endParaRPr lang="en-US" dirty="0"/>
+                    </a:p>
+                  </a:txBody>
+                  <a:tcPr>
+                    <a:lnL w="12700" cap="flat" cmpd="sng" algn="ctr">
+                      <a:solidFill>
+                        <a:schemeClr val="tx1"/>
+                      </a:solidFill>
+                      <a:prstDash val="solid"/>
+                      <a:round/>
+                      <a:headEnd type="none" w="med" len="med"/>
+                      <a:tailEnd type="none" w="med" len="med"/>
+                    </a:lnL>
+                    <a:lnR w="12700" cap="flat" cmpd="sng" algn="ctr">
+                      <a:solidFill>
+                        <a:schemeClr val="tx1"/>
+                      </a:solidFill>
+                      <a:prstDash val="solid"/>
+                      <a:round/>
+                      <a:headEnd type="none" w="med" len="med"/>
+                      <a:tailEnd type="none" w="med" len="med"/>
+                    </a:lnR>
+                    <a:lnT w="12700" cap="flat" cmpd="sng" algn="ctr">
+                      <a:solidFill>
+                        <a:schemeClr val="tx1"/>
+                      </a:solidFill>
+                      <a:prstDash val="solid"/>
+                      <a:round/>
+                      <a:headEnd type="none" w="med" len="med"/>
+                      <a:tailEnd type="none" w="med" len="med"/>
+                    </a:lnT>
+                    <a:lnB w="12700" cap="flat" cmpd="sng" algn="ctr">
+                      <a:solidFill>
+                        <a:schemeClr val="tx1"/>
+                      </a:solidFill>
+                      <a:prstDash val="solid"/>
+                      <a:round/>
+                      <a:headEnd type="none" w="med" len="med"/>
+                      <a:tailEnd type="none" w="med" len="med"/>
+                    </a:lnB>
+                    <a:lnTlToBr w="12700" cmpd="sng">
+                      <a:noFill/>
+                      <a:prstDash val="solid"/>
+                    </a:lnTlToBr>
+                    <a:lnBlToTr w="12700" cmpd="sng">
+                      <a:noFill/>
+                      <a:prstDash val="solid"/>
+                    </a:lnBlToTr>
+                    <a:solidFill>
+                      <a:schemeClr val="tx1">
+                        <a:lumMod val="50000"/>
+                      </a:schemeClr>
+                    </a:solidFill>
+                  </a:tcPr>
+                </a:tc>
+                <a:tc hMerge="1">
+                  <a:txBody>
+                    <a:bodyPr/>
+                    <a:lstStyle/>
+                    <a:p>
+                      <a:endParaRPr lang="en-US" dirty="0"/>
+                    </a:p>
+                  </a:txBody>
+                  <a:tcPr>
+                    <a:lnL w="12700" cap="flat" cmpd="sng" algn="ctr">
+                      <a:solidFill>
+                        <a:schemeClr val="tx1"/>
+                      </a:solidFill>
+                      <a:prstDash val="solid"/>
+                      <a:round/>
+                      <a:headEnd type="none" w="med" len="med"/>
+                      <a:tailEnd type="none" w="med" len="med"/>
+                    </a:lnL>
+                    <a:lnR w="12700" cap="flat" cmpd="sng" algn="ctr">
+                      <a:solidFill>
+                        <a:schemeClr val="tx1"/>
+                      </a:solidFill>
+                      <a:prstDash val="solid"/>
+                      <a:round/>
+                      <a:headEnd type="none" w="med" len="med"/>
+                      <a:tailEnd type="none" w="med" len="med"/>
+                    </a:lnR>
+                    <a:lnT w="12700" cap="flat" cmpd="sng" algn="ctr">
+                      <a:solidFill>
+                        <a:schemeClr val="tx1"/>
+                      </a:solidFill>
+                      <a:prstDash val="solid"/>
+                      <a:round/>
+                      <a:headEnd type="none" w="med" len="med"/>
+                      <a:tailEnd type="none" w="med" len="med"/>
+                    </a:lnT>
+                    <a:lnB w="12700" cap="flat" cmpd="sng" algn="ctr">
+                      <a:solidFill>
+                        <a:schemeClr val="tx1"/>
+                      </a:solidFill>
+                      <a:prstDash val="solid"/>
+                      <a:round/>
+                      <a:headEnd type="none" w="med" len="med"/>
+                      <a:tailEnd type="none" w="med" len="med"/>
+                    </a:lnB>
+                    <a:lnTlToBr w="12700" cmpd="sng">
+                      <a:noFill/>
+                      <a:prstDash val="solid"/>
+                    </a:lnTlToBr>
+                    <a:lnBlToTr w="12700" cmpd="sng">
+                      <a:noFill/>
+                      <a:prstDash val="solid"/>
+                    </a:lnBlToTr>
+                    <a:solidFill>
+                      <a:schemeClr val="tx1">
+                        <a:lumMod val="50000"/>
+                      </a:schemeClr>
+                    </a:solidFill>
+                  </a:tcPr>
+                </a:tc>
+                <a:tc gridSpan="3">
+                  <a:txBody>
+                    <a:bodyPr/>
+                    <a:lstStyle/>
+                    <a:p>
+                      <a:pPr algn="ctr"/>
+                      <a:r>
+                        <a:rPr lang="en-US" b="0" dirty="0" smtClean="0">
+                          <a:solidFill>
+                            <a:schemeClr val="bg1"/>
+                          </a:solidFill>
+                        </a:rPr>
+                        <a:t>Ant ...n</a:t>
+                      </a:r>
+                    </a:p>
+                  </a:txBody>
+                  <a:tcPr>
+                    <a:lnL w="12700" cap="flat" cmpd="sng" algn="ctr">
+                      <a:solidFill>
+                        <a:schemeClr val="tx1"/>
+                      </a:solidFill>
+                      <a:prstDash val="solid"/>
+                      <a:round/>
+                      <a:headEnd type="none" w="med" len="med"/>
+                      <a:tailEnd type="none" w="med" len="med"/>
+                    </a:lnL>
+                    <a:lnR w="12700" cap="flat" cmpd="sng" algn="ctr">
+                      <a:solidFill>
+                        <a:schemeClr val="tx1"/>
+                      </a:solidFill>
+                      <a:prstDash val="solid"/>
+                      <a:round/>
+                      <a:headEnd type="none" w="med" len="med"/>
+                      <a:tailEnd type="none" w="med" len="med"/>
+                    </a:lnR>
+                    <a:lnT w="12700" cap="flat" cmpd="sng" algn="ctr">
+                      <a:solidFill>
+                        <a:schemeClr val="tx1"/>
+                      </a:solidFill>
+                      <a:prstDash val="solid"/>
+                      <a:round/>
+                      <a:headEnd type="none" w="med" len="med"/>
+                      <a:tailEnd type="none" w="med" len="med"/>
+                    </a:lnT>
+                    <a:lnB w="12700" cap="flat" cmpd="sng" algn="ctr">
+                      <a:solidFill>
+                        <a:schemeClr val="tx1"/>
+                      </a:solidFill>
+                      <a:prstDash val="solid"/>
+                      <a:round/>
+                      <a:headEnd type="none" w="med" len="med"/>
+                      <a:tailEnd type="none" w="med" len="med"/>
+                    </a:lnB>
+                    <a:lnTlToBr w="12700" cmpd="sng">
+                      <a:noFill/>
+                      <a:prstDash val="solid"/>
+                    </a:lnTlToBr>
+                    <a:lnBlToTr w="12700" cmpd="sng">
+                      <a:noFill/>
+                      <a:prstDash val="solid"/>
+                    </a:lnBlToTr>
+                    <a:solidFill>
+                      <a:schemeClr val="tx1">
+                        <a:lumMod val="50000"/>
+                      </a:schemeClr>
+                    </a:solidFill>
+                  </a:tcPr>
+                </a:tc>
+                <a:tc hMerge="1">
+                  <a:txBody>
+                    <a:bodyPr/>
+                    <a:lstStyle/>
+                    <a:p>
+                      <a:endParaRPr lang="en-US" dirty="0"/>
+                    </a:p>
+                  </a:txBody>
+                  <a:tcPr>
+                    <a:lnL w="12700" cap="flat" cmpd="sng" algn="ctr">
+                      <a:solidFill>
+                        <a:schemeClr val="tx1"/>
+                      </a:solidFill>
+                      <a:prstDash val="solid"/>
+                      <a:round/>
+                      <a:headEnd type="none" w="med" len="med"/>
+                      <a:tailEnd type="none" w="med" len="med"/>
+                    </a:lnL>
+                    <a:lnR w="12700" cap="flat" cmpd="sng" algn="ctr">
+                      <a:solidFill>
+                        <a:schemeClr val="tx1"/>
+                      </a:solidFill>
+                      <a:prstDash val="solid"/>
+                      <a:round/>
+                      <a:headEnd type="none" w="med" len="med"/>
+                      <a:tailEnd type="none" w="med" len="med"/>
+                    </a:lnR>
+                    <a:lnT w="12700" cap="flat" cmpd="sng" algn="ctr">
+                      <a:solidFill>
+                        <a:schemeClr val="tx1"/>
+                      </a:solidFill>
+                      <a:prstDash val="solid"/>
+                      <a:round/>
+                      <a:headEnd type="none" w="med" len="med"/>
+                      <a:tailEnd type="none" w="med" len="med"/>
+                    </a:lnT>
+                    <a:lnB w="12700" cap="flat" cmpd="sng" algn="ctr">
+                      <a:solidFill>
+                        <a:schemeClr val="tx1"/>
+                      </a:solidFill>
+                      <a:prstDash val="solid"/>
+                      <a:round/>
+                      <a:headEnd type="none" w="med" len="med"/>
+                      <a:tailEnd type="none" w="med" len="med"/>
+                    </a:lnB>
+                    <a:lnTlToBr w="12700" cmpd="sng">
+                      <a:noFill/>
+                      <a:prstDash val="solid"/>
+                    </a:lnTlToBr>
+                    <a:lnBlToTr w="12700" cmpd="sng">
+                      <a:noFill/>
+                      <a:prstDash val="solid"/>
+                    </a:lnBlToTr>
+                    <a:solidFill>
+                      <a:schemeClr val="tx1">
+                        <a:lumMod val="50000"/>
+                      </a:schemeClr>
+                    </a:solidFill>
+                  </a:tcPr>
+                </a:tc>
+                <a:tc hMerge="1">
+                  <a:txBody>
+                    <a:bodyPr/>
+                    <a:lstStyle/>
+                    <a:p>
+                      <a:endParaRPr lang="en-US" dirty="0"/>
+                    </a:p>
+                  </a:txBody>
+                  <a:tcPr>
+                    <a:lnL w="12700" cap="flat" cmpd="sng" algn="ctr">
+                      <a:solidFill>
+                        <a:schemeClr val="tx1"/>
+                      </a:solidFill>
+                      <a:prstDash val="solid"/>
+                      <a:round/>
+                      <a:headEnd type="none" w="med" len="med"/>
+                      <a:tailEnd type="none" w="med" len="med"/>
+                    </a:lnL>
+                    <a:lnR w="12700" cap="flat" cmpd="sng" algn="ctr">
+                      <a:solidFill>
+                        <a:schemeClr val="tx1"/>
+                      </a:solidFill>
+                      <a:prstDash val="solid"/>
+                      <a:round/>
+                      <a:headEnd type="none" w="med" len="med"/>
+                      <a:tailEnd type="none" w="med" len="med"/>
+                    </a:lnR>
+                    <a:lnT w="12700" cap="flat" cmpd="sng" algn="ctr">
+                      <a:solidFill>
+                        <a:schemeClr val="tx1"/>
+                      </a:solidFill>
+                      <a:prstDash val="solid"/>
+                      <a:round/>
+                      <a:headEnd type="none" w="med" len="med"/>
+                      <a:tailEnd type="none" w="med" len="med"/>
+                    </a:lnT>
+                    <a:lnB w="12700" cap="flat" cmpd="sng" algn="ctr">
+                      <a:solidFill>
+                        <a:schemeClr val="tx1"/>
+                      </a:solidFill>
+                      <a:prstDash val="solid"/>
+                      <a:round/>
+                      <a:headEnd type="none" w="med" len="med"/>
+                      <a:tailEnd type="none" w="med" len="med"/>
+                    </a:lnB>
+                    <a:lnTlToBr w="12700" cmpd="sng">
+                      <a:noFill/>
+                      <a:prstDash val="solid"/>
+                    </a:lnTlToBr>
+                    <a:lnBlToTr w="12700" cmpd="sng">
+                      <a:noFill/>
+                      <a:prstDash val="solid"/>
+                    </a:lnBlToTr>
+                    <a:solidFill>
+                      <a:schemeClr val="tx1">
+                        <a:lumMod val="50000"/>
+                      </a:schemeClr>
+                    </a:solidFill>
+                  </a:tcPr>
+                </a:tc>
+              </a:tr>
+              <a:tr h="370840">
+                <a:tc>
+                  <a:txBody>
+                    <a:bodyPr/>
+                    <a:lstStyle/>
+                    <a:p>
+                      <a:pPr marL="0" algn="l" defTabSz="914400" rtl="0" eaLnBrk="1" latinLnBrk="0" hangingPunct="1"/>
+                      <a:r>
+                        <a:rPr lang="en-US" sz="1800" kern="1200" dirty="0" smtClean="0">
+                          <a:solidFill>
+                            <a:schemeClr val="dk1"/>
+                          </a:solidFill>
+                          <a:latin typeface="+mn-lt"/>
+                          <a:ea typeface="+mn-ea"/>
+                          <a:cs typeface="+mn-cs"/>
+                        </a:rPr>
+                        <a:t>Position</a:t>
+                      </a:r>
+                      <a:endParaRPr lang="en-US" sz="1800" kern="1200" dirty="0">
+                        <a:solidFill>
+                          <a:schemeClr val="dk1"/>
+                        </a:solidFill>
+                        <a:latin typeface="+mn-lt"/>
+                        <a:ea typeface="+mn-ea"/>
+                        <a:cs typeface="+mn-cs"/>
+                      </a:endParaRPr>
+                    </a:p>
+                  </a:txBody>
+                  <a:tcPr>
+                    <a:lnL w="12700" cap="flat" cmpd="sng" algn="ctr">
+                      <a:solidFill>
+                        <a:schemeClr val="tx1"/>
+                      </a:solidFill>
+                      <a:prstDash val="solid"/>
+                      <a:round/>
+                      <a:headEnd type="none" w="med" len="med"/>
+                      <a:tailEnd type="none" w="med" len="med"/>
+                    </a:lnL>
+                    <a:lnR w="12700" cap="flat" cmpd="sng" algn="ctr">
+                      <a:solidFill>
+                        <a:schemeClr val="tx1"/>
+                      </a:solidFill>
+                      <a:prstDash val="solid"/>
+                      <a:round/>
+                      <a:headEnd type="none" w="med" len="med"/>
+                      <a:tailEnd type="none" w="med" len="med"/>
+                    </a:lnR>
+                    <a:lnT w="12700" cap="flat" cmpd="sng" algn="ctr">
+                      <a:solidFill>
+                        <a:schemeClr val="tx1"/>
+                      </a:solidFill>
+                      <a:prstDash val="solid"/>
+                      <a:round/>
+                      <a:headEnd type="none" w="med" len="med"/>
+                      <a:tailEnd type="none" w="med" len="med"/>
+                    </a:lnT>
+                    <a:lnB w="12700" cap="flat" cmpd="sng" algn="ctr">
+                      <a:solidFill>
+                        <a:schemeClr val="tx1"/>
+                      </a:solidFill>
+                      <a:prstDash val="solid"/>
+                      <a:round/>
+                      <a:headEnd type="none" w="med" len="med"/>
+                      <a:tailEnd type="none" w="med" len="med"/>
+                    </a:lnB>
+                    <a:lnTlToBr w="12700" cmpd="sng">
+                      <a:noFill/>
+                      <a:prstDash val="solid"/>
+                    </a:lnTlToBr>
+                    <a:lnBlToTr w="12700" cmpd="sng">
+                      <a:noFill/>
+                      <a:prstDash val="solid"/>
+                    </a:lnBlToTr>
+                    <a:solidFill>
+                      <a:schemeClr val="bg2">
+                        <a:lumMod val="60000"/>
+                        <a:lumOff val="40000"/>
+                      </a:schemeClr>
+                    </a:solidFill>
+                  </a:tcPr>
+                </a:tc>
+                <a:tc>
+                  <a:txBody>
+                    <a:bodyPr/>
+                    <a:lstStyle/>
+                    <a:p>
+                      <a:pPr marL="0" algn="l" defTabSz="914400" rtl="0" eaLnBrk="1" latinLnBrk="0" hangingPunct="1"/>
+                      <a:r>
+                        <a:rPr lang="en-US" sz="1800" kern="1200" dirty="0" smtClean="0">
+                          <a:solidFill>
+                            <a:schemeClr val="dk1"/>
+                          </a:solidFill>
+                          <a:latin typeface="+mn-lt"/>
+                          <a:ea typeface="+mn-ea"/>
+                          <a:cs typeface="+mn-cs"/>
+                        </a:rPr>
+                        <a:t>Step</a:t>
+                      </a:r>
+                      <a:endParaRPr lang="en-US" sz="1800" kern="1200" dirty="0">
+                        <a:solidFill>
+                          <a:schemeClr val="dk1"/>
+                        </a:solidFill>
+                        <a:latin typeface="+mn-lt"/>
+                        <a:ea typeface="+mn-ea"/>
+                        <a:cs typeface="+mn-cs"/>
+                      </a:endParaRPr>
+                    </a:p>
+                  </a:txBody>
+                  <a:tcPr>
+                    <a:lnL w="12700" cap="flat" cmpd="sng" algn="ctr">
+                      <a:solidFill>
+                        <a:schemeClr val="tx1"/>
+                      </a:solidFill>
+                      <a:prstDash val="solid"/>
+                      <a:round/>
+                      <a:headEnd type="none" w="med" len="med"/>
+                      <a:tailEnd type="none" w="med" len="med"/>
+                    </a:lnL>
+                    <a:lnR w="12700" cap="flat" cmpd="sng" algn="ctr">
+                      <a:solidFill>
+                        <a:schemeClr val="tx1"/>
+                      </a:solidFill>
+                      <a:prstDash val="solid"/>
+                      <a:round/>
+                      <a:headEnd type="none" w="med" len="med"/>
+                      <a:tailEnd type="none" w="med" len="med"/>
+                    </a:lnR>
+                    <a:lnT w="12700" cap="flat" cmpd="sng" algn="ctr">
+                      <a:solidFill>
+                        <a:schemeClr val="tx1"/>
+                      </a:solidFill>
+                      <a:prstDash val="solid"/>
+                      <a:round/>
+                      <a:headEnd type="none" w="med" len="med"/>
+                      <a:tailEnd type="none" w="med" len="med"/>
+                    </a:lnT>
+                    <a:lnB w="12700" cap="flat" cmpd="sng" algn="ctr">
+                      <a:solidFill>
+                        <a:schemeClr val="tx1"/>
+                      </a:solidFill>
+                      <a:prstDash val="solid"/>
+                      <a:round/>
+                      <a:headEnd type="none" w="med" len="med"/>
+                      <a:tailEnd type="none" w="med" len="med"/>
+                    </a:lnB>
+                    <a:lnTlToBr w="12700" cmpd="sng">
+                      <a:noFill/>
+                      <a:prstDash val="solid"/>
+                    </a:lnTlToBr>
+                    <a:lnBlToTr w="12700" cmpd="sng">
+                      <a:noFill/>
+                      <a:prstDash val="solid"/>
+                    </a:lnBlToTr>
+                    <a:solidFill>
+                      <a:schemeClr val="accent2">
+                        <a:lumMod val="60000"/>
+                        <a:lumOff val="40000"/>
+                      </a:schemeClr>
+                    </a:solidFill>
+                  </a:tcPr>
+                </a:tc>
+                <a:tc>
+                  <a:txBody>
+                    <a:bodyPr/>
+                    <a:lstStyle/>
+                    <a:p>
+                      <a:pPr marL="0" algn="l" defTabSz="914400" rtl="0" eaLnBrk="1" latinLnBrk="0" hangingPunct="1"/>
+                      <a:r>
+                        <a:rPr lang="en-US" sz="1800" kern="1200" dirty="0" smtClean="0">
+                          <a:solidFill>
+                            <a:schemeClr val="dk1"/>
+                          </a:solidFill>
+                          <a:latin typeface="+mn-lt"/>
+                          <a:ea typeface="+mn-ea"/>
+                          <a:cs typeface="+mn-cs"/>
+                        </a:rPr>
+                        <a:t>StepCount</a:t>
+                      </a:r>
+                      <a:endParaRPr lang="en-US" sz="1800" kern="1200" dirty="0">
+                        <a:solidFill>
+                          <a:schemeClr val="dk1"/>
+                        </a:solidFill>
+                        <a:latin typeface="+mn-lt"/>
+                        <a:ea typeface="+mn-ea"/>
+                        <a:cs typeface="+mn-cs"/>
+                      </a:endParaRPr>
+                    </a:p>
+                  </a:txBody>
+                  <a:tcPr>
+                    <a:lnL w="12700" cap="flat" cmpd="sng" algn="ctr">
+                      <a:solidFill>
+                        <a:schemeClr val="tx1"/>
+                      </a:solidFill>
+                      <a:prstDash val="solid"/>
+                      <a:round/>
+                      <a:headEnd type="none" w="med" len="med"/>
+                      <a:tailEnd type="none" w="med" len="med"/>
+                    </a:lnL>
+                    <a:lnR w="12700" cap="flat" cmpd="sng" algn="ctr">
+                      <a:solidFill>
+                        <a:schemeClr val="tx1"/>
+                      </a:solidFill>
+                      <a:prstDash val="solid"/>
+                      <a:round/>
+                      <a:headEnd type="none" w="med" len="med"/>
+                      <a:tailEnd type="none" w="med" len="med"/>
+                    </a:lnR>
+                    <a:lnT w="12700" cap="flat" cmpd="sng" algn="ctr">
+                      <a:solidFill>
+                        <a:schemeClr val="tx1"/>
+                      </a:solidFill>
+                      <a:prstDash val="solid"/>
+                      <a:round/>
+                      <a:headEnd type="none" w="med" len="med"/>
+                      <a:tailEnd type="none" w="med" len="med"/>
+                    </a:lnT>
+                    <a:lnB w="12700" cap="flat" cmpd="sng" algn="ctr">
+                      <a:solidFill>
+                        <a:schemeClr val="tx1"/>
+                      </a:solidFill>
+                      <a:prstDash val="solid"/>
+                      <a:round/>
+                      <a:headEnd type="none" w="med" len="med"/>
+                      <a:tailEnd type="none" w="med" len="med"/>
+                    </a:lnB>
+                    <a:lnTlToBr w="12700" cmpd="sng">
+                      <a:noFill/>
+                      <a:prstDash val="solid"/>
+                    </a:lnTlToBr>
+                    <a:lnBlToTr w="12700" cmpd="sng">
+                      <a:noFill/>
+                      <a:prstDash val="solid"/>
+                    </a:lnBlToTr>
+                    <a:solidFill>
+                      <a:schemeClr val="accent4">
+                        <a:lumMod val="60000"/>
+                        <a:lumOff val="40000"/>
+                      </a:schemeClr>
+                    </a:solidFill>
+                  </a:tcPr>
+                </a:tc>
+                <a:tc>
+                  <a:txBody>
+                    <a:bodyPr/>
+                    <a:lstStyle/>
+                    <a:p>
+                      <a:pPr marL="0" algn="l" defTabSz="914400" rtl="0" eaLnBrk="1" latinLnBrk="0" hangingPunct="1"/>
+                      <a:r>
+                        <a:rPr lang="en-US" sz="1800" kern="1200" dirty="0" smtClean="0">
+                          <a:solidFill>
+                            <a:schemeClr val="dk1"/>
+                          </a:solidFill>
+                          <a:latin typeface="+mn-lt"/>
+                          <a:ea typeface="+mn-ea"/>
+                          <a:cs typeface="+mn-cs"/>
+                        </a:rPr>
+                        <a:t>Position</a:t>
+                      </a:r>
+                      <a:endParaRPr lang="en-US" sz="1800" kern="1200" dirty="0">
+                        <a:solidFill>
+                          <a:schemeClr val="dk1"/>
+                        </a:solidFill>
+                        <a:latin typeface="+mn-lt"/>
+                        <a:ea typeface="+mn-ea"/>
+                        <a:cs typeface="+mn-cs"/>
+                      </a:endParaRPr>
+                    </a:p>
+                  </a:txBody>
+                  <a:tcPr>
+                    <a:lnL w="12700" cap="flat" cmpd="sng" algn="ctr">
+                      <a:solidFill>
+                        <a:schemeClr val="tx1"/>
+                      </a:solidFill>
+                      <a:prstDash val="solid"/>
+                      <a:round/>
+                      <a:headEnd type="none" w="med" len="med"/>
+                      <a:tailEnd type="none" w="med" len="med"/>
+                    </a:lnL>
+                    <a:lnR w="12700" cap="flat" cmpd="sng" algn="ctr">
+                      <a:solidFill>
+                        <a:schemeClr val="tx1"/>
+                      </a:solidFill>
+                      <a:prstDash val="solid"/>
+                      <a:round/>
+                      <a:headEnd type="none" w="med" len="med"/>
+                      <a:tailEnd type="none" w="med" len="med"/>
+                    </a:lnR>
+                    <a:lnT w="12700" cap="flat" cmpd="sng" algn="ctr">
+                      <a:solidFill>
+                        <a:schemeClr val="tx1"/>
+                      </a:solidFill>
+                      <a:prstDash val="solid"/>
+                      <a:round/>
+                      <a:headEnd type="none" w="med" len="med"/>
+                      <a:tailEnd type="none" w="med" len="med"/>
+                    </a:lnT>
+                    <a:lnB w="12700" cap="flat" cmpd="sng" algn="ctr">
+                      <a:solidFill>
+                        <a:schemeClr val="tx1"/>
+                      </a:solidFill>
+                      <a:prstDash val="solid"/>
+                      <a:round/>
+                      <a:headEnd type="none" w="med" len="med"/>
+                      <a:tailEnd type="none" w="med" len="med"/>
+                    </a:lnB>
+                    <a:lnTlToBr w="12700" cmpd="sng">
+                      <a:noFill/>
+                      <a:prstDash val="solid"/>
+                    </a:lnTlToBr>
+                    <a:lnBlToTr w="12700" cmpd="sng">
+                      <a:noFill/>
+                      <a:prstDash val="solid"/>
+                    </a:lnBlToTr>
+                    <a:solidFill>
+                      <a:schemeClr val="bg2">
+                        <a:lumMod val="60000"/>
+                        <a:lumOff val="40000"/>
+                      </a:schemeClr>
+                    </a:solidFill>
+                  </a:tcPr>
+                </a:tc>
+                <a:tc>
+                  <a:txBody>
+                    <a:bodyPr/>
+                    <a:lstStyle/>
+                    <a:p>
+                      <a:pPr marL="0" algn="l" defTabSz="914400" rtl="0" eaLnBrk="1" latinLnBrk="0" hangingPunct="1"/>
+                      <a:r>
+                        <a:rPr lang="en-US" sz="1800" kern="1200" dirty="0" smtClean="0">
+                          <a:solidFill>
+                            <a:schemeClr val="dk1"/>
+                          </a:solidFill>
+                          <a:latin typeface="+mn-lt"/>
+                          <a:ea typeface="+mn-ea"/>
+                          <a:cs typeface="+mn-cs"/>
+                        </a:rPr>
+                        <a:t>Step</a:t>
+                      </a:r>
+                      <a:endParaRPr lang="en-US" sz="1800" kern="1200" dirty="0">
+                        <a:solidFill>
+                          <a:schemeClr val="dk1"/>
+                        </a:solidFill>
+                        <a:latin typeface="+mn-lt"/>
+                        <a:ea typeface="+mn-ea"/>
+                        <a:cs typeface="+mn-cs"/>
+                      </a:endParaRPr>
+                    </a:p>
+                  </a:txBody>
+                  <a:tcPr>
+                    <a:lnL w="12700" cap="flat" cmpd="sng" algn="ctr">
+                      <a:solidFill>
+                        <a:schemeClr val="tx1"/>
+                      </a:solidFill>
+                      <a:prstDash val="solid"/>
+                      <a:round/>
+                      <a:headEnd type="none" w="med" len="med"/>
+                      <a:tailEnd type="none" w="med" len="med"/>
+                    </a:lnL>
+                    <a:lnR w="12700" cap="flat" cmpd="sng" algn="ctr">
+                      <a:solidFill>
+                        <a:schemeClr val="tx1"/>
+                      </a:solidFill>
+                      <a:prstDash val="solid"/>
+                      <a:round/>
+                      <a:headEnd type="none" w="med" len="med"/>
+                      <a:tailEnd type="none" w="med" len="med"/>
+                    </a:lnR>
+                    <a:lnT w="12700" cap="flat" cmpd="sng" algn="ctr">
+                      <a:solidFill>
+                        <a:schemeClr val="tx1"/>
+                      </a:solidFill>
+                      <a:prstDash val="solid"/>
+                      <a:round/>
+                      <a:headEnd type="none" w="med" len="med"/>
+                      <a:tailEnd type="none" w="med" len="med"/>
+                    </a:lnT>
+                    <a:lnB w="12700" cap="flat" cmpd="sng" algn="ctr">
+                      <a:solidFill>
+                        <a:schemeClr val="tx1"/>
+                      </a:solidFill>
+                      <a:prstDash val="solid"/>
+                      <a:round/>
+                      <a:headEnd type="none" w="med" len="med"/>
+                      <a:tailEnd type="none" w="med" len="med"/>
+                    </a:lnB>
+                    <a:lnTlToBr w="12700" cmpd="sng">
+                      <a:noFill/>
+                      <a:prstDash val="solid"/>
+                    </a:lnTlToBr>
+                    <a:lnBlToTr w="12700" cmpd="sng">
+                      <a:noFill/>
+                      <a:prstDash val="solid"/>
+                    </a:lnBlToTr>
+                    <a:solidFill>
+                      <a:schemeClr val="accent2">
+                        <a:lumMod val="60000"/>
+                        <a:lumOff val="40000"/>
+                      </a:schemeClr>
+                    </a:solidFill>
+                  </a:tcPr>
+                </a:tc>
+                <a:tc>
+                  <a:txBody>
+                    <a:bodyPr/>
+                    <a:lstStyle/>
+                    <a:p>
+                      <a:pPr marL="0" algn="l" defTabSz="914400" rtl="0" eaLnBrk="1" latinLnBrk="0" hangingPunct="1"/>
+                      <a:r>
+                        <a:rPr lang="en-US" sz="1800" kern="1200" dirty="0" smtClean="0">
+                          <a:solidFill>
+                            <a:schemeClr val="dk1"/>
+                          </a:solidFill>
+                          <a:latin typeface="+mn-lt"/>
+                          <a:ea typeface="+mn-ea"/>
+                          <a:cs typeface="+mn-cs"/>
+                        </a:rPr>
+                        <a:t>StepCount</a:t>
+                      </a:r>
+                      <a:endParaRPr lang="en-US" sz="1800" kern="1200" dirty="0">
+                        <a:solidFill>
+                          <a:schemeClr val="dk1"/>
+                        </a:solidFill>
+                        <a:latin typeface="+mn-lt"/>
+                        <a:ea typeface="+mn-ea"/>
+                        <a:cs typeface="+mn-cs"/>
+                      </a:endParaRPr>
+                    </a:p>
+                  </a:txBody>
+                  <a:tcPr>
+                    <a:lnL w="12700" cap="flat" cmpd="sng" algn="ctr">
+                      <a:solidFill>
+                        <a:schemeClr val="tx1"/>
+                      </a:solidFill>
+                      <a:prstDash val="solid"/>
+                      <a:round/>
+                      <a:headEnd type="none" w="med" len="med"/>
+                      <a:tailEnd type="none" w="med" len="med"/>
+                    </a:lnL>
+                    <a:lnR w="12700" cap="flat" cmpd="sng" algn="ctr">
+                      <a:solidFill>
+                        <a:schemeClr val="tx1"/>
+                      </a:solidFill>
+                      <a:prstDash val="solid"/>
+                      <a:round/>
+                      <a:headEnd type="none" w="med" len="med"/>
+                      <a:tailEnd type="none" w="med" len="med"/>
+                    </a:lnR>
+                    <a:lnT w="12700" cap="flat" cmpd="sng" algn="ctr">
+                      <a:solidFill>
+                        <a:schemeClr val="tx1"/>
+                      </a:solidFill>
+                      <a:prstDash val="solid"/>
+                      <a:round/>
+                      <a:headEnd type="none" w="med" len="med"/>
+                      <a:tailEnd type="none" w="med" len="med"/>
+                    </a:lnT>
+                    <a:lnB w="12700" cap="flat" cmpd="sng" algn="ctr">
+                      <a:solidFill>
+                        <a:schemeClr val="tx1"/>
+                      </a:solidFill>
+                      <a:prstDash val="solid"/>
+                      <a:round/>
+                      <a:headEnd type="none" w="med" len="med"/>
+                      <a:tailEnd type="none" w="med" len="med"/>
+                    </a:lnB>
+                    <a:lnTlToBr w="12700" cmpd="sng">
+                      <a:noFill/>
+                      <a:prstDash val="solid"/>
+                    </a:lnTlToBr>
+                    <a:lnBlToTr w="12700" cmpd="sng">
+                      <a:noFill/>
+                      <a:prstDash val="solid"/>
+                    </a:lnBlToTr>
+                    <a:solidFill>
+                      <a:schemeClr val="accent4">
+                        <a:lumMod val="60000"/>
+                        <a:lumOff val="40000"/>
+                      </a:schemeClr>
+                    </a:solidFill>
+                  </a:tcPr>
+                </a:tc>
+                <a:tc>
+                  <a:txBody>
+                    <a:bodyPr/>
+                    <a:lstStyle/>
+                    <a:p>
+                      <a:r>
+                        <a:rPr lang="en-US" dirty="0" smtClean="0"/>
+                        <a:t>Position</a:t>
+                      </a:r>
+                      <a:endParaRPr lang="en-US" dirty="0"/>
+                    </a:p>
+                  </a:txBody>
+                  <a:tcPr>
+                    <a:lnL w="12700" cap="flat" cmpd="sng" algn="ctr">
+                      <a:solidFill>
+                        <a:schemeClr val="tx1"/>
+                      </a:solidFill>
+                      <a:prstDash val="solid"/>
+                      <a:round/>
+                      <a:headEnd type="none" w="med" len="med"/>
+                      <a:tailEnd type="none" w="med" len="med"/>
+                    </a:lnL>
+                    <a:lnR w="12700" cap="flat" cmpd="sng" algn="ctr">
+                      <a:solidFill>
+                        <a:schemeClr val="tx1"/>
+                      </a:solidFill>
+                      <a:prstDash val="solid"/>
+                      <a:round/>
+                      <a:headEnd type="none" w="med" len="med"/>
+                      <a:tailEnd type="none" w="med" len="med"/>
+                    </a:lnR>
+                    <a:lnT w="12700" cap="flat" cmpd="sng" algn="ctr">
+                      <a:solidFill>
+                        <a:schemeClr val="tx1"/>
+                      </a:solidFill>
+                      <a:prstDash val="solid"/>
+                      <a:round/>
+                      <a:headEnd type="none" w="med" len="med"/>
+                      <a:tailEnd type="none" w="med" len="med"/>
+                    </a:lnT>
+                    <a:lnB w="12700" cap="flat" cmpd="sng" algn="ctr">
+                      <a:solidFill>
+                        <a:schemeClr val="tx1"/>
+                      </a:solidFill>
+                      <a:prstDash val="solid"/>
+                      <a:round/>
+                      <a:headEnd type="none" w="med" len="med"/>
+                      <a:tailEnd type="none" w="med" len="med"/>
+                    </a:lnB>
+                    <a:lnTlToBr w="12700" cmpd="sng">
+                      <a:noFill/>
+                      <a:prstDash val="solid"/>
+                    </a:lnTlToBr>
+                    <a:lnBlToTr w="12700" cmpd="sng">
+                      <a:noFill/>
+                      <a:prstDash val="solid"/>
+                    </a:lnBlToTr>
+                    <a:solidFill>
+                      <a:schemeClr val="bg2">
+                        <a:lumMod val="60000"/>
+                        <a:lumOff val="40000"/>
+                      </a:schemeClr>
+                    </a:solidFill>
+                  </a:tcPr>
+                </a:tc>
+                <a:tc>
+                  <a:txBody>
+                    <a:bodyPr/>
+                    <a:lstStyle/>
+                    <a:p>
+                      <a:r>
+                        <a:rPr lang="en-US" sz="1800" kern="1200" dirty="0" smtClean="0">
+                          <a:solidFill>
+                            <a:schemeClr val="dk1"/>
+                          </a:solidFill>
+                          <a:latin typeface="+mn-lt"/>
+                          <a:ea typeface="+mn-ea"/>
+                          <a:cs typeface="+mn-cs"/>
+                        </a:rPr>
+                        <a:t>Step</a:t>
+                      </a:r>
+                      <a:endParaRPr lang="en-US" dirty="0"/>
+                    </a:p>
+                  </a:txBody>
+                  <a:tcPr>
+                    <a:lnL w="12700" cap="flat" cmpd="sng" algn="ctr">
+                      <a:solidFill>
+                        <a:schemeClr val="tx1"/>
+                      </a:solidFill>
+                      <a:prstDash val="solid"/>
+                      <a:round/>
+                      <a:headEnd type="none" w="med" len="med"/>
+                      <a:tailEnd type="none" w="med" len="med"/>
+                    </a:lnL>
+                    <a:lnR w="12700" cap="flat" cmpd="sng" algn="ctr">
+                      <a:solidFill>
+                        <a:schemeClr val="tx1"/>
+                      </a:solidFill>
+                      <a:prstDash val="solid"/>
+                      <a:round/>
+                      <a:headEnd type="none" w="med" len="med"/>
+                      <a:tailEnd type="none" w="med" len="med"/>
+                    </a:lnR>
+                    <a:lnT w="12700" cap="flat" cmpd="sng" algn="ctr">
+                      <a:solidFill>
+                        <a:schemeClr val="tx1"/>
+                      </a:solidFill>
+                      <a:prstDash val="solid"/>
+                      <a:round/>
+                      <a:headEnd type="none" w="med" len="med"/>
+                      <a:tailEnd type="none" w="med" len="med"/>
+                    </a:lnT>
+                    <a:lnB w="12700" cap="flat" cmpd="sng" algn="ctr">
+                      <a:solidFill>
+                        <a:schemeClr val="tx1"/>
+                      </a:solidFill>
+                      <a:prstDash val="solid"/>
+                      <a:round/>
+                      <a:headEnd type="none" w="med" len="med"/>
+                      <a:tailEnd type="none" w="med" len="med"/>
+                    </a:lnB>
+                    <a:lnTlToBr w="12700" cmpd="sng">
+                      <a:noFill/>
+                      <a:prstDash val="solid"/>
+                    </a:lnTlToBr>
+                    <a:lnBlToTr w="12700" cmpd="sng">
+                      <a:noFill/>
+                      <a:prstDash val="solid"/>
+                    </a:lnBlToTr>
+                    <a:solidFill>
+                      <a:schemeClr val="accent2">
+                        <a:lumMod val="60000"/>
+                        <a:lumOff val="40000"/>
+                      </a:schemeClr>
+                    </a:solidFill>
+                  </a:tcPr>
+                </a:tc>
+                <a:tc>
+                  <a:txBody>
+                    <a:bodyPr/>
+                    <a:lstStyle/>
+                    <a:p>
+                      <a:r>
+                        <a:rPr lang="en-US" dirty="0" smtClean="0"/>
+                        <a:t>StepCount</a:t>
+                      </a:r>
+                      <a:endParaRPr lang="en-US" dirty="0"/>
+                    </a:p>
+                  </a:txBody>
+                  <a:tcPr>
+                    <a:lnL w="12700" cap="flat" cmpd="sng" algn="ctr">
+                      <a:solidFill>
+                        <a:schemeClr val="tx1"/>
+                      </a:solidFill>
+                      <a:prstDash val="solid"/>
+                      <a:round/>
+                      <a:headEnd type="none" w="med" len="med"/>
+                      <a:tailEnd type="none" w="med" len="med"/>
+                    </a:lnL>
+                    <a:lnR w="12700" cap="flat" cmpd="sng" algn="ctr">
+                      <a:solidFill>
+                        <a:schemeClr val="tx1"/>
+                      </a:solidFill>
+                      <a:prstDash val="solid"/>
+                      <a:round/>
+                      <a:headEnd type="none" w="med" len="med"/>
+                      <a:tailEnd type="none" w="med" len="med"/>
+                    </a:lnR>
+                    <a:lnT w="12700" cap="flat" cmpd="sng" algn="ctr">
+                      <a:solidFill>
+                        <a:schemeClr val="tx1"/>
+                      </a:solidFill>
+                      <a:prstDash val="solid"/>
+                      <a:round/>
+                      <a:headEnd type="none" w="med" len="med"/>
+                      <a:tailEnd type="none" w="med" len="med"/>
+                    </a:lnT>
+                    <a:lnB w="12700" cap="flat" cmpd="sng" algn="ctr">
+                      <a:solidFill>
+                        <a:schemeClr val="tx1"/>
+                      </a:solidFill>
+                      <a:prstDash val="solid"/>
+                      <a:round/>
+                      <a:headEnd type="none" w="med" len="med"/>
+                      <a:tailEnd type="none" w="med" len="med"/>
+                    </a:lnB>
+                    <a:lnTlToBr w="12700" cmpd="sng">
+                      <a:noFill/>
+                      <a:prstDash val="solid"/>
+                    </a:lnTlToBr>
+                    <a:lnBlToTr w="12700" cmpd="sng">
+                      <a:noFill/>
+                      <a:prstDash val="solid"/>
+                    </a:lnBlToTr>
+                    <a:solidFill>
+                      <a:schemeClr val="accent4">
+                        <a:lumMod val="60000"/>
+                        <a:lumOff val="40000"/>
+                      </a:schemeClr>
+                    </a:solidFill>
+                  </a:tcPr>
+                </a:tc>
+              </a:tr>
+              <a:tr h="370840">
+                <a:tc>
+                  <a:txBody>
+                    <a:bodyPr/>
+                    <a:lstStyle/>
+                    <a:p>
+                      <a:r>
+                        <a:rPr lang="en-US" dirty="0" smtClean="0"/>
+                        <a:t>8bytes</a:t>
+                      </a:r>
+                      <a:endParaRPr lang="en-US" dirty="0"/>
+                    </a:p>
+                  </a:txBody>
+                  <a:tcPr>
+                    <a:lnL w="12700" cap="flat" cmpd="sng" algn="ctr">
+                      <a:solidFill>
+                        <a:schemeClr val="tx1"/>
+                      </a:solidFill>
+                      <a:prstDash val="solid"/>
+                      <a:round/>
+                      <a:headEnd type="none" w="med" len="med"/>
+                      <a:tailEnd type="none" w="med" len="med"/>
+                    </a:lnL>
+                    <a:lnR w="12700" cap="flat" cmpd="sng" algn="ctr">
+                      <a:solidFill>
+                        <a:schemeClr val="tx1"/>
+                      </a:solidFill>
+                      <a:prstDash val="solid"/>
+                      <a:round/>
+                      <a:headEnd type="none" w="med" len="med"/>
+                      <a:tailEnd type="none" w="med" len="med"/>
+                    </a:lnR>
+                    <a:lnT w="12700" cap="flat" cmpd="sng" algn="ctr">
+                      <a:solidFill>
+                        <a:schemeClr val="tx1"/>
+                      </a:solidFill>
+                      <a:prstDash val="solid"/>
+                      <a:round/>
+                      <a:headEnd type="none" w="med" len="med"/>
+                      <a:tailEnd type="none" w="med" len="med"/>
+                    </a:lnT>
+                    <a:lnB w="12700" cap="flat" cmpd="sng" algn="ctr">
+                      <a:solidFill>
+                        <a:schemeClr val="tx1"/>
+                      </a:solidFill>
+                      <a:prstDash val="solid"/>
+                      <a:round/>
+                      <a:headEnd type="none" w="med" len="med"/>
+                      <a:tailEnd type="none" w="med" len="med"/>
+                    </a:lnB>
+                    <a:lnTlToBr w="12700" cmpd="sng">
+                      <a:noFill/>
+                      <a:prstDash val="solid"/>
+                    </a:lnTlToBr>
+                    <a:lnBlToTr w="12700" cmpd="sng">
+                      <a:noFill/>
+                      <a:prstDash val="solid"/>
+                    </a:lnBlToTr>
+                    <a:solidFill>
+                      <a:schemeClr val="tx1">
+                        <a:lumMod val="50000"/>
+                      </a:schemeClr>
+                    </a:solidFill>
+                  </a:tcPr>
+                </a:tc>
+                <a:tc>
+                  <a:txBody>
+                    <a:bodyPr/>
+                    <a:lstStyle/>
+                    <a:p>
+                      <a:r>
+                        <a:rPr lang="en-US" dirty="0" smtClean="0"/>
+                        <a:t>8bytes</a:t>
+                      </a:r>
+                      <a:endParaRPr lang="en-US" dirty="0"/>
+                    </a:p>
+                  </a:txBody>
+                  <a:tcPr>
+                    <a:lnL w="12700" cap="flat" cmpd="sng" algn="ctr">
+                      <a:solidFill>
+                        <a:schemeClr val="tx1"/>
+                      </a:solidFill>
+                      <a:prstDash val="solid"/>
+                      <a:round/>
+                      <a:headEnd type="none" w="med" len="med"/>
+                      <a:tailEnd type="none" w="med" len="med"/>
+                    </a:lnL>
+                    <a:lnR w="12700" cap="flat" cmpd="sng" algn="ctr">
+                      <a:solidFill>
+                        <a:schemeClr val="tx1"/>
+                      </a:solidFill>
+                      <a:prstDash val="solid"/>
+                      <a:round/>
+                      <a:headEnd type="none" w="med" len="med"/>
+                      <a:tailEnd type="none" w="med" len="med"/>
+                    </a:lnR>
+                    <a:lnT w="12700" cap="flat" cmpd="sng" algn="ctr">
+                      <a:solidFill>
+                        <a:schemeClr val="tx1"/>
+                      </a:solidFill>
+                      <a:prstDash val="solid"/>
+                      <a:round/>
+                      <a:headEnd type="none" w="med" len="med"/>
+                      <a:tailEnd type="none" w="med" len="med"/>
+                    </a:lnT>
+                    <a:lnB w="12700" cap="flat" cmpd="sng" algn="ctr">
+                      <a:solidFill>
+                        <a:schemeClr val="tx1"/>
+                      </a:solidFill>
+                      <a:prstDash val="solid"/>
+                      <a:round/>
+                      <a:headEnd type="none" w="med" len="med"/>
+                      <a:tailEnd type="none" w="med" len="med"/>
+                    </a:lnB>
+                    <a:lnTlToBr w="12700" cmpd="sng">
+                      <a:noFill/>
+                      <a:prstDash val="solid"/>
+                    </a:lnTlToBr>
+                    <a:lnBlToTr w="12700" cmpd="sng">
+                      <a:noFill/>
+                      <a:prstDash val="solid"/>
+                    </a:lnBlToTr>
+                    <a:solidFill>
+                      <a:schemeClr val="tx1">
+                        <a:lumMod val="50000"/>
+                      </a:schemeClr>
+                    </a:solidFill>
+                  </a:tcPr>
+                </a:tc>
+                <a:tc>
+                  <a:txBody>
+                    <a:bodyPr/>
+                    <a:lstStyle/>
+                    <a:p>
+                      <a:r>
+                        <a:rPr lang="en-US" smtClean="0"/>
+                        <a:t>4bytes</a:t>
+                      </a:r>
+                      <a:endParaRPr lang="en-US" dirty="0"/>
+                    </a:p>
+                  </a:txBody>
+                  <a:tcPr>
+                    <a:lnL w="12700" cap="flat" cmpd="sng" algn="ctr">
+                      <a:solidFill>
+                        <a:schemeClr val="tx1"/>
+                      </a:solidFill>
+                      <a:prstDash val="solid"/>
+                      <a:round/>
+                      <a:headEnd type="none" w="med" len="med"/>
+                      <a:tailEnd type="none" w="med" len="med"/>
+                    </a:lnL>
+                    <a:lnR w="12700" cap="flat" cmpd="sng" algn="ctr">
+                      <a:solidFill>
+                        <a:schemeClr val="tx1"/>
+                      </a:solidFill>
+                      <a:prstDash val="solid"/>
+                      <a:round/>
+                      <a:headEnd type="none" w="med" len="med"/>
+                      <a:tailEnd type="none" w="med" len="med"/>
+                    </a:lnR>
+                    <a:lnT w="12700" cap="flat" cmpd="sng" algn="ctr">
+                      <a:solidFill>
+                        <a:schemeClr val="tx1"/>
+                      </a:solidFill>
+                      <a:prstDash val="solid"/>
+                      <a:round/>
+                      <a:headEnd type="none" w="med" len="med"/>
+                      <a:tailEnd type="none" w="med" len="med"/>
+                    </a:lnT>
+                    <a:lnB w="12700" cap="flat" cmpd="sng" algn="ctr">
+                      <a:solidFill>
+                        <a:schemeClr val="tx1"/>
+                      </a:solidFill>
+                      <a:prstDash val="solid"/>
+                      <a:round/>
+                      <a:headEnd type="none" w="med" len="med"/>
+                      <a:tailEnd type="none" w="med" len="med"/>
+                    </a:lnB>
+                    <a:lnTlToBr w="12700" cmpd="sng">
+                      <a:noFill/>
+                      <a:prstDash val="solid"/>
+                    </a:lnTlToBr>
+                    <a:lnBlToTr w="12700" cmpd="sng">
+                      <a:noFill/>
+                      <a:prstDash val="solid"/>
+                    </a:lnBlToTr>
+                    <a:solidFill>
+                      <a:schemeClr val="tx1">
+                        <a:lumMod val="50000"/>
+                      </a:schemeClr>
+                    </a:solidFill>
+                  </a:tcPr>
+                </a:tc>
+                <a:tc>
+                  <a:txBody>
+                    <a:bodyPr/>
+                    <a:lstStyle/>
+                    <a:p>
+                      <a:r>
+                        <a:rPr lang="en-US" smtClean="0"/>
+                        <a:t>8bytes</a:t>
+                      </a:r>
+                      <a:endParaRPr lang="en-US" dirty="0"/>
+                    </a:p>
+                  </a:txBody>
+                  <a:tcPr>
+                    <a:lnL w="12700" cap="flat" cmpd="sng" algn="ctr">
+                      <a:solidFill>
+                        <a:schemeClr val="tx1"/>
+                      </a:solidFill>
+                      <a:prstDash val="solid"/>
+                      <a:round/>
+                      <a:headEnd type="none" w="med" len="med"/>
+                      <a:tailEnd type="none" w="med" len="med"/>
+                    </a:lnL>
+                    <a:lnR w="12700" cap="flat" cmpd="sng" algn="ctr">
+                      <a:solidFill>
+                        <a:schemeClr val="tx1"/>
+                      </a:solidFill>
+                      <a:prstDash val="solid"/>
+                      <a:round/>
+                      <a:headEnd type="none" w="med" len="med"/>
+                      <a:tailEnd type="none" w="med" len="med"/>
+                    </a:lnR>
+                    <a:lnT w="12700" cap="flat" cmpd="sng" algn="ctr">
+                      <a:solidFill>
+                        <a:schemeClr val="tx1"/>
+                      </a:solidFill>
+                      <a:prstDash val="solid"/>
+                      <a:round/>
+                      <a:headEnd type="none" w="med" len="med"/>
+                      <a:tailEnd type="none" w="med" len="med"/>
+                    </a:lnT>
+                    <a:lnB w="12700" cap="flat" cmpd="sng" algn="ctr">
+                      <a:solidFill>
+                        <a:schemeClr val="tx1"/>
+                      </a:solidFill>
+                      <a:prstDash val="solid"/>
+                      <a:round/>
+                      <a:headEnd type="none" w="med" len="med"/>
+                      <a:tailEnd type="none" w="med" len="med"/>
+                    </a:lnB>
+                    <a:lnTlToBr w="12700" cmpd="sng">
+                      <a:noFill/>
+                      <a:prstDash val="solid"/>
+                    </a:lnTlToBr>
+                    <a:lnBlToTr w="12700" cmpd="sng">
+                      <a:noFill/>
+                      <a:prstDash val="solid"/>
+                    </a:lnBlToTr>
+                    <a:solidFill>
+                      <a:schemeClr val="tx1">
+                        <a:lumMod val="50000"/>
+                      </a:schemeClr>
+                    </a:solidFill>
+                  </a:tcPr>
+                </a:tc>
+                <a:tc>
+                  <a:txBody>
+                    <a:bodyPr/>
+                    <a:lstStyle/>
+                    <a:p>
+                      <a:r>
+                        <a:rPr lang="en-US" dirty="0" smtClean="0"/>
+                        <a:t>8bytes</a:t>
+                      </a:r>
+                      <a:endParaRPr lang="en-US" dirty="0"/>
+                    </a:p>
+                  </a:txBody>
+                  <a:tcPr>
+                    <a:lnL w="12700" cap="flat" cmpd="sng" algn="ctr">
+                      <a:solidFill>
+                        <a:schemeClr val="tx1"/>
+                      </a:solidFill>
+                      <a:prstDash val="solid"/>
+                      <a:round/>
+                      <a:headEnd type="none" w="med" len="med"/>
+                      <a:tailEnd type="none" w="med" len="med"/>
+                    </a:lnL>
+                    <a:lnR w="12700" cap="flat" cmpd="sng" algn="ctr">
+                      <a:solidFill>
+                        <a:schemeClr val="tx1"/>
+                      </a:solidFill>
+                      <a:prstDash val="solid"/>
+                      <a:round/>
+                      <a:headEnd type="none" w="med" len="med"/>
+                      <a:tailEnd type="none" w="med" len="med"/>
+                    </a:lnR>
+                    <a:lnT w="12700" cap="flat" cmpd="sng" algn="ctr">
+                      <a:solidFill>
+                        <a:schemeClr val="tx1"/>
+                      </a:solidFill>
+                      <a:prstDash val="solid"/>
+                      <a:round/>
+                      <a:headEnd type="none" w="med" len="med"/>
+                      <a:tailEnd type="none" w="med" len="med"/>
+                    </a:lnT>
+                    <a:lnB w="12700" cap="flat" cmpd="sng" algn="ctr">
+                      <a:solidFill>
+                        <a:schemeClr val="tx1"/>
+                      </a:solidFill>
+                      <a:prstDash val="solid"/>
+                      <a:round/>
+                      <a:headEnd type="none" w="med" len="med"/>
+                      <a:tailEnd type="none" w="med" len="med"/>
+                    </a:lnB>
+                    <a:lnTlToBr w="12700" cmpd="sng">
+                      <a:noFill/>
+                      <a:prstDash val="solid"/>
+                    </a:lnTlToBr>
+                    <a:lnBlToTr w="12700" cmpd="sng">
+                      <a:noFill/>
+                      <a:prstDash val="solid"/>
+                    </a:lnBlToTr>
+                    <a:solidFill>
+                      <a:schemeClr val="tx1">
+                        <a:lumMod val="50000"/>
+                      </a:schemeClr>
+                    </a:solidFill>
+                  </a:tcPr>
+                </a:tc>
+                <a:tc>
+                  <a:txBody>
+                    <a:bodyPr/>
+                    <a:lstStyle/>
+                    <a:p>
+                      <a:r>
+                        <a:rPr lang="en-US" dirty="0" smtClean="0"/>
+                        <a:t>4bytes</a:t>
+                      </a:r>
+                      <a:endParaRPr lang="en-US" dirty="0"/>
+                    </a:p>
+                  </a:txBody>
+                  <a:tcPr>
+                    <a:lnL w="12700" cap="flat" cmpd="sng" algn="ctr">
+                      <a:solidFill>
+                        <a:schemeClr val="tx1"/>
+                      </a:solidFill>
+                      <a:prstDash val="solid"/>
+                      <a:round/>
+                      <a:headEnd type="none" w="med" len="med"/>
+                      <a:tailEnd type="none" w="med" len="med"/>
+                    </a:lnL>
+                    <a:lnR w="12700" cap="flat" cmpd="sng" algn="ctr">
+                      <a:solidFill>
+                        <a:schemeClr val="tx1"/>
+                      </a:solidFill>
+                      <a:prstDash val="solid"/>
+                      <a:round/>
+                      <a:headEnd type="none" w="med" len="med"/>
+                      <a:tailEnd type="none" w="med" len="med"/>
+                    </a:lnR>
+                    <a:lnT w="12700" cap="flat" cmpd="sng" algn="ctr">
+                      <a:solidFill>
+                        <a:schemeClr val="tx1"/>
+                      </a:solidFill>
+                      <a:prstDash val="solid"/>
+                      <a:round/>
+                      <a:headEnd type="none" w="med" len="med"/>
+                      <a:tailEnd type="none" w="med" len="med"/>
+                    </a:lnT>
+                    <a:lnB w="12700" cap="flat" cmpd="sng" algn="ctr">
+                      <a:solidFill>
+                        <a:schemeClr val="tx1"/>
+                      </a:solidFill>
+                      <a:prstDash val="solid"/>
+                      <a:round/>
+                      <a:headEnd type="none" w="med" len="med"/>
+                      <a:tailEnd type="none" w="med" len="med"/>
+                    </a:lnB>
+                    <a:lnTlToBr w="12700" cmpd="sng">
+                      <a:noFill/>
+                      <a:prstDash val="solid"/>
+                    </a:lnTlToBr>
+                    <a:lnBlToTr w="12700" cmpd="sng">
+                      <a:noFill/>
+                      <a:prstDash val="solid"/>
+                    </a:lnBlToTr>
+                    <a:solidFill>
+                      <a:schemeClr val="tx1">
+                        <a:lumMod val="50000"/>
+                      </a:schemeClr>
+                    </a:solidFill>
+                  </a:tcPr>
+                </a:tc>
+                <a:tc>
+                  <a:txBody>
+                    <a:bodyPr/>
+                    <a:lstStyle/>
+                    <a:p>
+                      <a:r>
+                        <a:rPr lang="en-US" smtClean="0"/>
+                        <a:t>8bytes</a:t>
+                      </a:r>
+                      <a:endParaRPr lang="en-US" dirty="0"/>
+                    </a:p>
+                  </a:txBody>
+                  <a:tcPr>
+                    <a:lnL w="12700" cap="flat" cmpd="sng" algn="ctr">
+                      <a:solidFill>
+                        <a:schemeClr val="tx1"/>
+                      </a:solidFill>
+                      <a:prstDash val="solid"/>
+                      <a:round/>
+                      <a:headEnd type="none" w="med" len="med"/>
+                      <a:tailEnd type="none" w="med" len="med"/>
+                    </a:lnL>
+                    <a:lnR w="12700" cap="flat" cmpd="sng" algn="ctr">
+                      <a:solidFill>
+                        <a:schemeClr val="tx1"/>
+                      </a:solidFill>
+                      <a:prstDash val="solid"/>
+                      <a:round/>
+                      <a:headEnd type="none" w="med" len="med"/>
+                      <a:tailEnd type="none" w="med" len="med"/>
+                    </a:lnR>
+                    <a:lnT w="12700" cap="flat" cmpd="sng" algn="ctr">
+                      <a:solidFill>
+                        <a:schemeClr val="tx1"/>
+                      </a:solidFill>
+                      <a:prstDash val="solid"/>
+                      <a:round/>
+                      <a:headEnd type="none" w="med" len="med"/>
+                      <a:tailEnd type="none" w="med" len="med"/>
+                    </a:lnT>
+                    <a:lnB w="12700" cap="flat" cmpd="sng" algn="ctr">
+                      <a:solidFill>
+                        <a:schemeClr val="tx1"/>
+                      </a:solidFill>
+                      <a:prstDash val="solid"/>
+                      <a:round/>
+                      <a:headEnd type="none" w="med" len="med"/>
+                      <a:tailEnd type="none" w="med" len="med"/>
+                    </a:lnB>
+                    <a:lnTlToBr w="12700" cmpd="sng">
+                      <a:noFill/>
+                      <a:prstDash val="solid"/>
+                    </a:lnTlToBr>
+                    <a:lnBlToTr w="12700" cmpd="sng">
+                      <a:noFill/>
+                      <a:prstDash val="solid"/>
+                    </a:lnBlToTr>
+                    <a:solidFill>
+                      <a:schemeClr val="tx1">
+                        <a:lumMod val="50000"/>
+                      </a:schemeClr>
+                    </a:solidFill>
+                  </a:tcPr>
+                </a:tc>
+                <a:tc>
+                  <a:txBody>
+                    <a:bodyPr/>
+                    <a:lstStyle/>
+                    <a:p>
+                      <a:r>
+                        <a:rPr lang="en-US" dirty="0" smtClean="0"/>
+                        <a:t>8bytes</a:t>
+                      </a:r>
+                      <a:endParaRPr lang="en-US" dirty="0"/>
+                    </a:p>
+                  </a:txBody>
+                  <a:tcPr>
+                    <a:lnL w="12700" cap="flat" cmpd="sng" algn="ctr">
+                      <a:solidFill>
+                        <a:schemeClr val="tx1"/>
+                      </a:solidFill>
+                      <a:prstDash val="solid"/>
+                      <a:round/>
+                      <a:headEnd type="none" w="med" len="med"/>
+                      <a:tailEnd type="none" w="med" len="med"/>
+                    </a:lnL>
+                    <a:lnR w="12700" cap="flat" cmpd="sng" algn="ctr">
+                      <a:solidFill>
+                        <a:schemeClr val="tx1"/>
+                      </a:solidFill>
+                      <a:prstDash val="solid"/>
+                      <a:round/>
+                      <a:headEnd type="none" w="med" len="med"/>
+                      <a:tailEnd type="none" w="med" len="med"/>
+                    </a:lnR>
+                    <a:lnT w="12700" cap="flat" cmpd="sng" algn="ctr">
+                      <a:solidFill>
+                        <a:schemeClr val="tx1"/>
+                      </a:solidFill>
+                      <a:prstDash val="solid"/>
+                      <a:round/>
+                      <a:headEnd type="none" w="med" len="med"/>
+                      <a:tailEnd type="none" w="med" len="med"/>
+                    </a:lnT>
+                    <a:lnB w="12700" cap="flat" cmpd="sng" algn="ctr">
+                      <a:solidFill>
+                        <a:schemeClr val="tx1"/>
+                      </a:solidFill>
+                      <a:prstDash val="solid"/>
+                      <a:round/>
+                      <a:headEnd type="none" w="med" len="med"/>
+                      <a:tailEnd type="none" w="med" len="med"/>
+                    </a:lnB>
+                    <a:lnTlToBr w="12700" cmpd="sng">
+                      <a:noFill/>
+                      <a:prstDash val="solid"/>
+                    </a:lnTlToBr>
+                    <a:lnBlToTr w="12700" cmpd="sng">
+                      <a:noFill/>
+                      <a:prstDash val="solid"/>
+                    </a:lnBlToTr>
+                    <a:solidFill>
+                      <a:schemeClr val="tx1">
+                        <a:lumMod val="50000"/>
+                      </a:schemeClr>
+                    </a:solidFill>
+                  </a:tcPr>
+                </a:tc>
+                <a:tc>
+                  <a:txBody>
+                    <a:bodyPr/>
+                    <a:lstStyle/>
+                    <a:p>
+                      <a:r>
+                        <a:rPr lang="en-US" dirty="0" smtClean="0"/>
+                        <a:t>4bytes</a:t>
+                      </a:r>
+                      <a:endParaRPr lang="en-US" dirty="0"/>
+                    </a:p>
+                  </a:txBody>
+                  <a:tcPr>
+                    <a:lnL w="12700" cap="flat" cmpd="sng" algn="ctr">
+                      <a:solidFill>
+                        <a:schemeClr val="tx1"/>
+                      </a:solidFill>
+                      <a:prstDash val="solid"/>
+                      <a:round/>
+                      <a:headEnd type="none" w="med" len="med"/>
+                      <a:tailEnd type="none" w="med" len="med"/>
+                    </a:lnL>
+                    <a:lnR w="12700" cap="flat" cmpd="sng" algn="ctr">
+                      <a:solidFill>
+                        <a:schemeClr val="tx1"/>
+                      </a:solidFill>
+                      <a:prstDash val="solid"/>
+                      <a:round/>
+                      <a:headEnd type="none" w="med" len="med"/>
+                      <a:tailEnd type="none" w="med" len="med"/>
+                    </a:lnR>
+                    <a:lnT w="12700" cap="flat" cmpd="sng" algn="ctr">
+                      <a:solidFill>
+                        <a:schemeClr val="tx1"/>
+                      </a:solidFill>
+                      <a:prstDash val="solid"/>
+                      <a:round/>
+                      <a:headEnd type="none" w="med" len="med"/>
+                      <a:tailEnd type="none" w="med" len="med"/>
+                    </a:lnT>
+                    <a:lnB w="12700" cap="flat" cmpd="sng" algn="ctr">
+                      <a:solidFill>
+                        <a:schemeClr val="tx1"/>
+                      </a:solidFill>
+                      <a:prstDash val="solid"/>
+                      <a:round/>
+                      <a:headEnd type="none" w="med" len="med"/>
+                      <a:tailEnd type="none" w="med" len="med"/>
+                    </a:lnB>
+                    <a:lnTlToBr w="12700" cmpd="sng">
+                      <a:noFill/>
+                      <a:prstDash val="solid"/>
+                    </a:lnTlToBr>
+                    <a:lnBlToTr w="12700" cmpd="sng">
+                      <a:noFill/>
+                      <a:prstDash val="solid"/>
+                    </a:lnBlToTr>
+                    <a:solidFill>
+                      <a:schemeClr val="tx1">
+                        <a:lumMod val="50000"/>
+                      </a:schemeClr>
+                    </a:solidFill>
+                  </a:tcPr>
+                </a:tc>
+              </a:tr>
+            </a:tbl>
+          </a:graphicData>
+        </a:graphic>
+      </p:graphicFrame>
       <p:sp>
         <p:nvSpPr>
-          <p:cNvPr id="3" name="Content Placeholder 2"/>
-          <p:cNvSpPr>
-            <a:spLocks noGrp="1"/>
-          </p:cNvSpPr>
-          <p:nvPr>
-            <p:ph idx="1"/>
-          </p:nvPr>
+          <p:cNvPr id="10" name="Down Arrow 9"/>
+          <p:cNvSpPr/>
+          <p:nvPr/>
         </p:nvSpPr>
-        <p:spPr/>
+        <p:spPr>
+          <a:xfrm>
+            <a:off x="5537200" y="3649133"/>
+            <a:ext cx="558800" cy="702733"/>
+          </a:xfrm>
+          <a:prstGeom prst="downArrow">
+            <a:avLst/>
+          </a:prstGeom>
+        </p:spPr>
+        <p:style>
+          <a:lnRef idx="2">
+            <a:schemeClr val="accent1">
+              <a:shade val="50000"/>
+            </a:schemeClr>
+          </a:lnRef>
+          <a:fillRef idx="1">
+            <a:schemeClr val="accent1"/>
+          </a:fillRef>
+          <a:effectRef idx="0">
+            <a:schemeClr val="accent1"/>
+          </a:effectRef>
+          <a:fontRef idx="minor">
+            <a:schemeClr val="lt1"/>
+          </a:fontRef>
+        </p:style>
         <p:txBody>
-          <a:bodyPr>
-            <a:normAutofit/>
-          </a:bodyPr>
+          <a:bodyPr rtlCol="0" anchor="ctr"/>
           <a:lstStyle/>
           <a:p>
-            <a:r>
-              <a:rPr lang="en-US" dirty="0"/>
-              <a:t>If you don’t understand the data you don’t understand the problem.”</a:t>
-            </a:r>
-          </a:p>
-          <a:p>
-            <a:r>
-              <a:rPr lang="en-US" dirty="0"/>
-              <a:t>Different problems require different solutions.</a:t>
-            </a:r>
-          </a:p>
-          <a:p>
-            <a:r>
-              <a:rPr lang="en-US" dirty="0"/>
-              <a:t>If you have different data, you have a different problem.</a:t>
-            </a:r>
-          </a:p>
-          <a:p>
-            <a:r>
-              <a:rPr lang="en-US" dirty="0"/>
-              <a:t>If you don’t understand the cost of solving the problem, you don’t understand the problem.</a:t>
-            </a:r>
-          </a:p>
-          <a:p>
-            <a:r>
-              <a:rPr lang="en-US" dirty="0"/>
-              <a:t>If you don’t understand the hardware, language, compiler, OS you can’t reason about the cost of solving the problem.</a:t>
-            </a:r>
-          </a:p>
-          <a:p>
-            <a:endParaRPr lang="en-US" dirty="0"/>
+            <a:pPr algn="ctr"/>
+            <a:endParaRPr lang="en-US"/>
           </a:p>
         </p:txBody>
       </p:sp>
     </p:spTree>
     <p:extLst>
       <p:ext uri="{BB962C8B-B14F-4D97-AF65-F5344CB8AC3E}">
-        <p14:creationId xmlns:p14="http://schemas.microsoft.com/office/powerpoint/2010/main" val="3472269627"/>
+        <p14:creationId xmlns:p14="http://schemas.microsoft.com/office/powerpoint/2010/main" val="96590304"/>
       </p:ext>
     </p:extLst>
   </p:cSld>

--- a/Presentation/Presentation.pptx
+++ b/Presentation/Presentation.pptx
@@ -5686,14 +5686,14 @@
           <p:nvPr>
             <p:extLst>
               <p:ext uri="{D42A27DB-BD31-4B8C-83A1-F6EECF244321}">
-                <p14:modId xmlns:p14="http://schemas.microsoft.com/office/powerpoint/2010/main" val="2050264080"/>
+                <p14:modId xmlns:p14="http://schemas.microsoft.com/office/powerpoint/2010/main" val="3691015575"/>
               </p:ext>
             </p:extLst>
           </p:nvPr>
         </p:nvGraphicFramePr>
         <p:xfrm>
-          <a:off x="838200" y="4165600"/>
-          <a:ext cx="10464804" cy="1112520"/>
+          <a:off x="321734" y="4001294"/>
+          <a:ext cx="3488268" cy="1483360"/>
         </p:xfrm>
         <a:graphic>
           <a:graphicData uri="http://schemas.openxmlformats.org/drawingml/2006/table">
@@ -5705,13 +5705,102 @@
                 <a:gridCol w="1162756"/>
                 <a:gridCol w="1162756"/>
                 <a:gridCol w="1162756"/>
-                <a:gridCol w="1162756"/>
-                <a:gridCol w="1162756"/>
-                <a:gridCol w="1162756"/>
-                <a:gridCol w="1162756"/>
-                <a:gridCol w="1162756"/>
-                <a:gridCol w="1162756"/>
               </a:tblGrid>
+              <a:tr h="370840">
+                <a:tc gridSpan="3">
+                  <a:txBody>
+                    <a:bodyPr/>
+                    <a:lstStyle/>
+                    <a:p>
+                      <a:pPr algn="ctr"/>
+                      <a:r>
+                        <a:rPr lang="en-US" b="0" dirty="0" smtClean="0">
+                          <a:solidFill>
+                            <a:schemeClr val="bg1"/>
+                          </a:solidFill>
+                        </a:rPr>
+                        <a:t>0x0</a:t>
+                      </a:r>
+                      <a:endParaRPr lang="en-US" b="0" dirty="0">
+                        <a:solidFill>
+                          <a:schemeClr val="bg1"/>
+                        </a:solidFill>
+                      </a:endParaRPr>
+                    </a:p>
+                  </a:txBody>
+                  <a:tcPr>
+                    <a:lnL w="12700" cap="flat" cmpd="sng" algn="ctr">
+                      <a:solidFill>
+                        <a:schemeClr val="tx1"/>
+                      </a:solidFill>
+                      <a:prstDash val="solid"/>
+                      <a:round/>
+                      <a:headEnd type="none" w="med" len="med"/>
+                      <a:tailEnd type="none" w="med" len="med"/>
+                    </a:lnL>
+                    <a:lnR w="12700" cap="flat" cmpd="sng" algn="ctr">
+                      <a:solidFill>
+                        <a:schemeClr val="tx1"/>
+                      </a:solidFill>
+                      <a:prstDash val="solid"/>
+                      <a:round/>
+                      <a:headEnd type="none" w="med" len="med"/>
+                      <a:tailEnd type="none" w="med" len="med"/>
+                    </a:lnR>
+                    <a:lnT w="12700" cap="flat" cmpd="sng" algn="ctr">
+                      <a:solidFill>
+                        <a:schemeClr val="tx1"/>
+                      </a:solidFill>
+                      <a:prstDash val="solid"/>
+                      <a:round/>
+                      <a:headEnd type="none" w="med" len="med"/>
+                      <a:tailEnd type="none" w="med" len="med"/>
+                    </a:lnT>
+                    <a:lnB w="12700" cap="flat" cmpd="sng" algn="ctr">
+                      <a:solidFill>
+                        <a:schemeClr val="tx1"/>
+                      </a:solidFill>
+                      <a:prstDash val="solid"/>
+                      <a:round/>
+                      <a:headEnd type="none" w="med" len="med"/>
+                      <a:tailEnd type="none" w="med" len="med"/>
+                    </a:lnB>
+                    <a:lnTlToBr w="12700" cmpd="sng">
+                      <a:noFill/>
+                      <a:prstDash val="solid"/>
+                    </a:lnTlToBr>
+                    <a:lnBlToTr w="12700" cmpd="sng">
+                      <a:noFill/>
+                      <a:prstDash val="solid"/>
+                    </a:lnBlToTr>
+                    <a:solidFill>
+                      <a:schemeClr val="tx1">
+                        <a:lumMod val="50000"/>
+                      </a:schemeClr>
+                    </a:solidFill>
+                  </a:tcPr>
+                </a:tc>
+                <a:tc hMerge="1">
+                  <a:txBody>
+                    <a:bodyPr/>
+                    <a:lstStyle/>
+                    <a:p>
+                      <a:endParaRPr lang="en-US"/>
+                    </a:p>
+                  </a:txBody>
+                  <a:tcPr/>
+                </a:tc>
+                <a:tc hMerge="1">
+                  <a:txBody>
+                    <a:bodyPr/>
+                    <a:lstStyle/>
+                    <a:p>
+                      <a:endParaRPr lang="en-US"/>
+                    </a:p>
+                  </a:txBody>
+                  <a:tcPr/>
+                </a:tc>
+              </a:tr>
               <a:tr h="370840">
                 <a:tc gridSpan="3">
                   <a:txBody>
@@ -5732,382 +5821,6 @@
                           <a:schemeClr val="bg1"/>
                         </a:solidFill>
                       </a:endParaRPr>
-                    </a:p>
-                  </a:txBody>
-                  <a:tcPr>
-                    <a:lnL w="12700" cap="flat" cmpd="sng" algn="ctr">
-                      <a:solidFill>
-                        <a:schemeClr val="tx1"/>
-                      </a:solidFill>
-                      <a:prstDash val="solid"/>
-                      <a:round/>
-                      <a:headEnd type="none" w="med" len="med"/>
-                      <a:tailEnd type="none" w="med" len="med"/>
-                    </a:lnL>
-                    <a:lnR w="12700" cap="flat" cmpd="sng" algn="ctr">
-                      <a:solidFill>
-                        <a:schemeClr val="tx1"/>
-                      </a:solidFill>
-                      <a:prstDash val="solid"/>
-                      <a:round/>
-                      <a:headEnd type="none" w="med" len="med"/>
-                      <a:tailEnd type="none" w="med" len="med"/>
-                    </a:lnR>
-                    <a:lnT w="12700" cap="flat" cmpd="sng" algn="ctr">
-                      <a:solidFill>
-                        <a:schemeClr val="tx1"/>
-                      </a:solidFill>
-                      <a:prstDash val="solid"/>
-                      <a:round/>
-                      <a:headEnd type="none" w="med" len="med"/>
-                      <a:tailEnd type="none" w="med" len="med"/>
-                    </a:lnT>
-                    <a:lnB w="12700" cap="flat" cmpd="sng" algn="ctr">
-                      <a:solidFill>
-                        <a:schemeClr val="tx1"/>
-                      </a:solidFill>
-                      <a:prstDash val="solid"/>
-                      <a:round/>
-                      <a:headEnd type="none" w="med" len="med"/>
-                      <a:tailEnd type="none" w="med" len="med"/>
-                    </a:lnB>
-                    <a:lnTlToBr w="12700" cmpd="sng">
-                      <a:noFill/>
-                      <a:prstDash val="solid"/>
-                    </a:lnTlToBr>
-                    <a:lnBlToTr w="12700" cmpd="sng">
-                      <a:noFill/>
-                      <a:prstDash val="solid"/>
-                    </a:lnBlToTr>
-                    <a:solidFill>
-                      <a:schemeClr val="tx1">
-                        <a:lumMod val="50000"/>
-                      </a:schemeClr>
-                    </a:solidFill>
-                  </a:tcPr>
-                </a:tc>
-                <a:tc hMerge="1">
-                  <a:txBody>
-                    <a:bodyPr/>
-                    <a:lstStyle/>
-                    <a:p>
-                      <a:endParaRPr lang="en-US" dirty="0"/>
-                    </a:p>
-                  </a:txBody>
-                  <a:tcPr>
-                    <a:lnL w="12700" cap="flat" cmpd="sng" algn="ctr">
-                      <a:solidFill>
-                        <a:schemeClr val="tx1"/>
-                      </a:solidFill>
-                      <a:prstDash val="solid"/>
-                      <a:round/>
-                      <a:headEnd type="none" w="med" len="med"/>
-                      <a:tailEnd type="none" w="med" len="med"/>
-                    </a:lnL>
-                    <a:lnR w="12700" cap="flat" cmpd="sng" algn="ctr">
-                      <a:solidFill>
-                        <a:schemeClr val="tx1"/>
-                      </a:solidFill>
-                      <a:prstDash val="solid"/>
-                      <a:round/>
-                      <a:headEnd type="none" w="med" len="med"/>
-                      <a:tailEnd type="none" w="med" len="med"/>
-                    </a:lnR>
-                    <a:lnT w="12700" cap="flat" cmpd="sng" algn="ctr">
-                      <a:solidFill>
-                        <a:schemeClr val="tx1"/>
-                      </a:solidFill>
-                      <a:prstDash val="solid"/>
-                      <a:round/>
-                      <a:headEnd type="none" w="med" len="med"/>
-                      <a:tailEnd type="none" w="med" len="med"/>
-                    </a:lnT>
-                    <a:lnB w="12700" cap="flat" cmpd="sng" algn="ctr">
-                      <a:solidFill>
-                        <a:schemeClr val="tx1"/>
-                      </a:solidFill>
-                      <a:prstDash val="solid"/>
-                      <a:round/>
-                      <a:headEnd type="none" w="med" len="med"/>
-                      <a:tailEnd type="none" w="med" len="med"/>
-                    </a:lnB>
-                    <a:lnTlToBr w="12700" cmpd="sng">
-                      <a:noFill/>
-                      <a:prstDash val="solid"/>
-                    </a:lnTlToBr>
-                    <a:lnBlToTr w="12700" cmpd="sng">
-                      <a:noFill/>
-                      <a:prstDash val="solid"/>
-                    </a:lnBlToTr>
-                    <a:solidFill>
-                      <a:schemeClr val="tx1">
-                        <a:lumMod val="50000"/>
-                      </a:schemeClr>
-                    </a:solidFill>
-                  </a:tcPr>
-                </a:tc>
-                <a:tc hMerge="1">
-                  <a:txBody>
-                    <a:bodyPr/>
-                    <a:lstStyle/>
-                    <a:p>
-                      <a:endParaRPr lang="en-US" dirty="0"/>
-                    </a:p>
-                  </a:txBody>
-                  <a:tcPr>
-                    <a:lnL w="12700" cap="flat" cmpd="sng" algn="ctr">
-                      <a:solidFill>
-                        <a:schemeClr val="tx1"/>
-                      </a:solidFill>
-                      <a:prstDash val="solid"/>
-                      <a:round/>
-                      <a:headEnd type="none" w="med" len="med"/>
-                      <a:tailEnd type="none" w="med" len="med"/>
-                    </a:lnL>
-                    <a:lnR w="12700" cap="flat" cmpd="sng" algn="ctr">
-                      <a:solidFill>
-                        <a:schemeClr val="tx1"/>
-                      </a:solidFill>
-                      <a:prstDash val="solid"/>
-                      <a:round/>
-                      <a:headEnd type="none" w="med" len="med"/>
-                      <a:tailEnd type="none" w="med" len="med"/>
-                    </a:lnR>
-                    <a:lnT w="12700" cap="flat" cmpd="sng" algn="ctr">
-                      <a:solidFill>
-                        <a:schemeClr val="tx1"/>
-                      </a:solidFill>
-                      <a:prstDash val="solid"/>
-                      <a:round/>
-                      <a:headEnd type="none" w="med" len="med"/>
-                      <a:tailEnd type="none" w="med" len="med"/>
-                    </a:lnT>
-                    <a:lnB w="12700" cap="flat" cmpd="sng" algn="ctr">
-                      <a:solidFill>
-                        <a:schemeClr val="tx1"/>
-                      </a:solidFill>
-                      <a:prstDash val="solid"/>
-                      <a:round/>
-                      <a:headEnd type="none" w="med" len="med"/>
-                      <a:tailEnd type="none" w="med" len="med"/>
-                    </a:lnB>
-                    <a:lnTlToBr w="12700" cmpd="sng">
-                      <a:noFill/>
-                      <a:prstDash val="solid"/>
-                    </a:lnTlToBr>
-                    <a:lnBlToTr w="12700" cmpd="sng">
-                      <a:noFill/>
-                      <a:prstDash val="solid"/>
-                    </a:lnBlToTr>
-                    <a:solidFill>
-                      <a:schemeClr val="tx1">
-                        <a:lumMod val="50000"/>
-                      </a:schemeClr>
-                    </a:solidFill>
-                  </a:tcPr>
-                </a:tc>
-                <a:tc gridSpan="3">
-                  <a:txBody>
-                    <a:bodyPr/>
-                    <a:lstStyle/>
-                    <a:p>
-                      <a:pPr algn="ctr"/>
-                      <a:r>
-                        <a:rPr lang="en-US" b="0" dirty="0" smtClean="0">
-                          <a:solidFill>
-                            <a:schemeClr val="bg1"/>
-                          </a:solidFill>
-                        </a:rPr>
-                        <a:t>Ant 2</a:t>
-                      </a:r>
-                    </a:p>
-                  </a:txBody>
-                  <a:tcPr>
-                    <a:lnL w="12700" cap="flat" cmpd="sng" algn="ctr">
-                      <a:solidFill>
-                        <a:schemeClr val="tx1"/>
-                      </a:solidFill>
-                      <a:prstDash val="solid"/>
-                      <a:round/>
-                      <a:headEnd type="none" w="med" len="med"/>
-                      <a:tailEnd type="none" w="med" len="med"/>
-                    </a:lnL>
-                    <a:lnR w="12700" cap="flat" cmpd="sng" algn="ctr">
-                      <a:solidFill>
-                        <a:schemeClr val="tx1"/>
-                      </a:solidFill>
-                      <a:prstDash val="solid"/>
-                      <a:round/>
-                      <a:headEnd type="none" w="med" len="med"/>
-                      <a:tailEnd type="none" w="med" len="med"/>
-                    </a:lnR>
-                    <a:lnT w="12700" cap="flat" cmpd="sng" algn="ctr">
-                      <a:solidFill>
-                        <a:schemeClr val="tx1"/>
-                      </a:solidFill>
-                      <a:prstDash val="solid"/>
-                      <a:round/>
-                      <a:headEnd type="none" w="med" len="med"/>
-                      <a:tailEnd type="none" w="med" len="med"/>
-                    </a:lnT>
-                    <a:lnB w="12700" cap="flat" cmpd="sng" algn="ctr">
-                      <a:solidFill>
-                        <a:schemeClr val="tx1"/>
-                      </a:solidFill>
-                      <a:prstDash val="solid"/>
-                      <a:round/>
-                      <a:headEnd type="none" w="med" len="med"/>
-                      <a:tailEnd type="none" w="med" len="med"/>
-                    </a:lnB>
-                    <a:lnTlToBr w="12700" cmpd="sng">
-                      <a:noFill/>
-                      <a:prstDash val="solid"/>
-                    </a:lnTlToBr>
-                    <a:lnBlToTr w="12700" cmpd="sng">
-                      <a:noFill/>
-                      <a:prstDash val="solid"/>
-                    </a:lnBlToTr>
-                    <a:solidFill>
-                      <a:schemeClr val="tx1">
-                        <a:lumMod val="50000"/>
-                      </a:schemeClr>
-                    </a:solidFill>
-                  </a:tcPr>
-                </a:tc>
-                <a:tc hMerge="1">
-                  <a:txBody>
-                    <a:bodyPr/>
-                    <a:lstStyle/>
-                    <a:p>
-                      <a:endParaRPr lang="en-US" dirty="0"/>
-                    </a:p>
-                  </a:txBody>
-                  <a:tcPr>
-                    <a:lnL w="12700" cap="flat" cmpd="sng" algn="ctr">
-                      <a:solidFill>
-                        <a:schemeClr val="tx1"/>
-                      </a:solidFill>
-                      <a:prstDash val="solid"/>
-                      <a:round/>
-                      <a:headEnd type="none" w="med" len="med"/>
-                      <a:tailEnd type="none" w="med" len="med"/>
-                    </a:lnL>
-                    <a:lnR w="12700" cap="flat" cmpd="sng" algn="ctr">
-                      <a:solidFill>
-                        <a:schemeClr val="tx1"/>
-                      </a:solidFill>
-                      <a:prstDash val="solid"/>
-                      <a:round/>
-                      <a:headEnd type="none" w="med" len="med"/>
-                      <a:tailEnd type="none" w="med" len="med"/>
-                    </a:lnR>
-                    <a:lnT w="12700" cap="flat" cmpd="sng" algn="ctr">
-                      <a:solidFill>
-                        <a:schemeClr val="tx1"/>
-                      </a:solidFill>
-                      <a:prstDash val="solid"/>
-                      <a:round/>
-                      <a:headEnd type="none" w="med" len="med"/>
-                      <a:tailEnd type="none" w="med" len="med"/>
-                    </a:lnT>
-                    <a:lnB w="12700" cap="flat" cmpd="sng" algn="ctr">
-                      <a:solidFill>
-                        <a:schemeClr val="tx1"/>
-                      </a:solidFill>
-                      <a:prstDash val="solid"/>
-                      <a:round/>
-                      <a:headEnd type="none" w="med" len="med"/>
-                      <a:tailEnd type="none" w="med" len="med"/>
-                    </a:lnB>
-                    <a:lnTlToBr w="12700" cmpd="sng">
-                      <a:noFill/>
-                      <a:prstDash val="solid"/>
-                    </a:lnTlToBr>
-                    <a:lnBlToTr w="12700" cmpd="sng">
-                      <a:noFill/>
-                      <a:prstDash val="solid"/>
-                    </a:lnBlToTr>
-                    <a:solidFill>
-                      <a:schemeClr val="tx1">
-                        <a:lumMod val="50000"/>
-                      </a:schemeClr>
-                    </a:solidFill>
-                  </a:tcPr>
-                </a:tc>
-                <a:tc hMerge="1">
-                  <a:txBody>
-                    <a:bodyPr/>
-                    <a:lstStyle/>
-                    <a:p>
-                      <a:endParaRPr lang="en-US" dirty="0"/>
-                    </a:p>
-                  </a:txBody>
-                  <a:tcPr>
-                    <a:lnL w="12700" cap="flat" cmpd="sng" algn="ctr">
-                      <a:solidFill>
-                        <a:schemeClr val="tx1"/>
-                      </a:solidFill>
-                      <a:prstDash val="solid"/>
-                      <a:round/>
-                      <a:headEnd type="none" w="med" len="med"/>
-                      <a:tailEnd type="none" w="med" len="med"/>
-                    </a:lnL>
-                    <a:lnR w="12700" cap="flat" cmpd="sng" algn="ctr">
-                      <a:solidFill>
-                        <a:schemeClr val="tx1"/>
-                      </a:solidFill>
-                      <a:prstDash val="solid"/>
-                      <a:round/>
-                      <a:headEnd type="none" w="med" len="med"/>
-                      <a:tailEnd type="none" w="med" len="med"/>
-                    </a:lnR>
-                    <a:lnT w="12700" cap="flat" cmpd="sng" algn="ctr">
-                      <a:solidFill>
-                        <a:schemeClr val="tx1"/>
-                      </a:solidFill>
-                      <a:prstDash val="solid"/>
-                      <a:round/>
-                      <a:headEnd type="none" w="med" len="med"/>
-                      <a:tailEnd type="none" w="med" len="med"/>
-                    </a:lnT>
-                    <a:lnB w="12700" cap="flat" cmpd="sng" algn="ctr">
-                      <a:solidFill>
-                        <a:schemeClr val="tx1"/>
-                      </a:solidFill>
-                      <a:prstDash val="solid"/>
-                      <a:round/>
-                      <a:headEnd type="none" w="med" len="med"/>
-                      <a:tailEnd type="none" w="med" len="med"/>
-                    </a:lnB>
-                    <a:lnTlToBr w="12700" cmpd="sng">
-                      <a:noFill/>
-                      <a:prstDash val="solid"/>
-                    </a:lnTlToBr>
-                    <a:lnBlToTr w="12700" cmpd="sng">
-                      <a:noFill/>
-                      <a:prstDash val="solid"/>
-                    </a:lnBlToTr>
-                    <a:solidFill>
-                      <a:schemeClr val="tx1">
-                        <a:lumMod val="50000"/>
-                      </a:schemeClr>
-                    </a:solidFill>
-                  </a:tcPr>
-                </a:tc>
-                <a:tc gridSpan="3">
-                  <a:txBody>
-                    <a:bodyPr/>
-                    <a:lstStyle/>
-                    <a:p>
-                      <a:pPr algn="ctr"/>
-                      <a:r>
-                        <a:rPr lang="en-US" b="0" dirty="0" smtClean="0">
-                          <a:solidFill>
-                            <a:schemeClr val="bg1"/>
-                          </a:solidFill>
-                        </a:rPr>
-                        <a:t>Ant ...n</a:t>
-                      </a:r>
                     </a:p>
                   </a:txBody>
                   <a:tcPr>
@@ -6524,6 +6237,533 @@
                     </a:solidFill>
                   </a:tcPr>
                 </a:tc>
+              </a:tr>
+              <a:tr h="370840">
+                <a:tc>
+                  <a:txBody>
+                    <a:bodyPr/>
+                    <a:lstStyle/>
+                    <a:p>
+                      <a:r>
+                        <a:rPr lang="en-US" dirty="0" smtClean="0"/>
+                        <a:t>8bytes</a:t>
+                      </a:r>
+                      <a:endParaRPr lang="en-US" dirty="0"/>
+                    </a:p>
+                  </a:txBody>
+                  <a:tcPr>
+                    <a:lnL w="12700" cap="flat" cmpd="sng" algn="ctr">
+                      <a:solidFill>
+                        <a:schemeClr val="tx1"/>
+                      </a:solidFill>
+                      <a:prstDash val="solid"/>
+                      <a:round/>
+                      <a:headEnd type="none" w="med" len="med"/>
+                      <a:tailEnd type="none" w="med" len="med"/>
+                    </a:lnL>
+                    <a:lnR w="12700" cap="flat" cmpd="sng" algn="ctr">
+                      <a:solidFill>
+                        <a:schemeClr val="tx1"/>
+                      </a:solidFill>
+                      <a:prstDash val="solid"/>
+                      <a:round/>
+                      <a:headEnd type="none" w="med" len="med"/>
+                      <a:tailEnd type="none" w="med" len="med"/>
+                    </a:lnR>
+                    <a:lnT w="12700" cap="flat" cmpd="sng" algn="ctr">
+                      <a:solidFill>
+                        <a:schemeClr val="tx1"/>
+                      </a:solidFill>
+                      <a:prstDash val="solid"/>
+                      <a:round/>
+                      <a:headEnd type="none" w="med" len="med"/>
+                      <a:tailEnd type="none" w="med" len="med"/>
+                    </a:lnT>
+                    <a:lnB w="12700" cap="flat" cmpd="sng" algn="ctr">
+                      <a:solidFill>
+                        <a:schemeClr val="tx1"/>
+                      </a:solidFill>
+                      <a:prstDash val="solid"/>
+                      <a:round/>
+                      <a:headEnd type="none" w="med" len="med"/>
+                      <a:tailEnd type="none" w="med" len="med"/>
+                    </a:lnB>
+                    <a:lnTlToBr w="12700" cmpd="sng">
+                      <a:noFill/>
+                      <a:prstDash val="solid"/>
+                    </a:lnTlToBr>
+                    <a:lnBlToTr w="12700" cmpd="sng">
+                      <a:noFill/>
+                      <a:prstDash val="solid"/>
+                    </a:lnBlToTr>
+                    <a:solidFill>
+                      <a:schemeClr val="tx1">
+                        <a:lumMod val="50000"/>
+                      </a:schemeClr>
+                    </a:solidFill>
+                  </a:tcPr>
+                </a:tc>
+                <a:tc>
+                  <a:txBody>
+                    <a:bodyPr/>
+                    <a:lstStyle/>
+                    <a:p>
+                      <a:r>
+                        <a:rPr lang="en-US" dirty="0" smtClean="0"/>
+                        <a:t>8bytes</a:t>
+                      </a:r>
+                      <a:endParaRPr lang="en-US" dirty="0"/>
+                    </a:p>
+                  </a:txBody>
+                  <a:tcPr>
+                    <a:lnL w="12700" cap="flat" cmpd="sng" algn="ctr">
+                      <a:solidFill>
+                        <a:schemeClr val="tx1"/>
+                      </a:solidFill>
+                      <a:prstDash val="solid"/>
+                      <a:round/>
+                      <a:headEnd type="none" w="med" len="med"/>
+                      <a:tailEnd type="none" w="med" len="med"/>
+                    </a:lnL>
+                    <a:lnR w="12700" cap="flat" cmpd="sng" algn="ctr">
+                      <a:solidFill>
+                        <a:schemeClr val="tx1"/>
+                      </a:solidFill>
+                      <a:prstDash val="solid"/>
+                      <a:round/>
+                      <a:headEnd type="none" w="med" len="med"/>
+                      <a:tailEnd type="none" w="med" len="med"/>
+                    </a:lnR>
+                    <a:lnT w="12700" cap="flat" cmpd="sng" algn="ctr">
+                      <a:solidFill>
+                        <a:schemeClr val="tx1"/>
+                      </a:solidFill>
+                      <a:prstDash val="solid"/>
+                      <a:round/>
+                      <a:headEnd type="none" w="med" len="med"/>
+                      <a:tailEnd type="none" w="med" len="med"/>
+                    </a:lnT>
+                    <a:lnB w="12700" cap="flat" cmpd="sng" algn="ctr">
+                      <a:solidFill>
+                        <a:schemeClr val="tx1"/>
+                      </a:solidFill>
+                      <a:prstDash val="solid"/>
+                      <a:round/>
+                      <a:headEnd type="none" w="med" len="med"/>
+                      <a:tailEnd type="none" w="med" len="med"/>
+                    </a:lnB>
+                    <a:lnTlToBr w="12700" cmpd="sng">
+                      <a:noFill/>
+                      <a:prstDash val="solid"/>
+                    </a:lnTlToBr>
+                    <a:lnBlToTr w="12700" cmpd="sng">
+                      <a:noFill/>
+                      <a:prstDash val="solid"/>
+                    </a:lnBlToTr>
+                    <a:solidFill>
+                      <a:schemeClr val="tx1">
+                        <a:lumMod val="50000"/>
+                      </a:schemeClr>
+                    </a:solidFill>
+                  </a:tcPr>
+                </a:tc>
+                <a:tc>
+                  <a:txBody>
+                    <a:bodyPr/>
+                    <a:lstStyle/>
+                    <a:p>
+                      <a:r>
+                        <a:rPr lang="en-US" dirty="0" smtClean="0"/>
+                        <a:t>4bytes</a:t>
+                      </a:r>
+                      <a:endParaRPr lang="en-US" dirty="0"/>
+                    </a:p>
+                  </a:txBody>
+                  <a:tcPr>
+                    <a:lnL w="12700" cap="flat" cmpd="sng" algn="ctr">
+                      <a:solidFill>
+                        <a:schemeClr val="tx1"/>
+                      </a:solidFill>
+                      <a:prstDash val="solid"/>
+                      <a:round/>
+                      <a:headEnd type="none" w="med" len="med"/>
+                      <a:tailEnd type="none" w="med" len="med"/>
+                    </a:lnL>
+                    <a:lnR w="12700" cap="flat" cmpd="sng" algn="ctr">
+                      <a:solidFill>
+                        <a:schemeClr val="tx1"/>
+                      </a:solidFill>
+                      <a:prstDash val="solid"/>
+                      <a:round/>
+                      <a:headEnd type="none" w="med" len="med"/>
+                      <a:tailEnd type="none" w="med" len="med"/>
+                    </a:lnR>
+                    <a:lnT w="12700" cap="flat" cmpd="sng" algn="ctr">
+                      <a:solidFill>
+                        <a:schemeClr val="tx1"/>
+                      </a:solidFill>
+                      <a:prstDash val="solid"/>
+                      <a:round/>
+                      <a:headEnd type="none" w="med" len="med"/>
+                      <a:tailEnd type="none" w="med" len="med"/>
+                    </a:lnT>
+                    <a:lnB w="12700" cap="flat" cmpd="sng" algn="ctr">
+                      <a:solidFill>
+                        <a:schemeClr val="tx1"/>
+                      </a:solidFill>
+                      <a:prstDash val="solid"/>
+                      <a:round/>
+                      <a:headEnd type="none" w="med" len="med"/>
+                      <a:tailEnd type="none" w="med" len="med"/>
+                    </a:lnB>
+                    <a:lnTlToBr w="12700" cmpd="sng">
+                      <a:noFill/>
+                      <a:prstDash val="solid"/>
+                    </a:lnTlToBr>
+                    <a:lnBlToTr w="12700" cmpd="sng">
+                      <a:noFill/>
+                      <a:prstDash val="solid"/>
+                    </a:lnBlToTr>
+                    <a:solidFill>
+                      <a:schemeClr val="tx1">
+                        <a:lumMod val="50000"/>
+                      </a:schemeClr>
+                    </a:solidFill>
+                  </a:tcPr>
+                </a:tc>
+              </a:tr>
+            </a:tbl>
+          </a:graphicData>
+        </a:graphic>
+      </p:graphicFrame>
+      <p:graphicFrame>
+        <p:nvGraphicFramePr>
+          <p:cNvPr id="5" name="Table 4"/>
+          <p:cNvGraphicFramePr>
+            <a:graphicFrameLocks noGrp="1"/>
+          </p:cNvGraphicFramePr>
+          <p:nvPr>
+            <p:extLst>
+              <p:ext uri="{D42A27DB-BD31-4B8C-83A1-F6EECF244321}">
+                <p14:modId xmlns:p14="http://schemas.microsoft.com/office/powerpoint/2010/main" val="1221252816"/>
+              </p:ext>
+            </p:extLst>
+          </p:nvPr>
+        </p:nvGraphicFramePr>
+        <p:xfrm>
+          <a:off x="4842933" y="2856600"/>
+          <a:ext cx="3488268" cy="1483360"/>
+        </p:xfrm>
+        <a:graphic>
+          <a:graphicData uri="http://schemas.openxmlformats.org/drawingml/2006/table">
+            <a:tbl>
+              <a:tblPr firstRow="1" bandRow="1">
+                <a:tableStyleId>{5C22544A-7EE6-4342-B048-85BDC9FD1C3A}</a:tableStyleId>
+              </a:tblPr>
+              <a:tblGrid>
+                <a:gridCol w="1162756"/>
+                <a:gridCol w="1162756"/>
+                <a:gridCol w="1162756"/>
+              </a:tblGrid>
+              <a:tr h="370840">
+                <a:tc gridSpan="3">
+                  <a:txBody>
+                    <a:bodyPr/>
+                    <a:lstStyle/>
+                    <a:p>
+                      <a:pPr algn="ctr"/>
+                      <a:r>
+                        <a:rPr lang="en-US" b="0" dirty="0" smtClean="0">
+                          <a:solidFill>
+                            <a:schemeClr val="bg1"/>
+                          </a:solidFill>
+                        </a:rPr>
+                        <a:t>0x105</a:t>
+                      </a:r>
+                      <a:endParaRPr lang="en-US" b="0" dirty="0">
+                        <a:solidFill>
+                          <a:schemeClr val="bg1"/>
+                        </a:solidFill>
+                      </a:endParaRPr>
+                    </a:p>
+                  </a:txBody>
+                  <a:tcPr>
+                    <a:lnL w="12700" cap="flat" cmpd="sng" algn="ctr">
+                      <a:solidFill>
+                        <a:schemeClr val="tx1"/>
+                      </a:solidFill>
+                      <a:prstDash val="solid"/>
+                      <a:round/>
+                      <a:headEnd type="none" w="med" len="med"/>
+                      <a:tailEnd type="none" w="med" len="med"/>
+                    </a:lnL>
+                    <a:lnR w="12700" cap="flat" cmpd="sng" algn="ctr">
+                      <a:solidFill>
+                        <a:schemeClr val="tx1"/>
+                      </a:solidFill>
+                      <a:prstDash val="solid"/>
+                      <a:round/>
+                      <a:headEnd type="none" w="med" len="med"/>
+                      <a:tailEnd type="none" w="med" len="med"/>
+                    </a:lnR>
+                    <a:lnT w="12700" cap="flat" cmpd="sng" algn="ctr">
+                      <a:solidFill>
+                        <a:schemeClr val="tx1"/>
+                      </a:solidFill>
+                      <a:prstDash val="solid"/>
+                      <a:round/>
+                      <a:headEnd type="none" w="med" len="med"/>
+                      <a:tailEnd type="none" w="med" len="med"/>
+                    </a:lnT>
+                    <a:lnB w="12700" cap="flat" cmpd="sng" algn="ctr">
+                      <a:solidFill>
+                        <a:schemeClr val="tx1"/>
+                      </a:solidFill>
+                      <a:prstDash val="solid"/>
+                      <a:round/>
+                      <a:headEnd type="none" w="med" len="med"/>
+                      <a:tailEnd type="none" w="med" len="med"/>
+                    </a:lnB>
+                    <a:lnTlToBr w="12700" cmpd="sng">
+                      <a:noFill/>
+                      <a:prstDash val="solid"/>
+                    </a:lnTlToBr>
+                    <a:lnBlToTr w="12700" cmpd="sng">
+                      <a:noFill/>
+                      <a:prstDash val="solid"/>
+                    </a:lnBlToTr>
+                    <a:solidFill>
+                      <a:schemeClr val="tx1">
+                        <a:lumMod val="50000"/>
+                      </a:schemeClr>
+                    </a:solidFill>
+                  </a:tcPr>
+                </a:tc>
+                <a:tc hMerge="1">
+                  <a:txBody>
+                    <a:bodyPr/>
+                    <a:lstStyle/>
+                    <a:p>
+                      <a:endParaRPr lang="en-US"/>
+                    </a:p>
+                  </a:txBody>
+                  <a:tcPr/>
+                </a:tc>
+                <a:tc hMerge="1">
+                  <a:txBody>
+                    <a:bodyPr/>
+                    <a:lstStyle/>
+                    <a:p>
+                      <a:endParaRPr lang="en-US"/>
+                    </a:p>
+                  </a:txBody>
+                  <a:tcPr/>
+                </a:tc>
+              </a:tr>
+              <a:tr h="370840">
+                <a:tc gridSpan="3">
+                  <a:txBody>
+                    <a:bodyPr/>
+                    <a:lstStyle/>
+                    <a:p>
+                      <a:pPr algn="ctr"/>
+                      <a:r>
+                        <a:rPr lang="en-US" b="0" dirty="0" smtClean="0">
+                          <a:solidFill>
+                            <a:schemeClr val="bg1"/>
+                          </a:solidFill>
+                        </a:rPr>
+                        <a:t>Ant </a:t>
+                      </a:r>
+                      <a:r>
+                        <a:rPr lang="en-US" b="0" dirty="0" smtClean="0">
+                          <a:solidFill>
+                            <a:schemeClr val="bg1"/>
+                          </a:solidFill>
+                        </a:rPr>
+                        <a:t>2</a:t>
+                      </a:r>
+                      <a:endParaRPr lang="en-US" b="0" dirty="0">
+                        <a:solidFill>
+                          <a:schemeClr val="bg1"/>
+                        </a:solidFill>
+                      </a:endParaRPr>
+                    </a:p>
+                  </a:txBody>
+                  <a:tcPr>
+                    <a:lnL w="12700" cap="flat" cmpd="sng" algn="ctr">
+                      <a:solidFill>
+                        <a:schemeClr val="tx1"/>
+                      </a:solidFill>
+                      <a:prstDash val="solid"/>
+                      <a:round/>
+                      <a:headEnd type="none" w="med" len="med"/>
+                      <a:tailEnd type="none" w="med" len="med"/>
+                    </a:lnL>
+                    <a:lnR w="12700" cap="flat" cmpd="sng" algn="ctr">
+                      <a:solidFill>
+                        <a:schemeClr val="tx1"/>
+                      </a:solidFill>
+                      <a:prstDash val="solid"/>
+                      <a:round/>
+                      <a:headEnd type="none" w="med" len="med"/>
+                      <a:tailEnd type="none" w="med" len="med"/>
+                    </a:lnR>
+                    <a:lnT w="12700" cap="flat" cmpd="sng" algn="ctr">
+                      <a:solidFill>
+                        <a:schemeClr val="tx1"/>
+                      </a:solidFill>
+                      <a:prstDash val="solid"/>
+                      <a:round/>
+                      <a:headEnd type="none" w="med" len="med"/>
+                      <a:tailEnd type="none" w="med" len="med"/>
+                    </a:lnT>
+                    <a:lnB w="12700" cap="flat" cmpd="sng" algn="ctr">
+                      <a:solidFill>
+                        <a:schemeClr val="tx1"/>
+                      </a:solidFill>
+                      <a:prstDash val="solid"/>
+                      <a:round/>
+                      <a:headEnd type="none" w="med" len="med"/>
+                      <a:tailEnd type="none" w="med" len="med"/>
+                    </a:lnB>
+                    <a:lnTlToBr w="12700" cmpd="sng">
+                      <a:noFill/>
+                      <a:prstDash val="solid"/>
+                    </a:lnTlToBr>
+                    <a:lnBlToTr w="12700" cmpd="sng">
+                      <a:noFill/>
+                      <a:prstDash val="solid"/>
+                    </a:lnBlToTr>
+                    <a:solidFill>
+                      <a:schemeClr val="tx1">
+                        <a:lumMod val="50000"/>
+                      </a:schemeClr>
+                    </a:solidFill>
+                  </a:tcPr>
+                </a:tc>
+                <a:tc hMerge="1">
+                  <a:txBody>
+                    <a:bodyPr/>
+                    <a:lstStyle/>
+                    <a:p>
+                      <a:endParaRPr lang="en-US" dirty="0"/>
+                    </a:p>
+                  </a:txBody>
+                  <a:tcPr>
+                    <a:lnL w="12700" cap="flat" cmpd="sng" algn="ctr">
+                      <a:solidFill>
+                        <a:schemeClr val="tx1"/>
+                      </a:solidFill>
+                      <a:prstDash val="solid"/>
+                      <a:round/>
+                      <a:headEnd type="none" w="med" len="med"/>
+                      <a:tailEnd type="none" w="med" len="med"/>
+                    </a:lnL>
+                    <a:lnR w="12700" cap="flat" cmpd="sng" algn="ctr">
+                      <a:solidFill>
+                        <a:schemeClr val="tx1"/>
+                      </a:solidFill>
+                      <a:prstDash val="solid"/>
+                      <a:round/>
+                      <a:headEnd type="none" w="med" len="med"/>
+                      <a:tailEnd type="none" w="med" len="med"/>
+                    </a:lnR>
+                    <a:lnT w="12700" cap="flat" cmpd="sng" algn="ctr">
+                      <a:solidFill>
+                        <a:schemeClr val="tx1"/>
+                      </a:solidFill>
+                      <a:prstDash val="solid"/>
+                      <a:round/>
+                      <a:headEnd type="none" w="med" len="med"/>
+                      <a:tailEnd type="none" w="med" len="med"/>
+                    </a:lnT>
+                    <a:lnB w="12700" cap="flat" cmpd="sng" algn="ctr">
+                      <a:solidFill>
+                        <a:schemeClr val="tx1"/>
+                      </a:solidFill>
+                      <a:prstDash val="solid"/>
+                      <a:round/>
+                      <a:headEnd type="none" w="med" len="med"/>
+                      <a:tailEnd type="none" w="med" len="med"/>
+                    </a:lnB>
+                    <a:lnTlToBr w="12700" cmpd="sng">
+                      <a:noFill/>
+                      <a:prstDash val="solid"/>
+                    </a:lnTlToBr>
+                    <a:lnBlToTr w="12700" cmpd="sng">
+                      <a:noFill/>
+                      <a:prstDash val="solid"/>
+                    </a:lnBlToTr>
+                    <a:solidFill>
+                      <a:schemeClr val="tx1">
+                        <a:lumMod val="50000"/>
+                      </a:schemeClr>
+                    </a:solidFill>
+                  </a:tcPr>
+                </a:tc>
+                <a:tc hMerge="1">
+                  <a:txBody>
+                    <a:bodyPr/>
+                    <a:lstStyle/>
+                    <a:p>
+                      <a:endParaRPr lang="en-US" dirty="0"/>
+                    </a:p>
+                  </a:txBody>
+                  <a:tcPr>
+                    <a:lnL w="12700" cap="flat" cmpd="sng" algn="ctr">
+                      <a:solidFill>
+                        <a:schemeClr val="tx1"/>
+                      </a:solidFill>
+                      <a:prstDash val="solid"/>
+                      <a:round/>
+                      <a:headEnd type="none" w="med" len="med"/>
+                      <a:tailEnd type="none" w="med" len="med"/>
+                    </a:lnL>
+                    <a:lnR w="12700" cap="flat" cmpd="sng" algn="ctr">
+                      <a:solidFill>
+                        <a:schemeClr val="tx1"/>
+                      </a:solidFill>
+                      <a:prstDash val="solid"/>
+                      <a:round/>
+                      <a:headEnd type="none" w="med" len="med"/>
+                      <a:tailEnd type="none" w="med" len="med"/>
+                    </a:lnR>
+                    <a:lnT w="12700" cap="flat" cmpd="sng" algn="ctr">
+                      <a:solidFill>
+                        <a:schemeClr val="tx1"/>
+                      </a:solidFill>
+                      <a:prstDash val="solid"/>
+                      <a:round/>
+                      <a:headEnd type="none" w="med" len="med"/>
+                      <a:tailEnd type="none" w="med" len="med"/>
+                    </a:lnT>
+                    <a:lnB w="12700" cap="flat" cmpd="sng" algn="ctr">
+                      <a:solidFill>
+                        <a:schemeClr val="tx1"/>
+                      </a:solidFill>
+                      <a:prstDash val="solid"/>
+                      <a:round/>
+                      <a:headEnd type="none" w="med" len="med"/>
+                      <a:tailEnd type="none" w="med" len="med"/>
+                    </a:lnB>
+                    <a:lnTlToBr w="12700" cmpd="sng">
+                      <a:noFill/>
+                      <a:prstDash val="solid"/>
+                    </a:lnTlToBr>
+                    <a:lnBlToTr w="12700" cmpd="sng">
+                      <a:noFill/>
+                      <a:prstDash val="solid"/>
+                    </a:lnBlToTr>
+                    <a:solidFill>
+                      <a:schemeClr val="tx1">
+                        <a:lumMod val="50000"/>
+                      </a:schemeClr>
+                    </a:solidFill>
+                  </a:tcPr>
+                </a:tc>
+              </a:tr>
+              <a:tr h="370840">
                 <a:tc>
                   <a:txBody>
                     <a:bodyPr/>
@@ -6764,6 +7004,8 @@
                     </a:solidFill>
                   </a:tcPr>
                 </a:tc>
+              </a:tr>
+              <a:tr h="370840">
                 <a:tc>
                   <a:txBody>
                     <a:bodyPr/>
@@ -6771,9 +7013,544 @@
                     <a:p>
                       <a:r>
                         <a:rPr lang="en-US" dirty="0" smtClean="0"/>
+                        <a:t>8bytes</a:t>
+                      </a:r>
+                      <a:endParaRPr lang="en-US" dirty="0"/>
+                    </a:p>
+                  </a:txBody>
+                  <a:tcPr>
+                    <a:lnL w="12700" cap="flat" cmpd="sng" algn="ctr">
+                      <a:solidFill>
+                        <a:schemeClr val="tx1"/>
+                      </a:solidFill>
+                      <a:prstDash val="solid"/>
+                      <a:round/>
+                      <a:headEnd type="none" w="med" len="med"/>
+                      <a:tailEnd type="none" w="med" len="med"/>
+                    </a:lnL>
+                    <a:lnR w="12700" cap="flat" cmpd="sng" algn="ctr">
+                      <a:solidFill>
+                        <a:schemeClr val="tx1"/>
+                      </a:solidFill>
+                      <a:prstDash val="solid"/>
+                      <a:round/>
+                      <a:headEnd type="none" w="med" len="med"/>
+                      <a:tailEnd type="none" w="med" len="med"/>
+                    </a:lnR>
+                    <a:lnT w="12700" cap="flat" cmpd="sng" algn="ctr">
+                      <a:solidFill>
+                        <a:schemeClr val="tx1"/>
+                      </a:solidFill>
+                      <a:prstDash val="solid"/>
+                      <a:round/>
+                      <a:headEnd type="none" w="med" len="med"/>
+                      <a:tailEnd type="none" w="med" len="med"/>
+                    </a:lnT>
+                    <a:lnB w="12700" cap="flat" cmpd="sng" algn="ctr">
+                      <a:solidFill>
+                        <a:schemeClr val="tx1"/>
+                      </a:solidFill>
+                      <a:prstDash val="solid"/>
+                      <a:round/>
+                      <a:headEnd type="none" w="med" len="med"/>
+                      <a:tailEnd type="none" w="med" len="med"/>
+                    </a:lnB>
+                    <a:lnTlToBr w="12700" cmpd="sng">
+                      <a:noFill/>
+                      <a:prstDash val="solid"/>
+                    </a:lnTlToBr>
+                    <a:lnBlToTr w="12700" cmpd="sng">
+                      <a:noFill/>
+                      <a:prstDash val="solid"/>
+                    </a:lnBlToTr>
+                    <a:solidFill>
+                      <a:schemeClr val="tx1">
+                        <a:lumMod val="50000"/>
+                      </a:schemeClr>
+                    </a:solidFill>
+                  </a:tcPr>
+                </a:tc>
+                <a:tc>
+                  <a:txBody>
+                    <a:bodyPr/>
+                    <a:lstStyle/>
+                    <a:p>
+                      <a:r>
+                        <a:rPr lang="en-US" dirty="0" smtClean="0"/>
+                        <a:t>8bytes</a:t>
+                      </a:r>
+                      <a:endParaRPr lang="en-US" dirty="0"/>
+                    </a:p>
+                  </a:txBody>
+                  <a:tcPr>
+                    <a:lnL w="12700" cap="flat" cmpd="sng" algn="ctr">
+                      <a:solidFill>
+                        <a:schemeClr val="tx1"/>
+                      </a:solidFill>
+                      <a:prstDash val="solid"/>
+                      <a:round/>
+                      <a:headEnd type="none" w="med" len="med"/>
+                      <a:tailEnd type="none" w="med" len="med"/>
+                    </a:lnL>
+                    <a:lnR w="12700" cap="flat" cmpd="sng" algn="ctr">
+                      <a:solidFill>
+                        <a:schemeClr val="tx1"/>
+                      </a:solidFill>
+                      <a:prstDash val="solid"/>
+                      <a:round/>
+                      <a:headEnd type="none" w="med" len="med"/>
+                      <a:tailEnd type="none" w="med" len="med"/>
+                    </a:lnR>
+                    <a:lnT w="12700" cap="flat" cmpd="sng" algn="ctr">
+                      <a:solidFill>
+                        <a:schemeClr val="tx1"/>
+                      </a:solidFill>
+                      <a:prstDash val="solid"/>
+                      <a:round/>
+                      <a:headEnd type="none" w="med" len="med"/>
+                      <a:tailEnd type="none" w="med" len="med"/>
+                    </a:lnT>
+                    <a:lnB w="12700" cap="flat" cmpd="sng" algn="ctr">
+                      <a:solidFill>
+                        <a:schemeClr val="tx1"/>
+                      </a:solidFill>
+                      <a:prstDash val="solid"/>
+                      <a:round/>
+                      <a:headEnd type="none" w="med" len="med"/>
+                      <a:tailEnd type="none" w="med" len="med"/>
+                    </a:lnB>
+                    <a:lnTlToBr w="12700" cmpd="sng">
+                      <a:noFill/>
+                      <a:prstDash val="solid"/>
+                    </a:lnTlToBr>
+                    <a:lnBlToTr w="12700" cmpd="sng">
+                      <a:noFill/>
+                      <a:prstDash val="solid"/>
+                    </a:lnBlToTr>
+                    <a:solidFill>
+                      <a:schemeClr val="tx1">
+                        <a:lumMod val="50000"/>
+                      </a:schemeClr>
+                    </a:solidFill>
+                  </a:tcPr>
+                </a:tc>
+                <a:tc>
+                  <a:txBody>
+                    <a:bodyPr/>
+                    <a:lstStyle/>
+                    <a:p>
+                      <a:r>
+                        <a:rPr lang="en-US" dirty="0" smtClean="0"/>
+                        <a:t>4bytes</a:t>
+                      </a:r>
+                      <a:endParaRPr lang="en-US" dirty="0"/>
+                    </a:p>
+                  </a:txBody>
+                  <a:tcPr>
+                    <a:lnL w="12700" cap="flat" cmpd="sng" algn="ctr">
+                      <a:solidFill>
+                        <a:schemeClr val="tx1"/>
+                      </a:solidFill>
+                      <a:prstDash val="solid"/>
+                      <a:round/>
+                      <a:headEnd type="none" w="med" len="med"/>
+                      <a:tailEnd type="none" w="med" len="med"/>
+                    </a:lnL>
+                    <a:lnR w="12700" cap="flat" cmpd="sng" algn="ctr">
+                      <a:solidFill>
+                        <a:schemeClr val="tx1"/>
+                      </a:solidFill>
+                      <a:prstDash val="solid"/>
+                      <a:round/>
+                      <a:headEnd type="none" w="med" len="med"/>
+                      <a:tailEnd type="none" w="med" len="med"/>
+                    </a:lnR>
+                    <a:lnT w="12700" cap="flat" cmpd="sng" algn="ctr">
+                      <a:solidFill>
+                        <a:schemeClr val="tx1"/>
+                      </a:solidFill>
+                      <a:prstDash val="solid"/>
+                      <a:round/>
+                      <a:headEnd type="none" w="med" len="med"/>
+                      <a:tailEnd type="none" w="med" len="med"/>
+                    </a:lnT>
+                    <a:lnB w="12700" cap="flat" cmpd="sng" algn="ctr">
+                      <a:solidFill>
+                        <a:schemeClr val="tx1"/>
+                      </a:solidFill>
+                      <a:prstDash val="solid"/>
+                      <a:round/>
+                      <a:headEnd type="none" w="med" len="med"/>
+                      <a:tailEnd type="none" w="med" len="med"/>
+                    </a:lnB>
+                    <a:lnTlToBr w="12700" cmpd="sng">
+                      <a:noFill/>
+                      <a:prstDash val="solid"/>
+                    </a:lnTlToBr>
+                    <a:lnBlToTr w="12700" cmpd="sng">
+                      <a:noFill/>
+                      <a:prstDash val="solid"/>
+                    </a:lnBlToTr>
+                    <a:solidFill>
+                      <a:schemeClr val="tx1">
+                        <a:lumMod val="50000"/>
+                      </a:schemeClr>
+                    </a:solidFill>
+                  </a:tcPr>
+                </a:tc>
+              </a:tr>
+            </a:tbl>
+          </a:graphicData>
+        </a:graphic>
+      </p:graphicFrame>
+      <p:graphicFrame>
+        <p:nvGraphicFramePr>
+          <p:cNvPr id="6" name="Table 5"/>
+          <p:cNvGraphicFramePr>
+            <a:graphicFrameLocks noGrp="1"/>
+          </p:cNvGraphicFramePr>
+          <p:nvPr>
+            <p:extLst>
+              <p:ext uri="{D42A27DB-BD31-4B8C-83A1-F6EECF244321}">
+                <p14:modId xmlns:p14="http://schemas.microsoft.com/office/powerpoint/2010/main" val="4149939043"/>
+              </p:ext>
+            </p:extLst>
+          </p:nvPr>
+        </p:nvGraphicFramePr>
+        <p:xfrm>
+          <a:off x="8466665" y="5006340"/>
+          <a:ext cx="3488268" cy="1483360"/>
+        </p:xfrm>
+        <a:graphic>
+          <a:graphicData uri="http://schemas.openxmlformats.org/drawingml/2006/table">
+            <a:tbl>
+              <a:tblPr firstRow="1" bandRow="1">
+                <a:tableStyleId>{5C22544A-7EE6-4342-B048-85BDC9FD1C3A}</a:tableStyleId>
+              </a:tblPr>
+              <a:tblGrid>
+                <a:gridCol w="1162756"/>
+                <a:gridCol w="1162756"/>
+                <a:gridCol w="1162756"/>
+              </a:tblGrid>
+              <a:tr h="370840">
+                <a:tc gridSpan="3">
+                  <a:txBody>
+                    <a:bodyPr/>
+                    <a:lstStyle/>
+                    <a:p>
+                      <a:pPr algn="ctr"/>
+                      <a:r>
+                        <a:rPr lang="en-US" b="0" dirty="0" smtClean="0">
+                          <a:solidFill>
+                            <a:schemeClr val="bg1"/>
+                          </a:solidFill>
+                        </a:rPr>
+                        <a:t>0x...n</a:t>
+                      </a:r>
+                      <a:endParaRPr lang="en-US" b="0" dirty="0">
+                        <a:solidFill>
+                          <a:schemeClr val="bg1"/>
+                        </a:solidFill>
+                      </a:endParaRPr>
+                    </a:p>
+                  </a:txBody>
+                  <a:tcPr>
+                    <a:lnL w="12700" cap="flat" cmpd="sng" algn="ctr">
+                      <a:solidFill>
+                        <a:schemeClr val="tx1"/>
+                      </a:solidFill>
+                      <a:prstDash val="solid"/>
+                      <a:round/>
+                      <a:headEnd type="none" w="med" len="med"/>
+                      <a:tailEnd type="none" w="med" len="med"/>
+                    </a:lnL>
+                    <a:lnR w="12700" cap="flat" cmpd="sng" algn="ctr">
+                      <a:solidFill>
+                        <a:schemeClr val="tx1"/>
+                      </a:solidFill>
+                      <a:prstDash val="solid"/>
+                      <a:round/>
+                      <a:headEnd type="none" w="med" len="med"/>
+                      <a:tailEnd type="none" w="med" len="med"/>
+                    </a:lnR>
+                    <a:lnT w="12700" cap="flat" cmpd="sng" algn="ctr">
+                      <a:solidFill>
+                        <a:schemeClr val="tx1"/>
+                      </a:solidFill>
+                      <a:prstDash val="solid"/>
+                      <a:round/>
+                      <a:headEnd type="none" w="med" len="med"/>
+                      <a:tailEnd type="none" w="med" len="med"/>
+                    </a:lnT>
+                    <a:lnB w="12700" cap="flat" cmpd="sng" algn="ctr">
+                      <a:solidFill>
+                        <a:schemeClr val="tx1"/>
+                      </a:solidFill>
+                      <a:prstDash val="solid"/>
+                      <a:round/>
+                      <a:headEnd type="none" w="med" len="med"/>
+                      <a:tailEnd type="none" w="med" len="med"/>
+                    </a:lnB>
+                    <a:lnTlToBr w="12700" cmpd="sng">
+                      <a:noFill/>
+                      <a:prstDash val="solid"/>
+                    </a:lnTlToBr>
+                    <a:lnBlToTr w="12700" cmpd="sng">
+                      <a:noFill/>
+                      <a:prstDash val="solid"/>
+                    </a:lnBlToTr>
+                    <a:solidFill>
+                      <a:schemeClr val="tx1">
+                        <a:lumMod val="50000"/>
+                      </a:schemeClr>
+                    </a:solidFill>
+                  </a:tcPr>
+                </a:tc>
+                <a:tc hMerge="1">
+                  <a:txBody>
+                    <a:bodyPr/>
+                    <a:lstStyle/>
+                    <a:p>
+                      <a:endParaRPr lang="en-US"/>
+                    </a:p>
+                  </a:txBody>
+                  <a:tcPr/>
+                </a:tc>
+                <a:tc hMerge="1">
+                  <a:txBody>
+                    <a:bodyPr/>
+                    <a:lstStyle/>
+                    <a:p>
+                      <a:endParaRPr lang="en-US"/>
+                    </a:p>
+                  </a:txBody>
+                  <a:tcPr/>
+                </a:tc>
+              </a:tr>
+              <a:tr h="370840">
+                <a:tc gridSpan="3">
+                  <a:txBody>
+                    <a:bodyPr/>
+                    <a:lstStyle/>
+                    <a:p>
+                      <a:pPr algn="ctr"/>
+                      <a:r>
+                        <a:rPr lang="en-US" b="0" dirty="0" smtClean="0">
+                          <a:solidFill>
+                            <a:schemeClr val="bg1"/>
+                          </a:solidFill>
+                        </a:rPr>
+                        <a:t>Ant </a:t>
+                      </a:r>
+                      <a:r>
+                        <a:rPr lang="en-US" b="0" dirty="0" smtClean="0">
+                          <a:solidFill>
+                            <a:schemeClr val="bg1"/>
+                          </a:solidFill>
+                        </a:rPr>
+                        <a:t>...n</a:t>
+                      </a:r>
+                    </a:p>
+                  </a:txBody>
+                  <a:tcPr>
+                    <a:lnL w="12700" cap="flat" cmpd="sng" algn="ctr">
+                      <a:solidFill>
+                        <a:schemeClr val="tx1"/>
+                      </a:solidFill>
+                      <a:prstDash val="solid"/>
+                      <a:round/>
+                      <a:headEnd type="none" w="med" len="med"/>
+                      <a:tailEnd type="none" w="med" len="med"/>
+                    </a:lnL>
+                    <a:lnR w="12700" cap="flat" cmpd="sng" algn="ctr">
+                      <a:solidFill>
+                        <a:schemeClr val="tx1"/>
+                      </a:solidFill>
+                      <a:prstDash val="solid"/>
+                      <a:round/>
+                      <a:headEnd type="none" w="med" len="med"/>
+                      <a:tailEnd type="none" w="med" len="med"/>
+                    </a:lnR>
+                    <a:lnT w="12700" cap="flat" cmpd="sng" algn="ctr">
+                      <a:solidFill>
+                        <a:schemeClr val="tx1"/>
+                      </a:solidFill>
+                      <a:prstDash val="solid"/>
+                      <a:round/>
+                      <a:headEnd type="none" w="med" len="med"/>
+                      <a:tailEnd type="none" w="med" len="med"/>
+                    </a:lnT>
+                    <a:lnB w="12700" cap="flat" cmpd="sng" algn="ctr">
+                      <a:solidFill>
+                        <a:schemeClr val="tx1"/>
+                      </a:solidFill>
+                      <a:prstDash val="solid"/>
+                      <a:round/>
+                      <a:headEnd type="none" w="med" len="med"/>
+                      <a:tailEnd type="none" w="med" len="med"/>
+                    </a:lnB>
+                    <a:lnTlToBr w="12700" cmpd="sng">
+                      <a:noFill/>
+                      <a:prstDash val="solid"/>
+                    </a:lnTlToBr>
+                    <a:lnBlToTr w="12700" cmpd="sng">
+                      <a:noFill/>
+                      <a:prstDash val="solid"/>
+                    </a:lnBlToTr>
+                    <a:solidFill>
+                      <a:schemeClr val="tx1">
+                        <a:lumMod val="50000"/>
+                      </a:schemeClr>
+                    </a:solidFill>
+                  </a:tcPr>
+                </a:tc>
+                <a:tc hMerge="1">
+                  <a:txBody>
+                    <a:bodyPr/>
+                    <a:lstStyle/>
+                    <a:p>
+                      <a:endParaRPr lang="en-US" dirty="0"/>
+                    </a:p>
+                  </a:txBody>
+                  <a:tcPr>
+                    <a:lnL w="12700" cap="flat" cmpd="sng" algn="ctr">
+                      <a:solidFill>
+                        <a:schemeClr val="tx1"/>
+                      </a:solidFill>
+                      <a:prstDash val="solid"/>
+                      <a:round/>
+                      <a:headEnd type="none" w="med" len="med"/>
+                      <a:tailEnd type="none" w="med" len="med"/>
+                    </a:lnL>
+                    <a:lnR w="12700" cap="flat" cmpd="sng" algn="ctr">
+                      <a:solidFill>
+                        <a:schemeClr val="tx1"/>
+                      </a:solidFill>
+                      <a:prstDash val="solid"/>
+                      <a:round/>
+                      <a:headEnd type="none" w="med" len="med"/>
+                      <a:tailEnd type="none" w="med" len="med"/>
+                    </a:lnR>
+                    <a:lnT w="12700" cap="flat" cmpd="sng" algn="ctr">
+                      <a:solidFill>
+                        <a:schemeClr val="tx1"/>
+                      </a:solidFill>
+                      <a:prstDash val="solid"/>
+                      <a:round/>
+                      <a:headEnd type="none" w="med" len="med"/>
+                      <a:tailEnd type="none" w="med" len="med"/>
+                    </a:lnT>
+                    <a:lnB w="12700" cap="flat" cmpd="sng" algn="ctr">
+                      <a:solidFill>
+                        <a:schemeClr val="tx1"/>
+                      </a:solidFill>
+                      <a:prstDash val="solid"/>
+                      <a:round/>
+                      <a:headEnd type="none" w="med" len="med"/>
+                      <a:tailEnd type="none" w="med" len="med"/>
+                    </a:lnB>
+                    <a:lnTlToBr w="12700" cmpd="sng">
+                      <a:noFill/>
+                      <a:prstDash val="solid"/>
+                    </a:lnTlToBr>
+                    <a:lnBlToTr w="12700" cmpd="sng">
+                      <a:noFill/>
+                      <a:prstDash val="solid"/>
+                    </a:lnBlToTr>
+                    <a:solidFill>
+                      <a:schemeClr val="tx1">
+                        <a:lumMod val="50000"/>
+                      </a:schemeClr>
+                    </a:solidFill>
+                  </a:tcPr>
+                </a:tc>
+                <a:tc hMerge="1">
+                  <a:txBody>
+                    <a:bodyPr/>
+                    <a:lstStyle/>
+                    <a:p>
+                      <a:endParaRPr lang="en-US" dirty="0"/>
+                    </a:p>
+                  </a:txBody>
+                  <a:tcPr>
+                    <a:lnL w="12700" cap="flat" cmpd="sng" algn="ctr">
+                      <a:solidFill>
+                        <a:schemeClr val="tx1"/>
+                      </a:solidFill>
+                      <a:prstDash val="solid"/>
+                      <a:round/>
+                      <a:headEnd type="none" w="med" len="med"/>
+                      <a:tailEnd type="none" w="med" len="med"/>
+                    </a:lnL>
+                    <a:lnR w="12700" cap="flat" cmpd="sng" algn="ctr">
+                      <a:solidFill>
+                        <a:schemeClr val="tx1"/>
+                      </a:solidFill>
+                      <a:prstDash val="solid"/>
+                      <a:round/>
+                      <a:headEnd type="none" w="med" len="med"/>
+                      <a:tailEnd type="none" w="med" len="med"/>
+                    </a:lnR>
+                    <a:lnT w="12700" cap="flat" cmpd="sng" algn="ctr">
+                      <a:solidFill>
+                        <a:schemeClr val="tx1"/>
+                      </a:solidFill>
+                      <a:prstDash val="solid"/>
+                      <a:round/>
+                      <a:headEnd type="none" w="med" len="med"/>
+                      <a:tailEnd type="none" w="med" len="med"/>
+                    </a:lnT>
+                    <a:lnB w="12700" cap="flat" cmpd="sng" algn="ctr">
+                      <a:solidFill>
+                        <a:schemeClr val="tx1"/>
+                      </a:solidFill>
+                      <a:prstDash val="solid"/>
+                      <a:round/>
+                      <a:headEnd type="none" w="med" len="med"/>
+                      <a:tailEnd type="none" w="med" len="med"/>
+                    </a:lnB>
+                    <a:lnTlToBr w="12700" cmpd="sng">
+                      <a:noFill/>
+                      <a:prstDash val="solid"/>
+                    </a:lnTlToBr>
+                    <a:lnBlToTr w="12700" cmpd="sng">
+                      <a:noFill/>
+                      <a:prstDash val="solid"/>
+                    </a:lnBlToTr>
+                    <a:solidFill>
+                      <a:schemeClr val="tx1">
+                        <a:lumMod val="50000"/>
+                      </a:schemeClr>
+                    </a:solidFill>
+                  </a:tcPr>
+                </a:tc>
+              </a:tr>
+              <a:tr h="370840">
+                <a:tc>
+                  <a:txBody>
+                    <a:bodyPr/>
+                    <a:lstStyle/>
+                    <a:p>
+                      <a:pPr marL="0" algn="l" defTabSz="914400" rtl="0" eaLnBrk="1" latinLnBrk="0" hangingPunct="1"/>
+                      <a:r>
+                        <a:rPr lang="en-US" sz="1800" kern="1200" dirty="0" smtClean="0">
+                          <a:solidFill>
+                            <a:schemeClr val="dk1"/>
+                          </a:solidFill>
+                          <a:latin typeface="+mn-lt"/>
+                          <a:ea typeface="+mn-ea"/>
+                          <a:cs typeface="+mn-cs"/>
+                        </a:rPr>
                         <a:t>Position</a:t>
                       </a:r>
-                      <a:endParaRPr lang="en-US" dirty="0"/>
+                      <a:endParaRPr lang="en-US" sz="1800" kern="1200" dirty="0">
+                        <a:solidFill>
+                          <a:schemeClr val="dk1"/>
+                        </a:solidFill>
+                        <a:latin typeface="+mn-lt"/>
+                        <a:ea typeface="+mn-ea"/>
+                        <a:cs typeface="+mn-cs"/>
+                      </a:endParaRPr>
                     </a:p>
                   </a:txBody>
                   <a:tcPr>
@@ -6834,11 +7611,26 @@
                     <a:bodyPr/>
                     <a:lstStyle/>
                     <a:p>
+                      <a:pPr marL="0" algn="l" defTabSz="914400" rtl="0" eaLnBrk="1" latinLnBrk="0" hangingPunct="1"/>
                       <a:r>
-                        <a:rPr lang="en-US" dirty="0" smtClean="0"/>
+                        <a:rPr lang="en-US" sz="1800" kern="1200" dirty="0" smtClean="0">
+                          <a:solidFill>
+                            <a:schemeClr val="dk1"/>
+                          </a:solidFill>
+                          <a:latin typeface="+mn-lt"/>
+                          <a:ea typeface="+mn-ea"/>
+                          <a:cs typeface="+mn-cs"/>
+                        </a:rPr>
                         <a:t>Target</a:t>
                       </a:r>
-                      <a:endParaRPr lang="en-US" dirty="0"/>
+                      <a:endParaRPr lang="en-US" sz="1800" kern="1200" dirty="0">
+                        <a:solidFill>
+                          <a:schemeClr val="dk1"/>
+                        </a:solidFill>
+                        <a:latin typeface="+mn-lt"/>
+                        <a:ea typeface="+mn-ea"/>
+                        <a:cs typeface="+mn-cs"/>
+                      </a:endParaRPr>
                     </a:p>
                   </a:txBody>
                   <a:tcPr>
@@ -6899,11 +7691,26 @@
                     <a:bodyPr/>
                     <a:lstStyle/>
                     <a:p>
+                      <a:pPr marL="0" algn="l" defTabSz="914400" rtl="0" eaLnBrk="1" latinLnBrk="0" hangingPunct="1"/>
                       <a:r>
-                        <a:rPr lang="en-US" dirty="0" smtClean="0"/>
+                        <a:rPr lang="en-US" sz="1800" kern="1200" dirty="0" smtClean="0">
+                          <a:solidFill>
+                            <a:schemeClr val="dk1"/>
+                          </a:solidFill>
+                          <a:latin typeface="+mn-lt"/>
+                          <a:ea typeface="+mn-ea"/>
+                          <a:cs typeface="+mn-cs"/>
+                        </a:rPr>
                         <a:t>StepCount</a:t>
                       </a:r>
-                      <a:endParaRPr lang="en-US" dirty="0"/>
+                      <a:endParaRPr lang="en-US" sz="1800" kern="1200" dirty="0">
+                        <a:solidFill>
+                          <a:schemeClr val="dk1"/>
+                        </a:solidFill>
+                        <a:latin typeface="+mn-lt"/>
+                        <a:ea typeface="+mn-ea"/>
+                        <a:cs typeface="+mn-cs"/>
+                      </a:endParaRPr>
                     </a:p>
                   </a:txBody>
                   <a:tcPr>
@@ -7095,390 +7902,6 @@
                     <a:lstStyle/>
                     <a:p>
                       <a:r>
-                        <a:rPr lang="en-US" smtClean="0"/>
-                        <a:t>4bytes</a:t>
-                      </a:r>
-                      <a:endParaRPr lang="en-US" dirty="0"/>
-                    </a:p>
-                  </a:txBody>
-                  <a:tcPr>
-                    <a:lnL w="12700" cap="flat" cmpd="sng" algn="ctr">
-                      <a:solidFill>
-                        <a:schemeClr val="tx1"/>
-                      </a:solidFill>
-                      <a:prstDash val="solid"/>
-                      <a:round/>
-                      <a:headEnd type="none" w="med" len="med"/>
-                      <a:tailEnd type="none" w="med" len="med"/>
-                    </a:lnL>
-                    <a:lnR w="12700" cap="flat" cmpd="sng" algn="ctr">
-                      <a:solidFill>
-                        <a:schemeClr val="tx1"/>
-                      </a:solidFill>
-                      <a:prstDash val="solid"/>
-                      <a:round/>
-                      <a:headEnd type="none" w="med" len="med"/>
-                      <a:tailEnd type="none" w="med" len="med"/>
-                    </a:lnR>
-                    <a:lnT w="12700" cap="flat" cmpd="sng" algn="ctr">
-                      <a:solidFill>
-                        <a:schemeClr val="tx1"/>
-                      </a:solidFill>
-                      <a:prstDash val="solid"/>
-                      <a:round/>
-                      <a:headEnd type="none" w="med" len="med"/>
-                      <a:tailEnd type="none" w="med" len="med"/>
-                    </a:lnT>
-                    <a:lnB w="12700" cap="flat" cmpd="sng" algn="ctr">
-                      <a:solidFill>
-                        <a:schemeClr val="tx1"/>
-                      </a:solidFill>
-                      <a:prstDash val="solid"/>
-                      <a:round/>
-                      <a:headEnd type="none" w="med" len="med"/>
-                      <a:tailEnd type="none" w="med" len="med"/>
-                    </a:lnB>
-                    <a:lnTlToBr w="12700" cmpd="sng">
-                      <a:noFill/>
-                      <a:prstDash val="solid"/>
-                    </a:lnTlToBr>
-                    <a:lnBlToTr w="12700" cmpd="sng">
-                      <a:noFill/>
-                      <a:prstDash val="solid"/>
-                    </a:lnBlToTr>
-                    <a:solidFill>
-                      <a:schemeClr val="tx1">
-                        <a:lumMod val="50000"/>
-                      </a:schemeClr>
-                    </a:solidFill>
-                  </a:tcPr>
-                </a:tc>
-                <a:tc>
-                  <a:txBody>
-                    <a:bodyPr/>
-                    <a:lstStyle/>
-                    <a:p>
-                      <a:r>
-                        <a:rPr lang="en-US" smtClean="0"/>
-                        <a:t>8bytes</a:t>
-                      </a:r>
-                      <a:endParaRPr lang="en-US" dirty="0"/>
-                    </a:p>
-                  </a:txBody>
-                  <a:tcPr>
-                    <a:lnL w="12700" cap="flat" cmpd="sng" algn="ctr">
-                      <a:solidFill>
-                        <a:schemeClr val="tx1"/>
-                      </a:solidFill>
-                      <a:prstDash val="solid"/>
-                      <a:round/>
-                      <a:headEnd type="none" w="med" len="med"/>
-                      <a:tailEnd type="none" w="med" len="med"/>
-                    </a:lnL>
-                    <a:lnR w="12700" cap="flat" cmpd="sng" algn="ctr">
-                      <a:solidFill>
-                        <a:schemeClr val="tx1"/>
-                      </a:solidFill>
-                      <a:prstDash val="solid"/>
-                      <a:round/>
-                      <a:headEnd type="none" w="med" len="med"/>
-                      <a:tailEnd type="none" w="med" len="med"/>
-                    </a:lnR>
-                    <a:lnT w="12700" cap="flat" cmpd="sng" algn="ctr">
-                      <a:solidFill>
-                        <a:schemeClr val="tx1"/>
-                      </a:solidFill>
-                      <a:prstDash val="solid"/>
-                      <a:round/>
-                      <a:headEnd type="none" w="med" len="med"/>
-                      <a:tailEnd type="none" w="med" len="med"/>
-                    </a:lnT>
-                    <a:lnB w="12700" cap="flat" cmpd="sng" algn="ctr">
-                      <a:solidFill>
-                        <a:schemeClr val="tx1"/>
-                      </a:solidFill>
-                      <a:prstDash val="solid"/>
-                      <a:round/>
-                      <a:headEnd type="none" w="med" len="med"/>
-                      <a:tailEnd type="none" w="med" len="med"/>
-                    </a:lnB>
-                    <a:lnTlToBr w="12700" cmpd="sng">
-                      <a:noFill/>
-                      <a:prstDash val="solid"/>
-                    </a:lnTlToBr>
-                    <a:lnBlToTr w="12700" cmpd="sng">
-                      <a:noFill/>
-                      <a:prstDash val="solid"/>
-                    </a:lnBlToTr>
-                    <a:solidFill>
-                      <a:schemeClr val="tx1">
-                        <a:lumMod val="50000"/>
-                      </a:schemeClr>
-                    </a:solidFill>
-                  </a:tcPr>
-                </a:tc>
-                <a:tc>
-                  <a:txBody>
-                    <a:bodyPr/>
-                    <a:lstStyle/>
-                    <a:p>
-                      <a:r>
-                        <a:rPr lang="en-US" dirty="0" smtClean="0"/>
-                        <a:t>8bytes</a:t>
-                      </a:r>
-                      <a:endParaRPr lang="en-US" dirty="0"/>
-                    </a:p>
-                  </a:txBody>
-                  <a:tcPr>
-                    <a:lnL w="12700" cap="flat" cmpd="sng" algn="ctr">
-                      <a:solidFill>
-                        <a:schemeClr val="tx1"/>
-                      </a:solidFill>
-                      <a:prstDash val="solid"/>
-                      <a:round/>
-                      <a:headEnd type="none" w="med" len="med"/>
-                      <a:tailEnd type="none" w="med" len="med"/>
-                    </a:lnL>
-                    <a:lnR w="12700" cap="flat" cmpd="sng" algn="ctr">
-                      <a:solidFill>
-                        <a:schemeClr val="tx1"/>
-                      </a:solidFill>
-                      <a:prstDash val="solid"/>
-                      <a:round/>
-                      <a:headEnd type="none" w="med" len="med"/>
-                      <a:tailEnd type="none" w="med" len="med"/>
-                    </a:lnR>
-                    <a:lnT w="12700" cap="flat" cmpd="sng" algn="ctr">
-                      <a:solidFill>
-                        <a:schemeClr val="tx1"/>
-                      </a:solidFill>
-                      <a:prstDash val="solid"/>
-                      <a:round/>
-                      <a:headEnd type="none" w="med" len="med"/>
-                      <a:tailEnd type="none" w="med" len="med"/>
-                    </a:lnT>
-                    <a:lnB w="12700" cap="flat" cmpd="sng" algn="ctr">
-                      <a:solidFill>
-                        <a:schemeClr val="tx1"/>
-                      </a:solidFill>
-                      <a:prstDash val="solid"/>
-                      <a:round/>
-                      <a:headEnd type="none" w="med" len="med"/>
-                      <a:tailEnd type="none" w="med" len="med"/>
-                    </a:lnB>
-                    <a:lnTlToBr w="12700" cmpd="sng">
-                      <a:noFill/>
-                      <a:prstDash val="solid"/>
-                    </a:lnTlToBr>
-                    <a:lnBlToTr w="12700" cmpd="sng">
-                      <a:noFill/>
-                      <a:prstDash val="solid"/>
-                    </a:lnBlToTr>
-                    <a:solidFill>
-                      <a:schemeClr val="tx1">
-                        <a:lumMod val="50000"/>
-                      </a:schemeClr>
-                    </a:solidFill>
-                  </a:tcPr>
-                </a:tc>
-                <a:tc>
-                  <a:txBody>
-                    <a:bodyPr/>
-                    <a:lstStyle/>
-                    <a:p>
-                      <a:r>
-                        <a:rPr lang="en-US" dirty="0" smtClean="0"/>
-                        <a:t>4bytes</a:t>
-                      </a:r>
-                      <a:endParaRPr lang="en-US" dirty="0"/>
-                    </a:p>
-                  </a:txBody>
-                  <a:tcPr>
-                    <a:lnL w="12700" cap="flat" cmpd="sng" algn="ctr">
-                      <a:solidFill>
-                        <a:schemeClr val="tx1"/>
-                      </a:solidFill>
-                      <a:prstDash val="solid"/>
-                      <a:round/>
-                      <a:headEnd type="none" w="med" len="med"/>
-                      <a:tailEnd type="none" w="med" len="med"/>
-                    </a:lnL>
-                    <a:lnR w="12700" cap="flat" cmpd="sng" algn="ctr">
-                      <a:solidFill>
-                        <a:schemeClr val="tx1"/>
-                      </a:solidFill>
-                      <a:prstDash val="solid"/>
-                      <a:round/>
-                      <a:headEnd type="none" w="med" len="med"/>
-                      <a:tailEnd type="none" w="med" len="med"/>
-                    </a:lnR>
-                    <a:lnT w="12700" cap="flat" cmpd="sng" algn="ctr">
-                      <a:solidFill>
-                        <a:schemeClr val="tx1"/>
-                      </a:solidFill>
-                      <a:prstDash val="solid"/>
-                      <a:round/>
-                      <a:headEnd type="none" w="med" len="med"/>
-                      <a:tailEnd type="none" w="med" len="med"/>
-                    </a:lnT>
-                    <a:lnB w="12700" cap="flat" cmpd="sng" algn="ctr">
-                      <a:solidFill>
-                        <a:schemeClr val="tx1"/>
-                      </a:solidFill>
-                      <a:prstDash val="solid"/>
-                      <a:round/>
-                      <a:headEnd type="none" w="med" len="med"/>
-                      <a:tailEnd type="none" w="med" len="med"/>
-                    </a:lnB>
-                    <a:lnTlToBr w="12700" cmpd="sng">
-                      <a:noFill/>
-                      <a:prstDash val="solid"/>
-                    </a:lnTlToBr>
-                    <a:lnBlToTr w="12700" cmpd="sng">
-                      <a:noFill/>
-                      <a:prstDash val="solid"/>
-                    </a:lnBlToTr>
-                    <a:solidFill>
-                      <a:schemeClr val="tx1">
-                        <a:lumMod val="50000"/>
-                      </a:schemeClr>
-                    </a:solidFill>
-                  </a:tcPr>
-                </a:tc>
-                <a:tc>
-                  <a:txBody>
-                    <a:bodyPr/>
-                    <a:lstStyle/>
-                    <a:p>
-                      <a:r>
-                        <a:rPr lang="en-US" smtClean="0"/>
-                        <a:t>8bytes</a:t>
-                      </a:r>
-                      <a:endParaRPr lang="en-US" dirty="0"/>
-                    </a:p>
-                  </a:txBody>
-                  <a:tcPr>
-                    <a:lnL w="12700" cap="flat" cmpd="sng" algn="ctr">
-                      <a:solidFill>
-                        <a:schemeClr val="tx1"/>
-                      </a:solidFill>
-                      <a:prstDash val="solid"/>
-                      <a:round/>
-                      <a:headEnd type="none" w="med" len="med"/>
-                      <a:tailEnd type="none" w="med" len="med"/>
-                    </a:lnL>
-                    <a:lnR w="12700" cap="flat" cmpd="sng" algn="ctr">
-                      <a:solidFill>
-                        <a:schemeClr val="tx1"/>
-                      </a:solidFill>
-                      <a:prstDash val="solid"/>
-                      <a:round/>
-                      <a:headEnd type="none" w="med" len="med"/>
-                      <a:tailEnd type="none" w="med" len="med"/>
-                    </a:lnR>
-                    <a:lnT w="12700" cap="flat" cmpd="sng" algn="ctr">
-                      <a:solidFill>
-                        <a:schemeClr val="tx1"/>
-                      </a:solidFill>
-                      <a:prstDash val="solid"/>
-                      <a:round/>
-                      <a:headEnd type="none" w="med" len="med"/>
-                      <a:tailEnd type="none" w="med" len="med"/>
-                    </a:lnT>
-                    <a:lnB w="12700" cap="flat" cmpd="sng" algn="ctr">
-                      <a:solidFill>
-                        <a:schemeClr val="tx1"/>
-                      </a:solidFill>
-                      <a:prstDash val="solid"/>
-                      <a:round/>
-                      <a:headEnd type="none" w="med" len="med"/>
-                      <a:tailEnd type="none" w="med" len="med"/>
-                    </a:lnB>
-                    <a:lnTlToBr w="12700" cmpd="sng">
-                      <a:noFill/>
-                      <a:prstDash val="solid"/>
-                    </a:lnTlToBr>
-                    <a:lnBlToTr w="12700" cmpd="sng">
-                      <a:noFill/>
-                      <a:prstDash val="solid"/>
-                    </a:lnBlToTr>
-                    <a:solidFill>
-                      <a:schemeClr val="tx1">
-                        <a:lumMod val="50000"/>
-                      </a:schemeClr>
-                    </a:solidFill>
-                  </a:tcPr>
-                </a:tc>
-                <a:tc>
-                  <a:txBody>
-                    <a:bodyPr/>
-                    <a:lstStyle/>
-                    <a:p>
-                      <a:r>
-                        <a:rPr lang="en-US" dirty="0" smtClean="0"/>
-                        <a:t>8bytes</a:t>
-                      </a:r>
-                      <a:endParaRPr lang="en-US" dirty="0"/>
-                    </a:p>
-                  </a:txBody>
-                  <a:tcPr>
-                    <a:lnL w="12700" cap="flat" cmpd="sng" algn="ctr">
-                      <a:solidFill>
-                        <a:schemeClr val="tx1"/>
-                      </a:solidFill>
-                      <a:prstDash val="solid"/>
-                      <a:round/>
-                      <a:headEnd type="none" w="med" len="med"/>
-                      <a:tailEnd type="none" w="med" len="med"/>
-                    </a:lnL>
-                    <a:lnR w="12700" cap="flat" cmpd="sng" algn="ctr">
-                      <a:solidFill>
-                        <a:schemeClr val="tx1"/>
-                      </a:solidFill>
-                      <a:prstDash val="solid"/>
-                      <a:round/>
-                      <a:headEnd type="none" w="med" len="med"/>
-                      <a:tailEnd type="none" w="med" len="med"/>
-                    </a:lnR>
-                    <a:lnT w="12700" cap="flat" cmpd="sng" algn="ctr">
-                      <a:solidFill>
-                        <a:schemeClr val="tx1"/>
-                      </a:solidFill>
-                      <a:prstDash val="solid"/>
-                      <a:round/>
-                      <a:headEnd type="none" w="med" len="med"/>
-                      <a:tailEnd type="none" w="med" len="med"/>
-                    </a:lnT>
-                    <a:lnB w="12700" cap="flat" cmpd="sng" algn="ctr">
-                      <a:solidFill>
-                        <a:schemeClr val="tx1"/>
-                      </a:solidFill>
-                      <a:prstDash val="solid"/>
-                      <a:round/>
-                      <a:headEnd type="none" w="med" len="med"/>
-                      <a:tailEnd type="none" w="med" len="med"/>
-                    </a:lnB>
-                    <a:lnTlToBr w="12700" cmpd="sng">
-                      <a:noFill/>
-                      <a:prstDash val="solid"/>
-                    </a:lnTlToBr>
-                    <a:lnBlToTr w="12700" cmpd="sng">
-                      <a:noFill/>
-                      <a:prstDash val="solid"/>
-                    </a:lnBlToTr>
-                    <a:solidFill>
-                      <a:schemeClr val="tx1">
-                        <a:lumMod val="50000"/>
-                      </a:schemeClr>
-                    </a:solidFill>
-                  </a:tcPr>
-                </a:tc>
-                <a:tc>
-                  <a:txBody>
-                    <a:bodyPr/>
-                    <a:lstStyle/>
-                    <a:p>
-                      <a:r>
                         <a:rPr lang="en-US" dirty="0" smtClean="0"/>
                         <a:t>4bytes</a:t>
                       </a:r>
@@ -7542,6 +7965,83 @@
           </a:graphicData>
         </a:graphic>
       </p:graphicFrame>
+      <p:cxnSp>
+        <p:nvCxnSpPr>
+          <p:cNvPr id="14" name="Curved Connector 13"/>
+          <p:cNvCxnSpPr>
+            <a:stCxn id="5" idx="3"/>
+            <a:endCxn id="6" idx="1"/>
+          </p:cNvCxnSpPr>
+          <p:nvPr/>
+        </p:nvCxnSpPr>
+        <p:spPr>
+          <a:xfrm>
+            <a:off x="8331201" y="3598280"/>
+            <a:ext cx="135464" cy="2149740"/>
+          </a:xfrm>
+          <a:prstGeom prst="curvedConnector3">
+            <a:avLst>
+              <a:gd name="adj1" fmla="val 50000"/>
+            </a:avLst>
+          </a:prstGeom>
+          <a:ln w="28575">
+            <a:tailEnd type="triangle"/>
+          </a:ln>
+        </p:spPr>
+        <p:style>
+          <a:lnRef idx="1">
+            <a:schemeClr val="accent1"/>
+          </a:lnRef>
+          <a:fillRef idx="0">
+            <a:schemeClr val="accent1"/>
+          </a:fillRef>
+          <a:effectRef idx="0">
+            <a:schemeClr val="accent1"/>
+          </a:effectRef>
+          <a:fontRef idx="minor">
+            <a:schemeClr val="tx1"/>
+          </a:fontRef>
+        </p:style>
+      </p:cxnSp>
+      <p:cxnSp>
+        <p:nvCxnSpPr>
+          <p:cNvPr id="17" name="Curved Connector 16"/>
+          <p:cNvCxnSpPr>
+            <a:stCxn id="4" idx="3"/>
+            <a:endCxn id="5" idx="1"/>
+          </p:cNvCxnSpPr>
+          <p:nvPr/>
+        </p:nvCxnSpPr>
+        <p:spPr>
+          <a:xfrm flipV="1">
+            <a:off x="3810002" y="3598280"/>
+            <a:ext cx="1032931" cy="1144694"/>
+          </a:xfrm>
+          <a:prstGeom prst="curvedConnector3">
+            <a:avLst/>
+          </a:prstGeom>
+          <a:ln w="28575">
+            <a:solidFill>
+              <a:schemeClr val="accent1"/>
+            </a:solidFill>
+            <a:tailEnd type="triangle"/>
+          </a:ln>
+        </p:spPr>
+        <p:style>
+          <a:lnRef idx="1">
+            <a:schemeClr val="accent1"/>
+          </a:lnRef>
+          <a:fillRef idx="0">
+            <a:schemeClr val="accent1"/>
+          </a:fillRef>
+          <a:effectRef idx="0">
+            <a:schemeClr val="accent1"/>
+          </a:effectRef>
+          <a:fontRef idx="minor">
+            <a:schemeClr val="tx1"/>
+          </a:fontRef>
+        </p:style>
+      </p:cxnSp>
     </p:spTree>
     <p:extLst>
       <p:ext uri="{BB962C8B-B14F-4D97-AF65-F5344CB8AC3E}">
@@ -7719,14 +8219,14 @@
           <p:nvPr>
             <p:extLst>
               <p:ext uri="{D42A27DB-BD31-4B8C-83A1-F6EECF244321}">
-                <p14:modId xmlns:p14="http://schemas.microsoft.com/office/powerpoint/2010/main" val="1268735083"/>
+                <p14:modId xmlns:p14="http://schemas.microsoft.com/office/powerpoint/2010/main" val="1808560547"/>
               </p:ext>
             </p:extLst>
           </p:nvPr>
         </p:nvGraphicFramePr>
         <p:xfrm>
           <a:off x="838200" y="4165600"/>
-          <a:ext cx="10464804" cy="1112520"/>
+          <a:ext cx="10464804" cy="1483360"/>
         </p:xfrm>
         <a:graphic>
           <a:graphicData uri="http://schemas.openxmlformats.org/drawingml/2006/table">
@@ -7745,6 +8245,295 @@
                 <a:gridCol w="1162756"/>
                 <a:gridCol w="1162756"/>
               </a:tblGrid>
+              <a:tr h="370840">
+                <a:tc gridSpan="3">
+                  <a:txBody>
+                    <a:bodyPr/>
+                    <a:lstStyle/>
+                    <a:p>
+                      <a:pPr algn="ctr"/>
+                      <a:r>
+                        <a:rPr lang="en-US" b="0" dirty="0" smtClean="0">
+                          <a:solidFill>
+                            <a:schemeClr val="bg1"/>
+                          </a:solidFill>
+                        </a:rPr>
+                        <a:t>0x0</a:t>
+                      </a:r>
+                      <a:endParaRPr lang="en-US" b="0" dirty="0">
+                        <a:solidFill>
+                          <a:schemeClr val="bg1"/>
+                        </a:solidFill>
+                      </a:endParaRPr>
+                    </a:p>
+                  </a:txBody>
+                  <a:tcPr>
+                    <a:lnL w="12700" cap="flat" cmpd="sng" algn="ctr">
+                      <a:solidFill>
+                        <a:schemeClr val="tx1"/>
+                      </a:solidFill>
+                      <a:prstDash val="solid"/>
+                      <a:round/>
+                      <a:headEnd type="none" w="med" len="med"/>
+                      <a:tailEnd type="none" w="med" len="med"/>
+                    </a:lnL>
+                    <a:lnR w="12700" cap="flat" cmpd="sng" algn="ctr">
+                      <a:solidFill>
+                        <a:schemeClr val="tx1"/>
+                      </a:solidFill>
+                      <a:prstDash val="solid"/>
+                      <a:round/>
+                      <a:headEnd type="none" w="med" len="med"/>
+                      <a:tailEnd type="none" w="med" len="med"/>
+                    </a:lnR>
+                    <a:lnT w="12700" cap="flat" cmpd="sng" algn="ctr">
+                      <a:solidFill>
+                        <a:schemeClr val="tx1"/>
+                      </a:solidFill>
+                      <a:prstDash val="solid"/>
+                      <a:round/>
+                      <a:headEnd type="none" w="med" len="med"/>
+                      <a:tailEnd type="none" w="med" len="med"/>
+                    </a:lnT>
+                    <a:lnB w="12700" cap="flat" cmpd="sng" algn="ctr">
+                      <a:solidFill>
+                        <a:schemeClr val="tx1"/>
+                      </a:solidFill>
+                      <a:prstDash val="solid"/>
+                      <a:round/>
+                      <a:headEnd type="none" w="med" len="med"/>
+                      <a:tailEnd type="none" w="med" len="med"/>
+                    </a:lnB>
+                    <a:lnTlToBr w="12700" cmpd="sng">
+                      <a:noFill/>
+                      <a:prstDash val="solid"/>
+                    </a:lnTlToBr>
+                    <a:lnBlToTr w="12700" cmpd="sng">
+                      <a:noFill/>
+                      <a:prstDash val="solid"/>
+                    </a:lnBlToTr>
+                    <a:solidFill>
+                      <a:schemeClr val="tx1">
+                        <a:lumMod val="50000"/>
+                      </a:schemeClr>
+                    </a:solidFill>
+                  </a:tcPr>
+                </a:tc>
+                <a:tc hMerge="1">
+                  <a:txBody>
+                    <a:bodyPr/>
+                    <a:lstStyle/>
+                    <a:p>
+                      <a:endParaRPr lang="en-US"/>
+                    </a:p>
+                  </a:txBody>
+                  <a:tcPr/>
+                </a:tc>
+                <a:tc hMerge="1">
+                  <a:txBody>
+                    <a:bodyPr/>
+                    <a:lstStyle/>
+                    <a:p>
+                      <a:endParaRPr lang="en-US"/>
+                    </a:p>
+                  </a:txBody>
+                  <a:tcPr/>
+                </a:tc>
+                <a:tc gridSpan="3">
+                  <a:txBody>
+                    <a:bodyPr/>
+                    <a:lstStyle/>
+                    <a:p>
+                      <a:pPr algn="ctr"/>
+                      <a:r>
+                        <a:rPr lang="en-US" b="0" dirty="0" smtClean="0">
+                          <a:solidFill>
+                            <a:schemeClr val="bg1"/>
+                          </a:solidFill>
+                        </a:rPr>
+                        <a:t>0x20</a:t>
+                      </a:r>
+                      <a:endParaRPr lang="en-US" b="0" dirty="0" smtClean="0">
+                        <a:solidFill>
+                          <a:schemeClr val="bg1"/>
+                        </a:solidFill>
+                      </a:endParaRPr>
+                    </a:p>
+                  </a:txBody>
+                  <a:tcPr>
+                    <a:lnL w="12700" cap="flat" cmpd="sng" algn="ctr">
+                      <a:solidFill>
+                        <a:schemeClr val="tx1"/>
+                      </a:solidFill>
+                      <a:prstDash val="solid"/>
+                      <a:round/>
+                      <a:headEnd type="none" w="med" len="med"/>
+                      <a:tailEnd type="none" w="med" len="med"/>
+                    </a:lnL>
+                    <a:lnR w="12700" cap="flat" cmpd="sng" algn="ctr">
+                      <a:solidFill>
+                        <a:schemeClr val="tx1"/>
+                      </a:solidFill>
+                      <a:prstDash val="solid"/>
+                      <a:round/>
+                      <a:headEnd type="none" w="med" len="med"/>
+                      <a:tailEnd type="none" w="med" len="med"/>
+                    </a:lnR>
+                    <a:lnT w="12700" cap="flat" cmpd="sng" algn="ctr">
+                      <a:solidFill>
+                        <a:schemeClr val="tx1"/>
+                      </a:solidFill>
+                      <a:prstDash val="solid"/>
+                      <a:round/>
+                      <a:headEnd type="none" w="med" len="med"/>
+                      <a:tailEnd type="none" w="med" len="med"/>
+                    </a:lnT>
+                    <a:lnB w="12700" cap="flat" cmpd="sng" algn="ctr">
+                      <a:solidFill>
+                        <a:schemeClr val="tx1"/>
+                      </a:solidFill>
+                      <a:prstDash val="solid"/>
+                      <a:round/>
+                      <a:headEnd type="none" w="med" len="med"/>
+                      <a:tailEnd type="none" w="med" len="med"/>
+                    </a:lnB>
+                    <a:lnTlToBr w="12700" cmpd="sng">
+                      <a:noFill/>
+                      <a:prstDash val="solid"/>
+                    </a:lnTlToBr>
+                    <a:lnBlToTr w="12700" cmpd="sng">
+                      <a:noFill/>
+                      <a:prstDash val="solid"/>
+                    </a:lnBlToTr>
+                    <a:solidFill>
+                      <a:schemeClr val="tx1">
+                        <a:lumMod val="50000"/>
+                      </a:schemeClr>
+                    </a:solidFill>
+                  </a:tcPr>
+                </a:tc>
+                <a:tc hMerge="1">
+                  <a:txBody>
+                    <a:bodyPr/>
+                    <a:lstStyle/>
+                    <a:p>
+                      <a:endParaRPr lang="en-US"/>
+                    </a:p>
+                  </a:txBody>
+                  <a:tcPr/>
+                </a:tc>
+                <a:tc hMerge="1">
+                  <a:txBody>
+                    <a:bodyPr/>
+                    <a:lstStyle/>
+                    <a:p>
+                      <a:endParaRPr lang="en-US"/>
+                    </a:p>
+                  </a:txBody>
+                  <a:tcPr/>
+                </a:tc>
+                <a:tc gridSpan="3">
+                  <a:txBody>
+                    <a:bodyPr/>
+                    <a:lstStyle/>
+                    <a:p>
+                      <a:pPr algn="ctr"/>
+                      <a:r>
+                        <a:rPr lang="en-US" b="0" dirty="0" smtClean="0">
+                          <a:solidFill>
+                            <a:schemeClr val="bg1"/>
+                          </a:solidFill>
+                        </a:rPr>
+                        <a:t>0x...n</a:t>
+                      </a:r>
+                      <a:r>
+                        <a:rPr lang="en-US" b="0" baseline="0" dirty="0" smtClean="0">
+                          <a:solidFill>
+                            <a:schemeClr val="bg1"/>
+                          </a:solidFill>
+                        </a:rPr>
+                        <a:t> x 20</a:t>
+                      </a:r>
+                      <a:endParaRPr lang="en-US" b="0" dirty="0" smtClean="0">
+                        <a:solidFill>
+                          <a:schemeClr val="bg1"/>
+                        </a:solidFill>
+                      </a:endParaRPr>
+                    </a:p>
+                  </a:txBody>
+                  <a:tcPr>
+                    <a:lnL w="12700" cap="flat" cmpd="sng" algn="ctr">
+                      <a:solidFill>
+                        <a:schemeClr val="tx1"/>
+                      </a:solidFill>
+                      <a:prstDash val="solid"/>
+                      <a:round/>
+                      <a:headEnd type="none" w="med" len="med"/>
+                      <a:tailEnd type="none" w="med" len="med"/>
+                    </a:lnL>
+                    <a:lnR w="12700" cap="flat" cmpd="sng" algn="ctr">
+                      <a:solidFill>
+                        <a:schemeClr val="tx1"/>
+                      </a:solidFill>
+                      <a:prstDash val="solid"/>
+                      <a:round/>
+                      <a:headEnd type="none" w="med" len="med"/>
+                      <a:tailEnd type="none" w="med" len="med"/>
+                    </a:lnR>
+                    <a:lnT w="12700" cap="flat" cmpd="sng" algn="ctr">
+                      <a:solidFill>
+                        <a:schemeClr val="tx1"/>
+                      </a:solidFill>
+                      <a:prstDash val="solid"/>
+                      <a:round/>
+                      <a:headEnd type="none" w="med" len="med"/>
+                      <a:tailEnd type="none" w="med" len="med"/>
+                    </a:lnT>
+                    <a:lnB w="12700" cap="flat" cmpd="sng" algn="ctr">
+                      <a:solidFill>
+                        <a:schemeClr val="tx1"/>
+                      </a:solidFill>
+                      <a:prstDash val="solid"/>
+                      <a:round/>
+                      <a:headEnd type="none" w="med" len="med"/>
+                      <a:tailEnd type="none" w="med" len="med"/>
+                    </a:lnB>
+                    <a:lnTlToBr w="12700" cmpd="sng">
+                      <a:noFill/>
+                      <a:prstDash val="solid"/>
+                    </a:lnTlToBr>
+                    <a:lnBlToTr w="12700" cmpd="sng">
+                      <a:noFill/>
+                      <a:prstDash val="solid"/>
+                    </a:lnBlToTr>
+                    <a:solidFill>
+                      <a:schemeClr val="tx1">
+                        <a:lumMod val="50000"/>
+                      </a:schemeClr>
+                    </a:solidFill>
+                  </a:tcPr>
+                </a:tc>
+                <a:tc hMerge="1">
+                  <a:txBody>
+                    <a:bodyPr/>
+                    <a:lstStyle/>
+                    <a:p>
+                      <a:endParaRPr lang="en-US"/>
+                    </a:p>
+                  </a:txBody>
+                  <a:tcPr/>
+                </a:tc>
+                <a:tc hMerge="1">
+                  <a:txBody>
+                    <a:bodyPr/>
+                    <a:lstStyle/>
+                    <a:p>
+                      <a:endParaRPr lang="en-US"/>
+                    </a:p>
+                  </a:txBody>
+                  <a:tcPr/>
+                </a:tc>
+              </a:tr>
               <a:tr h="370840">
                 <a:tc gridSpan="3">
                   <a:txBody>
@@ -9669,11 +10458,11 @@
           <a:p>
             <a:r>
               <a:rPr lang="en-US" dirty="0" smtClean="0"/>
-              <a:t>Cost of hitting </a:t>
+              <a:t>Cost of </a:t>
             </a:r>
             <a:r>
               <a:rPr lang="en-US" dirty="0" smtClean="0"/>
-              <a:t>RAM</a:t>
+              <a:t>Hitting RAM</a:t>
             </a:r>
             <a:endParaRPr lang="en-US" dirty="0" smtClean="0"/>
           </a:p>
@@ -9690,7 +10479,7 @@
             </a:r>
             <a:r>
               <a:rPr lang="en-US" dirty="0" smtClean="0"/>
-              <a:t>what have to do?</a:t>
+              <a:t>what we have to do?</a:t>
             </a:r>
             <a:endParaRPr lang="en-US" dirty="0"/>
           </a:p>
@@ -9751,7 +10540,7 @@
       </p:sp>
       <p:sp>
         <p:nvSpPr>
-          <p:cNvPr id="3" name="Content Placeholder 2"/>
+          <p:cNvPr id="10" name="Content Placeholder 9"/>
           <p:cNvSpPr>
             <a:spLocks noGrp="1"/>
           </p:cNvSpPr>
@@ -9761,12 +10550,80 @@
         </p:nvSpPr>
         <p:spPr/>
         <p:txBody>
-          <a:bodyPr>
-            <a:normAutofit/>
-          </a:bodyPr>
+          <a:bodyPr/>
           <a:lstStyle/>
           <a:p>
+            <a:pPr marL="0" indent="0">
+              <a:buNone/>
+            </a:pPr>
+            <a:r>
+              <a:rPr lang="en-US" dirty="0"/>
+              <a:t>ElementSize: </a:t>
+            </a:r>
+            <a:r>
+              <a:rPr lang="en-US" dirty="0" smtClean="0"/>
+              <a:t>4b </a:t>
+            </a:r>
+            <a:r>
+              <a:rPr lang="en-US" dirty="0"/>
+              <a:t>Count: 268435456 Size: 1gb CPU-Freq.:4.23285GHz</a:t>
+            </a:r>
+          </a:p>
+          <a:p>
+            <a:pPr marL="0" indent="0">
+              <a:buNone/>
+            </a:pPr>
             <a:endParaRPr lang="en-US" dirty="0"/>
+          </a:p>
+          <a:p>
+            <a:pPr marL="0" indent="0">
+              <a:buNone/>
+            </a:pPr>
+            <a:r>
+              <a:rPr lang="en-US" dirty="0" smtClean="0"/>
+              <a:t>RandomMemoryAccess</a:t>
+            </a:r>
+          </a:p>
+          <a:p>
+            <a:pPr marL="0" indent="0">
+              <a:buNone/>
+            </a:pPr>
+            <a:r>
+              <a:rPr lang="en-US" dirty="0" smtClean="0"/>
+              <a:t>Cycles</a:t>
+            </a:r>
+            <a:r>
+              <a:rPr lang="en-US" dirty="0"/>
+              <a:t>: 10G Time: 2384.97ms Speed: 429.356mb/s</a:t>
+            </a:r>
+          </a:p>
+          <a:p>
+            <a:pPr marL="0" indent="0">
+              <a:buNone/>
+            </a:pPr>
+            <a:endParaRPr lang="en-US" dirty="0"/>
+          </a:p>
+          <a:p>
+            <a:pPr marL="0" indent="0">
+              <a:buNone/>
+            </a:pPr>
+            <a:r>
+              <a:rPr lang="en-US" dirty="0" smtClean="0"/>
+              <a:t>SequentialMemoryAccess</a:t>
+            </a:r>
+          </a:p>
+          <a:p>
+            <a:pPr marL="0" indent="0">
+              <a:buNone/>
+            </a:pPr>
+            <a:r>
+              <a:rPr lang="en-US" dirty="0" smtClean="0"/>
+              <a:t>Cycles</a:t>
+            </a:r>
+            <a:r>
+              <a:rPr lang="en-US" dirty="0"/>
+              <a:t>: 3G Time: 869.802ms Speed: 1177.28mb/s</a:t>
+            </a:r>
           </a:p>
         </p:txBody>
       </p:sp>
@@ -10908,23 +11765,63 @@
           </a:graphicData>
         </a:graphic>
       </p:graphicFrame>
+      <p:sp>
+        <p:nvSpPr>
+          <p:cNvPr id="10" name="Down Arrow 9"/>
+          <p:cNvSpPr/>
+          <p:nvPr/>
+        </p:nvSpPr>
+        <p:spPr>
+          <a:xfrm>
+            <a:off x="5537200" y="3649133"/>
+            <a:ext cx="558800" cy="702733"/>
+          </a:xfrm>
+          <a:prstGeom prst="downArrow">
+            <a:avLst/>
+          </a:prstGeom>
+        </p:spPr>
+        <p:style>
+          <a:lnRef idx="2">
+            <a:schemeClr val="accent1">
+              <a:shade val="50000"/>
+            </a:schemeClr>
+          </a:lnRef>
+          <a:fillRef idx="1">
+            <a:schemeClr val="accent1"/>
+          </a:fillRef>
+          <a:effectRef idx="0">
+            <a:schemeClr val="accent1"/>
+          </a:effectRef>
+          <a:fontRef idx="minor">
+            <a:schemeClr val="lt1"/>
+          </a:fontRef>
+        </p:style>
+        <p:txBody>
+          <a:bodyPr rtlCol="0" anchor="ctr"/>
+          <a:lstStyle/>
+          <a:p>
+            <a:pPr algn="ctr"/>
+            <a:endParaRPr lang="en-US"/>
+          </a:p>
+        </p:txBody>
+      </p:sp>
       <p:graphicFrame>
         <p:nvGraphicFramePr>
-          <p:cNvPr id="5" name="Table 4"/>
+          <p:cNvPr id="12" name="Table 11"/>
           <p:cNvGraphicFramePr>
             <a:graphicFrameLocks noGrp="1"/>
           </p:cNvGraphicFramePr>
           <p:nvPr>
             <p:extLst>
               <p:ext uri="{D42A27DB-BD31-4B8C-83A1-F6EECF244321}">
-                <p14:modId xmlns:p14="http://schemas.microsoft.com/office/powerpoint/2010/main" val="1369988387"/>
+                <p14:modId xmlns:p14="http://schemas.microsoft.com/office/powerpoint/2010/main" val="3322214276"/>
               </p:ext>
             </p:extLst>
           </p:nvPr>
         </p:nvGraphicFramePr>
         <p:xfrm>
-          <a:off x="888996" y="2353734"/>
-          <a:ext cx="10464804" cy="1112520"/>
+          <a:off x="753533" y="2048934"/>
+          <a:ext cx="10464804" cy="1483360"/>
         </p:xfrm>
         <a:graphic>
           <a:graphicData uri="http://schemas.openxmlformats.org/drawingml/2006/table">
@@ -10943,6 +11840,295 @@
                 <a:gridCol w="1162756"/>
                 <a:gridCol w="1162756"/>
               </a:tblGrid>
+              <a:tr h="370840">
+                <a:tc gridSpan="3">
+                  <a:txBody>
+                    <a:bodyPr/>
+                    <a:lstStyle/>
+                    <a:p>
+                      <a:pPr algn="ctr"/>
+                      <a:r>
+                        <a:rPr lang="en-US" b="0" dirty="0" smtClean="0">
+                          <a:solidFill>
+                            <a:schemeClr val="bg1"/>
+                          </a:solidFill>
+                        </a:rPr>
+                        <a:t>0x0</a:t>
+                      </a:r>
+                      <a:endParaRPr lang="en-US" b="0" dirty="0">
+                        <a:solidFill>
+                          <a:schemeClr val="bg1"/>
+                        </a:solidFill>
+                      </a:endParaRPr>
+                    </a:p>
+                  </a:txBody>
+                  <a:tcPr>
+                    <a:lnL w="12700" cap="flat" cmpd="sng" algn="ctr">
+                      <a:solidFill>
+                        <a:schemeClr val="tx1"/>
+                      </a:solidFill>
+                      <a:prstDash val="solid"/>
+                      <a:round/>
+                      <a:headEnd type="none" w="med" len="med"/>
+                      <a:tailEnd type="none" w="med" len="med"/>
+                    </a:lnL>
+                    <a:lnR w="12700" cap="flat" cmpd="sng" algn="ctr">
+                      <a:solidFill>
+                        <a:schemeClr val="tx1"/>
+                      </a:solidFill>
+                      <a:prstDash val="solid"/>
+                      <a:round/>
+                      <a:headEnd type="none" w="med" len="med"/>
+                      <a:tailEnd type="none" w="med" len="med"/>
+                    </a:lnR>
+                    <a:lnT w="12700" cap="flat" cmpd="sng" algn="ctr">
+                      <a:solidFill>
+                        <a:schemeClr val="tx1"/>
+                      </a:solidFill>
+                      <a:prstDash val="solid"/>
+                      <a:round/>
+                      <a:headEnd type="none" w="med" len="med"/>
+                      <a:tailEnd type="none" w="med" len="med"/>
+                    </a:lnT>
+                    <a:lnB w="12700" cap="flat" cmpd="sng" algn="ctr">
+                      <a:solidFill>
+                        <a:schemeClr val="tx1"/>
+                      </a:solidFill>
+                      <a:prstDash val="solid"/>
+                      <a:round/>
+                      <a:headEnd type="none" w="med" len="med"/>
+                      <a:tailEnd type="none" w="med" len="med"/>
+                    </a:lnB>
+                    <a:lnTlToBr w="12700" cmpd="sng">
+                      <a:noFill/>
+                      <a:prstDash val="solid"/>
+                    </a:lnTlToBr>
+                    <a:lnBlToTr w="12700" cmpd="sng">
+                      <a:noFill/>
+                      <a:prstDash val="solid"/>
+                    </a:lnBlToTr>
+                    <a:solidFill>
+                      <a:schemeClr val="tx1">
+                        <a:lumMod val="50000"/>
+                      </a:schemeClr>
+                    </a:solidFill>
+                  </a:tcPr>
+                </a:tc>
+                <a:tc hMerge="1">
+                  <a:txBody>
+                    <a:bodyPr/>
+                    <a:lstStyle/>
+                    <a:p>
+                      <a:endParaRPr lang="en-US"/>
+                    </a:p>
+                  </a:txBody>
+                  <a:tcPr/>
+                </a:tc>
+                <a:tc hMerge="1">
+                  <a:txBody>
+                    <a:bodyPr/>
+                    <a:lstStyle/>
+                    <a:p>
+                      <a:endParaRPr lang="en-US"/>
+                    </a:p>
+                  </a:txBody>
+                  <a:tcPr/>
+                </a:tc>
+                <a:tc gridSpan="3">
+                  <a:txBody>
+                    <a:bodyPr/>
+                    <a:lstStyle/>
+                    <a:p>
+                      <a:pPr algn="ctr"/>
+                      <a:r>
+                        <a:rPr lang="en-US" b="0" dirty="0" smtClean="0">
+                          <a:solidFill>
+                            <a:schemeClr val="bg1"/>
+                          </a:solidFill>
+                        </a:rPr>
+                        <a:t>0x20</a:t>
+                      </a:r>
+                      <a:endParaRPr lang="en-US" b="0" dirty="0" smtClean="0">
+                        <a:solidFill>
+                          <a:schemeClr val="bg1"/>
+                        </a:solidFill>
+                      </a:endParaRPr>
+                    </a:p>
+                  </a:txBody>
+                  <a:tcPr>
+                    <a:lnL w="12700" cap="flat" cmpd="sng" algn="ctr">
+                      <a:solidFill>
+                        <a:schemeClr val="tx1"/>
+                      </a:solidFill>
+                      <a:prstDash val="solid"/>
+                      <a:round/>
+                      <a:headEnd type="none" w="med" len="med"/>
+                      <a:tailEnd type="none" w="med" len="med"/>
+                    </a:lnL>
+                    <a:lnR w="12700" cap="flat" cmpd="sng" algn="ctr">
+                      <a:solidFill>
+                        <a:schemeClr val="tx1"/>
+                      </a:solidFill>
+                      <a:prstDash val="solid"/>
+                      <a:round/>
+                      <a:headEnd type="none" w="med" len="med"/>
+                      <a:tailEnd type="none" w="med" len="med"/>
+                    </a:lnR>
+                    <a:lnT w="12700" cap="flat" cmpd="sng" algn="ctr">
+                      <a:solidFill>
+                        <a:schemeClr val="tx1"/>
+                      </a:solidFill>
+                      <a:prstDash val="solid"/>
+                      <a:round/>
+                      <a:headEnd type="none" w="med" len="med"/>
+                      <a:tailEnd type="none" w="med" len="med"/>
+                    </a:lnT>
+                    <a:lnB w="12700" cap="flat" cmpd="sng" algn="ctr">
+                      <a:solidFill>
+                        <a:schemeClr val="tx1"/>
+                      </a:solidFill>
+                      <a:prstDash val="solid"/>
+                      <a:round/>
+                      <a:headEnd type="none" w="med" len="med"/>
+                      <a:tailEnd type="none" w="med" len="med"/>
+                    </a:lnB>
+                    <a:lnTlToBr w="12700" cmpd="sng">
+                      <a:noFill/>
+                      <a:prstDash val="solid"/>
+                    </a:lnTlToBr>
+                    <a:lnBlToTr w="12700" cmpd="sng">
+                      <a:noFill/>
+                      <a:prstDash val="solid"/>
+                    </a:lnBlToTr>
+                    <a:solidFill>
+                      <a:schemeClr val="tx1">
+                        <a:lumMod val="50000"/>
+                      </a:schemeClr>
+                    </a:solidFill>
+                  </a:tcPr>
+                </a:tc>
+                <a:tc hMerge="1">
+                  <a:txBody>
+                    <a:bodyPr/>
+                    <a:lstStyle/>
+                    <a:p>
+                      <a:endParaRPr lang="en-US"/>
+                    </a:p>
+                  </a:txBody>
+                  <a:tcPr/>
+                </a:tc>
+                <a:tc hMerge="1">
+                  <a:txBody>
+                    <a:bodyPr/>
+                    <a:lstStyle/>
+                    <a:p>
+                      <a:endParaRPr lang="en-US"/>
+                    </a:p>
+                  </a:txBody>
+                  <a:tcPr/>
+                </a:tc>
+                <a:tc gridSpan="3">
+                  <a:txBody>
+                    <a:bodyPr/>
+                    <a:lstStyle/>
+                    <a:p>
+                      <a:pPr algn="ctr"/>
+                      <a:r>
+                        <a:rPr lang="en-US" b="0" dirty="0" smtClean="0">
+                          <a:solidFill>
+                            <a:schemeClr val="bg1"/>
+                          </a:solidFill>
+                        </a:rPr>
+                        <a:t>0x...n</a:t>
+                      </a:r>
+                      <a:r>
+                        <a:rPr lang="en-US" b="0" baseline="0" dirty="0" smtClean="0">
+                          <a:solidFill>
+                            <a:schemeClr val="bg1"/>
+                          </a:solidFill>
+                        </a:rPr>
+                        <a:t> x 20</a:t>
+                      </a:r>
+                      <a:endParaRPr lang="en-US" b="0" dirty="0" smtClean="0">
+                        <a:solidFill>
+                          <a:schemeClr val="bg1"/>
+                        </a:solidFill>
+                      </a:endParaRPr>
+                    </a:p>
+                  </a:txBody>
+                  <a:tcPr>
+                    <a:lnL w="12700" cap="flat" cmpd="sng" algn="ctr">
+                      <a:solidFill>
+                        <a:schemeClr val="tx1"/>
+                      </a:solidFill>
+                      <a:prstDash val="solid"/>
+                      <a:round/>
+                      <a:headEnd type="none" w="med" len="med"/>
+                      <a:tailEnd type="none" w="med" len="med"/>
+                    </a:lnL>
+                    <a:lnR w="12700" cap="flat" cmpd="sng" algn="ctr">
+                      <a:solidFill>
+                        <a:schemeClr val="tx1"/>
+                      </a:solidFill>
+                      <a:prstDash val="solid"/>
+                      <a:round/>
+                      <a:headEnd type="none" w="med" len="med"/>
+                      <a:tailEnd type="none" w="med" len="med"/>
+                    </a:lnR>
+                    <a:lnT w="12700" cap="flat" cmpd="sng" algn="ctr">
+                      <a:solidFill>
+                        <a:schemeClr val="tx1"/>
+                      </a:solidFill>
+                      <a:prstDash val="solid"/>
+                      <a:round/>
+                      <a:headEnd type="none" w="med" len="med"/>
+                      <a:tailEnd type="none" w="med" len="med"/>
+                    </a:lnT>
+                    <a:lnB w="12700" cap="flat" cmpd="sng" algn="ctr">
+                      <a:solidFill>
+                        <a:schemeClr val="tx1"/>
+                      </a:solidFill>
+                      <a:prstDash val="solid"/>
+                      <a:round/>
+                      <a:headEnd type="none" w="med" len="med"/>
+                      <a:tailEnd type="none" w="med" len="med"/>
+                    </a:lnB>
+                    <a:lnTlToBr w="12700" cmpd="sng">
+                      <a:noFill/>
+                      <a:prstDash val="solid"/>
+                    </a:lnTlToBr>
+                    <a:lnBlToTr w="12700" cmpd="sng">
+                      <a:noFill/>
+                      <a:prstDash val="solid"/>
+                    </a:lnBlToTr>
+                    <a:solidFill>
+                      <a:schemeClr val="tx1">
+                        <a:lumMod val="50000"/>
+                      </a:schemeClr>
+                    </a:solidFill>
+                  </a:tcPr>
+                </a:tc>
+                <a:tc hMerge="1">
+                  <a:txBody>
+                    <a:bodyPr/>
+                    <a:lstStyle/>
+                    <a:p>
+                      <a:endParaRPr lang="en-US"/>
+                    </a:p>
+                  </a:txBody>
+                  <a:tcPr/>
+                </a:tc>
+                <a:tc hMerge="1">
+                  <a:txBody>
+                    <a:bodyPr/>
+                    <a:lstStyle/>
+                    <a:p>
+                      <a:endParaRPr lang="en-US"/>
+                    </a:p>
+                  </a:txBody>
+                  <a:tcPr/>
+                </a:tc>
+              </a:tr>
               <a:tr h="370840">
                 <a:tc gridSpan="3">
                   <a:txBody>
@@ -12780,46 +13966,6 @@
           </a:graphicData>
         </a:graphic>
       </p:graphicFrame>
-      <p:sp>
-        <p:nvSpPr>
-          <p:cNvPr id="10" name="Down Arrow 9"/>
-          <p:cNvSpPr/>
-          <p:nvPr/>
-        </p:nvSpPr>
-        <p:spPr>
-          <a:xfrm>
-            <a:off x="5537200" y="3649133"/>
-            <a:ext cx="558800" cy="702733"/>
-          </a:xfrm>
-          <a:prstGeom prst="downArrow">
-            <a:avLst/>
-          </a:prstGeom>
-        </p:spPr>
-        <p:style>
-          <a:lnRef idx="2">
-            <a:schemeClr val="accent1">
-              <a:shade val="50000"/>
-            </a:schemeClr>
-          </a:lnRef>
-          <a:fillRef idx="1">
-            <a:schemeClr val="accent1"/>
-          </a:fillRef>
-          <a:effectRef idx="0">
-            <a:schemeClr val="accent1"/>
-          </a:effectRef>
-          <a:fontRef idx="minor">
-            <a:schemeClr val="lt1"/>
-          </a:fontRef>
-        </p:style>
-        <p:txBody>
-          <a:bodyPr rtlCol="0" anchor="ctr"/>
-          <a:lstStyle/>
-          <a:p>
-            <a:pPr algn="ctr"/>
-            <a:endParaRPr lang="en-US"/>
-          </a:p>
-        </p:txBody>
-      </p:sp>
     </p:spTree>
     <p:extLst>
       <p:ext uri="{BB962C8B-B14F-4D97-AF65-F5344CB8AC3E}">

--- a/Presentation/Presentation.pptx
+++ b/Presentation/Presentation.pptx
@@ -902,6 +902,13 @@
         </dgm:presLayoutVars>
       </dgm:prSet>
       <dgm:spPr/>
+      <dgm:t>
+        <a:bodyPr/>
+        <a:lstStyle/>
+        <a:p>
+          <a:endParaRPr lang="en-US"/>
+        </a:p>
+      </dgm:t>
     </dgm:pt>
   </dgm:ptLst>
   <dgm:cxnLst>
@@ -6573,15 +6580,7 @@
                             <a:schemeClr val="bg1"/>
                           </a:solidFill>
                         </a:rPr>
-                        <a:t>Ant </a:t>
-                      </a:r>
-                      <a:r>
-                        <a:rPr lang="en-US" b="0" dirty="0" smtClean="0">
-                          <a:solidFill>
-                            <a:schemeClr val="bg1"/>
-                          </a:solidFill>
-                        </a:rPr>
-                        <a:t>2</a:t>
+                        <a:t>Ant 2</a:t>
                       </a:r>
                       <a:endParaRPr lang="en-US" b="0" dirty="0">
                         <a:solidFill>
@@ -7212,13 +7211,13 @@
           <p:nvPr>
             <p:extLst>
               <p:ext uri="{D42A27DB-BD31-4B8C-83A1-F6EECF244321}">
-                <p14:modId xmlns:p14="http://schemas.microsoft.com/office/powerpoint/2010/main" val="4149939043"/>
+                <p14:modId xmlns:p14="http://schemas.microsoft.com/office/powerpoint/2010/main" val="17104929"/>
               </p:ext>
             </p:extLst>
           </p:nvPr>
         </p:nvGraphicFramePr>
         <p:xfrm>
-          <a:off x="8466665" y="5006340"/>
+          <a:off x="8153398" y="4938606"/>
           <a:ext cx="3488268" cy="1483360"/>
         </p:xfrm>
         <a:graphic>
@@ -7340,15 +7339,7 @@
                             <a:schemeClr val="bg1"/>
                           </a:solidFill>
                         </a:rPr>
-                        <a:t>Ant </a:t>
-                      </a:r>
-                      <a:r>
-                        <a:rPr lang="en-US" b="0" dirty="0" smtClean="0">
-                          <a:solidFill>
-                            <a:schemeClr val="bg1"/>
-                          </a:solidFill>
-                        </a:rPr>
-                        <a:t>...n</a:t>
+                        <a:t>Ant ...n</a:t>
                       </a:r>
                     </a:p>
                   </a:txBody>
@@ -7975,13 +7966,15 @@
           <p:nvPr/>
         </p:nvCxnSpPr>
         <p:spPr>
-          <a:xfrm>
-            <a:off x="8331201" y="3598280"/>
-            <a:ext cx="135464" cy="2149740"/>
+          <a:xfrm flipH="1">
+            <a:off x="8153398" y="3598280"/>
+            <a:ext cx="177803" cy="2082006"/>
           </a:xfrm>
-          <a:prstGeom prst="curvedConnector3">
+          <a:prstGeom prst="curvedConnector5">
             <a:avLst>
-              <a:gd name="adj1" fmla="val 50000"/>
+              <a:gd name="adj1" fmla="val -128569"/>
+              <a:gd name="adj2" fmla="val 50000"/>
+              <a:gd name="adj3" fmla="val 228569"/>
             </a:avLst>
           </a:prstGeom>
           <a:ln w="28575">
@@ -8353,11 +8346,6 @@
                         </a:rPr>
                         <a:t>0x20</a:t>
                       </a:r>
-                      <a:endParaRPr lang="en-US" b="0" dirty="0" smtClean="0">
-                        <a:solidFill>
-                          <a:schemeClr val="bg1"/>
-                        </a:solidFill>
-                      </a:endParaRPr>
                     </a:p>
                   </a:txBody>
                   <a:tcPr>
@@ -10458,13 +10446,8 @@
           <a:p>
             <a:r>
               <a:rPr lang="en-US" dirty="0" smtClean="0"/>
-              <a:t>Cost of </a:t>
+              <a:t>Cost of Hitting RAM</a:t>
             </a:r>
-            <a:r>
-              <a:rPr lang="en-US" dirty="0" smtClean="0"/>
-              <a:t>Hitting RAM</a:t>
-            </a:r>
-            <a:endParaRPr lang="en-US" dirty="0" smtClean="0"/>
           </a:p>
           <a:p>
             <a:r>
@@ -11948,11 +11931,6 @@
                         </a:rPr>
                         <a:t>0x20</a:t>
                       </a:r>
-                      <a:endParaRPr lang="en-US" b="0" dirty="0" smtClean="0">
-                        <a:solidFill>
-                          <a:schemeClr val="bg1"/>
-                        </a:solidFill>
-                      </a:endParaRPr>
                     </a:p>
                   </a:txBody>
                   <a:tcPr>

--- a/Presentation/Presentation.pptx
+++ b/Presentation/Presentation.pptx
@@ -902,13 +902,6 @@
         </dgm:presLayoutVars>
       </dgm:prSet>
       <dgm:spPr/>
-      <dgm:t>
-        <a:bodyPr/>
-        <a:lstStyle/>
-        <a:p>
-          <a:endParaRPr lang="en-US"/>
-        </a:p>
-      </dgm:t>
     </dgm:pt>
   </dgm:ptLst>
   <dgm:cxnLst>
@@ -2200,7 +2193,7 @@
           </a:lstStyle>
           <a:p>
             <a:r>
-              <a:rPr lang="en-US" smtClean="0"/>
+              <a:rPr lang="en-US"/>
               <a:t>Click to edit Master title style</a:t>
             </a:r>
             <a:endParaRPr lang="en-US" dirty="0"/>
@@ -2265,7 +2258,7 @@
           </a:lstStyle>
           <a:p>
             <a:r>
-              <a:rPr lang="en-US" smtClean="0"/>
+              <a:rPr lang="en-US"/>
               <a:t>Click to edit Master subtitle style</a:t>
             </a:r>
             <a:endParaRPr lang="en-US" dirty="0"/>
@@ -2289,7 +2282,7 @@
           <a:p>
             <a:fld id="{2919E1E2-61BE-4B8C-866A-656E5D301163}" type="datetimeFigureOut">
               <a:rPr lang="en-US" smtClean="0"/>
-              <a:t>8/25/2019</a:t>
+              <a:t>8/26/2019</a:t>
             </a:fld>
             <a:endParaRPr lang="en-US"/>
           </a:p>
@@ -2347,13 +2340,6 @@
   <p:clrMapOvr>
     <a:masterClrMapping/>
   </p:clrMapOvr>
-  <p:timing>
-    <p:tnLst>
-      <p:par>
-        <p:cTn id="1" dur="indefinite" restart="never" nodeType="tmRoot"/>
-      </p:par>
-    </p:tnLst>
-  </p:timing>
 </p:sldLayout>
 </file>
 
@@ -2390,7 +2376,7 @@
           <a:lstStyle/>
           <a:p>
             <a:r>
-              <a:rPr lang="en-US" smtClean="0"/>
+              <a:rPr lang="en-US"/>
               <a:t>Click to edit Master title style</a:t>
             </a:r>
             <a:endParaRPr lang="en-US" dirty="0"/>
@@ -2414,35 +2400,35 @@
           <a:p>
             <a:pPr lvl="0"/>
             <a:r>
-              <a:rPr lang="en-US" smtClean="0"/>
+              <a:rPr lang="en-US"/>
               <a:t>Click to edit Master text styles</a:t>
             </a:r>
           </a:p>
           <a:p>
             <a:pPr lvl="1"/>
             <a:r>
-              <a:rPr lang="en-US" smtClean="0"/>
+              <a:rPr lang="en-US"/>
               <a:t>Second level</a:t>
             </a:r>
           </a:p>
           <a:p>
             <a:pPr lvl="2"/>
             <a:r>
-              <a:rPr lang="en-US" smtClean="0"/>
+              <a:rPr lang="en-US"/>
               <a:t>Third level</a:t>
             </a:r>
           </a:p>
           <a:p>
             <a:pPr lvl="3"/>
             <a:r>
-              <a:rPr lang="en-US" smtClean="0"/>
+              <a:rPr lang="en-US"/>
               <a:t>Fourth level</a:t>
             </a:r>
           </a:p>
           <a:p>
             <a:pPr lvl="4"/>
             <a:r>
-              <a:rPr lang="en-US" smtClean="0"/>
+              <a:rPr lang="en-US"/>
               <a:t>Fifth level</a:t>
             </a:r>
             <a:endParaRPr lang="en-US" dirty="0"/>
@@ -2466,7 +2452,7 @@
           <a:p>
             <a:fld id="{2919E1E2-61BE-4B8C-866A-656E5D301163}" type="datetimeFigureOut">
               <a:rPr lang="en-US" smtClean="0"/>
-              <a:t>8/25/2019</a:t>
+              <a:t>8/26/2019</a:t>
             </a:fld>
             <a:endParaRPr lang="en-US"/>
           </a:p>
@@ -2565,7 +2551,7 @@
           <a:lstStyle/>
           <a:p>
             <a:r>
-              <a:rPr lang="en-US" smtClean="0"/>
+              <a:rPr lang="en-US"/>
               <a:t>Click to edit Master title style</a:t>
             </a:r>
             <a:endParaRPr lang="en-US" dirty="0"/>
@@ -2594,35 +2580,35 @@
           <a:p>
             <a:pPr lvl="0"/>
             <a:r>
-              <a:rPr lang="en-US" smtClean="0"/>
+              <a:rPr lang="en-US"/>
               <a:t>Click to edit Master text styles</a:t>
             </a:r>
           </a:p>
           <a:p>
             <a:pPr lvl="1"/>
             <a:r>
-              <a:rPr lang="en-US" smtClean="0"/>
+              <a:rPr lang="en-US"/>
               <a:t>Second level</a:t>
             </a:r>
           </a:p>
           <a:p>
             <a:pPr lvl="2"/>
             <a:r>
-              <a:rPr lang="en-US" smtClean="0"/>
+              <a:rPr lang="en-US"/>
               <a:t>Third level</a:t>
             </a:r>
           </a:p>
           <a:p>
             <a:pPr lvl="3"/>
             <a:r>
-              <a:rPr lang="en-US" smtClean="0"/>
+              <a:rPr lang="en-US"/>
               <a:t>Fourth level</a:t>
             </a:r>
           </a:p>
           <a:p>
             <a:pPr lvl="4"/>
             <a:r>
-              <a:rPr lang="en-US" smtClean="0"/>
+              <a:rPr lang="en-US"/>
               <a:t>Fifth level</a:t>
             </a:r>
             <a:endParaRPr lang="en-US" dirty="0"/>
@@ -2646,7 +2632,7 @@
           <a:p>
             <a:fld id="{2919E1E2-61BE-4B8C-866A-656E5D301163}" type="datetimeFigureOut">
               <a:rPr lang="en-US" smtClean="0"/>
-              <a:t>8/25/2019</a:t>
+              <a:t>8/26/2019</a:t>
             </a:fld>
             <a:endParaRPr lang="en-US"/>
           </a:p>
@@ -2704,13 +2690,6 @@
   <p:clrMapOvr>
     <a:masterClrMapping/>
   </p:clrMapOvr>
-  <p:timing>
-    <p:tnLst>
-      <p:par>
-        <p:cTn id="1" dur="indefinite" restart="never" nodeType="tmRoot"/>
-      </p:par>
-    </p:tnLst>
-  </p:timing>
 </p:sldLayout>
 </file>
 
@@ -2747,7 +2726,7 @@
           <a:lstStyle/>
           <a:p>
             <a:r>
-              <a:rPr lang="en-US" smtClean="0"/>
+              <a:rPr lang="en-US"/>
               <a:t>Click to edit Master title style</a:t>
             </a:r>
             <a:endParaRPr lang="en-US" dirty="0"/>
@@ -2771,35 +2750,35 @@
           <a:p>
             <a:pPr lvl="0"/>
             <a:r>
-              <a:rPr lang="en-US" smtClean="0"/>
+              <a:rPr lang="en-US"/>
               <a:t>Click to edit Master text styles</a:t>
             </a:r>
           </a:p>
           <a:p>
             <a:pPr lvl="1"/>
             <a:r>
-              <a:rPr lang="en-US" smtClean="0"/>
+              <a:rPr lang="en-US"/>
               <a:t>Second level</a:t>
             </a:r>
           </a:p>
           <a:p>
             <a:pPr lvl="2"/>
             <a:r>
-              <a:rPr lang="en-US" smtClean="0"/>
+              <a:rPr lang="en-US"/>
               <a:t>Third level</a:t>
             </a:r>
           </a:p>
           <a:p>
             <a:pPr lvl="3"/>
             <a:r>
-              <a:rPr lang="en-US" smtClean="0"/>
+              <a:rPr lang="en-US"/>
               <a:t>Fourth level</a:t>
             </a:r>
           </a:p>
           <a:p>
             <a:pPr lvl="4"/>
             <a:r>
-              <a:rPr lang="en-US" smtClean="0"/>
+              <a:rPr lang="en-US"/>
               <a:t>Fifth level</a:t>
             </a:r>
             <a:endParaRPr lang="en-US" dirty="0"/>
@@ -2839,13 +2818,6 @@
   <p:clrMapOvr>
     <a:masterClrMapping/>
   </p:clrMapOvr>
-  <p:timing>
-    <p:tnLst>
-      <p:par>
-        <p:cTn id="1" dur="indefinite" restart="never" nodeType="tmRoot"/>
-      </p:par>
-    </p:tnLst>
-  </p:timing>
 </p:sldLayout>
 </file>
 
@@ -2891,7 +2863,7 @@
           </a:lstStyle>
           <a:p>
             <a:r>
-              <a:rPr lang="en-US" smtClean="0"/>
+              <a:rPr lang="en-US"/>
               <a:t>Click to edit Master title style</a:t>
             </a:r>
             <a:endParaRPr lang="en-US" dirty="0"/>
@@ -3011,7 +2983,7 @@
           <a:p>
             <a:pPr lvl="0"/>
             <a:r>
-              <a:rPr lang="en-US" smtClean="0"/>
+              <a:rPr lang="en-US"/>
               <a:t>Click to edit Master text styles</a:t>
             </a:r>
           </a:p>
@@ -3034,7 +3006,7 @@
           <a:p>
             <a:fld id="{2919E1E2-61BE-4B8C-866A-656E5D301163}" type="datetimeFigureOut">
               <a:rPr lang="en-US" smtClean="0"/>
-              <a:t>8/25/2019</a:t>
+              <a:t>8/26/2019</a:t>
             </a:fld>
             <a:endParaRPr lang="en-US"/>
           </a:p>
@@ -3128,7 +3100,7 @@
           <a:lstStyle/>
           <a:p>
             <a:r>
-              <a:rPr lang="en-US" smtClean="0"/>
+              <a:rPr lang="en-US"/>
               <a:t>Click to edit Master title style</a:t>
             </a:r>
             <a:endParaRPr lang="en-US" dirty="0"/>
@@ -3157,35 +3129,35 @@
           <a:p>
             <a:pPr lvl="0"/>
             <a:r>
-              <a:rPr lang="en-US" smtClean="0"/>
+              <a:rPr lang="en-US"/>
               <a:t>Click to edit Master text styles</a:t>
             </a:r>
           </a:p>
           <a:p>
             <a:pPr lvl="1"/>
             <a:r>
-              <a:rPr lang="en-US" smtClean="0"/>
+              <a:rPr lang="en-US"/>
               <a:t>Second level</a:t>
             </a:r>
           </a:p>
           <a:p>
             <a:pPr lvl="2"/>
             <a:r>
-              <a:rPr lang="en-US" smtClean="0"/>
+              <a:rPr lang="en-US"/>
               <a:t>Third level</a:t>
             </a:r>
           </a:p>
           <a:p>
             <a:pPr lvl="3"/>
             <a:r>
-              <a:rPr lang="en-US" smtClean="0"/>
+              <a:rPr lang="en-US"/>
               <a:t>Fourth level</a:t>
             </a:r>
           </a:p>
           <a:p>
             <a:pPr lvl="4"/>
             <a:r>
-              <a:rPr lang="en-US" smtClean="0"/>
+              <a:rPr lang="en-US"/>
               <a:t>Fifth level</a:t>
             </a:r>
             <a:endParaRPr lang="en-US" dirty="0"/>
@@ -3214,35 +3186,35 @@
           <a:p>
             <a:pPr lvl="0"/>
             <a:r>
-              <a:rPr lang="en-US" smtClean="0"/>
+              <a:rPr lang="en-US"/>
               <a:t>Click to edit Master text styles</a:t>
             </a:r>
           </a:p>
           <a:p>
             <a:pPr lvl="1"/>
             <a:r>
-              <a:rPr lang="en-US" smtClean="0"/>
+              <a:rPr lang="en-US"/>
               <a:t>Second level</a:t>
             </a:r>
           </a:p>
           <a:p>
             <a:pPr lvl="2"/>
             <a:r>
-              <a:rPr lang="en-US" smtClean="0"/>
+              <a:rPr lang="en-US"/>
               <a:t>Third level</a:t>
             </a:r>
           </a:p>
           <a:p>
             <a:pPr lvl="3"/>
             <a:r>
-              <a:rPr lang="en-US" smtClean="0"/>
+              <a:rPr lang="en-US"/>
               <a:t>Fourth level</a:t>
             </a:r>
           </a:p>
           <a:p>
             <a:pPr lvl="4"/>
             <a:r>
-              <a:rPr lang="en-US" smtClean="0"/>
+              <a:rPr lang="en-US"/>
               <a:t>Fifth level</a:t>
             </a:r>
             <a:endParaRPr lang="en-US" dirty="0"/>
@@ -3266,7 +3238,7 @@
           <a:p>
             <a:fld id="{2919E1E2-61BE-4B8C-866A-656E5D301163}" type="datetimeFigureOut">
               <a:rPr lang="en-US" smtClean="0"/>
-              <a:t>8/25/2019</a:t>
+              <a:t>8/26/2019</a:t>
             </a:fld>
             <a:endParaRPr lang="en-US"/>
           </a:p>
@@ -3365,7 +3337,7 @@
           <a:lstStyle/>
           <a:p>
             <a:r>
-              <a:rPr lang="en-US" smtClean="0"/>
+              <a:rPr lang="en-US"/>
               <a:t>Click to edit Master title style</a:t>
             </a:r>
             <a:endParaRPr lang="en-US" dirty="0"/>
@@ -3431,7 +3403,7 @@
           <a:p>
             <a:pPr lvl="0"/>
             <a:r>
-              <a:rPr lang="en-US" smtClean="0"/>
+              <a:rPr lang="en-US"/>
               <a:t>Click to edit Master text styles</a:t>
             </a:r>
           </a:p>
@@ -3459,35 +3431,35 @@
           <a:p>
             <a:pPr lvl="0"/>
             <a:r>
-              <a:rPr lang="en-US" smtClean="0"/>
+              <a:rPr lang="en-US"/>
               <a:t>Click to edit Master text styles</a:t>
             </a:r>
           </a:p>
           <a:p>
             <a:pPr lvl="1"/>
             <a:r>
-              <a:rPr lang="en-US" smtClean="0"/>
+              <a:rPr lang="en-US"/>
               <a:t>Second level</a:t>
             </a:r>
           </a:p>
           <a:p>
             <a:pPr lvl="2"/>
             <a:r>
-              <a:rPr lang="en-US" smtClean="0"/>
+              <a:rPr lang="en-US"/>
               <a:t>Third level</a:t>
             </a:r>
           </a:p>
           <a:p>
             <a:pPr lvl="3"/>
             <a:r>
-              <a:rPr lang="en-US" smtClean="0"/>
+              <a:rPr lang="en-US"/>
               <a:t>Fourth level</a:t>
             </a:r>
           </a:p>
           <a:p>
             <a:pPr lvl="4"/>
             <a:r>
-              <a:rPr lang="en-US" smtClean="0"/>
+              <a:rPr lang="en-US"/>
               <a:t>Fifth level</a:t>
             </a:r>
             <a:endParaRPr lang="en-US" dirty="0"/>
@@ -3553,7 +3525,7 @@
           <a:p>
             <a:pPr lvl="0"/>
             <a:r>
-              <a:rPr lang="en-US" smtClean="0"/>
+              <a:rPr lang="en-US"/>
               <a:t>Click to edit Master text styles</a:t>
             </a:r>
           </a:p>
@@ -3581,35 +3553,35 @@
           <a:p>
             <a:pPr lvl="0"/>
             <a:r>
-              <a:rPr lang="en-US" smtClean="0"/>
+              <a:rPr lang="en-US"/>
               <a:t>Click to edit Master text styles</a:t>
             </a:r>
           </a:p>
           <a:p>
             <a:pPr lvl="1"/>
             <a:r>
-              <a:rPr lang="en-US" smtClean="0"/>
+              <a:rPr lang="en-US"/>
               <a:t>Second level</a:t>
             </a:r>
           </a:p>
           <a:p>
             <a:pPr lvl="2"/>
             <a:r>
-              <a:rPr lang="en-US" smtClean="0"/>
+              <a:rPr lang="en-US"/>
               <a:t>Third level</a:t>
             </a:r>
           </a:p>
           <a:p>
             <a:pPr lvl="3"/>
             <a:r>
-              <a:rPr lang="en-US" smtClean="0"/>
+              <a:rPr lang="en-US"/>
               <a:t>Fourth level</a:t>
             </a:r>
           </a:p>
           <a:p>
             <a:pPr lvl="4"/>
             <a:r>
-              <a:rPr lang="en-US" smtClean="0"/>
+              <a:rPr lang="en-US"/>
               <a:t>Fifth level</a:t>
             </a:r>
             <a:endParaRPr lang="en-US" dirty="0"/>
@@ -3633,7 +3605,7 @@
           <a:p>
             <a:fld id="{2919E1E2-61BE-4B8C-866A-656E5D301163}" type="datetimeFigureOut">
               <a:rPr lang="en-US" smtClean="0"/>
-              <a:t>8/25/2019</a:t>
+              <a:t>8/26/2019</a:t>
             </a:fld>
             <a:endParaRPr lang="en-US"/>
           </a:p>
@@ -3727,7 +3699,7 @@
           <a:lstStyle/>
           <a:p>
             <a:r>
-              <a:rPr lang="en-US" smtClean="0"/>
+              <a:rPr lang="en-US"/>
               <a:t>Click to edit Master title style</a:t>
             </a:r>
             <a:endParaRPr lang="en-US" dirty="0"/>
@@ -3751,7 +3723,7 @@
           <a:p>
             <a:fld id="{2919E1E2-61BE-4B8C-866A-656E5D301163}" type="datetimeFigureOut">
               <a:rPr lang="en-US" smtClean="0"/>
-              <a:t>8/25/2019</a:t>
+              <a:t>8/26/2019</a:t>
             </a:fld>
             <a:endParaRPr lang="en-US"/>
           </a:p>
@@ -3846,7 +3818,7 @@
           <a:p>
             <a:fld id="{2919E1E2-61BE-4B8C-866A-656E5D301163}" type="datetimeFigureOut">
               <a:rPr lang="en-US" smtClean="0"/>
-              <a:t>8/25/2019</a:t>
+              <a:t>8/26/2019</a:t>
             </a:fld>
             <a:endParaRPr lang="en-US"/>
           </a:p>
@@ -3949,7 +3921,7 @@
           </a:lstStyle>
           <a:p>
             <a:r>
-              <a:rPr lang="en-US" smtClean="0"/>
+              <a:rPr lang="en-US"/>
               <a:t>Click to edit Master title style</a:t>
             </a:r>
             <a:endParaRPr lang="en-US" dirty="0"/>
@@ -4006,35 +3978,35 @@
           <a:p>
             <a:pPr lvl="0"/>
             <a:r>
-              <a:rPr lang="en-US" smtClean="0"/>
+              <a:rPr lang="en-US"/>
               <a:t>Click to edit Master text styles</a:t>
             </a:r>
           </a:p>
           <a:p>
             <a:pPr lvl="1"/>
             <a:r>
-              <a:rPr lang="en-US" smtClean="0"/>
+              <a:rPr lang="en-US"/>
               <a:t>Second level</a:t>
             </a:r>
           </a:p>
           <a:p>
             <a:pPr lvl="2"/>
             <a:r>
-              <a:rPr lang="en-US" smtClean="0"/>
+              <a:rPr lang="en-US"/>
               <a:t>Third level</a:t>
             </a:r>
           </a:p>
           <a:p>
             <a:pPr lvl="3"/>
             <a:r>
-              <a:rPr lang="en-US" smtClean="0"/>
+              <a:rPr lang="en-US"/>
               <a:t>Fourth level</a:t>
             </a:r>
           </a:p>
           <a:p>
             <a:pPr lvl="4"/>
             <a:r>
-              <a:rPr lang="en-US" smtClean="0"/>
+              <a:rPr lang="en-US"/>
               <a:t>Fifth level</a:t>
             </a:r>
             <a:endParaRPr lang="en-US" dirty="0"/>
@@ -4100,7 +4072,7 @@
           <a:p>
             <a:pPr lvl="0"/>
             <a:r>
-              <a:rPr lang="en-US" smtClean="0"/>
+              <a:rPr lang="en-US"/>
               <a:t>Click to edit Master text styles</a:t>
             </a:r>
           </a:p>
@@ -4123,7 +4095,7 @@
           <a:p>
             <a:fld id="{2919E1E2-61BE-4B8C-866A-656E5D301163}" type="datetimeFigureOut">
               <a:rPr lang="en-US" smtClean="0"/>
-              <a:t>8/25/2019</a:t>
+              <a:t>8/26/2019</a:t>
             </a:fld>
             <a:endParaRPr lang="en-US"/>
           </a:p>
@@ -4226,7 +4198,7 @@
           </a:lstStyle>
           <a:p>
             <a:r>
-              <a:rPr lang="en-US" smtClean="0"/>
+              <a:rPr lang="en-US"/>
               <a:t>Click to edit Master title style</a:t>
             </a:r>
             <a:endParaRPr lang="en-US" dirty="0"/>
@@ -4291,7 +4263,7 @@
           </a:lstStyle>
           <a:p>
             <a:r>
-              <a:rPr lang="en-US" smtClean="0"/>
+              <a:rPr lang="en-US"/>
               <a:t>Click icon to add picture</a:t>
             </a:r>
             <a:endParaRPr lang="en-US" dirty="0"/>
@@ -4357,7 +4329,7 @@
           <a:p>
             <a:pPr lvl="0"/>
             <a:r>
-              <a:rPr lang="en-US" smtClean="0"/>
+              <a:rPr lang="en-US"/>
               <a:t>Click to edit Master text styles</a:t>
             </a:r>
           </a:p>
@@ -4380,7 +4352,7 @@
           <a:p>
             <a:fld id="{2919E1E2-61BE-4B8C-866A-656E5D301163}" type="datetimeFigureOut">
               <a:rPr lang="en-US" smtClean="0"/>
-              <a:t>8/25/2019</a:t>
+              <a:t>8/26/2019</a:t>
             </a:fld>
             <a:endParaRPr lang="en-US"/>
           </a:p>
@@ -4489,7 +4461,7 @@
           <a:lstStyle/>
           <a:p>
             <a:r>
-              <a:rPr lang="en-US" smtClean="0"/>
+              <a:rPr lang="en-US"/>
               <a:t>Click to edit Master title style</a:t>
             </a:r>
             <a:endParaRPr lang="en-US" dirty="0"/>
@@ -4523,35 +4495,35 @@
           <a:p>
             <a:pPr lvl="0"/>
             <a:r>
-              <a:rPr lang="en-US" smtClean="0"/>
+              <a:rPr lang="en-US"/>
               <a:t>Click to edit Master text styles</a:t>
             </a:r>
           </a:p>
           <a:p>
             <a:pPr lvl="1"/>
             <a:r>
-              <a:rPr lang="en-US" smtClean="0"/>
+              <a:rPr lang="en-US"/>
               <a:t>Second level</a:t>
             </a:r>
           </a:p>
           <a:p>
             <a:pPr lvl="2"/>
             <a:r>
-              <a:rPr lang="en-US" smtClean="0"/>
+              <a:rPr lang="en-US"/>
               <a:t>Third level</a:t>
             </a:r>
           </a:p>
           <a:p>
             <a:pPr lvl="3"/>
             <a:r>
-              <a:rPr lang="en-US" smtClean="0"/>
+              <a:rPr lang="en-US"/>
               <a:t>Fourth level</a:t>
             </a:r>
           </a:p>
           <a:p>
             <a:pPr lvl="4"/>
             <a:r>
-              <a:rPr lang="en-US" smtClean="0"/>
+              <a:rPr lang="en-US"/>
               <a:t>Fifth level</a:t>
             </a:r>
             <a:endParaRPr lang="en-US" dirty="0"/>
@@ -4593,7 +4565,7 @@
           <a:p>
             <a:fld id="{2919E1E2-61BE-4B8C-866A-656E5D301163}" type="datetimeFigureOut">
               <a:rPr lang="en-US" smtClean="0"/>
-              <a:t>8/25/2019</a:t>
+              <a:t>8/26/2019</a:t>
             </a:fld>
             <a:endParaRPr lang="en-US"/>
           </a:p>
@@ -4698,13 +4670,6 @@
     <p:sldLayoutId id="2147483670" r:id="rId10"/>
     <p:sldLayoutId id="2147483671" r:id="rId11"/>
   </p:sldLayoutIdLst>
-  <p:timing>
-    <p:tnLst>
-      <p:par>
-        <p:cTn id="1" dur="indefinite" restart="never" nodeType="tmRoot"/>
-      </p:par>
-    </p:tnLst>
-  </p:timing>
   <p:txStyles>
     <p:titleStyle>
       <a:lvl1pPr algn="l" defTabSz="914400" rtl="0" eaLnBrk="1" latinLnBrk="0" hangingPunct="1">
@@ -5021,21 +4986,16 @@
           <a:lstStyle/>
           <a:p>
             <a:r>
-              <a:rPr lang="en-US" sz="4400" dirty="0" smtClean="0"/>
+              <a:rPr lang="en-US" sz="4400" dirty="0"/>
               <a:t>Approach to</a:t>
             </a:r>
-            <a:r>
-              <a:rPr lang="en-US" dirty="0" smtClean="0"/>
-              <a:t/>
-            </a:r>
             <a:br>
-              <a:rPr lang="en-US" dirty="0" smtClean="0"/>
+              <a:rPr lang="en-US" dirty="0"/>
             </a:br>
             <a:r>
-              <a:rPr lang="en-US" dirty="0" smtClean="0"/>
+              <a:rPr lang="en-US" dirty="0"/>
               <a:t>Data-Oriented Design</a:t>
             </a:r>
-            <a:endParaRPr lang="en-US" dirty="0"/>
           </a:p>
         </p:txBody>
       </p:sp>
@@ -5056,23 +5016,23 @@
           </a:bodyPr>
           <a:lstStyle/>
           <a:p>
-            <a:endParaRPr lang="en-US" dirty="0" smtClean="0"/>
-          </a:p>
-          <a:p>
             <a:endParaRPr lang="en-US" dirty="0"/>
           </a:p>
           <a:p>
             <a:endParaRPr lang="en-US" dirty="0"/>
           </a:p>
           <a:p>
+            <a:endParaRPr lang="en-US" dirty="0"/>
+          </a:p>
+          <a:p>
             <a:r>
-              <a:rPr lang="en-US" dirty="0" smtClean="0"/>
+              <a:rPr lang="en-US" dirty="0"/>
               <a:t>Omid Shahbazi</a:t>
             </a:r>
           </a:p>
           <a:p>
             <a:r>
-              <a:rPr lang="en-US" sz="1800" dirty="0" smtClean="0">
+              <a:rPr lang="en-US" sz="1800" dirty="0">
                 <a:hlinkClick r:id="rId2"/>
               </a:rPr>
               <a:t>https://omidshahbazi.github.io</a:t>
@@ -5091,13 +5051,6 @@
   <p:clrMapOvr>
     <a:masterClrMapping/>
   </p:clrMapOvr>
-  <p:timing>
-    <p:tnLst>
-      <p:par>
-        <p:cTn id="1" dur="indefinite" restart="never" nodeType="tmRoot"/>
-      </p:par>
-    </p:tnLst>
-  </p:timing>
 </p:sld>
 </file>
 
@@ -5201,13 +5154,6 @@
   <p:clrMapOvr>
     <a:masterClrMapping/>
   </p:clrMapOvr>
-  <p:timing>
-    <p:tnLst>
-      <p:par>
-        <p:cTn id="1" dur="indefinite" restart="never" nodeType="tmRoot"/>
-      </p:par>
-    </p:tnLst>
-  </p:timing>
 </p:sld>
 </file>
 
@@ -5244,10 +5190,9 @@
           <a:lstStyle/>
           <a:p>
             <a:r>
-              <a:rPr lang="en-US" dirty="0" smtClean="0"/>
+              <a:rPr lang="en-US" dirty="0"/>
               <a:t>Thank You!</a:t>
             </a:r>
-            <a:endParaRPr lang="en-US" dirty="0"/>
           </a:p>
         </p:txBody>
       </p:sp>
@@ -5269,7 +5214,7 @@
           <a:lstStyle/>
           <a:p>
             <a:r>
-              <a:rPr lang="en-US" dirty="0" smtClean="0"/>
+              <a:rPr lang="en-US" dirty="0"/>
               <a:t>References</a:t>
             </a:r>
           </a:p>
@@ -5277,46 +5222,34 @@
             <a:pPr lvl="1"/>
             <a:r>
               <a:rPr lang="en-US" dirty="0"/>
-              <a:t>Anger Fog, Optimization </a:t>
+              <a:t>Anger Fog, Optimization Manuals </a:t>
             </a:r>
             <a:r>
-              <a:rPr lang="en-US" dirty="0" smtClean="0"/>
-              <a:t>Manuals </a:t>
-            </a:r>
-            <a:r>
-              <a:rPr lang="en-US" dirty="0" smtClean="0">
+              <a:rPr lang="en-US" dirty="0">
                 <a:hlinkClick r:id="rId2"/>
               </a:rPr>
               <a:t>https://agner.org/optimize</a:t>
             </a:r>
-            <a:endParaRPr lang="en-US" dirty="0" smtClean="0"/>
+            <a:endParaRPr lang="en-US" dirty="0"/>
           </a:p>
           <a:p>
             <a:pPr lvl="1"/>
             <a:r>
-              <a:rPr lang="en-US" dirty="0" smtClean="0"/>
-              <a:t>Richard </a:t>
+              <a:rPr lang="en-US" dirty="0"/>
+              <a:t>Richard Fabian, “Data-Oriented Design” </a:t>
             </a:r>
             <a:r>
-              <a:rPr lang="en-US" dirty="0"/>
-              <a:t>Fabian, “Data-Oriented </a:t>
-            </a:r>
-            <a:r>
-              <a:rPr lang="en-US" dirty="0" smtClean="0"/>
-              <a:t>Design” </a:t>
-            </a:r>
-            <a:r>
-              <a:rPr lang="en-US" dirty="0" smtClean="0">
+              <a:rPr lang="en-US" dirty="0">
                 <a:hlinkClick r:id="rId3"/>
               </a:rPr>
               <a:t>http://dataorienteddesign.com/dodbook</a:t>
             </a:r>
-            <a:endParaRPr lang="en-US" dirty="0" smtClean="0"/>
+            <a:endParaRPr lang="en-US" dirty="0"/>
           </a:p>
           <a:p>
             <a:pPr lvl="1"/>
             <a:r>
-              <a:rPr lang="en-US" dirty="0" smtClean="0"/>
+              <a:rPr lang="en-US" dirty="0"/>
               <a:t>Yaser Zhian, Data Oriented </a:t>
             </a:r>
             <a:r>
@@ -5329,7 +5262,7 @@
           </a:p>
           <a:p>
             <a:r>
-              <a:rPr lang="en-US" dirty="0" smtClean="0"/>
+              <a:rPr lang="en-US" dirty="0"/>
               <a:t>Any Questions?</a:t>
             </a:r>
           </a:p>
@@ -5337,29 +5270,17 @@
             <a:endParaRPr lang="en-US" dirty="0"/>
           </a:p>
           <a:p>
-            <a:endParaRPr lang="en-US" dirty="0" smtClean="0"/>
+            <a:endParaRPr lang="en-US" dirty="0"/>
           </a:p>
           <a:p>
             <a:pPr marL="0" indent="0" algn="ctr">
               <a:buNone/>
             </a:pPr>
             <a:r>
-              <a:rPr lang="en-US" sz="1800" dirty="0" smtClean="0">
-                <a:hlinkClick r:id="rId5"/>
-              </a:rPr>
-              <a:t>https</a:t>
-            </a:r>
-            <a:r>
               <a:rPr lang="en-US" sz="1800" dirty="0">
                 <a:hlinkClick r:id="rId5"/>
               </a:rPr>
-              <a:t>://</a:t>
-            </a:r>
-            <a:r>
-              <a:rPr lang="en-US" sz="1800" dirty="0" smtClean="0">
-                <a:hlinkClick r:id="rId5"/>
-              </a:rPr>
-              <a:t>omidshahbazi.github.io</a:t>
+              <a:t>https://omidshahbazi.github.io</a:t>
             </a:r>
             <a:endParaRPr lang="en-US" sz="1800" dirty="0"/>
           </a:p>
@@ -5375,13 +5296,6 @@
   <p:clrMapOvr>
     <a:masterClrMapping/>
   </p:clrMapOvr>
-  <p:timing>
-    <p:tnLst>
-      <p:par>
-        <p:cTn id="1" dur="indefinite" restart="never" nodeType="tmRoot"/>
-      </p:par>
-    </p:tnLst>
-  </p:timing>
 </p:sld>
 </file>
 
@@ -5418,10 +5332,9 @@
           <a:lstStyle/>
           <a:p>
             <a:r>
-              <a:rPr lang="en-US" dirty="0" smtClean="0"/>
+              <a:rPr lang="en-US" dirty="0"/>
               <a:t>Agenda</a:t>
             </a:r>
-            <a:endParaRPr lang="en-US" dirty="0"/>
           </a:p>
         </p:txBody>
       </p:sp>
@@ -5446,41 +5359,37 @@
           <a:lstStyle/>
           <a:p>
             <a:r>
-              <a:rPr lang="en-US" dirty="0" smtClean="0"/>
+              <a:rPr lang="en-US" dirty="0"/>
               <a:t>Problem Statement</a:t>
             </a:r>
           </a:p>
           <a:p>
             <a:r>
-              <a:rPr lang="en-US" dirty="0" smtClean="0"/>
+              <a:rPr lang="en-US" dirty="0"/>
               <a:t>Discussion About Possible Solutions</a:t>
             </a:r>
           </a:p>
           <a:p>
             <a:r>
               <a:rPr lang="en-US" dirty="0"/>
-              <a:t>What's the actual </a:t>
+              <a:t>What's the actual problem?</a:t>
             </a:r>
+          </a:p>
+          <a:p>
             <a:r>
-              <a:rPr lang="en-US" dirty="0" smtClean="0"/>
-              <a:t>problem?</a:t>
-            </a:r>
-          </a:p>
-          <a:p>
-            <a:r>
-              <a:rPr lang="en-US" dirty="0" smtClean="0"/>
+              <a:rPr lang="en-US" dirty="0"/>
               <a:t>Go Over the Problem</a:t>
             </a:r>
           </a:p>
           <a:p>
             <a:r>
-              <a:rPr lang="en-US" dirty="0" smtClean="0"/>
+              <a:rPr lang="en-US" dirty="0"/>
               <a:t>Studing Better Impl.</a:t>
             </a:r>
           </a:p>
           <a:p>
             <a:r>
-              <a:rPr lang="en-US" dirty="0" smtClean="0"/>
+              <a:rPr lang="en-US" dirty="0"/>
               <a:t>Q/A</a:t>
             </a:r>
           </a:p>
@@ -5499,13 +5408,6 @@
   <p:clrMapOvr>
     <a:masterClrMapping/>
   </p:clrMapOvr>
-  <p:timing>
-    <p:tnLst>
-      <p:par>
-        <p:cTn id="1" dur="indefinite" restart="never" nodeType="tmRoot"/>
-      </p:par>
-    </p:tnLst>
-  </p:timing>
 </p:sld>
 </file>
 
@@ -5566,30 +5468,29 @@
           <a:lstStyle/>
           <a:p>
             <a:r>
-              <a:rPr lang="en-US" dirty="0" smtClean="0"/>
+              <a:rPr lang="en-US" dirty="0"/>
               <a:t>Simulate behavior of, and Render massive ants crawling on a map</a:t>
             </a:r>
           </a:p>
           <a:p>
             <a:pPr lvl="1"/>
             <a:r>
-              <a:rPr lang="en-US" dirty="0" smtClean="0"/>
+              <a:rPr lang="en-US" dirty="0"/>
               <a:t>Each ant is a pixel</a:t>
             </a:r>
           </a:p>
           <a:p>
             <a:pPr lvl="1"/>
             <a:r>
-              <a:rPr lang="en-US" dirty="0" smtClean="0"/>
+              <a:rPr lang="en-US" dirty="0"/>
               <a:t>We’re going to benchmark and impl. some solutions</a:t>
             </a:r>
           </a:p>
           <a:p>
             <a:r>
-              <a:rPr lang="en-US" dirty="0" smtClean="0"/>
+              <a:rPr lang="en-US" dirty="0"/>
               <a:t>Do you need more to know?</a:t>
             </a:r>
-            <a:endParaRPr lang="en-US" dirty="0"/>
           </a:p>
         </p:txBody>
       </p:sp>
@@ -5640,7 +5541,7 @@
           <a:p>
             <a:r>
               <a:rPr lang="en-US" dirty="0"/>
-              <a:t>Let's Discuss</a:t>
+              <a:t>Let’s Discuss</a:t>
             </a:r>
           </a:p>
         </p:txBody>
@@ -5663,24 +5564,24 @@
           <a:lstStyle/>
           <a:p>
             <a:r>
-              <a:rPr lang="en-US" dirty="0" smtClean="0"/>
+              <a:rPr lang="en-US" dirty="0"/>
               <a:t>What is our data?</a:t>
             </a:r>
           </a:p>
           <a:p>
             <a:r>
-              <a:rPr lang="en-US" dirty="0" smtClean="0"/>
+              <a:rPr lang="en-US" dirty="0"/>
               <a:t>What is our behavior(s)?</a:t>
             </a:r>
           </a:p>
           <a:p>
             <a:r>
-              <a:rPr lang="en-US" dirty="0" smtClean="0"/>
+              <a:rPr lang="en-US" dirty="0"/>
               <a:t>How do we render?</a:t>
             </a:r>
           </a:p>
           <a:p>
-            <a:endParaRPr lang="en-US" dirty="0" smtClean="0"/>
+            <a:endParaRPr lang="en-US" dirty="0"/>
           </a:p>
         </p:txBody>
       </p:sp>
@@ -5709,9 +5610,27 @@
                 <a:tableStyleId>{5C22544A-7EE6-4342-B048-85BDC9FD1C3A}</a:tableStyleId>
               </a:tblPr>
               <a:tblGrid>
-                <a:gridCol w="1162756"/>
-                <a:gridCol w="1162756"/>
-                <a:gridCol w="1162756"/>
+                <a:gridCol w="1162756">
+                  <a:extLst>
+                    <a:ext uri="{9D8B030D-6E8A-4147-A177-3AD203B41FA5}">
+                      <a16:colId xmlns:a16="http://schemas.microsoft.com/office/drawing/2014/main" val="20000"/>
+                    </a:ext>
+                  </a:extLst>
+                </a:gridCol>
+                <a:gridCol w="1162756">
+                  <a:extLst>
+                    <a:ext uri="{9D8B030D-6E8A-4147-A177-3AD203B41FA5}">
+                      <a16:colId xmlns:a16="http://schemas.microsoft.com/office/drawing/2014/main" val="20001"/>
+                    </a:ext>
+                  </a:extLst>
+                </a:gridCol>
+                <a:gridCol w="1162756">
+                  <a:extLst>
+                    <a:ext uri="{9D8B030D-6E8A-4147-A177-3AD203B41FA5}">
+                      <a16:colId xmlns:a16="http://schemas.microsoft.com/office/drawing/2014/main" val="20002"/>
+                    </a:ext>
+                  </a:extLst>
+                </a:gridCol>
               </a:tblGrid>
               <a:tr h="370840">
                 <a:tc gridSpan="3">
@@ -5721,18 +5640,13 @@
                     <a:p>
                       <a:pPr algn="ctr"/>
                       <a:r>
-                        <a:rPr lang="en-US" b="0" dirty="0" smtClean="0">
+                        <a:rPr lang="en-US" b="0" dirty="0">
                           <a:solidFill>
                             <a:schemeClr val="bg1"/>
                           </a:solidFill>
                         </a:rPr>
                         <a:t>0x0</a:t>
                       </a:r>
-                      <a:endParaRPr lang="en-US" b="0" dirty="0">
-                        <a:solidFill>
-                          <a:schemeClr val="bg1"/>
-                        </a:solidFill>
-                      </a:endParaRPr>
                     </a:p>
                   </a:txBody>
                   <a:tcPr>
@@ -5807,6 +5721,11 @@
                   </a:txBody>
                   <a:tcPr/>
                 </a:tc>
+                <a:extLst>
+                  <a:ext uri="{0D108BD9-81ED-4DB2-BD59-A6C34878D82A}">
+                    <a16:rowId xmlns:a16="http://schemas.microsoft.com/office/drawing/2014/main" val="10000"/>
+                  </a:ext>
+                </a:extLst>
               </a:tr>
               <a:tr h="370840">
                 <a:tc gridSpan="3">
@@ -5816,18 +5735,13 @@
                     <a:p>
                       <a:pPr algn="ctr"/>
                       <a:r>
-                        <a:rPr lang="en-US" b="0" dirty="0" smtClean="0">
+                        <a:rPr lang="en-US" b="0" dirty="0">
                           <a:solidFill>
                             <a:schemeClr val="bg1"/>
                           </a:solidFill>
                         </a:rPr>
                         <a:t>Ant 1</a:t>
                       </a:r>
-                      <a:endParaRPr lang="en-US" b="0" dirty="0">
-                        <a:solidFill>
-                          <a:schemeClr val="bg1"/>
-                        </a:solidFill>
-                      </a:endParaRPr>
                     </a:p>
                   </a:txBody>
                   <a:tcPr>
@@ -6002,6 +5916,11 @@
                     </a:solidFill>
                   </a:tcPr>
                 </a:tc>
+                <a:extLst>
+                  <a:ext uri="{0D108BD9-81ED-4DB2-BD59-A6C34878D82A}">
+                    <a16:rowId xmlns:a16="http://schemas.microsoft.com/office/drawing/2014/main" val="10001"/>
+                  </a:ext>
+                </a:extLst>
               </a:tr>
               <a:tr h="370840">
                 <a:tc>
@@ -6011,7 +5930,7 @@
                     <a:p>
                       <a:pPr marL="0" algn="l" defTabSz="914400" rtl="0" eaLnBrk="1" latinLnBrk="0" hangingPunct="1"/>
                       <a:r>
-                        <a:rPr lang="en-US" sz="1800" kern="1200" dirty="0" smtClean="0">
+                        <a:rPr lang="en-US" sz="1800" kern="1200" dirty="0">
                           <a:solidFill>
                             <a:schemeClr val="dk1"/>
                           </a:solidFill>
@@ -6021,14 +5940,6 @@
                         </a:rPr>
                         <a:t>Position</a:t>
                       </a:r>
-                      <a:endParaRPr lang="en-US" sz="1800" kern="1200" dirty="0">
-                        <a:solidFill>
-                          <a:schemeClr val="dk1"/>
-                        </a:solidFill>
-                        <a:latin typeface="+mn-lt"/>
-                        <a:ea typeface="+mn-ea"/>
-                        <a:cs typeface="+mn-cs"/>
-                      </a:endParaRPr>
                     </a:p>
                   </a:txBody>
                   <a:tcPr>
@@ -6091,7 +6002,7 @@
                     <a:p>
                       <a:pPr marL="0" algn="l" defTabSz="914400" rtl="0" eaLnBrk="1" latinLnBrk="0" hangingPunct="1"/>
                       <a:r>
-                        <a:rPr lang="en-US" sz="1800" kern="1200" dirty="0" smtClean="0">
+                        <a:rPr lang="en-US" sz="1800" kern="1200" dirty="0">
                           <a:solidFill>
                             <a:schemeClr val="dk1"/>
                           </a:solidFill>
@@ -6101,14 +6012,6 @@
                         </a:rPr>
                         <a:t>Target</a:t>
                       </a:r>
-                      <a:endParaRPr lang="en-US" sz="1800" kern="1200" dirty="0">
-                        <a:solidFill>
-                          <a:schemeClr val="dk1"/>
-                        </a:solidFill>
-                        <a:latin typeface="+mn-lt"/>
-                        <a:ea typeface="+mn-ea"/>
-                        <a:cs typeface="+mn-cs"/>
-                      </a:endParaRPr>
                     </a:p>
                   </a:txBody>
                   <a:tcPr>
@@ -6171,7 +6074,7 @@
                     <a:p>
                       <a:pPr marL="0" algn="l" defTabSz="914400" rtl="0" eaLnBrk="1" latinLnBrk="0" hangingPunct="1"/>
                       <a:r>
-                        <a:rPr lang="en-US" sz="1800" kern="1200" dirty="0" smtClean="0">
+                        <a:rPr lang="en-US" sz="1800" kern="1200" dirty="0">
                           <a:solidFill>
                             <a:schemeClr val="dk1"/>
                           </a:solidFill>
@@ -6181,14 +6084,6 @@
                         </a:rPr>
                         <a:t>StepCount</a:t>
                       </a:r>
-                      <a:endParaRPr lang="en-US" sz="1800" kern="1200" dirty="0">
-                        <a:solidFill>
-                          <a:schemeClr val="dk1"/>
-                        </a:solidFill>
-                        <a:latin typeface="+mn-lt"/>
-                        <a:ea typeface="+mn-ea"/>
-                        <a:cs typeface="+mn-cs"/>
-                      </a:endParaRPr>
                     </a:p>
                   </a:txBody>
                   <a:tcPr>
@@ -6244,6 +6139,11 @@
                     </a:solidFill>
                   </a:tcPr>
                 </a:tc>
+                <a:extLst>
+                  <a:ext uri="{0D108BD9-81ED-4DB2-BD59-A6C34878D82A}">
+                    <a16:rowId xmlns:a16="http://schemas.microsoft.com/office/drawing/2014/main" val="10002"/>
+                  </a:ext>
+                </a:extLst>
               </a:tr>
               <a:tr h="370840">
                 <a:tc>
@@ -6252,10 +6152,9 @@
                     <a:lstStyle/>
                     <a:p>
                       <a:r>
-                        <a:rPr lang="en-US" dirty="0" smtClean="0"/>
+                        <a:rPr lang="en-US" dirty="0"/>
                         <a:t>8bytes</a:t>
                       </a:r>
-                      <a:endParaRPr lang="en-US" dirty="0"/>
                     </a:p>
                   </a:txBody>
                   <a:tcPr>
@@ -6316,10 +6215,9 @@
                     <a:lstStyle/>
                     <a:p>
                       <a:r>
-                        <a:rPr lang="en-US" dirty="0" smtClean="0"/>
+                        <a:rPr lang="en-US" dirty="0"/>
                         <a:t>8bytes</a:t>
                       </a:r>
-                      <a:endParaRPr lang="en-US" dirty="0"/>
                     </a:p>
                   </a:txBody>
                   <a:tcPr>
@@ -6380,10 +6278,9 @@
                     <a:lstStyle/>
                     <a:p>
                       <a:r>
-                        <a:rPr lang="en-US" dirty="0" smtClean="0"/>
+                        <a:rPr lang="en-US" dirty="0"/>
                         <a:t>4bytes</a:t>
                       </a:r>
-                      <a:endParaRPr lang="en-US" dirty="0"/>
                     </a:p>
                   </a:txBody>
                   <a:tcPr>
@@ -6438,6 +6335,11 @@
                     </a:solidFill>
                   </a:tcPr>
                 </a:tc>
+                <a:extLst>
+                  <a:ext uri="{0D108BD9-81ED-4DB2-BD59-A6C34878D82A}">
+                    <a16:rowId xmlns:a16="http://schemas.microsoft.com/office/drawing/2014/main" val="10003"/>
+                  </a:ext>
+                </a:extLst>
               </a:tr>
             </a:tbl>
           </a:graphicData>
@@ -6468,9 +6370,27 @@
                 <a:tableStyleId>{5C22544A-7EE6-4342-B048-85BDC9FD1C3A}</a:tableStyleId>
               </a:tblPr>
               <a:tblGrid>
-                <a:gridCol w="1162756"/>
-                <a:gridCol w="1162756"/>
-                <a:gridCol w="1162756"/>
+                <a:gridCol w="1162756">
+                  <a:extLst>
+                    <a:ext uri="{9D8B030D-6E8A-4147-A177-3AD203B41FA5}">
+                      <a16:colId xmlns:a16="http://schemas.microsoft.com/office/drawing/2014/main" val="20000"/>
+                    </a:ext>
+                  </a:extLst>
+                </a:gridCol>
+                <a:gridCol w="1162756">
+                  <a:extLst>
+                    <a:ext uri="{9D8B030D-6E8A-4147-A177-3AD203B41FA5}">
+                      <a16:colId xmlns:a16="http://schemas.microsoft.com/office/drawing/2014/main" val="20001"/>
+                    </a:ext>
+                  </a:extLst>
+                </a:gridCol>
+                <a:gridCol w="1162756">
+                  <a:extLst>
+                    <a:ext uri="{9D8B030D-6E8A-4147-A177-3AD203B41FA5}">
+                      <a16:colId xmlns:a16="http://schemas.microsoft.com/office/drawing/2014/main" val="20002"/>
+                    </a:ext>
+                  </a:extLst>
+                </a:gridCol>
               </a:tblGrid>
               <a:tr h="370840">
                 <a:tc gridSpan="3">
@@ -6480,18 +6400,13 @@
                     <a:p>
                       <a:pPr algn="ctr"/>
                       <a:r>
-                        <a:rPr lang="en-US" b="0" dirty="0" smtClean="0">
+                        <a:rPr lang="en-US" b="0" dirty="0">
                           <a:solidFill>
                             <a:schemeClr val="bg1"/>
                           </a:solidFill>
                         </a:rPr>
                         <a:t>0x105</a:t>
                       </a:r>
-                      <a:endParaRPr lang="en-US" b="0" dirty="0">
-                        <a:solidFill>
-                          <a:schemeClr val="bg1"/>
-                        </a:solidFill>
-                      </a:endParaRPr>
                     </a:p>
                   </a:txBody>
                   <a:tcPr>
@@ -6566,6 +6481,11 @@
                   </a:txBody>
                   <a:tcPr/>
                 </a:tc>
+                <a:extLst>
+                  <a:ext uri="{0D108BD9-81ED-4DB2-BD59-A6C34878D82A}">
+                    <a16:rowId xmlns:a16="http://schemas.microsoft.com/office/drawing/2014/main" val="10000"/>
+                  </a:ext>
+                </a:extLst>
               </a:tr>
               <a:tr h="370840">
                 <a:tc gridSpan="3">
@@ -6575,18 +6495,13 @@
                     <a:p>
                       <a:pPr algn="ctr"/>
                       <a:r>
-                        <a:rPr lang="en-US" b="0" dirty="0" smtClean="0">
+                        <a:rPr lang="en-US" b="0" dirty="0">
                           <a:solidFill>
                             <a:schemeClr val="bg1"/>
                           </a:solidFill>
                         </a:rPr>
                         <a:t>Ant 2</a:t>
                       </a:r>
-                      <a:endParaRPr lang="en-US" b="0" dirty="0">
-                        <a:solidFill>
-                          <a:schemeClr val="bg1"/>
-                        </a:solidFill>
-                      </a:endParaRPr>
                     </a:p>
                   </a:txBody>
                   <a:tcPr>
@@ -6761,6 +6676,11 @@
                     </a:solidFill>
                   </a:tcPr>
                 </a:tc>
+                <a:extLst>
+                  <a:ext uri="{0D108BD9-81ED-4DB2-BD59-A6C34878D82A}">
+                    <a16:rowId xmlns:a16="http://schemas.microsoft.com/office/drawing/2014/main" val="10001"/>
+                  </a:ext>
+                </a:extLst>
               </a:tr>
               <a:tr h="370840">
                 <a:tc>
@@ -6770,7 +6690,7 @@
                     <a:p>
                       <a:pPr marL="0" algn="l" defTabSz="914400" rtl="0" eaLnBrk="1" latinLnBrk="0" hangingPunct="1"/>
                       <a:r>
-                        <a:rPr lang="en-US" sz="1800" kern="1200" dirty="0" smtClean="0">
+                        <a:rPr lang="en-US" sz="1800" kern="1200" dirty="0">
                           <a:solidFill>
                             <a:schemeClr val="dk1"/>
                           </a:solidFill>
@@ -6780,14 +6700,6 @@
                         </a:rPr>
                         <a:t>Position</a:t>
                       </a:r>
-                      <a:endParaRPr lang="en-US" sz="1800" kern="1200" dirty="0">
-                        <a:solidFill>
-                          <a:schemeClr val="dk1"/>
-                        </a:solidFill>
-                        <a:latin typeface="+mn-lt"/>
-                        <a:ea typeface="+mn-ea"/>
-                        <a:cs typeface="+mn-cs"/>
-                      </a:endParaRPr>
                     </a:p>
                   </a:txBody>
                   <a:tcPr>
@@ -6850,7 +6762,7 @@
                     <a:p>
                       <a:pPr marL="0" algn="l" defTabSz="914400" rtl="0" eaLnBrk="1" latinLnBrk="0" hangingPunct="1"/>
                       <a:r>
-                        <a:rPr lang="en-US" sz="1800" kern="1200" dirty="0" smtClean="0">
+                        <a:rPr lang="en-US" sz="1800" kern="1200" dirty="0">
                           <a:solidFill>
                             <a:schemeClr val="dk1"/>
                           </a:solidFill>
@@ -6860,14 +6772,6 @@
                         </a:rPr>
                         <a:t>Target</a:t>
                       </a:r>
-                      <a:endParaRPr lang="en-US" sz="1800" kern="1200" dirty="0">
-                        <a:solidFill>
-                          <a:schemeClr val="dk1"/>
-                        </a:solidFill>
-                        <a:latin typeface="+mn-lt"/>
-                        <a:ea typeface="+mn-ea"/>
-                        <a:cs typeface="+mn-cs"/>
-                      </a:endParaRPr>
                     </a:p>
                   </a:txBody>
                   <a:tcPr>
@@ -6930,7 +6834,7 @@
                     <a:p>
                       <a:pPr marL="0" algn="l" defTabSz="914400" rtl="0" eaLnBrk="1" latinLnBrk="0" hangingPunct="1"/>
                       <a:r>
-                        <a:rPr lang="en-US" sz="1800" kern="1200" dirty="0" smtClean="0">
+                        <a:rPr lang="en-US" sz="1800" kern="1200" dirty="0">
                           <a:solidFill>
                             <a:schemeClr val="dk1"/>
                           </a:solidFill>
@@ -6940,14 +6844,6 @@
                         </a:rPr>
                         <a:t>StepCount</a:t>
                       </a:r>
-                      <a:endParaRPr lang="en-US" sz="1800" kern="1200" dirty="0">
-                        <a:solidFill>
-                          <a:schemeClr val="dk1"/>
-                        </a:solidFill>
-                        <a:latin typeface="+mn-lt"/>
-                        <a:ea typeface="+mn-ea"/>
-                        <a:cs typeface="+mn-cs"/>
-                      </a:endParaRPr>
                     </a:p>
                   </a:txBody>
                   <a:tcPr>
@@ -7003,6 +6899,11 @@
                     </a:solidFill>
                   </a:tcPr>
                 </a:tc>
+                <a:extLst>
+                  <a:ext uri="{0D108BD9-81ED-4DB2-BD59-A6C34878D82A}">
+                    <a16:rowId xmlns:a16="http://schemas.microsoft.com/office/drawing/2014/main" val="10002"/>
+                  </a:ext>
+                </a:extLst>
               </a:tr>
               <a:tr h="370840">
                 <a:tc>
@@ -7011,10 +6912,9 @@
                     <a:lstStyle/>
                     <a:p>
                       <a:r>
-                        <a:rPr lang="en-US" dirty="0" smtClean="0"/>
+                        <a:rPr lang="en-US" dirty="0"/>
                         <a:t>8bytes</a:t>
                       </a:r>
-                      <a:endParaRPr lang="en-US" dirty="0"/>
                     </a:p>
                   </a:txBody>
                   <a:tcPr>
@@ -7075,10 +6975,9 @@
                     <a:lstStyle/>
                     <a:p>
                       <a:r>
-                        <a:rPr lang="en-US" dirty="0" smtClean="0"/>
+                        <a:rPr lang="en-US" dirty="0"/>
                         <a:t>8bytes</a:t>
                       </a:r>
-                      <a:endParaRPr lang="en-US" dirty="0"/>
                     </a:p>
                   </a:txBody>
                   <a:tcPr>
@@ -7139,10 +7038,9 @@
                     <a:lstStyle/>
                     <a:p>
                       <a:r>
-                        <a:rPr lang="en-US" dirty="0" smtClean="0"/>
+                        <a:rPr lang="en-US" dirty="0"/>
                         <a:t>4bytes</a:t>
                       </a:r>
-                      <a:endParaRPr lang="en-US" dirty="0"/>
                     </a:p>
                   </a:txBody>
                   <a:tcPr>
@@ -7197,6 +7095,11 @@
                     </a:solidFill>
                   </a:tcPr>
                 </a:tc>
+                <a:extLst>
+                  <a:ext uri="{0D108BD9-81ED-4DB2-BD59-A6C34878D82A}">
+                    <a16:rowId xmlns:a16="http://schemas.microsoft.com/office/drawing/2014/main" val="10003"/>
+                  </a:ext>
+                </a:extLst>
               </a:tr>
             </a:tbl>
           </a:graphicData>
@@ -7227,9 +7130,27 @@
                 <a:tableStyleId>{5C22544A-7EE6-4342-B048-85BDC9FD1C3A}</a:tableStyleId>
               </a:tblPr>
               <a:tblGrid>
-                <a:gridCol w="1162756"/>
-                <a:gridCol w="1162756"/>
-                <a:gridCol w="1162756"/>
+                <a:gridCol w="1162756">
+                  <a:extLst>
+                    <a:ext uri="{9D8B030D-6E8A-4147-A177-3AD203B41FA5}">
+                      <a16:colId xmlns:a16="http://schemas.microsoft.com/office/drawing/2014/main" val="20000"/>
+                    </a:ext>
+                  </a:extLst>
+                </a:gridCol>
+                <a:gridCol w="1162756">
+                  <a:extLst>
+                    <a:ext uri="{9D8B030D-6E8A-4147-A177-3AD203B41FA5}">
+                      <a16:colId xmlns:a16="http://schemas.microsoft.com/office/drawing/2014/main" val="20001"/>
+                    </a:ext>
+                  </a:extLst>
+                </a:gridCol>
+                <a:gridCol w="1162756">
+                  <a:extLst>
+                    <a:ext uri="{9D8B030D-6E8A-4147-A177-3AD203B41FA5}">
+                      <a16:colId xmlns:a16="http://schemas.microsoft.com/office/drawing/2014/main" val="20002"/>
+                    </a:ext>
+                  </a:extLst>
+                </a:gridCol>
               </a:tblGrid>
               <a:tr h="370840">
                 <a:tc gridSpan="3">
@@ -7239,18 +7160,13 @@
                     <a:p>
                       <a:pPr algn="ctr"/>
                       <a:r>
-                        <a:rPr lang="en-US" b="0" dirty="0" smtClean="0">
+                        <a:rPr lang="en-US" b="0" dirty="0">
                           <a:solidFill>
                             <a:schemeClr val="bg1"/>
                           </a:solidFill>
                         </a:rPr>
                         <a:t>0x...n</a:t>
                       </a:r>
-                      <a:endParaRPr lang="en-US" b="0" dirty="0">
-                        <a:solidFill>
-                          <a:schemeClr val="bg1"/>
-                        </a:solidFill>
-                      </a:endParaRPr>
                     </a:p>
                   </a:txBody>
                   <a:tcPr>
@@ -7325,6 +7241,11 @@
                   </a:txBody>
                   <a:tcPr/>
                 </a:tc>
+                <a:extLst>
+                  <a:ext uri="{0D108BD9-81ED-4DB2-BD59-A6C34878D82A}">
+                    <a16:rowId xmlns:a16="http://schemas.microsoft.com/office/drawing/2014/main" val="10000"/>
+                  </a:ext>
+                </a:extLst>
               </a:tr>
               <a:tr h="370840">
                 <a:tc gridSpan="3">
@@ -7334,7 +7255,7 @@
                     <a:p>
                       <a:pPr algn="ctr"/>
                       <a:r>
-                        <a:rPr lang="en-US" b="0" dirty="0" smtClean="0">
+                        <a:rPr lang="en-US" b="0" dirty="0">
                           <a:solidFill>
                             <a:schemeClr val="bg1"/>
                           </a:solidFill>
@@ -7515,6 +7436,11 @@
                     </a:solidFill>
                   </a:tcPr>
                 </a:tc>
+                <a:extLst>
+                  <a:ext uri="{0D108BD9-81ED-4DB2-BD59-A6C34878D82A}">
+                    <a16:rowId xmlns:a16="http://schemas.microsoft.com/office/drawing/2014/main" val="10001"/>
+                  </a:ext>
+                </a:extLst>
               </a:tr>
               <a:tr h="370840">
                 <a:tc>
@@ -7524,7 +7450,7 @@
                     <a:p>
                       <a:pPr marL="0" algn="l" defTabSz="914400" rtl="0" eaLnBrk="1" latinLnBrk="0" hangingPunct="1"/>
                       <a:r>
-                        <a:rPr lang="en-US" sz="1800" kern="1200" dirty="0" smtClean="0">
+                        <a:rPr lang="en-US" sz="1800" kern="1200" dirty="0">
                           <a:solidFill>
                             <a:schemeClr val="dk1"/>
                           </a:solidFill>
@@ -7534,14 +7460,6 @@
                         </a:rPr>
                         <a:t>Position</a:t>
                       </a:r>
-                      <a:endParaRPr lang="en-US" sz="1800" kern="1200" dirty="0">
-                        <a:solidFill>
-                          <a:schemeClr val="dk1"/>
-                        </a:solidFill>
-                        <a:latin typeface="+mn-lt"/>
-                        <a:ea typeface="+mn-ea"/>
-                        <a:cs typeface="+mn-cs"/>
-                      </a:endParaRPr>
                     </a:p>
                   </a:txBody>
                   <a:tcPr>
@@ -7604,7 +7522,7 @@
                     <a:p>
                       <a:pPr marL="0" algn="l" defTabSz="914400" rtl="0" eaLnBrk="1" latinLnBrk="0" hangingPunct="1"/>
                       <a:r>
-                        <a:rPr lang="en-US" sz="1800" kern="1200" dirty="0" smtClean="0">
+                        <a:rPr lang="en-US" sz="1800" kern="1200" dirty="0">
                           <a:solidFill>
                             <a:schemeClr val="dk1"/>
                           </a:solidFill>
@@ -7614,14 +7532,6 @@
                         </a:rPr>
                         <a:t>Target</a:t>
                       </a:r>
-                      <a:endParaRPr lang="en-US" sz="1800" kern="1200" dirty="0">
-                        <a:solidFill>
-                          <a:schemeClr val="dk1"/>
-                        </a:solidFill>
-                        <a:latin typeface="+mn-lt"/>
-                        <a:ea typeface="+mn-ea"/>
-                        <a:cs typeface="+mn-cs"/>
-                      </a:endParaRPr>
                     </a:p>
                   </a:txBody>
                   <a:tcPr>
@@ -7684,7 +7594,7 @@
                     <a:p>
                       <a:pPr marL="0" algn="l" defTabSz="914400" rtl="0" eaLnBrk="1" latinLnBrk="0" hangingPunct="1"/>
                       <a:r>
-                        <a:rPr lang="en-US" sz="1800" kern="1200" dirty="0" smtClean="0">
+                        <a:rPr lang="en-US" sz="1800" kern="1200" dirty="0">
                           <a:solidFill>
                             <a:schemeClr val="dk1"/>
                           </a:solidFill>
@@ -7694,14 +7604,6 @@
                         </a:rPr>
                         <a:t>StepCount</a:t>
                       </a:r>
-                      <a:endParaRPr lang="en-US" sz="1800" kern="1200" dirty="0">
-                        <a:solidFill>
-                          <a:schemeClr val="dk1"/>
-                        </a:solidFill>
-                        <a:latin typeface="+mn-lt"/>
-                        <a:ea typeface="+mn-ea"/>
-                        <a:cs typeface="+mn-cs"/>
-                      </a:endParaRPr>
                     </a:p>
                   </a:txBody>
                   <a:tcPr>
@@ -7757,6 +7659,11 @@
                     </a:solidFill>
                   </a:tcPr>
                 </a:tc>
+                <a:extLst>
+                  <a:ext uri="{0D108BD9-81ED-4DB2-BD59-A6C34878D82A}">
+                    <a16:rowId xmlns:a16="http://schemas.microsoft.com/office/drawing/2014/main" val="10002"/>
+                  </a:ext>
+                </a:extLst>
               </a:tr>
               <a:tr h="370840">
                 <a:tc>
@@ -7765,10 +7672,9 @@
                     <a:lstStyle/>
                     <a:p>
                       <a:r>
-                        <a:rPr lang="en-US" dirty="0" smtClean="0"/>
+                        <a:rPr lang="en-US" dirty="0"/>
                         <a:t>8bytes</a:t>
                       </a:r>
-                      <a:endParaRPr lang="en-US" dirty="0"/>
                     </a:p>
                   </a:txBody>
                   <a:tcPr>
@@ -7829,10 +7735,9 @@
                     <a:lstStyle/>
                     <a:p>
                       <a:r>
-                        <a:rPr lang="en-US" dirty="0" smtClean="0"/>
+                        <a:rPr lang="en-US" dirty="0"/>
                         <a:t>8bytes</a:t>
                       </a:r>
-                      <a:endParaRPr lang="en-US" dirty="0"/>
                     </a:p>
                   </a:txBody>
                   <a:tcPr>
@@ -7893,10 +7798,9 @@
                     <a:lstStyle/>
                     <a:p>
                       <a:r>
-                        <a:rPr lang="en-US" dirty="0" smtClean="0"/>
+                        <a:rPr lang="en-US" dirty="0"/>
                         <a:t>4bytes</a:t>
                       </a:r>
-                      <a:endParaRPr lang="en-US" dirty="0"/>
                     </a:p>
                   </a:txBody>
                   <a:tcPr>
@@ -7951,6 +7855,11 @@
                     </a:solidFill>
                   </a:tcPr>
                 </a:tc>
+                <a:extLst>
+                  <a:ext uri="{0D108BD9-81ED-4DB2-BD59-A6C34878D82A}">
+                    <a16:rowId xmlns:a16="http://schemas.microsoft.com/office/drawing/2014/main" val="10003"/>
+                  </a:ext>
+                </a:extLst>
               </a:tr>
             </a:tbl>
           </a:graphicData>
@@ -8081,10 +7990,9 @@
           <a:lstStyle/>
           <a:p>
             <a:r>
-              <a:rPr lang="en-US" dirty="0" smtClean="0"/>
+              <a:rPr lang="en-US" dirty="0"/>
               <a:t>Let’s see the impl.</a:t>
             </a:r>
-            <a:endParaRPr lang="en-US" dirty="0"/>
           </a:p>
         </p:txBody>
       </p:sp>
@@ -8104,7 +8012,7 @@
           <a:lstStyle/>
           <a:p>
             <a:r>
-              <a:rPr lang="en-US" dirty="0" smtClean="0"/>
+              <a:rPr lang="en-US" dirty="0"/>
               <a:t>How long should it take?</a:t>
             </a:r>
           </a:p>
@@ -8162,10 +8070,9 @@
           <a:lstStyle/>
           <a:p>
             <a:r>
-              <a:rPr lang="en-US" dirty="0" smtClean="0"/>
+              <a:rPr lang="en-US" dirty="0"/>
               <a:t>Optimize</a:t>
             </a:r>
-            <a:endParaRPr lang="en-US" dirty="0"/>
           </a:p>
         </p:txBody>
       </p:sp>
@@ -8188,11 +8095,7 @@
           <a:p>
             <a:r>
               <a:rPr lang="en-US" dirty="0"/>
-              <a:t>Are we happy</a:t>
-            </a:r>
-            <a:r>
-              <a:rPr lang="en-US" dirty="0" smtClean="0"/>
-              <a:t>?</a:t>
+              <a:t>Are we happy?</a:t>
             </a:r>
           </a:p>
           <a:p>
@@ -8228,15 +8131,69 @@
                 <a:tableStyleId>{5C22544A-7EE6-4342-B048-85BDC9FD1C3A}</a:tableStyleId>
               </a:tblPr>
               <a:tblGrid>
-                <a:gridCol w="1162756"/>
-                <a:gridCol w="1162756"/>
-                <a:gridCol w="1162756"/>
-                <a:gridCol w="1162756"/>
-                <a:gridCol w="1162756"/>
-                <a:gridCol w="1162756"/>
-                <a:gridCol w="1162756"/>
-                <a:gridCol w="1162756"/>
-                <a:gridCol w="1162756"/>
+                <a:gridCol w="1162756">
+                  <a:extLst>
+                    <a:ext uri="{9D8B030D-6E8A-4147-A177-3AD203B41FA5}">
+                      <a16:colId xmlns:a16="http://schemas.microsoft.com/office/drawing/2014/main" val="20000"/>
+                    </a:ext>
+                  </a:extLst>
+                </a:gridCol>
+                <a:gridCol w="1162756">
+                  <a:extLst>
+                    <a:ext uri="{9D8B030D-6E8A-4147-A177-3AD203B41FA5}">
+                      <a16:colId xmlns:a16="http://schemas.microsoft.com/office/drawing/2014/main" val="20001"/>
+                    </a:ext>
+                  </a:extLst>
+                </a:gridCol>
+                <a:gridCol w="1162756">
+                  <a:extLst>
+                    <a:ext uri="{9D8B030D-6E8A-4147-A177-3AD203B41FA5}">
+                      <a16:colId xmlns:a16="http://schemas.microsoft.com/office/drawing/2014/main" val="20002"/>
+                    </a:ext>
+                  </a:extLst>
+                </a:gridCol>
+                <a:gridCol w="1162756">
+                  <a:extLst>
+                    <a:ext uri="{9D8B030D-6E8A-4147-A177-3AD203B41FA5}">
+                      <a16:colId xmlns:a16="http://schemas.microsoft.com/office/drawing/2014/main" val="20003"/>
+                    </a:ext>
+                  </a:extLst>
+                </a:gridCol>
+                <a:gridCol w="1162756">
+                  <a:extLst>
+                    <a:ext uri="{9D8B030D-6E8A-4147-A177-3AD203B41FA5}">
+                      <a16:colId xmlns:a16="http://schemas.microsoft.com/office/drawing/2014/main" val="20004"/>
+                    </a:ext>
+                  </a:extLst>
+                </a:gridCol>
+                <a:gridCol w="1162756">
+                  <a:extLst>
+                    <a:ext uri="{9D8B030D-6E8A-4147-A177-3AD203B41FA5}">
+                      <a16:colId xmlns:a16="http://schemas.microsoft.com/office/drawing/2014/main" val="20005"/>
+                    </a:ext>
+                  </a:extLst>
+                </a:gridCol>
+                <a:gridCol w="1162756">
+                  <a:extLst>
+                    <a:ext uri="{9D8B030D-6E8A-4147-A177-3AD203B41FA5}">
+                      <a16:colId xmlns:a16="http://schemas.microsoft.com/office/drawing/2014/main" val="20006"/>
+                    </a:ext>
+                  </a:extLst>
+                </a:gridCol>
+                <a:gridCol w="1162756">
+                  <a:extLst>
+                    <a:ext uri="{9D8B030D-6E8A-4147-A177-3AD203B41FA5}">
+                      <a16:colId xmlns:a16="http://schemas.microsoft.com/office/drawing/2014/main" val="20007"/>
+                    </a:ext>
+                  </a:extLst>
+                </a:gridCol>
+                <a:gridCol w="1162756">
+                  <a:extLst>
+                    <a:ext uri="{9D8B030D-6E8A-4147-A177-3AD203B41FA5}">
+                      <a16:colId xmlns:a16="http://schemas.microsoft.com/office/drawing/2014/main" val="20008"/>
+                    </a:ext>
+                  </a:extLst>
+                </a:gridCol>
               </a:tblGrid>
               <a:tr h="370840">
                 <a:tc gridSpan="3">
@@ -8246,18 +8203,13 @@
                     <a:p>
                       <a:pPr algn="ctr"/>
                       <a:r>
-                        <a:rPr lang="en-US" b="0" dirty="0" smtClean="0">
+                        <a:rPr lang="en-US" b="0" dirty="0">
                           <a:solidFill>
                             <a:schemeClr val="bg1"/>
                           </a:solidFill>
                         </a:rPr>
                         <a:t>0x0</a:t>
                       </a:r>
-                      <a:endParaRPr lang="en-US" b="0" dirty="0">
-                        <a:solidFill>
-                          <a:schemeClr val="bg1"/>
-                        </a:solidFill>
-                      </a:endParaRPr>
                     </a:p>
                   </a:txBody>
                   <a:tcPr>
@@ -8339,7 +8291,7 @@
                     <a:p>
                       <a:pPr algn="ctr"/>
                       <a:r>
-                        <a:rPr lang="en-US" b="0" dirty="0" smtClean="0">
+                        <a:rPr lang="en-US" b="0" dirty="0">
                           <a:solidFill>
                             <a:schemeClr val="bg1"/>
                           </a:solidFill>
@@ -8427,7 +8379,7 @@
                     <a:p>
                       <a:pPr algn="ctr"/>
                       <a:r>
-                        <a:rPr lang="en-US" b="0" dirty="0" smtClean="0">
+                        <a:rPr lang="en-US" b="0" dirty="0">
                           <a:solidFill>
                             <a:schemeClr val="bg1"/>
                           </a:solidFill>
@@ -8435,14 +8387,14 @@
                         <a:t>0x...n</a:t>
                       </a:r>
                       <a:r>
-                        <a:rPr lang="en-US" b="0" baseline="0" dirty="0" smtClean="0">
+                        <a:rPr lang="en-US" b="0" baseline="0" dirty="0">
                           <a:solidFill>
                             <a:schemeClr val="bg1"/>
                           </a:solidFill>
                         </a:rPr>
                         <a:t> x 20</a:t>
                       </a:r>
-                      <a:endParaRPr lang="en-US" b="0" dirty="0" smtClean="0">
+                      <a:endParaRPr lang="en-US" b="0" dirty="0">
                         <a:solidFill>
                           <a:schemeClr val="bg1"/>
                         </a:solidFill>
@@ -8521,6 +8473,11 @@
                   </a:txBody>
                   <a:tcPr/>
                 </a:tc>
+                <a:extLst>
+                  <a:ext uri="{0D108BD9-81ED-4DB2-BD59-A6C34878D82A}">
+                    <a16:rowId xmlns:a16="http://schemas.microsoft.com/office/drawing/2014/main" val="10000"/>
+                  </a:ext>
+                </a:extLst>
               </a:tr>
               <a:tr h="370840">
                 <a:tc gridSpan="3">
@@ -8530,18 +8487,13 @@
                     <a:p>
                       <a:pPr algn="ctr"/>
                       <a:r>
-                        <a:rPr lang="en-US" b="0" dirty="0" smtClean="0">
+                        <a:rPr lang="en-US" b="0" dirty="0">
                           <a:solidFill>
                             <a:schemeClr val="bg1"/>
                           </a:solidFill>
                         </a:rPr>
                         <a:t>Ant 1</a:t>
                       </a:r>
-                      <a:endParaRPr lang="en-US" b="0" dirty="0">
-                        <a:solidFill>
-                          <a:schemeClr val="bg1"/>
-                        </a:solidFill>
-                      </a:endParaRPr>
                     </a:p>
                   </a:txBody>
                   <a:tcPr>
@@ -8723,7 +8675,7 @@
                     <a:p>
                       <a:pPr algn="ctr"/>
                       <a:r>
-                        <a:rPr lang="en-US" b="0" dirty="0" smtClean="0">
+                        <a:rPr lang="en-US" b="0" dirty="0">
                           <a:solidFill>
                             <a:schemeClr val="bg1"/>
                           </a:solidFill>
@@ -8911,7 +8863,7 @@
                     <a:p>
                       <a:pPr algn="ctr"/>
                       <a:r>
-                        <a:rPr lang="en-US" b="0" dirty="0" smtClean="0">
+                        <a:rPr lang="en-US" b="0" dirty="0">
                           <a:solidFill>
                             <a:schemeClr val="bg1"/>
                           </a:solidFill>
@@ -9092,6 +9044,11 @@
                     </a:solidFill>
                   </a:tcPr>
                 </a:tc>
+                <a:extLst>
+                  <a:ext uri="{0D108BD9-81ED-4DB2-BD59-A6C34878D82A}">
+                    <a16:rowId xmlns:a16="http://schemas.microsoft.com/office/drawing/2014/main" val="10001"/>
+                  </a:ext>
+                </a:extLst>
               </a:tr>
               <a:tr h="370840">
                 <a:tc>
@@ -9101,7 +9058,7 @@
                     <a:p>
                       <a:pPr marL="0" algn="l" defTabSz="914400" rtl="0" eaLnBrk="1" latinLnBrk="0" hangingPunct="1"/>
                       <a:r>
-                        <a:rPr lang="en-US" sz="1800" kern="1200" dirty="0" smtClean="0">
+                        <a:rPr lang="en-US" sz="1800" kern="1200" dirty="0">
                           <a:solidFill>
                             <a:schemeClr val="dk1"/>
                           </a:solidFill>
@@ -9111,14 +9068,6 @@
                         </a:rPr>
                         <a:t>Position</a:t>
                       </a:r>
-                      <a:endParaRPr lang="en-US" sz="1800" kern="1200" dirty="0">
-                        <a:solidFill>
-                          <a:schemeClr val="dk1"/>
-                        </a:solidFill>
-                        <a:latin typeface="+mn-lt"/>
-                        <a:ea typeface="+mn-ea"/>
-                        <a:cs typeface="+mn-cs"/>
-                      </a:endParaRPr>
                     </a:p>
                   </a:txBody>
                   <a:tcPr>
@@ -9181,7 +9130,7 @@
                     <a:p>
                       <a:pPr marL="0" algn="l" defTabSz="914400" rtl="0" eaLnBrk="1" latinLnBrk="0" hangingPunct="1"/>
                       <a:r>
-                        <a:rPr lang="en-US" sz="1800" kern="1200" dirty="0" smtClean="0">
+                        <a:rPr lang="en-US" sz="1800" kern="1200" dirty="0">
                           <a:solidFill>
                             <a:schemeClr val="dk1"/>
                           </a:solidFill>
@@ -9191,14 +9140,6 @@
                         </a:rPr>
                         <a:t>Step</a:t>
                       </a:r>
-                      <a:endParaRPr lang="en-US" sz="1800" kern="1200" dirty="0">
-                        <a:solidFill>
-                          <a:schemeClr val="dk1"/>
-                        </a:solidFill>
-                        <a:latin typeface="+mn-lt"/>
-                        <a:ea typeface="+mn-ea"/>
-                        <a:cs typeface="+mn-cs"/>
-                      </a:endParaRPr>
                     </a:p>
                   </a:txBody>
                   <a:tcPr>
@@ -9261,7 +9202,7 @@
                     <a:p>
                       <a:pPr marL="0" algn="l" defTabSz="914400" rtl="0" eaLnBrk="1" latinLnBrk="0" hangingPunct="1"/>
                       <a:r>
-                        <a:rPr lang="en-US" sz="1800" kern="1200" dirty="0" smtClean="0">
+                        <a:rPr lang="en-US" sz="1800" kern="1200" dirty="0">
                           <a:solidFill>
                             <a:schemeClr val="dk1"/>
                           </a:solidFill>
@@ -9271,14 +9212,6 @@
                         </a:rPr>
                         <a:t>StepCount</a:t>
                       </a:r>
-                      <a:endParaRPr lang="en-US" sz="1800" kern="1200" dirty="0">
-                        <a:solidFill>
-                          <a:schemeClr val="dk1"/>
-                        </a:solidFill>
-                        <a:latin typeface="+mn-lt"/>
-                        <a:ea typeface="+mn-ea"/>
-                        <a:cs typeface="+mn-cs"/>
-                      </a:endParaRPr>
                     </a:p>
                   </a:txBody>
                   <a:tcPr>
@@ -9341,7 +9274,7 @@
                     <a:p>
                       <a:pPr marL="0" algn="l" defTabSz="914400" rtl="0" eaLnBrk="1" latinLnBrk="0" hangingPunct="1"/>
                       <a:r>
-                        <a:rPr lang="en-US" sz="1800" kern="1200" dirty="0" smtClean="0">
+                        <a:rPr lang="en-US" sz="1800" kern="1200" dirty="0">
                           <a:solidFill>
                             <a:schemeClr val="dk1"/>
                           </a:solidFill>
@@ -9351,14 +9284,6 @@
                         </a:rPr>
                         <a:t>Position</a:t>
                       </a:r>
-                      <a:endParaRPr lang="en-US" sz="1800" kern="1200" dirty="0">
-                        <a:solidFill>
-                          <a:schemeClr val="dk1"/>
-                        </a:solidFill>
-                        <a:latin typeface="+mn-lt"/>
-                        <a:ea typeface="+mn-ea"/>
-                        <a:cs typeface="+mn-cs"/>
-                      </a:endParaRPr>
                     </a:p>
                   </a:txBody>
                   <a:tcPr>
@@ -9421,7 +9346,7 @@
                     <a:p>
                       <a:pPr marL="0" algn="l" defTabSz="914400" rtl="0" eaLnBrk="1" latinLnBrk="0" hangingPunct="1"/>
                       <a:r>
-                        <a:rPr lang="en-US" sz="1800" kern="1200" dirty="0" smtClean="0">
+                        <a:rPr lang="en-US" sz="1800" kern="1200" dirty="0">
                           <a:solidFill>
                             <a:schemeClr val="dk1"/>
                           </a:solidFill>
@@ -9431,14 +9356,6 @@
                         </a:rPr>
                         <a:t>Step</a:t>
                       </a:r>
-                      <a:endParaRPr lang="en-US" sz="1800" kern="1200" dirty="0">
-                        <a:solidFill>
-                          <a:schemeClr val="dk1"/>
-                        </a:solidFill>
-                        <a:latin typeface="+mn-lt"/>
-                        <a:ea typeface="+mn-ea"/>
-                        <a:cs typeface="+mn-cs"/>
-                      </a:endParaRPr>
                     </a:p>
                   </a:txBody>
                   <a:tcPr>
@@ -9501,7 +9418,7 @@
                     <a:p>
                       <a:pPr marL="0" algn="l" defTabSz="914400" rtl="0" eaLnBrk="1" latinLnBrk="0" hangingPunct="1"/>
                       <a:r>
-                        <a:rPr lang="en-US" sz="1800" kern="1200" dirty="0" smtClean="0">
+                        <a:rPr lang="en-US" sz="1800" kern="1200" dirty="0">
                           <a:solidFill>
                             <a:schemeClr val="dk1"/>
                           </a:solidFill>
@@ -9511,14 +9428,6 @@
                         </a:rPr>
                         <a:t>StepCount</a:t>
                       </a:r>
-                      <a:endParaRPr lang="en-US" sz="1800" kern="1200" dirty="0">
-                        <a:solidFill>
-                          <a:schemeClr val="dk1"/>
-                        </a:solidFill>
-                        <a:latin typeface="+mn-lt"/>
-                        <a:ea typeface="+mn-ea"/>
-                        <a:cs typeface="+mn-cs"/>
-                      </a:endParaRPr>
                     </a:p>
                   </a:txBody>
                   <a:tcPr>
@@ -9580,10 +9489,9 @@
                     <a:lstStyle/>
                     <a:p>
                       <a:r>
-                        <a:rPr lang="en-US" dirty="0" smtClean="0"/>
+                        <a:rPr lang="en-US" dirty="0"/>
                         <a:t>Position</a:t>
                       </a:r>
-                      <a:endParaRPr lang="en-US" dirty="0"/>
                     </a:p>
                   </a:txBody>
                   <a:tcPr>
@@ -9645,7 +9553,7 @@
                     <a:lstStyle/>
                     <a:p>
                       <a:r>
-                        <a:rPr lang="en-US" sz="1800" kern="1200" dirty="0" smtClean="0">
+                        <a:rPr lang="en-US" sz="1800" kern="1200" dirty="0">
                           <a:solidFill>
                             <a:schemeClr val="dk1"/>
                           </a:solidFill>
@@ -9717,10 +9625,9 @@
                     <a:lstStyle/>
                     <a:p>
                       <a:r>
-                        <a:rPr lang="en-US" dirty="0" smtClean="0"/>
+                        <a:rPr lang="en-US" dirty="0"/>
                         <a:t>StepCount</a:t>
                       </a:r>
-                      <a:endParaRPr lang="en-US" dirty="0"/>
                     </a:p>
                   </a:txBody>
                   <a:tcPr>
@@ -9776,6 +9683,11 @@
                     </a:solidFill>
                   </a:tcPr>
                 </a:tc>
+                <a:extLst>
+                  <a:ext uri="{0D108BD9-81ED-4DB2-BD59-A6C34878D82A}">
+                    <a16:rowId xmlns:a16="http://schemas.microsoft.com/office/drawing/2014/main" val="10002"/>
+                  </a:ext>
+                </a:extLst>
               </a:tr>
               <a:tr h="370840">
                 <a:tc>
@@ -9784,10 +9696,9 @@
                     <a:lstStyle/>
                     <a:p>
                       <a:r>
-                        <a:rPr lang="en-US" dirty="0" smtClean="0"/>
+                        <a:rPr lang="en-US" dirty="0"/>
                         <a:t>8bytes</a:t>
                       </a:r>
-                      <a:endParaRPr lang="en-US" dirty="0"/>
                     </a:p>
                   </a:txBody>
                   <a:tcPr>
@@ -9848,10 +9759,9 @@
                     <a:lstStyle/>
                     <a:p>
                       <a:r>
-                        <a:rPr lang="en-US" dirty="0" smtClean="0"/>
+                        <a:rPr lang="en-US" dirty="0"/>
                         <a:t>8bytes</a:t>
                       </a:r>
-                      <a:endParaRPr lang="en-US" dirty="0"/>
                     </a:p>
                   </a:txBody>
                   <a:tcPr>
@@ -9912,7 +9822,7 @@
                     <a:lstStyle/>
                     <a:p>
                       <a:r>
-                        <a:rPr lang="en-US" smtClean="0"/>
+                        <a:rPr lang="en-US"/>
                         <a:t>4bytes</a:t>
                       </a:r>
                       <a:endParaRPr lang="en-US" dirty="0"/>
@@ -9976,7 +9886,7 @@
                     <a:lstStyle/>
                     <a:p>
                       <a:r>
-                        <a:rPr lang="en-US" smtClean="0"/>
+                        <a:rPr lang="en-US"/>
                         <a:t>8bytes</a:t>
                       </a:r>
                       <a:endParaRPr lang="en-US" dirty="0"/>
@@ -10040,10 +9950,9 @@
                     <a:lstStyle/>
                     <a:p>
                       <a:r>
-                        <a:rPr lang="en-US" dirty="0" smtClean="0"/>
+                        <a:rPr lang="en-US" dirty="0"/>
                         <a:t>8bytes</a:t>
                       </a:r>
-                      <a:endParaRPr lang="en-US" dirty="0"/>
                     </a:p>
                   </a:txBody>
                   <a:tcPr>
@@ -10104,10 +10013,9 @@
                     <a:lstStyle/>
                     <a:p>
                       <a:r>
-                        <a:rPr lang="en-US" dirty="0" smtClean="0"/>
+                        <a:rPr lang="en-US" dirty="0"/>
                         <a:t>4bytes</a:t>
                       </a:r>
-                      <a:endParaRPr lang="en-US" dirty="0"/>
                     </a:p>
                   </a:txBody>
                   <a:tcPr>
@@ -10168,7 +10076,7 @@
                     <a:lstStyle/>
                     <a:p>
                       <a:r>
-                        <a:rPr lang="en-US" smtClean="0"/>
+                        <a:rPr lang="en-US"/>
                         <a:t>8bytes</a:t>
                       </a:r>
                       <a:endParaRPr lang="en-US" dirty="0"/>
@@ -10232,10 +10140,9 @@
                     <a:lstStyle/>
                     <a:p>
                       <a:r>
-                        <a:rPr lang="en-US" dirty="0" smtClean="0"/>
+                        <a:rPr lang="en-US" dirty="0"/>
                         <a:t>8bytes</a:t>
                       </a:r>
-                      <a:endParaRPr lang="en-US" dirty="0"/>
                     </a:p>
                   </a:txBody>
                   <a:tcPr>
@@ -10296,10 +10203,9 @@
                     <a:lstStyle/>
                     <a:p>
                       <a:r>
-                        <a:rPr lang="en-US" dirty="0" smtClean="0"/>
+                        <a:rPr lang="en-US" dirty="0"/>
                         <a:t>4bytes</a:t>
                       </a:r>
-                      <a:endParaRPr lang="en-US" dirty="0"/>
                     </a:p>
                   </a:txBody>
                   <a:tcPr>
@@ -10354,6 +10260,11 @@
                     </a:solidFill>
                   </a:tcPr>
                 </a:tc>
+                <a:extLst>
+                  <a:ext uri="{0D108BD9-81ED-4DB2-BD59-A6C34878D82A}">
+                    <a16:rowId xmlns:a16="http://schemas.microsoft.com/office/drawing/2014/main" val="10003"/>
+                  </a:ext>
+                </a:extLst>
               </a:tr>
             </a:tbl>
           </a:graphicData>
@@ -10406,7 +10317,7 @@
           <a:p>
             <a:r>
               <a:rPr lang="en-US" dirty="0"/>
-              <a:t>What's the actual problem?</a:t>
+              <a:t>What’s the actual problem?</a:t>
             </a:r>
           </a:p>
         </p:txBody>
@@ -10436,35 +10347,26 @@
           <a:p>
             <a:r>
               <a:rPr lang="en-US" dirty="0"/>
-              <a:t>Branch (</a:t>
+              <a:t>Branch (mis)predictions</a:t>
             </a:r>
+          </a:p>
+          <a:p>
             <a:r>
-              <a:rPr lang="en-US" dirty="0" smtClean="0"/>
-              <a:t>mis)predictions</a:t>
-            </a:r>
-          </a:p>
-          <a:p>
-            <a:r>
-              <a:rPr lang="en-US" dirty="0" smtClean="0"/>
+              <a:rPr lang="en-US" dirty="0"/>
               <a:t>Cost of Hitting RAM</a:t>
             </a:r>
           </a:p>
           <a:p>
             <a:r>
-              <a:rPr lang="en-US" dirty="0" smtClean="0"/>
+              <a:rPr lang="en-US" dirty="0"/>
               <a:t>Cache Misses</a:t>
             </a:r>
           </a:p>
           <a:p>
             <a:r>
               <a:rPr lang="en-US" dirty="0"/>
-              <a:t>So </a:t>
+              <a:t>So what we have to do?</a:t>
             </a:r>
-            <a:r>
-              <a:rPr lang="en-US" dirty="0" smtClean="0"/>
-              <a:t>what we have to do?</a:t>
-            </a:r>
-            <a:endParaRPr lang="en-US" dirty="0"/>
           </a:p>
         </p:txBody>
       </p:sp>
@@ -10514,10 +10416,9 @@
           <a:lstStyle/>
           <a:p>
             <a:r>
-              <a:rPr lang="en-US" dirty="0" smtClean="0"/>
+              <a:rPr lang="en-US" dirty="0"/>
               <a:t>Benchmark Memory Access</a:t>
             </a:r>
-            <a:endParaRPr lang="en-US" dirty="0"/>
           </a:p>
         </p:txBody>
       </p:sp>
@@ -10541,15 +10442,7 @@
             </a:pPr>
             <a:r>
               <a:rPr lang="en-US" dirty="0"/>
-              <a:t>ElementSize: </a:t>
-            </a:r>
-            <a:r>
-              <a:rPr lang="en-US" dirty="0" smtClean="0"/>
-              <a:t>4b </a:t>
-            </a:r>
-            <a:r>
-              <a:rPr lang="en-US" dirty="0"/>
-              <a:t>Count: 268435456 Size: 1gb CPU-Freq.:4.23285GHz</a:t>
+              <a:t>ElementSize: 4b Count: 268435456 Size: 1gb CPU-Freq.:4.23285GHz</a:t>
             </a:r>
           </a:p>
           <a:p>
@@ -10563,7 +10456,7 @@
               <a:buNone/>
             </a:pPr>
             <a:r>
-              <a:rPr lang="en-US" dirty="0" smtClean="0"/>
+              <a:rPr lang="en-US" dirty="0"/>
               <a:t>RandomMemoryAccess</a:t>
             </a:r>
           </a:p>
@@ -10572,12 +10465,8 @@
               <a:buNone/>
             </a:pPr>
             <a:r>
-              <a:rPr lang="en-US" dirty="0" smtClean="0"/>
-              <a:t>Cycles</a:t>
-            </a:r>
-            <a:r>
               <a:rPr lang="en-US" dirty="0"/>
-              <a:t>: 10G Time: 2384.97ms Speed: 429.356mb/s</a:t>
+              <a:t>Cycles: 10G Time: 2384.97ms Speed: 429.356mb/s</a:t>
             </a:r>
           </a:p>
           <a:p>
@@ -10591,7 +10480,7 @@
               <a:buNone/>
             </a:pPr>
             <a:r>
-              <a:rPr lang="en-US" dirty="0" smtClean="0"/>
+              <a:rPr lang="en-US" dirty="0"/>
               <a:t>SequentialMemoryAccess</a:t>
             </a:r>
           </a:p>
@@ -10600,12 +10489,8 @@
               <a:buNone/>
             </a:pPr>
             <a:r>
-              <a:rPr lang="en-US" dirty="0" smtClean="0"/>
-              <a:t>Cycles</a:t>
-            </a:r>
-            <a:r>
               <a:rPr lang="en-US" dirty="0"/>
-              <a:t>: 3G Time: 869.802ms Speed: 1177.28mb/s</a:t>
+              <a:t>Cycles: 3G Time: 869.802ms Speed: 1177.28mb/s</a:t>
             </a:r>
           </a:p>
         </p:txBody>
@@ -10656,10 +10541,9 @@
           <a:lstStyle/>
           <a:p>
             <a:r>
-              <a:rPr lang="en-US" dirty="0" smtClean="0"/>
+              <a:rPr lang="en-US" dirty="0"/>
               <a:t>Studing better impl.</a:t>
             </a:r>
-            <a:endParaRPr lang="en-US" dirty="0"/>
           </a:p>
         </p:txBody>
       </p:sp>
@@ -10713,13 +10597,55 @@
                 <a:tableStyleId>{5C22544A-7EE6-4342-B048-85BDC9FD1C3A}</a:tableStyleId>
               </a:tblPr>
               <a:tblGrid>
-                <a:gridCol w="1162756"/>
-                <a:gridCol w="1162756"/>
-                <a:gridCol w="1162756"/>
-                <a:gridCol w="1162756"/>
-                <a:gridCol w="1162756"/>
-                <a:gridCol w="1162756"/>
-                <a:gridCol w="1162756"/>
+                <a:gridCol w="1162756">
+                  <a:extLst>
+                    <a:ext uri="{9D8B030D-6E8A-4147-A177-3AD203B41FA5}">
+                      <a16:colId xmlns:a16="http://schemas.microsoft.com/office/drawing/2014/main" val="20000"/>
+                    </a:ext>
+                  </a:extLst>
+                </a:gridCol>
+                <a:gridCol w="1162756">
+                  <a:extLst>
+                    <a:ext uri="{9D8B030D-6E8A-4147-A177-3AD203B41FA5}">
+                      <a16:colId xmlns:a16="http://schemas.microsoft.com/office/drawing/2014/main" val="20001"/>
+                    </a:ext>
+                  </a:extLst>
+                </a:gridCol>
+                <a:gridCol w="1162756">
+                  <a:extLst>
+                    <a:ext uri="{9D8B030D-6E8A-4147-A177-3AD203B41FA5}">
+                      <a16:colId xmlns:a16="http://schemas.microsoft.com/office/drawing/2014/main" val="20002"/>
+                    </a:ext>
+                  </a:extLst>
+                </a:gridCol>
+                <a:gridCol w="1162756">
+                  <a:extLst>
+                    <a:ext uri="{9D8B030D-6E8A-4147-A177-3AD203B41FA5}">
+                      <a16:colId xmlns:a16="http://schemas.microsoft.com/office/drawing/2014/main" val="20003"/>
+                    </a:ext>
+                  </a:extLst>
+                </a:gridCol>
+                <a:gridCol w="1162756">
+                  <a:extLst>
+                    <a:ext uri="{9D8B030D-6E8A-4147-A177-3AD203B41FA5}">
+                      <a16:colId xmlns:a16="http://schemas.microsoft.com/office/drawing/2014/main" val="20004"/>
+                    </a:ext>
+                  </a:extLst>
+                </a:gridCol>
+                <a:gridCol w="1162756">
+                  <a:extLst>
+                    <a:ext uri="{9D8B030D-6E8A-4147-A177-3AD203B41FA5}">
+                      <a16:colId xmlns:a16="http://schemas.microsoft.com/office/drawing/2014/main" val="20005"/>
+                    </a:ext>
+                  </a:extLst>
+                </a:gridCol>
+                <a:gridCol w="1162756">
+                  <a:extLst>
+                    <a:ext uri="{9D8B030D-6E8A-4147-A177-3AD203B41FA5}">
+                      <a16:colId xmlns:a16="http://schemas.microsoft.com/office/drawing/2014/main" val="20006"/>
+                    </a:ext>
+                  </a:extLst>
+                </a:gridCol>
               </a:tblGrid>
               <a:tr h="370840">
                 <a:tc>
@@ -10728,18 +10654,13 @@
                     <a:lstStyle/>
                     <a:p>
                       <a:r>
-                        <a:rPr lang="en-US" b="0" dirty="0" smtClean="0">
+                        <a:rPr lang="en-US" b="0" dirty="0">
                           <a:solidFill>
                             <a:schemeClr val="bg1"/>
                           </a:solidFill>
                         </a:rPr>
                         <a:t>8bytes</a:t>
                       </a:r>
-                      <a:endParaRPr lang="en-US" b="0" dirty="0">
-                        <a:solidFill>
-                          <a:schemeClr val="bg1"/>
-                        </a:solidFill>
-                      </a:endParaRPr>
                     </a:p>
                   </a:txBody>
                   <a:tcPr>
@@ -10801,7 +10722,7 @@
                     <a:p>
                       <a:pPr marL="0" algn="l" defTabSz="914400" rtl="0" eaLnBrk="1" latinLnBrk="0" hangingPunct="1"/>
                       <a:r>
-                        <a:rPr lang="en-US" sz="1800" b="0" kern="1200" dirty="0" smtClean="0">
+                        <a:rPr lang="en-US" sz="1800" b="0" kern="1200" dirty="0">
                           <a:solidFill>
                             <a:schemeClr val="dk1"/>
                           </a:solidFill>
@@ -10811,14 +10732,6 @@
                         </a:rPr>
                         <a:t>Position</a:t>
                       </a:r>
-                      <a:endParaRPr lang="en-US" sz="1800" b="0" kern="1200" dirty="0">
-                        <a:solidFill>
-                          <a:schemeClr val="dk1"/>
-                        </a:solidFill>
-                        <a:latin typeface="+mn-lt"/>
-                        <a:ea typeface="+mn-ea"/>
-                        <a:cs typeface="+mn-cs"/>
-                      </a:endParaRPr>
                     </a:p>
                   </a:txBody>
                   <a:tcPr>
@@ -10881,7 +10794,7 @@
                     <a:p>
                       <a:pPr marL="0" algn="l" defTabSz="914400" rtl="0" eaLnBrk="1" latinLnBrk="0" hangingPunct="1"/>
                       <a:r>
-                        <a:rPr lang="en-US" sz="1800" b="0" kern="1200" dirty="0" smtClean="0">
+                        <a:rPr lang="en-US" sz="1800" b="0" kern="1200" dirty="0">
                           <a:solidFill>
                             <a:schemeClr val="dk1"/>
                           </a:solidFill>
@@ -10891,14 +10804,6 @@
                         </a:rPr>
                         <a:t>Position</a:t>
                       </a:r>
-                      <a:endParaRPr lang="en-US" sz="1800" b="0" kern="1200" dirty="0">
-                        <a:solidFill>
-                          <a:schemeClr val="dk1"/>
-                        </a:solidFill>
-                        <a:latin typeface="+mn-lt"/>
-                        <a:ea typeface="+mn-ea"/>
-                        <a:cs typeface="+mn-cs"/>
-                      </a:endParaRPr>
                     </a:p>
                   </a:txBody>
                   <a:tcPr>
@@ -10961,7 +10866,7 @@
                     <a:p>
                       <a:pPr marL="0" algn="l" defTabSz="914400" rtl="0" eaLnBrk="1" latinLnBrk="0" hangingPunct="1"/>
                       <a:r>
-                        <a:rPr lang="en-US" sz="1800" b="0" kern="1200" dirty="0" smtClean="0">
+                        <a:rPr lang="en-US" sz="1800" b="0" kern="1200" dirty="0">
                           <a:solidFill>
                             <a:schemeClr val="dk1"/>
                           </a:solidFill>
@@ -10971,14 +10876,6 @@
                         </a:rPr>
                         <a:t>Position</a:t>
                       </a:r>
-                      <a:endParaRPr lang="en-US" sz="1800" b="0" kern="1200" dirty="0">
-                        <a:solidFill>
-                          <a:schemeClr val="dk1"/>
-                        </a:solidFill>
-                        <a:latin typeface="+mn-lt"/>
-                        <a:ea typeface="+mn-ea"/>
-                        <a:cs typeface="+mn-cs"/>
-                      </a:endParaRPr>
                     </a:p>
                   </a:txBody>
                   <a:tcPr>
@@ -11041,7 +10938,7 @@
                     <a:p>
                       <a:pPr marL="0" algn="l" defTabSz="914400" rtl="0" eaLnBrk="1" latinLnBrk="0" hangingPunct="1"/>
                       <a:r>
-                        <a:rPr lang="en-US" sz="1800" b="0" kern="1200" dirty="0" smtClean="0">
+                        <a:rPr lang="en-US" sz="1800" b="0" kern="1200" dirty="0">
                           <a:solidFill>
                             <a:schemeClr val="dk1"/>
                           </a:solidFill>
@@ -11051,14 +10948,6 @@
                         </a:rPr>
                         <a:t>Position</a:t>
                       </a:r>
-                      <a:endParaRPr lang="en-US" sz="1800" b="0" kern="1200" dirty="0">
-                        <a:solidFill>
-                          <a:schemeClr val="dk1"/>
-                        </a:solidFill>
-                        <a:latin typeface="+mn-lt"/>
-                        <a:ea typeface="+mn-ea"/>
-                        <a:cs typeface="+mn-cs"/>
-                      </a:endParaRPr>
                     </a:p>
                   </a:txBody>
                   <a:tcPr>
@@ -11121,7 +11010,7 @@
                     <a:p>
                       <a:pPr marL="0" algn="l" defTabSz="914400" rtl="0" eaLnBrk="1" latinLnBrk="0" hangingPunct="1"/>
                       <a:r>
-                        <a:rPr lang="en-US" sz="1800" b="0" kern="1200" dirty="0" smtClean="0">
+                        <a:rPr lang="en-US" sz="1800" b="0" kern="1200" dirty="0">
                           <a:solidFill>
                             <a:schemeClr val="dk1"/>
                           </a:solidFill>
@@ -11131,14 +11020,6 @@
                         </a:rPr>
                         <a:t>Position</a:t>
                       </a:r>
-                      <a:endParaRPr lang="en-US" sz="1800" b="0" kern="1200" dirty="0">
-                        <a:solidFill>
-                          <a:schemeClr val="dk1"/>
-                        </a:solidFill>
-                        <a:latin typeface="+mn-lt"/>
-                        <a:ea typeface="+mn-ea"/>
-                        <a:cs typeface="+mn-cs"/>
-                      </a:endParaRPr>
                     </a:p>
                   </a:txBody>
                   <a:tcPr>
@@ -11200,7 +11081,7 @@
                     <a:lstStyle/>
                     <a:p>
                       <a:r>
-                        <a:rPr lang="en-US" sz="1800" b="0" kern="1200" dirty="0" smtClean="0">
+                        <a:rPr lang="en-US" sz="1800" b="0" kern="1200" dirty="0">
                           <a:solidFill>
                             <a:schemeClr val="dk1"/>
                           </a:solidFill>
@@ -11266,6 +11147,11 @@
                     </a:solidFill>
                   </a:tcPr>
                 </a:tc>
+                <a:extLst>
+                  <a:ext uri="{0D108BD9-81ED-4DB2-BD59-A6C34878D82A}">
+                    <a16:rowId xmlns:a16="http://schemas.microsoft.com/office/drawing/2014/main" val="10000"/>
+                  </a:ext>
+                </a:extLst>
               </a:tr>
               <a:tr h="370840">
                 <a:tc>
@@ -11274,10 +11160,9 @@
                     <a:lstStyle/>
                     <a:p>
                       <a:r>
-                        <a:rPr lang="en-US" dirty="0" smtClean="0"/>
+                        <a:rPr lang="en-US" dirty="0"/>
                         <a:t>12bytes</a:t>
                       </a:r>
-                      <a:endParaRPr lang="en-US" dirty="0"/>
                     </a:p>
                   </a:txBody>
                   <a:tcPr>
@@ -11338,7 +11223,7 @@
                     <a:lstStyle/>
                     <a:p>
                       <a:r>
-                        <a:rPr lang="en-US" sz="1800" kern="1200" dirty="0" smtClean="0">
+                        <a:rPr lang="en-US" sz="1800" kern="1200" dirty="0">
                           <a:solidFill>
                             <a:schemeClr val="dk1"/>
                           </a:solidFill>
@@ -11410,10 +11295,9 @@
                     <a:lstStyle/>
                     <a:p>
                       <a:r>
-                        <a:rPr lang="en-US" dirty="0" smtClean="0"/>
+                        <a:rPr lang="en-US" dirty="0"/>
                         <a:t>StepCount</a:t>
                       </a:r>
-                      <a:endParaRPr lang="en-US" dirty="0"/>
                     </a:p>
                   </a:txBody>
                   <a:tcPr>
@@ -11475,7 +11359,7 @@
                     <a:lstStyle/>
                     <a:p>
                       <a:r>
-                        <a:rPr lang="en-US" sz="1800" kern="1200" dirty="0" smtClean="0">
+                        <a:rPr lang="en-US" sz="1800" kern="1200" dirty="0">
                           <a:solidFill>
                             <a:schemeClr val="dk1"/>
                           </a:solidFill>
@@ -11547,10 +11431,9 @@
                     <a:lstStyle/>
                     <a:p>
                       <a:r>
-                        <a:rPr lang="en-US" dirty="0" smtClean="0"/>
+                        <a:rPr lang="en-US" dirty="0"/>
                         <a:t>StepCount</a:t>
                       </a:r>
-                      <a:endParaRPr lang="en-US" dirty="0"/>
                     </a:p>
                   </a:txBody>
                   <a:tcPr>
@@ -11612,7 +11495,7 @@
                     <a:lstStyle/>
                     <a:p>
                       <a:r>
-                        <a:rPr lang="en-US" sz="1800" kern="1200" dirty="0" smtClean="0">
+                        <a:rPr lang="en-US" sz="1800" kern="1200" dirty="0">
                           <a:solidFill>
                             <a:schemeClr val="dk1"/>
                           </a:solidFill>
@@ -11684,10 +11567,9 @@
                     <a:lstStyle/>
                     <a:p>
                       <a:r>
-                        <a:rPr lang="en-US" dirty="0" smtClean="0"/>
+                        <a:rPr lang="en-US" dirty="0"/>
                         <a:t>StepCount</a:t>
                       </a:r>
-                      <a:endParaRPr lang="en-US" dirty="0"/>
                     </a:p>
                   </a:txBody>
                   <a:tcPr>
@@ -11743,6 +11625,11 @@
                     </a:solidFill>
                   </a:tcPr>
                 </a:tc>
+                <a:extLst>
+                  <a:ext uri="{0D108BD9-81ED-4DB2-BD59-A6C34878D82A}">
+                    <a16:rowId xmlns:a16="http://schemas.microsoft.com/office/drawing/2014/main" val="10001"/>
+                  </a:ext>
+                </a:extLst>
               </a:tr>
             </a:tbl>
           </a:graphicData>
@@ -11813,15 +11700,69 @@
                 <a:tableStyleId>{5C22544A-7EE6-4342-B048-85BDC9FD1C3A}</a:tableStyleId>
               </a:tblPr>
               <a:tblGrid>
-                <a:gridCol w="1162756"/>
-                <a:gridCol w="1162756"/>
-                <a:gridCol w="1162756"/>
-                <a:gridCol w="1162756"/>
-                <a:gridCol w="1162756"/>
-                <a:gridCol w="1162756"/>
-                <a:gridCol w="1162756"/>
-                <a:gridCol w="1162756"/>
-                <a:gridCol w="1162756"/>
+                <a:gridCol w="1162756">
+                  <a:extLst>
+                    <a:ext uri="{9D8B030D-6E8A-4147-A177-3AD203B41FA5}">
+                      <a16:colId xmlns:a16="http://schemas.microsoft.com/office/drawing/2014/main" val="20000"/>
+                    </a:ext>
+                  </a:extLst>
+                </a:gridCol>
+                <a:gridCol w="1162756">
+                  <a:extLst>
+                    <a:ext uri="{9D8B030D-6E8A-4147-A177-3AD203B41FA5}">
+                      <a16:colId xmlns:a16="http://schemas.microsoft.com/office/drawing/2014/main" val="20001"/>
+                    </a:ext>
+                  </a:extLst>
+                </a:gridCol>
+                <a:gridCol w="1162756">
+                  <a:extLst>
+                    <a:ext uri="{9D8B030D-6E8A-4147-A177-3AD203B41FA5}">
+                      <a16:colId xmlns:a16="http://schemas.microsoft.com/office/drawing/2014/main" val="20002"/>
+                    </a:ext>
+                  </a:extLst>
+                </a:gridCol>
+                <a:gridCol w="1162756">
+                  <a:extLst>
+                    <a:ext uri="{9D8B030D-6E8A-4147-A177-3AD203B41FA5}">
+                      <a16:colId xmlns:a16="http://schemas.microsoft.com/office/drawing/2014/main" val="20003"/>
+                    </a:ext>
+                  </a:extLst>
+                </a:gridCol>
+                <a:gridCol w="1162756">
+                  <a:extLst>
+                    <a:ext uri="{9D8B030D-6E8A-4147-A177-3AD203B41FA5}">
+                      <a16:colId xmlns:a16="http://schemas.microsoft.com/office/drawing/2014/main" val="20004"/>
+                    </a:ext>
+                  </a:extLst>
+                </a:gridCol>
+                <a:gridCol w="1162756">
+                  <a:extLst>
+                    <a:ext uri="{9D8B030D-6E8A-4147-A177-3AD203B41FA5}">
+                      <a16:colId xmlns:a16="http://schemas.microsoft.com/office/drawing/2014/main" val="20005"/>
+                    </a:ext>
+                  </a:extLst>
+                </a:gridCol>
+                <a:gridCol w="1162756">
+                  <a:extLst>
+                    <a:ext uri="{9D8B030D-6E8A-4147-A177-3AD203B41FA5}">
+                      <a16:colId xmlns:a16="http://schemas.microsoft.com/office/drawing/2014/main" val="20006"/>
+                    </a:ext>
+                  </a:extLst>
+                </a:gridCol>
+                <a:gridCol w="1162756">
+                  <a:extLst>
+                    <a:ext uri="{9D8B030D-6E8A-4147-A177-3AD203B41FA5}">
+                      <a16:colId xmlns:a16="http://schemas.microsoft.com/office/drawing/2014/main" val="20007"/>
+                    </a:ext>
+                  </a:extLst>
+                </a:gridCol>
+                <a:gridCol w="1162756">
+                  <a:extLst>
+                    <a:ext uri="{9D8B030D-6E8A-4147-A177-3AD203B41FA5}">
+                      <a16:colId xmlns:a16="http://schemas.microsoft.com/office/drawing/2014/main" val="20008"/>
+                    </a:ext>
+                  </a:extLst>
+                </a:gridCol>
               </a:tblGrid>
               <a:tr h="370840">
                 <a:tc gridSpan="3">
@@ -11831,18 +11772,13 @@
                     <a:p>
                       <a:pPr algn="ctr"/>
                       <a:r>
-                        <a:rPr lang="en-US" b="0" dirty="0" smtClean="0">
+                        <a:rPr lang="en-US" b="0" dirty="0">
                           <a:solidFill>
                             <a:schemeClr val="bg1"/>
                           </a:solidFill>
                         </a:rPr>
                         <a:t>0x0</a:t>
                       </a:r>
-                      <a:endParaRPr lang="en-US" b="0" dirty="0">
-                        <a:solidFill>
-                          <a:schemeClr val="bg1"/>
-                        </a:solidFill>
-                      </a:endParaRPr>
                     </a:p>
                   </a:txBody>
                   <a:tcPr>
@@ -11924,7 +11860,7 @@
                     <a:p>
                       <a:pPr algn="ctr"/>
                       <a:r>
-                        <a:rPr lang="en-US" b="0" dirty="0" smtClean="0">
+                        <a:rPr lang="en-US" b="0" dirty="0">
                           <a:solidFill>
                             <a:schemeClr val="bg1"/>
                           </a:solidFill>
@@ -12012,7 +11948,7 @@
                     <a:p>
                       <a:pPr algn="ctr"/>
                       <a:r>
-                        <a:rPr lang="en-US" b="0" dirty="0" smtClean="0">
+                        <a:rPr lang="en-US" b="0" dirty="0">
                           <a:solidFill>
                             <a:schemeClr val="bg1"/>
                           </a:solidFill>
@@ -12020,14 +11956,14 @@
                         <a:t>0x...n</a:t>
                       </a:r>
                       <a:r>
-                        <a:rPr lang="en-US" b="0" baseline="0" dirty="0" smtClean="0">
+                        <a:rPr lang="en-US" b="0" baseline="0" dirty="0">
                           <a:solidFill>
                             <a:schemeClr val="bg1"/>
                           </a:solidFill>
                         </a:rPr>
                         <a:t> x 20</a:t>
                       </a:r>
-                      <a:endParaRPr lang="en-US" b="0" dirty="0" smtClean="0">
+                      <a:endParaRPr lang="en-US" b="0" dirty="0">
                         <a:solidFill>
                           <a:schemeClr val="bg1"/>
                         </a:solidFill>
@@ -12106,6 +12042,11 @@
                   </a:txBody>
                   <a:tcPr/>
                 </a:tc>
+                <a:extLst>
+                  <a:ext uri="{0D108BD9-81ED-4DB2-BD59-A6C34878D82A}">
+                    <a16:rowId xmlns:a16="http://schemas.microsoft.com/office/drawing/2014/main" val="10000"/>
+                  </a:ext>
+                </a:extLst>
               </a:tr>
               <a:tr h="370840">
                 <a:tc gridSpan="3">
@@ -12115,18 +12056,13 @@
                     <a:p>
                       <a:pPr algn="ctr"/>
                       <a:r>
-                        <a:rPr lang="en-US" b="0" dirty="0" smtClean="0">
+                        <a:rPr lang="en-US" b="0" dirty="0">
                           <a:solidFill>
                             <a:schemeClr val="bg1"/>
                           </a:solidFill>
                         </a:rPr>
                         <a:t>Ant 1</a:t>
                       </a:r>
-                      <a:endParaRPr lang="en-US" b="0" dirty="0">
-                        <a:solidFill>
-                          <a:schemeClr val="bg1"/>
-                        </a:solidFill>
-                      </a:endParaRPr>
                     </a:p>
                   </a:txBody>
                   <a:tcPr>
@@ -12308,7 +12244,7 @@
                     <a:p>
                       <a:pPr algn="ctr"/>
                       <a:r>
-                        <a:rPr lang="en-US" b="0" dirty="0" smtClean="0">
+                        <a:rPr lang="en-US" b="0" dirty="0">
                           <a:solidFill>
                             <a:schemeClr val="bg1"/>
                           </a:solidFill>
@@ -12496,7 +12432,7 @@
                     <a:p>
                       <a:pPr algn="ctr"/>
                       <a:r>
-                        <a:rPr lang="en-US" b="0" dirty="0" smtClean="0">
+                        <a:rPr lang="en-US" b="0" dirty="0">
                           <a:solidFill>
                             <a:schemeClr val="bg1"/>
                           </a:solidFill>
@@ -12677,6 +12613,11 @@
                     </a:solidFill>
                   </a:tcPr>
                 </a:tc>
+                <a:extLst>
+                  <a:ext uri="{0D108BD9-81ED-4DB2-BD59-A6C34878D82A}">
+                    <a16:rowId xmlns:a16="http://schemas.microsoft.com/office/drawing/2014/main" val="10001"/>
+                  </a:ext>
+                </a:extLst>
               </a:tr>
               <a:tr h="370840">
                 <a:tc>
@@ -12686,7 +12627,7 @@
                     <a:p>
                       <a:pPr marL="0" algn="l" defTabSz="914400" rtl="0" eaLnBrk="1" latinLnBrk="0" hangingPunct="1"/>
                       <a:r>
-                        <a:rPr lang="en-US" sz="1800" kern="1200" dirty="0" smtClean="0">
+                        <a:rPr lang="en-US" sz="1800" kern="1200" dirty="0">
                           <a:solidFill>
                             <a:schemeClr val="dk1"/>
                           </a:solidFill>
@@ -12696,14 +12637,6 @@
                         </a:rPr>
                         <a:t>Position</a:t>
                       </a:r>
-                      <a:endParaRPr lang="en-US" sz="1800" kern="1200" dirty="0">
-                        <a:solidFill>
-                          <a:schemeClr val="dk1"/>
-                        </a:solidFill>
-                        <a:latin typeface="+mn-lt"/>
-                        <a:ea typeface="+mn-ea"/>
-                        <a:cs typeface="+mn-cs"/>
-                      </a:endParaRPr>
                     </a:p>
                   </a:txBody>
                   <a:tcPr>
@@ -12766,7 +12699,7 @@
                     <a:p>
                       <a:pPr marL="0" algn="l" defTabSz="914400" rtl="0" eaLnBrk="1" latinLnBrk="0" hangingPunct="1"/>
                       <a:r>
-                        <a:rPr lang="en-US" sz="1800" kern="1200" dirty="0" smtClean="0">
+                        <a:rPr lang="en-US" sz="1800" kern="1200" dirty="0">
                           <a:solidFill>
                             <a:schemeClr val="dk1"/>
                           </a:solidFill>
@@ -12776,14 +12709,6 @@
                         </a:rPr>
                         <a:t>Step</a:t>
                       </a:r>
-                      <a:endParaRPr lang="en-US" sz="1800" kern="1200" dirty="0">
-                        <a:solidFill>
-                          <a:schemeClr val="dk1"/>
-                        </a:solidFill>
-                        <a:latin typeface="+mn-lt"/>
-                        <a:ea typeface="+mn-ea"/>
-                        <a:cs typeface="+mn-cs"/>
-                      </a:endParaRPr>
                     </a:p>
                   </a:txBody>
                   <a:tcPr>
@@ -12846,7 +12771,7 @@
                     <a:p>
                       <a:pPr marL="0" algn="l" defTabSz="914400" rtl="0" eaLnBrk="1" latinLnBrk="0" hangingPunct="1"/>
                       <a:r>
-                        <a:rPr lang="en-US" sz="1800" kern="1200" dirty="0" smtClean="0">
+                        <a:rPr lang="en-US" sz="1800" kern="1200" dirty="0">
                           <a:solidFill>
                             <a:schemeClr val="dk1"/>
                           </a:solidFill>
@@ -12856,14 +12781,6 @@
                         </a:rPr>
                         <a:t>StepCount</a:t>
                       </a:r>
-                      <a:endParaRPr lang="en-US" sz="1800" kern="1200" dirty="0">
-                        <a:solidFill>
-                          <a:schemeClr val="dk1"/>
-                        </a:solidFill>
-                        <a:latin typeface="+mn-lt"/>
-                        <a:ea typeface="+mn-ea"/>
-                        <a:cs typeface="+mn-cs"/>
-                      </a:endParaRPr>
                     </a:p>
                   </a:txBody>
                   <a:tcPr>
@@ -12926,7 +12843,7 @@
                     <a:p>
                       <a:pPr marL="0" algn="l" defTabSz="914400" rtl="0" eaLnBrk="1" latinLnBrk="0" hangingPunct="1"/>
                       <a:r>
-                        <a:rPr lang="en-US" sz="1800" kern="1200" dirty="0" smtClean="0">
+                        <a:rPr lang="en-US" sz="1800" kern="1200" dirty="0">
                           <a:solidFill>
                             <a:schemeClr val="dk1"/>
                           </a:solidFill>
@@ -12936,14 +12853,6 @@
                         </a:rPr>
                         <a:t>Position</a:t>
                       </a:r>
-                      <a:endParaRPr lang="en-US" sz="1800" kern="1200" dirty="0">
-                        <a:solidFill>
-                          <a:schemeClr val="dk1"/>
-                        </a:solidFill>
-                        <a:latin typeface="+mn-lt"/>
-                        <a:ea typeface="+mn-ea"/>
-                        <a:cs typeface="+mn-cs"/>
-                      </a:endParaRPr>
                     </a:p>
                   </a:txBody>
                   <a:tcPr>
@@ -13006,7 +12915,7 @@
                     <a:p>
                       <a:pPr marL="0" algn="l" defTabSz="914400" rtl="0" eaLnBrk="1" latinLnBrk="0" hangingPunct="1"/>
                       <a:r>
-                        <a:rPr lang="en-US" sz="1800" kern="1200" dirty="0" smtClean="0">
+                        <a:rPr lang="en-US" sz="1800" kern="1200" dirty="0">
                           <a:solidFill>
                             <a:schemeClr val="dk1"/>
                           </a:solidFill>
@@ -13016,14 +12925,6 @@
                         </a:rPr>
                         <a:t>Step</a:t>
                       </a:r>
-                      <a:endParaRPr lang="en-US" sz="1800" kern="1200" dirty="0">
-                        <a:solidFill>
-                          <a:schemeClr val="dk1"/>
-                        </a:solidFill>
-                        <a:latin typeface="+mn-lt"/>
-                        <a:ea typeface="+mn-ea"/>
-                        <a:cs typeface="+mn-cs"/>
-                      </a:endParaRPr>
                     </a:p>
                   </a:txBody>
                   <a:tcPr>
@@ -13086,7 +12987,7 @@
                     <a:p>
                       <a:pPr marL="0" algn="l" defTabSz="914400" rtl="0" eaLnBrk="1" latinLnBrk="0" hangingPunct="1"/>
                       <a:r>
-                        <a:rPr lang="en-US" sz="1800" kern="1200" dirty="0" smtClean="0">
+                        <a:rPr lang="en-US" sz="1800" kern="1200" dirty="0">
                           <a:solidFill>
                             <a:schemeClr val="dk1"/>
                           </a:solidFill>
@@ -13096,14 +12997,6 @@
                         </a:rPr>
                         <a:t>StepCount</a:t>
                       </a:r>
-                      <a:endParaRPr lang="en-US" sz="1800" kern="1200" dirty="0">
-                        <a:solidFill>
-                          <a:schemeClr val="dk1"/>
-                        </a:solidFill>
-                        <a:latin typeface="+mn-lt"/>
-                        <a:ea typeface="+mn-ea"/>
-                        <a:cs typeface="+mn-cs"/>
-                      </a:endParaRPr>
                     </a:p>
                   </a:txBody>
                   <a:tcPr>
@@ -13165,10 +13058,9 @@
                     <a:lstStyle/>
                     <a:p>
                       <a:r>
-                        <a:rPr lang="en-US" dirty="0" smtClean="0"/>
+                        <a:rPr lang="en-US" dirty="0"/>
                         <a:t>Position</a:t>
                       </a:r>
-                      <a:endParaRPr lang="en-US" dirty="0"/>
                     </a:p>
                   </a:txBody>
                   <a:tcPr>
@@ -13230,7 +13122,7 @@
                     <a:lstStyle/>
                     <a:p>
                       <a:r>
-                        <a:rPr lang="en-US" sz="1800" kern="1200" dirty="0" smtClean="0">
+                        <a:rPr lang="en-US" sz="1800" kern="1200" dirty="0">
                           <a:solidFill>
                             <a:schemeClr val="dk1"/>
                           </a:solidFill>
@@ -13302,10 +13194,9 @@
                     <a:lstStyle/>
                     <a:p>
                       <a:r>
-                        <a:rPr lang="en-US" dirty="0" smtClean="0"/>
+                        <a:rPr lang="en-US" dirty="0"/>
                         <a:t>StepCount</a:t>
                       </a:r>
-                      <a:endParaRPr lang="en-US" dirty="0"/>
                     </a:p>
                   </a:txBody>
                   <a:tcPr>
@@ -13361,6 +13252,11 @@
                     </a:solidFill>
                   </a:tcPr>
                 </a:tc>
+                <a:extLst>
+                  <a:ext uri="{0D108BD9-81ED-4DB2-BD59-A6C34878D82A}">
+                    <a16:rowId xmlns:a16="http://schemas.microsoft.com/office/drawing/2014/main" val="10002"/>
+                  </a:ext>
+                </a:extLst>
               </a:tr>
               <a:tr h="370840">
                 <a:tc>
@@ -13369,10 +13265,9 @@
                     <a:lstStyle/>
                     <a:p>
                       <a:r>
-                        <a:rPr lang="en-US" dirty="0" smtClean="0"/>
+                        <a:rPr lang="en-US" dirty="0"/>
                         <a:t>8bytes</a:t>
                       </a:r>
-                      <a:endParaRPr lang="en-US" dirty="0"/>
                     </a:p>
                   </a:txBody>
                   <a:tcPr>
@@ -13433,10 +13328,9 @@
                     <a:lstStyle/>
                     <a:p>
                       <a:r>
-                        <a:rPr lang="en-US" dirty="0" smtClean="0"/>
+                        <a:rPr lang="en-US" dirty="0"/>
                         <a:t>8bytes</a:t>
                       </a:r>
-                      <a:endParaRPr lang="en-US" dirty="0"/>
                     </a:p>
                   </a:txBody>
                   <a:tcPr>
@@ -13497,7 +13391,7 @@
                     <a:lstStyle/>
                     <a:p>
                       <a:r>
-                        <a:rPr lang="en-US" smtClean="0"/>
+                        <a:rPr lang="en-US"/>
                         <a:t>4bytes</a:t>
                       </a:r>
                       <a:endParaRPr lang="en-US" dirty="0"/>
@@ -13561,7 +13455,7 @@
                     <a:lstStyle/>
                     <a:p>
                       <a:r>
-                        <a:rPr lang="en-US" smtClean="0"/>
+                        <a:rPr lang="en-US"/>
                         <a:t>8bytes</a:t>
                       </a:r>
                       <a:endParaRPr lang="en-US" dirty="0"/>
@@ -13625,10 +13519,9 @@
                     <a:lstStyle/>
                     <a:p>
                       <a:r>
-                        <a:rPr lang="en-US" dirty="0" smtClean="0"/>
+                        <a:rPr lang="en-US" dirty="0"/>
                         <a:t>8bytes</a:t>
                       </a:r>
-                      <a:endParaRPr lang="en-US" dirty="0"/>
                     </a:p>
                   </a:txBody>
                   <a:tcPr>
@@ -13689,10 +13582,9 @@
                     <a:lstStyle/>
                     <a:p>
                       <a:r>
-                        <a:rPr lang="en-US" dirty="0" smtClean="0"/>
+                        <a:rPr lang="en-US" dirty="0"/>
                         <a:t>4bytes</a:t>
                       </a:r>
-                      <a:endParaRPr lang="en-US" dirty="0"/>
                     </a:p>
                   </a:txBody>
                   <a:tcPr>
@@ -13753,7 +13645,7 @@
                     <a:lstStyle/>
                     <a:p>
                       <a:r>
-                        <a:rPr lang="en-US" smtClean="0"/>
+                        <a:rPr lang="en-US"/>
                         <a:t>8bytes</a:t>
                       </a:r>
                       <a:endParaRPr lang="en-US" dirty="0"/>
@@ -13817,10 +13709,9 @@
                     <a:lstStyle/>
                     <a:p>
                       <a:r>
-                        <a:rPr lang="en-US" dirty="0" smtClean="0"/>
+                        <a:rPr lang="en-US" dirty="0"/>
                         <a:t>8bytes</a:t>
                       </a:r>
-                      <a:endParaRPr lang="en-US" dirty="0"/>
                     </a:p>
                   </a:txBody>
                   <a:tcPr>
@@ -13881,10 +13772,9 @@
                     <a:lstStyle/>
                     <a:p>
                       <a:r>
-                        <a:rPr lang="en-US" dirty="0" smtClean="0"/>
+                        <a:rPr lang="en-US" dirty="0"/>
                         <a:t>4bytes</a:t>
                       </a:r>
-                      <a:endParaRPr lang="en-US" dirty="0"/>
                     </a:p>
                   </a:txBody>
                   <a:tcPr>
@@ -13939,6 +13829,11 @@
                     </a:solidFill>
                   </a:tcPr>
                 </a:tc>
+                <a:extLst>
+                  <a:ext uri="{0D108BD9-81ED-4DB2-BD59-A6C34878D82A}">
+                    <a16:rowId xmlns:a16="http://schemas.microsoft.com/office/drawing/2014/main" val="10003"/>
+                  </a:ext>
+                </a:extLst>
               </a:tr>
             </a:tbl>
           </a:graphicData>
@@ -13954,13 +13849,6 @@
   <p:clrMapOvr>
     <a:masterClrMapping/>
   </p:clrMapOvr>
-  <p:timing>
-    <p:tnLst>
-      <p:par>
-        <p:cTn id="1" dur="indefinite" restart="never" nodeType="tmRoot"/>
-      </p:par>
-    </p:tnLst>
-  </p:timing>
 </p:sld>
 </file>
 

--- a/Presentation/Presentation.pptx
+++ b/Presentation/Presentation.pptx
@@ -902,6 +902,13 @@
         </dgm:presLayoutVars>
       </dgm:prSet>
       <dgm:spPr/>
+      <dgm:t>
+        <a:bodyPr/>
+        <a:lstStyle/>
+        <a:p>
+          <a:endParaRPr lang="en-US"/>
+        </a:p>
+      </dgm:t>
     </dgm:pt>
   </dgm:ptLst>
   <dgm:cxnLst>
@@ -4989,6 +4996,10 @@
               <a:rPr lang="en-US" sz="4400" dirty="0"/>
               <a:t>Approach to</a:t>
             </a:r>
+            <a:r>
+              <a:rPr lang="en-US" dirty="0"/>
+              <a:t/>
+            </a:r>
             <a:br>
               <a:rPr lang="en-US" dirty="0"/>
             </a:br>
@@ -5112,13 +5123,13 @@
           <a:p>
             <a:r>
               <a:rPr lang="en-US" dirty="0"/>
-              <a:t>If you don’t understand the data you don’t understand the problem.”</a:t>
+              <a:t>If you don’t understand the data, you don’t understand the problem.”</a:t>
             </a:r>
           </a:p>
           <a:p>
             <a:r>
               <a:rPr lang="en-US" dirty="0"/>
-              <a:t>Different problems require different solutions.</a:t>
+              <a:t>Different problems, require different solutions.</a:t>
             </a:r>
           </a:p>
           <a:p>
@@ -5613,21 +5624,21 @@
                 <a:gridCol w="1162756">
                   <a:extLst>
                     <a:ext uri="{9D8B030D-6E8A-4147-A177-3AD203B41FA5}">
-                      <a16:colId xmlns:a16="http://schemas.microsoft.com/office/drawing/2014/main" val="20000"/>
+                      <a16:colId xmlns:a16="http://schemas.microsoft.com/office/drawing/2014/main" xmlns="" val="20000"/>
                     </a:ext>
                   </a:extLst>
                 </a:gridCol>
                 <a:gridCol w="1162756">
                   <a:extLst>
                     <a:ext uri="{9D8B030D-6E8A-4147-A177-3AD203B41FA5}">
-                      <a16:colId xmlns:a16="http://schemas.microsoft.com/office/drawing/2014/main" val="20001"/>
+                      <a16:colId xmlns:a16="http://schemas.microsoft.com/office/drawing/2014/main" xmlns="" val="20001"/>
                     </a:ext>
                   </a:extLst>
                 </a:gridCol>
                 <a:gridCol w="1162756">
                   <a:extLst>
                     <a:ext uri="{9D8B030D-6E8A-4147-A177-3AD203B41FA5}">
-                      <a16:colId xmlns:a16="http://schemas.microsoft.com/office/drawing/2014/main" val="20002"/>
+                      <a16:colId xmlns:a16="http://schemas.microsoft.com/office/drawing/2014/main" xmlns="" val="20002"/>
                     </a:ext>
                   </a:extLst>
                 </a:gridCol>
@@ -5723,7 +5734,7 @@
                 </a:tc>
                 <a:extLst>
                   <a:ext uri="{0D108BD9-81ED-4DB2-BD59-A6C34878D82A}">
-                    <a16:rowId xmlns:a16="http://schemas.microsoft.com/office/drawing/2014/main" val="10000"/>
+                    <a16:rowId xmlns:a16="http://schemas.microsoft.com/office/drawing/2014/main" xmlns="" val="10000"/>
                   </a:ext>
                 </a:extLst>
               </a:tr>
@@ -5918,7 +5929,7 @@
                 </a:tc>
                 <a:extLst>
                   <a:ext uri="{0D108BD9-81ED-4DB2-BD59-A6C34878D82A}">
-                    <a16:rowId xmlns:a16="http://schemas.microsoft.com/office/drawing/2014/main" val="10001"/>
+                    <a16:rowId xmlns:a16="http://schemas.microsoft.com/office/drawing/2014/main" xmlns="" val="10001"/>
                   </a:ext>
                 </a:extLst>
               </a:tr>
@@ -6141,7 +6152,7 @@
                 </a:tc>
                 <a:extLst>
                   <a:ext uri="{0D108BD9-81ED-4DB2-BD59-A6C34878D82A}">
-                    <a16:rowId xmlns:a16="http://schemas.microsoft.com/office/drawing/2014/main" val="10002"/>
+                    <a16:rowId xmlns:a16="http://schemas.microsoft.com/office/drawing/2014/main" xmlns="" val="10002"/>
                   </a:ext>
                 </a:extLst>
               </a:tr>
@@ -6337,7 +6348,7 @@
                 </a:tc>
                 <a:extLst>
                   <a:ext uri="{0D108BD9-81ED-4DB2-BD59-A6C34878D82A}">
-                    <a16:rowId xmlns:a16="http://schemas.microsoft.com/office/drawing/2014/main" val="10003"/>
+                    <a16:rowId xmlns:a16="http://schemas.microsoft.com/office/drawing/2014/main" xmlns="" val="10003"/>
                   </a:ext>
                 </a:extLst>
               </a:tr>
@@ -6373,21 +6384,21 @@
                 <a:gridCol w="1162756">
                   <a:extLst>
                     <a:ext uri="{9D8B030D-6E8A-4147-A177-3AD203B41FA5}">
-                      <a16:colId xmlns:a16="http://schemas.microsoft.com/office/drawing/2014/main" val="20000"/>
+                      <a16:colId xmlns:a16="http://schemas.microsoft.com/office/drawing/2014/main" xmlns="" val="20000"/>
                     </a:ext>
                   </a:extLst>
                 </a:gridCol>
                 <a:gridCol w="1162756">
                   <a:extLst>
                     <a:ext uri="{9D8B030D-6E8A-4147-A177-3AD203B41FA5}">
-                      <a16:colId xmlns:a16="http://schemas.microsoft.com/office/drawing/2014/main" val="20001"/>
+                      <a16:colId xmlns:a16="http://schemas.microsoft.com/office/drawing/2014/main" xmlns="" val="20001"/>
                     </a:ext>
                   </a:extLst>
                 </a:gridCol>
                 <a:gridCol w="1162756">
                   <a:extLst>
                     <a:ext uri="{9D8B030D-6E8A-4147-A177-3AD203B41FA5}">
-                      <a16:colId xmlns:a16="http://schemas.microsoft.com/office/drawing/2014/main" val="20002"/>
+                      <a16:colId xmlns:a16="http://schemas.microsoft.com/office/drawing/2014/main" xmlns="" val="20002"/>
                     </a:ext>
                   </a:extLst>
                 </a:gridCol>
@@ -6483,7 +6494,7 @@
                 </a:tc>
                 <a:extLst>
                   <a:ext uri="{0D108BD9-81ED-4DB2-BD59-A6C34878D82A}">
-                    <a16:rowId xmlns:a16="http://schemas.microsoft.com/office/drawing/2014/main" val="10000"/>
+                    <a16:rowId xmlns:a16="http://schemas.microsoft.com/office/drawing/2014/main" xmlns="" val="10000"/>
                   </a:ext>
                 </a:extLst>
               </a:tr>
@@ -6678,7 +6689,7 @@
                 </a:tc>
                 <a:extLst>
                   <a:ext uri="{0D108BD9-81ED-4DB2-BD59-A6C34878D82A}">
-                    <a16:rowId xmlns:a16="http://schemas.microsoft.com/office/drawing/2014/main" val="10001"/>
+                    <a16:rowId xmlns:a16="http://schemas.microsoft.com/office/drawing/2014/main" xmlns="" val="10001"/>
                   </a:ext>
                 </a:extLst>
               </a:tr>
@@ -6901,7 +6912,7 @@
                 </a:tc>
                 <a:extLst>
                   <a:ext uri="{0D108BD9-81ED-4DB2-BD59-A6C34878D82A}">
-                    <a16:rowId xmlns:a16="http://schemas.microsoft.com/office/drawing/2014/main" val="10002"/>
+                    <a16:rowId xmlns:a16="http://schemas.microsoft.com/office/drawing/2014/main" xmlns="" val="10002"/>
                   </a:ext>
                 </a:extLst>
               </a:tr>
@@ -7097,7 +7108,7 @@
                 </a:tc>
                 <a:extLst>
                   <a:ext uri="{0D108BD9-81ED-4DB2-BD59-A6C34878D82A}">
-                    <a16:rowId xmlns:a16="http://schemas.microsoft.com/office/drawing/2014/main" val="10003"/>
+                    <a16:rowId xmlns:a16="http://schemas.microsoft.com/office/drawing/2014/main" xmlns="" val="10003"/>
                   </a:ext>
                 </a:extLst>
               </a:tr>
@@ -7133,21 +7144,21 @@
                 <a:gridCol w="1162756">
                   <a:extLst>
                     <a:ext uri="{9D8B030D-6E8A-4147-A177-3AD203B41FA5}">
-                      <a16:colId xmlns:a16="http://schemas.microsoft.com/office/drawing/2014/main" val="20000"/>
+                      <a16:colId xmlns:a16="http://schemas.microsoft.com/office/drawing/2014/main" xmlns="" val="20000"/>
                     </a:ext>
                   </a:extLst>
                 </a:gridCol>
                 <a:gridCol w="1162756">
                   <a:extLst>
                     <a:ext uri="{9D8B030D-6E8A-4147-A177-3AD203B41FA5}">
-                      <a16:colId xmlns:a16="http://schemas.microsoft.com/office/drawing/2014/main" val="20001"/>
+                      <a16:colId xmlns:a16="http://schemas.microsoft.com/office/drawing/2014/main" xmlns="" val="20001"/>
                     </a:ext>
                   </a:extLst>
                 </a:gridCol>
                 <a:gridCol w="1162756">
                   <a:extLst>
                     <a:ext uri="{9D8B030D-6E8A-4147-A177-3AD203B41FA5}">
-                      <a16:colId xmlns:a16="http://schemas.microsoft.com/office/drawing/2014/main" val="20002"/>
+                      <a16:colId xmlns:a16="http://schemas.microsoft.com/office/drawing/2014/main" xmlns="" val="20002"/>
                     </a:ext>
                   </a:extLst>
                 </a:gridCol>
@@ -7243,7 +7254,7 @@
                 </a:tc>
                 <a:extLst>
                   <a:ext uri="{0D108BD9-81ED-4DB2-BD59-A6C34878D82A}">
-                    <a16:rowId xmlns:a16="http://schemas.microsoft.com/office/drawing/2014/main" val="10000"/>
+                    <a16:rowId xmlns:a16="http://schemas.microsoft.com/office/drawing/2014/main" xmlns="" val="10000"/>
                   </a:ext>
                 </a:extLst>
               </a:tr>
@@ -7438,7 +7449,7 @@
                 </a:tc>
                 <a:extLst>
                   <a:ext uri="{0D108BD9-81ED-4DB2-BD59-A6C34878D82A}">
-                    <a16:rowId xmlns:a16="http://schemas.microsoft.com/office/drawing/2014/main" val="10001"/>
+                    <a16:rowId xmlns:a16="http://schemas.microsoft.com/office/drawing/2014/main" xmlns="" val="10001"/>
                   </a:ext>
                 </a:extLst>
               </a:tr>
@@ -7661,7 +7672,7 @@
                 </a:tc>
                 <a:extLst>
                   <a:ext uri="{0D108BD9-81ED-4DB2-BD59-A6C34878D82A}">
-                    <a16:rowId xmlns:a16="http://schemas.microsoft.com/office/drawing/2014/main" val="10002"/>
+                    <a16:rowId xmlns:a16="http://schemas.microsoft.com/office/drawing/2014/main" xmlns="" val="10002"/>
                   </a:ext>
                 </a:extLst>
               </a:tr>
@@ -7857,7 +7868,7 @@
                 </a:tc>
                 <a:extLst>
                   <a:ext uri="{0D108BD9-81ED-4DB2-BD59-A6C34878D82A}">
-                    <a16:rowId xmlns:a16="http://schemas.microsoft.com/office/drawing/2014/main" val="10003"/>
+                    <a16:rowId xmlns:a16="http://schemas.microsoft.com/office/drawing/2014/main" xmlns="" val="10003"/>
                   </a:ext>
                 </a:extLst>
               </a:tr>
@@ -8134,63 +8145,63 @@
                 <a:gridCol w="1162756">
                   <a:extLst>
                     <a:ext uri="{9D8B030D-6E8A-4147-A177-3AD203B41FA5}">
-                      <a16:colId xmlns:a16="http://schemas.microsoft.com/office/drawing/2014/main" val="20000"/>
+                      <a16:colId xmlns:a16="http://schemas.microsoft.com/office/drawing/2014/main" xmlns="" val="20000"/>
                     </a:ext>
                   </a:extLst>
                 </a:gridCol>
                 <a:gridCol w="1162756">
                   <a:extLst>
                     <a:ext uri="{9D8B030D-6E8A-4147-A177-3AD203B41FA5}">
-                      <a16:colId xmlns:a16="http://schemas.microsoft.com/office/drawing/2014/main" val="20001"/>
+                      <a16:colId xmlns:a16="http://schemas.microsoft.com/office/drawing/2014/main" xmlns="" val="20001"/>
                     </a:ext>
                   </a:extLst>
                 </a:gridCol>
                 <a:gridCol w="1162756">
                   <a:extLst>
                     <a:ext uri="{9D8B030D-6E8A-4147-A177-3AD203B41FA5}">
-                      <a16:colId xmlns:a16="http://schemas.microsoft.com/office/drawing/2014/main" val="20002"/>
+                      <a16:colId xmlns:a16="http://schemas.microsoft.com/office/drawing/2014/main" xmlns="" val="20002"/>
                     </a:ext>
                   </a:extLst>
                 </a:gridCol>
                 <a:gridCol w="1162756">
                   <a:extLst>
                     <a:ext uri="{9D8B030D-6E8A-4147-A177-3AD203B41FA5}">
-                      <a16:colId xmlns:a16="http://schemas.microsoft.com/office/drawing/2014/main" val="20003"/>
+                      <a16:colId xmlns:a16="http://schemas.microsoft.com/office/drawing/2014/main" xmlns="" val="20003"/>
                     </a:ext>
                   </a:extLst>
                 </a:gridCol>
                 <a:gridCol w="1162756">
                   <a:extLst>
                     <a:ext uri="{9D8B030D-6E8A-4147-A177-3AD203B41FA5}">
-                      <a16:colId xmlns:a16="http://schemas.microsoft.com/office/drawing/2014/main" val="20004"/>
+                      <a16:colId xmlns:a16="http://schemas.microsoft.com/office/drawing/2014/main" xmlns="" val="20004"/>
                     </a:ext>
                   </a:extLst>
                 </a:gridCol>
                 <a:gridCol w="1162756">
                   <a:extLst>
                     <a:ext uri="{9D8B030D-6E8A-4147-A177-3AD203B41FA5}">
-                      <a16:colId xmlns:a16="http://schemas.microsoft.com/office/drawing/2014/main" val="20005"/>
+                      <a16:colId xmlns:a16="http://schemas.microsoft.com/office/drawing/2014/main" xmlns="" val="20005"/>
                     </a:ext>
                   </a:extLst>
                 </a:gridCol>
                 <a:gridCol w="1162756">
                   <a:extLst>
                     <a:ext uri="{9D8B030D-6E8A-4147-A177-3AD203B41FA5}">
-                      <a16:colId xmlns:a16="http://schemas.microsoft.com/office/drawing/2014/main" val="20006"/>
+                      <a16:colId xmlns:a16="http://schemas.microsoft.com/office/drawing/2014/main" xmlns="" val="20006"/>
                     </a:ext>
                   </a:extLst>
                 </a:gridCol>
                 <a:gridCol w="1162756">
                   <a:extLst>
                     <a:ext uri="{9D8B030D-6E8A-4147-A177-3AD203B41FA5}">
-                      <a16:colId xmlns:a16="http://schemas.microsoft.com/office/drawing/2014/main" val="20007"/>
+                      <a16:colId xmlns:a16="http://schemas.microsoft.com/office/drawing/2014/main" xmlns="" val="20007"/>
                     </a:ext>
                   </a:extLst>
                 </a:gridCol>
                 <a:gridCol w="1162756">
                   <a:extLst>
                     <a:ext uri="{9D8B030D-6E8A-4147-A177-3AD203B41FA5}">
-                      <a16:colId xmlns:a16="http://schemas.microsoft.com/office/drawing/2014/main" val="20008"/>
+                      <a16:colId xmlns:a16="http://schemas.microsoft.com/office/drawing/2014/main" xmlns="" val="20008"/>
                     </a:ext>
                   </a:extLst>
                 </a:gridCol>
@@ -8475,7 +8486,7 @@
                 </a:tc>
                 <a:extLst>
                   <a:ext uri="{0D108BD9-81ED-4DB2-BD59-A6C34878D82A}">
-                    <a16:rowId xmlns:a16="http://schemas.microsoft.com/office/drawing/2014/main" val="10000"/>
+                    <a16:rowId xmlns:a16="http://schemas.microsoft.com/office/drawing/2014/main" xmlns="" val="10000"/>
                   </a:ext>
                 </a:extLst>
               </a:tr>
@@ -9046,7 +9057,7 @@
                 </a:tc>
                 <a:extLst>
                   <a:ext uri="{0D108BD9-81ED-4DB2-BD59-A6C34878D82A}">
-                    <a16:rowId xmlns:a16="http://schemas.microsoft.com/office/drawing/2014/main" val="10001"/>
+                    <a16:rowId xmlns:a16="http://schemas.microsoft.com/office/drawing/2014/main" xmlns="" val="10001"/>
                   </a:ext>
                 </a:extLst>
               </a:tr>
@@ -9685,7 +9696,7 @@
                 </a:tc>
                 <a:extLst>
                   <a:ext uri="{0D108BD9-81ED-4DB2-BD59-A6C34878D82A}">
-                    <a16:rowId xmlns:a16="http://schemas.microsoft.com/office/drawing/2014/main" val="10002"/>
+                    <a16:rowId xmlns:a16="http://schemas.microsoft.com/office/drawing/2014/main" xmlns="" val="10002"/>
                   </a:ext>
                 </a:extLst>
               </a:tr>
@@ -10262,7 +10273,7 @@
                 </a:tc>
                 <a:extLst>
                   <a:ext uri="{0D108BD9-81ED-4DB2-BD59-A6C34878D82A}">
-                    <a16:rowId xmlns:a16="http://schemas.microsoft.com/office/drawing/2014/main" val="10003"/>
+                    <a16:rowId xmlns:a16="http://schemas.microsoft.com/office/drawing/2014/main" xmlns="" val="10003"/>
                   </a:ext>
                 </a:extLst>
               </a:tr>
@@ -10364,8 +10375,12 @@
           </a:p>
           <a:p>
             <a:r>
+              <a:rPr lang="en-US" smtClean="0"/>
+              <a:t>So, </a:t>
+            </a:r>
+            <a:r>
               <a:rPr lang="en-US" dirty="0"/>
-              <a:t>So what we have to do?</a:t>
+              <a:t>what we have to do?</a:t>
             </a:r>
           </a:p>
         </p:txBody>
@@ -10600,49 +10615,49 @@
                 <a:gridCol w="1162756">
                   <a:extLst>
                     <a:ext uri="{9D8B030D-6E8A-4147-A177-3AD203B41FA5}">
-                      <a16:colId xmlns:a16="http://schemas.microsoft.com/office/drawing/2014/main" val="20000"/>
+                      <a16:colId xmlns:a16="http://schemas.microsoft.com/office/drawing/2014/main" xmlns="" val="20000"/>
                     </a:ext>
                   </a:extLst>
                 </a:gridCol>
                 <a:gridCol w="1162756">
                   <a:extLst>
                     <a:ext uri="{9D8B030D-6E8A-4147-A177-3AD203B41FA5}">
-                      <a16:colId xmlns:a16="http://schemas.microsoft.com/office/drawing/2014/main" val="20001"/>
+                      <a16:colId xmlns:a16="http://schemas.microsoft.com/office/drawing/2014/main" xmlns="" val="20001"/>
                     </a:ext>
                   </a:extLst>
                 </a:gridCol>
                 <a:gridCol w="1162756">
                   <a:extLst>
                     <a:ext uri="{9D8B030D-6E8A-4147-A177-3AD203B41FA5}">
-                      <a16:colId xmlns:a16="http://schemas.microsoft.com/office/drawing/2014/main" val="20002"/>
+                      <a16:colId xmlns:a16="http://schemas.microsoft.com/office/drawing/2014/main" xmlns="" val="20002"/>
                     </a:ext>
                   </a:extLst>
                 </a:gridCol>
                 <a:gridCol w="1162756">
                   <a:extLst>
                     <a:ext uri="{9D8B030D-6E8A-4147-A177-3AD203B41FA5}">
-                      <a16:colId xmlns:a16="http://schemas.microsoft.com/office/drawing/2014/main" val="20003"/>
+                      <a16:colId xmlns:a16="http://schemas.microsoft.com/office/drawing/2014/main" xmlns="" val="20003"/>
                     </a:ext>
                   </a:extLst>
                 </a:gridCol>
                 <a:gridCol w="1162756">
                   <a:extLst>
                     <a:ext uri="{9D8B030D-6E8A-4147-A177-3AD203B41FA5}">
-                      <a16:colId xmlns:a16="http://schemas.microsoft.com/office/drawing/2014/main" val="20004"/>
+                      <a16:colId xmlns:a16="http://schemas.microsoft.com/office/drawing/2014/main" xmlns="" val="20004"/>
                     </a:ext>
                   </a:extLst>
                 </a:gridCol>
                 <a:gridCol w="1162756">
                   <a:extLst>
                     <a:ext uri="{9D8B030D-6E8A-4147-A177-3AD203B41FA5}">
-                      <a16:colId xmlns:a16="http://schemas.microsoft.com/office/drawing/2014/main" val="20005"/>
+                      <a16:colId xmlns:a16="http://schemas.microsoft.com/office/drawing/2014/main" xmlns="" val="20005"/>
                     </a:ext>
                   </a:extLst>
                 </a:gridCol>
                 <a:gridCol w="1162756">
                   <a:extLst>
                     <a:ext uri="{9D8B030D-6E8A-4147-A177-3AD203B41FA5}">
-                      <a16:colId xmlns:a16="http://schemas.microsoft.com/office/drawing/2014/main" val="20006"/>
+                      <a16:colId xmlns:a16="http://schemas.microsoft.com/office/drawing/2014/main" xmlns="" val="20006"/>
                     </a:ext>
                   </a:extLst>
                 </a:gridCol>
@@ -11149,7 +11164,7 @@
                 </a:tc>
                 <a:extLst>
                   <a:ext uri="{0D108BD9-81ED-4DB2-BD59-A6C34878D82A}">
-                    <a16:rowId xmlns:a16="http://schemas.microsoft.com/office/drawing/2014/main" val="10000"/>
+                    <a16:rowId xmlns:a16="http://schemas.microsoft.com/office/drawing/2014/main" xmlns="" val="10000"/>
                   </a:ext>
                 </a:extLst>
               </a:tr>
@@ -11627,7 +11642,7 @@
                 </a:tc>
                 <a:extLst>
                   <a:ext uri="{0D108BD9-81ED-4DB2-BD59-A6C34878D82A}">
-                    <a16:rowId xmlns:a16="http://schemas.microsoft.com/office/drawing/2014/main" val="10001"/>
+                    <a16:rowId xmlns:a16="http://schemas.microsoft.com/office/drawing/2014/main" xmlns="" val="10001"/>
                   </a:ext>
                 </a:extLst>
               </a:tr>
@@ -11703,63 +11718,63 @@
                 <a:gridCol w="1162756">
                   <a:extLst>
                     <a:ext uri="{9D8B030D-6E8A-4147-A177-3AD203B41FA5}">
-                      <a16:colId xmlns:a16="http://schemas.microsoft.com/office/drawing/2014/main" val="20000"/>
+                      <a16:colId xmlns:a16="http://schemas.microsoft.com/office/drawing/2014/main" xmlns="" val="20000"/>
                     </a:ext>
                   </a:extLst>
                 </a:gridCol>
                 <a:gridCol w="1162756">
                   <a:extLst>
                     <a:ext uri="{9D8B030D-6E8A-4147-A177-3AD203B41FA5}">
-                      <a16:colId xmlns:a16="http://schemas.microsoft.com/office/drawing/2014/main" val="20001"/>
+                      <a16:colId xmlns:a16="http://schemas.microsoft.com/office/drawing/2014/main" xmlns="" val="20001"/>
                     </a:ext>
                   </a:extLst>
                 </a:gridCol>
                 <a:gridCol w="1162756">
                   <a:extLst>
                     <a:ext uri="{9D8B030D-6E8A-4147-A177-3AD203B41FA5}">
-                      <a16:colId xmlns:a16="http://schemas.microsoft.com/office/drawing/2014/main" val="20002"/>
+                      <a16:colId xmlns:a16="http://schemas.microsoft.com/office/drawing/2014/main" xmlns="" val="20002"/>
                     </a:ext>
                   </a:extLst>
                 </a:gridCol>
                 <a:gridCol w="1162756">
                   <a:extLst>
                     <a:ext uri="{9D8B030D-6E8A-4147-A177-3AD203B41FA5}">
-                      <a16:colId xmlns:a16="http://schemas.microsoft.com/office/drawing/2014/main" val="20003"/>
+                      <a16:colId xmlns:a16="http://schemas.microsoft.com/office/drawing/2014/main" xmlns="" val="20003"/>
                     </a:ext>
                   </a:extLst>
                 </a:gridCol>
                 <a:gridCol w="1162756">
                   <a:extLst>
                     <a:ext uri="{9D8B030D-6E8A-4147-A177-3AD203B41FA5}">
-                      <a16:colId xmlns:a16="http://schemas.microsoft.com/office/drawing/2014/main" val="20004"/>
+                      <a16:colId xmlns:a16="http://schemas.microsoft.com/office/drawing/2014/main" xmlns="" val="20004"/>
                     </a:ext>
                   </a:extLst>
                 </a:gridCol>
                 <a:gridCol w="1162756">
                   <a:extLst>
                     <a:ext uri="{9D8B030D-6E8A-4147-A177-3AD203B41FA5}">
-                      <a16:colId xmlns:a16="http://schemas.microsoft.com/office/drawing/2014/main" val="20005"/>
+                      <a16:colId xmlns:a16="http://schemas.microsoft.com/office/drawing/2014/main" xmlns="" val="20005"/>
                     </a:ext>
                   </a:extLst>
                 </a:gridCol>
                 <a:gridCol w="1162756">
                   <a:extLst>
                     <a:ext uri="{9D8B030D-6E8A-4147-A177-3AD203B41FA5}">
-                      <a16:colId xmlns:a16="http://schemas.microsoft.com/office/drawing/2014/main" val="20006"/>
+                      <a16:colId xmlns:a16="http://schemas.microsoft.com/office/drawing/2014/main" xmlns="" val="20006"/>
                     </a:ext>
                   </a:extLst>
                 </a:gridCol>
                 <a:gridCol w="1162756">
                   <a:extLst>
                     <a:ext uri="{9D8B030D-6E8A-4147-A177-3AD203B41FA5}">
-                      <a16:colId xmlns:a16="http://schemas.microsoft.com/office/drawing/2014/main" val="20007"/>
+                      <a16:colId xmlns:a16="http://schemas.microsoft.com/office/drawing/2014/main" xmlns="" val="20007"/>
                     </a:ext>
                   </a:extLst>
                 </a:gridCol>
                 <a:gridCol w="1162756">
                   <a:extLst>
                     <a:ext uri="{9D8B030D-6E8A-4147-A177-3AD203B41FA5}">
-                      <a16:colId xmlns:a16="http://schemas.microsoft.com/office/drawing/2014/main" val="20008"/>
+                      <a16:colId xmlns:a16="http://schemas.microsoft.com/office/drawing/2014/main" xmlns="" val="20008"/>
                     </a:ext>
                   </a:extLst>
                 </a:gridCol>
@@ -12044,7 +12059,7 @@
                 </a:tc>
                 <a:extLst>
                   <a:ext uri="{0D108BD9-81ED-4DB2-BD59-A6C34878D82A}">
-                    <a16:rowId xmlns:a16="http://schemas.microsoft.com/office/drawing/2014/main" val="10000"/>
+                    <a16:rowId xmlns:a16="http://schemas.microsoft.com/office/drawing/2014/main" xmlns="" val="10000"/>
                   </a:ext>
                 </a:extLst>
               </a:tr>
@@ -12615,7 +12630,7 @@
                 </a:tc>
                 <a:extLst>
                   <a:ext uri="{0D108BD9-81ED-4DB2-BD59-A6C34878D82A}">
-                    <a16:rowId xmlns:a16="http://schemas.microsoft.com/office/drawing/2014/main" val="10001"/>
+                    <a16:rowId xmlns:a16="http://schemas.microsoft.com/office/drawing/2014/main" xmlns="" val="10001"/>
                   </a:ext>
                 </a:extLst>
               </a:tr>
@@ -13254,7 +13269,7 @@
                 </a:tc>
                 <a:extLst>
                   <a:ext uri="{0D108BD9-81ED-4DB2-BD59-A6C34878D82A}">
-                    <a16:rowId xmlns:a16="http://schemas.microsoft.com/office/drawing/2014/main" val="10002"/>
+                    <a16:rowId xmlns:a16="http://schemas.microsoft.com/office/drawing/2014/main" xmlns="" val="10002"/>
                   </a:ext>
                 </a:extLst>
               </a:tr>
@@ -13831,7 +13846,7 @@
                 </a:tc>
                 <a:extLst>
                   <a:ext uri="{0D108BD9-81ED-4DB2-BD59-A6C34878D82A}">
-                    <a16:rowId xmlns:a16="http://schemas.microsoft.com/office/drawing/2014/main" val="10003"/>
+                    <a16:rowId xmlns:a16="http://schemas.microsoft.com/office/drawing/2014/main" xmlns="" val="10003"/>
                   </a:ext>
                 </a:extLst>
               </a:tr>

--- a/Presentation/Presentation.pptx
+++ b/Presentation/Presentation.pptx
@@ -10,12 +10,13 @@
     <p:sldId id="258" r:id="rId4"/>
     <p:sldId id="259" r:id="rId5"/>
     <p:sldId id="270" r:id="rId6"/>
-    <p:sldId id="260" r:id="rId7"/>
-    <p:sldId id="263" r:id="rId8"/>
-    <p:sldId id="271" r:id="rId9"/>
-    <p:sldId id="266" r:id="rId10"/>
-    <p:sldId id="267" r:id="rId11"/>
-    <p:sldId id="269" r:id="rId12"/>
+    <p:sldId id="272" r:id="rId7"/>
+    <p:sldId id="260" r:id="rId8"/>
+    <p:sldId id="263" r:id="rId9"/>
+    <p:sldId id="271" r:id="rId10"/>
+    <p:sldId id="266" r:id="rId11"/>
+    <p:sldId id="267" r:id="rId12"/>
+    <p:sldId id="269" r:id="rId13"/>
   </p:sldIdLst>
   <p:sldSz cx="12192000" cy="6858000"/>
   <p:notesSz cx="6858000" cy="9144000"/>
@@ -2289,7 +2290,7 @@
           <a:p>
             <a:fld id="{2919E1E2-61BE-4B8C-866A-656E5D301163}" type="datetimeFigureOut">
               <a:rPr lang="en-US" smtClean="0"/>
-              <a:t>8/26/2019</a:t>
+              <a:t>9/15/2019</a:t>
             </a:fld>
             <a:endParaRPr lang="en-US"/>
           </a:p>
@@ -2459,7 +2460,7 @@
           <a:p>
             <a:fld id="{2919E1E2-61BE-4B8C-866A-656E5D301163}" type="datetimeFigureOut">
               <a:rPr lang="en-US" smtClean="0"/>
-              <a:t>8/26/2019</a:t>
+              <a:t>9/15/2019</a:t>
             </a:fld>
             <a:endParaRPr lang="en-US"/>
           </a:p>
@@ -2639,7 +2640,7 @@
           <a:p>
             <a:fld id="{2919E1E2-61BE-4B8C-866A-656E5D301163}" type="datetimeFigureOut">
               <a:rPr lang="en-US" smtClean="0"/>
-              <a:t>8/26/2019</a:t>
+              <a:t>9/15/2019</a:t>
             </a:fld>
             <a:endParaRPr lang="en-US"/>
           </a:p>
@@ -3013,7 +3014,7 @@
           <a:p>
             <a:fld id="{2919E1E2-61BE-4B8C-866A-656E5D301163}" type="datetimeFigureOut">
               <a:rPr lang="en-US" smtClean="0"/>
-              <a:t>8/26/2019</a:t>
+              <a:t>9/15/2019</a:t>
             </a:fld>
             <a:endParaRPr lang="en-US"/>
           </a:p>
@@ -3245,7 +3246,7 @@
           <a:p>
             <a:fld id="{2919E1E2-61BE-4B8C-866A-656E5D301163}" type="datetimeFigureOut">
               <a:rPr lang="en-US" smtClean="0"/>
-              <a:t>8/26/2019</a:t>
+              <a:t>9/15/2019</a:t>
             </a:fld>
             <a:endParaRPr lang="en-US"/>
           </a:p>
@@ -3612,7 +3613,7 @@
           <a:p>
             <a:fld id="{2919E1E2-61BE-4B8C-866A-656E5D301163}" type="datetimeFigureOut">
               <a:rPr lang="en-US" smtClean="0"/>
-              <a:t>8/26/2019</a:t>
+              <a:t>9/15/2019</a:t>
             </a:fld>
             <a:endParaRPr lang="en-US"/>
           </a:p>
@@ -3730,7 +3731,7 @@
           <a:p>
             <a:fld id="{2919E1E2-61BE-4B8C-866A-656E5D301163}" type="datetimeFigureOut">
               <a:rPr lang="en-US" smtClean="0"/>
-              <a:t>8/26/2019</a:t>
+              <a:t>9/15/2019</a:t>
             </a:fld>
             <a:endParaRPr lang="en-US"/>
           </a:p>
@@ -3825,7 +3826,7 @@
           <a:p>
             <a:fld id="{2919E1E2-61BE-4B8C-866A-656E5D301163}" type="datetimeFigureOut">
               <a:rPr lang="en-US" smtClean="0"/>
-              <a:t>8/26/2019</a:t>
+              <a:t>9/15/2019</a:t>
             </a:fld>
             <a:endParaRPr lang="en-US"/>
           </a:p>
@@ -4102,7 +4103,7 @@
           <a:p>
             <a:fld id="{2919E1E2-61BE-4B8C-866A-656E5D301163}" type="datetimeFigureOut">
               <a:rPr lang="en-US" smtClean="0"/>
-              <a:t>8/26/2019</a:t>
+              <a:t>9/15/2019</a:t>
             </a:fld>
             <a:endParaRPr lang="en-US"/>
           </a:p>
@@ -4359,7 +4360,7 @@
           <a:p>
             <a:fld id="{2919E1E2-61BE-4B8C-866A-656E5D301163}" type="datetimeFigureOut">
               <a:rPr lang="en-US" smtClean="0"/>
-              <a:t>8/26/2019</a:t>
+              <a:t>9/15/2019</a:t>
             </a:fld>
             <a:endParaRPr lang="en-US"/>
           </a:p>
@@ -4572,7 +4573,7 @@
           <a:p>
             <a:fld id="{2919E1E2-61BE-4B8C-866A-656E5D301163}" type="datetimeFigureOut">
               <a:rPr lang="en-US" smtClean="0"/>
-              <a:t>8/26/2019</a:t>
+              <a:t>9/15/2019</a:t>
             </a:fld>
             <a:endParaRPr lang="en-US"/>
           </a:p>
@@ -5099,66 +5100,3307 @@
           <a:p>
             <a:r>
               <a:rPr lang="en-US" dirty="0"/>
-              <a:t>Data-Oriented Design Principles</a:t>
+              <a:t>Studing better impl.</a:t>
             </a:r>
           </a:p>
         </p:txBody>
       </p:sp>
+      <p:graphicFrame>
+        <p:nvGraphicFramePr>
+          <p:cNvPr id="9" name="Content Placeholder 8"/>
+          <p:cNvGraphicFramePr>
+            <a:graphicFrameLocks noGrp="1"/>
+          </p:cNvGraphicFramePr>
+          <p:nvPr>
+            <p:ph idx="1"/>
+            <p:extLst>
+              <p:ext uri="{D42A27DB-BD31-4B8C-83A1-F6EECF244321}">
+                <p14:modId xmlns:p14="http://schemas.microsoft.com/office/powerpoint/2010/main" val="2008635522"/>
+              </p:ext>
+            </p:extLst>
+          </p:nvPr>
+        </p:nvGraphicFramePr>
+        <p:xfrm>
+          <a:off x="838200" y="1825625"/>
+          <a:ext cx="10515600" cy="4351338"/>
+        </p:xfrm>
+        <a:graphic>
+          <a:graphicData uri="http://schemas.openxmlformats.org/drawingml/2006/diagram">
+            <dgm:relIds xmlns:dgm="http://schemas.openxmlformats.org/drawingml/2006/diagram" xmlns:r="http://schemas.openxmlformats.org/officeDocument/2006/relationships" r:dm="rId2" r:lo="rId3" r:qs="rId4" r:cs="rId5"/>
+          </a:graphicData>
+        </a:graphic>
+      </p:graphicFrame>
+      <p:graphicFrame>
+        <p:nvGraphicFramePr>
+          <p:cNvPr id="4" name="Table 3"/>
+          <p:cNvGraphicFramePr>
+            <a:graphicFrameLocks noGrp="1"/>
+          </p:cNvGraphicFramePr>
+          <p:nvPr>
+            <p:extLst>
+              <p:ext uri="{D42A27DB-BD31-4B8C-83A1-F6EECF244321}">
+                <p14:modId xmlns:p14="http://schemas.microsoft.com/office/powerpoint/2010/main" val="2006262097"/>
+              </p:ext>
+            </p:extLst>
+          </p:nvPr>
+        </p:nvGraphicFramePr>
+        <p:xfrm>
+          <a:off x="2167466" y="4529665"/>
+          <a:ext cx="8139292" cy="741680"/>
+        </p:xfrm>
+        <a:graphic>
+          <a:graphicData uri="http://schemas.openxmlformats.org/drawingml/2006/table">
+            <a:tbl>
+              <a:tblPr firstRow="1" bandRow="1">
+                <a:tableStyleId>{5C22544A-7EE6-4342-B048-85BDC9FD1C3A}</a:tableStyleId>
+              </a:tblPr>
+              <a:tblGrid>
+                <a:gridCol w="1162756">
+                  <a:extLst>
+                    <a:ext uri="{9D8B030D-6E8A-4147-A177-3AD203B41FA5}">
+                      <a16:colId xmlns="" xmlns:a16="http://schemas.microsoft.com/office/drawing/2014/main" val="20000"/>
+                    </a:ext>
+                  </a:extLst>
+                </a:gridCol>
+                <a:gridCol w="1162756">
+                  <a:extLst>
+                    <a:ext uri="{9D8B030D-6E8A-4147-A177-3AD203B41FA5}">
+                      <a16:colId xmlns="" xmlns:a16="http://schemas.microsoft.com/office/drawing/2014/main" val="20001"/>
+                    </a:ext>
+                  </a:extLst>
+                </a:gridCol>
+                <a:gridCol w="1162756">
+                  <a:extLst>
+                    <a:ext uri="{9D8B030D-6E8A-4147-A177-3AD203B41FA5}">
+                      <a16:colId xmlns="" xmlns:a16="http://schemas.microsoft.com/office/drawing/2014/main" val="20002"/>
+                    </a:ext>
+                  </a:extLst>
+                </a:gridCol>
+                <a:gridCol w="1162756">
+                  <a:extLst>
+                    <a:ext uri="{9D8B030D-6E8A-4147-A177-3AD203B41FA5}">
+                      <a16:colId xmlns="" xmlns:a16="http://schemas.microsoft.com/office/drawing/2014/main" val="20003"/>
+                    </a:ext>
+                  </a:extLst>
+                </a:gridCol>
+                <a:gridCol w="1162756">
+                  <a:extLst>
+                    <a:ext uri="{9D8B030D-6E8A-4147-A177-3AD203B41FA5}">
+                      <a16:colId xmlns="" xmlns:a16="http://schemas.microsoft.com/office/drawing/2014/main" val="20004"/>
+                    </a:ext>
+                  </a:extLst>
+                </a:gridCol>
+                <a:gridCol w="1162756">
+                  <a:extLst>
+                    <a:ext uri="{9D8B030D-6E8A-4147-A177-3AD203B41FA5}">
+                      <a16:colId xmlns="" xmlns:a16="http://schemas.microsoft.com/office/drawing/2014/main" val="20005"/>
+                    </a:ext>
+                  </a:extLst>
+                </a:gridCol>
+                <a:gridCol w="1162756">
+                  <a:extLst>
+                    <a:ext uri="{9D8B030D-6E8A-4147-A177-3AD203B41FA5}">
+                      <a16:colId xmlns="" xmlns:a16="http://schemas.microsoft.com/office/drawing/2014/main" val="20006"/>
+                    </a:ext>
+                  </a:extLst>
+                </a:gridCol>
+              </a:tblGrid>
+              <a:tr h="370840">
+                <a:tc>
+                  <a:txBody>
+                    <a:bodyPr/>
+                    <a:lstStyle/>
+                    <a:p>
+                      <a:r>
+                        <a:rPr lang="en-US" b="0" dirty="0">
+                          <a:solidFill>
+                            <a:schemeClr val="bg1"/>
+                          </a:solidFill>
+                        </a:rPr>
+                        <a:t>8bytes</a:t>
+                      </a:r>
+                    </a:p>
+                  </a:txBody>
+                  <a:tcPr>
+                    <a:lnL w="12700" cap="flat" cmpd="sng" algn="ctr">
+                      <a:solidFill>
+                        <a:schemeClr val="tx1"/>
+                      </a:solidFill>
+                      <a:prstDash val="solid"/>
+                      <a:round/>
+                      <a:headEnd type="none" w="med" len="med"/>
+                      <a:tailEnd type="none" w="med" len="med"/>
+                    </a:lnL>
+                    <a:lnR w="12700" cap="flat" cmpd="sng" algn="ctr">
+                      <a:solidFill>
+                        <a:schemeClr val="tx1"/>
+                      </a:solidFill>
+                      <a:prstDash val="solid"/>
+                      <a:round/>
+                      <a:headEnd type="none" w="med" len="med"/>
+                      <a:tailEnd type="none" w="med" len="med"/>
+                    </a:lnR>
+                    <a:lnT w="12700" cap="flat" cmpd="sng" algn="ctr">
+                      <a:solidFill>
+                        <a:schemeClr val="tx1"/>
+                      </a:solidFill>
+                      <a:prstDash val="solid"/>
+                      <a:round/>
+                      <a:headEnd type="none" w="med" len="med"/>
+                      <a:tailEnd type="none" w="med" len="med"/>
+                    </a:lnT>
+                    <a:lnB w="12700" cap="flat" cmpd="sng" algn="ctr">
+                      <a:solidFill>
+                        <a:schemeClr val="tx1"/>
+                      </a:solidFill>
+                      <a:prstDash val="solid"/>
+                      <a:round/>
+                      <a:headEnd type="none" w="med" len="med"/>
+                      <a:tailEnd type="none" w="med" len="med"/>
+                    </a:lnB>
+                    <a:lnTlToBr w="12700" cmpd="sng">
+                      <a:noFill/>
+                      <a:prstDash val="solid"/>
+                    </a:lnTlToBr>
+                    <a:lnBlToTr w="12700" cmpd="sng">
+                      <a:noFill/>
+                      <a:prstDash val="solid"/>
+                    </a:lnBlToTr>
+                    <a:solidFill>
+                      <a:schemeClr val="tx1">
+                        <a:lumMod val="50000"/>
+                      </a:schemeClr>
+                    </a:solidFill>
+                  </a:tcPr>
+                </a:tc>
+                <a:tc>
+                  <a:txBody>
+                    <a:bodyPr/>
+                    <a:lstStyle/>
+                    <a:p>
+                      <a:pPr marL="0" algn="l" defTabSz="914400" rtl="0" eaLnBrk="1" latinLnBrk="0" hangingPunct="1"/>
+                      <a:r>
+                        <a:rPr lang="en-US" sz="1800" b="0" kern="1200" dirty="0">
+                          <a:solidFill>
+                            <a:schemeClr val="dk1"/>
+                          </a:solidFill>
+                          <a:latin typeface="+mn-lt"/>
+                          <a:ea typeface="+mn-ea"/>
+                          <a:cs typeface="+mn-cs"/>
+                        </a:rPr>
+                        <a:t>Position</a:t>
+                      </a:r>
+                    </a:p>
+                  </a:txBody>
+                  <a:tcPr>
+                    <a:lnL w="12700" cap="flat" cmpd="sng" algn="ctr">
+                      <a:solidFill>
+                        <a:schemeClr val="tx1"/>
+                      </a:solidFill>
+                      <a:prstDash val="solid"/>
+                      <a:round/>
+                      <a:headEnd type="none" w="med" len="med"/>
+                      <a:tailEnd type="none" w="med" len="med"/>
+                    </a:lnL>
+                    <a:lnR w="12700" cap="flat" cmpd="sng" algn="ctr">
+                      <a:solidFill>
+                        <a:schemeClr val="tx1"/>
+                      </a:solidFill>
+                      <a:prstDash val="solid"/>
+                      <a:round/>
+                      <a:headEnd type="none" w="med" len="med"/>
+                      <a:tailEnd type="none" w="med" len="med"/>
+                    </a:lnR>
+                    <a:lnT w="12700" cap="flat" cmpd="sng" algn="ctr">
+                      <a:solidFill>
+                        <a:schemeClr val="tx1"/>
+                      </a:solidFill>
+                      <a:prstDash val="solid"/>
+                      <a:round/>
+                      <a:headEnd type="none" w="med" len="med"/>
+                      <a:tailEnd type="none" w="med" len="med"/>
+                    </a:lnT>
+                    <a:lnB w="12700" cap="flat" cmpd="sng" algn="ctr">
+                      <a:solidFill>
+                        <a:schemeClr val="tx1"/>
+                      </a:solidFill>
+                      <a:prstDash val="solid"/>
+                      <a:round/>
+                      <a:headEnd type="none" w="med" len="med"/>
+                      <a:tailEnd type="none" w="med" len="med"/>
+                    </a:lnB>
+                    <a:lnTlToBr w="12700" cmpd="sng">
+                      <a:noFill/>
+                      <a:prstDash val="solid"/>
+                    </a:lnTlToBr>
+                    <a:lnBlToTr w="12700" cmpd="sng">
+                      <a:noFill/>
+                      <a:prstDash val="solid"/>
+                    </a:lnBlToTr>
+                    <a:solidFill>
+                      <a:schemeClr val="bg2">
+                        <a:lumMod val="60000"/>
+                        <a:lumOff val="40000"/>
+                      </a:schemeClr>
+                    </a:solidFill>
+                  </a:tcPr>
+                </a:tc>
+                <a:tc>
+                  <a:txBody>
+                    <a:bodyPr/>
+                    <a:lstStyle/>
+                    <a:p>
+                      <a:pPr marL="0" algn="l" defTabSz="914400" rtl="0" eaLnBrk="1" latinLnBrk="0" hangingPunct="1"/>
+                      <a:r>
+                        <a:rPr lang="en-US" sz="1800" b="0" kern="1200" dirty="0">
+                          <a:solidFill>
+                            <a:schemeClr val="dk1"/>
+                          </a:solidFill>
+                          <a:latin typeface="+mn-lt"/>
+                          <a:ea typeface="+mn-ea"/>
+                          <a:cs typeface="+mn-cs"/>
+                        </a:rPr>
+                        <a:t>Position</a:t>
+                      </a:r>
+                    </a:p>
+                  </a:txBody>
+                  <a:tcPr>
+                    <a:lnL w="12700" cap="flat" cmpd="sng" algn="ctr">
+                      <a:solidFill>
+                        <a:schemeClr val="tx1"/>
+                      </a:solidFill>
+                      <a:prstDash val="solid"/>
+                      <a:round/>
+                      <a:headEnd type="none" w="med" len="med"/>
+                      <a:tailEnd type="none" w="med" len="med"/>
+                    </a:lnL>
+                    <a:lnR w="12700" cap="flat" cmpd="sng" algn="ctr">
+                      <a:solidFill>
+                        <a:schemeClr val="tx1"/>
+                      </a:solidFill>
+                      <a:prstDash val="solid"/>
+                      <a:round/>
+                      <a:headEnd type="none" w="med" len="med"/>
+                      <a:tailEnd type="none" w="med" len="med"/>
+                    </a:lnR>
+                    <a:lnT w="12700" cap="flat" cmpd="sng" algn="ctr">
+                      <a:solidFill>
+                        <a:schemeClr val="tx1"/>
+                      </a:solidFill>
+                      <a:prstDash val="solid"/>
+                      <a:round/>
+                      <a:headEnd type="none" w="med" len="med"/>
+                      <a:tailEnd type="none" w="med" len="med"/>
+                    </a:lnT>
+                    <a:lnB w="12700" cap="flat" cmpd="sng" algn="ctr">
+                      <a:solidFill>
+                        <a:schemeClr val="tx1"/>
+                      </a:solidFill>
+                      <a:prstDash val="solid"/>
+                      <a:round/>
+                      <a:headEnd type="none" w="med" len="med"/>
+                      <a:tailEnd type="none" w="med" len="med"/>
+                    </a:lnB>
+                    <a:lnTlToBr w="12700" cmpd="sng">
+                      <a:noFill/>
+                      <a:prstDash val="solid"/>
+                    </a:lnTlToBr>
+                    <a:lnBlToTr w="12700" cmpd="sng">
+                      <a:noFill/>
+                      <a:prstDash val="solid"/>
+                    </a:lnBlToTr>
+                    <a:solidFill>
+                      <a:schemeClr val="bg2">
+                        <a:lumMod val="60000"/>
+                        <a:lumOff val="40000"/>
+                      </a:schemeClr>
+                    </a:solidFill>
+                  </a:tcPr>
+                </a:tc>
+                <a:tc>
+                  <a:txBody>
+                    <a:bodyPr/>
+                    <a:lstStyle/>
+                    <a:p>
+                      <a:pPr marL="0" algn="l" defTabSz="914400" rtl="0" eaLnBrk="1" latinLnBrk="0" hangingPunct="1"/>
+                      <a:r>
+                        <a:rPr lang="en-US" sz="1800" b="0" kern="1200" dirty="0">
+                          <a:solidFill>
+                            <a:schemeClr val="dk1"/>
+                          </a:solidFill>
+                          <a:latin typeface="+mn-lt"/>
+                          <a:ea typeface="+mn-ea"/>
+                          <a:cs typeface="+mn-cs"/>
+                        </a:rPr>
+                        <a:t>Position</a:t>
+                      </a:r>
+                    </a:p>
+                  </a:txBody>
+                  <a:tcPr>
+                    <a:lnL w="12700" cap="flat" cmpd="sng" algn="ctr">
+                      <a:solidFill>
+                        <a:schemeClr val="tx1"/>
+                      </a:solidFill>
+                      <a:prstDash val="solid"/>
+                      <a:round/>
+                      <a:headEnd type="none" w="med" len="med"/>
+                      <a:tailEnd type="none" w="med" len="med"/>
+                    </a:lnL>
+                    <a:lnR w="12700" cap="flat" cmpd="sng" algn="ctr">
+                      <a:solidFill>
+                        <a:schemeClr val="tx1"/>
+                      </a:solidFill>
+                      <a:prstDash val="solid"/>
+                      <a:round/>
+                      <a:headEnd type="none" w="med" len="med"/>
+                      <a:tailEnd type="none" w="med" len="med"/>
+                    </a:lnR>
+                    <a:lnT w="12700" cap="flat" cmpd="sng" algn="ctr">
+                      <a:solidFill>
+                        <a:schemeClr val="tx1"/>
+                      </a:solidFill>
+                      <a:prstDash val="solid"/>
+                      <a:round/>
+                      <a:headEnd type="none" w="med" len="med"/>
+                      <a:tailEnd type="none" w="med" len="med"/>
+                    </a:lnT>
+                    <a:lnB w="12700" cap="flat" cmpd="sng" algn="ctr">
+                      <a:solidFill>
+                        <a:schemeClr val="tx1"/>
+                      </a:solidFill>
+                      <a:prstDash val="solid"/>
+                      <a:round/>
+                      <a:headEnd type="none" w="med" len="med"/>
+                      <a:tailEnd type="none" w="med" len="med"/>
+                    </a:lnB>
+                    <a:lnTlToBr w="12700" cmpd="sng">
+                      <a:noFill/>
+                      <a:prstDash val="solid"/>
+                    </a:lnTlToBr>
+                    <a:lnBlToTr w="12700" cmpd="sng">
+                      <a:noFill/>
+                      <a:prstDash val="solid"/>
+                    </a:lnBlToTr>
+                    <a:solidFill>
+                      <a:schemeClr val="bg2">
+                        <a:lumMod val="60000"/>
+                        <a:lumOff val="40000"/>
+                      </a:schemeClr>
+                    </a:solidFill>
+                  </a:tcPr>
+                </a:tc>
+                <a:tc>
+                  <a:txBody>
+                    <a:bodyPr/>
+                    <a:lstStyle/>
+                    <a:p>
+                      <a:pPr marL="0" algn="l" defTabSz="914400" rtl="0" eaLnBrk="1" latinLnBrk="0" hangingPunct="1"/>
+                      <a:r>
+                        <a:rPr lang="en-US" sz="1800" b="0" kern="1200" dirty="0">
+                          <a:solidFill>
+                            <a:schemeClr val="dk1"/>
+                          </a:solidFill>
+                          <a:latin typeface="+mn-lt"/>
+                          <a:ea typeface="+mn-ea"/>
+                          <a:cs typeface="+mn-cs"/>
+                        </a:rPr>
+                        <a:t>Position</a:t>
+                      </a:r>
+                    </a:p>
+                  </a:txBody>
+                  <a:tcPr>
+                    <a:lnL w="12700" cap="flat" cmpd="sng" algn="ctr">
+                      <a:solidFill>
+                        <a:schemeClr val="tx1"/>
+                      </a:solidFill>
+                      <a:prstDash val="solid"/>
+                      <a:round/>
+                      <a:headEnd type="none" w="med" len="med"/>
+                      <a:tailEnd type="none" w="med" len="med"/>
+                    </a:lnL>
+                    <a:lnR w="12700" cap="flat" cmpd="sng" algn="ctr">
+                      <a:solidFill>
+                        <a:schemeClr val="tx1"/>
+                      </a:solidFill>
+                      <a:prstDash val="solid"/>
+                      <a:round/>
+                      <a:headEnd type="none" w="med" len="med"/>
+                      <a:tailEnd type="none" w="med" len="med"/>
+                    </a:lnR>
+                    <a:lnT w="12700" cap="flat" cmpd="sng" algn="ctr">
+                      <a:solidFill>
+                        <a:schemeClr val="tx1"/>
+                      </a:solidFill>
+                      <a:prstDash val="solid"/>
+                      <a:round/>
+                      <a:headEnd type="none" w="med" len="med"/>
+                      <a:tailEnd type="none" w="med" len="med"/>
+                    </a:lnT>
+                    <a:lnB w="12700" cap="flat" cmpd="sng" algn="ctr">
+                      <a:solidFill>
+                        <a:schemeClr val="tx1"/>
+                      </a:solidFill>
+                      <a:prstDash val="solid"/>
+                      <a:round/>
+                      <a:headEnd type="none" w="med" len="med"/>
+                      <a:tailEnd type="none" w="med" len="med"/>
+                    </a:lnB>
+                    <a:lnTlToBr w="12700" cmpd="sng">
+                      <a:noFill/>
+                      <a:prstDash val="solid"/>
+                    </a:lnTlToBr>
+                    <a:lnBlToTr w="12700" cmpd="sng">
+                      <a:noFill/>
+                      <a:prstDash val="solid"/>
+                    </a:lnBlToTr>
+                    <a:solidFill>
+                      <a:schemeClr val="bg2">
+                        <a:lumMod val="60000"/>
+                        <a:lumOff val="40000"/>
+                      </a:schemeClr>
+                    </a:solidFill>
+                  </a:tcPr>
+                </a:tc>
+                <a:tc>
+                  <a:txBody>
+                    <a:bodyPr/>
+                    <a:lstStyle/>
+                    <a:p>
+                      <a:pPr marL="0" algn="l" defTabSz="914400" rtl="0" eaLnBrk="1" latinLnBrk="0" hangingPunct="1"/>
+                      <a:r>
+                        <a:rPr lang="en-US" sz="1800" b="0" kern="1200" dirty="0">
+                          <a:solidFill>
+                            <a:schemeClr val="dk1"/>
+                          </a:solidFill>
+                          <a:latin typeface="+mn-lt"/>
+                          <a:ea typeface="+mn-ea"/>
+                          <a:cs typeface="+mn-cs"/>
+                        </a:rPr>
+                        <a:t>Position</a:t>
+                      </a:r>
+                    </a:p>
+                  </a:txBody>
+                  <a:tcPr>
+                    <a:lnL w="12700" cap="flat" cmpd="sng" algn="ctr">
+                      <a:solidFill>
+                        <a:schemeClr val="tx1"/>
+                      </a:solidFill>
+                      <a:prstDash val="solid"/>
+                      <a:round/>
+                      <a:headEnd type="none" w="med" len="med"/>
+                      <a:tailEnd type="none" w="med" len="med"/>
+                    </a:lnL>
+                    <a:lnR w="12700" cap="flat" cmpd="sng" algn="ctr">
+                      <a:solidFill>
+                        <a:schemeClr val="tx1"/>
+                      </a:solidFill>
+                      <a:prstDash val="solid"/>
+                      <a:round/>
+                      <a:headEnd type="none" w="med" len="med"/>
+                      <a:tailEnd type="none" w="med" len="med"/>
+                    </a:lnR>
+                    <a:lnT w="12700" cap="flat" cmpd="sng" algn="ctr">
+                      <a:solidFill>
+                        <a:schemeClr val="tx1"/>
+                      </a:solidFill>
+                      <a:prstDash val="solid"/>
+                      <a:round/>
+                      <a:headEnd type="none" w="med" len="med"/>
+                      <a:tailEnd type="none" w="med" len="med"/>
+                    </a:lnT>
+                    <a:lnB w="12700" cap="flat" cmpd="sng" algn="ctr">
+                      <a:solidFill>
+                        <a:schemeClr val="tx1"/>
+                      </a:solidFill>
+                      <a:prstDash val="solid"/>
+                      <a:round/>
+                      <a:headEnd type="none" w="med" len="med"/>
+                      <a:tailEnd type="none" w="med" len="med"/>
+                    </a:lnB>
+                    <a:lnTlToBr w="12700" cmpd="sng">
+                      <a:noFill/>
+                      <a:prstDash val="solid"/>
+                    </a:lnTlToBr>
+                    <a:lnBlToTr w="12700" cmpd="sng">
+                      <a:noFill/>
+                      <a:prstDash val="solid"/>
+                    </a:lnBlToTr>
+                    <a:solidFill>
+                      <a:schemeClr val="bg2">
+                        <a:lumMod val="60000"/>
+                        <a:lumOff val="40000"/>
+                      </a:schemeClr>
+                    </a:solidFill>
+                  </a:tcPr>
+                </a:tc>
+                <a:tc>
+                  <a:txBody>
+                    <a:bodyPr/>
+                    <a:lstStyle/>
+                    <a:p>
+                      <a:r>
+                        <a:rPr lang="en-US" sz="1800" b="0" kern="1200" dirty="0">
+                          <a:solidFill>
+                            <a:schemeClr val="dk1"/>
+                          </a:solidFill>
+                          <a:latin typeface="+mn-lt"/>
+                          <a:ea typeface="+mn-ea"/>
+                          <a:cs typeface="+mn-cs"/>
+                        </a:rPr>
+                        <a:t>Position</a:t>
+                      </a:r>
+                      <a:endParaRPr lang="en-US" b="0" dirty="0"/>
+                    </a:p>
+                  </a:txBody>
+                  <a:tcPr>
+                    <a:lnL w="12700" cap="flat" cmpd="sng" algn="ctr">
+                      <a:solidFill>
+                        <a:schemeClr val="tx1"/>
+                      </a:solidFill>
+                      <a:prstDash val="solid"/>
+                      <a:round/>
+                      <a:headEnd type="none" w="med" len="med"/>
+                      <a:tailEnd type="none" w="med" len="med"/>
+                    </a:lnL>
+                    <a:lnR w="12700" cap="flat" cmpd="sng" algn="ctr">
+                      <a:solidFill>
+                        <a:schemeClr val="tx1"/>
+                      </a:solidFill>
+                      <a:prstDash val="solid"/>
+                      <a:round/>
+                      <a:headEnd type="none" w="med" len="med"/>
+                      <a:tailEnd type="none" w="med" len="med"/>
+                    </a:lnR>
+                    <a:lnT w="12700" cap="flat" cmpd="sng" algn="ctr">
+                      <a:solidFill>
+                        <a:schemeClr val="tx1"/>
+                      </a:solidFill>
+                      <a:prstDash val="solid"/>
+                      <a:round/>
+                      <a:headEnd type="none" w="med" len="med"/>
+                      <a:tailEnd type="none" w="med" len="med"/>
+                    </a:lnT>
+                    <a:lnB w="12700" cap="flat" cmpd="sng" algn="ctr">
+                      <a:solidFill>
+                        <a:schemeClr val="tx1"/>
+                      </a:solidFill>
+                      <a:prstDash val="solid"/>
+                      <a:round/>
+                      <a:headEnd type="none" w="med" len="med"/>
+                      <a:tailEnd type="none" w="med" len="med"/>
+                    </a:lnB>
+                    <a:lnTlToBr w="12700" cmpd="sng">
+                      <a:noFill/>
+                      <a:prstDash val="solid"/>
+                    </a:lnTlToBr>
+                    <a:lnBlToTr w="12700" cmpd="sng">
+                      <a:noFill/>
+                      <a:prstDash val="solid"/>
+                    </a:lnBlToTr>
+                    <a:solidFill>
+                      <a:schemeClr val="bg2">
+                        <a:lumMod val="60000"/>
+                        <a:lumOff val="40000"/>
+                      </a:schemeClr>
+                    </a:solidFill>
+                  </a:tcPr>
+                </a:tc>
+                <a:extLst>
+                  <a:ext uri="{0D108BD9-81ED-4DB2-BD59-A6C34878D82A}">
+                    <a16:rowId xmlns="" xmlns:a16="http://schemas.microsoft.com/office/drawing/2014/main" val="10000"/>
+                  </a:ext>
+                </a:extLst>
+              </a:tr>
+              <a:tr h="370840">
+                <a:tc>
+                  <a:txBody>
+                    <a:bodyPr/>
+                    <a:lstStyle/>
+                    <a:p>
+                      <a:r>
+                        <a:rPr lang="en-US" dirty="0"/>
+                        <a:t>12bytes</a:t>
+                      </a:r>
+                    </a:p>
+                  </a:txBody>
+                  <a:tcPr>
+                    <a:lnL w="12700" cap="flat" cmpd="sng" algn="ctr">
+                      <a:solidFill>
+                        <a:schemeClr val="tx1"/>
+                      </a:solidFill>
+                      <a:prstDash val="solid"/>
+                      <a:round/>
+                      <a:headEnd type="none" w="med" len="med"/>
+                      <a:tailEnd type="none" w="med" len="med"/>
+                    </a:lnL>
+                    <a:lnR w="12700" cap="flat" cmpd="sng" algn="ctr">
+                      <a:solidFill>
+                        <a:schemeClr val="tx1"/>
+                      </a:solidFill>
+                      <a:prstDash val="solid"/>
+                      <a:round/>
+                      <a:headEnd type="none" w="med" len="med"/>
+                      <a:tailEnd type="none" w="med" len="med"/>
+                    </a:lnR>
+                    <a:lnT w="12700" cap="flat" cmpd="sng" algn="ctr">
+                      <a:solidFill>
+                        <a:schemeClr val="tx1"/>
+                      </a:solidFill>
+                      <a:prstDash val="solid"/>
+                      <a:round/>
+                      <a:headEnd type="none" w="med" len="med"/>
+                      <a:tailEnd type="none" w="med" len="med"/>
+                    </a:lnT>
+                    <a:lnB w="12700" cap="flat" cmpd="sng" algn="ctr">
+                      <a:solidFill>
+                        <a:schemeClr val="tx1"/>
+                      </a:solidFill>
+                      <a:prstDash val="solid"/>
+                      <a:round/>
+                      <a:headEnd type="none" w="med" len="med"/>
+                      <a:tailEnd type="none" w="med" len="med"/>
+                    </a:lnB>
+                    <a:lnTlToBr w="12700" cmpd="sng">
+                      <a:noFill/>
+                      <a:prstDash val="solid"/>
+                    </a:lnTlToBr>
+                    <a:lnBlToTr w="12700" cmpd="sng">
+                      <a:noFill/>
+                      <a:prstDash val="solid"/>
+                    </a:lnBlToTr>
+                    <a:solidFill>
+                      <a:schemeClr val="tx1">
+                        <a:lumMod val="50000"/>
+                      </a:schemeClr>
+                    </a:solidFill>
+                  </a:tcPr>
+                </a:tc>
+                <a:tc>
+                  <a:txBody>
+                    <a:bodyPr/>
+                    <a:lstStyle/>
+                    <a:p>
+                      <a:r>
+                        <a:rPr lang="en-US" sz="1800" kern="1200" dirty="0">
+                          <a:solidFill>
+                            <a:schemeClr val="dk1"/>
+                          </a:solidFill>
+                          <a:latin typeface="+mn-lt"/>
+                          <a:ea typeface="+mn-ea"/>
+                          <a:cs typeface="+mn-cs"/>
+                        </a:rPr>
+                        <a:t>Step</a:t>
+                      </a:r>
+                      <a:endParaRPr lang="en-US" dirty="0"/>
+                    </a:p>
+                  </a:txBody>
+                  <a:tcPr>
+                    <a:lnL w="12700" cap="flat" cmpd="sng" algn="ctr">
+                      <a:solidFill>
+                        <a:schemeClr val="tx1"/>
+                      </a:solidFill>
+                      <a:prstDash val="solid"/>
+                      <a:round/>
+                      <a:headEnd type="none" w="med" len="med"/>
+                      <a:tailEnd type="none" w="med" len="med"/>
+                    </a:lnL>
+                    <a:lnR w="12700" cap="flat" cmpd="sng" algn="ctr">
+                      <a:solidFill>
+                        <a:schemeClr val="tx1"/>
+                      </a:solidFill>
+                      <a:prstDash val="solid"/>
+                      <a:round/>
+                      <a:headEnd type="none" w="med" len="med"/>
+                      <a:tailEnd type="none" w="med" len="med"/>
+                    </a:lnR>
+                    <a:lnT w="12700" cap="flat" cmpd="sng" algn="ctr">
+                      <a:solidFill>
+                        <a:schemeClr val="tx1"/>
+                      </a:solidFill>
+                      <a:prstDash val="solid"/>
+                      <a:round/>
+                      <a:headEnd type="none" w="med" len="med"/>
+                      <a:tailEnd type="none" w="med" len="med"/>
+                    </a:lnT>
+                    <a:lnB w="12700" cap="flat" cmpd="sng" algn="ctr">
+                      <a:solidFill>
+                        <a:schemeClr val="tx1"/>
+                      </a:solidFill>
+                      <a:prstDash val="solid"/>
+                      <a:round/>
+                      <a:headEnd type="none" w="med" len="med"/>
+                      <a:tailEnd type="none" w="med" len="med"/>
+                    </a:lnB>
+                    <a:lnTlToBr w="12700" cmpd="sng">
+                      <a:noFill/>
+                      <a:prstDash val="solid"/>
+                    </a:lnTlToBr>
+                    <a:lnBlToTr w="12700" cmpd="sng">
+                      <a:noFill/>
+                      <a:prstDash val="solid"/>
+                    </a:lnBlToTr>
+                    <a:solidFill>
+                      <a:schemeClr val="accent2">
+                        <a:lumMod val="60000"/>
+                        <a:lumOff val="40000"/>
+                      </a:schemeClr>
+                    </a:solidFill>
+                  </a:tcPr>
+                </a:tc>
+                <a:tc>
+                  <a:txBody>
+                    <a:bodyPr/>
+                    <a:lstStyle/>
+                    <a:p>
+                      <a:r>
+                        <a:rPr lang="en-US" dirty="0"/>
+                        <a:t>StepCount</a:t>
+                      </a:r>
+                    </a:p>
+                  </a:txBody>
+                  <a:tcPr>
+                    <a:lnL w="12700" cap="flat" cmpd="sng" algn="ctr">
+                      <a:solidFill>
+                        <a:schemeClr val="tx1"/>
+                      </a:solidFill>
+                      <a:prstDash val="solid"/>
+                      <a:round/>
+                      <a:headEnd type="none" w="med" len="med"/>
+                      <a:tailEnd type="none" w="med" len="med"/>
+                    </a:lnL>
+                    <a:lnR w="12700" cap="flat" cmpd="sng" algn="ctr">
+                      <a:solidFill>
+                        <a:schemeClr val="tx1"/>
+                      </a:solidFill>
+                      <a:prstDash val="solid"/>
+                      <a:round/>
+                      <a:headEnd type="none" w="med" len="med"/>
+                      <a:tailEnd type="none" w="med" len="med"/>
+                    </a:lnR>
+                    <a:lnT w="12700" cap="flat" cmpd="sng" algn="ctr">
+                      <a:solidFill>
+                        <a:schemeClr val="tx1"/>
+                      </a:solidFill>
+                      <a:prstDash val="solid"/>
+                      <a:round/>
+                      <a:headEnd type="none" w="med" len="med"/>
+                      <a:tailEnd type="none" w="med" len="med"/>
+                    </a:lnT>
+                    <a:lnB w="12700" cap="flat" cmpd="sng" algn="ctr">
+                      <a:solidFill>
+                        <a:schemeClr val="tx1"/>
+                      </a:solidFill>
+                      <a:prstDash val="solid"/>
+                      <a:round/>
+                      <a:headEnd type="none" w="med" len="med"/>
+                      <a:tailEnd type="none" w="med" len="med"/>
+                    </a:lnB>
+                    <a:lnTlToBr w="12700" cmpd="sng">
+                      <a:noFill/>
+                      <a:prstDash val="solid"/>
+                    </a:lnTlToBr>
+                    <a:lnBlToTr w="12700" cmpd="sng">
+                      <a:noFill/>
+                      <a:prstDash val="solid"/>
+                    </a:lnBlToTr>
+                    <a:solidFill>
+                      <a:schemeClr val="accent4">
+                        <a:lumMod val="60000"/>
+                        <a:lumOff val="40000"/>
+                      </a:schemeClr>
+                    </a:solidFill>
+                  </a:tcPr>
+                </a:tc>
+                <a:tc>
+                  <a:txBody>
+                    <a:bodyPr/>
+                    <a:lstStyle/>
+                    <a:p>
+                      <a:r>
+                        <a:rPr lang="en-US" sz="1800" kern="1200" dirty="0">
+                          <a:solidFill>
+                            <a:schemeClr val="dk1"/>
+                          </a:solidFill>
+                          <a:latin typeface="+mn-lt"/>
+                          <a:ea typeface="+mn-ea"/>
+                          <a:cs typeface="+mn-cs"/>
+                        </a:rPr>
+                        <a:t>Step</a:t>
+                      </a:r>
+                      <a:endParaRPr lang="en-US" dirty="0"/>
+                    </a:p>
+                  </a:txBody>
+                  <a:tcPr>
+                    <a:lnL w="12700" cap="flat" cmpd="sng" algn="ctr">
+                      <a:solidFill>
+                        <a:schemeClr val="tx1"/>
+                      </a:solidFill>
+                      <a:prstDash val="solid"/>
+                      <a:round/>
+                      <a:headEnd type="none" w="med" len="med"/>
+                      <a:tailEnd type="none" w="med" len="med"/>
+                    </a:lnL>
+                    <a:lnR w="12700" cap="flat" cmpd="sng" algn="ctr">
+                      <a:solidFill>
+                        <a:schemeClr val="tx1"/>
+                      </a:solidFill>
+                      <a:prstDash val="solid"/>
+                      <a:round/>
+                      <a:headEnd type="none" w="med" len="med"/>
+                      <a:tailEnd type="none" w="med" len="med"/>
+                    </a:lnR>
+                    <a:lnT w="12700" cap="flat" cmpd="sng" algn="ctr">
+                      <a:solidFill>
+                        <a:schemeClr val="tx1"/>
+                      </a:solidFill>
+                      <a:prstDash val="solid"/>
+                      <a:round/>
+                      <a:headEnd type="none" w="med" len="med"/>
+                      <a:tailEnd type="none" w="med" len="med"/>
+                    </a:lnT>
+                    <a:lnB w="12700" cap="flat" cmpd="sng" algn="ctr">
+                      <a:solidFill>
+                        <a:schemeClr val="tx1"/>
+                      </a:solidFill>
+                      <a:prstDash val="solid"/>
+                      <a:round/>
+                      <a:headEnd type="none" w="med" len="med"/>
+                      <a:tailEnd type="none" w="med" len="med"/>
+                    </a:lnB>
+                    <a:lnTlToBr w="12700" cmpd="sng">
+                      <a:noFill/>
+                      <a:prstDash val="solid"/>
+                    </a:lnTlToBr>
+                    <a:lnBlToTr w="12700" cmpd="sng">
+                      <a:noFill/>
+                      <a:prstDash val="solid"/>
+                    </a:lnBlToTr>
+                    <a:solidFill>
+                      <a:schemeClr val="accent2">
+                        <a:lumMod val="60000"/>
+                        <a:lumOff val="40000"/>
+                      </a:schemeClr>
+                    </a:solidFill>
+                  </a:tcPr>
+                </a:tc>
+                <a:tc>
+                  <a:txBody>
+                    <a:bodyPr/>
+                    <a:lstStyle/>
+                    <a:p>
+                      <a:r>
+                        <a:rPr lang="en-US" dirty="0"/>
+                        <a:t>StepCount</a:t>
+                      </a:r>
+                    </a:p>
+                  </a:txBody>
+                  <a:tcPr>
+                    <a:lnL w="12700" cap="flat" cmpd="sng" algn="ctr">
+                      <a:solidFill>
+                        <a:schemeClr val="tx1"/>
+                      </a:solidFill>
+                      <a:prstDash val="solid"/>
+                      <a:round/>
+                      <a:headEnd type="none" w="med" len="med"/>
+                      <a:tailEnd type="none" w="med" len="med"/>
+                    </a:lnL>
+                    <a:lnR w="12700" cap="flat" cmpd="sng" algn="ctr">
+                      <a:solidFill>
+                        <a:schemeClr val="tx1"/>
+                      </a:solidFill>
+                      <a:prstDash val="solid"/>
+                      <a:round/>
+                      <a:headEnd type="none" w="med" len="med"/>
+                      <a:tailEnd type="none" w="med" len="med"/>
+                    </a:lnR>
+                    <a:lnT w="12700" cap="flat" cmpd="sng" algn="ctr">
+                      <a:solidFill>
+                        <a:schemeClr val="tx1"/>
+                      </a:solidFill>
+                      <a:prstDash val="solid"/>
+                      <a:round/>
+                      <a:headEnd type="none" w="med" len="med"/>
+                      <a:tailEnd type="none" w="med" len="med"/>
+                    </a:lnT>
+                    <a:lnB w="12700" cap="flat" cmpd="sng" algn="ctr">
+                      <a:solidFill>
+                        <a:schemeClr val="tx1"/>
+                      </a:solidFill>
+                      <a:prstDash val="solid"/>
+                      <a:round/>
+                      <a:headEnd type="none" w="med" len="med"/>
+                      <a:tailEnd type="none" w="med" len="med"/>
+                    </a:lnB>
+                    <a:lnTlToBr w="12700" cmpd="sng">
+                      <a:noFill/>
+                      <a:prstDash val="solid"/>
+                    </a:lnTlToBr>
+                    <a:lnBlToTr w="12700" cmpd="sng">
+                      <a:noFill/>
+                      <a:prstDash val="solid"/>
+                    </a:lnBlToTr>
+                    <a:solidFill>
+                      <a:schemeClr val="accent4">
+                        <a:lumMod val="60000"/>
+                        <a:lumOff val="40000"/>
+                      </a:schemeClr>
+                    </a:solidFill>
+                  </a:tcPr>
+                </a:tc>
+                <a:tc>
+                  <a:txBody>
+                    <a:bodyPr/>
+                    <a:lstStyle/>
+                    <a:p>
+                      <a:r>
+                        <a:rPr lang="en-US" sz="1800" kern="1200" dirty="0">
+                          <a:solidFill>
+                            <a:schemeClr val="dk1"/>
+                          </a:solidFill>
+                          <a:latin typeface="+mn-lt"/>
+                          <a:ea typeface="+mn-ea"/>
+                          <a:cs typeface="+mn-cs"/>
+                        </a:rPr>
+                        <a:t>Step</a:t>
+                      </a:r>
+                      <a:endParaRPr lang="en-US" dirty="0"/>
+                    </a:p>
+                  </a:txBody>
+                  <a:tcPr>
+                    <a:lnL w="12700" cap="flat" cmpd="sng" algn="ctr">
+                      <a:solidFill>
+                        <a:schemeClr val="tx1"/>
+                      </a:solidFill>
+                      <a:prstDash val="solid"/>
+                      <a:round/>
+                      <a:headEnd type="none" w="med" len="med"/>
+                      <a:tailEnd type="none" w="med" len="med"/>
+                    </a:lnL>
+                    <a:lnR w="12700" cap="flat" cmpd="sng" algn="ctr">
+                      <a:solidFill>
+                        <a:schemeClr val="tx1"/>
+                      </a:solidFill>
+                      <a:prstDash val="solid"/>
+                      <a:round/>
+                      <a:headEnd type="none" w="med" len="med"/>
+                      <a:tailEnd type="none" w="med" len="med"/>
+                    </a:lnR>
+                    <a:lnT w="12700" cap="flat" cmpd="sng" algn="ctr">
+                      <a:solidFill>
+                        <a:schemeClr val="tx1"/>
+                      </a:solidFill>
+                      <a:prstDash val="solid"/>
+                      <a:round/>
+                      <a:headEnd type="none" w="med" len="med"/>
+                      <a:tailEnd type="none" w="med" len="med"/>
+                    </a:lnT>
+                    <a:lnB w="12700" cap="flat" cmpd="sng" algn="ctr">
+                      <a:solidFill>
+                        <a:schemeClr val="tx1"/>
+                      </a:solidFill>
+                      <a:prstDash val="solid"/>
+                      <a:round/>
+                      <a:headEnd type="none" w="med" len="med"/>
+                      <a:tailEnd type="none" w="med" len="med"/>
+                    </a:lnB>
+                    <a:lnTlToBr w="12700" cmpd="sng">
+                      <a:noFill/>
+                      <a:prstDash val="solid"/>
+                    </a:lnTlToBr>
+                    <a:lnBlToTr w="12700" cmpd="sng">
+                      <a:noFill/>
+                      <a:prstDash val="solid"/>
+                    </a:lnBlToTr>
+                    <a:solidFill>
+                      <a:schemeClr val="accent2">
+                        <a:lumMod val="60000"/>
+                        <a:lumOff val="40000"/>
+                      </a:schemeClr>
+                    </a:solidFill>
+                  </a:tcPr>
+                </a:tc>
+                <a:tc>
+                  <a:txBody>
+                    <a:bodyPr/>
+                    <a:lstStyle/>
+                    <a:p>
+                      <a:r>
+                        <a:rPr lang="en-US" dirty="0"/>
+                        <a:t>StepCount</a:t>
+                      </a:r>
+                    </a:p>
+                  </a:txBody>
+                  <a:tcPr>
+                    <a:lnL w="12700" cap="flat" cmpd="sng" algn="ctr">
+                      <a:solidFill>
+                        <a:schemeClr val="tx1"/>
+                      </a:solidFill>
+                      <a:prstDash val="solid"/>
+                      <a:round/>
+                      <a:headEnd type="none" w="med" len="med"/>
+                      <a:tailEnd type="none" w="med" len="med"/>
+                    </a:lnL>
+                    <a:lnR w="12700" cap="flat" cmpd="sng" algn="ctr">
+                      <a:solidFill>
+                        <a:schemeClr val="tx1"/>
+                      </a:solidFill>
+                      <a:prstDash val="solid"/>
+                      <a:round/>
+                      <a:headEnd type="none" w="med" len="med"/>
+                      <a:tailEnd type="none" w="med" len="med"/>
+                    </a:lnR>
+                    <a:lnT w="12700" cap="flat" cmpd="sng" algn="ctr">
+                      <a:solidFill>
+                        <a:schemeClr val="tx1"/>
+                      </a:solidFill>
+                      <a:prstDash val="solid"/>
+                      <a:round/>
+                      <a:headEnd type="none" w="med" len="med"/>
+                      <a:tailEnd type="none" w="med" len="med"/>
+                    </a:lnT>
+                    <a:lnB w="12700" cap="flat" cmpd="sng" algn="ctr">
+                      <a:solidFill>
+                        <a:schemeClr val="tx1"/>
+                      </a:solidFill>
+                      <a:prstDash val="solid"/>
+                      <a:round/>
+                      <a:headEnd type="none" w="med" len="med"/>
+                      <a:tailEnd type="none" w="med" len="med"/>
+                    </a:lnB>
+                    <a:lnTlToBr w="12700" cmpd="sng">
+                      <a:noFill/>
+                      <a:prstDash val="solid"/>
+                    </a:lnTlToBr>
+                    <a:lnBlToTr w="12700" cmpd="sng">
+                      <a:noFill/>
+                      <a:prstDash val="solid"/>
+                    </a:lnBlToTr>
+                    <a:solidFill>
+                      <a:schemeClr val="accent4">
+                        <a:lumMod val="60000"/>
+                        <a:lumOff val="40000"/>
+                      </a:schemeClr>
+                    </a:solidFill>
+                  </a:tcPr>
+                </a:tc>
+                <a:extLst>
+                  <a:ext uri="{0D108BD9-81ED-4DB2-BD59-A6C34878D82A}">
+                    <a16:rowId xmlns="" xmlns:a16="http://schemas.microsoft.com/office/drawing/2014/main" val="10001"/>
+                  </a:ext>
+                </a:extLst>
+              </a:tr>
+            </a:tbl>
+          </a:graphicData>
+        </a:graphic>
+      </p:graphicFrame>
       <p:sp>
         <p:nvSpPr>
-          <p:cNvPr id="3" name="Content Placeholder 2"/>
-          <p:cNvSpPr>
-            <a:spLocks noGrp="1"/>
-          </p:cNvSpPr>
-          <p:nvPr>
-            <p:ph idx="1"/>
-          </p:nvPr>
+          <p:cNvPr id="10" name="Down Arrow 9"/>
+          <p:cNvSpPr/>
+          <p:nvPr/>
         </p:nvSpPr>
-        <p:spPr/>
+        <p:spPr>
+          <a:xfrm>
+            <a:off x="5537200" y="3649133"/>
+            <a:ext cx="558800" cy="702733"/>
+          </a:xfrm>
+          <a:prstGeom prst="downArrow">
+            <a:avLst/>
+          </a:prstGeom>
+        </p:spPr>
+        <p:style>
+          <a:lnRef idx="2">
+            <a:schemeClr val="accent1">
+              <a:shade val="50000"/>
+            </a:schemeClr>
+          </a:lnRef>
+          <a:fillRef idx="1">
+            <a:schemeClr val="accent1"/>
+          </a:fillRef>
+          <a:effectRef idx="0">
+            <a:schemeClr val="accent1"/>
+          </a:effectRef>
+          <a:fontRef idx="minor">
+            <a:schemeClr val="lt1"/>
+          </a:fontRef>
+        </p:style>
         <p:txBody>
-          <a:bodyPr>
-            <a:normAutofit/>
-          </a:bodyPr>
+          <a:bodyPr rtlCol="0" anchor="ctr"/>
           <a:lstStyle/>
           <a:p>
-            <a:r>
-              <a:rPr lang="en-US" dirty="0"/>
-              <a:t>If you don’t understand the data, you don’t understand the problem.”</a:t>
-            </a:r>
-          </a:p>
-          <a:p>
-            <a:r>
-              <a:rPr lang="en-US" dirty="0"/>
-              <a:t>Different problems, require different solutions.</a:t>
-            </a:r>
-          </a:p>
-          <a:p>
-            <a:r>
-              <a:rPr lang="en-US" dirty="0"/>
-              <a:t>If you have different data, you have a different problem.</a:t>
-            </a:r>
-          </a:p>
-          <a:p>
-            <a:r>
-              <a:rPr lang="en-US" dirty="0"/>
-              <a:t>If you don’t understand the cost of solving the problem, you don’t understand the problem.</a:t>
-            </a:r>
-          </a:p>
-          <a:p>
-            <a:r>
-              <a:rPr lang="en-US" dirty="0"/>
-              <a:t>If you don’t understand the hardware, language, compiler, OS you can’t reason about the cost of solving the problem.</a:t>
-            </a:r>
-          </a:p>
-          <a:p>
-            <a:endParaRPr lang="en-US" dirty="0"/>
+            <a:pPr algn="ctr"/>
+            <a:endParaRPr lang="en-US"/>
           </a:p>
         </p:txBody>
       </p:sp>
+      <p:graphicFrame>
+        <p:nvGraphicFramePr>
+          <p:cNvPr id="12" name="Table 11"/>
+          <p:cNvGraphicFramePr>
+            <a:graphicFrameLocks noGrp="1"/>
+          </p:cNvGraphicFramePr>
+          <p:nvPr>
+            <p:extLst>
+              <p:ext uri="{D42A27DB-BD31-4B8C-83A1-F6EECF244321}">
+                <p14:modId xmlns:p14="http://schemas.microsoft.com/office/powerpoint/2010/main" val="3322214276"/>
+              </p:ext>
+            </p:extLst>
+          </p:nvPr>
+        </p:nvGraphicFramePr>
+        <p:xfrm>
+          <a:off x="753533" y="2048934"/>
+          <a:ext cx="10464804" cy="1483360"/>
+        </p:xfrm>
+        <a:graphic>
+          <a:graphicData uri="http://schemas.openxmlformats.org/drawingml/2006/table">
+            <a:tbl>
+              <a:tblPr firstRow="1" bandRow="1">
+                <a:tableStyleId>{5C22544A-7EE6-4342-B048-85BDC9FD1C3A}</a:tableStyleId>
+              </a:tblPr>
+              <a:tblGrid>
+                <a:gridCol w="1162756">
+                  <a:extLst>
+                    <a:ext uri="{9D8B030D-6E8A-4147-A177-3AD203B41FA5}">
+                      <a16:colId xmlns="" xmlns:a16="http://schemas.microsoft.com/office/drawing/2014/main" val="20000"/>
+                    </a:ext>
+                  </a:extLst>
+                </a:gridCol>
+                <a:gridCol w="1162756">
+                  <a:extLst>
+                    <a:ext uri="{9D8B030D-6E8A-4147-A177-3AD203B41FA5}">
+                      <a16:colId xmlns="" xmlns:a16="http://schemas.microsoft.com/office/drawing/2014/main" val="20001"/>
+                    </a:ext>
+                  </a:extLst>
+                </a:gridCol>
+                <a:gridCol w="1162756">
+                  <a:extLst>
+                    <a:ext uri="{9D8B030D-6E8A-4147-A177-3AD203B41FA5}">
+                      <a16:colId xmlns="" xmlns:a16="http://schemas.microsoft.com/office/drawing/2014/main" val="20002"/>
+                    </a:ext>
+                  </a:extLst>
+                </a:gridCol>
+                <a:gridCol w="1162756">
+                  <a:extLst>
+                    <a:ext uri="{9D8B030D-6E8A-4147-A177-3AD203B41FA5}">
+                      <a16:colId xmlns="" xmlns:a16="http://schemas.microsoft.com/office/drawing/2014/main" val="20003"/>
+                    </a:ext>
+                  </a:extLst>
+                </a:gridCol>
+                <a:gridCol w="1162756">
+                  <a:extLst>
+                    <a:ext uri="{9D8B030D-6E8A-4147-A177-3AD203B41FA5}">
+                      <a16:colId xmlns="" xmlns:a16="http://schemas.microsoft.com/office/drawing/2014/main" val="20004"/>
+                    </a:ext>
+                  </a:extLst>
+                </a:gridCol>
+                <a:gridCol w="1162756">
+                  <a:extLst>
+                    <a:ext uri="{9D8B030D-6E8A-4147-A177-3AD203B41FA5}">
+                      <a16:colId xmlns="" xmlns:a16="http://schemas.microsoft.com/office/drawing/2014/main" val="20005"/>
+                    </a:ext>
+                  </a:extLst>
+                </a:gridCol>
+                <a:gridCol w="1162756">
+                  <a:extLst>
+                    <a:ext uri="{9D8B030D-6E8A-4147-A177-3AD203B41FA5}">
+                      <a16:colId xmlns="" xmlns:a16="http://schemas.microsoft.com/office/drawing/2014/main" val="20006"/>
+                    </a:ext>
+                  </a:extLst>
+                </a:gridCol>
+                <a:gridCol w="1162756">
+                  <a:extLst>
+                    <a:ext uri="{9D8B030D-6E8A-4147-A177-3AD203B41FA5}">
+                      <a16:colId xmlns="" xmlns:a16="http://schemas.microsoft.com/office/drawing/2014/main" val="20007"/>
+                    </a:ext>
+                  </a:extLst>
+                </a:gridCol>
+                <a:gridCol w="1162756">
+                  <a:extLst>
+                    <a:ext uri="{9D8B030D-6E8A-4147-A177-3AD203B41FA5}">
+                      <a16:colId xmlns="" xmlns:a16="http://schemas.microsoft.com/office/drawing/2014/main" val="20008"/>
+                    </a:ext>
+                  </a:extLst>
+                </a:gridCol>
+              </a:tblGrid>
+              <a:tr h="370840">
+                <a:tc gridSpan="3">
+                  <a:txBody>
+                    <a:bodyPr/>
+                    <a:lstStyle/>
+                    <a:p>
+                      <a:pPr algn="ctr"/>
+                      <a:r>
+                        <a:rPr lang="en-US" b="0" dirty="0">
+                          <a:solidFill>
+                            <a:schemeClr val="bg1"/>
+                          </a:solidFill>
+                        </a:rPr>
+                        <a:t>0x0</a:t>
+                      </a:r>
+                    </a:p>
+                  </a:txBody>
+                  <a:tcPr>
+                    <a:lnL w="12700" cap="flat" cmpd="sng" algn="ctr">
+                      <a:solidFill>
+                        <a:schemeClr val="tx1"/>
+                      </a:solidFill>
+                      <a:prstDash val="solid"/>
+                      <a:round/>
+                      <a:headEnd type="none" w="med" len="med"/>
+                      <a:tailEnd type="none" w="med" len="med"/>
+                    </a:lnL>
+                    <a:lnR w="12700" cap="flat" cmpd="sng" algn="ctr">
+                      <a:solidFill>
+                        <a:schemeClr val="tx1"/>
+                      </a:solidFill>
+                      <a:prstDash val="solid"/>
+                      <a:round/>
+                      <a:headEnd type="none" w="med" len="med"/>
+                      <a:tailEnd type="none" w="med" len="med"/>
+                    </a:lnR>
+                    <a:lnT w="12700" cap="flat" cmpd="sng" algn="ctr">
+                      <a:solidFill>
+                        <a:schemeClr val="tx1"/>
+                      </a:solidFill>
+                      <a:prstDash val="solid"/>
+                      <a:round/>
+                      <a:headEnd type="none" w="med" len="med"/>
+                      <a:tailEnd type="none" w="med" len="med"/>
+                    </a:lnT>
+                    <a:lnB w="12700" cap="flat" cmpd="sng" algn="ctr">
+                      <a:solidFill>
+                        <a:schemeClr val="tx1"/>
+                      </a:solidFill>
+                      <a:prstDash val="solid"/>
+                      <a:round/>
+                      <a:headEnd type="none" w="med" len="med"/>
+                      <a:tailEnd type="none" w="med" len="med"/>
+                    </a:lnB>
+                    <a:lnTlToBr w="12700" cmpd="sng">
+                      <a:noFill/>
+                      <a:prstDash val="solid"/>
+                    </a:lnTlToBr>
+                    <a:lnBlToTr w="12700" cmpd="sng">
+                      <a:noFill/>
+                      <a:prstDash val="solid"/>
+                    </a:lnBlToTr>
+                    <a:solidFill>
+                      <a:schemeClr val="tx1">
+                        <a:lumMod val="50000"/>
+                      </a:schemeClr>
+                    </a:solidFill>
+                  </a:tcPr>
+                </a:tc>
+                <a:tc hMerge="1">
+                  <a:txBody>
+                    <a:bodyPr/>
+                    <a:lstStyle/>
+                    <a:p>
+                      <a:endParaRPr lang="en-US"/>
+                    </a:p>
+                  </a:txBody>
+                  <a:tcPr/>
+                </a:tc>
+                <a:tc hMerge="1">
+                  <a:txBody>
+                    <a:bodyPr/>
+                    <a:lstStyle/>
+                    <a:p>
+                      <a:endParaRPr lang="en-US"/>
+                    </a:p>
+                  </a:txBody>
+                  <a:tcPr/>
+                </a:tc>
+                <a:tc gridSpan="3">
+                  <a:txBody>
+                    <a:bodyPr/>
+                    <a:lstStyle/>
+                    <a:p>
+                      <a:pPr algn="ctr"/>
+                      <a:r>
+                        <a:rPr lang="en-US" b="0" dirty="0">
+                          <a:solidFill>
+                            <a:schemeClr val="bg1"/>
+                          </a:solidFill>
+                        </a:rPr>
+                        <a:t>0x20</a:t>
+                      </a:r>
+                    </a:p>
+                  </a:txBody>
+                  <a:tcPr>
+                    <a:lnL w="12700" cap="flat" cmpd="sng" algn="ctr">
+                      <a:solidFill>
+                        <a:schemeClr val="tx1"/>
+                      </a:solidFill>
+                      <a:prstDash val="solid"/>
+                      <a:round/>
+                      <a:headEnd type="none" w="med" len="med"/>
+                      <a:tailEnd type="none" w="med" len="med"/>
+                    </a:lnL>
+                    <a:lnR w="12700" cap="flat" cmpd="sng" algn="ctr">
+                      <a:solidFill>
+                        <a:schemeClr val="tx1"/>
+                      </a:solidFill>
+                      <a:prstDash val="solid"/>
+                      <a:round/>
+                      <a:headEnd type="none" w="med" len="med"/>
+                      <a:tailEnd type="none" w="med" len="med"/>
+                    </a:lnR>
+                    <a:lnT w="12700" cap="flat" cmpd="sng" algn="ctr">
+                      <a:solidFill>
+                        <a:schemeClr val="tx1"/>
+                      </a:solidFill>
+                      <a:prstDash val="solid"/>
+                      <a:round/>
+                      <a:headEnd type="none" w="med" len="med"/>
+                      <a:tailEnd type="none" w="med" len="med"/>
+                    </a:lnT>
+                    <a:lnB w="12700" cap="flat" cmpd="sng" algn="ctr">
+                      <a:solidFill>
+                        <a:schemeClr val="tx1"/>
+                      </a:solidFill>
+                      <a:prstDash val="solid"/>
+                      <a:round/>
+                      <a:headEnd type="none" w="med" len="med"/>
+                      <a:tailEnd type="none" w="med" len="med"/>
+                    </a:lnB>
+                    <a:lnTlToBr w="12700" cmpd="sng">
+                      <a:noFill/>
+                      <a:prstDash val="solid"/>
+                    </a:lnTlToBr>
+                    <a:lnBlToTr w="12700" cmpd="sng">
+                      <a:noFill/>
+                      <a:prstDash val="solid"/>
+                    </a:lnBlToTr>
+                    <a:solidFill>
+                      <a:schemeClr val="tx1">
+                        <a:lumMod val="50000"/>
+                      </a:schemeClr>
+                    </a:solidFill>
+                  </a:tcPr>
+                </a:tc>
+                <a:tc hMerge="1">
+                  <a:txBody>
+                    <a:bodyPr/>
+                    <a:lstStyle/>
+                    <a:p>
+                      <a:endParaRPr lang="en-US"/>
+                    </a:p>
+                  </a:txBody>
+                  <a:tcPr/>
+                </a:tc>
+                <a:tc hMerge="1">
+                  <a:txBody>
+                    <a:bodyPr/>
+                    <a:lstStyle/>
+                    <a:p>
+                      <a:endParaRPr lang="en-US"/>
+                    </a:p>
+                  </a:txBody>
+                  <a:tcPr/>
+                </a:tc>
+                <a:tc gridSpan="3">
+                  <a:txBody>
+                    <a:bodyPr/>
+                    <a:lstStyle/>
+                    <a:p>
+                      <a:pPr algn="ctr"/>
+                      <a:r>
+                        <a:rPr lang="en-US" b="0" dirty="0">
+                          <a:solidFill>
+                            <a:schemeClr val="bg1"/>
+                          </a:solidFill>
+                        </a:rPr>
+                        <a:t>0x...n</a:t>
+                      </a:r>
+                      <a:r>
+                        <a:rPr lang="en-US" b="0" baseline="0" dirty="0">
+                          <a:solidFill>
+                            <a:schemeClr val="bg1"/>
+                          </a:solidFill>
+                        </a:rPr>
+                        <a:t> x 20</a:t>
+                      </a:r>
+                      <a:endParaRPr lang="en-US" b="0" dirty="0">
+                        <a:solidFill>
+                          <a:schemeClr val="bg1"/>
+                        </a:solidFill>
+                      </a:endParaRPr>
+                    </a:p>
+                  </a:txBody>
+                  <a:tcPr>
+                    <a:lnL w="12700" cap="flat" cmpd="sng" algn="ctr">
+                      <a:solidFill>
+                        <a:schemeClr val="tx1"/>
+                      </a:solidFill>
+                      <a:prstDash val="solid"/>
+                      <a:round/>
+                      <a:headEnd type="none" w="med" len="med"/>
+                      <a:tailEnd type="none" w="med" len="med"/>
+                    </a:lnL>
+                    <a:lnR w="12700" cap="flat" cmpd="sng" algn="ctr">
+                      <a:solidFill>
+                        <a:schemeClr val="tx1"/>
+                      </a:solidFill>
+                      <a:prstDash val="solid"/>
+                      <a:round/>
+                      <a:headEnd type="none" w="med" len="med"/>
+                      <a:tailEnd type="none" w="med" len="med"/>
+                    </a:lnR>
+                    <a:lnT w="12700" cap="flat" cmpd="sng" algn="ctr">
+                      <a:solidFill>
+                        <a:schemeClr val="tx1"/>
+                      </a:solidFill>
+                      <a:prstDash val="solid"/>
+                      <a:round/>
+                      <a:headEnd type="none" w="med" len="med"/>
+                      <a:tailEnd type="none" w="med" len="med"/>
+                    </a:lnT>
+                    <a:lnB w="12700" cap="flat" cmpd="sng" algn="ctr">
+                      <a:solidFill>
+                        <a:schemeClr val="tx1"/>
+                      </a:solidFill>
+                      <a:prstDash val="solid"/>
+                      <a:round/>
+                      <a:headEnd type="none" w="med" len="med"/>
+                      <a:tailEnd type="none" w="med" len="med"/>
+                    </a:lnB>
+                    <a:lnTlToBr w="12700" cmpd="sng">
+                      <a:noFill/>
+                      <a:prstDash val="solid"/>
+                    </a:lnTlToBr>
+                    <a:lnBlToTr w="12700" cmpd="sng">
+                      <a:noFill/>
+                      <a:prstDash val="solid"/>
+                    </a:lnBlToTr>
+                    <a:solidFill>
+                      <a:schemeClr val="tx1">
+                        <a:lumMod val="50000"/>
+                      </a:schemeClr>
+                    </a:solidFill>
+                  </a:tcPr>
+                </a:tc>
+                <a:tc hMerge="1">
+                  <a:txBody>
+                    <a:bodyPr/>
+                    <a:lstStyle/>
+                    <a:p>
+                      <a:endParaRPr lang="en-US"/>
+                    </a:p>
+                  </a:txBody>
+                  <a:tcPr/>
+                </a:tc>
+                <a:tc hMerge="1">
+                  <a:txBody>
+                    <a:bodyPr/>
+                    <a:lstStyle/>
+                    <a:p>
+                      <a:endParaRPr lang="en-US"/>
+                    </a:p>
+                  </a:txBody>
+                  <a:tcPr/>
+                </a:tc>
+                <a:extLst>
+                  <a:ext uri="{0D108BD9-81ED-4DB2-BD59-A6C34878D82A}">
+                    <a16:rowId xmlns="" xmlns:a16="http://schemas.microsoft.com/office/drawing/2014/main" val="10000"/>
+                  </a:ext>
+                </a:extLst>
+              </a:tr>
+              <a:tr h="370840">
+                <a:tc gridSpan="3">
+                  <a:txBody>
+                    <a:bodyPr/>
+                    <a:lstStyle/>
+                    <a:p>
+                      <a:pPr algn="ctr"/>
+                      <a:r>
+                        <a:rPr lang="en-US" b="0" dirty="0">
+                          <a:solidFill>
+                            <a:schemeClr val="bg1"/>
+                          </a:solidFill>
+                        </a:rPr>
+                        <a:t>Ant 1</a:t>
+                      </a:r>
+                    </a:p>
+                  </a:txBody>
+                  <a:tcPr>
+                    <a:lnL w="12700" cap="flat" cmpd="sng" algn="ctr">
+                      <a:solidFill>
+                        <a:schemeClr val="tx1"/>
+                      </a:solidFill>
+                      <a:prstDash val="solid"/>
+                      <a:round/>
+                      <a:headEnd type="none" w="med" len="med"/>
+                      <a:tailEnd type="none" w="med" len="med"/>
+                    </a:lnL>
+                    <a:lnR w="12700" cap="flat" cmpd="sng" algn="ctr">
+                      <a:solidFill>
+                        <a:schemeClr val="tx1"/>
+                      </a:solidFill>
+                      <a:prstDash val="solid"/>
+                      <a:round/>
+                      <a:headEnd type="none" w="med" len="med"/>
+                      <a:tailEnd type="none" w="med" len="med"/>
+                    </a:lnR>
+                    <a:lnT w="12700" cap="flat" cmpd="sng" algn="ctr">
+                      <a:solidFill>
+                        <a:schemeClr val="tx1"/>
+                      </a:solidFill>
+                      <a:prstDash val="solid"/>
+                      <a:round/>
+                      <a:headEnd type="none" w="med" len="med"/>
+                      <a:tailEnd type="none" w="med" len="med"/>
+                    </a:lnT>
+                    <a:lnB w="12700" cap="flat" cmpd="sng" algn="ctr">
+                      <a:solidFill>
+                        <a:schemeClr val="tx1"/>
+                      </a:solidFill>
+                      <a:prstDash val="solid"/>
+                      <a:round/>
+                      <a:headEnd type="none" w="med" len="med"/>
+                      <a:tailEnd type="none" w="med" len="med"/>
+                    </a:lnB>
+                    <a:lnTlToBr w="12700" cmpd="sng">
+                      <a:noFill/>
+                      <a:prstDash val="solid"/>
+                    </a:lnTlToBr>
+                    <a:lnBlToTr w="12700" cmpd="sng">
+                      <a:noFill/>
+                      <a:prstDash val="solid"/>
+                    </a:lnBlToTr>
+                    <a:solidFill>
+                      <a:schemeClr val="tx1">
+                        <a:lumMod val="50000"/>
+                      </a:schemeClr>
+                    </a:solidFill>
+                  </a:tcPr>
+                </a:tc>
+                <a:tc hMerge="1">
+                  <a:txBody>
+                    <a:bodyPr/>
+                    <a:lstStyle/>
+                    <a:p>
+                      <a:endParaRPr lang="en-US" dirty="0"/>
+                    </a:p>
+                  </a:txBody>
+                  <a:tcPr>
+                    <a:lnL w="12700" cap="flat" cmpd="sng" algn="ctr">
+                      <a:solidFill>
+                        <a:schemeClr val="tx1"/>
+                      </a:solidFill>
+                      <a:prstDash val="solid"/>
+                      <a:round/>
+                      <a:headEnd type="none" w="med" len="med"/>
+                      <a:tailEnd type="none" w="med" len="med"/>
+                    </a:lnL>
+                    <a:lnR w="12700" cap="flat" cmpd="sng" algn="ctr">
+                      <a:solidFill>
+                        <a:schemeClr val="tx1"/>
+                      </a:solidFill>
+                      <a:prstDash val="solid"/>
+                      <a:round/>
+                      <a:headEnd type="none" w="med" len="med"/>
+                      <a:tailEnd type="none" w="med" len="med"/>
+                    </a:lnR>
+                    <a:lnT w="12700" cap="flat" cmpd="sng" algn="ctr">
+                      <a:solidFill>
+                        <a:schemeClr val="tx1"/>
+                      </a:solidFill>
+                      <a:prstDash val="solid"/>
+                      <a:round/>
+                      <a:headEnd type="none" w="med" len="med"/>
+                      <a:tailEnd type="none" w="med" len="med"/>
+                    </a:lnT>
+                    <a:lnB w="12700" cap="flat" cmpd="sng" algn="ctr">
+                      <a:solidFill>
+                        <a:schemeClr val="tx1"/>
+                      </a:solidFill>
+                      <a:prstDash val="solid"/>
+                      <a:round/>
+                      <a:headEnd type="none" w="med" len="med"/>
+                      <a:tailEnd type="none" w="med" len="med"/>
+                    </a:lnB>
+                    <a:lnTlToBr w="12700" cmpd="sng">
+                      <a:noFill/>
+                      <a:prstDash val="solid"/>
+                    </a:lnTlToBr>
+                    <a:lnBlToTr w="12700" cmpd="sng">
+                      <a:noFill/>
+                      <a:prstDash val="solid"/>
+                    </a:lnBlToTr>
+                    <a:solidFill>
+                      <a:schemeClr val="tx1">
+                        <a:lumMod val="50000"/>
+                      </a:schemeClr>
+                    </a:solidFill>
+                  </a:tcPr>
+                </a:tc>
+                <a:tc hMerge="1">
+                  <a:txBody>
+                    <a:bodyPr/>
+                    <a:lstStyle/>
+                    <a:p>
+                      <a:endParaRPr lang="en-US" dirty="0"/>
+                    </a:p>
+                  </a:txBody>
+                  <a:tcPr>
+                    <a:lnL w="12700" cap="flat" cmpd="sng" algn="ctr">
+                      <a:solidFill>
+                        <a:schemeClr val="tx1"/>
+                      </a:solidFill>
+                      <a:prstDash val="solid"/>
+                      <a:round/>
+                      <a:headEnd type="none" w="med" len="med"/>
+                      <a:tailEnd type="none" w="med" len="med"/>
+                    </a:lnL>
+                    <a:lnR w="12700" cap="flat" cmpd="sng" algn="ctr">
+                      <a:solidFill>
+                        <a:schemeClr val="tx1"/>
+                      </a:solidFill>
+                      <a:prstDash val="solid"/>
+                      <a:round/>
+                      <a:headEnd type="none" w="med" len="med"/>
+                      <a:tailEnd type="none" w="med" len="med"/>
+                    </a:lnR>
+                    <a:lnT w="12700" cap="flat" cmpd="sng" algn="ctr">
+                      <a:solidFill>
+                        <a:schemeClr val="tx1"/>
+                      </a:solidFill>
+                      <a:prstDash val="solid"/>
+                      <a:round/>
+                      <a:headEnd type="none" w="med" len="med"/>
+                      <a:tailEnd type="none" w="med" len="med"/>
+                    </a:lnT>
+                    <a:lnB w="12700" cap="flat" cmpd="sng" algn="ctr">
+                      <a:solidFill>
+                        <a:schemeClr val="tx1"/>
+                      </a:solidFill>
+                      <a:prstDash val="solid"/>
+                      <a:round/>
+                      <a:headEnd type="none" w="med" len="med"/>
+                      <a:tailEnd type="none" w="med" len="med"/>
+                    </a:lnB>
+                    <a:lnTlToBr w="12700" cmpd="sng">
+                      <a:noFill/>
+                      <a:prstDash val="solid"/>
+                    </a:lnTlToBr>
+                    <a:lnBlToTr w="12700" cmpd="sng">
+                      <a:noFill/>
+                      <a:prstDash val="solid"/>
+                    </a:lnBlToTr>
+                    <a:solidFill>
+                      <a:schemeClr val="tx1">
+                        <a:lumMod val="50000"/>
+                      </a:schemeClr>
+                    </a:solidFill>
+                  </a:tcPr>
+                </a:tc>
+                <a:tc gridSpan="3">
+                  <a:txBody>
+                    <a:bodyPr/>
+                    <a:lstStyle/>
+                    <a:p>
+                      <a:pPr algn="ctr"/>
+                      <a:r>
+                        <a:rPr lang="en-US" b="0" dirty="0">
+                          <a:solidFill>
+                            <a:schemeClr val="bg1"/>
+                          </a:solidFill>
+                        </a:rPr>
+                        <a:t>Ant 2</a:t>
+                      </a:r>
+                    </a:p>
+                  </a:txBody>
+                  <a:tcPr>
+                    <a:lnL w="12700" cap="flat" cmpd="sng" algn="ctr">
+                      <a:solidFill>
+                        <a:schemeClr val="tx1"/>
+                      </a:solidFill>
+                      <a:prstDash val="solid"/>
+                      <a:round/>
+                      <a:headEnd type="none" w="med" len="med"/>
+                      <a:tailEnd type="none" w="med" len="med"/>
+                    </a:lnL>
+                    <a:lnR w="12700" cap="flat" cmpd="sng" algn="ctr">
+                      <a:solidFill>
+                        <a:schemeClr val="tx1"/>
+                      </a:solidFill>
+                      <a:prstDash val="solid"/>
+                      <a:round/>
+                      <a:headEnd type="none" w="med" len="med"/>
+                      <a:tailEnd type="none" w="med" len="med"/>
+                    </a:lnR>
+                    <a:lnT w="12700" cap="flat" cmpd="sng" algn="ctr">
+                      <a:solidFill>
+                        <a:schemeClr val="tx1"/>
+                      </a:solidFill>
+                      <a:prstDash val="solid"/>
+                      <a:round/>
+                      <a:headEnd type="none" w="med" len="med"/>
+                      <a:tailEnd type="none" w="med" len="med"/>
+                    </a:lnT>
+                    <a:lnB w="12700" cap="flat" cmpd="sng" algn="ctr">
+                      <a:solidFill>
+                        <a:schemeClr val="tx1"/>
+                      </a:solidFill>
+                      <a:prstDash val="solid"/>
+                      <a:round/>
+                      <a:headEnd type="none" w="med" len="med"/>
+                      <a:tailEnd type="none" w="med" len="med"/>
+                    </a:lnB>
+                    <a:lnTlToBr w="12700" cmpd="sng">
+                      <a:noFill/>
+                      <a:prstDash val="solid"/>
+                    </a:lnTlToBr>
+                    <a:lnBlToTr w="12700" cmpd="sng">
+                      <a:noFill/>
+                      <a:prstDash val="solid"/>
+                    </a:lnBlToTr>
+                    <a:solidFill>
+                      <a:schemeClr val="tx1">
+                        <a:lumMod val="50000"/>
+                      </a:schemeClr>
+                    </a:solidFill>
+                  </a:tcPr>
+                </a:tc>
+                <a:tc hMerge="1">
+                  <a:txBody>
+                    <a:bodyPr/>
+                    <a:lstStyle/>
+                    <a:p>
+                      <a:endParaRPr lang="en-US" dirty="0"/>
+                    </a:p>
+                  </a:txBody>
+                  <a:tcPr>
+                    <a:lnL w="12700" cap="flat" cmpd="sng" algn="ctr">
+                      <a:solidFill>
+                        <a:schemeClr val="tx1"/>
+                      </a:solidFill>
+                      <a:prstDash val="solid"/>
+                      <a:round/>
+                      <a:headEnd type="none" w="med" len="med"/>
+                      <a:tailEnd type="none" w="med" len="med"/>
+                    </a:lnL>
+                    <a:lnR w="12700" cap="flat" cmpd="sng" algn="ctr">
+                      <a:solidFill>
+                        <a:schemeClr val="tx1"/>
+                      </a:solidFill>
+                      <a:prstDash val="solid"/>
+                      <a:round/>
+                      <a:headEnd type="none" w="med" len="med"/>
+                      <a:tailEnd type="none" w="med" len="med"/>
+                    </a:lnR>
+                    <a:lnT w="12700" cap="flat" cmpd="sng" algn="ctr">
+                      <a:solidFill>
+                        <a:schemeClr val="tx1"/>
+                      </a:solidFill>
+                      <a:prstDash val="solid"/>
+                      <a:round/>
+                      <a:headEnd type="none" w="med" len="med"/>
+                      <a:tailEnd type="none" w="med" len="med"/>
+                    </a:lnT>
+                    <a:lnB w="12700" cap="flat" cmpd="sng" algn="ctr">
+                      <a:solidFill>
+                        <a:schemeClr val="tx1"/>
+                      </a:solidFill>
+                      <a:prstDash val="solid"/>
+                      <a:round/>
+                      <a:headEnd type="none" w="med" len="med"/>
+                      <a:tailEnd type="none" w="med" len="med"/>
+                    </a:lnB>
+                    <a:lnTlToBr w="12700" cmpd="sng">
+                      <a:noFill/>
+                      <a:prstDash val="solid"/>
+                    </a:lnTlToBr>
+                    <a:lnBlToTr w="12700" cmpd="sng">
+                      <a:noFill/>
+                      <a:prstDash val="solid"/>
+                    </a:lnBlToTr>
+                    <a:solidFill>
+                      <a:schemeClr val="tx1">
+                        <a:lumMod val="50000"/>
+                      </a:schemeClr>
+                    </a:solidFill>
+                  </a:tcPr>
+                </a:tc>
+                <a:tc hMerge="1">
+                  <a:txBody>
+                    <a:bodyPr/>
+                    <a:lstStyle/>
+                    <a:p>
+                      <a:endParaRPr lang="en-US" dirty="0"/>
+                    </a:p>
+                  </a:txBody>
+                  <a:tcPr>
+                    <a:lnL w="12700" cap="flat" cmpd="sng" algn="ctr">
+                      <a:solidFill>
+                        <a:schemeClr val="tx1"/>
+                      </a:solidFill>
+                      <a:prstDash val="solid"/>
+                      <a:round/>
+                      <a:headEnd type="none" w="med" len="med"/>
+                      <a:tailEnd type="none" w="med" len="med"/>
+                    </a:lnL>
+                    <a:lnR w="12700" cap="flat" cmpd="sng" algn="ctr">
+                      <a:solidFill>
+                        <a:schemeClr val="tx1"/>
+                      </a:solidFill>
+                      <a:prstDash val="solid"/>
+                      <a:round/>
+                      <a:headEnd type="none" w="med" len="med"/>
+                      <a:tailEnd type="none" w="med" len="med"/>
+                    </a:lnR>
+                    <a:lnT w="12700" cap="flat" cmpd="sng" algn="ctr">
+                      <a:solidFill>
+                        <a:schemeClr val="tx1"/>
+                      </a:solidFill>
+                      <a:prstDash val="solid"/>
+                      <a:round/>
+                      <a:headEnd type="none" w="med" len="med"/>
+                      <a:tailEnd type="none" w="med" len="med"/>
+                    </a:lnT>
+                    <a:lnB w="12700" cap="flat" cmpd="sng" algn="ctr">
+                      <a:solidFill>
+                        <a:schemeClr val="tx1"/>
+                      </a:solidFill>
+                      <a:prstDash val="solid"/>
+                      <a:round/>
+                      <a:headEnd type="none" w="med" len="med"/>
+                      <a:tailEnd type="none" w="med" len="med"/>
+                    </a:lnB>
+                    <a:lnTlToBr w="12700" cmpd="sng">
+                      <a:noFill/>
+                      <a:prstDash val="solid"/>
+                    </a:lnTlToBr>
+                    <a:lnBlToTr w="12700" cmpd="sng">
+                      <a:noFill/>
+                      <a:prstDash val="solid"/>
+                    </a:lnBlToTr>
+                    <a:solidFill>
+                      <a:schemeClr val="tx1">
+                        <a:lumMod val="50000"/>
+                      </a:schemeClr>
+                    </a:solidFill>
+                  </a:tcPr>
+                </a:tc>
+                <a:tc gridSpan="3">
+                  <a:txBody>
+                    <a:bodyPr/>
+                    <a:lstStyle/>
+                    <a:p>
+                      <a:pPr algn="ctr"/>
+                      <a:r>
+                        <a:rPr lang="en-US" b="0" dirty="0">
+                          <a:solidFill>
+                            <a:schemeClr val="bg1"/>
+                          </a:solidFill>
+                        </a:rPr>
+                        <a:t>Ant ...n</a:t>
+                      </a:r>
+                    </a:p>
+                  </a:txBody>
+                  <a:tcPr>
+                    <a:lnL w="12700" cap="flat" cmpd="sng" algn="ctr">
+                      <a:solidFill>
+                        <a:schemeClr val="tx1"/>
+                      </a:solidFill>
+                      <a:prstDash val="solid"/>
+                      <a:round/>
+                      <a:headEnd type="none" w="med" len="med"/>
+                      <a:tailEnd type="none" w="med" len="med"/>
+                    </a:lnL>
+                    <a:lnR w="12700" cap="flat" cmpd="sng" algn="ctr">
+                      <a:solidFill>
+                        <a:schemeClr val="tx1"/>
+                      </a:solidFill>
+                      <a:prstDash val="solid"/>
+                      <a:round/>
+                      <a:headEnd type="none" w="med" len="med"/>
+                      <a:tailEnd type="none" w="med" len="med"/>
+                    </a:lnR>
+                    <a:lnT w="12700" cap="flat" cmpd="sng" algn="ctr">
+                      <a:solidFill>
+                        <a:schemeClr val="tx1"/>
+                      </a:solidFill>
+                      <a:prstDash val="solid"/>
+                      <a:round/>
+                      <a:headEnd type="none" w="med" len="med"/>
+                      <a:tailEnd type="none" w="med" len="med"/>
+                    </a:lnT>
+                    <a:lnB w="12700" cap="flat" cmpd="sng" algn="ctr">
+                      <a:solidFill>
+                        <a:schemeClr val="tx1"/>
+                      </a:solidFill>
+                      <a:prstDash val="solid"/>
+                      <a:round/>
+                      <a:headEnd type="none" w="med" len="med"/>
+                      <a:tailEnd type="none" w="med" len="med"/>
+                    </a:lnB>
+                    <a:lnTlToBr w="12700" cmpd="sng">
+                      <a:noFill/>
+                      <a:prstDash val="solid"/>
+                    </a:lnTlToBr>
+                    <a:lnBlToTr w="12700" cmpd="sng">
+                      <a:noFill/>
+                      <a:prstDash val="solid"/>
+                    </a:lnBlToTr>
+                    <a:solidFill>
+                      <a:schemeClr val="tx1">
+                        <a:lumMod val="50000"/>
+                      </a:schemeClr>
+                    </a:solidFill>
+                  </a:tcPr>
+                </a:tc>
+                <a:tc hMerge="1">
+                  <a:txBody>
+                    <a:bodyPr/>
+                    <a:lstStyle/>
+                    <a:p>
+                      <a:endParaRPr lang="en-US" dirty="0"/>
+                    </a:p>
+                  </a:txBody>
+                  <a:tcPr>
+                    <a:lnL w="12700" cap="flat" cmpd="sng" algn="ctr">
+                      <a:solidFill>
+                        <a:schemeClr val="tx1"/>
+                      </a:solidFill>
+                      <a:prstDash val="solid"/>
+                      <a:round/>
+                      <a:headEnd type="none" w="med" len="med"/>
+                      <a:tailEnd type="none" w="med" len="med"/>
+                    </a:lnL>
+                    <a:lnR w="12700" cap="flat" cmpd="sng" algn="ctr">
+                      <a:solidFill>
+                        <a:schemeClr val="tx1"/>
+                      </a:solidFill>
+                      <a:prstDash val="solid"/>
+                      <a:round/>
+                      <a:headEnd type="none" w="med" len="med"/>
+                      <a:tailEnd type="none" w="med" len="med"/>
+                    </a:lnR>
+                    <a:lnT w="12700" cap="flat" cmpd="sng" algn="ctr">
+                      <a:solidFill>
+                        <a:schemeClr val="tx1"/>
+                      </a:solidFill>
+                      <a:prstDash val="solid"/>
+                      <a:round/>
+                      <a:headEnd type="none" w="med" len="med"/>
+                      <a:tailEnd type="none" w="med" len="med"/>
+                    </a:lnT>
+                    <a:lnB w="12700" cap="flat" cmpd="sng" algn="ctr">
+                      <a:solidFill>
+                        <a:schemeClr val="tx1"/>
+                      </a:solidFill>
+                      <a:prstDash val="solid"/>
+                      <a:round/>
+                      <a:headEnd type="none" w="med" len="med"/>
+                      <a:tailEnd type="none" w="med" len="med"/>
+                    </a:lnB>
+                    <a:lnTlToBr w="12700" cmpd="sng">
+                      <a:noFill/>
+                      <a:prstDash val="solid"/>
+                    </a:lnTlToBr>
+                    <a:lnBlToTr w="12700" cmpd="sng">
+                      <a:noFill/>
+                      <a:prstDash val="solid"/>
+                    </a:lnBlToTr>
+                    <a:solidFill>
+                      <a:schemeClr val="tx1">
+                        <a:lumMod val="50000"/>
+                      </a:schemeClr>
+                    </a:solidFill>
+                  </a:tcPr>
+                </a:tc>
+                <a:tc hMerge="1">
+                  <a:txBody>
+                    <a:bodyPr/>
+                    <a:lstStyle/>
+                    <a:p>
+                      <a:endParaRPr lang="en-US" dirty="0"/>
+                    </a:p>
+                  </a:txBody>
+                  <a:tcPr>
+                    <a:lnL w="12700" cap="flat" cmpd="sng" algn="ctr">
+                      <a:solidFill>
+                        <a:schemeClr val="tx1"/>
+                      </a:solidFill>
+                      <a:prstDash val="solid"/>
+                      <a:round/>
+                      <a:headEnd type="none" w="med" len="med"/>
+                      <a:tailEnd type="none" w="med" len="med"/>
+                    </a:lnL>
+                    <a:lnR w="12700" cap="flat" cmpd="sng" algn="ctr">
+                      <a:solidFill>
+                        <a:schemeClr val="tx1"/>
+                      </a:solidFill>
+                      <a:prstDash val="solid"/>
+                      <a:round/>
+                      <a:headEnd type="none" w="med" len="med"/>
+                      <a:tailEnd type="none" w="med" len="med"/>
+                    </a:lnR>
+                    <a:lnT w="12700" cap="flat" cmpd="sng" algn="ctr">
+                      <a:solidFill>
+                        <a:schemeClr val="tx1"/>
+                      </a:solidFill>
+                      <a:prstDash val="solid"/>
+                      <a:round/>
+                      <a:headEnd type="none" w="med" len="med"/>
+                      <a:tailEnd type="none" w="med" len="med"/>
+                    </a:lnT>
+                    <a:lnB w="12700" cap="flat" cmpd="sng" algn="ctr">
+                      <a:solidFill>
+                        <a:schemeClr val="tx1"/>
+                      </a:solidFill>
+                      <a:prstDash val="solid"/>
+                      <a:round/>
+                      <a:headEnd type="none" w="med" len="med"/>
+                      <a:tailEnd type="none" w="med" len="med"/>
+                    </a:lnB>
+                    <a:lnTlToBr w="12700" cmpd="sng">
+                      <a:noFill/>
+                      <a:prstDash val="solid"/>
+                    </a:lnTlToBr>
+                    <a:lnBlToTr w="12700" cmpd="sng">
+                      <a:noFill/>
+                      <a:prstDash val="solid"/>
+                    </a:lnBlToTr>
+                    <a:solidFill>
+                      <a:schemeClr val="tx1">
+                        <a:lumMod val="50000"/>
+                      </a:schemeClr>
+                    </a:solidFill>
+                  </a:tcPr>
+                </a:tc>
+                <a:extLst>
+                  <a:ext uri="{0D108BD9-81ED-4DB2-BD59-A6C34878D82A}">
+                    <a16:rowId xmlns="" xmlns:a16="http://schemas.microsoft.com/office/drawing/2014/main" val="10001"/>
+                  </a:ext>
+                </a:extLst>
+              </a:tr>
+              <a:tr h="370840">
+                <a:tc>
+                  <a:txBody>
+                    <a:bodyPr/>
+                    <a:lstStyle/>
+                    <a:p>
+                      <a:pPr marL="0" algn="l" defTabSz="914400" rtl="0" eaLnBrk="1" latinLnBrk="0" hangingPunct="1"/>
+                      <a:r>
+                        <a:rPr lang="en-US" sz="1800" kern="1200" dirty="0">
+                          <a:solidFill>
+                            <a:schemeClr val="dk1"/>
+                          </a:solidFill>
+                          <a:latin typeface="+mn-lt"/>
+                          <a:ea typeface="+mn-ea"/>
+                          <a:cs typeface="+mn-cs"/>
+                        </a:rPr>
+                        <a:t>Position</a:t>
+                      </a:r>
+                    </a:p>
+                  </a:txBody>
+                  <a:tcPr>
+                    <a:lnL w="12700" cap="flat" cmpd="sng" algn="ctr">
+                      <a:solidFill>
+                        <a:schemeClr val="tx1"/>
+                      </a:solidFill>
+                      <a:prstDash val="solid"/>
+                      <a:round/>
+                      <a:headEnd type="none" w="med" len="med"/>
+                      <a:tailEnd type="none" w="med" len="med"/>
+                    </a:lnL>
+                    <a:lnR w="12700" cap="flat" cmpd="sng" algn="ctr">
+                      <a:solidFill>
+                        <a:schemeClr val="tx1"/>
+                      </a:solidFill>
+                      <a:prstDash val="solid"/>
+                      <a:round/>
+                      <a:headEnd type="none" w="med" len="med"/>
+                      <a:tailEnd type="none" w="med" len="med"/>
+                    </a:lnR>
+                    <a:lnT w="12700" cap="flat" cmpd="sng" algn="ctr">
+                      <a:solidFill>
+                        <a:schemeClr val="tx1"/>
+                      </a:solidFill>
+                      <a:prstDash val="solid"/>
+                      <a:round/>
+                      <a:headEnd type="none" w="med" len="med"/>
+                      <a:tailEnd type="none" w="med" len="med"/>
+                    </a:lnT>
+                    <a:lnB w="12700" cap="flat" cmpd="sng" algn="ctr">
+                      <a:solidFill>
+                        <a:schemeClr val="tx1"/>
+                      </a:solidFill>
+                      <a:prstDash val="solid"/>
+                      <a:round/>
+                      <a:headEnd type="none" w="med" len="med"/>
+                      <a:tailEnd type="none" w="med" len="med"/>
+                    </a:lnB>
+                    <a:lnTlToBr w="12700" cmpd="sng">
+                      <a:noFill/>
+                      <a:prstDash val="solid"/>
+                    </a:lnTlToBr>
+                    <a:lnBlToTr w="12700" cmpd="sng">
+                      <a:noFill/>
+                      <a:prstDash val="solid"/>
+                    </a:lnBlToTr>
+                    <a:solidFill>
+                      <a:schemeClr val="bg2">
+                        <a:lumMod val="60000"/>
+                        <a:lumOff val="40000"/>
+                      </a:schemeClr>
+                    </a:solidFill>
+                  </a:tcPr>
+                </a:tc>
+                <a:tc>
+                  <a:txBody>
+                    <a:bodyPr/>
+                    <a:lstStyle/>
+                    <a:p>
+                      <a:pPr marL="0" algn="l" defTabSz="914400" rtl="0" eaLnBrk="1" latinLnBrk="0" hangingPunct="1"/>
+                      <a:r>
+                        <a:rPr lang="en-US" sz="1800" kern="1200" dirty="0">
+                          <a:solidFill>
+                            <a:schemeClr val="dk1"/>
+                          </a:solidFill>
+                          <a:latin typeface="+mn-lt"/>
+                          <a:ea typeface="+mn-ea"/>
+                          <a:cs typeface="+mn-cs"/>
+                        </a:rPr>
+                        <a:t>Step</a:t>
+                      </a:r>
+                    </a:p>
+                  </a:txBody>
+                  <a:tcPr>
+                    <a:lnL w="12700" cap="flat" cmpd="sng" algn="ctr">
+                      <a:solidFill>
+                        <a:schemeClr val="tx1"/>
+                      </a:solidFill>
+                      <a:prstDash val="solid"/>
+                      <a:round/>
+                      <a:headEnd type="none" w="med" len="med"/>
+                      <a:tailEnd type="none" w="med" len="med"/>
+                    </a:lnL>
+                    <a:lnR w="12700" cap="flat" cmpd="sng" algn="ctr">
+                      <a:solidFill>
+                        <a:schemeClr val="tx1"/>
+                      </a:solidFill>
+                      <a:prstDash val="solid"/>
+                      <a:round/>
+                      <a:headEnd type="none" w="med" len="med"/>
+                      <a:tailEnd type="none" w="med" len="med"/>
+                    </a:lnR>
+                    <a:lnT w="12700" cap="flat" cmpd="sng" algn="ctr">
+                      <a:solidFill>
+                        <a:schemeClr val="tx1"/>
+                      </a:solidFill>
+                      <a:prstDash val="solid"/>
+                      <a:round/>
+                      <a:headEnd type="none" w="med" len="med"/>
+                      <a:tailEnd type="none" w="med" len="med"/>
+                    </a:lnT>
+                    <a:lnB w="12700" cap="flat" cmpd="sng" algn="ctr">
+                      <a:solidFill>
+                        <a:schemeClr val="tx1"/>
+                      </a:solidFill>
+                      <a:prstDash val="solid"/>
+                      <a:round/>
+                      <a:headEnd type="none" w="med" len="med"/>
+                      <a:tailEnd type="none" w="med" len="med"/>
+                    </a:lnB>
+                    <a:lnTlToBr w="12700" cmpd="sng">
+                      <a:noFill/>
+                      <a:prstDash val="solid"/>
+                    </a:lnTlToBr>
+                    <a:lnBlToTr w="12700" cmpd="sng">
+                      <a:noFill/>
+                      <a:prstDash val="solid"/>
+                    </a:lnBlToTr>
+                    <a:solidFill>
+                      <a:schemeClr val="accent2">
+                        <a:lumMod val="60000"/>
+                        <a:lumOff val="40000"/>
+                      </a:schemeClr>
+                    </a:solidFill>
+                  </a:tcPr>
+                </a:tc>
+                <a:tc>
+                  <a:txBody>
+                    <a:bodyPr/>
+                    <a:lstStyle/>
+                    <a:p>
+                      <a:pPr marL="0" algn="l" defTabSz="914400" rtl="0" eaLnBrk="1" latinLnBrk="0" hangingPunct="1"/>
+                      <a:r>
+                        <a:rPr lang="en-US" sz="1800" kern="1200" dirty="0">
+                          <a:solidFill>
+                            <a:schemeClr val="dk1"/>
+                          </a:solidFill>
+                          <a:latin typeface="+mn-lt"/>
+                          <a:ea typeface="+mn-ea"/>
+                          <a:cs typeface="+mn-cs"/>
+                        </a:rPr>
+                        <a:t>StepCount</a:t>
+                      </a:r>
+                    </a:p>
+                  </a:txBody>
+                  <a:tcPr>
+                    <a:lnL w="12700" cap="flat" cmpd="sng" algn="ctr">
+                      <a:solidFill>
+                        <a:schemeClr val="tx1"/>
+                      </a:solidFill>
+                      <a:prstDash val="solid"/>
+                      <a:round/>
+                      <a:headEnd type="none" w="med" len="med"/>
+                      <a:tailEnd type="none" w="med" len="med"/>
+                    </a:lnL>
+                    <a:lnR w="12700" cap="flat" cmpd="sng" algn="ctr">
+                      <a:solidFill>
+                        <a:schemeClr val="tx1"/>
+                      </a:solidFill>
+                      <a:prstDash val="solid"/>
+                      <a:round/>
+                      <a:headEnd type="none" w="med" len="med"/>
+                      <a:tailEnd type="none" w="med" len="med"/>
+                    </a:lnR>
+                    <a:lnT w="12700" cap="flat" cmpd="sng" algn="ctr">
+                      <a:solidFill>
+                        <a:schemeClr val="tx1"/>
+                      </a:solidFill>
+                      <a:prstDash val="solid"/>
+                      <a:round/>
+                      <a:headEnd type="none" w="med" len="med"/>
+                      <a:tailEnd type="none" w="med" len="med"/>
+                    </a:lnT>
+                    <a:lnB w="12700" cap="flat" cmpd="sng" algn="ctr">
+                      <a:solidFill>
+                        <a:schemeClr val="tx1"/>
+                      </a:solidFill>
+                      <a:prstDash val="solid"/>
+                      <a:round/>
+                      <a:headEnd type="none" w="med" len="med"/>
+                      <a:tailEnd type="none" w="med" len="med"/>
+                    </a:lnB>
+                    <a:lnTlToBr w="12700" cmpd="sng">
+                      <a:noFill/>
+                      <a:prstDash val="solid"/>
+                    </a:lnTlToBr>
+                    <a:lnBlToTr w="12700" cmpd="sng">
+                      <a:noFill/>
+                      <a:prstDash val="solid"/>
+                    </a:lnBlToTr>
+                    <a:solidFill>
+                      <a:schemeClr val="accent4">
+                        <a:lumMod val="60000"/>
+                        <a:lumOff val="40000"/>
+                      </a:schemeClr>
+                    </a:solidFill>
+                  </a:tcPr>
+                </a:tc>
+                <a:tc>
+                  <a:txBody>
+                    <a:bodyPr/>
+                    <a:lstStyle/>
+                    <a:p>
+                      <a:pPr marL="0" algn="l" defTabSz="914400" rtl="0" eaLnBrk="1" latinLnBrk="0" hangingPunct="1"/>
+                      <a:r>
+                        <a:rPr lang="en-US" sz="1800" kern="1200" dirty="0">
+                          <a:solidFill>
+                            <a:schemeClr val="dk1"/>
+                          </a:solidFill>
+                          <a:latin typeface="+mn-lt"/>
+                          <a:ea typeface="+mn-ea"/>
+                          <a:cs typeface="+mn-cs"/>
+                        </a:rPr>
+                        <a:t>Position</a:t>
+                      </a:r>
+                    </a:p>
+                  </a:txBody>
+                  <a:tcPr>
+                    <a:lnL w="12700" cap="flat" cmpd="sng" algn="ctr">
+                      <a:solidFill>
+                        <a:schemeClr val="tx1"/>
+                      </a:solidFill>
+                      <a:prstDash val="solid"/>
+                      <a:round/>
+                      <a:headEnd type="none" w="med" len="med"/>
+                      <a:tailEnd type="none" w="med" len="med"/>
+                    </a:lnL>
+                    <a:lnR w="12700" cap="flat" cmpd="sng" algn="ctr">
+                      <a:solidFill>
+                        <a:schemeClr val="tx1"/>
+                      </a:solidFill>
+                      <a:prstDash val="solid"/>
+                      <a:round/>
+                      <a:headEnd type="none" w="med" len="med"/>
+                      <a:tailEnd type="none" w="med" len="med"/>
+                    </a:lnR>
+                    <a:lnT w="12700" cap="flat" cmpd="sng" algn="ctr">
+                      <a:solidFill>
+                        <a:schemeClr val="tx1"/>
+                      </a:solidFill>
+                      <a:prstDash val="solid"/>
+                      <a:round/>
+                      <a:headEnd type="none" w="med" len="med"/>
+                      <a:tailEnd type="none" w="med" len="med"/>
+                    </a:lnT>
+                    <a:lnB w="12700" cap="flat" cmpd="sng" algn="ctr">
+                      <a:solidFill>
+                        <a:schemeClr val="tx1"/>
+                      </a:solidFill>
+                      <a:prstDash val="solid"/>
+                      <a:round/>
+                      <a:headEnd type="none" w="med" len="med"/>
+                      <a:tailEnd type="none" w="med" len="med"/>
+                    </a:lnB>
+                    <a:lnTlToBr w="12700" cmpd="sng">
+                      <a:noFill/>
+                      <a:prstDash val="solid"/>
+                    </a:lnTlToBr>
+                    <a:lnBlToTr w="12700" cmpd="sng">
+                      <a:noFill/>
+                      <a:prstDash val="solid"/>
+                    </a:lnBlToTr>
+                    <a:solidFill>
+                      <a:schemeClr val="bg2">
+                        <a:lumMod val="60000"/>
+                        <a:lumOff val="40000"/>
+                      </a:schemeClr>
+                    </a:solidFill>
+                  </a:tcPr>
+                </a:tc>
+                <a:tc>
+                  <a:txBody>
+                    <a:bodyPr/>
+                    <a:lstStyle/>
+                    <a:p>
+                      <a:pPr marL="0" algn="l" defTabSz="914400" rtl="0" eaLnBrk="1" latinLnBrk="0" hangingPunct="1"/>
+                      <a:r>
+                        <a:rPr lang="en-US" sz="1800" kern="1200" dirty="0">
+                          <a:solidFill>
+                            <a:schemeClr val="dk1"/>
+                          </a:solidFill>
+                          <a:latin typeface="+mn-lt"/>
+                          <a:ea typeface="+mn-ea"/>
+                          <a:cs typeface="+mn-cs"/>
+                        </a:rPr>
+                        <a:t>Step</a:t>
+                      </a:r>
+                    </a:p>
+                  </a:txBody>
+                  <a:tcPr>
+                    <a:lnL w="12700" cap="flat" cmpd="sng" algn="ctr">
+                      <a:solidFill>
+                        <a:schemeClr val="tx1"/>
+                      </a:solidFill>
+                      <a:prstDash val="solid"/>
+                      <a:round/>
+                      <a:headEnd type="none" w="med" len="med"/>
+                      <a:tailEnd type="none" w="med" len="med"/>
+                    </a:lnL>
+                    <a:lnR w="12700" cap="flat" cmpd="sng" algn="ctr">
+                      <a:solidFill>
+                        <a:schemeClr val="tx1"/>
+                      </a:solidFill>
+                      <a:prstDash val="solid"/>
+                      <a:round/>
+                      <a:headEnd type="none" w="med" len="med"/>
+                      <a:tailEnd type="none" w="med" len="med"/>
+                    </a:lnR>
+                    <a:lnT w="12700" cap="flat" cmpd="sng" algn="ctr">
+                      <a:solidFill>
+                        <a:schemeClr val="tx1"/>
+                      </a:solidFill>
+                      <a:prstDash val="solid"/>
+                      <a:round/>
+                      <a:headEnd type="none" w="med" len="med"/>
+                      <a:tailEnd type="none" w="med" len="med"/>
+                    </a:lnT>
+                    <a:lnB w="12700" cap="flat" cmpd="sng" algn="ctr">
+                      <a:solidFill>
+                        <a:schemeClr val="tx1"/>
+                      </a:solidFill>
+                      <a:prstDash val="solid"/>
+                      <a:round/>
+                      <a:headEnd type="none" w="med" len="med"/>
+                      <a:tailEnd type="none" w="med" len="med"/>
+                    </a:lnB>
+                    <a:lnTlToBr w="12700" cmpd="sng">
+                      <a:noFill/>
+                      <a:prstDash val="solid"/>
+                    </a:lnTlToBr>
+                    <a:lnBlToTr w="12700" cmpd="sng">
+                      <a:noFill/>
+                      <a:prstDash val="solid"/>
+                    </a:lnBlToTr>
+                    <a:solidFill>
+                      <a:schemeClr val="accent2">
+                        <a:lumMod val="60000"/>
+                        <a:lumOff val="40000"/>
+                      </a:schemeClr>
+                    </a:solidFill>
+                  </a:tcPr>
+                </a:tc>
+                <a:tc>
+                  <a:txBody>
+                    <a:bodyPr/>
+                    <a:lstStyle/>
+                    <a:p>
+                      <a:pPr marL="0" algn="l" defTabSz="914400" rtl="0" eaLnBrk="1" latinLnBrk="0" hangingPunct="1"/>
+                      <a:r>
+                        <a:rPr lang="en-US" sz="1800" kern="1200" dirty="0">
+                          <a:solidFill>
+                            <a:schemeClr val="dk1"/>
+                          </a:solidFill>
+                          <a:latin typeface="+mn-lt"/>
+                          <a:ea typeface="+mn-ea"/>
+                          <a:cs typeface="+mn-cs"/>
+                        </a:rPr>
+                        <a:t>StepCount</a:t>
+                      </a:r>
+                    </a:p>
+                  </a:txBody>
+                  <a:tcPr>
+                    <a:lnL w="12700" cap="flat" cmpd="sng" algn="ctr">
+                      <a:solidFill>
+                        <a:schemeClr val="tx1"/>
+                      </a:solidFill>
+                      <a:prstDash val="solid"/>
+                      <a:round/>
+                      <a:headEnd type="none" w="med" len="med"/>
+                      <a:tailEnd type="none" w="med" len="med"/>
+                    </a:lnL>
+                    <a:lnR w="12700" cap="flat" cmpd="sng" algn="ctr">
+                      <a:solidFill>
+                        <a:schemeClr val="tx1"/>
+                      </a:solidFill>
+                      <a:prstDash val="solid"/>
+                      <a:round/>
+                      <a:headEnd type="none" w="med" len="med"/>
+                      <a:tailEnd type="none" w="med" len="med"/>
+                    </a:lnR>
+                    <a:lnT w="12700" cap="flat" cmpd="sng" algn="ctr">
+                      <a:solidFill>
+                        <a:schemeClr val="tx1"/>
+                      </a:solidFill>
+                      <a:prstDash val="solid"/>
+                      <a:round/>
+                      <a:headEnd type="none" w="med" len="med"/>
+                      <a:tailEnd type="none" w="med" len="med"/>
+                    </a:lnT>
+                    <a:lnB w="12700" cap="flat" cmpd="sng" algn="ctr">
+                      <a:solidFill>
+                        <a:schemeClr val="tx1"/>
+                      </a:solidFill>
+                      <a:prstDash val="solid"/>
+                      <a:round/>
+                      <a:headEnd type="none" w="med" len="med"/>
+                      <a:tailEnd type="none" w="med" len="med"/>
+                    </a:lnB>
+                    <a:lnTlToBr w="12700" cmpd="sng">
+                      <a:noFill/>
+                      <a:prstDash val="solid"/>
+                    </a:lnTlToBr>
+                    <a:lnBlToTr w="12700" cmpd="sng">
+                      <a:noFill/>
+                      <a:prstDash val="solid"/>
+                    </a:lnBlToTr>
+                    <a:solidFill>
+                      <a:schemeClr val="accent4">
+                        <a:lumMod val="60000"/>
+                        <a:lumOff val="40000"/>
+                      </a:schemeClr>
+                    </a:solidFill>
+                  </a:tcPr>
+                </a:tc>
+                <a:tc>
+                  <a:txBody>
+                    <a:bodyPr/>
+                    <a:lstStyle/>
+                    <a:p>
+                      <a:r>
+                        <a:rPr lang="en-US" dirty="0"/>
+                        <a:t>Position</a:t>
+                      </a:r>
+                    </a:p>
+                  </a:txBody>
+                  <a:tcPr>
+                    <a:lnL w="12700" cap="flat" cmpd="sng" algn="ctr">
+                      <a:solidFill>
+                        <a:schemeClr val="tx1"/>
+                      </a:solidFill>
+                      <a:prstDash val="solid"/>
+                      <a:round/>
+                      <a:headEnd type="none" w="med" len="med"/>
+                      <a:tailEnd type="none" w="med" len="med"/>
+                    </a:lnL>
+                    <a:lnR w="12700" cap="flat" cmpd="sng" algn="ctr">
+                      <a:solidFill>
+                        <a:schemeClr val="tx1"/>
+                      </a:solidFill>
+                      <a:prstDash val="solid"/>
+                      <a:round/>
+                      <a:headEnd type="none" w="med" len="med"/>
+                      <a:tailEnd type="none" w="med" len="med"/>
+                    </a:lnR>
+                    <a:lnT w="12700" cap="flat" cmpd="sng" algn="ctr">
+                      <a:solidFill>
+                        <a:schemeClr val="tx1"/>
+                      </a:solidFill>
+                      <a:prstDash val="solid"/>
+                      <a:round/>
+                      <a:headEnd type="none" w="med" len="med"/>
+                      <a:tailEnd type="none" w="med" len="med"/>
+                    </a:lnT>
+                    <a:lnB w="12700" cap="flat" cmpd="sng" algn="ctr">
+                      <a:solidFill>
+                        <a:schemeClr val="tx1"/>
+                      </a:solidFill>
+                      <a:prstDash val="solid"/>
+                      <a:round/>
+                      <a:headEnd type="none" w="med" len="med"/>
+                      <a:tailEnd type="none" w="med" len="med"/>
+                    </a:lnB>
+                    <a:lnTlToBr w="12700" cmpd="sng">
+                      <a:noFill/>
+                      <a:prstDash val="solid"/>
+                    </a:lnTlToBr>
+                    <a:lnBlToTr w="12700" cmpd="sng">
+                      <a:noFill/>
+                      <a:prstDash val="solid"/>
+                    </a:lnBlToTr>
+                    <a:solidFill>
+                      <a:schemeClr val="bg2">
+                        <a:lumMod val="60000"/>
+                        <a:lumOff val="40000"/>
+                      </a:schemeClr>
+                    </a:solidFill>
+                  </a:tcPr>
+                </a:tc>
+                <a:tc>
+                  <a:txBody>
+                    <a:bodyPr/>
+                    <a:lstStyle/>
+                    <a:p>
+                      <a:r>
+                        <a:rPr lang="en-US" sz="1800" kern="1200" dirty="0">
+                          <a:solidFill>
+                            <a:schemeClr val="dk1"/>
+                          </a:solidFill>
+                          <a:latin typeface="+mn-lt"/>
+                          <a:ea typeface="+mn-ea"/>
+                          <a:cs typeface="+mn-cs"/>
+                        </a:rPr>
+                        <a:t>Step</a:t>
+                      </a:r>
+                      <a:endParaRPr lang="en-US" dirty="0"/>
+                    </a:p>
+                  </a:txBody>
+                  <a:tcPr>
+                    <a:lnL w="12700" cap="flat" cmpd="sng" algn="ctr">
+                      <a:solidFill>
+                        <a:schemeClr val="tx1"/>
+                      </a:solidFill>
+                      <a:prstDash val="solid"/>
+                      <a:round/>
+                      <a:headEnd type="none" w="med" len="med"/>
+                      <a:tailEnd type="none" w="med" len="med"/>
+                    </a:lnL>
+                    <a:lnR w="12700" cap="flat" cmpd="sng" algn="ctr">
+                      <a:solidFill>
+                        <a:schemeClr val="tx1"/>
+                      </a:solidFill>
+                      <a:prstDash val="solid"/>
+                      <a:round/>
+                      <a:headEnd type="none" w="med" len="med"/>
+                      <a:tailEnd type="none" w="med" len="med"/>
+                    </a:lnR>
+                    <a:lnT w="12700" cap="flat" cmpd="sng" algn="ctr">
+                      <a:solidFill>
+                        <a:schemeClr val="tx1"/>
+                      </a:solidFill>
+                      <a:prstDash val="solid"/>
+                      <a:round/>
+                      <a:headEnd type="none" w="med" len="med"/>
+                      <a:tailEnd type="none" w="med" len="med"/>
+                    </a:lnT>
+                    <a:lnB w="12700" cap="flat" cmpd="sng" algn="ctr">
+                      <a:solidFill>
+                        <a:schemeClr val="tx1"/>
+                      </a:solidFill>
+                      <a:prstDash val="solid"/>
+                      <a:round/>
+                      <a:headEnd type="none" w="med" len="med"/>
+                      <a:tailEnd type="none" w="med" len="med"/>
+                    </a:lnB>
+                    <a:lnTlToBr w="12700" cmpd="sng">
+                      <a:noFill/>
+                      <a:prstDash val="solid"/>
+                    </a:lnTlToBr>
+                    <a:lnBlToTr w="12700" cmpd="sng">
+                      <a:noFill/>
+                      <a:prstDash val="solid"/>
+                    </a:lnBlToTr>
+                    <a:solidFill>
+                      <a:schemeClr val="accent2">
+                        <a:lumMod val="60000"/>
+                        <a:lumOff val="40000"/>
+                      </a:schemeClr>
+                    </a:solidFill>
+                  </a:tcPr>
+                </a:tc>
+                <a:tc>
+                  <a:txBody>
+                    <a:bodyPr/>
+                    <a:lstStyle/>
+                    <a:p>
+                      <a:r>
+                        <a:rPr lang="en-US" dirty="0"/>
+                        <a:t>StepCount</a:t>
+                      </a:r>
+                    </a:p>
+                  </a:txBody>
+                  <a:tcPr>
+                    <a:lnL w="12700" cap="flat" cmpd="sng" algn="ctr">
+                      <a:solidFill>
+                        <a:schemeClr val="tx1"/>
+                      </a:solidFill>
+                      <a:prstDash val="solid"/>
+                      <a:round/>
+                      <a:headEnd type="none" w="med" len="med"/>
+                      <a:tailEnd type="none" w="med" len="med"/>
+                    </a:lnL>
+                    <a:lnR w="12700" cap="flat" cmpd="sng" algn="ctr">
+                      <a:solidFill>
+                        <a:schemeClr val="tx1"/>
+                      </a:solidFill>
+                      <a:prstDash val="solid"/>
+                      <a:round/>
+                      <a:headEnd type="none" w="med" len="med"/>
+                      <a:tailEnd type="none" w="med" len="med"/>
+                    </a:lnR>
+                    <a:lnT w="12700" cap="flat" cmpd="sng" algn="ctr">
+                      <a:solidFill>
+                        <a:schemeClr val="tx1"/>
+                      </a:solidFill>
+                      <a:prstDash val="solid"/>
+                      <a:round/>
+                      <a:headEnd type="none" w="med" len="med"/>
+                      <a:tailEnd type="none" w="med" len="med"/>
+                    </a:lnT>
+                    <a:lnB w="12700" cap="flat" cmpd="sng" algn="ctr">
+                      <a:solidFill>
+                        <a:schemeClr val="tx1"/>
+                      </a:solidFill>
+                      <a:prstDash val="solid"/>
+                      <a:round/>
+                      <a:headEnd type="none" w="med" len="med"/>
+                      <a:tailEnd type="none" w="med" len="med"/>
+                    </a:lnB>
+                    <a:lnTlToBr w="12700" cmpd="sng">
+                      <a:noFill/>
+                      <a:prstDash val="solid"/>
+                    </a:lnTlToBr>
+                    <a:lnBlToTr w="12700" cmpd="sng">
+                      <a:noFill/>
+                      <a:prstDash val="solid"/>
+                    </a:lnBlToTr>
+                    <a:solidFill>
+                      <a:schemeClr val="accent4">
+                        <a:lumMod val="60000"/>
+                        <a:lumOff val="40000"/>
+                      </a:schemeClr>
+                    </a:solidFill>
+                  </a:tcPr>
+                </a:tc>
+                <a:extLst>
+                  <a:ext uri="{0D108BD9-81ED-4DB2-BD59-A6C34878D82A}">
+                    <a16:rowId xmlns="" xmlns:a16="http://schemas.microsoft.com/office/drawing/2014/main" val="10002"/>
+                  </a:ext>
+                </a:extLst>
+              </a:tr>
+              <a:tr h="370840">
+                <a:tc>
+                  <a:txBody>
+                    <a:bodyPr/>
+                    <a:lstStyle/>
+                    <a:p>
+                      <a:r>
+                        <a:rPr lang="en-US" dirty="0"/>
+                        <a:t>8bytes</a:t>
+                      </a:r>
+                    </a:p>
+                  </a:txBody>
+                  <a:tcPr>
+                    <a:lnL w="12700" cap="flat" cmpd="sng" algn="ctr">
+                      <a:solidFill>
+                        <a:schemeClr val="tx1"/>
+                      </a:solidFill>
+                      <a:prstDash val="solid"/>
+                      <a:round/>
+                      <a:headEnd type="none" w="med" len="med"/>
+                      <a:tailEnd type="none" w="med" len="med"/>
+                    </a:lnL>
+                    <a:lnR w="12700" cap="flat" cmpd="sng" algn="ctr">
+                      <a:solidFill>
+                        <a:schemeClr val="tx1"/>
+                      </a:solidFill>
+                      <a:prstDash val="solid"/>
+                      <a:round/>
+                      <a:headEnd type="none" w="med" len="med"/>
+                      <a:tailEnd type="none" w="med" len="med"/>
+                    </a:lnR>
+                    <a:lnT w="12700" cap="flat" cmpd="sng" algn="ctr">
+                      <a:solidFill>
+                        <a:schemeClr val="tx1"/>
+                      </a:solidFill>
+                      <a:prstDash val="solid"/>
+                      <a:round/>
+                      <a:headEnd type="none" w="med" len="med"/>
+                      <a:tailEnd type="none" w="med" len="med"/>
+                    </a:lnT>
+                    <a:lnB w="12700" cap="flat" cmpd="sng" algn="ctr">
+                      <a:solidFill>
+                        <a:schemeClr val="tx1"/>
+                      </a:solidFill>
+                      <a:prstDash val="solid"/>
+                      <a:round/>
+                      <a:headEnd type="none" w="med" len="med"/>
+                      <a:tailEnd type="none" w="med" len="med"/>
+                    </a:lnB>
+                    <a:lnTlToBr w="12700" cmpd="sng">
+                      <a:noFill/>
+                      <a:prstDash val="solid"/>
+                    </a:lnTlToBr>
+                    <a:lnBlToTr w="12700" cmpd="sng">
+                      <a:noFill/>
+                      <a:prstDash val="solid"/>
+                    </a:lnBlToTr>
+                    <a:solidFill>
+                      <a:schemeClr val="tx1">
+                        <a:lumMod val="50000"/>
+                      </a:schemeClr>
+                    </a:solidFill>
+                  </a:tcPr>
+                </a:tc>
+                <a:tc>
+                  <a:txBody>
+                    <a:bodyPr/>
+                    <a:lstStyle/>
+                    <a:p>
+                      <a:r>
+                        <a:rPr lang="en-US" dirty="0"/>
+                        <a:t>8bytes</a:t>
+                      </a:r>
+                    </a:p>
+                  </a:txBody>
+                  <a:tcPr>
+                    <a:lnL w="12700" cap="flat" cmpd="sng" algn="ctr">
+                      <a:solidFill>
+                        <a:schemeClr val="tx1"/>
+                      </a:solidFill>
+                      <a:prstDash val="solid"/>
+                      <a:round/>
+                      <a:headEnd type="none" w="med" len="med"/>
+                      <a:tailEnd type="none" w="med" len="med"/>
+                    </a:lnL>
+                    <a:lnR w="12700" cap="flat" cmpd="sng" algn="ctr">
+                      <a:solidFill>
+                        <a:schemeClr val="tx1"/>
+                      </a:solidFill>
+                      <a:prstDash val="solid"/>
+                      <a:round/>
+                      <a:headEnd type="none" w="med" len="med"/>
+                      <a:tailEnd type="none" w="med" len="med"/>
+                    </a:lnR>
+                    <a:lnT w="12700" cap="flat" cmpd="sng" algn="ctr">
+                      <a:solidFill>
+                        <a:schemeClr val="tx1"/>
+                      </a:solidFill>
+                      <a:prstDash val="solid"/>
+                      <a:round/>
+                      <a:headEnd type="none" w="med" len="med"/>
+                      <a:tailEnd type="none" w="med" len="med"/>
+                    </a:lnT>
+                    <a:lnB w="12700" cap="flat" cmpd="sng" algn="ctr">
+                      <a:solidFill>
+                        <a:schemeClr val="tx1"/>
+                      </a:solidFill>
+                      <a:prstDash val="solid"/>
+                      <a:round/>
+                      <a:headEnd type="none" w="med" len="med"/>
+                      <a:tailEnd type="none" w="med" len="med"/>
+                    </a:lnB>
+                    <a:lnTlToBr w="12700" cmpd="sng">
+                      <a:noFill/>
+                      <a:prstDash val="solid"/>
+                    </a:lnTlToBr>
+                    <a:lnBlToTr w="12700" cmpd="sng">
+                      <a:noFill/>
+                      <a:prstDash val="solid"/>
+                    </a:lnBlToTr>
+                    <a:solidFill>
+                      <a:schemeClr val="tx1">
+                        <a:lumMod val="50000"/>
+                      </a:schemeClr>
+                    </a:solidFill>
+                  </a:tcPr>
+                </a:tc>
+                <a:tc>
+                  <a:txBody>
+                    <a:bodyPr/>
+                    <a:lstStyle/>
+                    <a:p>
+                      <a:r>
+                        <a:rPr lang="en-US"/>
+                        <a:t>4bytes</a:t>
+                      </a:r>
+                      <a:endParaRPr lang="en-US" dirty="0"/>
+                    </a:p>
+                  </a:txBody>
+                  <a:tcPr>
+                    <a:lnL w="12700" cap="flat" cmpd="sng" algn="ctr">
+                      <a:solidFill>
+                        <a:schemeClr val="tx1"/>
+                      </a:solidFill>
+                      <a:prstDash val="solid"/>
+                      <a:round/>
+                      <a:headEnd type="none" w="med" len="med"/>
+                      <a:tailEnd type="none" w="med" len="med"/>
+                    </a:lnL>
+                    <a:lnR w="12700" cap="flat" cmpd="sng" algn="ctr">
+                      <a:solidFill>
+                        <a:schemeClr val="tx1"/>
+                      </a:solidFill>
+                      <a:prstDash val="solid"/>
+                      <a:round/>
+                      <a:headEnd type="none" w="med" len="med"/>
+                      <a:tailEnd type="none" w="med" len="med"/>
+                    </a:lnR>
+                    <a:lnT w="12700" cap="flat" cmpd="sng" algn="ctr">
+                      <a:solidFill>
+                        <a:schemeClr val="tx1"/>
+                      </a:solidFill>
+                      <a:prstDash val="solid"/>
+                      <a:round/>
+                      <a:headEnd type="none" w="med" len="med"/>
+                      <a:tailEnd type="none" w="med" len="med"/>
+                    </a:lnT>
+                    <a:lnB w="12700" cap="flat" cmpd="sng" algn="ctr">
+                      <a:solidFill>
+                        <a:schemeClr val="tx1"/>
+                      </a:solidFill>
+                      <a:prstDash val="solid"/>
+                      <a:round/>
+                      <a:headEnd type="none" w="med" len="med"/>
+                      <a:tailEnd type="none" w="med" len="med"/>
+                    </a:lnB>
+                    <a:lnTlToBr w="12700" cmpd="sng">
+                      <a:noFill/>
+                      <a:prstDash val="solid"/>
+                    </a:lnTlToBr>
+                    <a:lnBlToTr w="12700" cmpd="sng">
+                      <a:noFill/>
+                      <a:prstDash val="solid"/>
+                    </a:lnBlToTr>
+                    <a:solidFill>
+                      <a:schemeClr val="tx1">
+                        <a:lumMod val="50000"/>
+                      </a:schemeClr>
+                    </a:solidFill>
+                  </a:tcPr>
+                </a:tc>
+                <a:tc>
+                  <a:txBody>
+                    <a:bodyPr/>
+                    <a:lstStyle/>
+                    <a:p>
+                      <a:r>
+                        <a:rPr lang="en-US"/>
+                        <a:t>8bytes</a:t>
+                      </a:r>
+                      <a:endParaRPr lang="en-US" dirty="0"/>
+                    </a:p>
+                  </a:txBody>
+                  <a:tcPr>
+                    <a:lnL w="12700" cap="flat" cmpd="sng" algn="ctr">
+                      <a:solidFill>
+                        <a:schemeClr val="tx1"/>
+                      </a:solidFill>
+                      <a:prstDash val="solid"/>
+                      <a:round/>
+                      <a:headEnd type="none" w="med" len="med"/>
+                      <a:tailEnd type="none" w="med" len="med"/>
+                    </a:lnL>
+                    <a:lnR w="12700" cap="flat" cmpd="sng" algn="ctr">
+                      <a:solidFill>
+                        <a:schemeClr val="tx1"/>
+                      </a:solidFill>
+                      <a:prstDash val="solid"/>
+                      <a:round/>
+                      <a:headEnd type="none" w="med" len="med"/>
+                      <a:tailEnd type="none" w="med" len="med"/>
+                    </a:lnR>
+                    <a:lnT w="12700" cap="flat" cmpd="sng" algn="ctr">
+                      <a:solidFill>
+                        <a:schemeClr val="tx1"/>
+                      </a:solidFill>
+                      <a:prstDash val="solid"/>
+                      <a:round/>
+                      <a:headEnd type="none" w="med" len="med"/>
+                      <a:tailEnd type="none" w="med" len="med"/>
+                    </a:lnT>
+                    <a:lnB w="12700" cap="flat" cmpd="sng" algn="ctr">
+                      <a:solidFill>
+                        <a:schemeClr val="tx1"/>
+                      </a:solidFill>
+                      <a:prstDash val="solid"/>
+                      <a:round/>
+                      <a:headEnd type="none" w="med" len="med"/>
+                      <a:tailEnd type="none" w="med" len="med"/>
+                    </a:lnB>
+                    <a:lnTlToBr w="12700" cmpd="sng">
+                      <a:noFill/>
+                      <a:prstDash val="solid"/>
+                    </a:lnTlToBr>
+                    <a:lnBlToTr w="12700" cmpd="sng">
+                      <a:noFill/>
+                      <a:prstDash val="solid"/>
+                    </a:lnBlToTr>
+                    <a:solidFill>
+                      <a:schemeClr val="tx1">
+                        <a:lumMod val="50000"/>
+                      </a:schemeClr>
+                    </a:solidFill>
+                  </a:tcPr>
+                </a:tc>
+                <a:tc>
+                  <a:txBody>
+                    <a:bodyPr/>
+                    <a:lstStyle/>
+                    <a:p>
+                      <a:r>
+                        <a:rPr lang="en-US" dirty="0"/>
+                        <a:t>8bytes</a:t>
+                      </a:r>
+                    </a:p>
+                  </a:txBody>
+                  <a:tcPr>
+                    <a:lnL w="12700" cap="flat" cmpd="sng" algn="ctr">
+                      <a:solidFill>
+                        <a:schemeClr val="tx1"/>
+                      </a:solidFill>
+                      <a:prstDash val="solid"/>
+                      <a:round/>
+                      <a:headEnd type="none" w="med" len="med"/>
+                      <a:tailEnd type="none" w="med" len="med"/>
+                    </a:lnL>
+                    <a:lnR w="12700" cap="flat" cmpd="sng" algn="ctr">
+                      <a:solidFill>
+                        <a:schemeClr val="tx1"/>
+                      </a:solidFill>
+                      <a:prstDash val="solid"/>
+                      <a:round/>
+                      <a:headEnd type="none" w="med" len="med"/>
+                      <a:tailEnd type="none" w="med" len="med"/>
+                    </a:lnR>
+                    <a:lnT w="12700" cap="flat" cmpd="sng" algn="ctr">
+                      <a:solidFill>
+                        <a:schemeClr val="tx1"/>
+                      </a:solidFill>
+                      <a:prstDash val="solid"/>
+                      <a:round/>
+                      <a:headEnd type="none" w="med" len="med"/>
+                      <a:tailEnd type="none" w="med" len="med"/>
+                    </a:lnT>
+                    <a:lnB w="12700" cap="flat" cmpd="sng" algn="ctr">
+                      <a:solidFill>
+                        <a:schemeClr val="tx1"/>
+                      </a:solidFill>
+                      <a:prstDash val="solid"/>
+                      <a:round/>
+                      <a:headEnd type="none" w="med" len="med"/>
+                      <a:tailEnd type="none" w="med" len="med"/>
+                    </a:lnB>
+                    <a:lnTlToBr w="12700" cmpd="sng">
+                      <a:noFill/>
+                      <a:prstDash val="solid"/>
+                    </a:lnTlToBr>
+                    <a:lnBlToTr w="12700" cmpd="sng">
+                      <a:noFill/>
+                      <a:prstDash val="solid"/>
+                    </a:lnBlToTr>
+                    <a:solidFill>
+                      <a:schemeClr val="tx1">
+                        <a:lumMod val="50000"/>
+                      </a:schemeClr>
+                    </a:solidFill>
+                  </a:tcPr>
+                </a:tc>
+                <a:tc>
+                  <a:txBody>
+                    <a:bodyPr/>
+                    <a:lstStyle/>
+                    <a:p>
+                      <a:r>
+                        <a:rPr lang="en-US" dirty="0"/>
+                        <a:t>4bytes</a:t>
+                      </a:r>
+                    </a:p>
+                  </a:txBody>
+                  <a:tcPr>
+                    <a:lnL w="12700" cap="flat" cmpd="sng" algn="ctr">
+                      <a:solidFill>
+                        <a:schemeClr val="tx1"/>
+                      </a:solidFill>
+                      <a:prstDash val="solid"/>
+                      <a:round/>
+                      <a:headEnd type="none" w="med" len="med"/>
+                      <a:tailEnd type="none" w="med" len="med"/>
+                    </a:lnL>
+                    <a:lnR w="12700" cap="flat" cmpd="sng" algn="ctr">
+                      <a:solidFill>
+                        <a:schemeClr val="tx1"/>
+                      </a:solidFill>
+                      <a:prstDash val="solid"/>
+                      <a:round/>
+                      <a:headEnd type="none" w="med" len="med"/>
+                      <a:tailEnd type="none" w="med" len="med"/>
+                    </a:lnR>
+                    <a:lnT w="12700" cap="flat" cmpd="sng" algn="ctr">
+                      <a:solidFill>
+                        <a:schemeClr val="tx1"/>
+                      </a:solidFill>
+                      <a:prstDash val="solid"/>
+                      <a:round/>
+                      <a:headEnd type="none" w="med" len="med"/>
+                      <a:tailEnd type="none" w="med" len="med"/>
+                    </a:lnT>
+                    <a:lnB w="12700" cap="flat" cmpd="sng" algn="ctr">
+                      <a:solidFill>
+                        <a:schemeClr val="tx1"/>
+                      </a:solidFill>
+                      <a:prstDash val="solid"/>
+                      <a:round/>
+                      <a:headEnd type="none" w="med" len="med"/>
+                      <a:tailEnd type="none" w="med" len="med"/>
+                    </a:lnB>
+                    <a:lnTlToBr w="12700" cmpd="sng">
+                      <a:noFill/>
+                      <a:prstDash val="solid"/>
+                    </a:lnTlToBr>
+                    <a:lnBlToTr w="12700" cmpd="sng">
+                      <a:noFill/>
+                      <a:prstDash val="solid"/>
+                    </a:lnBlToTr>
+                    <a:solidFill>
+                      <a:schemeClr val="tx1">
+                        <a:lumMod val="50000"/>
+                      </a:schemeClr>
+                    </a:solidFill>
+                  </a:tcPr>
+                </a:tc>
+                <a:tc>
+                  <a:txBody>
+                    <a:bodyPr/>
+                    <a:lstStyle/>
+                    <a:p>
+                      <a:r>
+                        <a:rPr lang="en-US"/>
+                        <a:t>8bytes</a:t>
+                      </a:r>
+                      <a:endParaRPr lang="en-US" dirty="0"/>
+                    </a:p>
+                  </a:txBody>
+                  <a:tcPr>
+                    <a:lnL w="12700" cap="flat" cmpd="sng" algn="ctr">
+                      <a:solidFill>
+                        <a:schemeClr val="tx1"/>
+                      </a:solidFill>
+                      <a:prstDash val="solid"/>
+                      <a:round/>
+                      <a:headEnd type="none" w="med" len="med"/>
+                      <a:tailEnd type="none" w="med" len="med"/>
+                    </a:lnL>
+                    <a:lnR w="12700" cap="flat" cmpd="sng" algn="ctr">
+                      <a:solidFill>
+                        <a:schemeClr val="tx1"/>
+                      </a:solidFill>
+                      <a:prstDash val="solid"/>
+                      <a:round/>
+                      <a:headEnd type="none" w="med" len="med"/>
+                      <a:tailEnd type="none" w="med" len="med"/>
+                    </a:lnR>
+                    <a:lnT w="12700" cap="flat" cmpd="sng" algn="ctr">
+                      <a:solidFill>
+                        <a:schemeClr val="tx1"/>
+                      </a:solidFill>
+                      <a:prstDash val="solid"/>
+                      <a:round/>
+                      <a:headEnd type="none" w="med" len="med"/>
+                      <a:tailEnd type="none" w="med" len="med"/>
+                    </a:lnT>
+                    <a:lnB w="12700" cap="flat" cmpd="sng" algn="ctr">
+                      <a:solidFill>
+                        <a:schemeClr val="tx1"/>
+                      </a:solidFill>
+                      <a:prstDash val="solid"/>
+                      <a:round/>
+                      <a:headEnd type="none" w="med" len="med"/>
+                      <a:tailEnd type="none" w="med" len="med"/>
+                    </a:lnB>
+                    <a:lnTlToBr w="12700" cmpd="sng">
+                      <a:noFill/>
+                      <a:prstDash val="solid"/>
+                    </a:lnTlToBr>
+                    <a:lnBlToTr w="12700" cmpd="sng">
+                      <a:noFill/>
+                      <a:prstDash val="solid"/>
+                    </a:lnBlToTr>
+                    <a:solidFill>
+                      <a:schemeClr val="tx1">
+                        <a:lumMod val="50000"/>
+                      </a:schemeClr>
+                    </a:solidFill>
+                  </a:tcPr>
+                </a:tc>
+                <a:tc>
+                  <a:txBody>
+                    <a:bodyPr/>
+                    <a:lstStyle/>
+                    <a:p>
+                      <a:r>
+                        <a:rPr lang="en-US" dirty="0"/>
+                        <a:t>8bytes</a:t>
+                      </a:r>
+                    </a:p>
+                  </a:txBody>
+                  <a:tcPr>
+                    <a:lnL w="12700" cap="flat" cmpd="sng" algn="ctr">
+                      <a:solidFill>
+                        <a:schemeClr val="tx1"/>
+                      </a:solidFill>
+                      <a:prstDash val="solid"/>
+                      <a:round/>
+                      <a:headEnd type="none" w="med" len="med"/>
+                      <a:tailEnd type="none" w="med" len="med"/>
+                    </a:lnL>
+                    <a:lnR w="12700" cap="flat" cmpd="sng" algn="ctr">
+                      <a:solidFill>
+                        <a:schemeClr val="tx1"/>
+                      </a:solidFill>
+                      <a:prstDash val="solid"/>
+                      <a:round/>
+                      <a:headEnd type="none" w="med" len="med"/>
+                      <a:tailEnd type="none" w="med" len="med"/>
+                    </a:lnR>
+                    <a:lnT w="12700" cap="flat" cmpd="sng" algn="ctr">
+                      <a:solidFill>
+                        <a:schemeClr val="tx1"/>
+                      </a:solidFill>
+                      <a:prstDash val="solid"/>
+                      <a:round/>
+                      <a:headEnd type="none" w="med" len="med"/>
+                      <a:tailEnd type="none" w="med" len="med"/>
+                    </a:lnT>
+                    <a:lnB w="12700" cap="flat" cmpd="sng" algn="ctr">
+                      <a:solidFill>
+                        <a:schemeClr val="tx1"/>
+                      </a:solidFill>
+                      <a:prstDash val="solid"/>
+                      <a:round/>
+                      <a:headEnd type="none" w="med" len="med"/>
+                      <a:tailEnd type="none" w="med" len="med"/>
+                    </a:lnB>
+                    <a:lnTlToBr w="12700" cmpd="sng">
+                      <a:noFill/>
+                      <a:prstDash val="solid"/>
+                    </a:lnTlToBr>
+                    <a:lnBlToTr w="12700" cmpd="sng">
+                      <a:noFill/>
+                      <a:prstDash val="solid"/>
+                    </a:lnBlToTr>
+                    <a:solidFill>
+                      <a:schemeClr val="tx1">
+                        <a:lumMod val="50000"/>
+                      </a:schemeClr>
+                    </a:solidFill>
+                  </a:tcPr>
+                </a:tc>
+                <a:tc>
+                  <a:txBody>
+                    <a:bodyPr/>
+                    <a:lstStyle/>
+                    <a:p>
+                      <a:r>
+                        <a:rPr lang="en-US" dirty="0"/>
+                        <a:t>4bytes</a:t>
+                      </a:r>
+                    </a:p>
+                  </a:txBody>
+                  <a:tcPr>
+                    <a:lnL w="12700" cap="flat" cmpd="sng" algn="ctr">
+                      <a:solidFill>
+                        <a:schemeClr val="tx1"/>
+                      </a:solidFill>
+                      <a:prstDash val="solid"/>
+                      <a:round/>
+                      <a:headEnd type="none" w="med" len="med"/>
+                      <a:tailEnd type="none" w="med" len="med"/>
+                    </a:lnL>
+                    <a:lnR w="12700" cap="flat" cmpd="sng" algn="ctr">
+                      <a:solidFill>
+                        <a:schemeClr val="tx1"/>
+                      </a:solidFill>
+                      <a:prstDash val="solid"/>
+                      <a:round/>
+                      <a:headEnd type="none" w="med" len="med"/>
+                      <a:tailEnd type="none" w="med" len="med"/>
+                    </a:lnR>
+                    <a:lnT w="12700" cap="flat" cmpd="sng" algn="ctr">
+                      <a:solidFill>
+                        <a:schemeClr val="tx1"/>
+                      </a:solidFill>
+                      <a:prstDash val="solid"/>
+                      <a:round/>
+                      <a:headEnd type="none" w="med" len="med"/>
+                      <a:tailEnd type="none" w="med" len="med"/>
+                    </a:lnT>
+                    <a:lnB w="12700" cap="flat" cmpd="sng" algn="ctr">
+                      <a:solidFill>
+                        <a:schemeClr val="tx1"/>
+                      </a:solidFill>
+                      <a:prstDash val="solid"/>
+                      <a:round/>
+                      <a:headEnd type="none" w="med" len="med"/>
+                      <a:tailEnd type="none" w="med" len="med"/>
+                    </a:lnB>
+                    <a:lnTlToBr w="12700" cmpd="sng">
+                      <a:noFill/>
+                      <a:prstDash val="solid"/>
+                    </a:lnTlToBr>
+                    <a:lnBlToTr w="12700" cmpd="sng">
+                      <a:noFill/>
+                      <a:prstDash val="solid"/>
+                    </a:lnBlToTr>
+                    <a:solidFill>
+                      <a:schemeClr val="tx1">
+                        <a:lumMod val="50000"/>
+                      </a:schemeClr>
+                    </a:solidFill>
+                  </a:tcPr>
+                </a:tc>
+                <a:extLst>
+                  <a:ext uri="{0D108BD9-81ED-4DB2-BD59-A6C34878D82A}">
+                    <a16:rowId xmlns="" xmlns:a16="http://schemas.microsoft.com/office/drawing/2014/main" val="10003"/>
+                  </a:ext>
+                </a:extLst>
+              </a:tr>
+            </a:tbl>
+          </a:graphicData>
+        </a:graphic>
+      </p:graphicFrame>
     </p:spTree>
     <p:extLst>
       <p:ext uri="{BB962C8B-B14F-4D97-AF65-F5344CB8AC3E}">
-        <p14:creationId xmlns:p14="http://schemas.microsoft.com/office/powerpoint/2010/main" val="3472269627"/>
+        <p14:creationId xmlns:p14="http://schemas.microsoft.com/office/powerpoint/2010/main" val="96590304"/>
       </p:ext>
     </p:extLst>
   </p:cSld>
@@ -5202,7 +8444,7 @@
           <a:p>
             <a:r>
               <a:rPr lang="en-US" dirty="0"/>
-              <a:t>Thank You!</a:t>
+              <a:t>Data-Oriented Design Principles</a:t>
             </a:r>
           </a:p>
         </p:txBody>
@@ -5226,6 +8468,128 @@
           <a:p>
             <a:r>
               <a:rPr lang="en-US" dirty="0"/>
+              <a:t>If you don’t understand the data, you don’t understand the problem.”</a:t>
+            </a:r>
+          </a:p>
+          <a:p>
+            <a:r>
+              <a:rPr lang="en-US" dirty="0"/>
+              <a:t>Different problems, require different solutions.</a:t>
+            </a:r>
+          </a:p>
+          <a:p>
+            <a:r>
+              <a:rPr lang="en-US" dirty="0"/>
+              <a:t>If you have different data, you have </a:t>
+            </a:r>
+            <a:r>
+              <a:rPr lang="en-US" dirty="0" smtClean="0"/>
+              <a:t>different </a:t>
+            </a:r>
+            <a:r>
+              <a:rPr lang="en-US" dirty="0"/>
+              <a:t>problem.</a:t>
+            </a:r>
+          </a:p>
+          <a:p>
+            <a:r>
+              <a:rPr lang="en-US" dirty="0"/>
+              <a:t>If you don’t understand the cost of solving the problem, you don’t understand the problem.</a:t>
+            </a:r>
+          </a:p>
+          <a:p>
+            <a:r>
+              <a:rPr lang="en-US" dirty="0"/>
+              <a:t>If you don’t understand the hardware, language, compiler, OS you can’t reason about the cost of solving the problem</a:t>
+            </a:r>
+            <a:r>
+              <a:rPr lang="en-US" dirty="0" smtClean="0"/>
+              <a:t>.</a:t>
+            </a:r>
+          </a:p>
+          <a:p>
+            <a:r>
+              <a:rPr lang="en-US" dirty="0" smtClean="0"/>
+              <a:t>It’s just a name, understand the harward, language, compiler, OS, data, then solve the problem</a:t>
+            </a:r>
+            <a:endParaRPr lang="en-US" dirty="0"/>
+          </a:p>
+          <a:p>
+            <a:endParaRPr lang="en-US" dirty="0"/>
+          </a:p>
+        </p:txBody>
+      </p:sp>
+    </p:spTree>
+    <p:extLst>
+      <p:ext uri="{BB962C8B-B14F-4D97-AF65-F5344CB8AC3E}">
+        <p14:creationId xmlns:p14="http://schemas.microsoft.com/office/powerpoint/2010/main" val="3472269627"/>
+      </p:ext>
+    </p:extLst>
+  </p:cSld>
+  <p:clrMapOvr>
+    <a:masterClrMapping/>
+  </p:clrMapOvr>
+</p:sld>
+</file>
+
+<file path=ppt/slides/slide12.xml><?xml version="1.0" encoding="utf-8"?>
+<p:sld xmlns:a="http://schemas.openxmlformats.org/drawingml/2006/main" xmlns:r="http://schemas.openxmlformats.org/officeDocument/2006/relationships" xmlns:p="http://schemas.openxmlformats.org/presentationml/2006/main">
+  <p:cSld>
+    <p:spTree>
+      <p:nvGrpSpPr>
+        <p:cNvPr id="1" name=""/>
+        <p:cNvGrpSpPr/>
+        <p:nvPr/>
+      </p:nvGrpSpPr>
+      <p:grpSpPr>
+        <a:xfrm>
+          <a:off x="0" y="0"/>
+          <a:ext cx="0" cy="0"/>
+          <a:chOff x="0" y="0"/>
+          <a:chExt cx="0" cy="0"/>
+        </a:xfrm>
+      </p:grpSpPr>
+      <p:sp>
+        <p:nvSpPr>
+          <p:cNvPr id="2" name="Title 1"/>
+          <p:cNvSpPr>
+            <a:spLocks noGrp="1"/>
+          </p:cNvSpPr>
+          <p:nvPr>
+            <p:ph type="title"/>
+          </p:nvPr>
+        </p:nvSpPr>
+        <p:spPr/>
+        <p:txBody>
+          <a:bodyPr/>
+          <a:lstStyle/>
+          <a:p>
+            <a:r>
+              <a:rPr lang="en-US" dirty="0"/>
+              <a:t>Thank You!</a:t>
+            </a:r>
+          </a:p>
+        </p:txBody>
+      </p:sp>
+      <p:sp>
+        <p:nvSpPr>
+          <p:cNvPr id="3" name="Content Placeholder 2"/>
+          <p:cNvSpPr>
+            <a:spLocks noGrp="1"/>
+          </p:cNvSpPr>
+          <p:nvPr>
+            <p:ph idx="1"/>
+          </p:nvPr>
+        </p:nvSpPr>
+        <p:spPr/>
+        <p:txBody>
+          <a:bodyPr>
+            <a:normAutofit lnSpcReduction="10000"/>
+          </a:bodyPr>
+          <a:lstStyle/>
+          <a:p>
+            <a:r>
+              <a:rPr lang="en-US" dirty="0"/>
               <a:t>References</a:t>
             </a:r>
           </a:p>
@@ -5233,13 +8597,26 @@
             <a:pPr lvl="1"/>
             <a:r>
               <a:rPr lang="en-US" dirty="0"/>
-              <a:t>Anger Fog, Optimization Manuals </a:t>
+              <a:t>Anger Fog, Optimization </a:t>
+            </a:r>
+            <a:r>
+              <a:rPr lang="en-US" dirty="0" smtClean="0"/>
+              <a:t>Manuals</a:t>
+            </a:r>
+          </a:p>
+          <a:p>
+            <a:pPr lvl="2"/>
+            <a:r>
+              <a:rPr lang="en-US" dirty="0" smtClean="0">
+                <a:hlinkClick r:id="rId2"/>
+              </a:rPr>
+              <a:t>https</a:t>
             </a:r>
             <a:r>
               <a:rPr lang="en-US" dirty="0">
                 <a:hlinkClick r:id="rId2"/>
               </a:rPr>
-              <a:t>https://agner.org/optimize</a:t>
+              <a:t>://agner.org/optimize</a:t>
             </a:r>
             <a:endParaRPr lang="en-US" dirty="0"/>
           </a:p>
@@ -5247,13 +8624,26 @@
             <a:pPr lvl="1"/>
             <a:r>
               <a:rPr lang="en-US" dirty="0"/>
-              <a:t>Richard Fabian, “Data-Oriented Design” </a:t>
+              <a:t>Richard Fabian, “Data-Oriented </a:t>
+            </a:r>
+            <a:r>
+              <a:rPr lang="en-US" dirty="0" smtClean="0"/>
+              <a:t>Design”</a:t>
+            </a:r>
+          </a:p>
+          <a:p>
+            <a:pPr lvl="2"/>
+            <a:r>
+              <a:rPr lang="en-US" dirty="0" smtClean="0">
+                <a:hlinkClick r:id="rId3"/>
+              </a:rPr>
+              <a:t>http</a:t>
             </a:r>
             <a:r>
               <a:rPr lang="en-US" dirty="0">
                 <a:hlinkClick r:id="rId3"/>
               </a:rPr>
-              <a:t>http://dataorienteddesign.com/dodbook</a:t>
+              <a:t>://dataorienteddesign.com/dodbook</a:t>
             </a:r>
             <a:endParaRPr lang="en-US" dirty="0"/>
           </a:p>
@@ -5261,13 +8651,26 @@
             <a:pPr lvl="1"/>
             <a:r>
               <a:rPr lang="en-US" dirty="0"/>
-              <a:t>Yaser Zhian, Data Oriented </a:t>
+              <a:t>Yaser Zhian, </a:t>
+            </a:r>
+            <a:r>
+              <a:rPr lang="en-US" dirty="0" smtClean="0"/>
+              <a:t>“Data Oriented”</a:t>
+            </a:r>
+          </a:p>
+          <a:p>
+            <a:pPr lvl="2"/>
+            <a:r>
+              <a:rPr lang="en-US" dirty="0" smtClean="0">
+                <a:hlinkClick r:id="rId4"/>
+              </a:rPr>
+              <a:t>http</a:t>
             </a:r>
             <a:r>
               <a:rPr lang="en-US" dirty="0">
                 <a:hlinkClick r:id="rId4"/>
               </a:rPr>
-              <a:t>http://yzt.github.io/</a:t>
+              <a:t>://yzt.github.io/</a:t>
             </a:r>
             <a:endParaRPr lang="en-US" dirty="0"/>
           </a:p>
@@ -5624,21 +9027,21 @@
                 <a:gridCol w="1162756">
                   <a:extLst>
                     <a:ext uri="{9D8B030D-6E8A-4147-A177-3AD203B41FA5}">
-                      <a16:colId xmlns:a16="http://schemas.microsoft.com/office/drawing/2014/main" xmlns="" val="20000"/>
+                      <a16:colId xmlns="" xmlns:a16="http://schemas.microsoft.com/office/drawing/2014/main" val="20000"/>
                     </a:ext>
                   </a:extLst>
                 </a:gridCol>
                 <a:gridCol w="1162756">
                   <a:extLst>
                     <a:ext uri="{9D8B030D-6E8A-4147-A177-3AD203B41FA5}">
-                      <a16:colId xmlns:a16="http://schemas.microsoft.com/office/drawing/2014/main" xmlns="" val="20001"/>
+                      <a16:colId xmlns="" xmlns:a16="http://schemas.microsoft.com/office/drawing/2014/main" val="20001"/>
                     </a:ext>
                   </a:extLst>
                 </a:gridCol>
                 <a:gridCol w="1162756">
                   <a:extLst>
                     <a:ext uri="{9D8B030D-6E8A-4147-A177-3AD203B41FA5}">
-                      <a16:colId xmlns:a16="http://schemas.microsoft.com/office/drawing/2014/main" xmlns="" val="20002"/>
+                      <a16:colId xmlns="" xmlns:a16="http://schemas.microsoft.com/office/drawing/2014/main" val="20002"/>
                     </a:ext>
                   </a:extLst>
                 </a:gridCol>
@@ -5734,7 +9137,7 @@
                 </a:tc>
                 <a:extLst>
                   <a:ext uri="{0D108BD9-81ED-4DB2-BD59-A6C34878D82A}">
-                    <a16:rowId xmlns:a16="http://schemas.microsoft.com/office/drawing/2014/main" xmlns="" val="10000"/>
+                    <a16:rowId xmlns="" xmlns:a16="http://schemas.microsoft.com/office/drawing/2014/main" val="10000"/>
                   </a:ext>
                 </a:extLst>
               </a:tr>
@@ -5929,7 +9332,7 @@
                 </a:tc>
                 <a:extLst>
                   <a:ext uri="{0D108BD9-81ED-4DB2-BD59-A6C34878D82A}">
-                    <a16:rowId xmlns:a16="http://schemas.microsoft.com/office/drawing/2014/main" xmlns="" val="10001"/>
+                    <a16:rowId xmlns="" xmlns:a16="http://schemas.microsoft.com/office/drawing/2014/main" val="10001"/>
                   </a:ext>
                 </a:extLst>
               </a:tr>
@@ -6152,7 +9555,7 @@
                 </a:tc>
                 <a:extLst>
                   <a:ext uri="{0D108BD9-81ED-4DB2-BD59-A6C34878D82A}">
-                    <a16:rowId xmlns:a16="http://schemas.microsoft.com/office/drawing/2014/main" xmlns="" val="10002"/>
+                    <a16:rowId xmlns="" xmlns:a16="http://schemas.microsoft.com/office/drawing/2014/main" val="10002"/>
                   </a:ext>
                 </a:extLst>
               </a:tr>
@@ -6348,7 +9751,7 @@
                 </a:tc>
                 <a:extLst>
                   <a:ext uri="{0D108BD9-81ED-4DB2-BD59-A6C34878D82A}">
-                    <a16:rowId xmlns:a16="http://schemas.microsoft.com/office/drawing/2014/main" xmlns="" val="10003"/>
+                    <a16:rowId xmlns="" xmlns:a16="http://schemas.microsoft.com/office/drawing/2014/main" val="10003"/>
                   </a:ext>
                 </a:extLst>
               </a:tr>
@@ -6384,21 +9787,21 @@
                 <a:gridCol w="1162756">
                   <a:extLst>
                     <a:ext uri="{9D8B030D-6E8A-4147-A177-3AD203B41FA5}">
-                      <a16:colId xmlns:a16="http://schemas.microsoft.com/office/drawing/2014/main" xmlns="" val="20000"/>
+                      <a16:colId xmlns="" xmlns:a16="http://schemas.microsoft.com/office/drawing/2014/main" val="20000"/>
                     </a:ext>
                   </a:extLst>
                 </a:gridCol>
                 <a:gridCol w="1162756">
                   <a:extLst>
                     <a:ext uri="{9D8B030D-6E8A-4147-A177-3AD203B41FA5}">
-                      <a16:colId xmlns:a16="http://schemas.microsoft.com/office/drawing/2014/main" xmlns="" val="20001"/>
+                      <a16:colId xmlns="" xmlns:a16="http://schemas.microsoft.com/office/drawing/2014/main" val="20001"/>
                     </a:ext>
                   </a:extLst>
                 </a:gridCol>
                 <a:gridCol w="1162756">
                   <a:extLst>
                     <a:ext uri="{9D8B030D-6E8A-4147-A177-3AD203B41FA5}">
-                      <a16:colId xmlns:a16="http://schemas.microsoft.com/office/drawing/2014/main" xmlns="" val="20002"/>
+                      <a16:colId xmlns="" xmlns:a16="http://schemas.microsoft.com/office/drawing/2014/main" val="20002"/>
                     </a:ext>
                   </a:extLst>
                 </a:gridCol>
@@ -6494,7 +9897,7 @@
                 </a:tc>
                 <a:extLst>
                   <a:ext uri="{0D108BD9-81ED-4DB2-BD59-A6C34878D82A}">
-                    <a16:rowId xmlns:a16="http://schemas.microsoft.com/office/drawing/2014/main" xmlns="" val="10000"/>
+                    <a16:rowId xmlns="" xmlns:a16="http://schemas.microsoft.com/office/drawing/2014/main" val="10000"/>
                   </a:ext>
                 </a:extLst>
               </a:tr>
@@ -6689,7 +10092,7 @@
                 </a:tc>
                 <a:extLst>
                   <a:ext uri="{0D108BD9-81ED-4DB2-BD59-A6C34878D82A}">
-                    <a16:rowId xmlns:a16="http://schemas.microsoft.com/office/drawing/2014/main" xmlns="" val="10001"/>
+                    <a16:rowId xmlns="" xmlns:a16="http://schemas.microsoft.com/office/drawing/2014/main" val="10001"/>
                   </a:ext>
                 </a:extLst>
               </a:tr>
@@ -6912,7 +10315,7 @@
                 </a:tc>
                 <a:extLst>
                   <a:ext uri="{0D108BD9-81ED-4DB2-BD59-A6C34878D82A}">
-                    <a16:rowId xmlns:a16="http://schemas.microsoft.com/office/drawing/2014/main" xmlns="" val="10002"/>
+                    <a16:rowId xmlns="" xmlns:a16="http://schemas.microsoft.com/office/drawing/2014/main" val="10002"/>
                   </a:ext>
                 </a:extLst>
               </a:tr>
@@ -7108,7 +10511,7 @@
                 </a:tc>
                 <a:extLst>
                   <a:ext uri="{0D108BD9-81ED-4DB2-BD59-A6C34878D82A}">
-                    <a16:rowId xmlns:a16="http://schemas.microsoft.com/office/drawing/2014/main" xmlns="" val="10003"/>
+                    <a16:rowId xmlns="" xmlns:a16="http://schemas.microsoft.com/office/drawing/2014/main" val="10003"/>
                   </a:ext>
                 </a:extLst>
               </a:tr>
@@ -7144,21 +10547,21 @@
                 <a:gridCol w="1162756">
                   <a:extLst>
                     <a:ext uri="{9D8B030D-6E8A-4147-A177-3AD203B41FA5}">
-                      <a16:colId xmlns:a16="http://schemas.microsoft.com/office/drawing/2014/main" xmlns="" val="20000"/>
+                      <a16:colId xmlns="" xmlns:a16="http://schemas.microsoft.com/office/drawing/2014/main" val="20000"/>
                     </a:ext>
                   </a:extLst>
                 </a:gridCol>
                 <a:gridCol w="1162756">
                   <a:extLst>
                     <a:ext uri="{9D8B030D-6E8A-4147-A177-3AD203B41FA5}">
-                      <a16:colId xmlns:a16="http://schemas.microsoft.com/office/drawing/2014/main" xmlns="" val="20001"/>
+                      <a16:colId xmlns="" xmlns:a16="http://schemas.microsoft.com/office/drawing/2014/main" val="20001"/>
                     </a:ext>
                   </a:extLst>
                 </a:gridCol>
                 <a:gridCol w="1162756">
                   <a:extLst>
                     <a:ext uri="{9D8B030D-6E8A-4147-A177-3AD203B41FA5}">
-                      <a16:colId xmlns:a16="http://schemas.microsoft.com/office/drawing/2014/main" xmlns="" val="20002"/>
+                      <a16:colId xmlns="" xmlns:a16="http://schemas.microsoft.com/office/drawing/2014/main" val="20002"/>
                     </a:ext>
                   </a:extLst>
                 </a:gridCol>
@@ -7254,7 +10657,7 @@
                 </a:tc>
                 <a:extLst>
                   <a:ext uri="{0D108BD9-81ED-4DB2-BD59-A6C34878D82A}">
-                    <a16:rowId xmlns:a16="http://schemas.microsoft.com/office/drawing/2014/main" xmlns="" val="10000"/>
+                    <a16:rowId xmlns="" xmlns:a16="http://schemas.microsoft.com/office/drawing/2014/main" val="10000"/>
                   </a:ext>
                 </a:extLst>
               </a:tr>
@@ -7449,7 +10852,7 @@
                 </a:tc>
                 <a:extLst>
                   <a:ext uri="{0D108BD9-81ED-4DB2-BD59-A6C34878D82A}">
-                    <a16:rowId xmlns:a16="http://schemas.microsoft.com/office/drawing/2014/main" xmlns="" val="10001"/>
+                    <a16:rowId xmlns="" xmlns:a16="http://schemas.microsoft.com/office/drawing/2014/main" val="10001"/>
                   </a:ext>
                 </a:extLst>
               </a:tr>
@@ -7672,7 +11075,7 @@
                 </a:tc>
                 <a:extLst>
                   <a:ext uri="{0D108BD9-81ED-4DB2-BD59-A6C34878D82A}">
-                    <a16:rowId xmlns:a16="http://schemas.microsoft.com/office/drawing/2014/main" xmlns="" val="10002"/>
+                    <a16:rowId xmlns="" xmlns:a16="http://schemas.microsoft.com/office/drawing/2014/main" val="10002"/>
                   </a:ext>
                 </a:extLst>
               </a:tr>
@@ -7868,7 +11271,7 @@
                 </a:tc>
                 <a:extLst>
                   <a:ext uri="{0D108BD9-81ED-4DB2-BD59-A6C34878D82A}">
-                    <a16:rowId xmlns:a16="http://schemas.microsoft.com/office/drawing/2014/main" xmlns="" val="10003"/>
+                    <a16:rowId xmlns="" xmlns:a16="http://schemas.microsoft.com/office/drawing/2014/main" val="10003"/>
                   </a:ext>
                 </a:extLst>
               </a:tr>
@@ -8117,6 +11520,95 @@
           </a:p>
         </p:txBody>
       </p:sp>
+    </p:spTree>
+    <p:extLst>
+      <p:ext uri="{BB962C8B-B14F-4D97-AF65-F5344CB8AC3E}">
+        <p14:creationId xmlns:p14="http://schemas.microsoft.com/office/powerpoint/2010/main" val="1702898216"/>
+      </p:ext>
+    </p:extLst>
+  </p:cSld>
+  <p:clrMapOvr>
+    <a:masterClrMapping/>
+  </p:clrMapOvr>
+</p:sld>
+</file>
+
+<file path=ppt/slides/slide7.xml><?xml version="1.0" encoding="utf-8"?>
+<p:sld xmlns:a="http://schemas.openxmlformats.org/drawingml/2006/main" xmlns:r="http://schemas.openxmlformats.org/officeDocument/2006/relationships" xmlns:p="http://schemas.openxmlformats.org/presentationml/2006/main">
+  <p:cSld>
+    <p:spTree>
+      <p:nvGrpSpPr>
+        <p:cNvPr id="1" name=""/>
+        <p:cNvGrpSpPr/>
+        <p:nvPr/>
+      </p:nvGrpSpPr>
+      <p:grpSpPr>
+        <a:xfrm>
+          <a:off x="0" y="0"/>
+          <a:ext cx="0" cy="0"/>
+          <a:chOff x="0" y="0"/>
+          <a:chExt cx="0" cy="0"/>
+        </a:xfrm>
+      </p:grpSpPr>
+      <p:sp>
+        <p:nvSpPr>
+          <p:cNvPr id="2" name="Title 1"/>
+          <p:cNvSpPr>
+            <a:spLocks noGrp="1"/>
+          </p:cNvSpPr>
+          <p:nvPr>
+            <p:ph type="title"/>
+          </p:nvPr>
+        </p:nvSpPr>
+        <p:spPr/>
+        <p:txBody>
+          <a:bodyPr/>
+          <a:lstStyle/>
+          <a:p>
+            <a:r>
+              <a:rPr lang="en-US" dirty="0"/>
+              <a:t>Optimize</a:t>
+            </a:r>
+          </a:p>
+        </p:txBody>
+      </p:sp>
+      <p:sp>
+        <p:nvSpPr>
+          <p:cNvPr id="3" name="Content Placeholder 2"/>
+          <p:cNvSpPr>
+            <a:spLocks noGrp="1"/>
+          </p:cNvSpPr>
+          <p:nvPr>
+            <p:ph idx="1"/>
+          </p:nvPr>
+        </p:nvSpPr>
+        <p:spPr/>
+        <p:txBody>
+          <a:bodyPr>
+            <a:normAutofit/>
+          </a:bodyPr>
+          <a:lstStyle/>
+          <a:p>
+            <a:r>
+              <a:rPr lang="en-US" dirty="0" smtClean="0"/>
+              <a:t>Micro optimization !?</a:t>
+            </a:r>
+          </a:p>
+          <a:p>
+            <a:r>
+              <a:rPr lang="en-US" dirty="0" smtClean="0"/>
+              <a:t>Change the memory layout !?</a:t>
+            </a:r>
+          </a:p>
+          <a:p>
+            <a:r>
+              <a:rPr lang="en-US" dirty="0" smtClean="0"/>
+              <a:t>Anything else ?</a:t>
+            </a:r>
+            <a:endParaRPr lang="en-US" dirty="0"/>
+          </a:p>
+        </p:txBody>
+      </p:sp>
       <p:graphicFrame>
         <p:nvGraphicFramePr>
           <p:cNvPr id="4" name="Table 3"/>
@@ -8145,63 +11637,63 @@
                 <a:gridCol w="1162756">
                   <a:extLst>
                     <a:ext uri="{9D8B030D-6E8A-4147-A177-3AD203B41FA5}">
-                      <a16:colId xmlns:a16="http://schemas.microsoft.com/office/drawing/2014/main" xmlns="" val="20000"/>
+                      <a16:colId xmlns="" xmlns:a16="http://schemas.microsoft.com/office/drawing/2014/main" val="20000"/>
                     </a:ext>
                   </a:extLst>
                 </a:gridCol>
                 <a:gridCol w="1162756">
                   <a:extLst>
                     <a:ext uri="{9D8B030D-6E8A-4147-A177-3AD203B41FA5}">
-                      <a16:colId xmlns:a16="http://schemas.microsoft.com/office/drawing/2014/main" xmlns="" val="20001"/>
+                      <a16:colId xmlns="" xmlns:a16="http://schemas.microsoft.com/office/drawing/2014/main" val="20001"/>
                     </a:ext>
                   </a:extLst>
                 </a:gridCol>
                 <a:gridCol w="1162756">
                   <a:extLst>
                     <a:ext uri="{9D8B030D-6E8A-4147-A177-3AD203B41FA5}">
-                      <a16:colId xmlns:a16="http://schemas.microsoft.com/office/drawing/2014/main" xmlns="" val="20002"/>
+                      <a16:colId xmlns="" xmlns:a16="http://schemas.microsoft.com/office/drawing/2014/main" val="20002"/>
                     </a:ext>
                   </a:extLst>
                 </a:gridCol>
                 <a:gridCol w="1162756">
                   <a:extLst>
                     <a:ext uri="{9D8B030D-6E8A-4147-A177-3AD203B41FA5}">
-                      <a16:colId xmlns:a16="http://schemas.microsoft.com/office/drawing/2014/main" xmlns="" val="20003"/>
+                      <a16:colId xmlns="" xmlns:a16="http://schemas.microsoft.com/office/drawing/2014/main" val="20003"/>
                     </a:ext>
                   </a:extLst>
                 </a:gridCol>
                 <a:gridCol w="1162756">
                   <a:extLst>
                     <a:ext uri="{9D8B030D-6E8A-4147-A177-3AD203B41FA5}">
-                      <a16:colId xmlns:a16="http://schemas.microsoft.com/office/drawing/2014/main" xmlns="" val="20004"/>
+                      <a16:colId xmlns="" xmlns:a16="http://schemas.microsoft.com/office/drawing/2014/main" val="20004"/>
                     </a:ext>
                   </a:extLst>
                 </a:gridCol>
                 <a:gridCol w="1162756">
                   <a:extLst>
                     <a:ext uri="{9D8B030D-6E8A-4147-A177-3AD203B41FA5}">
-                      <a16:colId xmlns:a16="http://schemas.microsoft.com/office/drawing/2014/main" xmlns="" val="20005"/>
+                      <a16:colId xmlns="" xmlns:a16="http://schemas.microsoft.com/office/drawing/2014/main" val="20005"/>
                     </a:ext>
                   </a:extLst>
                 </a:gridCol>
                 <a:gridCol w="1162756">
                   <a:extLst>
                     <a:ext uri="{9D8B030D-6E8A-4147-A177-3AD203B41FA5}">
-                      <a16:colId xmlns:a16="http://schemas.microsoft.com/office/drawing/2014/main" xmlns="" val="20006"/>
+                      <a16:colId xmlns="" xmlns:a16="http://schemas.microsoft.com/office/drawing/2014/main" val="20006"/>
                     </a:ext>
                   </a:extLst>
                 </a:gridCol>
                 <a:gridCol w="1162756">
                   <a:extLst>
                     <a:ext uri="{9D8B030D-6E8A-4147-A177-3AD203B41FA5}">
-                      <a16:colId xmlns:a16="http://schemas.microsoft.com/office/drawing/2014/main" xmlns="" val="20007"/>
+                      <a16:colId xmlns="" xmlns:a16="http://schemas.microsoft.com/office/drawing/2014/main" val="20007"/>
                     </a:ext>
                   </a:extLst>
                 </a:gridCol>
                 <a:gridCol w="1162756">
                   <a:extLst>
                     <a:ext uri="{9D8B030D-6E8A-4147-A177-3AD203B41FA5}">
-                      <a16:colId xmlns:a16="http://schemas.microsoft.com/office/drawing/2014/main" xmlns="" val="20008"/>
+                      <a16:colId xmlns="" xmlns:a16="http://schemas.microsoft.com/office/drawing/2014/main" val="20008"/>
                     </a:ext>
                   </a:extLst>
                 </a:gridCol>
@@ -8486,7 +11978,7 @@
                 </a:tc>
                 <a:extLst>
                   <a:ext uri="{0D108BD9-81ED-4DB2-BD59-A6C34878D82A}">
-                    <a16:rowId xmlns:a16="http://schemas.microsoft.com/office/drawing/2014/main" xmlns="" val="10000"/>
+                    <a16:rowId xmlns="" xmlns:a16="http://schemas.microsoft.com/office/drawing/2014/main" val="10000"/>
                   </a:ext>
                 </a:extLst>
               </a:tr>
@@ -9057,7 +12549,7 @@
                 </a:tc>
                 <a:extLst>
                   <a:ext uri="{0D108BD9-81ED-4DB2-BD59-A6C34878D82A}">
-                    <a16:rowId xmlns:a16="http://schemas.microsoft.com/office/drawing/2014/main" xmlns="" val="10001"/>
+                    <a16:rowId xmlns="" xmlns:a16="http://schemas.microsoft.com/office/drawing/2014/main" val="10001"/>
                   </a:ext>
                 </a:extLst>
               </a:tr>
@@ -9696,7 +13188,7 @@
                 </a:tc>
                 <a:extLst>
                   <a:ext uri="{0D108BD9-81ED-4DB2-BD59-A6C34878D82A}">
-                    <a16:rowId xmlns:a16="http://schemas.microsoft.com/office/drawing/2014/main" xmlns="" val="10002"/>
+                    <a16:rowId xmlns="" xmlns:a16="http://schemas.microsoft.com/office/drawing/2014/main" val="10002"/>
                   </a:ext>
                 </a:extLst>
               </a:tr>
@@ -10273,7 +13765,7 @@
                 </a:tc>
                 <a:extLst>
                   <a:ext uri="{0D108BD9-81ED-4DB2-BD59-A6C34878D82A}">
-                    <a16:rowId xmlns:a16="http://schemas.microsoft.com/office/drawing/2014/main" xmlns="" val="10003"/>
+                    <a16:rowId xmlns="" xmlns:a16="http://schemas.microsoft.com/office/drawing/2014/main" val="10003"/>
                   </a:ext>
                 </a:extLst>
               </a:tr>
@@ -10285,110 +13777,6 @@
     <p:extLst>
       <p:ext uri="{BB962C8B-B14F-4D97-AF65-F5344CB8AC3E}">
         <p14:creationId xmlns:p14="http://schemas.microsoft.com/office/powerpoint/2010/main" val="3537116429"/>
-      </p:ext>
-    </p:extLst>
-  </p:cSld>
-  <p:clrMapOvr>
-    <a:masterClrMapping/>
-  </p:clrMapOvr>
-</p:sld>
-</file>
-
-<file path=ppt/slides/slide7.xml><?xml version="1.0" encoding="utf-8"?>
-<p:sld xmlns:a="http://schemas.openxmlformats.org/drawingml/2006/main" xmlns:r="http://schemas.openxmlformats.org/officeDocument/2006/relationships" xmlns:p="http://schemas.openxmlformats.org/presentationml/2006/main">
-  <p:cSld>
-    <p:spTree>
-      <p:nvGrpSpPr>
-        <p:cNvPr id="1" name=""/>
-        <p:cNvGrpSpPr/>
-        <p:nvPr/>
-      </p:nvGrpSpPr>
-      <p:grpSpPr>
-        <a:xfrm>
-          <a:off x="0" y="0"/>
-          <a:ext cx="0" cy="0"/>
-          <a:chOff x="0" y="0"/>
-          <a:chExt cx="0" cy="0"/>
-        </a:xfrm>
-      </p:grpSpPr>
-      <p:sp>
-        <p:nvSpPr>
-          <p:cNvPr id="2" name="Title 1"/>
-          <p:cNvSpPr>
-            <a:spLocks noGrp="1"/>
-          </p:cNvSpPr>
-          <p:nvPr>
-            <p:ph type="title"/>
-          </p:nvPr>
-        </p:nvSpPr>
-        <p:spPr/>
-        <p:txBody>
-          <a:bodyPr/>
-          <a:lstStyle/>
-          <a:p>
-            <a:r>
-              <a:rPr lang="en-US" dirty="0"/>
-              <a:t>What’s the actual problem?</a:t>
-            </a:r>
-          </a:p>
-        </p:txBody>
-      </p:sp>
-      <p:sp>
-        <p:nvSpPr>
-          <p:cNvPr id="3" name="Content Placeholder 2"/>
-          <p:cNvSpPr>
-            <a:spLocks noGrp="1"/>
-          </p:cNvSpPr>
-          <p:nvPr>
-            <p:ph idx="1"/>
-          </p:nvPr>
-        </p:nvSpPr>
-        <p:spPr/>
-        <p:txBody>
-          <a:bodyPr>
-            <a:normAutofit/>
-          </a:bodyPr>
-          <a:lstStyle/>
-          <a:p>
-            <a:r>
-              <a:rPr lang="en-US" dirty="0"/>
-              <a:t>Cost of Abstractions</a:t>
-            </a:r>
-          </a:p>
-          <a:p>
-            <a:r>
-              <a:rPr lang="en-US" dirty="0"/>
-              <a:t>Branch (mis)predictions</a:t>
-            </a:r>
-          </a:p>
-          <a:p>
-            <a:r>
-              <a:rPr lang="en-US" dirty="0"/>
-              <a:t>Cost of Hitting RAM</a:t>
-            </a:r>
-          </a:p>
-          <a:p>
-            <a:r>
-              <a:rPr lang="en-US" dirty="0"/>
-              <a:t>Cache Misses</a:t>
-            </a:r>
-          </a:p>
-          <a:p>
-            <a:r>
-              <a:rPr lang="en-US" smtClean="0"/>
-              <a:t>So, </a:t>
-            </a:r>
-            <a:r>
-              <a:rPr lang="en-US" dirty="0"/>
-              <a:t>what we have to do?</a:t>
-            </a:r>
-          </a:p>
-        </p:txBody>
-      </p:sp>
-    </p:spTree>
-    <p:extLst>
-      <p:ext uri="{BB962C8B-B14F-4D97-AF65-F5344CB8AC3E}">
-        <p14:creationId xmlns:p14="http://schemas.microsoft.com/office/powerpoint/2010/main" val="1367680695"/>
       </p:ext>
     </p:extLst>
   </p:cSld>
@@ -10432,14 +13820,14 @@
           <a:p>
             <a:r>
               <a:rPr lang="en-US" dirty="0"/>
-              <a:t>Benchmark Memory Access</a:t>
+              <a:t>What’s the actual problem?</a:t>
             </a:r>
           </a:p>
         </p:txBody>
       </p:sp>
       <p:sp>
         <p:nvSpPr>
-          <p:cNvPr id="10" name="Content Placeholder 9"/>
+          <p:cNvPr id="3" name="Content Placeholder 2"/>
           <p:cNvSpPr>
             <a:spLocks noGrp="1"/>
           </p:cNvSpPr>
@@ -10449,63 +13837,42 @@
         </p:nvSpPr>
         <p:spPr/>
         <p:txBody>
-          <a:bodyPr/>
+          <a:bodyPr>
+            <a:normAutofit/>
+          </a:bodyPr>
           <a:lstStyle/>
           <a:p>
-            <a:pPr marL="0" indent="0">
-              <a:buNone/>
-            </a:pPr>
             <a:r>
               <a:rPr lang="en-US" dirty="0"/>
-              <a:t>ElementSize: 4b Count: 268435456 Size: 1gb CPU-Freq.:4.23285GHz</a:t>
-            </a:r>
-          </a:p>
-          <a:p>
-            <a:pPr marL="0" indent="0">
-              <a:buNone/>
-            </a:pPr>
-            <a:endParaRPr lang="en-US" dirty="0"/>
-          </a:p>
-          <a:p>
-            <a:pPr marL="0" indent="0">
-              <a:buNone/>
-            </a:pPr>
+              <a:t>Cost of Abstractions</a:t>
+            </a:r>
+          </a:p>
+          <a:p>
             <a:r>
               <a:rPr lang="en-US" dirty="0"/>
-              <a:t>RandomMemoryAccess</a:t>
-            </a:r>
-          </a:p>
-          <a:p>
-            <a:pPr marL="0" indent="0">
-              <a:buNone/>
-            </a:pPr>
+              <a:t>Branch (mis)predictions</a:t>
+            </a:r>
+          </a:p>
+          <a:p>
             <a:r>
               <a:rPr lang="en-US" dirty="0"/>
-              <a:t>Cycles: 10G Time: 2384.97ms Speed: 429.356mb/s</a:t>
-            </a:r>
-          </a:p>
-          <a:p>
-            <a:pPr marL="0" indent="0">
-              <a:buNone/>
-            </a:pPr>
-            <a:endParaRPr lang="en-US" dirty="0"/>
-          </a:p>
-          <a:p>
-            <a:pPr marL="0" indent="0">
-              <a:buNone/>
-            </a:pPr>
+              <a:t>Cost of Hitting RAM</a:t>
+            </a:r>
+          </a:p>
+          <a:p>
             <a:r>
               <a:rPr lang="en-US" dirty="0"/>
-              <a:t>SequentialMemoryAccess</a:t>
-            </a:r>
-          </a:p>
-          <a:p>
-            <a:pPr marL="0" indent="0">
-              <a:buNone/>
-            </a:pPr>
+              <a:t>Cache Misses</a:t>
+            </a:r>
+          </a:p>
+          <a:p>
+            <a:r>
+              <a:rPr lang="en-US" dirty="0" smtClean="0"/>
+              <a:t>So, </a:t>
+            </a:r>
             <a:r>
               <a:rPr lang="en-US" dirty="0"/>
-              <a:t>Cycles: 3G Time: 869.802ms Speed: 1177.28mb/s</a:t>
+              <a:t>what we have to do?</a:t>
             </a:r>
           </a:p>
         </p:txBody>
@@ -10513,7 +13880,7 @@
     </p:spTree>
     <p:extLst>
       <p:ext uri="{BB962C8B-B14F-4D97-AF65-F5344CB8AC3E}">
-        <p14:creationId xmlns:p14="http://schemas.microsoft.com/office/powerpoint/2010/main" val="3532723709"/>
+        <p14:creationId xmlns:p14="http://schemas.microsoft.com/office/powerpoint/2010/main" val="1367680695"/>
       </p:ext>
     </p:extLst>
   </p:cSld>
@@ -10556,3308 +13923,184 @@
           <a:lstStyle/>
           <a:p>
             <a:r>
+              <a:rPr lang="en-US" dirty="0" smtClean="0"/>
+              <a:t>Benchmark </a:t>
+            </a:r>
+            <a:r>
               <a:rPr lang="en-US" dirty="0"/>
-              <a:t>Studing better impl.</a:t>
+              <a:t>Memory Access</a:t>
             </a:r>
           </a:p>
         </p:txBody>
       </p:sp>
-      <p:graphicFrame>
-        <p:nvGraphicFramePr>
-          <p:cNvPr id="9" name="Content Placeholder 8"/>
-          <p:cNvGraphicFramePr>
-            <a:graphicFrameLocks noGrp="1"/>
-          </p:cNvGraphicFramePr>
+      <p:sp>
+        <p:nvSpPr>
+          <p:cNvPr id="10" name="Content Placeholder 9"/>
+          <p:cNvSpPr>
+            <a:spLocks noGrp="1"/>
+          </p:cNvSpPr>
           <p:nvPr>
             <p:ph idx="1"/>
-            <p:extLst>
-              <p:ext uri="{D42A27DB-BD31-4B8C-83A1-F6EECF244321}">
-                <p14:modId xmlns:p14="http://schemas.microsoft.com/office/powerpoint/2010/main" val="2008635522"/>
-              </p:ext>
-            </p:extLst>
           </p:nvPr>
-        </p:nvGraphicFramePr>
-        <p:xfrm>
-          <a:off x="838200" y="1825625"/>
-          <a:ext cx="10515600" cy="4351338"/>
-        </p:xfrm>
-        <a:graphic>
-          <a:graphicData uri="http://schemas.openxmlformats.org/drawingml/2006/diagram">
-            <dgm:relIds xmlns:dgm="http://schemas.openxmlformats.org/drawingml/2006/diagram" xmlns:r="http://schemas.openxmlformats.org/officeDocument/2006/relationships" r:dm="rId2" r:lo="rId3" r:qs="rId4" r:cs="rId5"/>
-          </a:graphicData>
-        </a:graphic>
-      </p:graphicFrame>
-      <p:graphicFrame>
-        <p:nvGraphicFramePr>
-          <p:cNvPr id="4" name="Table 3"/>
-          <p:cNvGraphicFramePr>
-            <a:graphicFrameLocks noGrp="1"/>
-          </p:cNvGraphicFramePr>
-          <p:nvPr>
-            <p:extLst>
-              <p:ext uri="{D42A27DB-BD31-4B8C-83A1-F6EECF244321}">
-                <p14:modId xmlns:p14="http://schemas.microsoft.com/office/powerpoint/2010/main" val="2006262097"/>
-              </p:ext>
-            </p:extLst>
-          </p:nvPr>
-        </p:nvGraphicFramePr>
-        <p:xfrm>
-          <a:off x="2167466" y="4529665"/>
-          <a:ext cx="8139292" cy="741680"/>
-        </p:xfrm>
-        <a:graphic>
-          <a:graphicData uri="http://schemas.openxmlformats.org/drawingml/2006/table">
-            <a:tbl>
-              <a:tblPr firstRow="1" bandRow="1">
-                <a:tableStyleId>{5C22544A-7EE6-4342-B048-85BDC9FD1C3A}</a:tableStyleId>
-              </a:tblPr>
-              <a:tblGrid>
-                <a:gridCol w="1162756">
-                  <a:extLst>
-                    <a:ext uri="{9D8B030D-6E8A-4147-A177-3AD203B41FA5}">
-                      <a16:colId xmlns:a16="http://schemas.microsoft.com/office/drawing/2014/main" xmlns="" val="20000"/>
-                    </a:ext>
-                  </a:extLst>
-                </a:gridCol>
-                <a:gridCol w="1162756">
-                  <a:extLst>
-                    <a:ext uri="{9D8B030D-6E8A-4147-A177-3AD203B41FA5}">
-                      <a16:colId xmlns:a16="http://schemas.microsoft.com/office/drawing/2014/main" xmlns="" val="20001"/>
-                    </a:ext>
-                  </a:extLst>
-                </a:gridCol>
-                <a:gridCol w="1162756">
-                  <a:extLst>
-                    <a:ext uri="{9D8B030D-6E8A-4147-A177-3AD203B41FA5}">
-                      <a16:colId xmlns:a16="http://schemas.microsoft.com/office/drawing/2014/main" xmlns="" val="20002"/>
-                    </a:ext>
-                  </a:extLst>
-                </a:gridCol>
-                <a:gridCol w="1162756">
-                  <a:extLst>
-                    <a:ext uri="{9D8B030D-6E8A-4147-A177-3AD203B41FA5}">
-                      <a16:colId xmlns:a16="http://schemas.microsoft.com/office/drawing/2014/main" xmlns="" val="20003"/>
-                    </a:ext>
-                  </a:extLst>
-                </a:gridCol>
-                <a:gridCol w="1162756">
-                  <a:extLst>
-                    <a:ext uri="{9D8B030D-6E8A-4147-A177-3AD203B41FA5}">
-                      <a16:colId xmlns:a16="http://schemas.microsoft.com/office/drawing/2014/main" xmlns="" val="20004"/>
-                    </a:ext>
-                  </a:extLst>
-                </a:gridCol>
-                <a:gridCol w="1162756">
-                  <a:extLst>
-                    <a:ext uri="{9D8B030D-6E8A-4147-A177-3AD203B41FA5}">
-                      <a16:colId xmlns:a16="http://schemas.microsoft.com/office/drawing/2014/main" xmlns="" val="20005"/>
-                    </a:ext>
-                  </a:extLst>
-                </a:gridCol>
-                <a:gridCol w="1162756">
-                  <a:extLst>
-                    <a:ext uri="{9D8B030D-6E8A-4147-A177-3AD203B41FA5}">
-                      <a16:colId xmlns:a16="http://schemas.microsoft.com/office/drawing/2014/main" xmlns="" val="20006"/>
-                    </a:ext>
-                  </a:extLst>
-                </a:gridCol>
-              </a:tblGrid>
-              <a:tr h="370840">
-                <a:tc>
-                  <a:txBody>
-                    <a:bodyPr/>
-                    <a:lstStyle/>
-                    <a:p>
-                      <a:r>
-                        <a:rPr lang="en-US" b="0" dirty="0">
-                          <a:solidFill>
-                            <a:schemeClr val="bg1"/>
-                          </a:solidFill>
-                        </a:rPr>
-                        <a:t>8bytes</a:t>
-                      </a:r>
-                    </a:p>
-                  </a:txBody>
-                  <a:tcPr>
-                    <a:lnL w="12700" cap="flat" cmpd="sng" algn="ctr">
-                      <a:solidFill>
-                        <a:schemeClr val="tx1"/>
-                      </a:solidFill>
-                      <a:prstDash val="solid"/>
-                      <a:round/>
-                      <a:headEnd type="none" w="med" len="med"/>
-                      <a:tailEnd type="none" w="med" len="med"/>
-                    </a:lnL>
-                    <a:lnR w="12700" cap="flat" cmpd="sng" algn="ctr">
-                      <a:solidFill>
-                        <a:schemeClr val="tx1"/>
-                      </a:solidFill>
-                      <a:prstDash val="solid"/>
-                      <a:round/>
-                      <a:headEnd type="none" w="med" len="med"/>
-                      <a:tailEnd type="none" w="med" len="med"/>
-                    </a:lnR>
-                    <a:lnT w="12700" cap="flat" cmpd="sng" algn="ctr">
-                      <a:solidFill>
-                        <a:schemeClr val="tx1"/>
-                      </a:solidFill>
-                      <a:prstDash val="solid"/>
-                      <a:round/>
-                      <a:headEnd type="none" w="med" len="med"/>
-                      <a:tailEnd type="none" w="med" len="med"/>
-                    </a:lnT>
-                    <a:lnB w="12700" cap="flat" cmpd="sng" algn="ctr">
-                      <a:solidFill>
-                        <a:schemeClr val="tx1"/>
-                      </a:solidFill>
-                      <a:prstDash val="solid"/>
-                      <a:round/>
-                      <a:headEnd type="none" w="med" len="med"/>
-                      <a:tailEnd type="none" w="med" len="med"/>
-                    </a:lnB>
-                    <a:lnTlToBr w="12700" cmpd="sng">
-                      <a:noFill/>
-                      <a:prstDash val="solid"/>
-                    </a:lnTlToBr>
-                    <a:lnBlToTr w="12700" cmpd="sng">
-                      <a:noFill/>
-                      <a:prstDash val="solid"/>
-                    </a:lnBlToTr>
-                    <a:solidFill>
-                      <a:schemeClr val="tx1">
-                        <a:lumMod val="50000"/>
-                      </a:schemeClr>
-                    </a:solidFill>
-                  </a:tcPr>
-                </a:tc>
-                <a:tc>
-                  <a:txBody>
-                    <a:bodyPr/>
-                    <a:lstStyle/>
-                    <a:p>
-                      <a:pPr marL="0" algn="l" defTabSz="914400" rtl="0" eaLnBrk="1" latinLnBrk="0" hangingPunct="1"/>
-                      <a:r>
-                        <a:rPr lang="en-US" sz="1800" b="0" kern="1200" dirty="0">
-                          <a:solidFill>
-                            <a:schemeClr val="dk1"/>
-                          </a:solidFill>
-                          <a:latin typeface="+mn-lt"/>
-                          <a:ea typeface="+mn-ea"/>
-                          <a:cs typeface="+mn-cs"/>
-                        </a:rPr>
-                        <a:t>Position</a:t>
-                      </a:r>
-                    </a:p>
-                  </a:txBody>
-                  <a:tcPr>
-                    <a:lnL w="12700" cap="flat" cmpd="sng" algn="ctr">
-                      <a:solidFill>
-                        <a:schemeClr val="tx1"/>
-                      </a:solidFill>
-                      <a:prstDash val="solid"/>
-                      <a:round/>
-                      <a:headEnd type="none" w="med" len="med"/>
-                      <a:tailEnd type="none" w="med" len="med"/>
-                    </a:lnL>
-                    <a:lnR w="12700" cap="flat" cmpd="sng" algn="ctr">
-                      <a:solidFill>
-                        <a:schemeClr val="tx1"/>
-                      </a:solidFill>
-                      <a:prstDash val="solid"/>
-                      <a:round/>
-                      <a:headEnd type="none" w="med" len="med"/>
-                      <a:tailEnd type="none" w="med" len="med"/>
-                    </a:lnR>
-                    <a:lnT w="12700" cap="flat" cmpd="sng" algn="ctr">
-                      <a:solidFill>
-                        <a:schemeClr val="tx1"/>
-                      </a:solidFill>
-                      <a:prstDash val="solid"/>
-                      <a:round/>
-                      <a:headEnd type="none" w="med" len="med"/>
-                      <a:tailEnd type="none" w="med" len="med"/>
-                    </a:lnT>
-                    <a:lnB w="12700" cap="flat" cmpd="sng" algn="ctr">
-                      <a:solidFill>
-                        <a:schemeClr val="tx1"/>
-                      </a:solidFill>
-                      <a:prstDash val="solid"/>
-                      <a:round/>
-                      <a:headEnd type="none" w="med" len="med"/>
-                      <a:tailEnd type="none" w="med" len="med"/>
-                    </a:lnB>
-                    <a:lnTlToBr w="12700" cmpd="sng">
-                      <a:noFill/>
-                      <a:prstDash val="solid"/>
-                    </a:lnTlToBr>
-                    <a:lnBlToTr w="12700" cmpd="sng">
-                      <a:noFill/>
-                      <a:prstDash val="solid"/>
-                    </a:lnBlToTr>
-                    <a:solidFill>
-                      <a:schemeClr val="bg2">
-                        <a:lumMod val="60000"/>
-                        <a:lumOff val="40000"/>
-                      </a:schemeClr>
-                    </a:solidFill>
-                  </a:tcPr>
-                </a:tc>
-                <a:tc>
-                  <a:txBody>
-                    <a:bodyPr/>
-                    <a:lstStyle/>
-                    <a:p>
-                      <a:pPr marL="0" algn="l" defTabSz="914400" rtl="0" eaLnBrk="1" latinLnBrk="0" hangingPunct="1"/>
-                      <a:r>
-                        <a:rPr lang="en-US" sz="1800" b="0" kern="1200" dirty="0">
-                          <a:solidFill>
-                            <a:schemeClr val="dk1"/>
-                          </a:solidFill>
-                          <a:latin typeface="+mn-lt"/>
-                          <a:ea typeface="+mn-ea"/>
-                          <a:cs typeface="+mn-cs"/>
-                        </a:rPr>
-                        <a:t>Position</a:t>
-                      </a:r>
-                    </a:p>
-                  </a:txBody>
-                  <a:tcPr>
-                    <a:lnL w="12700" cap="flat" cmpd="sng" algn="ctr">
-                      <a:solidFill>
-                        <a:schemeClr val="tx1"/>
-                      </a:solidFill>
-                      <a:prstDash val="solid"/>
-                      <a:round/>
-                      <a:headEnd type="none" w="med" len="med"/>
-                      <a:tailEnd type="none" w="med" len="med"/>
-                    </a:lnL>
-                    <a:lnR w="12700" cap="flat" cmpd="sng" algn="ctr">
-                      <a:solidFill>
-                        <a:schemeClr val="tx1"/>
-                      </a:solidFill>
-                      <a:prstDash val="solid"/>
-                      <a:round/>
-                      <a:headEnd type="none" w="med" len="med"/>
-                      <a:tailEnd type="none" w="med" len="med"/>
-                    </a:lnR>
-                    <a:lnT w="12700" cap="flat" cmpd="sng" algn="ctr">
-                      <a:solidFill>
-                        <a:schemeClr val="tx1"/>
-                      </a:solidFill>
-                      <a:prstDash val="solid"/>
-                      <a:round/>
-                      <a:headEnd type="none" w="med" len="med"/>
-                      <a:tailEnd type="none" w="med" len="med"/>
-                    </a:lnT>
-                    <a:lnB w="12700" cap="flat" cmpd="sng" algn="ctr">
-                      <a:solidFill>
-                        <a:schemeClr val="tx1"/>
-                      </a:solidFill>
-                      <a:prstDash val="solid"/>
-                      <a:round/>
-                      <a:headEnd type="none" w="med" len="med"/>
-                      <a:tailEnd type="none" w="med" len="med"/>
-                    </a:lnB>
-                    <a:lnTlToBr w="12700" cmpd="sng">
-                      <a:noFill/>
-                      <a:prstDash val="solid"/>
-                    </a:lnTlToBr>
-                    <a:lnBlToTr w="12700" cmpd="sng">
-                      <a:noFill/>
-                      <a:prstDash val="solid"/>
-                    </a:lnBlToTr>
-                    <a:solidFill>
-                      <a:schemeClr val="bg2">
-                        <a:lumMod val="60000"/>
-                        <a:lumOff val="40000"/>
-                      </a:schemeClr>
-                    </a:solidFill>
-                  </a:tcPr>
-                </a:tc>
-                <a:tc>
-                  <a:txBody>
-                    <a:bodyPr/>
-                    <a:lstStyle/>
-                    <a:p>
-                      <a:pPr marL="0" algn="l" defTabSz="914400" rtl="0" eaLnBrk="1" latinLnBrk="0" hangingPunct="1"/>
-                      <a:r>
-                        <a:rPr lang="en-US" sz="1800" b="0" kern="1200" dirty="0">
-                          <a:solidFill>
-                            <a:schemeClr val="dk1"/>
-                          </a:solidFill>
-                          <a:latin typeface="+mn-lt"/>
-                          <a:ea typeface="+mn-ea"/>
-                          <a:cs typeface="+mn-cs"/>
-                        </a:rPr>
-                        <a:t>Position</a:t>
-                      </a:r>
-                    </a:p>
-                  </a:txBody>
-                  <a:tcPr>
-                    <a:lnL w="12700" cap="flat" cmpd="sng" algn="ctr">
-                      <a:solidFill>
-                        <a:schemeClr val="tx1"/>
-                      </a:solidFill>
-                      <a:prstDash val="solid"/>
-                      <a:round/>
-                      <a:headEnd type="none" w="med" len="med"/>
-                      <a:tailEnd type="none" w="med" len="med"/>
-                    </a:lnL>
-                    <a:lnR w="12700" cap="flat" cmpd="sng" algn="ctr">
-                      <a:solidFill>
-                        <a:schemeClr val="tx1"/>
-                      </a:solidFill>
-                      <a:prstDash val="solid"/>
-                      <a:round/>
-                      <a:headEnd type="none" w="med" len="med"/>
-                      <a:tailEnd type="none" w="med" len="med"/>
-                    </a:lnR>
-                    <a:lnT w="12700" cap="flat" cmpd="sng" algn="ctr">
-                      <a:solidFill>
-                        <a:schemeClr val="tx1"/>
-                      </a:solidFill>
-                      <a:prstDash val="solid"/>
-                      <a:round/>
-                      <a:headEnd type="none" w="med" len="med"/>
-                      <a:tailEnd type="none" w="med" len="med"/>
-                    </a:lnT>
-                    <a:lnB w="12700" cap="flat" cmpd="sng" algn="ctr">
-                      <a:solidFill>
-                        <a:schemeClr val="tx1"/>
-                      </a:solidFill>
-                      <a:prstDash val="solid"/>
-                      <a:round/>
-                      <a:headEnd type="none" w="med" len="med"/>
-                      <a:tailEnd type="none" w="med" len="med"/>
-                    </a:lnB>
-                    <a:lnTlToBr w="12700" cmpd="sng">
-                      <a:noFill/>
-                      <a:prstDash val="solid"/>
-                    </a:lnTlToBr>
-                    <a:lnBlToTr w="12700" cmpd="sng">
-                      <a:noFill/>
-                      <a:prstDash val="solid"/>
-                    </a:lnBlToTr>
-                    <a:solidFill>
-                      <a:schemeClr val="bg2">
-                        <a:lumMod val="60000"/>
-                        <a:lumOff val="40000"/>
-                      </a:schemeClr>
-                    </a:solidFill>
-                  </a:tcPr>
-                </a:tc>
-                <a:tc>
-                  <a:txBody>
-                    <a:bodyPr/>
-                    <a:lstStyle/>
-                    <a:p>
-                      <a:pPr marL="0" algn="l" defTabSz="914400" rtl="0" eaLnBrk="1" latinLnBrk="0" hangingPunct="1"/>
-                      <a:r>
-                        <a:rPr lang="en-US" sz="1800" b="0" kern="1200" dirty="0">
-                          <a:solidFill>
-                            <a:schemeClr val="dk1"/>
-                          </a:solidFill>
-                          <a:latin typeface="+mn-lt"/>
-                          <a:ea typeface="+mn-ea"/>
-                          <a:cs typeface="+mn-cs"/>
-                        </a:rPr>
-                        <a:t>Position</a:t>
-                      </a:r>
-                    </a:p>
-                  </a:txBody>
-                  <a:tcPr>
-                    <a:lnL w="12700" cap="flat" cmpd="sng" algn="ctr">
-                      <a:solidFill>
-                        <a:schemeClr val="tx1"/>
-                      </a:solidFill>
-                      <a:prstDash val="solid"/>
-                      <a:round/>
-                      <a:headEnd type="none" w="med" len="med"/>
-                      <a:tailEnd type="none" w="med" len="med"/>
-                    </a:lnL>
-                    <a:lnR w="12700" cap="flat" cmpd="sng" algn="ctr">
-                      <a:solidFill>
-                        <a:schemeClr val="tx1"/>
-                      </a:solidFill>
-                      <a:prstDash val="solid"/>
-                      <a:round/>
-                      <a:headEnd type="none" w="med" len="med"/>
-                      <a:tailEnd type="none" w="med" len="med"/>
-                    </a:lnR>
-                    <a:lnT w="12700" cap="flat" cmpd="sng" algn="ctr">
-                      <a:solidFill>
-                        <a:schemeClr val="tx1"/>
-                      </a:solidFill>
-                      <a:prstDash val="solid"/>
-                      <a:round/>
-                      <a:headEnd type="none" w="med" len="med"/>
-                      <a:tailEnd type="none" w="med" len="med"/>
-                    </a:lnT>
-                    <a:lnB w="12700" cap="flat" cmpd="sng" algn="ctr">
-                      <a:solidFill>
-                        <a:schemeClr val="tx1"/>
-                      </a:solidFill>
-                      <a:prstDash val="solid"/>
-                      <a:round/>
-                      <a:headEnd type="none" w="med" len="med"/>
-                      <a:tailEnd type="none" w="med" len="med"/>
-                    </a:lnB>
-                    <a:lnTlToBr w="12700" cmpd="sng">
-                      <a:noFill/>
-                      <a:prstDash val="solid"/>
-                    </a:lnTlToBr>
-                    <a:lnBlToTr w="12700" cmpd="sng">
-                      <a:noFill/>
-                      <a:prstDash val="solid"/>
-                    </a:lnBlToTr>
-                    <a:solidFill>
-                      <a:schemeClr val="bg2">
-                        <a:lumMod val="60000"/>
-                        <a:lumOff val="40000"/>
-                      </a:schemeClr>
-                    </a:solidFill>
-                  </a:tcPr>
-                </a:tc>
-                <a:tc>
-                  <a:txBody>
-                    <a:bodyPr/>
-                    <a:lstStyle/>
-                    <a:p>
-                      <a:pPr marL="0" algn="l" defTabSz="914400" rtl="0" eaLnBrk="1" latinLnBrk="0" hangingPunct="1"/>
-                      <a:r>
-                        <a:rPr lang="en-US" sz="1800" b="0" kern="1200" dirty="0">
-                          <a:solidFill>
-                            <a:schemeClr val="dk1"/>
-                          </a:solidFill>
-                          <a:latin typeface="+mn-lt"/>
-                          <a:ea typeface="+mn-ea"/>
-                          <a:cs typeface="+mn-cs"/>
-                        </a:rPr>
-                        <a:t>Position</a:t>
-                      </a:r>
-                    </a:p>
-                  </a:txBody>
-                  <a:tcPr>
-                    <a:lnL w="12700" cap="flat" cmpd="sng" algn="ctr">
-                      <a:solidFill>
-                        <a:schemeClr val="tx1"/>
-                      </a:solidFill>
-                      <a:prstDash val="solid"/>
-                      <a:round/>
-                      <a:headEnd type="none" w="med" len="med"/>
-                      <a:tailEnd type="none" w="med" len="med"/>
-                    </a:lnL>
-                    <a:lnR w="12700" cap="flat" cmpd="sng" algn="ctr">
-                      <a:solidFill>
-                        <a:schemeClr val="tx1"/>
-                      </a:solidFill>
-                      <a:prstDash val="solid"/>
-                      <a:round/>
-                      <a:headEnd type="none" w="med" len="med"/>
-                      <a:tailEnd type="none" w="med" len="med"/>
-                    </a:lnR>
-                    <a:lnT w="12700" cap="flat" cmpd="sng" algn="ctr">
-                      <a:solidFill>
-                        <a:schemeClr val="tx1"/>
-                      </a:solidFill>
-                      <a:prstDash val="solid"/>
-                      <a:round/>
-                      <a:headEnd type="none" w="med" len="med"/>
-                      <a:tailEnd type="none" w="med" len="med"/>
-                    </a:lnT>
-                    <a:lnB w="12700" cap="flat" cmpd="sng" algn="ctr">
-                      <a:solidFill>
-                        <a:schemeClr val="tx1"/>
-                      </a:solidFill>
-                      <a:prstDash val="solid"/>
-                      <a:round/>
-                      <a:headEnd type="none" w="med" len="med"/>
-                      <a:tailEnd type="none" w="med" len="med"/>
-                    </a:lnB>
-                    <a:lnTlToBr w="12700" cmpd="sng">
-                      <a:noFill/>
-                      <a:prstDash val="solid"/>
-                    </a:lnTlToBr>
-                    <a:lnBlToTr w="12700" cmpd="sng">
-                      <a:noFill/>
-                      <a:prstDash val="solid"/>
-                    </a:lnBlToTr>
-                    <a:solidFill>
-                      <a:schemeClr val="bg2">
-                        <a:lumMod val="60000"/>
-                        <a:lumOff val="40000"/>
-                      </a:schemeClr>
-                    </a:solidFill>
-                  </a:tcPr>
-                </a:tc>
-                <a:tc>
-                  <a:txBody>
-                    <a:bodyPr/>
-                    <a:lstStyle/>
-                    <a:p>
-                      <a:r>
-                        <a:rPr lang="en-US" sz="1800" b="0" kern="1200" dirty="0">
-                          <a:solidFill>
-                            <a:schemeClr val="dk1"/>
-                          </a:solidFill>
-                          <a:latin typeface="+mn-lt"/>
-                          <a:ea typeface="+mn-ea"/>
-                          <a:cs typeface="+mn-cs"/>
-                        </a:rPr>
-                        <a:t>Position</a:t>
-                      </a:r>
-                      <a:endParaRPr lang="en-US" b="0" dirty="0"/>
-                    </a:p>
-                  </a:txBody>
-                  <a:tcPr>
-                    <a:lnL w="12700" cap="flat" cmpd="sng" algn="ctr">
-                      <a:solidFill>
-                        <a:schemeClr val="tx1"/>
-                      </a:solidFill>
-                      <a:prstDash val="solid"/>
-                      <a:round/>
-                      <a:headEnd type="none" w="med" len="med"/>
-                      <a:tailEnd type="none" w="med" len="med"/>
-                    </a:lnL>
-                    <a:lnR w="12700" cap="flat" cmpd="sng" algn="ctr">
-                      <a:solidFill>
-                        <a:schemeClr val="tx1"/>
-                      </a:solidFill>
-                      <a:prstDash val="solid"/>
-                      <a:round/>
-                      <a:headEnd type="none" w="med" len="med"/>
-                      <a:tailEnd type="none" w="med" len="med"/>
-                    </a:lnR>
-                    <a:lnT w="12700" cap="flat" cmpd="sng" algn="ctr">
-                      <a:solidFill>
-                        <a:schemeClr val="tx1"/>
-                      </a:solidFill>
-                      <a:prstDash val="solid"/>
-                      <a:round/>
-                      <a:headEnd type="none" w="med" len="med"/>
-                      <a:tailEnd type="none" w="med" len="med"/>
-                    </a:lnT>
-                    <a:lnB w="12700" cap="flat" cmpd="sng" algn="ctr">
-                      <a:solidFill>
-                        <a:schemeClr val="tx1"/>
-                      </a:solidFill>
-                      <a:prstDash val="solid"/>
-                      <a:round/>
-                      <a:headEnd type="none" w="med" len="med"/>
-                      <a:tailEnd type="none" w="med" len="med"/>
-                    </a:lnB>
-                    <a:lnTlToBr w="12700" cmpd="sng">
-                      <a:noFill/>
-                      <a:prstDash val="solid"/>
-                    </a:lnTlToBr>
-                    <a:lnBlToTr w="12700" cmpd="sng">
-                      <a:noFill/>
-                      <a:prstDash val="solid"/>
-                    </a:lnBlToTr>
-                    <a:solidFill>
-                      <a:schemeClr val="bg2">
-                        <a:lumMod val="60000"/>
-                        <a:lumOff val="40000"/>
-                      </a:schemeClr>
-                    </a:solidFill>
-                  </a:tcPr>
-                </a:tc>
-                <a:extLst>
-                  <a:ext uri="{0D108BD9-81ED-4DB2-BD59-A6C34878D82A}">
-                    <a16:rowId xmlns:a16="http://schemas.microsoft.com/office/drawing/2014/main" xmlns="" val="10000"/>
-                  </a:ext>
-                </a:extLst>
-              </a:tr>
-              <a:tr h="370840">
-                <a:tc>
-                  <a:txBody>
-                    <a:bodyPr/>
-                    <a:lstStyle/>
-                    <a:p>
-                      <a:r>
-                        <a:rPr lang="en-US" dirty="0"/>
-                        <a:t>12bytes</a:t>
-                      </a:r>
-                    </a:p>
-                  </a:txBody>
-                  <a:tcPr>
-                    <a:lnL w="12700" cap="flat" cmpd="sng" algn="ctr">
-                      <a:solidFill>
-                        <a:schemeClr val="tx1"/>
-                      </a:solidFill>
-                      <a:prstDash val="solid"/>
-                      <a:round/>
-                      <a:headEnd type="none" w="med" len="med"/>
-                      <a:tailEnd type="none" w="med" len="med"/>
-                    </a:lnL>
-                    <a:lnR w="12700" cap="flat" cmpd="sng" algn="ctr">
-                      <a:solidFill>
-                        <a:schemeClr val="tx1"/>
-                      </a:solidFill>
-                      <a:prstDash val="solid"/>
-                      <a:round/>
-                      <a:headEnd type="none" w="med" len="med"/>
-                      <a:tailEnd type="none" w="med" len="med"/>
-                    </a:lnR>
-                    <a:lnT w="12700" cap="flat" cmpd="sng" algn="ctr">
-                      <a:solidFill>
-                        <a:schemeClr val="tx1"/>
-                      </a:solidFill>
-                      <a:prstDash val="solid"/>
-                      <a:round/>
-                      <a:headEnd type="none" w="med" len="med"/>
-                      <a:tailEnd type="none" w="med" len="med"/>
-                    </a:lnT>
-                    <a:lnB w="12700" cap="flat" cmpd="sng" algn="ctr">
-                      <a:solidFill>
-                        <a:schemeClr val="tx1"/>
-                      </a:solidFill>
-                      <a:prstDash val="solid"/>
-                      <a:round/>
-                      <a:headEnd type="none" w="med" len="med"/>
-                      <a:tailEnd type="none" w="med" len="med"/>
-                    </a:lnB>
-                    <a:lnTlToBr w="12700" cmpd="sng">
-                      <a:noFill/>
-                      <a:prstDash val="solid"/>
-                    </a:lnTlToBr>
-                    <a:lnBlToTr w="12700" cmpd="sng">
-                      <a:noFill/>
-                      <a:prstDash val="solid"/>
-                    </a:lnBlToTr>
-                    <a:solidFill>
-                      <a:schemeClr val="tx1">
-                        <a:lumMod val="50000"/>
-                      </a:schemeClr>
-                    </a:solidFill>
-                  </a:tcPr>
-                </a:tc>
-                <a:tc>
-                  <a:txBody>
-                    <a:bodyPr/>
-                    <a:lstStyle/>
-                    <a:p>
-                      <a:r>
-                        <a:rPr lang="en-US" sz="1800" kern="1200" dirty="0">
-                          <a:solidFill>
-                            <a:schemeClr val="dk1"/>
-                          </a:solidFill>
-                          <a:latin typeface="+mn-lt"/>
-                          <a:ea typeface="+mn-ea"/>
-                          <a:cs typeface="+mn-cs"/>
-                        </a:rPr>
-                        <a:t>Step</a:t>
-                      </a:r>
-                      <a:endParaRPr lang="en-US" dirty="0"/>
-                    </a:p>
-                  </a:txBody>
-                  <a:tcPr>
-                    <a:lnL w="12700" cap="flat" cmpd="sng" algn="ctr">
-                      <a:solidFill>
-                        <a:schemeClr val="tx1"/>
-                      </a:solidFill>
-                      <a:prstDash val="solid"/>
-                      <a:round/>
-                      <a:headEnd type="none" w="med" len="med"/>
-                      <a:tailEnd type="none" w="med" len="med"/>
-                    </a:lnL>
-                    <a:lnR w="12700" cap="flat" cmpd="sng" algn="ctr">
-                      <a:solidFill>
-                        <a:schemeClr val="tx1"/>
-                      </a:solidFill>
-                      <a:prstDash val="solid"/>
-                      <a:round/>
-                      <a:headEnd type="none" w="med" len="med"/>
-                      <a:tailEnd type="none" w="med" len="med"/>
-                    </a:lnR>
-                    <a:lnT w="12700" cap="flat" cmpd="sng" algn="ctr">
-                      <a:solidFill>
-                        <a:schemeClr val="tx1"/>
-                      </a:solidFill>
-                      <a:prstDash val="solid"/>
-                      <a:round/>
-                      <a:headEnd type="none" w="med" len="med"/>
-                      <a:tailEnd type="none" w="med" len="med"/>
-                    </a:lnT>
-                    <a:lnB w="12700" cap="flat" cmpd="sng" algn="ctr">
-                      <a:solidFill>
-                        <a:schemeClr val="tx1"/>
-                      </a:solidFill>
-                      <a:prstDash val="solid"/>
-                      <a:round/>
-                      <a:headEnd type="none" w="med" len="med"/>
-                      <a:tailEnd type="none" w="med" len="med"/>
-                    </a:lnB>
-                    <a:lnTlToBr w="12700" cmpd="sng">
-                      <a:noFill/>
-                      <a:prstDash val="solid"/>
-                    </a:lnTlToBr>
-                    <a:lnBlToTr w="12700" cmpd="sng">
-                      <a:noFill/>
-                      <a:prstDash val="solid"/>
-                    </a:lnBlToTr>
-                    <a:solidFill>
-                      <a:schemeClr val="accent2">
-                        <a:lumMod val="60000"/>
-                        <a:lumOff val="40000"/>
-                      </a:schemeClr>
-                    </a:solidFill>
-                  </a:tcPr>
-                </a:tc>
-                <a:tc>
-                  <a:txBody>
-                    <a:bodyPr/>
-                    <a:lstStyle/>
-                    <a:p>
-                      <a:r>
-                        <a:rPr lang="en-US" dirty="0"/>
-                        <a:t>StepCount</a:t>
-                      </a:r>
-                    </a:p>
-                  </a:txBody>
-                  <a:tcPr>
-                    <a:lnL w="12700" cap="flat" cmpd="sng" algn="ctr">
-                      <a:solidFill>
-                        <a:schemeClr val="tx1"/>
-                      </a:solidFill>
-                      <a:prstDash val="solid"/>
-                      <a:round/>
-                      <a:headEnd type="none" w="med" len="med"/>
-                      <a:tailEnd type="none" w="med" len="med"/>
-                    </a:lnL>
-                    <a:lnR w="12700" cap="flat" cmpd="sng" algn="ctr">
-                      <a:solidFill>
-                        <a:schemeClr val="tx1"/>
-                      </a:solidFill>
-                      <a:prstDash val="solid"/>
-                      <a:round/>
-                      <a:headEnd type="none" w="med" len="med"/>
-                      <a:tailEnd type="none" w="med" len="med"/>
-                    </a:lnR>
-                    <a:lnT w="12700" cap="flat" cmpd="sng" algn="ctr">
-                      <a:solidFill>
-                        <a:schemeClr val="tx1"/>
-                      </a:solidFill>
-                      <a:prstDash val="solid"/>
-                      <a:round/>
-                      <a:headEnd type="none" w="med" len="med"/>
-                      <a:tailEnd type="none" w="med" len="med"/>
-                    </a:lnT>
-                    <a:lnB w="12700" cap="flat" cmpd="sng" algn="ctr">
-                      <a:solidFill>
-                        <a:schemeClr val="tx1"/>
-                      </a:solidFill>
-                      <a:prstDash val="solid"/>
-                      <a:round/>
-                      <a:headEnd type="none" w="med" len="med"/>
-                      <a:tailEnd type="none" w="med" len="med"/>
-                    </a:lnB>
-                    <a:lnTlToBr w="12700" cmpd="sng">
-                      <a:noFill/>
-                      <a:prstDash val="solid"/>
-                    </a:lnTlToBr>
-                    <a:lnBlToTr w="12700" cmpd="sng">
-                      <a:noFill/>
-                      <a:prstDash val="solid"/>
-                    </a:lnBlToTr>
-                    <a:solidFill>
-                      <a:schemeClr val="accent4">
-                        <a:lumMod val="60000"/>
-                        <a:lumOff val="40000"/>
-                      </a:schemeClr>
-                    </a:solidFill>
-                  </a:tcPr>
-                </a:tc>
-                <a:tc>
-                  <a:txBody>
-                    <a:bodyPr/>
-                    <a:lstStyle/>
-                    <a:p>
-                      <a:r>
-                        <a:rPr lang="en-US" sz="1800" kern="1200" dirty="0">
-                          <a:solidFill>
-                            <a:schemeClr val="dk1"/>
-                          </a:solidFill>
-                          <a:latin typeface="+mn-lt"/>
-                          <a:ea typeface="+mn-ea"/>
-                          <a:cs typeface="+mn-cs"/>
-                        </a:rPr>
-                        <a:t>Step</a:t>
-                      </a:r>
-                      <a:endParaRPr lang="en-US" dirty="0"/>
-                    </a:p>
-                  </a:txBody>
-                  <a:tcPr>
-                    <a:lnL w="12700" cap="flat" cmpd="sng" algn="ctr">
-                      <a:solidFill>
-                        <a:schemeClr val="tx1"/>
-                      </a:solidFill>
-                      <a:prstDash val="solid"/>
-                      <a:round/>
-                      <a:headEnd type="none" w="med" len="med"/>
-                      <a:tailEnd type="none" w="med" len="med"/>
-                    </a:lnL>
-                    <a:lnR w="12700" cap="flat" cmpd="sng" algn="ctr">
-                      <a:solidFill>
-                        <a:schemeClr val="tx1"/>
-                      </a:solidFill>
-                      <a:prstDash val="solid"/>
-                      <a:round/>
-                      <a:headEnd type="none" w="med" len="med"/>
-                      <a:tailEnd type="none" w="med" len="med"/>
-                    </a:lnR>
-                    <a:lnT w="12700" cap="flat" cmpd="sng" algn="ctr">
-                      <a:solidFill>
-                        <a:schemeClr val="tx1"/>
-                      </a:solidFill>
-                      <a:prstDash val="solid"/>
-                      <a:round/>
-                      <a:headEnd type="none" w="med" len="med"/>
-                      <a:tailEnd type="none" w="med" len="med"/>
-                    </a:lnT>
-                    <a:lnB w="12700" cap="flat" cmpd="sng" algn="ctr">
-                      <a:solidFill>
-                        <a:schemeClr val="tx1"/>
-                      </a:solidFill>
-                      <a:prstDash val="solid"/>
-                      <a:round/>
-                      <a:headEnd type="none" w="med" len="med"/>
-                      <a:tailEnd type="none" w="med" len="med"/>
-                    </a:lnB>
-                    <a:lnTlToBr w="12700" cmpd="sng">
-                      <a:noFill/>
-                      <a:prstDash val="solid"/>
-                    </a:lnTlToBr>
-                    <a:lnBlToTr w="12700" cmpd="sng">
-                      <a:noFill/>
-                      <a:prstDash val="solid"/>
-                    </a:lnBlToTr>
-                    <a:solidFill>
-                      <a:schemeClr val="accent2">
-                        <a:lumMod val="60000"/>
-                        <a:lumOff val="40000"/>
-                      </a:schemeClr>
-                    </a:solidFill>
-                  </a:tcPr>
-                </a:tc>
-                <a:tc>
-                  <a:txBody>
-                    <a:bodyPr/>
-                    <a:lstStyle/>
-                    <a:p>
-                      <a:r>
-                        <a:rPr lang="en-US" dirty="0"/>
-                        <a:t>StepCount</a:t>
-                      </a:r>
-                    </a:p>
-                  </a:txBody>
-                  <a:tcPr>
-                    <a:lnL w="12700" cap="flat" cmpd="sng" algn="ctr">
-                      <a:solidFill>
-                        <a:schemeClr val="tx1"/>
-                      </a:solidFill>
-                      <a:prstDash val="solid"/>
-                      <a:round/>
-                      <a:headEnd type="none" w="med" len="med"/>
-                      <a:tailEnd type="none" w="med" len="med"/>
-                    </a:lnL>
-                    <a:lnR w="12700" cap="flat" cmpd="sng" algn="ctr">
-                      <a:solidFill>
-                        <a:schemeClr val="tx1"/>
-                      </a:solidFill>
-                      <a:prstDash val="solid"/>
-                      <a:round/>
-                      <a:headEnd type="none" w="med" len="med"/>
-                      <a:tailEnd type="none" w="med" len="med"/>
-                    </a:lnR>
-                    <a:lnT w="12700" cap="flat" cmpd="sng" algn="ctr">
-                      <a:solidFill>
-                        <a:schemeClr val="tx1"/>
-                      </a:solidFill>
-                      <a:prstDash val="solid"/>
-                      <a:round/>
-                      <a:headEnd type="none" w="med" len="med"/>
-                      <a:tailEnd type="none" w="med" len="med"/>
-                    </a:lnT>
-                    <a:lnB w="12700" cap="flat" cmpd="sng" algn="ctr">
-                      <a:solidFill>
-                        <a:schemeClr val="tx1"/>
-                      </a:solidFill>
-                      <a:prstDash val="solid"/>
-                      <a:round/>
-                      <a:headEnd type="none" w="med" len="med"/>
-                      <a:tailEnd type="none" w="med" len="med"/>
-                    </a:lnB>
-                    <a:lnTlToBr w="12700" cmpd="sng">
-                      <a:noFill/>
-                      <a:prstDash val="solid"/>
-                    </a:lnTlToBr>
-                    <a:lnBlToTr w="12700" cmpd="sng">
-                      <a:noFill/>
-                      <a:prstDash val="solid"/>
-                    </a:lnBlToTr>
-                    <a:solidFill>
-                      <a:schemeClr val="accent4">
-                        <a:lumMod val="60000"/>
-                        <a:lumOff val="40000"/>
-                      </a:schemeClr>
-                    </a:solidFill>
-                  </a:tcPr>
-                </a:tc>
-                <a:tc>
-                  <a:txBody>
-                    <a:bodyPr/>
-                    <a:lstStyle/>
-                    <a:p>
-                      <a:r>
-                        <a:rPr lang="en-US" sz="1800" kern="1200" dirty="0">
-                          <a:solidFill>
-                            <a:schemeClr val="dk1"/>
-                          </a:solidFill>
-                          <a:latin typeface="+mn-lt"/>
-                          <a:ea typeface="+mn-ea"/>
-                          <a:cs typeface="+mn-cs"/>
-                        </a:rPr>
-                        <a:t>Step</a:t>
-                      </a:r>
-                      <a:endParaRPr lang="en-US" dirty="0"/>
-                    </a:p>
-                  </a:txBody>
-                  <a:tcPr>
-                    <a:lnL w="12700" cap="flat" cmpd="sng" algn="ctr">
-                      <a:solidFill>
-                        <a:schemeClr val="tx1"/>
-                      </a:solidFill>
-                      <a:prstDash val="solid"/>
-                      <a:round/>
-                      <a:headEnd type="none" w="med" len="med"/>
-                      <a:tailEnd type="none" w="med" len="med"/>
-                    </a:lnL>
-                    <a:lnR w="12700" cap="flat" cmpd="sng" algn="ctr">
-                      <a:solidFill>
-                        <a:schemeClr val="tx1"/>
-                      </a:solidFill>
-                      <a:prstDash val="solid"/>
-                      <a:round/>
-                      <a:headEnd type="none" w="med" len="med"/>
-                      <a:tailEnd type="none" w="med" len="med"/>
-                    </a:lnR>
-                    <a:lnT w="12700" cap="flat" cmpd="sng" algn="ctr">
-                      <a:solidFill>
-                        <a:schemeClr val="tx1"/>
-                      </a:solidFill>
-                      <a:prstDash val="solid"/>
-                      <a:round/>
-                      <a:headEnd type="none" w="med" len="med"/>
-                      <a:tailEnd type="none" w="med" len="med"/>
-                    </a:lnT>
-                    <a:lnB w="12700" cap="flat" cmpd="sng" algn="ctr">
-                      <a:solidFill>
-                        <a:schemeClr val="tx1"/>
-                      </a:solidFill>
-                      <a:prstDash val="solid"/>
-                      <a:round/>
-                      <a:headEnd type="none" w="med" len="med"/>
-                      <a:tailEnd type="none" w="med" len="med"/>
-                    </a:lnB>
-                    <a:lnTlToBr w="12700" cmpd="sng">
-                      <a:noFill/>
-                      <a:prstDash val="solid"/>
-                    </a:lnTlToBr>
-                    <a:lnBlToTr w="12700" cmpd="sng">
-                      <a:noFill/>
-                      <a:prstDash val="solid"/>
-                    </a:lnBlToTr>
-                    <a:solidFill>
-                      <a:schemeClr val="accent2">
-                        <a:lumMod val="60000"/>
-                        <a:lumOff val="40000"/>
-                      </a:schemeClr>
-                    </a:solidFill>
-                  </a:tcPr>
-                </a:tc>
-                <a:tc>
-                  <a:txBody>
-                    <a:bodyPr/>
-                    <a:lstStyle/>
-                    <a:p>
-                      <a:r>
-                        <a:rPr lang="en-US" dirty="0"/>
-                        <a:t>StepCount</a:t>
-                      </a:r>
-                    </a:p>
-                  </a:txBody>
-                  <a:tcPr>
-                    <a:lnL w="12700" cap="flat" cmpd="sng" algn="ctr">
-                      <a:solidFill>
-                        <a:schemeClr val="tx1"/>
-                      </a:solidFill>
-                      <a:prstDash val="solid"/>
-                      <a:round/>
-                      <a:headEnd type="none" w="med" len="med"/>
-                      <a:tailEnd type="none" w="med" len="med"/>
-                    </a:lnL>
-                    <a:lnR w="12700" cap="flat" cmpd="sng" algn="ctr">
-                      <a:solidFill>
-                        <a:schemeClr val="tx1"/>
-                      </a:solidFill>
-                      <a:prstDash val="solid"/>
-                      <a:round/>
-                      <a:headEnd type="none" w="med" len="med"/>
-                      <a:tailEnd type="none" w="med" len="med"/>
-                    </a:lnR>
-                    <a:lnT w="12700" cap="flat" cmpd="sng" algn="ctr">
-                      <a:solidFill>
-                        <a:schemeClr val="tx1"/>
-                      </a:solidFill>
-                      <a:prstDash val="solid"/>
-                      <a:round/>
-                      <a:headEnd type="none" w="med" len="med"/>
-                      <a:tailEnd type="none" w="med" len="med"/>
-                    </a:lnT>
-                    <a:lnB w="12700" cap="flat" cmpd="sng" algn="ctr">
-                      <a:solidFill>
-                        <a:schemeClr val="tx1"/>
-                      </a:solidFill>
-                      <a:prstDash val="solid"/>
-                      <a:round/>
-                      <a:headEnd type="none" w="med" len="med"/>
-                      <a:tailEnd type="none" w="med" len="med"/>
-                    </a:lnB>
-                    <a:lnTlToBr w="12700" cmpd="sng">
-                      <a:noFill/>
-                      <a:prstDash val="solid"/>
-                    </a:lnTlToBr>
-                    <a:lnBlToTr w="12700" cmpd="sng">
-                      <a:noFill/>
-                      <a:prstDash val="solid"/>
-                    </a:lnBlToTr>
-                    <a:solidFill>
-                      <a:schemeClr val="accent4">
-                        <a:lumMod val="60000"/>
-                        <a:lumOff val="40000"/>
-                      </a:schemeClr>
-                    </a:solidFill>
-                  </a:tcPr>
-                </a:tc>
-                <a:extLst>
-                  <a:ext uri="{0D108BD9-81ED-4DB2-BD59-A6C34878D82A}">
-                    <a16:rowId xmlns:a16="http://schemas.microsoft.com/office/drawing/2014/main" xmlns="" val="10001"/>
-                  </a:ext>
-                </a:extLst>
-              </a:tr>
-            </a:tbl>
-          </a:graphicData>
-        </a:graphic>
-      </p:graphicFrame>
-      <p:sp>
-        <p:nvSpPr>
-          <p:cNvPr id="10" name="Down Arrow 9"/>
-          <p:cNvSpPr/>
-          <p:nvPr/>
         </p:nvSpPr>
-        <p:spPr>
-          <a:xfrm>
-            <a:off x="5537200" y="3649133"/>
-            <a:ext cx="558800" cy="702733"/>
-          </a:xfrm>
-          <a:prstGeom prst="downArrow">
-            <a:avLst/>
-          </a:prstGeom>
-        </p:spPr>
-        <p:style>
-          <a:lnRef idx="2">
-            <a:schemeClr val="accent1">
-              <a:shade val="50000"/>
-            </a:schemeClr>
-          </a:lnRef>
-          <a:fillRef idx="1">
-            <a:schemeClr val="accent1"/>
-          </a:fillRef>
-          <a:effectRef idx="0">
-            <a:schemeClr val="accent1"/>
-          </a:effectRef>
-          <a:fontRef idx="minor">
-            <a:schemeClr val="lt1"/>
-          </a:fontRef>
-        </p:style>
+        <p:spPr/>
         <p:txBody>
-          <a:bodyPr rtlCol="0" anchor="ctr"/>
+          <a:bodyPr/>
           <a:lstStyle/>
           <a:p>
-            <a:pPr algn="ctr"/>
-            <a:endParaRPr lang="en-US"/>
+            <a:pPr marL="0" indent="0">
+              <a:buNone/>
+            </a:pPr>
+            <a:r>
+              <a:rPr lang="en-US" dirty="0"/>
+              <a:t>ElementSize: 4b Count: </a:t>
+            </a:r>
+            <a:r>
+              <a:rPr lang="en-US" sz="2000" dirty="0" smtClean="0"/>
+              <a:t>~</a:t>
+            </a:r>
+            <a:r>
+              <a:rPr lang="en-US" dirty="0" smtClean="0"/>
+              <a:t>269M </a:t>
+            </a:r>
+            <a:r>
+              <a:rPr lang="en-US" dirty="0"/>
+              <a:t>Size: 1gb CPU-Freq</a:t>
+            </a:r>
+            <a:r>
+              <a:rPr lang="en-US" dirty="0" smtClean="0"/>
+              <a:t>.: </a:t>
+            </a:r>
+            <a:r>
+              <a:rPr lang="en-US" sz="2000" dirty="0" smtClean="0"/>
+              <a:t>~</a:t>
+            </a:r>
+            <a:r>
+              <a:rPr lang="en-US" dirty="0" smtClean="0"/>
+              <a:t>4.3GHz</a:t>
+            </a:r>
+            <a:endParaRPr lang="en-US" dirty="0"/>
+          </a:p>
+          <a:p>
+            <a:pPr marL="0" indent="0">
+              <a:buNone/>
+            </a:pPr>
+            <a:endParaRPr lang="en-US" dirty="0"/>
+          </a:p>
+          <a:p>
+            <a:pPr marL="0" indent="0">
+              <a:buNone/>
+            </a:pPr>
+            <a:r>
+              <a:rPr lang="en-US" dirty="0"/>
+              <a:t>RandomMemoryAccess is Running</a:t>
+            </a:r>
+          </a:p>
+          <a:p>
+            <a:pPr marL="0" indent="0">
+              <a:buNone/>
+            </a:pPr>
+            <a:r>
+              <a:rPr lang="en-US" dirty="0"/>
+              <a:t>Cycles: </a:t>
+            </a:r>
+            <a:r>
+              <a:rPr lang="en-US" sz="2000" dirty="0" smtClean="0"/>
+              <a:t>~</a:t>
+            </a:r>
+            <a:r>
+              <a:rPr lang="en-US" dirty="0" smtClean="0"/>
+              <a:t>17M </a:t>
+            </a:r>
+            <a:r>
+              <a:rPr lang="en-US" dirty="0"/>
+              <a:t>Time: </a:t>
+            </a:r>
+            <a:r>
+              <a:rPr lang="en-US" sz="2000" dirty="0" smtClean="0"/>
+              <a:t>~</a:t>
+            </a:r>
+            <a:r>
+              <a:rPr lang="en-US" dirty="0" smtClean="0"/>
+              <a:t>4.3s </a:t>
+            </a:r>
+            <a:r>
+              <a:rPr lang="en-US" dirty="0"/>
+              <a:t>Speed: </a:t>
+            </a:r>
+            <a:r>
+              <a:rPr lang="en-US" sz="2000" dirty="0" smtClean="0"/>
+              <a:t>~</a:t>
+            </a:r>
+            <a:r>
+              <a:rPr lang="en-US" dirty="0" smtClean="0"/>
+              <a:t>242mb/s</a:t>
+            </a:r>
+            <a:endParaRPr lang="en-US" dirty="0"/>
+          </a:p>
+          <a:p>
+            <a:pPr marL="0" indent="0">
+              <a:buNone/>
+            </a:pPr>
+            <a:endParaRPr lang="en-US" dirty="0"/>
+          </a:p>
+          <a:p>
+            <a:pPr marL="0" indent="0">
+              <a:buNone/>
+            </a:pPr>
+            <a:r>
+              <a:rPr lang="en-US" dirty="0"/>
+              <a:t>SequentialMemoryAccess is Running</a:t>
+            </a:r>
+          </a:p>
+          <a:p>
+            <a:pPr marL="0" indent="0">
+              <a:buNone/>
+            </a:pPr>
+            <a:r>
+              <a:rPr lang="en-US" dirty="0"/>
+              <a:t>Cycles: </a:t>
+            </a:r>
+            <a:r>
+              <a:rPr lang="en-US" sz="2000" dirty="0" smtClean="0"/>
+              <a:t>~</a:t>
+            </a:r>
+            <a:r>
+              <a:rPr lang="en-US" dirty="0" smtClean="0"/>
+              <a:t>1M </a:t>
+            </a:r>
+            <a:r>
+              <a:rPr lang="en-US" dirty="0"/>
+              <a:t>Time: </a:t>
+            </a:r>
+            <a:r>
+              <a:rPr lang="en-US" sz="2000" dirty="0" smtClean="0"/>
+              <a:t>~</a:t>
+            </a:r>
+            <a:r>
+              <a:rPr lang="en-US" dirty="0" smtClean="0"/>
+              <a:t>327ms </a:t>
+            </a:r>
+            <a:r>
+              <a:rPr lang="en-US" dirty="0"/>
+              <a:t>Speed: </a:t>
+            </a:r>
+            <a:r>
+              <a:rPr lang="en-US" sz="2000" dirty="0" smtClean="0"/>
+              <a:t>~</a:t>
+            </a:r>
+            <a:r>
+              <a:rPr lang="en-US" dirty="0" smtClean="0"/>
+              <a:t>3.2gb/s</a:t>
+            </a:r>
+            <a:endParaRPr lang="en-US" dirty="0"/>
           </a:p>
         </p:txBody>
       </p:sp>
-      <p:graphicFrame>
-        <p:nvGraphicFramePr>
-          <p:cNvPr id="12" name="Table 11"/>
-          <p:cNvGraphicFramePr>
-            <a:graphicFrameLocks noGrp="1"/>
-          </p:cNvGraphicFramePr>
-          <p:nvPr>
-            <p:extLst>
-              <p:ext uri="{D42A27DB-BD31-4B8C-83A1-F6EECF244321}">
-                <p14:modId xmlns:p14="http://schemas.microsoft.com/office/powerpoint/2010/main" val="3322214276"/>
-              </p:ext>
-            </p:extLst>
-          </p:nvPr>
-        </p:nvGraphicFramePr>
-        <p:xfrm>
-          <a:off x="753533" y="2048934"/>
-          <a:ext cx="10464804" cy="1483360"/>
-        </p:xfrm>
-        <a:graphic>
-          <a:graphicData uri="http://schemas.openxmlformats.org/drawingml/2006/table">
-            <a:tbl>
-              <a:tblPr firstRow="1" bandRow="1">
-                <a:tableStyleId>{5C22544A-7EE6-4342-B048-85BDC9FD1C3A}</a:tableStyleId>
-              </a:tblPr>
-              <a:tblGrid>
-                <a:gridCol w="1162756">
-                  <a:extLst>
-                    <a:ext uri="{9D8B030D-6E8A-4147-A177-3AD203B41FA5}">
-                      <a16:colId xmlns:a16="http://schemas.microsoft.com/office/drawing/2014/main" xmlns="" val="20000"/>
-                    </a:ext>
-                  </a:extLst>
-                </a:gridCol>
-                <a:gridCol w="1162756">
-                  <a:extLst>
-                    <a:ext uri="{9D8B030D-6E8A-4147-A177-3AD203B41FA5}">
-                      <a16:colId xmlns:a16="http://schemas.microsoft.com/office/drawing/2014/main" xmlns="" val="20001"/>
-                    </a:ext>
-                  </a:extLst>
-                </a:gridCol>
-                <a:gridCol w="1162756">
-                  <a:extLst>
-                    <a:ext uri="{9D8B030D-6E8A-4147-A177-3AD203B41FA5}">
-                      <a16:colId xmlns:a16="http://schemas.microsoft.com/office/drawing/2014/main" xmlns="" val="20002"/>
-                    </a:ext>
-                  </a:extLst>
-                </a:gridCol>
-                <a:gridCol w="1162756">
-                  <a:extLst>
-                    <a:ext uri="{9D8B030D-6E8A-4147-A177-3AD203B41FA5}">
-                      <a16:colId xmlns:a16="http://schemas.microsoft.com/office/drawing/2014/main" xmlns="" val="20003"/>
-                    </a:ext>
-                  </a:extLst>
-                </a:gridCol>
-                <a:gridCol w="1162756">
-                  <a:extLst>
-                    <a:ext uri="{9D8B030D-6E8A-4147-A177-3AD203B41FA5}">
-                      <a16:colId xmlns:a16="http://schemas.microsoft.com/office/drawing/2014/main" xmlns="" val="20004"/>
-                    </a:ext>
-                  </a:extLst>
-                </a:gridCol>
-                <a:gridCol w="1162756">
-                  <a:extLst>
-                    <a:ext uri="{9D8B030D-6E8A-4147-A177-3AD203B41FA5}">
-                      <a16:colId xmlns:a16="http://schemas.microsoft.com/office/drawing/2014/main" xmlns="" val="20005"/>
-                    </a:ext>
-                  </a:extLst>
-                </a:gridCol>
-                <a:gridCol w="1162756">
-                  <a:extLst>
-                    <a:ext uri="{9D8B030D-6E8A-4147-A177-3AD203B41FA5}">
-                      <a16:colId xmlns:a16="http://schemas.microsoft.com/office/drawing/2014/main" xmlns="" val="20006"/>
-                    </a:ext>
-                  </a:extLst>
-                </a:gridCol>
-                <a:gridCol w="1162756">
-                  <a:extLst>
-                    <a:ext uri="{9D8B030D-6E8A-4147-A177-3AD203B41FA5}">
-                      <a16:colId xmlns:a16="http://schemas.microsoft.com/office/drawing/2014/main" xmlns="" val="20007"/>
-                    </a:ext>
-                  </a:extLst>
-                </a:gridCol>
-                <a:gridCol w="1162756">
-                  <a:extLst>
-                    <a:ext uri="{9D8B030D-6E8A-4147-A177-3AD203B41FA5}">
-                      <a16:colId xmlns:a16="http://schemas.microsoft.com/office/drawing/2014/main" xmlns="" val="20008"/>
-                    </a:ext>
-                  </a:extLst>
-                </a:gridCol>
-              </a:tblGrid>
-              <a:tr h="370840">
-                <a:tc gridSpan="3">
-                  <a:txBody>
-                    <a:bodyPr/>
-                    <a:lstStyle/>
-                    <a:p>
-                      <a:pPr algn="ctr"/>
-                      <a:r>
-                        <a:rPr lang="en-US" b="0" dirty="0">
-                          <a:solidFill>
-                            <a:schemeClr val="bg1"/>
-                          </a:solidFill>
-                        </a:rPr>
-                        <a:t>0x0</a:t>
-                      </a:r>
-                    </a:p>
-                  </a:txBody>
-                  <a:tcPr>
-                    <a:lnL w="12700" cap="flat" cmpd="sng" algn="ctr">
-                      <a:solidFill>
-                        <a:schemeClr val="tx1"/>
-                      </a:solidFill>
-                      <a:prstDash val="solid"/>
-                      <a:round/>
-                      <a:headEnd type="none" w="med" len="med"/>
-                      <a:tailEnd type="none" w="med" len="med"/>
-                    </a:lnL>
-                    <a:lnR w="12700" cap="flat" cmpd="sng" algn="ctr">
-                      <a:solidFill>
-                        <a:schemeClr val="tx1"/>
-                      </a:solidFill>
-                      <a:prstDash val="solid"/>
-                      <a:round/>
-                      <a:headEnd type="none" w="med" len="med"/>
-                      <a:tailEnd type="none" w="med" len="med"/>
-                    </a:lnR>
-                    <a:lnT w="12700" cap="flat" cmpd="sng" algn="ctr">
-                      <a:solidFill>
-                        <a:schemeClr val="tx1"/>
-                      </a:solidFill>
-                      <a:prstDash val="solid"/>
-                      <a:round/>
-                      <a:headEnd type="none" w="med" len="med"/>
-                      <a:tailEnd type="none" w="med" len="med"/>
-                    </a:lnT>
-                    <a:lnB w="12700" cap="flat" cmpd="sng" algn="ctr">
-                      <a:solidFill>
-                        <a:schemeClr val="tx1"/>
-                      </a:solidFill>
-                      <a:prstDash val="solid"/>
-                      <a:round/>
-                      <a:headEnd type="none" w="med" len="med"/>
-                      <a:tailEnd type="none" w="med" len="med"/>
-                    </a:lnB>
-                    <a:lnTlToBr w="12700" cmpd="sng">
-                      <a:noFill/>
-                      <a:prstDash val="solid"/>
-                    </a:lnTlToBr>
-                    <a:lnBlToTr w="12700" cmpd="sng">
-                      <a:noFill/>
-                      <a:prstDash val="solid"/>
-                    </a:lnBlToTr>
-                    <a:solidFill>
-                      <a:schemeClr val="tx1">
-                        <a:lumMod val="50000"/>
-                      </a:schemeClr>
-                    </a:solidFill>
-                  </a:tcPr>
-                </a:tc>
-                <a:tc hMerge="1">
-                  <a:txBody>
-                    <a:bodyPr/>
-                    <a:lstStyle/>
-                    <a:p>
-                      <a:endParaRPr lang="en-US"/>
-                    </a:p>
-                  </a:txBody>
-                  <a:tcPr/>
-                </a:tc>
-                <a:tc hMerge="1">
-                  <a:txBody>
-                    <a:bodyPr/>
-                    <a:lstStyle/>
-                    <a:p>
-                      <a:endParaRPr lang="en-US"/>
-                    </a:p>
-                  </a:txBody>
-                  <a:tcPr/>
-                </a:tc>
-                <a:tc gridSpan="3">
-                  <a:txBody>
-                    <a:bodyPr/>
-                    <a:lstStyle/>
-                    <a:p>
-                      <a:pPr algn="ctr"/>
-                      <a:r>
-                        <a:rPr lang="en-US" b="0" dirty="0">
-                          <a:solidFill>
-                            <a:schemeClr val="bg1"/>
-                          </a:solidFill>
-                        </a:rPr>
-                        <a:t>0x20</a:t>
-                      </a:r>
-                    </a:p>
-                  </a:txBody>
-                  <a:tcPr>
-                    <a:lnL w="12700" cap="flat" cmpd="sng" algn="ctr">
-                      <a:solidFill>
-                        <a:schemeClr val="tx1"/>
-                      </a:solidFill>
-                      <a:prstDash val="solid"/>
-                      <a:round/>
-                      <a:headEnd type="none" w="med" len="med"/>
-                      <a:tailEnd type="none" w="med" len="med"/>
-                    </a:lnL>
-                    <a:lnR w="12700" cap="flat" cmpd="sng" algn="ctr">
-                      <a:solidFill>
-                        <a:schemeClr val="tx1"/>
-                      </a:solidFill>
-                      <a:prstDash val="solid"/>
-                      <a:round/>
-                      <a:headEnd type="none" w="med" len="med"/>
-                      <a:tailEnd type="none" w="med" len="med"/>
-                    </a:lnR>
-                    <a:lnT w="12700" cap="flat" cmpd="sng" algn="ctr">
-                      <a:solidFill>
-                        <a:schemeClr val="tx1"/>
-                      </a:solidFill>
-                      <a:prstDash val="solid"/>
-                      <a:round/>
-                      <a:headEnd type="none" w="med" len="med"/>
-                      <a:tailEnd type="none" w="med" len="med"/>
-                    </a:lnT>
-                    <a:lnB w="12700" cap="flat" cmpd="sng" algn="ctr">
-                      <a:solidFill>
-                        <a:schemeClr val="tx1"/>
-                      </a:solidFill>
-                      <a:prstDash val="solid"/>
-                      <a:round/>
-                      <a:headEnd type="none" w="med" len="med"/>
-                      <a:tailEnd type="none" w="med" len="med"/>
-                    </a:lnB>
-                    <a:lnTlToBr w="12700" cmpd="sng">
-                      <a:noFill/>
-                      <a:prstDash val="solid"/>
-                    </a:lnTlToBr>
-                    <a:lnBlToTr w="12700" cmpd="sng">
-                      <a:noFill/>
-                      <a:prstDash val="solid"/>
-                    </a:lnBlToTr>
-                    <a:solidFill>
-                      <a:schemeClr val="tx1">
-                        <a:lumMod val="50000"/>
-                      </a:schemeClr>
-                    </a:solidFill>
-                  </a:tcPr>
-                </a:tc>
-                <a:tc hMerge="1">
-                  <a:txBody>
-                    <a:bodyPr/>
-                    <a:lstStyle/>
-                    <a:p>
-                      <a:endParaRPr lang="en-US"/>
-                    </a:p>
-                  </a:txBody>
-                  <a:tcPr/>
-                </a:tc>
-                <a:tc hMerge="1">
-                  <a:txBody>
-                    <a:bodyPr/>
-                    <a:lstStyle/>
-                    <a:p>
-                      <a:endParaRPr lang="en-US"/>
-                    </a:p>
-                  </a:txBody>
-                  <a:tcPr/>
-                </a:tc>
-                <a:tc gridSpan="3">
-                  <a:txBody>
-                    <a:bodyPr/>
-                    <a:lstStyle/>
-                    <a:p>
-                      <a:pPr algn="ctr"/>
-                      <a:r>
-                        <a:rPr lang="en-US" b="0" dirty="0">
-                          <a:solidFill>
-                            <a:schemeClr val="bg1"/>
-                          </a:solidFill>
-                        </a:rPr>
-                        <a:t>0x...n</a:t>
-                      </a:r>
-                      <a:r>
-                        <a:rPr lang="en-US" b="0" baseline="0" dirty="0">
-                          <a:solidFill>
-                            <a:schemeClr val="bg1"/>
-                          </a:solidFill>
-                        </a:rPr>
-                        <a:t> x 20</a:t>
-                      </a:r>
-                      <a:endParaRPr lang="en-US" b="0" dirty="0">
-                        <a:solidFill>
-                          <a:schemeClr val="bg1"/>
-                        </a:solidFill>
-                      </a:endParaRPr>
-                    </a:p>
-                  </a:txBody>
-                  <a:tcPr>
-                    <a:lnL w="12700" cap="flat" cmpd="sng" algn="ctr">
-                      <a:solidFill>
-                        <a:schemeClr val="tx1"/>
-                      </a:solidFill>
-                      <a:prstDash val="solid"/>
-                      <a:round/>
-                      <a:headEnd type="none" w="med" len="med"/>
-                      <a:tailEnd type="none" w="med" len="med"/>
-                    </a:lnL>
-                    <a:lnR w="12700" cap="flat" cmpd="sng" algn="ctr">
-                      <a:solidFill>
-                        <a:schemeClr val="tx1"/>
-                      </a:solidFill>
-                      <a:prstDash val="solid"/>
-                      <a:round/>
-                      <a:headEnd type="none" w="med" len="med"/>
-                      <a:tailEnd type="none" w="med" len="med"/>
-                    </a:lnR>
-                    <a:lnT w="12700" cap="flat" cmpd="sng" algn="ctr">
-                      <a:solidFill>
-                        <a:schemeClr val="tx1"/>
-                      </a:solidFill>
-                      <a:prstDash val="solid"/>
-                      <a:round/>
-                      <a:headEnd type="none" w="med" len="med"/>
-                      <a:tailEnd type="none" w="med" len="med"/>
-                    </a:lnT>
-                    <a:lnB w="12700" cap="flat" cmpd="sng" algn="ctr">
-                      <a:solidFill>
-                        <a:schemeClr val="tx1"/>
-                      </a:solidFill>
-                      <a:prstDash val="solid"/>
-                      <a:round/>
-                      <a:headEnd type="none" w="med" len="med"/>
-                      <a:tailEnd type="none" w="med" len="med"/>
-                    </a:lnB>
-                    <a:lnTlToBr w="12700" cmpd="sng">
-                      <a:noFill/>
-                      <a:prstDash val="solid"/>
-                    </a:lnTlToBr>
-                    <a:lnBlToTr w="12700" cmpd="sng">
-                      <a:noFill/>
-                      <a:prstDash val="solid"/>
-                    </a:lnBlToTr>
-                    <a:solidFill>
-                      <a:schemeClr val="tx1">
-                        <a:lumMod val="50000"/>
-                      </a:schemeClr>
-                    </a:solidFill>
-                  </a:tcPr>
-                </a:tc>
-                <a:tc hMerge="1">
-                  <a:txBody>
-                    <a:bodyPr/>
-                    <a:lstStyle/>
-                    <a:p>
-                      <a:endParaRPr lang="en-US"/>
-                    </a:p>
-                  </a:txBody>
-                  <a:tcPr/>
-                </a:tc>
-                <a:tc hMerge="1">
-                  <a:txBody>
-                    <a:bodyPr/>
-                    <a:lstStyle/>
-                    <a:p>
-                      <a:endParaRPr lang="en-US"/>
-                    </a:p>
-                  </a:txBody>
-                  <a:tcPr/>
-                </a:tc>
-                <a:extLst>
-                  <a:ext uri="{0D108BD9-81ED-4DB2-BD59-A6C34878D82A}">
-                    <a16:rowId xmlns:a16="http://schemas.microsoft.com/office/drawing/2014/main" xmlns="" val="10000"/>
-                  </a:ext>
-                </a:extLst>
-              </a:tr>
-              <a:tr h="370840">
-                <a:tc gridSpan="3">
-                  <a:txBody>
-                    <a:bodyPr/>
-                    <a:lstStyle/>
-                    <a:p>
-                      <a:pPr algn="ctr"/>
-                      <a:r>
-                        <a:rPr lang="en-US" b="0" dirty="0">
-                          <a:solidFill>
-                            <a:schemeClr val="bg1"/>
-                          </a:solidFill>
-                        </a:rPr>
-                        <a:t>Ant 1</a:t>
-                      </a:r>
-                    </a:p>
-                  </a:txBody>
-                  <a:tcPr>
-                    <a:lnL w="12700" cap="flat" cmpd="sng" algn="ctr">
-                      <a:solidFill>
-                        <a:schemeClr val="tx1"/>
-                      </a:solidFill>
-                      <a:prstDash val="solid"/>
-                      <a:round/>
-                      <a:headEnd type="none" w="med" len="med"/>
-                      <a:tailEnd type="none" w="med" len="med"/>
-                    </a:lnL>
-                    <a:lnR w="12700" cap="flat" cmpd="sng" algn="ctr">
-                      <a:solidFill>
-                        <a:schemeClr val="tx1"/>
-                      </a:solidFill>
-                      <a:prstDash val="solid"/>
-                      <a:round/>
-                      <a:headEnd type="none" w="med" len="med"/>
-                      <a:tailEnd type="none" w="med" len="med"/>
-                    </a:lnR>
-                    <a:lnT w="12700" cap="flat" cmpd="sng" algn="ctr">
-                      <a:solidFill>
-                        <a:schemeClr val="tx1"/>
-                      </a:solidFill>
-                      <a:prstDash val="solid"/>
-                      <a:round/>
-                      <a:headEnd type="none" w="med" len="med"/>
-                      <a:tailEnd type="none" w="med" len="med"/>
-                    </a:lnT>
-                    <a:lnB w="12700" cap="flat" cmpd="sng" algn="ctr">
-                      <a:solidFill>
-                        <a:schemeClr val="tx1"/>
-                      </a:solidFill>
-                      <a:prstDash val="solid"/>
-                      <a:round/>
-                      <a:headEnd type="none" w="med" len="med"/>
-                      <a:tailEnd type="none" w="med" len="med"/>
-                    </a:lnB>
-                    <a:lnTlToBr w="12700" cmpd="sng">
-                      <a:noFill/>
-                      <a:prstDash val="solid"/>
-                    </a:lnTlToBr>
-                    <a:lnBlToTr w="12700" cmpd="sng">
-                      <a:noFill/>
-                      <a:prstDash val="solid"/>
-                    </a:lnBlToTr>
-                    <a:solidFill>
-                      <a:schemeClr val="tx1">
-                        <a:lumMod val="50000"/>
-                      </a:schemeClr>
-                    </a:solidFill>
-                  </a:tcPr>
-                </a:tc>
-                <a:tc hMerge="1">
-                  <a:txBody>
-                    <a:bodyPr/>
-                    <a:lstStyle/>
-                    <a:p>
-                      <a:endParaRPr lang="en-US" dirty="0"/>
-                    </a:p>
-                  </a:txBody>
-                  <a:tcPr>
-                    <a:lnL w="12700" cap="flat" cmpd="sng" algn="ctr">
-                      <a:solidFill>
-                        <a:schemeClr val="tx1"/>
-                      </a:solidFill>
-                      <a:prstDash val="solid"/>
-                      <a:round/>
-                      <a:headEnd type="none" w="med" len="med"/>
-                      <a:tailEnd type="none" w="med" len="med"/>
-                    </a:lnL>
-                    <a:lnR w="12700" cap="flat" cmpd="sng" algn="ctr">
-                      <a:solidFill>
-                        <a:schemeClr val="tx1"/>
-                      </a:solidFill>
-                      <a:prstDash val="solid"/>
-                      <a:round/>
-                      <a:headEnd type="none" w="med" len="med"/>
-                      <a:tailEnd type="none" w="med" len="med"/>
-                    </a:lnR>
-                    <a:lnT w="12700" cap="flat" cmpd="sng" algn="ctr">
-                      <a:solidFill>
-                        <a:schemeClr val="tx1"/>
-                      </a:solidFill>
-                      <a:prstDash val="solid"/>
-                      <a:round/>
-                      <a:headEnd type="none" w="med" len="med"/>
-                      <a:tailEnd type="none" w="med" len="med"/>
-                    </a:lnT>
-                    <a:lnB w="12700" cap="flat" cmpd="sng" algn="ctr">
-                      <a:solidFill>
-                        <a:schemeClr val="tx1"/>
-                      </a:solidFill>
-                      <a:prstDash val="solid"/>
-                      <a:round/>
-                      <a:headEnd type="none" w="med" len="med"/>
-                      <a:tailEnd type="none" w="med" len="med"/>
-                    </a:lnB>
-                    <a:lnTlToBr w="12700" cmpd="sng">
-                      <a:noFill/>
-                      <a:prstDash val="solid"/>
-                    </a:lnTlToBr>
-                    <a:lnBlToTr w="12700" cmpd="sng">
-                      <a:noFill/>
-                      <a:prstDash val="solid"/>
-                    </a:lnBlToTr>
-                    <a:solidFill>
-                      <a:schemeClr val="tx1">
-                        <a:lumMod val="50000"/>
-                      </a:schemeClr>
-                    </a:solidFill>
-                  </a:tcPr>
-                </a:tc>
-                <a:tc hMerge="1">
-                  <a:txBody>
-                    <a:bodyPr/>
-                    <a:lstStyle/>
-                    <a:p>
-                      <a:endParaRPr lang="en-US" dirty="0"/>
-                    </a:p>
-                  </a:txBody>
-                  <a:tcPr>
-                    <a:lnL w="12700" cap="flat" cmpd="sng" algn="ctr">
-                      <a:solidFill>
-                        <a:schemeClr val="tx1"/>
-                      </a:solidFill>
-                      <a:prstDash val="solid"/>
-                      <a:round/>
-                      <a:headEnd type="none" w="med" len="med"/>
-                      <a:tailEnd type="none" w="med" len="med"/>
-                    </a:lnL>
-                    <a:lnR w="12700" cap="flat" cmpd="sng" algn="ctr">
-                      <a:solidFill>
-                        <a:schemeClr val="tx1"/>
-                      </a:solidFill>
-                      <a:prstDash val="solid"/>
-                      <a:round/>
-                      <a:headEnd type="none" w="med" len="med"/>
-                      <a:tailEnd type="none" w="med" len="med"/>
-                    </a:lnR>
-                    <a:lnT w="12700" cap="flat" cmpd="sng" algn="ctr">
-                      <a:solidFill>
-                        <a:schemeClr val="tx1"/>
-                      </a:solidFill>
-                      <a:prstDash val="solid"/>
-                      <a:round/>
-                      <a:headEnd type="none" w="med" len="med"/>
-                      <a:tailEnd type="none" w="med" len="med"/>
-                    </a:lnT>
-                    <a:lnB w="12700" cap="flat" cmpd="sng" algn="ctr">
-                      <a:solidFill>
-                        <a:schemeClr val="tx1"/>
-                      </a:solidFill>
-                      <a:prstDash val="solid"/>
-                      <a:round/>
-                      <a:headEnd type="none" w="med" len="med"/>
-                      <a:tailEnd type="none" w="med" len="med"/>
-                    </a:lnB>
-                    <a:lnTlToBr w="12700" cmpd="sng">
-                      <a:noFill/>
-                      <a:prstDash val="solid"/>
-                    </a:lnTlToBr>
-                    <a:lnBlToTr w="12700" cmpd="sng">
-                      <a:noFill/>
-                      <a:prstDash val="solid"/>
-                    </a:lnBlToTr>
-                    <a:solidFill>
-                      <a:schemeClr val="tx1">
-                        <a:lumMod val="50000"/>
-                      </a:schemeClr>
-                    </a:solidFill>
-                  </a:tcPr>
-                </a:tc>
-                <a:tc gridSpan="3">
-                  <a:txBody>
-                    <a:bodyPr/>
-                    <a:lstStyle/>
-                    <a:p>
-                      <a:pPr algn="ctr"/>
-                      <a:r>
-                        <a:rPr lang="en-US" b="0" dirty="0">
-                          <a:solidFill>
-                            <a:schemeClr val="bg1"/>
-                          </a:solidFill>
-                        </a:rPr>
-                        <a:t>Ant 2</a:t>
-                      </a:r>
-                    </a:p>
-                  </a:txBody>
-                  <a:tcPr>
-                    <a:lnL w="12700" cap="flat" cmpd="sng" algn="ctr">
-                      <a:solidFill>
-                        <a:schemeClr val="tx1"/>
-                      </a:solidFill>
-                      <a:prstDash val="solid"/>
-                      <a:round/>
-                      <a:headEnd type="none" w="med" len="med"/>
-                      <a:tailEnd type="none" w="med" len="med"/>
-                    </a:lnL>
-                    <a:lnR w="12700" cap="flat" cmpd="sng" algn="ctr">
-                      <a:solidFill>
-                        <a:schemeClr val="tx1"/>
-                      </a:solidFill>
-                      <a:prstDash val="solid"/>
-                      <a:round/>
-                      <a:headEnd type="none" w="med" len="med"/>
-                      <a:tailEnd type="none" w="med" len="med"/>
-                    </a:lnR>
-                    <a:lnT w="12700" cap="flat" cmpd="sng" algn="ctr">
-                      <a:solidFill>
-                        <a:schemeClr val="tx1"/>
-                      </a:solidFill>
-                      <a:prstDash val="solid"/>
-                      <a:round/>
-                      <a:headEnd type="none" w="med" len="med"/>
-                      <a:tailEnd type="none" w="med" len="med"/>
-                    </a:lnT>
-                    <a:lnB w="12700" cap="flat" cmpd="sng" algn="ctr">
-                      <a:solidFill>
-                        <a:schemeClr val="tx1"/>
-                      </a:solidFill>
-                      <a:prstDash val="solid"/>
-                      <a:round/>
-                      <a:headEnd type="none" w="med" len="med"/>
-                      <a:tailEnd type="none" w="med" len="med"/>
-                    </a:lnB>
-                    <a:lnTlToBr w="12700" cmpd="sng">
-                      <a:noFill/>
-                      <a:prstDash val="solid"/>
-                    </a:lnTlToBr>
-                    <a:lnBlToTr w="12700" cmpd="sng">
-                      <a:noFill/>
-                      <a:prstDash val="solid"/>
-                    </a:lnBlToTr>
-                    <a:solidFill>
-                      <a:schemeClr val="tx1">
-                        <a:lumMod val="50000"/>
-                      </a:schemeClr>
-                    </a:solidFill>
-                  </a:tcPr>
-                </a:tc>
-                <a:tc hMerge="1">
-                  <a:txBody>
-                    <a:bodyPr/>
-                    <a:lstStyle/>
-                    <a:p>
-                      <a:endParaRPr lang="en-US" dirty="0"/>
-                    </a:p>
-                  </a:txBody>
-                  <a:tcPr>
-                    <a:lnL w="12700" cap="flat" cmpd="sng" algn="ctr">
-                      <a:solidFill>
-                        <a:schemeClr val="tx1"/>
-                      </a:solidFill>
-                      <a:prstDash val="solid"/>
-                      <a:round/>
-                      <a:headEnd type="none" w="med" len="med"/>
-                      <a:tailEnd type="none" w="med" len="med"/>
-                    </a:lnL>
-                    <a:lnR w="12700" cap="flat" cmpd="sng" algn="ctr">
-                      <a:solidFill>
-                        <a:schemeClr val="tx1"/>
-                      </a:solidFill>
-                      <a:prstDash val="solid"/>
-                      <a:round/>
-                      <a:headEnd type="none" w="med" len="med"/>
-                      <a:tailEnd type="none" w="med" len="med"/>
-                    </a:lnR>
-                    <a:lnT w="12700" cap="flat" cmpd="sng" algn="ctr">
-                      <a:solidFill>
-                        <a:schemeClr val="tx1"/>
-                      </a:solidFill>
-                      <a:prstDash val="solid"/>
-                      <a:round/>
-                      <a:headEnd type="none" w="med" len="med"/>
-                      <a:tailEnd type="none" w="med" len="med"/>
-                    </a:lnT>
-                    <a:lnB w="12700" cap="flat" cmpd="sng" algn="ctr">
-                      <a:solidFill>
-                        <a:schemeClr val="tx1"/>
-                      </a:solidFill>
-                      <a:prstDash val="solid"/>
-                      <a:round/>
-                      <a:headEnd type="none" w="med" len="med"/>
-                      <a:tailEnd type="none" w="med" len="med"/>
-                    </a:lnB>
-                    <a:lnTlToBr w="12700" cmpd="sng">
-                      <a:noFill/>
-                      <a:prstDash val="solid"/>
-                    </a:lnTlToBr>
-                    <a:lnBlToTr w="12700" cmpd="sng">
-                      <a:noFill/>
-                      <a:prstDash val="solid"/>
-                    </a:lnBlToTr>
-                    <a:solidFill>
-                      <a:schemeClr val="tx1">
-                        <a:lumMod val="50000"/>
-                      </a:schemeClr>
-                    </a:solidFill>
-                  </a:tcPr>
-                </a:tc>
-                <a:tc hMerge="1">
-                  <a:txBody>
-                    <a:bodyPr/>
-                    <a:lstStyle/>
-                    <a:p>
-                      <a:endParaRPr lang="en-US" dirty="0"/>
-                    </a:p>
-                  </a:txBody>
-                  <a:tcPr>
-                    <a:lnL w="12700" cap="flat" cmpd="sng" algn="ctr">
-                      <a:solidFill>
-                        <a:schemeClr val="tx1"/>
-                      </a:solidFill>
-                      <a:prstDash val="solid"/>
-                      <a:round/>
-                      <a:headEnd type="none" w="med" len="med"/>
-                      <a:tailEnd type="none" w="med" len="med"/>
-                    </a:lnL>
-                    <a:lnR w="12700" cap="flat" cmpd="sng" algn="ctr">
-                      <a:solidFill>
-                        <a:schemeClr val="tx1"/>
-                      </a:solidFill>
-                      <a:prstDash val="solid"/>
-                      <a:round/>
-                      <a:headEnd type="none" w="med" len="med"/>
-                      <a:tailEnd type="none" w="med" len="med"/>
-                    </a:lnR>
-                    <a:lnT w="12700" cap="flat" cmpd="sng" algn="ctr">
-                      <a:solidFill>
-                        <a:schemeClr val="tx1"/>
-                      </a:solidFill>
-                      <a:prstDash val="solid"/>
-                      <a:round/>
-                      <a:headEnd type="none" w="med" len="med"/>
-                      <a:tailEnd type="none" w="med" len="med"/>
-                    </a:lnT>
-                    <a:lnB w="12700" cap="flat" cmpd="sng" algn="ctr">
-                      <a:solidFill>
-                        <a:schemeClr val="tx1"/>
-                      </a:solidFill>
-                      <a:prstDash val="solid"/>
-                      <a:round/>
-                      <a:headEnd type="none" w="med" len="med"/>
-                      <a:tailEnd type="none" w="med" len="med"/>
-                    </a:lnB>
-                    <a:lnTlToBr w="12700" cmpd="sng">
-                      <a:noFill/>
-                      <a:prstDash val="solid"/>
-                    </a:lnTlToBr>
-                    <a:lnBlToTr w="12700" cmpd="sng">
-                      <a:noFill/>
-                      <a:prstDash val="solid"/>
-                    </a:lnBlToTr>
-                    <a:solidFill>
-                      <a:schemeClr val="tx1">
-                        <a:lumMod val="50000"/>
-                      </a:schemeClr>
-                    </a:solidFill>
-                  </a:tcPr>
-                </a:tc>
-                <a:tc gridSpan="3">
-                  <a:txBody>
-                    <a:bodyPr/>
-                    <a:lstStyle/>
-                    <a:p>
-                      <a:pPr algn="ctr"/>
-                      <a:r>
-                        <a:rPr lang="en-US" b="0" dirty="0">
-                          <a:solidFill>
-                            <a:schemeClr val="bg1"/>
-                          </a:solidFill>
-                        </a:rPr>
-                        <a:t>Ant ...n</a:t>
-                      </a:r>
-                    </a:p>
-                  </a:txBody>
-                  <a:tcPr>
-                    <a:lnL w="12700" cap="flat" cmpd="sng" algn="ctr">
-                      <a:solidFill>
-                        <a:schemeClr val="tx1"/>
-                      </a:solidFill>
-                      <a:prstDash val="solid"/>
-                      <a:round/>
-                      <a:headEnd type="none" w="med" len="med"/>
-                      <a:tailEnd type="none" w="med" len="med"/>
-                    </a:lnL>
-                    <a:lnR w="12700" cap="flat" cmpd="sng" algn="ctr">
-                      <a:solidFill>
-                        <a:schemeClr val="tx1"/>
-                      </a:solidFill>
-                      <a:prstDash val="solid"/>
-                      <a:round/>
-                      <a:headEnd type="none" w="med" len="med"/>
-                      <a:tailEnd type="none" w="med" len="med"/>
-                    </a:lnR>
-                    <a:lnT w="12700" cap="flat" cmpd="sng" algn="ctr">
-                      <a:solidFill>
-                        <a:schemeClr val="tx1"/>
-                      </a:solidFill>
-                      <a:prstDash val="solid"/>
-                      <a:round/>
-                      <a:headEnd type="none" w="med" len="med"/>
-                      <a:tailEnd type="none" w="med" len="med"/>
-                    </a:lnT>
-                    <a:lnB w="12700" cap="flat" cmpd="sng" algn="ctr">
-                      <a:solidFill>
-                        <a:schemeClr val="tx1"/>
-                      </a:solidFill>
-                      <a:prstDash val="solid"/>
-                      <a:round/>
-                      <a:headEnd type="none" w="med" len="med"/>
-                      <a:tailEnd type="none" w="med" len="med"/>
-                    </a:lnB>
-                    <a:lnTlToBr w="12700" cmpd="sng">
-                      <a:noFill/>
-                      <a:prstDash val="solid"/>
-                    </a:lnTlToBr>
-                    <a:lnBlToTr w="12700" cmpd="sng">
-                      <a:noFill/>
-                      <a:prstDash val="solid"/>
-                    </a:lnBlToTr>
-                    <a:solidFill>
-                      <a:schemeClr val="tx1">
-                        <a:lumMod val="50000"/>
-                      </a:schemeClr>
-                    </a:solidFill>
-                  </a:tcPr>
-                </a:tc>
-                <a:tc hMerge="1">
-                  <a:txBody>
-                    <a:bodyPr/>
-                    <a:lstStyle/>
-                    <a:p>
-                      <a:endParaRPr lang="en-US" dirty="0"/>
-                    </a:p>
-                  </a:txBody>
-                  <a:tcPr>
-                    <a:lnL w="12700" cap="flat" cmpd="sng" algn="ctr">
-                      <a:solidFill>
-                        <a:schemeClr val="tx1"/>
-                      </a:solidFill>
-                      <a:prstDash val="solid"/>
-                      <a:round/>
-                      <a:headEnd type="none" w="med" len="med"/>
-                      <a:tailEnd type="none" w="med" len="med"/>
-                    </a:lnL>
-                    <a:lnR w="12700" cap="flat" cmpd="sng" algn="ctr">
-                      <a:solidFill>
-                        <a:schemeClr val="tx1"/>
-                      </a:solidFill>
-                      <a:prstDash val="solid"/>
-                      <a:round/>
-                      <a:headEnd type="none" w="med" len="med"/>
-                      <a:tailEnd type="none" w="med" len="med"/>
-                    </a:lnR>
-                    <a:lnT w="12700" cap="flat" cmpd="sng" algn="ctr">
-                      <a:solidFill>
-                        <a:schemeClr val="tx1"/>
-                      </a:solidFill>
-                      <a:prstDash val="solid"/>
-                      <a:round/>
-                      <a:headEnd type="none" w="med" len="med"/>
-                      <a:tailEnd type="none" w="med" len="med"/>
-                    </a:lnT>
-                    <a:lnB w="12700" cap="flat" cmpd="sng" algn="ctr">
-                      <a:solidFill>
-                        <a:schemeClr val="tx1"/>
-                      </a:solidFill>
-                      <a:prstDash val="solid"/>
-                      <a:round/>
-                      <a:headEnd type="none" w="med" len="med"/>
-                      <a:tailEnd type="none" w="med" len="med"/>
-                    </a:lnB>
-                    <a:lnTlToBr w="12700" cmpd="sng">
-                      <a:noFill/>
-                      <a:prstDash val="solid"/>
-                    </a:lnTlToBr>
-                    <a:lnBlToTr w="12700" cmpd="sng">
-                      <a:noFill/>
-                      <a:prstDash val="solid"/>
-                    </a:lnBlToTr>
-                    <a:solidFill>
-                      <a:schemeClr val="tx1">
-                        <a:lumMod val="50000"/>
-                      </a:schemeClr>
-                    </a:solidFill>
-                  </a:tcPr>
-                </a:tc>
-                <a:tc hMerge="1">
-                  <a:txBody>
-                    <a:bodyPr/>
-                    <a:lstStyle/>
-                    <a:p>
-                      <a:endParaRPr lang="en-US" dirty="0"/>
-                    </a:p>
-                  </a:txBody>
-                  <a:tcPr>
-                    <a:lnL w="12700" cap="flat" cmpd="sng" algn="ctr">
-                      <a:solidFill>
-                        <a:schemeClr val="tx1"/>
-                      </a:solidFill>
-                      <a:prstDash val="solid"/>
-                      <a:round/>
-                      <a:headEnd type="none" w="med" len="med"/>
-                      <a:tailEnd type="none" w="med" len="med"/>
-                    </a:lnL>
-                    <a:lnR w="12700" cap="flat" cmpd="sng" algn="ctr">
-                      <a:solidFill>
-                        <a:schemeClr val="tx1"/>
-                      </a:solidFill>
-                      <a:prstDash val="solid"/>
-                      <a:round/>
-                      <a:headEnd type="none" w="med" len="med"/>
-                      <a:tailEnd type="none" w="med" len="med"/>
-                    </a:lnR>
-                    <a:lnT w="12700" cap="flat" cmpd="sng" algn="ctr">
-                      <a:solidFill>
-                        <a:schemeClr val="tx1"/>
-                      </a:solidFill>
-                      <a:prstDash val="solid"/>
-                      <a:round/>
-                      <a:headEnd type="none" w="med" len="med"/>
-                      <a:tailEnd type="none" w="med" len="med"/>
-                    </a:lnT>
-                    <a:lnB w="12700" cap="flat" cmpd="sng" algn="ctr">
-                      <a:solidFill>
-                        <a:schemeClr val="tx1"/>
-                      </a:solidFill>
-                      <a:prstDash val="solid"/>
-                      <a:round/>
-                      <a:headEnd type="none" w="med" len="med"/>
-                      <a:tailEnd type="none" w="med" len="med"/>
-                    </a:lnB>
-                    <a:lnTlToBr w="12700" cmpd="sng">
-                      <a:noFill/>
-                      <a:prstDash val="solid"/>
-                    </a:lnTlToBr>
-                    <a:lnBlToTr w="12700" cmpd="sng">
-                      <a:noFill/>
-                      <a:prstDash val="solid"/>
-                    </a:lnBlToTr>
-                    <a:solidFill>
-                      <a:schemeClr val="tx1">
-                        <a:lumMod val="50000"/>
-                      </a:schemeClr>
-                    </a:solidFill>
-                  </a:tcPr>
-                </a:tc>
-                <a:extLst>
-                  <a:ext uri="{0D108BD9-81ED-4DB2-BD59-A6C34878D82A}">
-                    <a16:rowId xmlns:a16="http://schemas.microsoft.com/office/drawing/2014/main" xmlns="" val="10001"/>
-                  </a:ext>
-                </a:extLst>
-              </a:tr>
-              <a:tr h="370840">
-                <a:tc>
-                  <a:txBody>
-                    <a:bodyPr/>
-                    <a:lstStyle/>
-                    <a:p>
-                      <a:pPr marL="0" algn="l" defTabSz="914400" rtl="0" eaLnBrk="1" latinLnBrk="0" hangingPunct="1"/>
-                      <a:r>
-                        <a:rPr lang="en-US" sz="1800" kern="1200" dirty="0">
-                          <a:solidFill>
-                            <a:schemeClr val="dk1"/>
-                          </a:solidFill>
-                          <a:latin typeface="+mn-lt"/>
-                          <a:ea typeface="+mn-ea"/>
-                          <a:cs typeface="+mn-cs"/>
-                        </a:rPr>
-                        <a:t>Position</a:t>
-                      </a:r>
-                    </a:p>
-                  </a:txBody>
-                  <a:tcPr>
-                    <a:lnL w="12700" cap="flat" cmpd="sng" algn="ctr">
-                      <a:solidFill>
-                        <a:schemeClr val="tx1"/>
-                      </a:solidFill>
-                      <a:prstDash val="solid"/>
-                      <a:round/>
-                      <a:headEnd type="none" w="med" len="med"/>
-                      <a:tailEnd type="none" w="med" len="med"/>
-                    </a:lnL>
-                    <a:lnR w="12700" cap="flat" cmpd="sng" algn="ctr">
-                      <a:solidFill>
-                        <a:schemeClr val="tx1"/>
-                      </a:solidFill>
-                      <a:prstDash val="solid"/>
-                      <a:round/>
-                      <a:headEnd type="none" w="med" len="med"/>
-                      <a:tailEnd type="none" w="med" len="med"/>
-                    </a:lnR>
-                    <a:lnT w="12700" cap="flat" cmpd="sng" algn="ctr">
-                      <a:solidFill>
-                        <a:schemeClr val="tx1"/>
-                      </a:solidFill>
-                      <a:prstDash val="solid"/>
-                      <a:round/>
-                      <a:headEnd type="none" w="med" len="med"/>
-                      <a:tailEnd type="none" w="med" len="med"/>
-                    </a:lnT>
-                    <a:lnB w="12700" cap="flat" cmpd="sng" algn="ctr">
-                      <a:solidFill>
-                        <a:schemeClr val="tx1"/>
-                      </a:solidFill>
-                      <a:prstDash val="solid"/>
-                      <a:round/>
-                      <a:headEnd type="none" w="med" len="med"/>
-                      <a:tailEnd type="none" w="med" len="med"/>
-                    </a:lnB>
-                    <a:lnTlToBr w="12700" cmpd="sng">
-                      <a:noFill/>
-                      <a:prstDash val="solid"/>
-                    </a:lnTlToBr>
-                    <a:lnBlToTr w="12700" cmpd="sng">
-                      <a:noFill/>
-                      <a:prstDash val="solid"/>
-                    </a:lnBlToTr>
-                    <a:solidFill>
-                      <a:schemeClr val="bg2">
-                        <a:lumMod val="60000"/>
-                        <a:lumOff val="40000"/>
-                      </a:schemeClr>
-                    </a:solidFill>
-                  </a:tcPr>
-                </a:tc>
-                <a:tc>
-                  <a:txBody>
-                    <a:bodyPr/>
-                    <a:lstStyle/>
-                    <a:p>
-                      <a:pPr marL="0" algn="l" defTabSz="914400" rtl="0" eaLnBrk="1" latinLnBrk="0" hangingPunct="1"/>
-                      <a:r>
-                        <a:rPr lang="en-US" sz="1800" kern="1200" dirty="0">
-                          <a:solidFill>
-                            <a:schemeClr val="dk1"/>
-                          </a:solidFill>
-                          <a:latin typeface="+mn-lt"/>
-                          <a:ea typeface="+mn-ea"/>
-                          <a:cs typeface="+mn-cs"/>
-                        </a:rPr>
-                        <a:t>Step</a:t>
-                      </a:r>
-                    </a:p>
-                  </a:txBody>
-                  <a:tcPr>
-                    <a:lnL w="12700" cap="flat" cmpd="sng" algn="ctr">
-                      <a:solidFill>
-                        <a:schemeClr val="tx1"/>
-                      </a:solidFill>
-                      <a:prstDash val="solid"/>
-                      <a:round/>
-                      <a:headEnd type="none" w="med" len="med"/>
-                      <a:tailEnd type="none" w="med" len="med"/>
-                    </a:lnL>
-                    <a:lnR w="12700" cap="flat" cmpd="sng" algn="ctr">
-                      <a:solidFill>
-                        <a:schemeClr val="tx1"/>
-                      </a:solidFill>
-                      <a:prstDash val="solid"/>
-                      <a:round/>
-                      <a:headEnd type="none" w="med" len="med"/>
-                      <a:tailEnd type="none" w="med" len="med"/>
-                    </a:lnR>
-                    <a:lnT w="12700" cap="flat" cmpd="sng" algn="ctr">
-                      <a:solidFill>
-                        <a:schemeClr val="tx1"/>
-                      </a:solidFill>
-                      <a:prstDash val="solid"/>
-                      <a:round/>
-                      <a:headEnd type="none" w="med" len="med"/>
-                      <a:tailEnd type="none" w="med" len="med"/>
-                    </a:lnT>
-                    <a:lnB w="12700" cap="flat" cmpd="sng" algn="ctr">
-                      <a:solidFill>
-                        <a:schemeClr val="tx1"/>
-                      </a:solidFill>
-                      <a:prstDash val="solid"/>
-                      <a:round/>
-                      <a:headEnd type="none" w="med" len="med"/>
-                      <a:tailEnd type="none" w="med" len="med"/>
-                    </a:lnB>
-                    <a:lnTlToBr w="12700" cmpd="sng">
-                      <a:noFill/>
-                      <a:prstDash val="solid"/>
-                    </a:lnTlToBr>
-                    <a:lnBlToTr w="12700" cmpd="sng">
-                      <a:noFill/>
-                      <a:prstDash val="solid"/>
-                    </a:lnBlToTr>
-                    <a:solidFill>
-                      <a:schemeClr val="accent2">
-                        <a:lumMod val="60000"/>
-                        <a:lumOff val="40000"/>
-                      </a:schemeClr>
-                    </a:solidFill>
-                  </a:tcPr>
-                </a:tc>
-                <a:tc>
-                  <a:txBody>
-                    <a:bodyPr/>
-                    <a:lstStyle/>
-                    <a:p>
-                      <a:pPr marL="0" algn="l" defTabSz="914400" rtl="0" eaLnBrk="1" latinLnBrk="0" hangingPunct="1"/>
-                      <a:r>
-                        <a:rPr lang="en-US" sz="1800" kern="1200" dirty="0">
-                          <a:solidFill>
-                            <a:schemeClr val="dk1"/>
-                          </a:solidFill>
-                          <a:latin typeface="+mn-lt"/>
-                          <a:ea typeface="+mn-ea"/>
-                          <a:cs typeface="+mn-cs"/>
-                        </a:rPr>
-                        <a:t>StepCount</a:t>
-                      </a:r>
-                    </a:p>
-                  </a:txBody>
-                  <a:tcPr>
-                    <a:lnL w="12700" cap="flat" cmpd="sng" algn="ctr">
-                      <a:solidFill>
-                        <a:schemeClr val="tx1"/>
-                      </a:solidFill>
-                      <a:prstDash val="solid"/>
-                      <a:round/>
-                      <a:headEnd type="none" w="med" len="med"/>
-                      <a:tailEnd type="none" w="med" len="med"/>
-                    </a:lnL>
-                    <a:lnR w="12700" cap="flat" cmpd="sng" algn="ctr">
-                      <a:solidFill>
-                        <a:schemeClr val="tx1"/>
-                      </a:solidFill>
-                      <a:prstDash val="solid"/>
-                      <a:round/>
-                      <a:headEnd type="none" w="med" len="med"/>
-                      <a:tailEnd type="none" w="med" len="med"/>
-                    </a:lnR>
-                    <a:lnT w="12700" cap="flat" cmpd="sng" algn="ctr">
-                      <a:solidFill>
-                        <a:schemeClr val="tx1"/>
-                      </a:solidFill>
-                      <a:prstDash val="solid"/>
-                      <a:round/>
-                      <a:headEnd type="none" w="med" len="med"/>
-                      <a:tailEnd type="none" w="med" len="med"/>
-                    </a:lnT>
-                    <a:lnB w="12700" cap="flat" cmpd="sng" algn="ctr">
-                      <a:solidFill>
-                        <a:schemeClr val="tx1"/>
-                      </a:solidFill>
-                      <a:prstDash val="solid"/>
-                      <a:round/>
-                      <a:headEnd type="none" w="med" len="med"/>
-                      <a:tailEnd type="none" w="med" len="med"/>
-                    </a:lnB>
-                    <a:lnTlToBr w="12700" cmpd="sng">
-                      <a:noFill/>
-                      <a:prstDash val="solid"/>
-                    </a:lnTlToBr>
-                    <a:lnBlToTr w="12700" cmpd="sng">
-                      <a:noFill/>
-                      <a:prstDash val="solid"/>
-                    </a:lnBlToTr>
-                    <a:solidFill>
-                      <a:schemeClr val="accent4">
-                        <a:lumMod val="60000"/>
-                        <a:lumOff val="40000"/>
-                      </a:schemeClr>
-                    </a:solidFill>
-                  </a:tcPr>
-                </a:tc>
-                <a:tc>
-                  <a:txBody>
-                    <a:bodyPr/>
-                    <a:lstStyle/>
-                    <a:p>
-                      <a:pPr marL="0" algn="l" defTabSz="914400" rtl="0" eaLnBrk="1" latinLnBrk="0" hangingPunct="1"/>
-                      <a:r>
-                        <a:rPr lang="en-US" sz="1800" kern="1200" dirty="0">
-                          <a:solidFill>
-                            <a:schemeClr val="dk1"/>
-                          </a:solidFill>
-                          <a:latin typeface="+mn-lt"/>
-                          <a:ea typeface="+mn-ea"/>
-                          <a:cs typeface="+mn-cs"/>
-                        </a:rPr>
-                        <a:t>Position</a:t>
-                      </a:r>
-                    </a:p>
-                  </a:txBody>
-                  <a:tcPr>
-                    <a:lnL w="12700" cap="flat" cmpd="sng" algn="ctr">
-                      <a:solidFill>
-                        <a:schemeClr val="tx1"/>
-                      </a:solidFill>
-                      <a:prstDash val="solid"/>
-                      <a:round/>
-                      <a:headEnd type="none" w="med" len="med"/>
-                      <a:tailEnd type="none" w="med" len="med"/>
-                    </a:lnL>
-                    <a:lnR w="12700" cap="flat" cmpd="sng" algn="ctr">
-                      <a:solidFill>
-                        <a:schemeClr val="tx1"/>
-                      </a:solidFill>
-                      <a:prstDash val="solid"/>
-                      <a:round/>
-                      <a:headEnd type="none" w="med" len="med"/>
-                      <a:tailEnd type="none" w="med" len="med"/>
-                    </a:lnR>
-                    <a:lnT w="12700" cap="flat" cmpd="sng" algn="ctr">
-                      <a:solidFill>
-                        <a:schemeClr val="tx1"/>
-                      </a:solidFill>
-                      <a:prstDash val="solid"/>
-                      <a:round/>
-                      <a:headEnd type="none" w="med" len="med"/>
-                      <a:tailEnd type="none" w="med" len="med"/>
-                    </a:lnT>
-                    <a:lnB w="12700" cap="flat" cmpd="sng" algn="ctr">
-                      <a:solidFill>
-                        <a:schemeClr val="tx1"/>
-                      </a:solidFill>
-                      <a:prstDash val="solid"/>
-                      <a:round/>
-                      <a:headEnd type="none" w="med" len="med"/>
-                      <a:tailEnd type="none" w="med" len="med"/>
-                    </a:lnB>
-                    <a:lnTlToBr w="12700" cmpd="sng">
-                      <a:noFill/>
-                      <a:prstDash val="solid"/>
-                    </a:lnTlToBr>
-                    <a:lnBlToTr w="12700" cmpd="sng">
-                      <a:noFill/>
-                      <a:prstDash val="solid"/>
-                    </a:lnBlToTr>
-                    <a:solidFill>
-                      <a:schemeClr val="bg2">
-                        <a:lumMod val="60000"/>
-                        <a:lumOff val="40000"/>
-                      </a:schemeClr>
-                    </a:solidFill>
-                  </a:tcPr>
-                </a:tc>
-                <a:tc>
-                  <a:txBody>
-                    <a:bodyPr/>
-                    <a:lstStyle/>
-                    <a:p>
-                      <a:pPr marL="0" algn="l" defTabSz="914400" rtl="0" eaLnBrk="1" latinLnBrk="0" hangingPunct="1"/>
-                      <a:r>
-                        <a:rPr lang="en-US" sz="1800" kern="1200" dirty="0">
-                          <a:solidFill>
-                            <a:schemeClr val="dk1"/>
-                          </a:solidFill>
-                          <a:latin typeface="+mn-lt"/>
-                          <a:ea typeface="+mn-ea"/>
-                          <a:cs typeface="+mn-cs"/>
-                        </a:rPr>
-                        <a:t>Step</a:t>
-                      </a:r>
-                    </a:p>
-                  </a:txBody>
-                  <a:tcPr>
-                    <a:lnL w="12700" cap="flat" cmpd="sng" algn="ctr">
-                      <a:solidFill>
-                        <a:schemeClr val="tx1"/>
-                      </a:solidFill>
-                      <a:prstDash val="solid"/>
-                      <a:round/>
-                      <a:headEnd type="none" w="med" len="med"/>
-                      <a:tailEnd type="none" w="med" len="med"/>
-                    </a:lnL>
-                    <a:lnR w="12700" cap="flat" cmpd="sng" algn="ctr">
-                      <a:solidFill>
-                        <a:schemeClr val="tx1"/>
-                      </a:solidFill>
-                      <a:prstDash val="solid"/>
-                      <a:round/>
-                      <a:headEnd type="none" w="med" len="med"/>
-                      <a:tailEnd type="none" w="med" len="med"/>
-                    </a:lnR>
-                    <a:lnT w="12700" cap="flat" cmpd="sng" algn="ctr">
-                      <a:solidFill>
-                        <a:schemeClr val="tx1"/>
-                      </a:solidFill>
-                      <a:prstDash val="solid"/>
-                      <a:round/>
-                      <a:headEnd type="none" w="med" len="med"/>
-                      <a:tailEnd type="none" w="med" len="med"/>
-                    </a:lnT>
-                    <a:lnB w="12700" cap="flat" cmpd="sng" algn="ctr">
-                      <a:solidFill>
-                        <a:schemeClr val="tx1"/>
-                      </a:solidFill>
-                      <a:prstDash val="solid"/>
-                      <a:round/>
-                      <a:headEnd type="none" w="med" len="med"/>
-                      <a:tailEnd type="none" w="med" len="med"/>
-                    </a:lnB>
-                    <a:lnTlToBr w="12700" cmpd="sng">
-                      <a:noFill/>
-                      <a:prstDash val="solid"/>
-                    </a:lnTlToBr>
-                    <a:lnBlToTr w="12700" cmpd="sng">
-                      <a:noFill/>
-                      <a:prstDash val="solid"/>
-                    </a:lnBlToTr>
-                    <a:solidFill>
-                      <a:schemeClr val="accent2">
-                        <a:lumMod val="60000"/>
-                        <a:lumOff val="40000"/>
-                      </a:schemeClr>
-                    </a:solidFill>
-                  </a:tcPr>
-                </a:tc>
-                <a:tc>
-                  <a:txBody>
-                    <a:bodyPr/>
-                    <a:lstStyle/>
-                    <a:p>
-                      <a:pPr marL="0" algn="l" defTabSz="914400" rtl="0" eaLnBrk="1" latinLnBrk="0" hangingPunct="1"/>
-                      <a:r>
-                        <a:rPr lang="en-US" sz="1800" kern="1200" dirty="0">
-                          <a:solidFill>
-                            <a:schemeClr val="dk1"/>
-                          </a:solidFill>
-                          <a:latin typeface="+mn-lt"/>
-                          <a:ea typeface="+mn-ea"/>
-                          <a:cs typeface="+mn-cs"/>
-                        </a:rPr>
-                        <a:t>StepCount</a:t>
-                      </a:r>
-                    </a:p>
-                  </a:txBody>
-                  <a:tcPr>
-                    <a:lnL w="12700" cap="flat" cmpd="sng" algn="ctr">
-                      <a:solidFill>
-                        <a:schemeClr val="tx1"/>
-                      </a:solidFill>
-                      <a:prstDash val="solid"/>
-                      <a:round/>
-                      <a:headEnd type="none" w="med" len="med"/>
-                      <a:tailEnd type="none" w="med" len="med"/>
-                    </a:lnL>
-                    <a:lnR w="12700" cap="flat" cmpd="sng" algn="ctr">
-                      <a:solidFill>
-                        <a:schemeClr val="tx1"/>
-                      </a:solidFill>
-                      <a:prstDash val="solid"/>
-                      <a:round/>
-                      <a:headEnd type="none" w="med" len="med"/>
-                      <a:tailEnd type="none" w="med" len="med"/>
-                    </a:lnR>
-                    <a:lnT w="12700" cap="flat" cmpd="sng" algn="ctr">
-                      <a:solidFill>
-                        <a:schemeClr val="tx1"/>
-                      </a:solidFill>
-                      <a:prstDash val="solid"/>
-                      <a:round/>
-                      <a:headEnd type="none" w="med" len="med"/>
-                      <a:tailEnd type="none" w="med" len="med"/>
-                    </a:lnT>
-                    <a:lnB w="12700" cap="flat" cmpd="sng" algn="ctr">
-                      <a:solidFill>
-                        <a:schemeClr val="tx1"/>
-                      </a:solidFill>
-                      <a:prstDash val="solid"/>
-                      <a:round/>
-                      <a:headEnd type="none" w="med" len="med"/>
-                      <a:tailEnd type="none" w="med" len="med"/>
-                    </a:lnB>
-                    <a:lnTlToBr w="12700" cmpd="sng">
-                      <a:noFill/>
-                      <a:prstDash val="solid"/>
-                    </a:lnTlToBr>
-                    <a:lnBlToTr w="12700" cmpd="sng">
-                      <a:noFill/>
-                      <a:prstDash val="solid"/>
-                    </a:lnBlToTr>
-                    <a:solidFill>
-                      <a:schemeClr val="accent4">
-                        <a:lumMod val="60000"/>
-                        <a:lumOff val="40000"/>
-                      </a:schemeClr>
-                    </a:solidFill>
-                  </a:tcPr>
-                </a:tc>
-                <a:tc>
-                  <a:txBody>
-                    <a:bodyPr/>
-                    <a:lstStyle/>
-                    <a:p>
-                      <a:r>
-                        <a:rPr lang="en-US" dirty="0"/>
-                        <a:t>Position</a:t>
-                      </a:r>
-                    </a:p>
-                  </a:txBody>
-                  <a:tcPr>
-                    <a:lnL w="12700" cap="flat" cmpd="sng" algn="ctr">
-                      <a:solidFill>
-                        <a:schemeClr val="tx1"/>
-                      </a:solidFill>
-                      <a:prstDash val="solid"/>
-                      <a:round/>
-                      <a:headEnd type="none" w="med" len="med"/>
-                      <a:tailEnd type="none" w="med" len="med"/>
-                    </a:lnL>
-                    <a:lnR w="12700" cap="flat" cmpd="sng" algn="ctr">
-                      <a:solidFill>
-                        <a:schemeClr val="tx1"/>
-                      </a:solidFill>
-                      <a:prstDash val="solid"/>
-                      <a:round/>
-                      <a:headEnd type="none" w="med" len="med"/>
-                      <a:tailEnd type="none" w="med" len="med"/>
-                    </a:lnR>
-                    <a:lnT w="12700" cap="flat" cmpd="sng" algn="ctr">
-                      <a:solidFill>
-                        <a:schemeClr val="tx1"/>
-                      </a:solidFill>
-                      <a:prstDash val="solid"/>
-                      <a:round/>
-                      <a:headEnd type="none" w="med" len="med"/>
-                      <a:tailEnd type="none" w="med" len="med"/>
-                    </a:lnT>
-                    <a:lnB w="12700" cap="flat" cmpd="sng" algn="ctr">
-                      <a:solidFill>
-                        <a:schemeClr val="tx1"/>
-                      </a:solidFill>
-                      <a:prstDash val="solid"/>
-                      <a:round/>
-                      <a:headEnd type="none" w="med" len="med"/>
-                      <a:tailEnd type="none" w="med" len="med"/>
-                    </a:lnB>
-                    <a:lnTlToBr w="12700" cmpd="sng">
-                      <a:noFill/>
-                      <a:prstDash val="solid"/>
-                    </a:lnTlToBr>
-                    <a:lnBlToTr w="12700" cmpd="sng">
-                      <a:noFill/>
-                      <a:prstDash val="solid"/>
-                    </a:lnBlToTr>
-                    <a:solidFill>
-                      <a:schemeClr val="bg2">
-                        <a:lumMod val="60000"/>
-                        <a:lumOff val="40000"/>
-                      </a:schemeClr>
-                    </a:solidFill>
-                  </a:tcPr>
-                </a:tc>
-                <a:tc>
-                  <a:txBody>
-                    <a:bodyPr/>
-                    <a:lstStyle/>
-                    <a:p>
-                      <a:r>
-                        <a:rPr lang="en-US" sz="1800" kern="1200" dirty="0">
-                          <a:solidFill>
-                            <a:schemeClr val="dk1"/>
-                          </a:solidFill>
-                          <a:latin typeface="+mn-lt"/>
-                          <a:ea typeface="+mn-ea"/>
-                          <a:cs typeface="+mn-cs"/>
-                        </a:rPr>
-                        <a:t>Step</a:t>
-                      </a:r>
-                      <a:endParaRPr lang="en-US" dirty="0"/>
-                    </a:p>
-                  </a:txBody>
-                  <a:tcPr>
-                    <a:lnL w="12700" cap="flat" cmpd="sng" algn="ctr">
-                      <a:solidFill>
-                        <a:schemeClr val="tx1"/>
-                      </a:solidFill>
-                      <a:prstDash val="solid"/>
-                      <a:round/>
-                      <a:headEnd type="none" w="med" len="med"/>
-                      <a:tailEnd type="none" w="med" len="med"/>
-                    </a:lnL>
-                    <a:lnR w="12700" cap="flat" cmpd="sng" algn="ctr">
-                      <a:solidFill>
-                        <a:schemeClr val="tx1"/>
-                      </a:solidFill>
-                      <a:prstDash val="solid"/>
-                      <a:round/>
-                      <a:headEnd type="none" w="med" len="med"/>
-                      <a:tailEnd type="none" w="med" len="med"/>
-                    </a:lnR>
-                    <a:lnT w="12700" cap="flat" cmpd="sng" algn="ctr">
-                      <a:solidFill>
-                        <a:schemeClr val="tx1"/>
-                      </a:solidFill>
-                      <a:prstDash val="solid"/>
-                      <a:round/>
-                      <a:headEnd type="none" w="med" len="med"/>
-                      <a:tailEnd type="none" w="med" len="med"/>
-                    </a:lnT>
-                    <a:lnB w="12700" cap="flat" cmpd="sng" algn="ctr">
-                      <a:solidFill>
-                        <a:schemeClr val="tx1"/>
-                      </a:solidFill>
-                      <a:prstDash val="solid"/>
-                      <a:round/>
-                      <a:headEnd type="none" w="med" len="med"/>
-                      <a:tailEnd type="none" w="med" len="med"/>
-                    </a:lnB>
-                    <a:lnTlToBr w="12700" cmpd="sng">
-                      <a:noFill/>
-                      <a:prstDash val="solid"/>
-                    </a:lnTlToBr>
-                    <a:lnBlToTr w="12700" cmpd="sng">
-                      <a:noFill/>
-                      <a:prstDash val="solid"/>
-                    </a:lnBlToTr>
-                    <a:solidFill>
-                      <a:schemeClr val="accent2">
-                        <a:lumMod val="60000"/>
-                        <a:lumOff val="40000"/>
-                      </a:schemeClr>
-                    </a:solidFill>
-                  </a:tcPr>
-                </a:tc>
-                <a:tc>
-                  <a:txBody>
-                    <a:bodyPr/>
-                    <a:lstStyle/>
-                    <a:p>
-                      <a:r>
-                        <a:rPr lang="en-US" dirty="0"/>
-                        <a:t>StepCount</a:t>
-                      </a:r>
-                    </a:p>
-                  </a:txBody>
-                  <a:tcPr>
-                    <a:lnL w="12700" cap="flat" cmpd="sng" algn="ctr">
-                      <a:solidFill>
-                        <a:schemeClr val="tx1"/>
-                      </a:solidFill>
-                      <a:prstDash val="solid"/>
-                      <a:round/>
-                      <a:headEnd type="none" w="med" len="med"/>
-                      <a:tailEnd type="none" w="med" len="med"/>
-                    </a:lnL>
-                    <a:lnR w="12700" cap="flat" cmpd="sng" algn="ctr">
-                      <a:solidFill>
-                        <a:schemeClr val="tx1"/>
-                      </a:solidFill>
-                      <a:prstDash val="solid"/>
-                      <a:round/>
-                      <a:headEnd type="none" w="med" len="med"/>
-                      <a:tailEnd type="none" w="med" len="med"/>
-                    </a:lnR>
-                    <a:lnT w="12700" cap="flat" cmpd="sng" algn="ctr">
-                      <a:solidFill>
-                        <a:schemeClr val="tx1"/>
-                      </a:solidFill>
-                      <a:prstDash val="solid"/>
-                      <a:round/>
-                      <a:headEnd type="none" w="med" len="med"/>
-                      <a:tailEnd type="none" w="med" len="med"/>
-                    </a:lnT>
-                    <a:lnB w="12700" cap="flat" cmpd="sng" algn="ctr">
-                      <a:solidFill>
-                        <a:schemeClr val="tx1"/>
-                      </a:solidFill>
-                      <a:prstDash val="solid"/>
-                      <a:round/>
-                      <a:headEnd type="none" w="med" len="med"/>
-                      <a:tailEnd type="none" w="med" len="med"/>
-                    </a:lnB>
-                    <a:lnTlToBr w="12700" cmpd="sng">
-                      <a:noFill/>
-                      <a:prstDash val="solid"/>
-                    </a:lnTlToBr>
-                    <a:lnBlToTr w="12700" cmpd="sng">
-                      <a:noFill/>
-                      <a:prstDash val="solid"/>
-                    </a:lnBlToTr>
-                    <a:solidFill>
-                      <a:schemeClr val="accent4">
-                        <a:lumMod val="60000"/>
-                        <a:lumOff val="40000"/>
-                      </a:schemeClr>
-                    </a:solidFill>
-                  </a:tcPr>
-                </a:tc>
-                <a:extLst>
-                  <a:ext uri="{0D108BD9-81ED-4DB2-BD59-A6C34878D82A}">
-                    <a16:rowId xmlns:a16="http://schemas.microsoft.com/office/drawing/2014/main" xmlns="" val="10002"/>
-                  </a:ext>
-                </a:extLst>
-              </a:tr>
-              <a:tr h="370840">
-                <a:tc>
-                  <a:txBody>
-                    <a:bodyPr/>
-                    <a:lstStyle/>
-                    <a:p>
-                      <a:r>
-                        <a:rPr lang="en-US" dirty="0"/>
-                        <a:t>8bytes</a:t>
-                      </a:r>
-                    </a:p>
-                  </a:txBody>
-                  <a:tcPr>
-                    <a:lnL w="12700" cap="flat" cmpd="sng" algn="ctr">
-                      <a:solidFill>
-                        <a:schemeClr val="tx1"/>
-                      </a:solidFill>
-                      <a:prstDash val="solid"/>
-                      <a:round/>
-                      <a:headEnd type="none" w="med" len="med"/>
-                      <a:tailEnd type="none" w="med" len="med"/>
-                    </a:lnL>
-                    <a:lnR w="12700" cap="flat" cmpd="sng" algn="ctr">
-                      <a:solidFill>
-                        <a:schemeClr val="tx1"/>
-                      </a:solidFill>
-                      <a:prstDash val="solid"/>
-                      <a:round/>
-                      <a:headEnd type="none" w="med" len="med"/>
-                      <a:tailEnd type="none" w="med" len="med"/>
-                    </a:lnR>
-                    <a:lnT w="12700" cap="flat" cmpd="sng" algn="ctr">
-                      <a:solidFill>
-                        <a:schemeClr val="tx1"/>
-                      </a:solidFill>
-                      <a:prstDash val="solid"/>
-                      <a:round/>
-                      <a:headEnd type="none" w="med" len="med"/>
-                      <a:tailEnd type="none" w="med" len="med"/>
-                    </a:lnT>
-                    <a:lnB w="12700" cap="flat" cmpd="sng" algn="ctr">
-                      <a:solidFill>
-                        <a:schemeClr val="tx1"/>
-                      </a:solidFill>
-                      <a:prstDash val="solid"/>
-                      <a:round/>
-                      <a:headEnd type="none" w="med" len="med"/>
-                      <a:tailEnd type="none" w="med" len="med"/>
-                    </a:lnB>
-                    <a:lnTlToBr w="12700" cmpd="sng">
-                      <a:noFill/>
-                      <a:prstDash val="solid"/>
-                    </a:lnTlToBr>
-                    <a:lnBlToTr w="12700" cmpd="sng">
-                      <a:noFill/>
-                      <a:prstDash val="solid"/>
-                    </a:lnBlToTr>
-                    <a:solidFill>
-                      <a:schemeClr val="tx1">
-                        <a:lumMod val="50000"/>
-                      </a:schemeClr>
-                    </a:solidFill>
-                  </a:tcPr>
-                </a:tc>
-                <a:tc>
-                  <a:txBody>
-                    <a:bodyPr/>
-                    <a:lstStyle/>
-                    <a:p>
-                      <a:r>
-                        <a:rPr lang="en-US" dirty="0"/>
-                        <a:t>8bytes</a:t>
-                      </a:r>
-                    </a:p>
-                  </a:txBody>
-                  <a:tcPr>
-                    <a:lnL w="12700" cap="flat" cmpd="sng" algn="ctr">
-                      <a:solidFill>
-                        <a:schemeClr val="tx1"/>
-                      </a:solidFill>
-                      <a:prstDash val="solid"/>
-                      <a:round/>
-                      <a:headEnd type="none" w="med" len="med"/>
-                      <a:tailEnd type="none" w="med" len="med"/>
-                    </a:lnL>
-                    <a:lnR w="12700" cap="flat" cmpd="sng" algn="ctr">
-                      <a:solidFill>
-                        <a:schemeClr val="tx1"/>
-                      </a:solidFill>
-                      <a:prstDash val="solid"/>
-                      <a:round/>
-                      <a:headEnd type="none" w="med" len="med"/>
-                      <a:tailEnd type="none" w="med" len="med"/>
-                    </a:lnR>
-                    <a:lnT w="12700" cap="flat" cmpd="sng" algn="ctr">
-                      <a:solidFill>
-                        <a:schemeClr val="tx1"/>
-                      </a:solidFill>
-                      <a:prstDash val="solid"/>
-                      <a:round/>
-                      <a:headEnd type="none" w="med" len="med"/>
-                      <a:tailEnd type="none" w="med" len="med"/>
-                    </a:lnT>
-                    <a:lnB w="12700" cap="flat" cmpd="sng" algn="ctr">
-                      <a:solidFill>
-                        <a:schemeClr val="tx1"/>
-                      </a:solidFill>
-                      <a:prstDash val="solid"/>
-                      <a:round/>
-                      <a:headEnd type="none" w="med" len="med"/>
-                      <a:tailEnd type="none" w="med" len="med"/>
-                    </a:lnB>
-                    <a:lnTlToBr w="12700" cmpd="sng">
-                      <a:noFill/>
-                      <a:prstDash val="solid"/>
-                    </a:lnTlToBr>
-                    <a:lnBlToTr w="12700" cmpd="sng">
-                      <a:noFill/>
-                      <a:prstDash val="solid"/>
-                    </a:lnBlToTr>
-                    <a:solidFill>
-                      <a:schemeClr val="tx1">
-                        <a:lumMod val="50000"/>
-                      </a:schemeClr>
-                    </a:solidFill>
-                  </a:tcPr>
-                </a:tc>
-                <a:tc>
-                  <a:txBody>
-                    <a:bodyPr/>
-                    <a:lstStyle/>
-                    <a:p>
-                      <a:r>
-                        <a:rPr lang="en-US"/>
-                        <a:t>4bytes</a:t>
-                      </a:r>
-                      <a:endParaRPr lang="en-US" dirty="0"/>
-                    </a:p>
-                  </a:txBody>
-                  <a:tcPr>
-                    <a:lnL w="12700" cap="flat" cmpd="sng" algn="ctr">
-                      <a:solidFill>
-                        <a:schemeClr val="tx1"/>
-                      </a:solidFill>
-                      <a:prstDash val="solid"/>
-                      <a:round/>
-                      <a:headEnd type="none" w="med" len="med"/>
-                      <a:tailEnd type="none" w="med" len="med"/>
-                    </a:lnL>
-                    <a:lnR w="12700" cap="flat" cmpd="sng" algn="ctr">
-                      <a:solidFill>
-                        <a:schemeClr val="tx1"/>
-                      </a:solidFill>
-                      <a:prstDash val="solid"/>
-                      <a:round/>
-                      <a:headEnd type="none" w="med" len="med"/>
-                      <a:tailEnd type="none" w="med" len="med"/>
-                    </a:lnR>
-                    <a:lnT w="12700" cap="flat" cmpd="sng" algn="ctr">
-                      <a:solidFill>
-                        <a:schemeClr val="tx1"/>
-                      </a:solidFill>
-                      <a:prstDash val="solid"/>
-                      <a:round/>
-                      <a:headEnd type="none" w="med" len="med"/>
-                      <a:tailEnd type="none" w="med" len="med"/>
-                    </a:lnT>
-                    <a:lnB w="12700" cap="flat" cmpd="sng" algn="ctr">
-                      <a:solidFill>
-                        <a:schemeClr val="tx1"/>
-                      </a:solidFill>
-                      <a:prstDash val="solid"/>
-                      <a:round/>
-                      <a:headEnd type="none" w="med" len="med"/>
-                      <a:tailEnd type="none" w="med" len="med"/>
-                    </a:lnB>
-                    <a:lnTlToBr w="12700" cmpd="sng">
-                      <a:noFill/>
-                      <a:prstDash val="solid"/>
-                    </a:lnTlToBr>
-                    <a:lnBlToTr w="12700" cmpd="sng">
-                      <a:noFill/>
-                      <a:prstDash val="solid"/>
-                    </a:lnBlToTr>
-                    <a:solidFill>
-                      <a:schemeClr val="tx1">
-                        <a:lumMod val="50000"/>
-                      </a:schemeClr>
-                    </a:solidFill>
-                  </a:tcPr>
-                </a:tc>
-                <a:tc>
-                  <a:txBody>
-                    <a:bodyPr/>
-                    <a:lstStyle/>
-                    <a:p>
-                      <a:r>
-                        <a:rPr lang="en-US"/>
-                        <a:t>8bytes</a:t>
-                      </a:r>
-                      <a:endParaRPr lang="en-US" dirty="0"/>
-                    </a:p>
-                  </a:txBody>
-                  <a:tcPr>
-                    <a:lnL w="12700" cap="flat" cmpd="sng" algn="ctr">
-                      <a:solidFill>
-                        <a:schemeClr val="tx1"/>
-                      </a:solidFill>
-                      <a:prstDash val="solid"/>
-                      <a:round/>
-                      <a:headEnd type="none" w="med" len="med"/>
-                      <a:tailEnd type="none" w="med" len="med"/>
-                    </a:lnL>
-                    <a:lnR w="12700" cap="flat" cmpd="sng" algn="ctr">
-                      <a:solidFill>
-                        <a:schemeClr val="tx1"/>
-                      </a:solidFill>
-                      <a:prstDash val="solid"/>
-                      <a:round/>
-                      <a:headEnd type="none" w="med" len="med"/>
-                      <a:tailEnd type="none" w="med" len="med"/>
-                    </a:lnR>
-                    <a:lnT w="12700" cap="flat" cmpd="sng" algn="ctr">
-                      <a:solidFill>
-                        <a:schemeClr val="tx1"/>
-                      </a:solidFill>
-                      <a:prstDash val="solid"/>
-                      <a:round/>
-                      <a:headEnd type="none" w="med" len="med"/>
-                      <a:tailEnd type="none" w="med" len="med"/>
-                    </a:lnT>
-                    <a:lnB w="12700" cap="flat" cmpd="sng" algn="ctr">
-                      <a:solidFill>
-                        <a:schemeClr val="tx1"/>
-                      </a:solidFill>
-                      <a:prstDash val="solid"/>
-                      <a:round/>
-                      <a:headEnd type="none" w="med" len="med"/>
-                      <a:tailEnd type="none" w="med" len="med"/>
-                    </a:lnB>
-                    <a:lnTlToBr w="12700" cmpd="sng">
-                      <a:noFill/>
-                      <a:prstDash val="solid"/>
-                    </a:lnTlToBr>
-                    <a:lnBlToTr w="12700" cmpd="sng">
-                      <a:noFill/>
-                      <a:prstDash val="solid"/>
-                    </a:lnBlToTr>
-                    <a:solidFill>
-                      <a:schemeClr val="tx1">
-                        <a:lumMod val="50000"/>
-                      </a:schemeClr>
-                    </a:solidFill>
-                  </a:tcPr>
-                </a:tc>
-                <a:tc>
-                  <a:txBody>
-                    <a:bodyPr/>
-                    <a:lstStyle/>
-                    <a:p>
-                      <a:r>
-                        <a:rPr lang="en-US" dirty="0"/>
-                        <a:t>8bytes</a:t>
-                      </a:r>
-                    </a:p>
-                  </a:txBody>
-                  <a:tcPr>
-                    <a:lnL w="12700" cap="flat" cmpd="sng" algn="ctr">
-                      <a:solidFill>
-                        <a:schemeClr val="tx1"/>
-                      </a:solidFill>
-                      <a:prstDash val="solid"/>
-                      <a:round/>
-                      <a:headEnd type="none" w="med" len="med"/>
-                      <a:tailEnd type="none" w="med" len="med"/>
-                    </a:lnL>
-                    <a:lnR w="12700" cap="flat" cmpd="sng" algn="ctr">
-                      <a:solidFill>
-                        <a:schemeClr val="tx1"/>
-                      </a:solidFill>
-                      <a:prstDash val="solid"/>
-                      <a:round/>
-                      <a:headEnd type="none" w="med" len="med"/>
-                      <a:tailEnd type="none" w="med" len="med"/>
-                    </a:lnR>
-                    <a:lnT w="12700" cap="flat" cmpd="sng" algn="ctr">
-                      <a:solidFill>
-                        <a:schemeClr val="tx1"/>
-                      </a:solidFill>
-                      <a:prstDash val="solid"/>
-                      <a:round/>
-                      <a:headEnd type="none" w="med" len="med"/>
-                      <a:tailEnd type="none" w="med" len="med"/>
-                    </a:lnT>
-                    <a:lnB w="12700" cap="flat" cmpd="sng" algn="ctr">
-                      <a:solidFill>
-                        <a:schemeClr val="tx1"/>
-                      </a:solidFill>
-                      <a:prstDash val="solid"/>
-                      <a:round/>
-                      <a:headEnd type="none" w="med" len="med"/>
-                      <a:tailEnd type="none" w="med" len="med"/>
-                    </a:lnB>
-                    <a:lnTlToBr w="12700" cmpd="sng">
-                      <a:noFill/>
-                      <a:prstDash val="solid"/>
-                    </a:lnTlToBr>
-                    <a:lnBlToTr w="12700" cmpd="sng">
-                      <a:noFill/>
-                      <a:prstDash val="solid"/>
-                    </a:lnBlToTr>
-                    <a:solidFill>
-                      <a:schemeClr val="tx1">
-                        <a:lumMod val="50000"/>
-                      </a:schemeClr>
-                    </a:solidFill>
-                  </a:tcPr>
-                </a:tc>
-                <a:tc>
-                  <a:txBody>
-                    <a:bodyPr/>
-                    <a:lstStyle/>
-                    <a:p>
-                      <a:r>
-                        <a:rPr lang="en-US" dirty="0"/>
-                        <a:t>4bytes</a:t>
-                      </a:r>
-                    </a:p>
-                  </a:txBody>
-                  <a:tcPr>
-                    <a:lnL w="12700" cap="flat" cmpd="sng" algn="ctr">
-                      <a:solidFill>
-                        <a:schemeClr val="tx1"/>
-                      </a:solidFill>
-                      <a:prstDash val="solid"/>
-                      <a:round/>
-                      <a:headEnd type="none" w="med" len="med"/>
-                      <a:tailEnd type="none" w="med" len="med"/>
-                    </a:lnL>
-                    <a:lnR w="12700" cap="flat" cmpd="sng" algn="ctr">
-                      <a:solidFill>
-                        <a:schemeClr val="tx1"/>
-                      </a:solidFill>
-                      <a:prstDash val="solid"/>
-                      <a:round/>
-                      <a:headEnd type="none" w="med" len="med"/>
-                      <a:tailEnd type="none" w="med" len="med"/>
-                    </a:lnR>
-                    <a:lnT w="12700" cap="flat" cmpd="sng" algn="ctr">
-                      <a:solidFill>
-                        <a:schemeClr val="tx1"/>
-                      </a:solidFill>
-                      <a:prstDash val="solid"/>
-                      <a:round/>
-                      <a:headEnd type="none" w="med" len="med"/>
-                      <a:tailEnd type="none" w="med" len="med"/>
-                    </a:lnT>
-                    <a:lnB w="12700" cap="flat" cmpd="sng" algn="ctr">
-                      <a:solidFill>
-                        <a:schemeClr val="tx1"/>
-                      </a:solidFill>
-                      <a:prstDash val="solid"/>
-                      <a:round/>
-                      <a:headEnd type="none" w="med" len="med"/>
-                      <a:tailEnd type="none" w="med" len="med"/>
-                    </a:lnB>
-                    <a:lnTlToBr w="12700" cmpd="sng">
-                      <a:noFill/>
-                      <a:prstDash val="solid"/>
-                    </a:lnTlToBr>
-                    <a:lnBlToTr w="12700" cmpd="sng">
-                      <a:noFill/>
-                      <a:prstDash val="solid"/>
-                    </a:lnBlToTr>
-                    <a:solidFill>
-                      <a:schemeClr val="tx1">
-                        <a:lumMod val="50000"/>
-                      </a:schemeClr>
-                    </a:solidFill>
-                  </a:tcPr>
-                </a:tc>
-                <a:tc>
-                  <a:txBody>
-                    <a:bodyPr/>
-                    <a:lstStyle/>
-                    <a:p>
-                      <a:r>
-                        <a:rPr lang="en-US"/>
-                        <a:t>8bytes</a:t>
-                      </a:r>
-                      <a:endParaRPr lang="en-US" dirty="0"/>
-                    </a:p>
-                  </a:txBody>
-                  <a:tcPr>
-                    <a:lnL w="12700" cap="flat" cmpd="sng" algn="ctr">
-                      <a:solidFill>
-                        <a:schemeClr val="tx1"/>
-                      </a:solidFill>
-                      <a:prstDash val="solid"/>
-                      <a:round/>
-                      <a:headEnd type="none" w="med" len="med"/>
-                      <a:tailEnd type="none" w="med" len="med"/>
-                    </a:lnL>
-                    <a:lnR w="12700" cap="flat" cmpd="sng" algn="ctr">
-                      <a:solidFill>
-                        <a:schemeClr val="tx1"/>
-                      </a:solidFill>
-                      <a:prstDash val="solid"/>
-                      <a:round/>
-                      <a:headEnd type="none" w="med" len="med"/>
-                      <a:tailEnd type="none" w="med" len="med"/>
-                    </a:lnR>
-                    <a:lnT w="12700" cap="flat" cmpd="sng" algn="ctr">
-                      <a:solidFill>
-                        <a:schemeClr val="tx1"/>
-                      </a:solidFill>
-                      <a:prstDash val="solid"/>
-                      <a:round/>
-                      <a:headEnd type="none" w="med" len="med"/>
-                      <a:tailEnd type="none" w="med" len="med"/>
-                    </a:lnT>
-                    <a:lnB w="12700" cap="flat" cmpd="sng" algn="ctr">
-                      <a:solidFill>
-                        <a:schemeClr val="tx1"/>
-                      </a:solidFill>
-                      <a:prstDash val="solid"/>
-                      <a:round/>
-                      <a:headEnd type="none" w="med" len="med"/>
-                      <a:tailEnd type="none" w="med" len="med"/>
-                    </a:lnB>
-                    <a:lnTlToBr w="12700" cmpd="sng">
-                      <a:noFill/>
-                      <a:prstDash val="solid"/>
-                    </a:lnTlToBr>
-                    <a:lnBlToTr w="12700" cmpd="sng">
-                      <a:noFill/>
-                      <a:prstDash val="solid"/>
-                    </a:lnBlToTr>
-                    <a:solidFill>
-                      <a:schemeClr val="tx1">
-                        <a:lumMod val="50000"/>
-                      </a:schemeClr>
-                    </a:solidFill>
-                  </a:tcPr>
-                </a:tc>
-                <a:tc>
-                  <a:txBody>
-                    <a:bodyPr/>
-                    <a:lstStyle/>
-                    <a:p>
-                      <a:r>
-                        <a:rPr lang="en-US" dirty="0"/>
-                        <a:t>8bytes</a:t>
-                      </a:r>
-                    </a:p>
-                  </a:txBody>
-                  <a:tcPr>
-                    <a:lnL w="12700" cap="flat" cmpd="sng" algn="ctr">
-                      <a:solidFill>
-                        <a:schemeClr val="tx1"/>
-                      </a:solidFill>
-                      <a:prstDash val="solid"/>
-                      <a:round/>
-                      <a:headEnd type="none" w="med" len="med"/>
-                      <a:tailEnd type="none" w="med" len="med"/>
-                    </a:lnL>
-                    <a:lnR w="12700" cap="flat" cmpd="sng" algn="ctr">
-                      <a:solidFill>
-                        <a:schemeClr val="tx1"/>
-                      </a:solidFill>
-                      <a:prstDash val="solid"/>
-                      <a:round/>
-                      <a:headEnd type="none" w="med" len="med"/>
-                      <a:tailEnd type="none" w="med" len="med"/>
-                    </a:lnR>
-                    <a:lnT w="12700" cap="flat" cmpd="sng" algn="ctr">
-                      <a:solidFill>
-                        <a:schemeClr val="tx1"/>
-                      </a:solidFill>
-                      <a:prstDash val="solid"/>
-                      <a:round/>
-                      <a:headEnd type="none" w="med" len="med"/>
-                      <a:tailEnd type="none" w="med" len="med"/>
-                    </a:lnT>
-                    <a:lnB w="12700" cap="flat" cmpd="sng" algn="ctr">
-                      <a:solidFill>
-                        <a:schemeClr val="tx1"/>
-                      </a:solidFill>
-                      <a:prstDash val="solid"/>
-                      <a:round/>
-                      <a:headEnd type="none" w="med" len="med"/>
-                      <a:tailEnd type="none" w="med" len="med"/>
-                    </a:lnB>
-                    <a:lnTlToBr w="12700" cmpd="sng">
-                      <a:noFill/>
-                      <a:prstDash val="solid"/>
-                    </a:lnTlToBr>
-                    <a:lnBlToTr w="12700" cmpd="sng">
-                      <a:noFill/>
-                      <a:prstDash val="solid"/>
-                    </a:lnBlToTr>
-                    <a:solidFill>
-                      <a:schemeClr val="tx1">
-                        <a:lumMod val="50000"/>
-                      </a:schemeClr>
-                    </a:solidFill>
-                  </a:tcPr>
-                </a:tc>
-                <a:tc>
-                  <a:txBody>
-                    <a:bodyPr/>
-                    <a:lstStyle/>
-                    <a:p>
-                      <a:r>
-                        <a:rPr lang="en-US" dirty="0"/>
-                        <a:t>4bytes</a:t>
-                      </a:r>
-                    </a:p>
-                  </a:txBody>
-                  <a:tcPr>
-                    <a:lnL w="12700" cap="flat" cmpd="sng" algn="ctr">
-                      <a:solidFill>
-                        <a:schemeClr val="tx1"/>
-                      </a:solidFill>
-                      <a:prstDash val="solid"/>
-                      <a:round/>
-                      <a:headEnd type="none" w="med" len="med"/>
-                      <a:tailEnd type="none" w="med" len="med"/>
-                    </a:lnL>
-                    <a:lnR w="12700" cap="flat" cmpd="sng" algn="ctr">
-                      <a:solidFill>
-                        <a:schemeClr val="tx1"/>
-                      </a:solidFill>
-                      <a:prstDash val="solid"/>
-                      <a:round/>
-                      <a:headEnd type="none" w="med" len="med"/>
-                      <a:tailEnd type="none" w="med" len="med"/>
-                    </a:lnR>
-                    <a:lnT w="12700" cap="flat" cmpd="sng" algn="ctr">
-                      <a:solidFill>
-                        <a:schemeClr val="tx1"/>
-                      </a:solidFill>
-                      <a:prstDash val="solid"/>
-                      <a:round/>
-                      <a:headEnd type="none" w="med" len="med"/>
-                      <a:tailEnd type="none" w="med" len="med"/>
-                    </a:lnT>
-                    <a:lnB w="12700" cap="flat" cmpd="sng" algn="ctr">
-                      <a:solidFill>
-                        <a:schemeClr val="tx1"/>
-                      </a:solidFill>
-                      <a:prstDash val="solid"/>
-                      <a:round/>
-                      <a:headEnd type="none" w="med" len="med"/>
-                      <a:tailEnd type="none" w="med" len="med"/>
-                    </a:lnB>
-                    <a:lnTlToBr w="12700" cmpd="sng">
-                      <a:noFill/>
-                      <a:prstDash val="solid"/>
-                    </a:lnTlToBr>
-                    <a:lnBlToTr w="12700" cmpd="sng">
-                      <a:noFill/>
-                      <a:prstDash val="solid"/>
-                    </a:lnBlToTr>
-                    <a:solidFill>
-                      <a:schemeClr val="tx1">
-                        <a:lumMod val="50000"/>
-                      </a:schemeClr>
-                    </a:solidFill>
-                  </a:tcPr>
-                </a:tc>
-                <a:extLst>
-                  <a:ext uri="{0D108BD9-81ED-4DB2-BD59-A6C34878D82A}">
-                    <a16:rowId xmlns:a16="http://schemas.microsoft.com/office/drawing/2014/main" xmlns="" val="10003"/>
-                  </a:ext>
-                </a:extLst>
-              </a:tr>
-            </a:tbl>
-          </a:graphicData>
-        </a:graphic>
-      </p:graphicFrame>
     </p:spTree>
     <p:extLst>
       <p:ext uri="{BB962C8B-B14F-4D97-AF65-F5344CB8AC3E}">
-        <p14:creationId xmlns:p14="http://schemas.microsoft.com/office/powerpoint/2010/main" val="96590304"/>
+        <p14:creationId xmlns:p14="http://schemas.microsoft.com/office/powerpoint/2010/main" val="3532723709"/>
       </p:ext>
     </p:extLst>
   </p:cSld>

--- a/Presentation/Presentation.pptx
+++ b/Presentation/Presentation.pptx
@@ -2290,7 +2290,7 @@
           <a:p>
             <a:fld id="{2919E1E2-61BE-4B8C-866A-656E5D301163}" type="datetimeFigureOut">
               <a:rPr lang="en-US" smtClean="0"/>
-              <a:t>9/15/2019</a:t>
+              <a:t>9/18/2019</a:t>
             </a:fld>
             <a:endParaRPr lang="en-US"/>
           </a:p>
@@ -2460,7 +2460,7 @@
           <a:p>
             <a:fld id="{2919E1E2-61BE-4B8C-866A-656E5D301163}" type="datetimeFigureOut">
               <a:rPr lang="en-US" smtClean="0"/>
-              <a:t>9/15/2019</a:t>
+              <a:t>9/18/2019</a:t>
             </a:fld>
             <a:endParaRPr lang="en-US"/>
           </a:p>
@@ -2640,7 +2640,7 @@
           <a:p>
             <a:fld id="{2919E1E2-61BE-4B8C-866A-656E5D301163}" type="datetimeFigureOut">
               <a:rPr lang="en-US" smtClean="0"/>
-              <a:t>9/15/2019</a:t>
+              <a:t>9/18/2019</a:t>
             </a:fld>
             <a:endParaRPr lang="en-US"/>
           </a:p>
@@ -3014,7 +3014,7 @@
           <a:p>
             <a:fld id="{2919E1E2-61BE-4B8C-866A-656E5D301163}" type="datetimeFigureOut">
               <a:rPr lang="en-US" smtClean="0"/>
-              <a:t>9/15/2019</a:t>
+              <a:t>9/18/2019</a:t>
             </a:fld>
             <a:endParaRPr lang="en-US"/>
           </a:p>
@@ -3246,7 +3246,7 @@
           <a:p>
             <a:fld id="{2919E1E2-61BE-4B8C-866A-656E5D301163}" type="datetimeFigureOut">
               <a:rPr lang="en-US" smtClean="0"/>
-              <a:t>9/15/2019</a:t>
+              <a:t>9/18/2019</a:t>
             </a:fld>
             <a:endParaRPr lang="en-US"/>
           </a:p>
@@ -3613,7 +3613,7 @@
           <a:p>
             <a:fld id="{2919E1E2-61BE-4B8C-866A-656E5D301163}" type="datetimeFigureOut">
               <a:rPr lang="en-US" smtClean="0"/>
-              <a:t>9/15/2019</a:t>
+              <a:t>9/18/2019</a:t>
             </a:fld>
             <a:endParaRPr lang="en-US"/>
           </a:p>
@@ -3731,7 +3731,7 @@
           <a:p>
             <a:fld id="{2919E1E2-61BE-4B8C-866A-656E5D301163}" type="datetimeFigureOut">
               <a:rPr lang="en-US" smtClean="0"/>
-              <a:t>9/15/2019</a:t>
+              <a:t>9/18/2019</a:t>
             </a:fld>
             <a:endParaRPr lang="en-US"/>
           </a:p>
@@ -3826,7 +3826,7 @@
           <a:p>
             <a:fld id="{2919E1E2-61BE-4B8C-866A-656E5D301163}" type="datetimeFigureOut">
               <a:rPr lang="en-US" smtClean="0"/>
-              <a:t>9/15/2019</a:t>
+              <a:t>9/18/2019</a:t>
             </a:fld>
             <a:endParaRPr lang="en-US"/>
           </a:p>
@@ -4103,7 +4103,7 @@
           <a:p>
             <a:fld id="{2919E1E2-61BE-4B8C-866A-656E5D301163}" type="datetimeFigureOut">
               <a:rPr lang="en-US" smtClean="0"/>
-              <a:t>9/15/2019</a:t>
+              <a:t>9/18/2019</a:t>
             </a:fld>
             <a:endParaRPr lang="en-US"/>
           </a:p>
@@ -4360,7 +4360,7 @@
           <a:p>
             <a:fld id="{2919E1E2-61BE-4B8C-866A-656E5D301163}" type="datetimeFigureOut">
               <a:rPr lang="en-US" smtClean="0"/>
-              <a:t>9/15/2019</a:t>
+              <a:t>9/18/2019</a:t>
             </a:fld>
             <a:endParaRPr lang="en-US"/>
           </a:p>
@@ -4573,7 +4573,7 @@
           <a:p>
             <a:fld id="{2919E1E2-61BE-4B8C-866A-656E5D301163}" type="datetimeFigureOut">
               <a:rPr lang="en-US" smtClean="0"/>
-              <a:t>9/15/2019</a:t>
+              <a:t>9/18/2019</a:t>
             </a:fld>
             <a:endParaRPr lang="en-US"/>
           </a:p>
@@ -5158,49 +5158,49 @@
                 <a:gridCol w="1162756">
                   <a:extLst>
                     <a:ext uri="{9D8B030D-6E8A-4147-A177-3AD203B41FA5}">
-                      <a16:colId xmlns="" xmlns:a16="http://schemas.microsoft.com/office/drawing/2014/main" val="20000"/>
+                      <a16:colId xmlns:a16="http://schemas.microsoft.com/office/drawing/2014/main" xmlns="" val="20000"/>
                     </a:ext>
                   </a:extLst>
                 </a:gridCol>
                 <a:gridCol w="1162756">
                   <a:extLst>
                     <a:ext uri="{9D8B030D-6E8A-4147-A177-3AD203B41FA5}">
-                      <a16:colId xmlns="" xmlns:a16="http://schemas.microsoft.com/office/drawing/2014/main" val="20001"/>
+                      <a16:colId xmlns:a16="http://schemas.microsoft.com/office/drawing/2014/main" xmlns="" val="20001"/>
                     </a:ext>
                   </a:extLst>
                 </a:gridCol>
                 <a:gridCol w="1162756">
                   <a:extLst>
                     <a:ext uri="{9D8B030D-6E8A-4147-A177-3AD203B41FA5}">
-                      <a16:colId xmlns="" xmlns:a16="http://schemas.microsoft.com/office/drawing/2014/main" val="20002"/>
+                      <a16:colId xmlns:a16="http://schemas.microsoft.com/office/drawing/2014/main" xmlns="" val="20002"/>
                     </a:ext>
                   </a:extLst>
                 </a:gridCol>
                 <a:gridCol w="1162756">
                   <a:extLst>
                     <a:ext uri="{9D8B030D-6E8A-4147-A177-3AD203B41FA5}">
-                      <a16:colId xmlns="" xmlns:a16="http://schemas.microsoft.com/office/drawing/2014/main" val="20003"/>
+                      <a16:colId xmlns:a16="http://schemas.microsoft.com/office/drawing/2014/main" xmlns="" val="20003"/>
                     </a:ext>
                   </a:extLst>
                 </a:gridCol>
                 <a:gridCol w="1162756">
                   <a:extLst>
                     <a:ext uri="{9D8B030D-6E8A-4147-A177-3AD203B41FA5}">
-                      <a16:colId xmlns="" xmlns:a16="http://schemas.microsoft.com/office/drawing/2014/main" val="20004"/>
+                      <a16:colId xmlns:a16="http://schemas.microsoft.com/office/drawing/2014/main" xmlns="" val="20004"/>
                     </a:ext>
                   </a:extLst>
                 </a:gridCol>
                 <a:gridCol w="1162756">
                   <a:extLst>
                     <a:ext uri="{9D8B030D-6E8A-4147-A177-3AD203B41FA5}">
-                      <a16:colId xmlns="" xmlns:a16="http://schemas.microsoft.com/office/drawing/2014/main" val="20005"/>
+                      <a16:colId xmlns:a16="http://schemas.microsoft.com/office/drawing/2014/main" xmlns="" val="20005"/>
                     </a:ext>
                   </a:extLst>
                 </a:gridCol>
                 <a:gridCol w="1162756">
                   <a:extLst>
                     <a:ext uri="{9D8B030D-6E8A-4147-A177-3AD203B41FA5}">
-                      <a16:colId xmlns="" xmlns:a16="http://schemas.microsoft.com/office/drawing/2014/main" val="20006"/>
+                      <a16:colId xmlns:a16="http://schemas.microsoft.com/office/drawing/2014/main" xmlns="" val="20006"/>
                     </a:ext>
                   </a:extLst>
                 </a:gridCol>
@@ -5707,7 +5707,7 @@
                 </a:tc>
                 <a:extLst>
                   <a:ext uri="{0D108BD9-81ED-4DB2-BD59-A6C34878D82A}">
-                    <a16:rowId xmlns="" xmlns:a16="http://schemas.microsoft.com/office/drawing/2014/main" val="10000"/>
+                    <a16:rowId xmlns:a16="http://schemas.microsoft.com/office/drawing/2014/main" xmlns="" val="10000"/>
                   </a:ext>
                 </a:extLst>
               </a:tr>
@@ -6185,7 +6185,7 @@
                 </a:tc>
                 <a:extLst>
                   <a:ext uri="{0D108BD9-81ED-4DB2-BD59-A6C34878D82A}">
-                    <a16:rowId xmlns="" xmlns:a16="http://schemas.microsoft.com/office/drawing/2014/main" val="10001"/>
+                    <a16:rowId xmlns:a16="http://schemas.microsoft.com/office/drawing/2014/main" xmlns="" val="10001"/>
                   </a:ext>
                 </a:extLst>
               </a:tr>
@@ -6261,63 +6261,63 @@
                 <a:gridCol w="1162756">
                   <a:extLst>
                     <a:ext uri="{9D8B030D-6E8A-4147-A177-3AD203B41FA5}">
-                      <a16:colId xmlns="" xmlns:a16="http://schemas.microsoft.com/office/drawing/2014/main" val="20000"/>
+                      <a16:colId xmlns:a16="http://schemas.microsoft.com/office/drawing/2014/main" xmlns="" val="20000"/>
                     </a:ext>
                   </a:extLst>
                 </a:gridCol>
                 <a:gridCol w="1162756">
                   <a:extLst>
                     <a:ext uri="{9D8B030D-6E8A-4147-A177-3AD203B41FA5}">
-                      <a16:colId xmlns="" xmlns:a16="http://schemas.microsoft.com/office/drawing/2014/main" val="20001"/>
+                      <a16:colId xmlns:a16="http://schemas.microsoft.com/office/drawing/2014/main" xmlns="" val="20001"/>
                     </a:ext>
                   </a:extLst>
                 </a:gridCol>
                 <a:gridCol w="1162756">
                   <a:extLst>
                     <a:ext uri="{9D8B030D-6E8A-4147-A177-3AD203B41FA5}">
-                      <a16:colId xmlns="" xmlns:a16="http://schemas.microsoft.com/office/drawing/2014/main" val="20002"/>
+                      <a16:colId xmlns:a16="http://schemas.microsoft.com/office/drawing/2014/main" xmlns="" val="20002"/>
                     </a:ext>
                   </a:extLst>
                 </a:gridCol>
                 <a:gridCol w="1162756">
                   <a:extLst>
                     <a:ext uri="{9D8B030D-6E8A-4147-A177-3AD203B41FA5}">
-                      <a16:colId xmlns="" xmlns:a16="http://schemas.microsoft.com/office/drawing/2014/main" val="20003"/>
+                      <a16:colId xmlns:a16="http://schemas.microsoft.com/office/drawing/2014/main" xmlns="" val="20003"/>
                     </a:ext>
                   </a:extLst>
                 </a:gridCol>
                 <a:gridCol w="1162756">
                   <a:extLst>
                     <a:ext uri="{9D8B030D-6E8A-4147-A177-3AD203B41FA5}">
-                      <a16:colId xmlns="" xmlns:a16="http://schemas.microsoft.com/office/drawing/2014/main" val="20004"/>
+                      <a16:colId xmlns:a16="http://schemas.microsoft.com/office/drawing/2014/main" xmlns="" val="20004"/>
                     </a:ext>
                   </a:extLst>
                 </a:gridCol>
                 <a:gridCol w="1162756">
                   <a:extLst>
                     <a:ext uri="{9D8B030D-6E8A-4147-A177-3AD203B41FA5}">
-                      <a16:colId xmlns="" xmlns:a16="http://schemas.microsoft.com/office/drawing/2014/main" val="20005"/>
+                      <a16:colId xmlns:a16="http://schemas.microsoft.com/office/drawing/2014/main" xmlns="" val="20005"/>
                     </a:ext>
                   </a:extLst>
                 </a:gridCol>
                 <a:gridCol w="1162756">
                   <a:extLst>
                     <a:ext uri="{9D8B030D-6E8A-4147-A177-3AD203B41FA5}">
-                      <a16:colId xmlns="" xmlns:a16="http://schemas.microsoft.com/office/drawing/2014/main" val="20006"/>
+                      <a16:colId xmlns:a16="http://schemas.microsoft.com/office/drawing/2014/main" xmlns="" val="20006"/>
                     </a:ext>
                   </a:extLst>
                 </a:gridCol>
                 <a:gridCol w="1162756">
                   <a:extLst>
                     <a:ext uri="{9D8B030D-6E8A-4147-A177-3AD203B41FA5}">
-                      <a16:colId xmlns="" xmlns:a16="http://schemas.microsoft.com/office/drawing/2014/main" val="20007"/>
+                      <a16:colId xmlns:a16="http://schemas.microsoft.com/office/drawing/2014/main" xmlns="" val="20007"/>
                     </a:ext>
                   </a:extLst>
                 </a:gridCol>
                 <a:gridCol w="1162756">
                   <a:extLst>
                     <a:ext uri="{9D8B030D-6E8A-4147-A177-3AD203B41FA5}">
-                      <a16:colId xmlns="" xmlns:a16="http://schemas.microsoft.com/office/drawing/2014/main" val="20008"/>
+                      <a16:colId xmlns:a16="http://schemas.microsoft.com/office/drawing/2014/main" xmlns="" val="20008"/>
                     </a:ext>
                   </a:extLst>
                 </a:gridCol>
@@ -6602,7 +6602,7 @@
                 </a:tc>
                 <a:extLst>
                   <a:ext uri="{0D108BD9-81ED-4DB2-BD59-A6C34878D82A}">
-                    <a16:rowId xmlns="" xmlns:a16="http://schemas.microsoft.com/office/drawing/2014/main" val="10000"/>
+                    <a16:rowId xmlns:a16="http://schemas.microsoft.com/office/drawing/2014/main" xmlns="" val="10000"/>
                   </a:ext>
                 </a:extLst>
               </a:tr>
@@ -7173,7 +7173,7 @@
                 </a:tc>
                 <a:extLst>
                   <a:ext uri="{0D108BD9-81ED-4DB2-BD59-A6C34878D82A}">
-                    <a16:rowId xmlns="" xmlns:a16="http://schemas.microsoft.com/office/drawing/2014/main" val="10001"/>
+                    <a16:rowId xmlns:a16="http://schemas.microsoft.com/office/drawing/2014/main" xmlns="" val="10001"/>
                   </a:ext>
                 </a:extLst>
               </a:tr>
@@ -7812,7 +7812,7 @@
                 </a:tc>
                 <a:extLst>
                   <a:ext uri="{0D108BD9-81ED-4DB2-BD59-A6C34878D82A}">
-                    <a16:rowId xmlns="" xmlns:a16="http://schemas.microsoft.com/office/drawing/2014/main" val="10002"/>
+                    <a16:rowId xmlns:a16="http://schemas.microsoft.com/office/drawing/2014/main" xmlns="" val="10002"/>
                   </a:ext>
                 </a:extLst>
               </a:tr>
@@ -8389,7 +8389,7 @@
                 </a:tc>
                 <a:extLst>
                   <a:ext uri="{0D108BD9-81ED-4DB2-BD59-A6C34878D82A}">
-                    <a16:rowId xmlns="" xmlns:a16="http://schemas.microsoft.com/office/drawing/2014/main" val="10003"/>
+                    <a16:rowId xmlns:a16="http://schemas.microsoft.com/office/drawing/2014/main" xmlns="" val="10003"/>
                   </a:ext>
                 </a:extLst>
               </a:tr>
@@ -8468,8 +8468,13 @@
           <a:p>
             <a:r>
               <a:rPr lang="en-US" dirty="0"/>
-              <a:t>If you don’t understand the data, you don’t understand the problem.”</a:t>
-            </a:r>
+              <a:t>If you don’t understand the data, you don’t understand the problem</a:t>
+            </a:r>
+            <a:r>
+              <a:rPr lang="en-US" dirty="0" smtClean="0"/>
+              <a:t>.</a:t>
+            </a:r>
+            <a:endParaRPr lang="en-US" dirty="0"/>
           </a:p>
           <a:p>
             <a:r>
@@ -8510,7 +8515,19 @@
           <a:p>
             <a:r>
               <a:rPr lang="en-US" dirty="0" smtClean="0"/>
-              <a:t>It’s just a name, understand the harward, language, compiler, OS, data, then solve the problem</a:t>
+              <a:t>It’s just a name, understand </a:t>
+            </a:r>
+            <a:r>
+              <a:rPr lang="en-US" smtClean="0"/>
+              <a:t>the </a:t>
+            </a:r>
+            <a:r>
+              <a:rPr lang="en-US" smtClean="0"/>
+              <a:t>hardware, </a:t>
+            </a:r>
+            <a:r>
+              <a:rPr lang="en-US" dirty="0" smtClean="0"/>
+              <a:t>language, compiler, OS, data, then solve the problem</a:t>
             </a:r>
             <a:endParaRPr lang="en-US" dirty="0"/>
           </a:p>
@@ -9027,21 +9044,21 @@
                 <a:gridCol w="1162756">
                   <a:extLst>
                     <a:ext uri="{9D8B030D-6E8A-4147-A177-3AD203B41FA5}">
-                      <a16:colId xmlns="" xmlns:a16="http://schemas.microsoft.com/office/drawing/2014/main" val="20000"/>
+                      <a16:colId xmlns:a16="http://schemas.microsoft.com/office/drawing/2014/main" xmlns="" val="20000"/>
                     </a:ext>
                   </a:extLst>
                 </a:gridCol>
                 <a:gridCol w="1162756">
                   <a:extLst>
                     <a:ext uri="{9D8B030D-6E8A-4147-A177-3AD203B41FA5}">
-                      <a16:colId xmlns="" xmlns:a16="http://schemas.microsoft.com/office/drawing/2014/main" val="20001"/>
+                      <a16:colId xmlns:a16="http://schemas.microsoft.com/office/drawing/2014/main" xmlns="" val="20001"/>
                     </a:ext>
                   </a:extLst>
                 </a:gridCol>
                 <a:gridCol w="1162756">
                   <a:extLst>
                     <a:ext uri="{9D8B030D-6E8A-4147-A177-3AD203B41FA5}">
-                      <a16:colId xmlns="" xmlns:a16="http://schemas.microsoft.com/office/drawing/2014/main" val="20002"/>
+                      <a16:colId xmlns:a16="http://schemas.microsoft.com/office/drawing/2014/main" xmlns="" val="20002"/>
                     </a:ext>
                   </a:extLst>
                 </a:gridCol>
@@ -9137,7 +9154,7 @@
                 </a:tc>
                 <a:extLst>
                   <a:ext uri="{0D108BD9-81ED-4DB2-BD59-A6C34878D82A}">
-                    <a16:rowId xmlns="" xmlns:a16="http://schemas.microsoft.com/office/drawing/2014/main" val="10000"/>
+                    <a16:rowId xmlns:a16="http://schemas.microsoft.com/office/drawing/2014/main" xmlns="" val="10000"/>
                   </a:ext>
                 </a:extLst>
               </a:tr>
@@ -9332,7 +9349,7 @@
                 </a:tc>
                 <a:extLst>
                   <a:ext uri="{0D108BD9-81ED-4DB2-BD59-A6C34878D82A}">
-                    <a16:rowId xmlns="" xmlns:a16="http://schemas.microsoft.com/office/drawing/2014/main" val="10001"/>
+                    <a16:rowId xmlns:a16="http://schemas.microsoft.com/office/drawing/2014/main" xmlns="" val="10001"/>
                   </a:ext>
                 </a:extLst>
               </a:tr>
@@ -9555,7 +9572,7 @@
                 </a:tc>
                 <a:extLst>
                   <a:ext uri="{0D108BD9-81ED-4DB2-BD59-A6C34878D82A}">
-                    <a16:rowId xmlns="" xmlns:a16="http://schemas.microsoft.com/office/drawing/2014/main" val="10002"/>
+                    <a16:rowId xmlns:a16="http://schemas.microsoft.com/office/drawing/2014/main" xmlns="" val="10002"/>
                   </a:ext>
                 </a:extLst>
               </a:tr>
@@ -9751,7 +9768,7 @@
                 </a:tc>
                 <a:extLst>
                   <a:ext uri="{0D108BD9-81ED-4DB2-BD59-A6C34878D82A}">
-                    <a16:rowId xmlns="" xmlns:a16="http://schemas.microsoft.com/office/drawing/2014/main" val="10003"/>
+                    <a16:rowId xmlns:a16="http://schemas.microsoft.com/office/drawing/2014/main" xmlns="" val="10003"/>
                   </a:ext>
                 </a:extLst>
               </a:tr>
@@ -9787,21 +9804,21 @@
                 <a:gridCol w="1162756">
                   <a:extLst>
                     <a:ext uri="{9D8B030D-6E8A-4147-A177-3AD203B41FA5}">
-                      <a16:colId xmlns="" xmlns:a16="http://schemas.microsoft.com/office/drawing/2014/main" val="20000"/>
+                      <a16:colId xmlns:a16="http://schemas.microsoft.com/office/drawing/2014/main" xmlns="" val="20000"/>
                     </a:ext>
                   </a:extLst>
                 </a:gridCol>
                 <a:gridCol w="1162756">
                   <a:extLst>
                     <a:ext uri="{9D8B030D-6E8A-4147-A177-3AD203B41FA5}">
-                      <a16:colId xmlns="" xmlns:a16="http://schemas.microsoft.com/office/drawing/2014/main" val="20001"/>
+                      <a16:colId xmlns:a16="http://schemas.microsoft.com/office/drawing/2014/main" xmlns="" val="20001"/>
                     </a:ext>
                   </a:extLst>
                 </a:gridCol>
                 <a:gridCol w="1162756">
                   <a:extLst>
                     <a:ext uri="{9D8B030D-6E8A-4147-A177-3AD203B41FA5}">
-                      <a16:colId xmlns="" xmlns:a16="http://schemas.microsoft.com/office/drawing/2014/main" val="20002"/>
+                      <a16:colId xmlns:a16="http://schemas.microsoft.com/office/drawing/2014/main" xmlns="" val="20002"/>
                     </a:ext>
                   </a:extLst>
                 </a:gridCol>
@@ -9897,7 +9914,7 @@
                 </a:tc>
                 <a:extLst>
                   <a:ext uri="{0D108BD9-81ED-4DB2-BD59-A6C34878D82A}">
-                    <a16:rowId xmlns="" xmlns:a16="http://schemas.microsoft.com/office/drawing/2014/main" val="10000"/>
+                    <a16:rowId xmlns:a16="http://schemas.microsoft.com/office/drawing/2014/main" xmlns="" val="10000"/>
                   </a:ext>
                 </a:extLst>
               </a:tr>
@@ -10092,7 +10109,7 @@
                 </a:tc>
                 <a:extLst>
                   <a:ext uri="{0D108BD9-81ED-4DB2-BD59-A6C34878D82A}">
-                    <a16:rowId xmlns="" xmlns:a16="http://schemas.microsoft.com/office/drawing/2014/main" val="10001"/>
+                    <a16:rowId xmlns:a16="http://schemas.microsoft.com/office/drawing/2014/main" xmlns="" val="10001"/>
                   </a:ext>
                 </a:extLst>
               </a:tr>
@@ -10315,7 +10332,7 @@
                 </a:tc>
                 <a:extLst>
                   <a:ext uri="{0D108BD9-81ED-4DB2-BD59-A6C34878D82A}">
-                    <a16:rowId xmlns="" xmlns:a16="http://schemas.microsoft.com/office/drawing/2014/main" val="10002"/>
+                    <a16:rowId xmlns:a16="http://schemas.microsoft.com/office/drawing/2014/main" xmlns="" val="10002"/>
                   </a:ext>
                 </a:extLst>
               </a:tr>
@@ -10511,7 +10528,7 @@
                 </a:tc>
                 <a:extLst>
                   <a:ext uri="{0D108BD9-81ED-4DB2-BD59-A6C34878D82A}">
-                    <a16:rowId xmlns="" xmlns:a16="http://schemas.microsoft.com/office/drawing/2014/main" val="10003"/>
+                    <a16:rowId xmlns:a16="http://schemas.microsoft.com/office/drawing/2014/main" xmlns="" val="10003"/>
                   </a:ext>
                 </a:extLst>
               </a:tr>
@@ -10547,21 +10564,21 @@
                 <a:gridCol w="1162756">
                   <a:extLst>
                     <a:ext uri="{9D8B030D-6E8A-4147-A177-3AD203B41FA5}">
-                      <a16:colId xmlns="" xmlns:a16="http://schemas.microsoft.com/office/drawing/2014/main" val="20000"/>
+                      <a16:colId xmlns:a16="http://schemas.microsoft.com/office/drawing/2014/main" xmlns="" val="20000"/>
                     </a:ext>
                   </a:extLst>
                 </a:gridCol>
                 <a:gridCol w="1162756">
                   <a:extLst>
                     <a:ext uri="{9D8B030D-6E8A-4147-A177-3AD203B41FA5}">
-                      <a16:colId xmlns="" xmlns:a16="http://schemas.microsoft.com/office/drawing/2014/main" val="20001"/>
+                      <a16:colId xmlns:a16="http://schemas.microsoft.com/office/drawing/2014/main" xmlns="" val="20001"/>
                     </a:ext>
                   </a:extLst>
                 </a:gridCol>
                 <a:gridCol w="1162756">
                   <a:extLst>
                     <a:ext uri="{9D8B030D-6E8A-4147-A177-3AD203B41FA5}">
-                      <a16:colId xmlns="" xmlns:a16="http://schemas.microsoft.com/office/drawing/2014/main" val="20002"/>
+                      <a16:colId xmlns:a16="http://schemas.microsoft.com/office/drawing/2014/main" xmlns="" val="20002"/>
                     </a:ext>
                   </a:extLst>
                 </a:gridCol>
@@ -10657,7 +10674,7 @@
                 </a:tc>
                 <a:extLst>
                   <a:ext uri="{0D108BD9-81ED-4DB2-BD59-A6C34878D82A}">
-                    <a16:rowId xmlns="" xmlns:a16="http://schemas.microsoft.com/office/drawing/2014/main" val="10000"/>
+                    <a16:rowId xmlns:a16="http://schemas.microsoft.com/office/drawing/2014/main" xmlns="" val="10000"/>
                   </a:ext>
                 </a:extLst>
               </a:tr>
@@ -10852,7 +10869,7 @@
                 </a:tc>
                 <a:extLst>
                   <a:ext uri="{0D108BD9-81ED-4DB2-BD59-A6C34878D82A}">
-                    <a16:rowId xmlns="" xmlns:a16="http://schemas.microsoft.com/office/drawing/2014/main" val="10001"/>
+                    <a16:rowId xmlns:a16="http://schemas.microsoft.com/office/drawing/2014/main" xmlns="" val="10001"/>
                   </a:ext>
                 </a:extLst>
               </a:tr>
@@ -11075,7 +11092,7 @@
                 </a:tc>
                 <a:extLst>
                   <a:ext uri="{0D108BD9-81ED-4DB2-BD59-A6C34878D82A}">
-                    <a16:rowId xmlns="" xmlns:a16="http://schemas.microsoft.com/office/drawing/2014/main" val="10002"/>
+                    <a16:rowId xmlns:a16="http://schemas.microsoft.com/office/drawing/2014/main" xmlns="" val="10002"/>
                   </a:ext>
                 </a:extLst>
               </a:tr>
@@ -11271,7 +11288,7 @@
                 </a:tc>
                 <a:extLst>
                   <a:ext uri="{0D108BD9-81ED-4DB2-BD59-A6C34878D82A}">
-                    <a16:rowId xmlns="" xmlns:a16="http://schemas.microsoft.com/office/drawing/2014/main" val="10003"/>
+                    <a16:rowId xmlns:a16="http://schemas.microsoft.com/office/drawing/2014/main" xmlns="" val="10003"/>
                   </a:ext>
                 </a:extLst>
               </a:tr>
@@ -11637,63 +11654,63 @@
                 <a:gridCol w="1162756">
                   <a:extLst>
                     <a:ext uri="{9D8B030D-6E8A-4147-A177-3AD203B41FA5}">
-                      <a16:colId xmlns="" xmlns:a16="http://schemas.microsoft.com/office/drawing/2014/main" val="20000"/>
+                      <a16:colId xmlns:a16="http://schemas.microsoft.com/office/drawing/2014/main" xmlns="" val="20000"/>
                     </a:ext>
                   </a:extLst>
                 </a:gridCol>
                 <a:gridCol w="1162756">
                   <a:extLst>
                     <a:ext uri="{9D8B030D-6E8A-4147-A177-3AD203B41FA5}">
-                      <a16:colId xmlns="" xmlns:a16="http://schemas.microsoft.com/office/drawing/2014/main" val="20001"/>
+                      <a16:colId xmlns:a16="http://schemas.microsoft.com/office/drawing/2014/main" xmlns="" val="20001"/>
                     </a:ext>
                   </a:extLst>
                 </a:gridCol>
                 <a:gridCol w="1162756">
                   <a:extLst>
                     <a:ext uri="{9D8B030D-6E8A-4147-A177-3AD203B41FA5}">
-                      <a16:colId xmlns="" xmlns:a16="http://schemas.microsoft.com/office/drawing/2014/main" val="20002"/>
+                      <a16:colId xmlns:a16="http://schemas.microsoft.com/office/drawing/2014/main" xmlns="" val="20002"/>
                     </a:ext>
                   </a:extLst>
                 </a:gridCol>
                 <a:gridCol w="1162756">
                   <a:extLst>
                     <a:ext uri="{9D8B030D-6E8A-4147-A177-3AD203B41FA5}">
-                      <a16:colId xmlns="" xmlns:a16="http://schemas.microsoft.com/office/drawing/2014/main" val="20003"/>
+                      <a16:colId xmlns:a16="http://schemas.microsoft.com/office/drawing/2014/main" xmlns="" val="20003"/>
                     </a:ext>
                   </a:extLst>
                 </a:gridCol>
                 <a:gridCol w="1162756">
                   <a:extLst>
                     <a:ext uri="{9D8B030D-6E8A-4147-A177-3AD203B41FA5}">
-                      <a16:colId xmlns="" xmlns:a16="http://schemas.microsoft.com/office/drawing/2014/main" val="20004"/>
+                      <a16:colId xmlns:a16="http://schemas.microsoft.com/office/drawing/2014/main" xmlns="" val="20004"/>
                     </a:ext>
                   </a:extLst>
                 </a:gridCol>
                 <a:gridCol w="1162756">
                   <a:extLst>
                     <a:ext uri="{9D8B030D-6E8A-4147-A177-3AD203B41FA5}">
-                      <a16:colId xmlns="" xmlns:a16="http://schemas.microsoft.com/office/drawing/2014/main" val="20005"/>
+                      <a16:colId xmlns:a16="http://schemas.microsoft.com/office/drawing/2014/main" xmlns="" val="20005"/>
                     </a:ext>
                   </a:extLst>
                 </a:gridCol>
                 <a:gridCol w="1162756">
                   <a:extLst>
                     <a:ext uri="{9D8B030D-6E8A-4147-A177-3AD203B41FA5}">
-                      <a16:colId xmlns="" xmlns:a16="http://schemas.microsoft.com/office/drawing/2014/main" val="20006"/>
+                      <a16:colId xmlns:a16="http://schemas.microsoft.com/office/drawing/2014/main" xmlns="" val="20006"/>
                     </a:ext>
                   </a:extLst>
                 </a:gridCol>
                 <a:gridCol w="1162756">
                   <a:extLst>
                     <a:ext uri="{9D8B030D-6E8A-4147-A177-3AD203B41FA5}">
-                      <a16:colId xmlns="" xmlns:a16="http://schemas.microsoft.com/office/drawing/2014/main" val="20007"/>
+                      <a16:colId xmlns:a16="http://schemas.microsoft.com/office/drawing/2014/main" xmlns="" val="20007"/>
                     </a:ext>
                   </a:extLst>
                 </a:gridCol>
                 <a:gridCol w="1162756">
                   <a:extLst>
                     <a:ext uri="{9D8B030D-6E8A-4147-A177-3AD203B41FA5}">
-                      <a16:colId xmlns="" xmlns:a16="http://schemas.microsoft.com/office/drawing/2014/main" val="20008"/>
+                      <a16:colId xmlns:a16="http://schemas.microsoft.com/office/drawing/2014/main" xmlns="" val="20008"/>
                     </a:ext>
                   </a:extLst>
                 </a:gridCol>
@@ -11978,7 +11995,7 @@
                 </a:tc>
                 <a:extLst>
                   <a:ext uri="{0D108BD9-81ED-4DB2-BD59-A6C34878D82A}">
-                    <a16:rowId xmlns="" xmlns:a16="http://schemas.microsoft.com/office/drawing/2014/main" val="10000"/>
+                    <a16:rowId xmlns:a16="http://schemas.microsoft.com/office/drawing/2014/main" xmlns="" val="10000"/>
                   </a:ext>
                 </a:extLst>
               </a:tr>
@@ -12549,7 +12566,7 @@
                 </a:tc>
                 <a:extLst>
                   <a:ext uri="{0D108BD9-81ED-4DB2-BD59-A6C34878D82A}">
-                    <a16:rowId xmlns="" xmlns:a16="http://schemas.microsoft.com/office/drawing/2014/main" val="10001"/>
+                    <a16:rowId xmlns:a16="http://schemas.microsoft.com/office/drawing/2014/main" xmlns="" val="10001"/>
                   </a:ext>
                 </a:extLst>
               </a:tr>
@@ -13188,7 +13205,7 @@
                 </a:tc>
                 <a:extLst>
                   <a:ext uri="{0D108BD9-81ED-4DB2-BD59-A6C34878D82A}">
-                    <a16:rowId xmlns="" xmlns:a16="http://schemas.microsoft.com/office/drawing/2014/main" val="10002"/>
+                    <a16:rowId xmlns:a16="http://schemas.microsoft.com/office/drawing/2014/main" xmlns="" val="10002"/>
                   </a:ext>
                 </a:extLst>
               </a:tr>
@@ -13765,7 +13782,7 @@
                 </a:tc>
                 <a:extLst>
                   <a:ext uri="{0D108BD9-81ED-4DB2-BD59-A6C34878D82A}">
-                    <a16:rowId xmlns="" xmlns:a16="http://schemas.microsoft.com/office/drawing/2014/main" val="10003"/>
+                    <a16:rowId xmlns:a16="http://schemas.microsoft.com/office/drawing/2014/main" xmlns="" val="10003"/>
                   </a:ext>
                 </a:extLst>
               </a:tr>
